--- a/trunk/Project 1/Part 2/CS554_EuroTeam_Problem_Frames.pptx
+++ b/trunk/Project 1/Part 2/CS554_EuroTeam_Problem_Frames.pptx
@@ -1,6 +1,6 @@
 
 <file path=ppt/presentation.xml><?xml version="1.0" encoding="utf-8"?>
-<p:presentation xmlns:a="http://schemas.openxmlformats.org/drawingml/2006/main" xmlns:r="http://schemas.openxmlformats.org/officeDocument/2006/relationships" xmlns:p="http://schemas.openxmlformats.org/presentationml/2006/main" saveSubsetFonts="1">
+<p:presentation xmlns:a="http://schemas.openxmlformats.org/drawingml/2006/main" xmlns:r="http://schemas.openxmlformats.org/officeDocument/2006/relationships" xmlns:mc="http://schemas.openxmlformats.org/markup-compatibility/2006" xmlns:mv="urn:schemas-microsoft-com:mac:vml" xmlns:p="http://schemas.openxmlformats.org/presentationml/2006/main" mc:Ignorable="mv" mc:PreserveAttributes="mv:*" saveSubsetFonts="1">
   <p:sldMasterIdLst>
     <p:sldMasterId id="2147483660" r:id="rId1"/>
   </p:sldMasterIdLst>
@@ -163,7 +163,7 @@
 </file>
 
 <file path=ppt/handoutMasters/handoutMaster1.xml><?xml version="1.0" encoding="utf-8"?>
-<p:handoutMaster xmlns:a="http://schemas.openxmlformats.org/drawingml/2006/main" xmlns:r="http://schemas.openxmlformats.org/officeDocument/2006/relationships" xmlns:p="http://schemas.openxmlformats.org/presentationml/2006/main">
+<p:handoutMaster xmlns:a="http://schemas.openxmlformats.org/drawingml/2006/main" xmlns:r="http://schemas.openxmlformats.org/officeDocument/2006/relationships" xmlns:mc="http://schemas.openxmlformats.org/markup-compatibility/2006" xmlns:mv="urn:schemas-microsoft-com:mac:vml" xmlns:p="http://schemas.openxmlformats.org/presentationml/2006/main" mc:Ignorable="mv" mc:PreserveAttributes="mv:*">
   <p:cSld>
     <p:bg>
       <p:bgRef idx="1001">
@@ -266,7 +266,7 @@
               <a:pPr>
                 <a:defRPr/>
               </a:pPr>
-              <a:t>30/09/2009</a:t>
+              <a:t>10/1/09</a:t>
             </a:fld>
             <a:endParaRPr lang="fr-FR" altLang="ko-KR"/>
           </a:p>
@@ -363,7 +363,7 @@
     </p:spTree>
     <p:extLst>
       <p:ext uri="{BB962C8B-B14F-4D97-AF65-F5344CB8AC3E}">
-        <p14:creationId xmlns:p14="http://schemas.microsoft.com/office/powerpoint/2007/7/12/main" val="3216856891"/>
+        <p14:creationId xmlns:p14="http://schemas.microsoft.com/office/powerpoint/2007/7/12/main" xmlns:p="http://schemas.openxmlformats.org/presentationml/2006/main" xmlns:r="http://schemas.openxmlformats.org/officeDocument/2006/relationships" xmlns:a="http://schemas.openxmlformats.org/drawingml/2006/main" xmlns="" val="3216856891"/>
       </p:ext>
     </p:extLst>
   </p:cSld>
@@ -372,7 +372,7 @@
 </file>
 
 <file path=ppt/notesMasters/notesMaster1.xml><?xml version="1.0" encoding="utf-8"?>
-<p:notesMaster xmlns:a="http://schemas.openxmlformats.org/drawingml/2006/main" xmlns:r="http://schemas.openxmlformats.org/officeDocument/2006/relationships" xmlns:p="http://schemas.openxmlformats.org/presentationml/2006/main">
+<p:notesMaster xmlns:a="http://schemas.openxmlformats.org/drawingml/2006/main" xmlns:r="http://schemas.openxmlformats.org/officeDocument/2006/relationships" xmlns:mc="http://schemas.openxmlformats.org/markup-compatibility/2006" xmlns:mv="urn:schemas-microsoft-com:mac:vml" xmlns:p="http://schemas.openxmlformats.org/presentationml/2006/main" mc:Ignorable="mv" mc:PreserveAttributes="mv:*">
   <p:cSld>
     <p:bg>
       <p:bgRef idx="1001">
@@ -475,7 +475,7 @@
               <a:pPr>
                 <a:defRPr/>
               </a:pPr>
-              <a:t>30/09/2009</a:t>
+              <a:t>10/1/09</a:t>
             </a:fld>
             <a:endParaRPr lang="fr-FR" altLang="ko-KR"/>
           </a:p>
@@ -668,7 +668,7 @@
     </p:spTree>
     <p:extLst>
       <p:ext uri="{BB962C8B-B14F-4D97-AF65-F5344CB8AC3E}">
-        <p14:creationId xmlns:p14="http://schemas.microsoft.com/office/powerpoint/2007/7/12/main" val="3483236166"/>
+        <p14:creationId xmlns:p14="http://schemas.microsoft.com/office/powerpoint/2007/7/12/main" xmlns:p="http://schemas.openxmlformats.org/presentationml/2006/main" xmlns:r="http://schemas.openxmlformats.org/officeDocument/2006/relationships" xmlns:a="http://schemas.openxmlformats.org/drawingml/2006/main" xmlns="" val="3483236166"/>
       </p:ext>
     </p:extLst>
   </p:cSld>
@@ -799,7 +799,7 @@
 </file>
 
 <file path=ppt/slideLayouts/slideLayout1.xml><?xml version="1.0" encoding="utf-8"?>
-<p:sldLayout xmlns:a="http://schemas.openxmlformats.org/drawingml/2006/main" xmlns:r="http://schemas.openxmlformats.org/officeDocument/2006/relationships" xmlns:p="http://schemas.openxmlformats.org/presentationml/2006/main" showMasterSp="0" preserve="1" userDrawn="1">
+<p:sldLayout xmlns:a="http://schemas.openxmlformats.org/drawingml/2006/main" xmlns:r="http://schemas.openxmlformats.org/officeDocument/2006/relationships" xmlns:mc="http://schemas.openxmlformats.org/markup-compatibility/2006" xmlns:mv="urn:schemas-microsoft-com:mac:vml" xmlns:p="http://schemas.openxmlformats.org/presentationml/2006/main" mc:Ignorable="mv" mc:PreserveAttributes="mv:*" showMasterSp="0" preserve="1" userDrawn="1">
   <p:cSld name="Titre">
     <p:bg>
       <p:bgPr>
@@ -871,7 +871,7 @@
             </a:pPr>
             <a:endParaRPr lang="ko-KR" altLang="ko-KR">
               <a:solidFill>
-                <a:srgbClr xmlns:mc="http://schemas.openxmlformats.org/markup-compatibility/2006" xmlns:a14="http://schemas.microsoft.com/office/drawing/2007/7/7/main" val="000000" mc:Ignorable=""/>
+                <a:srgbClr val="000000"/>
               </a:solidFill>
               <a:cs typeface="Arial" charset="0"/>
             </a:endParaRPr>
@@ -930,7 +930,7 @@
             </a:pPr>
             <a:endParaRPr lang="ko-KR" altLang="ko-KR">
               <a:solidFill>
-                <a:srgbClr xmlns:mc="http://schemas.openxmlformats.org/markup-compatibility/2006" xmlns:a14="http://schemas.microsoft.com/office/drawing/2007/7/7/main" val="000000" mc:Ignorable=""/>
+                <a:srgbClr val="000000"/>
               </a:solidFill>
               <a:cs typeface="Arial" charset="0"/>
             </a:endParaRPr>
@@ -991,7 +991,7 @@
             </a:pPr>
             <a:endParaRPr lang="ko-KR" altLang="ko-KR">
               <a:solidFill>
-                <a:srgbClr xmlns:mc="http://schemas.openxmlformats.org/markup-compatibility/2006" xmlns:a14="http://schemas.microsoft.com/office/drawing/2007/7/7/main" val="000000" mc:Ignorable=""/>
+                <a:srgbClr val="000000"/>
               </a:solidFill>
               <a:cs typeface="Arial" charset="0"/>
             </a:endParaRPr>
@@ -1320,7 +1320,7 @@
 </file>
 
 <file path=ppt/slideLayouts/slideLayout2.xml><?xml version="1.0" encoding="utf-8"?>
-<p:sldLayout xmlns:a="http://schemas.openxmlformats.org/drawingml/2006/main" xmlns:r="http://schemas.openxmlformats.org/officeDocument/2006/relationships" xmlns:p="http://schemas.openxmlformats.org/presentationml/2006/main" showMasterSp="0" preserve="1" userDrawn="1">
+<p:sldLayout xmlns:a="http://schemas.openxmlformats.org/drawingml/2006/main" xmlns:r="http://schemas.openxmlformats.org/officeDocument/2006/relationships" xmlns:mc="http://schemas.openxmlformats.org/markup-compatibility/2006" xmlns:mv="urn:schemas-microsoft-com:mac:vml" xmlns:p="http://schemas.openxmlformats.org/presentationml/2006/main" mc:Ignorable="mv" mc:PreserveAttributes="mv:*" showMasterSp="0" preserve="1" userDrawn="1">
   <p:cSld name="Sommaire">
     <p:spTree>
       <p:nvGrpSpPr>
@@ -1388,7 +1388,7 @@
             </a:pPr>
             <a:endParaRPr lang="ko-KR" altLang="ko-KR">
               <a:solidFill>
-                <a:srgbClr xmlns:mc="http://schemas.openxmlformats.org/markup-compatibility/2006" xmlns:a14="http://schemas.microsoft.com/office/drawing/2007/7/7/main" val="000000" mc:Ignorable=""/>
+                <a:srgbClr val="000000"/>
               </a:solidFill>
               <a:cs typeface="Arial" charset="0"/>
             </a:endParaRPr>
@@ -1449,7 +1449,7 @@
             </a:pPr>
             <a:endParaRPr lang="ko-KR" altLang="ko-KR">
               <a:solidFill>
-                <a:srgbClr xmlns:mc="http://schemas.openxmlformats.org/markup-compatibility/2006" xmlns:a14="http://schemas.microsoft.com/office/drawing/2007/7/7/main" val="000000" mc:Ignorable=""/>
+                <a:srgbClr val="000000"/>
               </a:solidFill>
               <a:cs typeface="Arial" charset="0"/>
             </a:endParaRPr>
@@ -1546,7 +1546,7 @@
           <a:lstStyle>
             <a:lvl1pPr marL="0" indent="354013">
               <a:buClr>
-                <a:srgbClr xmlns:mc="http://schemas.openxmlformats.org/markup-compatibility/2006" xmlns:a14="http://schemas.microsoft.com/office/drawing/2007/7/7/main" val="DA7E18" mc:Ignorable=""/>
+                <a:srgbClr val="DA7E18"/>
               </a:buClr>
               <a:buSzPct val="120000"/>
               <a:buFont typeface="+mj-lt"/>
@@ -1555,7 +1555,7 @@
             </a:lvl1pPr>
             <a:lvl2pPr marL="633413" indent="354013">
               <a:buClr>
-                <a:srgbClr xmlns:mc="http://schemas.openxmlformats.org/markup-compatibility/2006" xmlns:a14="http://schemas.microsoft.com/office/drawing/2007/7/7/main" val="E5AB1B" mc:Ignorable=""/>
+                <a:srgbClr val="E5AB1B"/>
               </a:buClr>
               <a:buSzPct val="120000"/>
               <a:buFont typeface="+mj-lt"/>
@@ -1627,7 +1627,7 @@
 </file>
 
 <file path=ppt/slideLayouts/slideLayout3.xml><?xml version="1.0" encoding="utf-8"?>
-<p:sldLayout xmlns:a="http://schemas.openxmlformats.org/drawingml/2006/main" xmlns:r="http://schemas.openxmlformats.org/officeDocument/2006/relationships" xmlns:p="http://schemas.openxmlformats.org/presentationml/2006/main" preserve="1" userDrawn="1">
+<p:sldLayout xmlns:a="http://schemas.openxmlformats.org/drawingml/2006/main" xmlns:r="http://schemas.openxmlformats.org/officeDocument/2006/relationships" xmlns:mc="http://schemas.openxmlformats.org/markup-compatibility/2006" xmlns:mv="urn:schemas-microsoft-com:mac:vml" xmlns:p="http://schemas.openxmlformats.org/presentationml/2006/main" mc:Ignorable="mv" mc:PreserveAttributes="mv:*" preserve="1" userDrawn="1">
   <p:cSld name="Diapo classique">
     <p:spTree>
       <p:nvGrpSpPr>
@@ -1688,7 +1688,7 @@
             </a:pPr>
             <a:endParaRPr lang="ko-KR" altLang="ko-KR">
               <a:solidFill>
-                <a:srgbClr xmlns:mc="http://schemas.openxmlformats.org/markup-compatibility/2006" xmlns:a14="http://schemas.microsoft.com/office/drawing/2007/7/7/main" val="000000" mc:Ignorable=""/>
+                <a:srgbClr val="000000"/>
               </a:solidFill>
               <a:cs typeface="Arial" charset="0"/>
             </a:endParaRPr>
@@ -1721,7 +1721,7 @@
             </a:pPr>
             <a:endParaRPr lang="ko-KR" altLang="ko-KR" sz="1100" b="1">
               <a:solidFill>
-                <a:srgbClr xmlns:mc="http://schemas.openxmlformats.org/markup-compatibility/2006" xmlns:a14="http://schemas.microsoft.com/office/drawing/2007/7/7/main" val="A0A0A0" mc:Ignorable=""/>
+                <a:srgbClr val="A0A0A0"/>
               </a:solidFill>
               <a:latin typeface="Calibri" pitchFamily="34" charset="0"/>
             </a:endParaRPr>
@@ -1816,7 +1816,7 @@
           <a:lstStyle>
             <a:lvl1pPr marL="0" indent="354013">
               <a:buClr>
-                <a:srgbClr xmlns:mc="http://schemas.openxmlformats.org/markup-compatibility/2006" xmlns:a14="http://schemas.microsoft.com/office/drawing/2007/7/7/main" val="DA7E18" mc:Ignorable=""/>
+                <a:srgbClr val="DA7E18"/>
               </a:buClr>
               <a:buSzPct val="70000"/>
               <a:buFont typeface="Wingdings" pitchFamily="2" charset="2"/>
@@ -1825,7 +1825,7 @@
             </a:lvl1pPr>
             <a:lvl2pPr>
               <a:buClr>
-                <a:srgbClr xmlns:mc="http://schemas.openxmlformats.org/markup-compatibility/2006" xmlns:a14="http://schemas.microsoft.com/office/drawing/2007/7/7/main" val="E5AB1B" mc:Ignorable=""/>
+                <a:srgbClr val="E5AB1B"/>
               </a:buClr>
               <a:buSzPct val="70000"/>
               <a:buFont typeface="Wingdings" pitchFamily="2" charset="2"/>
@@ -1897,7 +1897,7 @@
 </file>
 
 <file path=ppt/slideMasters/slideMaster1.xml><?xml version="1.0" encoding="utf-8"?>
-<p:sldMaster xmlns:a="http://schemas.openxmlformats.org/drawingml/2006/main" xmlns:r="http://schemas.openxmlformats.org/officeDocument/2006/relationships" xmlns:p="http://schemas.openxmlformats.org/presentationml/2006/main" preserve="1">
+<p:sldMaster xmlns:a="http://schemas.openxmlformats.org/drawingml/2006/main" xmlns:r="http://schemas.openxmlformats.org/officeDocument/2006/relationships" xmlns:mc="http://schemas.openxmlformats.org/markup-compatibility/2006" xmlns:mv="urn:schemas-microsoft-com:mac:vml" xmlns:p="http://schemas.openxmlformats.org/presentationml/2006/main" mc:Ignorable="mv" mc:PreserveAttributes="mv:*" preserve="1">
   <p:cSld>
     <p:bg>
       <p:bgRef idx="1003">
@@ -1972,7 +1972,7 @@
             </a:pPr>
             <a:endParaRPr lang="ko-KR" altLang="ko-KR">
               <a:solidFill>
-                <a:srgbClr xmlns:mc="http://schemas.openxmlformats.org/markup-compatibility/2006" xmlns:a14="http://schemas.microsoft.com/office/drawing/2007/7/7/main" val="000000" mc:Ignorable=""/>
+                <a:srgbClr val="000000"/>
               </a:solidFill>
               <a:cs typeface="Arial" charset="0"/>
             </a:endParaRPr>
@@ -2031,7 +2031,7 @@
             </a:pPr>
             <a:endParaRPr lang="ko-KR" altLang="ko-KR">
               <a:solidFill>
-                <a:srgbClr xmlns:mc="http://schemas.openxmlformats.org/markup-compatibility/2006" xmlns:a14="http://schemas.microsoft.com/office/drawing/2007/7/7/main" val="000000" mc:Ignorable=""/>
+                <a:srgbClr val="000000"/>
               </a:solidFill>
               <a:cs typeface="Arial" charset="0"/>
             </a:endParaRPr>
@@ -2090,7 +2090,7 @@
             </a:pPr>
             <a:endParaRPr lang="ko-KR" altLang="ko-KR">
               <a:solidFill>
-                <a:srgbClr xmlns:mc="http://schemas.openxmlformats.org/markup-compatibility/2006" xmlns:a14="http://schemas.microsoft.com/office/drawing/2007/7/7/main" val="000000" mc:Ignorable=""/>
+                <a:srgbClr val="000000"/>
               </a:solidFill>
               <a:cs typeface="Arial" charset="0"/>
             </a:endParaRPr>
@@ -2123,7 +2123,7 @@
             </a:pPr>
             <a:endParaRPr lang="ko-KR" altLang="ko-KR" sz="1100" b="1">
               <a:solidFill>
-                <a:srgbClr xmlns:mc="http://schemas.openxmlformats.org/markup-compatibility/2006" xmlns:a14="http://schemas.microsoft.com/office/drawing/2007/7/7/main" val="A0A0A0" mc:Ignorable=""/>
+                <a:srgbClr val="A0A0A0"/>
               </a:solidFill>
               <a:latin typeface="Calibri" pitchFamily="34" charset="0"/>
             </a:endParaRPr>
@@ -2238,7 +2238,7 @@
             <a:r>
               <a:rPr lang="fr-FR" altLang="ko-KR" sz="900" dirty="0" smtClean="0">
                 <a:solidFill>
-                  <a:srgbClr xmlns:mc="http://schemas.openxmlformats.org/markup-compatibility/2006" xmlns:a14="http://schemas.microsoft.com/office/drawing/2007/7/7/main" val="7F7F7F" mc:Ignorable=""/>
+                  <a:srgbClr val="7F7F7F"/>
                 </a:solidFill>
                 <a:ea typeface="굴림" charset="-127"/>
               </a:rPr>
@@ -2247,7 +2247,7 @@
             <a:r>
               <a:rPr lang="fr-FR" altLang="ko-KR" sz="900" baseline="0" dirty="0" smtClean="0">
                 <a:solidFill>
-                  <a:srgbClr xmlns:mc="http://schemas.openxmlformats.org/markup-compatibility/2006" xmlns:a14="http://schemas.microsoft.com/office/drawing/2007/7/7/main" val="7F7F7F" mc:Ignorable=""/>
+                  <a:srgbClr val="7F7F7F"/>
                 </a:solidFill>
                 <a:ea typeface="굴림" charset="-127"/>
               </a:rPr>
@@ -2255,7 +2255,7 @@
             </a:r>
             <a:endParaRPr lang="fr-FR" altLang="ko-KR" sz="900" dirty="0">
               <a:solidFill>
-                <a:srgbClr xmlns:mc="http://schemas.openxmlformats.org/markup-compatibility/2006" xmlns:a14="http://schemas.microsoft.com/office/drawing/2007/7/7/main" val="7F7F7F" mc:Ignorable=""/>
+                <a:srgbClr val="7F7F7F"/>
               </a:solidFill>
               <a:ea typeface="굴림" charset="-127"/>
             </a:endParaRPr>
@@ -2420,7 +2420,7 @@
             <a:r>
               <a:rPr lang="fr-FR" altLang="ko-KR" sz="1000" dirty="0" err="1" smtClean="0">
                 <a:solidFill>
-                  <a:srgbClr xmlns:mc="http://schemas.openxmlformats.org/markup-compatibility/2006" xmlns:a14="http://schemas.microsoft.com/office/drawing/2007/7/7/main" val="7F7F7F" mc:Ignorable=""/>
+                  <a:srgbClr val="7F7F7F"/>
                 </a:solidFill>
                 <a:latin typeface="Calibri" pitchFamily="34" charset="0"/>
                 <a:ea typeface="굴림" charset="-127"/>
@@ -2430,7 +2430,7 @@
             <a:r>
               <a:rPr lang="fr-FR" altLang="ko-KR" sz="1000" baseline="0" dirty="0" smtClean="0">
                 <a:solidFill>
-                  <a:srgbClr xmlns:mc="http://schemas.openxmlformats.org/markup-compatibility/2006" xmlns:a14="http://schemas.microsoft.com/office/drawing/2007/7/7/main" val="7F7F7F" mc:Ignorable=""/>
+                  <a:srgbClr val="7F7F7F"/>
                 </a:solidFill>
                 <a:latin typeface="Calibri" pitchFamily="34" charset="0"/>
                 <a:ea typeface="굴림" charset="-127"/>
@@ -2440,7 +2440,7 @@
             <a:r>
               <a:rPr lang="fr-FR" altLang="ko-KR" sz="1000" dirty="0" smtClean="0">
                 <a:solidFill>
-                  <a:srgbClr xmlns:mc="http://schemas.openxmlformats.org/markup-compatibility/2006" xmlns:a14="http://schemas.microsoft.com/office/drawing/2007/7/7/main" val="7F7F7F" mc:Ignorable=""/>
+                  <a:srgbClr val="7F7F7F"/>
                 </a:solidFill>
                 <a:latin typeface="Calibri" pitchFamily="34" charset="0"/>
                 <a:ea typeface="굴림" charset="-127"/>
@@ -2450,7 +2450,7 @@
             <a:r>
               <a:rPr lang="fr-FR" altLang="ko-KR" sz="1000" dirty="0">
                 <a:solidFill>
-                  <a:srgbClr xmlns:mc="http://schemas.openxmlformats.org/markup-compatibility/2006" xmlns:a14="http://schemas.microsoft.com/office/drawing/2007/7/7/main" val="7F7F7F" mc:Ignorable=""/>
+                  <a:srgbClr val="7F7F7F"/>
                 </a:solidFill>
                 <a:latin typeface="Calibri" pitchFamily="34" charset="0"/>
                 <a:ea typeface="굴림" charset="-127"/>
@@ -2459,7 +2459,7 @@
             </a:r>
             <a:endParaRPr lang="fr-FR" altLang="ko-KR" sz="900" dirty="0">
               <a:solidFill>
-                <a:srgbClr xmlns:mc="http://schemas.openxmlformats.org/markup-compatibility/2006" xmlns:a14="http://schemas.microsoft.com/office/drawing/2007/7/7/main" val="7F7F7F" mc:Ignorable=""/>
+                <a:srgbClr val="7F7F7F"/>
               </a:solidFill>
               <a:latin typeface="Calibri" pitchFamily="34" charset="0"/>
               <a:ea typeface="굴림" charset="-127"/>
@@ -2847,7 +2847,7 @@
 </file>
 
 <file path=ppt/slides/slide1.xml><?xml version="1.0" encoding="utf-8"?>
-<p:sld xmlns:a="http://schemas.openxmlformats.org/drawingml/2006/main" xmlns:r="http://schemas.openxmlformats.org/officeDocument/2006/relationships" xmlns:p="http://schemas.openxmlformats.org/presentationml/2006/main">
+<p:sld xmlns:a="http://schemas.openxmlformats.org/drawingml/2006/main" xmlns:r="http://schemas.openxmlformats.org/officeDocument/2006/relationships" xmlns:mc="http://schemas.openxmlformats.org/markup-compatibility/2006" xmlns:mv="urn:schemas-microsoft-com:mac:vml" xmlns:p="http://schemas.openxmlformats.org/presentationml/2006/main" mc:Ignorable="mv" mc:PreserveAttributes="mv:*">
   <p:cSld>
     <p:spTree>
       <p:nvGrpSpPr>
@@ -2893,11 +2893,11 @@
             <a:r>
               <a:rPr altLang="ko-KR" smtClean="0">
                 <a:solidFill>
-                  <a:srgbClr xmlns:mc="http://schemas.openxmlformats.org/markup-compatibility/2006" xmlns:a14="http://schemas.microsoft.com/office/drawing/2007/7/7/main" val="C44F00" mc:Ignorable=""/>
+                  <a:srgbClr val="C44F00"/>
                 </a:solidFill>
                 <a:effectLst>
                   <a:outerShdw blurRad="38100" dist="38100" dir="2700000" algn="tl">
-                    <a:srgbClr xmlns:mc="http://schemas.openxmlformats.org/markup-compatibility/2006" xmlns:a14="http://schemas.microsoft.com/office/drawing/2007/7/7/main" val="C0C0C0" mc:Ignorable=""/>
+                    <a:srgbClr val="C0C0C0"/>
                   </a:outerShdw>
                 </a:effectLst>
                 <a:ea typeface="굴림" charset="-127"/>
@@ -2912,11 +2912,11 @@
             <a:r>
               <a:rPr altLang="ko-KR" smtClean="0">
                 <a:solidFill>
-                  <a:srgbClr xmlns:mc="http://schemas.openxmlformats.org/markup-compatibility/2006" xmlns:a14="http://schemas.microsoft.com/office/drawing/2007/7/7/main" val="595959" mc:Ignorable=""/>
+                  <a:srgbClr val="595959"/>
                 </a:solidFill>
                 <a:effectLst>
                   <a:outerShdw blurRad="38100" dist="38100" dir="2700000" algn="tl">
-                    <a:srgbClr xmlns:mc="http://schemas.openxmlformats.org/markup-compatibility/2006" xmlns:a14="http://schemas.microsoft.com/office/drawing/2007/7/7/main" val="C0C0C0" mc:Ignorable=""/>
+                    <a:srgbClr val="C0C0C0"/>
                   </a:outerShdw>
                 </a:effectLst>
                 <a:ea typeface="굴림" charset="-127"/>
@@ -2931,11 +2931,11 @@
             <a:r>
               <a:rPr altLang="ko-KR" smtClean="0">
                 <a:solidFill>
-                  <a:srgbClr xmlns:mc="http://schemas.openxmlformats.org/markup-compatibility/2006" xmlns:a14="http://schemas.microsoft.com/office/drawing/2007/7/7/main" val="595959" mc:Ignorable=""/>
+                  <a:srgbClr val="595959"/>
                 </a:solidFill>
                 <a:effectLst>
                   <a:outerShdw blurRad="38100" dist="38100" dir="2700000" algn="tl">
-                    <a:srgbClr xmlns:mc="http://schemas.openxmlformats.org/markup-compatibility/2006" xmlns:a14="http://schemas.microsoft.com/office/drawing/2007/7/7/main" val="C0C0C0" mc:Ignorable=""/>
+                    <a:srgbClr val="C0C0C0"/>
                   </a:outerShdw>
                 </a:effectLst>
                 <a:ea typeface="굴림" charset="-127"/>
@@ -2949,11 +2949,11 @@
             </a:pPr>
             <a:endParaRPr altLang="ko-KR" smtClean="0">
               <a:solidFill>
-                <a:srgbClr xmlns:mc="http://schemas.openxmlformats.org/markup-compatibility/2006" xmlns:a14="http://schemas.microsoft.com/office/drawing/2007/7/7/main" val="8F481E" mc:Ignorable=""/>
+                <a:srgbClr val="8F481E"/>
               </a:solidFill>
               <a:effectLst>
                 <a:outerShdw blurRad="38100" dist="38100" dir="2700000" algn="tl">
-                  <a:srgbClr xmlns:mc="http://schemas.openxmlformats.org/markup-compatibility/2006" xmlns:a14="http://schemas.microsoft.com/office/drawing/2007/7/7/main" val="C0C0C0" mc:Ignorable=""/>
+                  <a:srgbClr val="C0C0C0"/>
                 </a:outerShdw>
               </a:effectLst>
               <a:ea typeface="굴림" charset="-127"/>
@@ -2998,7 +2998,7 @@
                 </a:ln>
                 <a:effectLst>
                   <a:outerShdw blurRad="38100" dist="38100" dir="2700000" algn="tl">
-                    <a:srgbClr xmlns:mc="http://schemas.openxmlformats.org/markup-compatibility/2006" xmlns:a14="http://schemas.microsoft.com/office/drawing/2007/7/7/main" val="000000" mc:Ignorable="">
+                    <a:srgbClr val="000000">
                       <a:alpha val="43137"/>
                     </a:srgbClr>
                   </a:outerShdw>
@@ -3016,7 +3016,7 @@
                 </a:solidFill>
                 <a:effectLst>
                   <a:outerShdw blurRad="38100" dist="38100" dir="2700000" algn="tl">
-                    <a:srgbClr xmlns:mc="http://schemas.openxmlformats.org/markup-compatibility/2006" xmlns:a14="http://schemas.microsoft.com/office/drawing/2007/7/7/main" val="000000" mc:Ignorable="">
+                    <a:srgbClr val="000000">
                       <a:alpha val="43137"/>
                     </a:srgbClr>
                   </a:outerShdw>
@@ -3034,7 +3034,7 @@
                 </a:solidFill>
                 <a:effectLst>
                   <a:outerShdw blurRad="38100" dist="38100" dir="2700000" algn="tl">
-                    <a:srgbClr xmlns:mc="http://schemas.openxmlformats.org/markup-compatibility/2006" xmlns:a14="http://schemas.microsoft.com/office/drawing/2007/7/7/main" val="000000" mc:Ignorable="">
+                    <a:srgbClr val="000000">
                       <a:alpha val="43137"/>
                     </a:srgbClr>
                   </a:outerShdw>
@@ -3051,7 +3051,7 @@
                 </a:solidFill>
                 <a:effectLst>
                   <a:outerShdw blurRad="38100" dist="38100" dir="2700000" algn="tl">
-                    <a:srgbClr xmlns:mc="http://schemas.openxmlformats.org/markup-compatibility/2006" xmlns:a14="http://schemas.microsoft.com/office/drawing/2007/7/7/main" val="000000" mc:Ignorable="">
+                    <a:srgbClr val="000000">
                       <a:alpha val="43137"/>
                     </a:srgbClr>
                   </a:outerShdw>
@@ -3071,7 +3071,7 @@
                 </a:solidFill>
                 <a:effectLst>
                   <a:outerShdw blurRad="38100" dist="38100" dir="2700000" algn="tl">
-                    <a:srgbClr xmlns:mc="http://schemas.openxmlformats.org/markup-compatibility/2006" xmlns:a14="http://schemas.microsoft.com/office/drawing/2007/7/7/main" val="000000" mc:Ignorable="">
+                    <a:srgbClr val="000000">
                       <a:alpha val="43137"/>
                     </a:srgbClr>
                   </a:outerShdw>
@@ -3090,7 +3090,7 @@
               </a:solidFill>
               <a:effectLst>
                 <a:outerShdw blurRad="38100" dist="38100" dir="2700000" algn="tl">
-                  <a:srgbClr xmlns:mc="http://schemas.openxmlformats.org/markup-compatibility/2006" xmlns:a14="http://schemas.microsoft.com/office/drawing/2007/7/7/main" val="000000" mc:Ignorable="">
+                  <a:srgbClr val="000000">
                     <a:alpha val="43137"/>
                   </a:srgbClr>
                 </a:outerShdw>
@@ -3156,7 +3156,7 @@
             </a:avLst>
           </a:prstGeom>
           <a:solidFill>
-            <a:srgbClr xmlns:mc="http://schemas.openxmlformats.org/markup-compatibility/2006" xmlns:a14="http://schemas.microsoft.com/office/drawing/2007/7/7/main" val="FFFFFF" mc:Ignorable="">
+            <a:srgbClr val="FFFFFF">
               <a:shade val="85000"/>
             </a:srgbClr>
           </a:solidFill>
@@ -3194,7 +3194,7 @@
             </a:avLst>
           </a:prstGeom>
           <a:solidFill>
-            <a:srgbClr xmlns:mc="http://schemas.openxmlformats.org/markup-compatibility/2006" xmlns:a14="http://schemas.microsoft.com/office/drawing/2007/7/7/main" val="FFFFFF" mc:Ignorable="">
+            <a:srgbClr val="FFFFFF">
               <a:shade val="85000"/>
             </a:srgbClr>
           </a:solidFill>
@@ -3249,7 +3249,7 @@
               <a:rPr lang="fr-FR" sz="2400" b="1" dirty="0" smtClean="0">
                 <a:effectLst>
                   <a:outerShdw blurRad="38100" dist="38100" dir="2700000" algn="tl">
-                    <a:srgbClr xmlns:mc="http://schemas.openxmlformats.org/markup-compatibility/2006" xmlns:a14="http://schemas.microsoft.com/office/drawing/2007/7/7/main" val="000000" mc:Ignorable="">
+                    <a:srgbClr val="000000">
                       <a:alpha val="43137"/>
                     </a:srgbClr>
                   </a:outerShdw>
@@ -3276,7 +3276,7 @@
   <p:timing>
     <p:tnLst>
       <p:par>
-        <p:cTn xmlns:p14="http://schemas.microsoft.com/office/powerpoint/2007/7/12/main" id="1" dur="indefinite" restart="never" nodeType="tmRoot"/>
+        <p:cTn id="1" dur="indefinite" restart="never" nodeType="tmRoot"/>
       </p:par>
     </p:tnLst>
   </p:timing>
@@ -3284,7 +3284,7 @@
 </file>
 
 <file path=ppt/slides/slide10.xml><?xml version="1.0" encoding="utf-8"?>
-<p:sld xmlns:a="http://schemas.openxmlformats.org/drawingml/2006/main" xmlns:r="http://schemas.openxmlformats.org/officeDocument/2006/relationships" xmlns:p="http://schemas.openxmlformats.org/presentationml/2006/main">
+<p:sld xmlns:a="http://schemas.openxmlformats.org/drawingml/2006/main" xmlns:r="http://schemas.openxmlformats.org/officeDocument/2006/relationships" xmlns:mc="http://schemas.openxmlformats.org/markup-compatibility/2006" xmlns:mv="urn:schemas-microsoft-com:mac:vml" xmlns:p="http://schemas.openxmlformats.org/presentationml/2006/main" mc:Ignorable="mv" mc:PreserveAttributes="mv:*">
   <p:cSld>
     <p:spTree>
       <p:nvGrpSpPr>
@@ -3436,7 +3436,7 @@
     </p:spTree>
     <p:extLst>
       <p:ext uri="{BB962C8B-B14F-4D97-AF65-F5344CB8AC3E}">
-        <p14:creationId xmlns:p14="http://schemas.microsoft.com/office/powerpoint/2007/7/12/main" val="2065662239"/>
+        <p14:creationId xmlns:p14="http://schemas.microsoft.com/office/powerpoint/2007/7/12/main" xmlns:p="http://schemas.openxmlformats.org/presentationml/2006/main" xmlns:r="http://schemas.openxmlformats.org/officeDocument/2006/relationships" xmlns:a="http://schemas.openxmlformats.org/drawingml/2006/main" xmlns="" val="2065662239"/>
       </p:ext>
     </p:extLst>
   </p:cSld>
@@ -3446,7 +3446,7 @@
   <p:timing>
     <p:tnLst>
       <p:par>
-        <p:cTn xmlns:p14="http://schemas.microsoft.com/office/powerpoint/2007/7/12/main" id="1" dur="indefinite" restart="never" nodeType="tmRoot"/>
+        <p:cTn id="1" dur="indefinite" restart="never" nodeType="tmRoot"/>
       </p:par>
     </p:tnLst>
   </p:timing>
@@ -3454,7 +3454,7 @@
 </file>
 
 <file path=ppt/slides/slide11.xml><?xml version="1.0" encoding="utf-8"?>
-<p:sld xmlns:a="http://schemas.openxmlformats.org/drawingml/2006/main" xmlns:r="http://schemas.openxmlformats.org/officeDocument/2006/relationships" xmlns:p="http://schemas.openxmlformats.org/presentationml/2006/main">
+<p:sld xmlns:a="http://schemas.openxmlformats.org/drawingml/2006/main" xmlns:r="http://schemas.openxmlformats.org/officeDocument/2006/relationships" xmlns:mc="http://schemas.openxmlformats.org/markup-compatibility/2006" xmlns:mv="urn:schemas-microsoft-com:mac:vml" xmlns:p="http://schemas.openxmlformats.org/presentationml/2006/main" mc:Ignorable="mv" mc:PreserveAttributes="mv:*">
   <p:cSld>
     <p:spTree>
       <p:nvGrpSpPr>
@@ -4043,7 +4043,7 @@
                 <a:spcPct val="0"/>
               </a:spcAft>
               <a:buClr>
-                <a:srgbClr xmlns:mc="http://schemas.openxmlformats.org/markup-compatibility/2006" xmlns:a14="http://schemas.microsoft.com/office/drawing/2007/7/7/main" val="DA7E18" mc:Ignorable=""/>
+                <a:srgbClr val="DA7E18"/>
               </a:buClr>
               <a:buSzPct val="70000"/>
               <a:buFont typeface="Wingdings" pitchFamily="2" charset="2"/>
@@ -4065,7 +4065,7 @@
                 <a:spcPct val="0"/>
               </a:spcAft>
               <a:buClr>
-                <a:srgbClr xmlns:mc="http://schemas.openxmlformats.org/markup-compatibility/2006" xmlns:a14="http://schemas.microsoft.com/office/drawing/2007/7/7/main" val="E5AB1B" mc:Ignorable=""/>
+                <a:srgbClr val="E5AB1B"/>
               </a:buClr>
               <a:buSzPct val="70000"/>
               <a:buFont typeface="Wingdings" pitchFamily="2" charset="2"/>
@@ -4211,7 +4211,6 @@
               <a:rPr lang="fr-FR" sz="1400" b="1" dirty="0" smtClean="0"/>
               <a:t> </a:t>
             </a:r>
-            <a:endParaRPr lang="fr-FR" sz="1400" b="1" dirty="0" smtClean="0"/>
           </a:p>
         </p:txBody>
       </p:sp>
@@ -4588,7 +4587,7 @@
                 <a:spcPct val="0"/>
               </a:spcAft>
               <a:buClr>
-                <a:srgbClr xmlns:mc="http://schemas.openxmlformats.org/markup-compatibility/2006" xmlns:a14="http://schemas.microsoft.com/office/drawing/2007/7/7/main" val="DA7E18" mc:Ignorable=""/>
+                <a:srgbClr val="DA7E18"/>
               </a:buClr>
               <a:buSzPct val="70000"/>
               <a:buFont typeface="Wingdings" pitchFamily="2" charset="2"/>
@@ -4610,7 +4609,7 @@
                 <a:spcPct val="0"/>
               </a:spcAft>
               <a:buClr>
-                <a:srgbClr xmlns:mc="http://schemas.openxmlformats.org/markup-compatibility/2006" xmlns:a14="http://schemas.microsoft.com/office/drawing/2007/7/7/main" val="E5AB1B" mc:Ignorable=""/>
+                <a:srgbClr val="E5AB1B"/>
               </a:buClr>
               <a:buSzPct val="70000"/>
               <a:buFont typeface="Wingdings" pitchFamily="2" charset="2"/>
@@ -4756,7 +4755,6 @@
               <a:rPr lang="fr-FR" sz="1400" b="1" dirty="0" smtClean="0"/>
               <a:t> </a:t>
             </a:r>
-            <a:endParaRPr lang="fr-FR" sz="1400" b="1" dirty="0" smtClean="0"/>
           </a:p>
         </p:txBody>
       </p:sp>
@@ -4791,7 +4789,7 @@
                 <a:spcPct val="0"/>
               </a:spcAft>
               <a:buClr>
-                <a:srgbClr xmlns:mc="http://schemas.openxmlformats.org/markup-compatibility/2006" xmlns:a14="http://schemas.microsoft.com/office/drawing/2007/7/7/main" val="DA7E18" mc:Ignorable=""/>
+                <a:srgbClr val="DA7E18"/>
               </a:buClr>
               <a:buSzPct val="70000"/>
               <a:buFont typeface="Wingdings" pitchFamily="2" charset="2"/>
@@ -4813,7 +4811,7 @@
                 <a:spcPct val="0"/>
               </a:spcAft>
               <a:buClr>
-                <a:srgbClr xmlns:mc="http://schemas.openxmlformats.org/markup-compatibility/2006" xmlns:a14="http://schemas.microsoft.com/office/drawing/2007/7/7/main" val="E5AB1B" mc:Ignorable=""/>
+                <a:srgbClr val="E5AB1B"/>
               </a:buClr>
               <a:buSzPct val="70000"/>
               <a:buFont typeface="Wingdings" pitchFamily="2" charset="2"/>
@@ -4955,7 +4953,6 @@
               <a:rPr lang="fr-FR" sz="1400" b="1" dirty="0" smtClean="0"/>
               <a:t>d </a:t>
             </a:r>
-            <a:endParaRPr lang="fr-FR" sz="1400" b="1" dirty="0" smtClean="0"/>
           </a:p>
         </p:txBody>
       </p:sp>
@@ -5150,7 +5147,7 @@
                 </a:solidFill>
                 <a:effectLst>
                   <a:outerShdw blurRad="38100" dist="38100" dir="2700000" algn="tl">
-                    <a:srgbClr xmlns:mc="http://schemas.openxmlformats.org/markup-compatibility/2006" xmlns:a14="http://schemas.microsoft.com/office/drawing/2007/7/7/main" val="000000" mc:Ignorable="">
+                    <a:srgbClr val="000000">
                       <a:alpha val="43137"/>
                     </a:srgbClr>
                   </a:outerShdw>
@@ -5167,7 +5164,7 @@
                 </a:solidFill>
                 <a:effectLst>
                   <a:outerShdw blurRad="38100" dist="38100" dir="2700000" algn="tl">
-                    <a:srgbClr xmlns:mc="http://schemas.openxmlformats.org/markup-compatibility/2006" xmlns:a14="http://schemas.microsoft.com/office/drawing/2007/7/7/main" val="000000" mc:Ignorable="">
+                    <a:srgbClr val="000000">
                       <a:alpha val="43137"/>
                     </a:srgbClr>
                   </a:outerShdw>
@@ -5184,7 +5181,7 @@
                 </a:solidFill>
                 <a:effectLst>
                   <a:outerShdw blurRad="38100" dist="38100" dir="2700000" algn="tl">
-                    <a:srgbClr xmlns:mc="http://schemas.openxmlformats.org/markup-compatibility/2006" xmlns:a14="http://schemas.microsoft.com/office/drawing/2007/7/7/main" val="000000" mc:Ignorable="">
+                    <a:srgbClr val="000000">
                       <a:alpha val="43137"/>
                     </a:srgbClr>
                   </a:outerShdw>
@@ -5201,7 +5198,7 @@
                 </a:solidFill>
                 <a:effectLst>
                   <a:outerShdw blurRad="38100" dist="38100" dir="2700000" algn="tl">
-                    <a:srgbClr xmlns:mc="http://schemas.openxmlformats.org/markup-compatibility/2006" xmlns:a14="http://schemas.microsoft.com/office/drawing/2007/7/7/main" val="000000" mc:Ignorable="">
+                    <a:srgbClr val="000000">
                       <a:alpha val="43137"/>
                     </a:srgbClr>
                   </a:outerShdw>
@@ -5241,7 +5238,7 @@
     </p:spTree>
     <p:extLst>
       <p:ext uri="{BB962C8B-B14F-4D97-AF65-F5344CB8AC3E}">
-        <p14:creationId xmlns:p14="http://schemas.microsoft.com/office/powerpoint/2007/7/12/main" val="2448966025"/>
+        <p14:creationId xmlns:p14="http://schemas.microsoft.com/office/powerpoint/2007/7/12/main" xmlns:p="http://schemas.openxmlformats.org/presentationml/2006/main" xmlns:r="http://schemas.openxmlformats.org/officeDocument/2006/relationships" xmlns:a="http://schemas.openxmlformats.org/drawingml/2006/main" xmlns="" val="2448966025"/>
       </p:ext>
     </p:extLst>
   </p:cSld>
@@ -5251,7 +5248,7 @@
   <p:timing>
     <p:tnLst>
       <p:par>
-        <p:cTn xmlns:p14="http://schemas.microsoft.com/office/powerpoint/2007/7/12/main" id="1" dur="indefinite" restart="never" nodeType="tmRoot"/>
+        <p:cTn id="1" dur="indefinite" restart="never" nodeType="tmRoot"/>
       </p:par>
     </p:tnLst>
   </p:timing>
@@ -5259,7 +5256,7 @@
 </file>
 
 <file path=ppt/slides/slide12.xml><?xml version="1.0" encoding="utf-8"?>
-<p:sld xmlns:a="http://schemas.openxmlformats.org/drawingml/2006/main" xmlns:r="http://schemas.openxmlformats.org/officeDocument/2006/relationships" xmlns:p="http://schemas.openxmlformats.org/presentationml/2006/main">
+<p:sld xmlns:a="http://schemas.openxmlformats.org/drawingml/2006/main" xmlns:r="http://schemas.openxmlformats.org/officeDocument/2006/relationships" xmlns:mc="http://schemas.openxmlformats.org/markup-compatibility/2006" xmlns:mv="urn:schemas-microsoft-com:mac:vml" xmlns:p="http://schemas.openxmlformats.org/presentationml/2006/main" mc:Ignorable="mv" mc:PreserveAttributes="mv:*">
   <p:cSld>
     <p:spTree>
       <p:nvGrpSpPr>
@@ -5354,7 +5351,7 @@
     </p:spTree>
     <p:extLst>
       <p:ext uri="{BB962C8B-B14F-4D97-AF65-F5344CB8AC3E}">
-        <p14:creationId xmlns:p14="http://schemas.microsoft.com/office/powerpoint/2007/7/12/main" val="883924539"/>
+        <p14:creationId xmlns:p14="http://schemas.microsoft.com/office/powerpoint/2007/7/12/main" xmlns:p="http://schemas.openxmlformats.org/presentationml/2006/main" xmlns:r="http://schemas.openxmlformats.org/officeDocument/2006/relationships" xmlns:a="http://schemas.openxmlformats.org/drawingml/2006/main" xmlns="" val="883924539"/>
       </p:ext>
     </p:extLst>
   </p:cSld>
@@ -5364,7 +5361,7 @@
   <p:timing>
     <p:tnLst>
       <p:par>
-        <p:cTn xmlns:p14="http://schemas.microsoft.com/office/powerpoint/2007/7/12/main" id="1" dur="indefinite" restart="never" nodeType="tmRoot"/>
+        <p:cTn id="1" dur="indefinite" restart="never" nodeType="tmRoot"/>
       </p:par>
     </p:tnLst>
   </p:timing>
@@ -5372,7 +5369,7 @@
 </file>
 
 <file path=ppt/slides/slide13.xml><?xml version="1.0" encoding="utf-8"?>
-<p:sld xmlns:a="http://schemas.openxmlformats.org/drawingml/2006/main" xmlns:r="http://schemas.openxmlformats.org/officeDocument/2006/relationships" xmlns:p="http://schemas.openxmlformats.org/presentationml/2006/main">
+<p:sld xmlns:a="http://schemas.openxmlformats.org/drawingml/2006/main" xmlns:r="http://schemas.openxmlformats.org/officeDocument/2006/relationships" xmlns:mc="http://schemas.openxmlformats.org/markup-compatibility/2006" xmlns:mv="urn:schemas-microsoft-com:mac:vml" xmlns:p="http://schemas.openxmlformats.org/presentationml/2006/main" mc:Ignorable="mv" mc:PreserveAttributes="mv:*">
   <p:cSld>
     <p:spTree>
       <p:nvGrpSpPr>
@@ -6027,7 +6024,7 @@
                 <a:spcPct val="0"/>
               </a:spcAft>
               <a:buClr>
-                <a:srgbClr xmlns:mc="http://schemas.openxmlformats.org/markup-compatibility/2006" xmlns:a14="http://schemas.microsoft.com/office/drawing/2007/7/7/main" val="DA7E18" mc:Ignorable=""/>
+                <a:srgbClr val="DA7E18"/>
               </a:buClr>
               <a:buSzPct val="70000"/>
               <a:buFont typeface="Wingdings" pitchFamily="2" charset="2"/>
@@ -6049,7 +6046,7 @@
                 <a:spcPct val="0"/>
               </a:spcAft>
               <a:buClr>
-                <a:srgbClr xmlns:mc="http://schemas.openxmlformats.org/markup-compatibility/2006" xmlns:a14="http://schemas.microsoft.com/office/drawing/2007/7/7/main" val="E5AB1B" mc:Ignorable=""/>
+                <a:srgbClr val="E5AB1B"/>
               </a:buClr>
               <a:buSzPct val="70000"/>
               <a:buFont typeface="Wingdings" pitchFamily="2" charset="2"/>
@@ -6195,7 +6192,6 @@
               <a:rPr lang="fr-FR" sz="1400" b="1" dirty="0" smtClean="0"/>
               <a:t> </a:t>
             </a:r>
-            <a:endParaRPr lang="fr-FR" sz="1400" b="1" dirty="0" smtClean="0"/>
           </a:p>
         </p:txBody>
       </p:sp>
@@ -6251,7 +6247,6 @@
                 <a:rPr lang="fr-FR" dirty="0"/>
                 <a:t>FDIR Storage System</a:t>
               </a:r>
-              <a:endParaRPr lang="fr-FR" dirty="0"/>
             </a:p>
           </p:txBody>
         </p:sp>
@@ -6531,7 +6526,7 @@
                 <a:spcPct val="0"/>
               </a:spcAft>
               <a:buClr>
-                <a:srgbClr xmlns:mc="http://schemas.openxmlformats.org/markup-compatibility/2006" xmlns:a14="http://schemas.microsoft.com/office/drawing/2007/7/7/main" val="DA7E18" mc:Ignorable=""/>
+                <a:srgbClr val="DA7E18"/>
               </a:buClr>
               <a:buSzPct val="70000"/>
               <a:buFont typeface="Wingdings" pitchFamily="2" charset="2"/>
@@ -6553,7 +6548,7 @@
                 <a:spcPct val="0"/>
               </a:spcAft>
               <a:buClr>
-                <a:srgbClr xmlns:mc="http://schemas.openxmlformats.org/markup-compatibility/2006" xmlns:a14="http://schemas.microsoft.com/office/drawing/2007/7/7/main" val="E5AB1B" mc:Ignorable=""/>
+                <a:srgbClr val="E5AB1B"/>
               </a:buClr>
               <a:buSzPct val="70000"/>
               <a:buFont typeface="Wingdings" pitchFamily="2" charset="2"/>
@@ -6699,7 +6694,6 @@
               <a:rPr lang="fr-FR" sz="1400" b="1" dirty="0" smtClean="0"/>
               <a:t> </a:t>
             </a:r>
-            <a:endParaRPr lang="fr-FR" sz="1400" b="1" dirty="0" smtClean="0"/>
           </a:p>
         </p:txBody>
       </p:sp>
@@ -6734,7 +6728,7 @@
                 <a:spcPct val="0"/>
               </a:spcAft>
               <a:buClr>
-                <a:srgbClr xmlns:mc="http://schemas.openxmlformats.org/markup-compatibility/2006" xmlns:a14="http://schemas.microsoft.com/office/drawing/2007/7/7/main" val="DA7E18" mc:Ignorable=""/>
+                <a:srgbClr val="DA7E18"/>
               </a:buClr>
               <a:buSzPct val="70000"/>
               <a:buFont typeface="Wingdings" pitchFamily="2" charset="2"/>
@@ -6756,7 +6750,7 @@
                 <a:spcPct val="0"/>
               </a:spcAft>
               <a:buClr>
-                <a:srgbClr xmlns:mc="http://schemas.openxmlformats.org/markup-compatibility/2006" xmlns:a14="http://schemas.microsoft.com/office/drawing/2007/7/7/main" val="E5AB1B" mc:Ignorable=""/>
+                <a:srgbClr val="E5AB1B"/>
               </a:buClr>
               <a:buSzPct val="70000"/>
               <a:buFont typeface="Wingdings" pitchFamily="2" charset="2"/>
@@ -6898,7 +6892,6 @@
               <a:rPr lang="fr-FR" sz="1400" b="1" dirty="0" smtClean="0"/>
               <a:t>d </a:t>
             </a:r>
-            <a:endParaRPr lang="fr-FR" sz="1400" b="1" dirty="0" smtClean="0"/>
           </a:p>
         </p:txBody>
       </p:sp>
@@ -7093,7 +7086,7 @@
                 </a:solidFill>
                 <a:effectLst>
                   <a:outerShdw blurRad="38100" dist="38100" dir="2700000" algn="tl">
-                    <a:srgbClr xmlns:mc="http://schemas.openxmlformats.org/markup-compatibility/2006" xmlns:a14="http://schemas.microsoft.com/office/drawing/2007/7/7/main" val="000000" mc:Ignorable="">
+                    <a:srgbClr val="000000">
                       <a:alpha val="43137"/>
                     </a:srgbClr>
                   </a:outerShdw>
@@ -7133,7 +7126,7 @@
     </p:spTree>
     <p:extLst>
       <p:ext uri="{BB962C8B-B14F-4D97-AF65-F5344CB8AC3E}">
-        <p14:creationId xmlns:p14="http://schemas.microsoft.com/office/powerpoint/2007/7/12/main" val="2448966025"/>
+        <p14:creationId xmlns:p14="http://schemas.microsoft.com/office/powerpoint/2007/7/12/main" xmlns:p="http://schemas.openxmlformats.org/presentationml/2006/main" xmlns:r="http://schemas.openxmlformats.org/officeDocument/2006/relationships" xmlns:a="http://schemas.openxmlformats.org/drawingml/2006/main" xmlns="" val="2448966025"/>
       </p:ext>
     </p:extLst>
   </p:cSld>
@@ -7143,7 +7136,7 @@
   <p:timing>
     <p:tnLst>
       <p:par>
-        <p:cTn xmlns:p14="http://schemas.microsoft.com/office/powerpoint/2007/7/12/main" id="1" dur="indefinite" restart="never" nodeType="tmRoot"/>
+        <p:cTn id="1" dur="indefinite" restart="never" nodeType="tmRoot"/>
       </p:par>
     </p:tnLst>
   </p:timing>
@@ -7151,7 +7144,7 @@
 </file>
 
 <file path=ppt/slides/slide14.xml><?xml version="1.0" encoding="utf-8"?>
-<p:sld xmlns:a="http://schemas.openxmlformats.org/drawingml/2006/main" xmlns:r="http://schemas.openxmlformats.org/officeDocument/2006/relationships" xmlns:p="http://schemas.openxmlformats.org/presentationml/2006/main">
+<p:sld xmlns:a="http://schemas.openxmlformats.org/drawingml/2006/main" xmlns:r="http://schemas.openxmlformats.org/officeDocument/2006/relationships" xmlns:mc="http://schemas.openxmlformats.org/markup-compatibility/2006" xmlns:mv="urn:schemas-microsoft-com:mac:vml" xmlns:p="http://schemas.openxmlformats.org/presentationml/2006/main" mc:Ignorable="mv" mc:PreserveAttributes="mv:*">
   <p:cSld>
     <p:spTree>
       <p:nvGrpSpPr>
@@ -7367,7 +7360,7 @@
     </p:spTree>
     <p:extLst>
       <p:ext uri="{BB962C8B-B14F-4D97-AF65-F5344CB8AC3E}">
-        <p14:creationId xmlns:p14="http://schemas.microsoft.com/office/powerpoint/2007/7/12/main" val="883924539"/>
+        <p14:creationId xmlns:p14="http://schemas.microsoft.com/office/powerpoint/2007/7/12/main" xmlns:p="http://schemas.openxmlformats.org/presentationml/2006/main" xmlns:r="http://schemas.openxmlformats.org/officeDocument/2006/relationships" xmlns:a="http://schemas.openxmlformats.org/drawingml/2006/main" xmlns="" val="883924539"/>
       </p:ext>
     </p:extLst>
   </p:cSld>
@@ -7377,7 +7370,7 @@
   <p:timing>
     <p:tnLst>
       <p:par>
-        <p:cTn xmlns:p14="http://schemas.microsoft.com/office/powerpoint/2007/7/12/main" id="1" dur="indefinite" restart="never" nodeType="tmRoot"/>
+        <p:cTn id="1" dur="indefinite" restart="never" nodeType="tmRoot"/>
       </p:par>
     </p:tnLst>
   </p:timing>
@@ -7385,7 +7378,1794 @@
 </file>
 
 <file path=ppt/slides/slide15.xml><?xml version="1.0" encoding="utf-8"?>
-<p:sld xmlns:a="http://schemas.openxmlformats.org/drawingml/2006/main" xmlns:r="http://schemas.openxmlformats.org/officeDocument/2006/relationships" xmlns:p="http://schemas.openxmlformats.org/presentationml/2006/main">
+<p:sld xmlns:a="http://schemas.openxmlformats.org/drawingml/2006/main" xmlns:r="http://schemas.openxmlformats.org/officeDocument/2006/relationships" xmlns:mc="http://schemas.openxmlformats.org/markup-compatibility/2006" xmlns:mv="urn:schemas-microsoft-com:mac:vml" xmlns:p="http://schemas.openxmlformats.org/presentationml/2006/main" mc:Ignorable="mv" mc:PreserveAttributes="mv:*">
+  <p:cSld>
+    <p:spTree>
+      <p:nvGrpSpPr>
+        <p:cNvPr id="1" name=""/>
+        <p:cNvGrpSpPr/>
+        <p:nvPr/>
+      </p:nvGrpSpPr>
+      <p:grpSpPr>
+        <a:xfrm>
+          <a:off x="0" y="0"/>
+          <a:ext cx="0" cy="0"/>
+          <a:chOff x="0" y="0"/>
+          <a:chExt cx="0" cy="0"/>
+        </a:xfrm>
+      </p:grpSpPr>
+      <p:sp>
+        <p:nvSpPr>
+          <p:cNvPr id="2" name="Title 1"/>
+          <p:cNvSpPr>
+            <a:spLocks noGrp="1"/>
+          </p:cNvSpPr>
+          <p:nvPr>
+            <p:ph type="ctrTitle"/>
+          </p:nvPr>
+        </p:nvSpPr>
+        <p:spPr/>
+        <p:txBody>
+          <a:bodyPr/>
+          <a:lstStyle/>
+          <a:p>
+            <a:r>
+              <a:rPr dirty="0" smtClean="0"/>
+              <a:t>Collect systems data to data storage</a:t>
+            </a:r>
+            <a:endParaRPr lang="fr-FR" dirty="0"/>
+          </a:p>
+        </p:txBody>
+      </p:sp>
+      <p:cxnSp>
+        <p:nvCxnSpPr>
+          <p:cNvPr id="10" name="Straight Arrow Connector 9"/>
+          <p:cNvCxnSpPr/>
+          <p:nvPr/>
+        </p:nvCxnSpPr>
+        <p:spPr>
+          <a:xfrm rot="16200000" flipV="1">
+            <a:off x="5766055" y="1278444"/>
+            <a:ext cx="791848" cy="1595781"/>
+          </a:xfrm>
+          <a:prstGeom prst="straightConnector1">
+            <a:avLst/>
+          </a:prstGeom>
+          <a:ln>
+            <a:prstDash val="dash"/>
+            <a:tailEnd type="none"/>
+          </a:ln>
+        </p:spPr>
+        <p:style>
+          <a:lnRef idx="2">
+            <a:schemeClr val="accent4"/>
+          </a:lnRef>
+          <a:fillRef idx="0">
+            <a:schemeClr val="accent4"/>
+          </a:fillRef>
+          <a:effectRef idx="1">
+            <a:schemeClr val="accent4"/>
+          </a:effectRef>
+          <a:fontRef idx="minor">
+            <a:schemeClr val="tx1"/>
+          </a:fontRef>
+        </p:style>
+      </p:cxnSp>
+      <p:grpSp>
+        <p:nvGrpSpPr>
+          <p:cNvPr id="11" name="Group 10"/>
+          <p:cNvGrpSpPr/>
+          <p:nvPr/>
+        </p:nvGrpSpPr>
+        <p:grpSpPr>
+          <a:xfrm>
+            <a:off x="827584" y="2483554"/>
+            <a:ext cx="1512168" cy="792088"/>
+            <a:chOff x="827584" y="3068960"/>
+            <a:chExt cx="1512168" cy="792088"/>
+          </a:xfrm>
+        </p:grpSpPr>
+        <p:sp>
+          <p:nvSpPr>
+            <p:cNvPr id="4" name="Rectangle 3"/>
+            <p:cNvSpPr/>
+            <p:nvPr/>
+          </p:nvSpPr>
+          <p:spPr>
+            <a:xfrm>
+              <a:off x="827584" y="3068960"/>
+              <a:ext cx="1512168" cy="792088"/>
+            </a:xfrm>
+            <a:prstGeom prst="rect">
+              <a:avLst/>
+            </a:prstGeom>
+          </p:spPr>
+          <p:style>
+            <a:lnRef idx="3">
+              <a:schemeClr val="lt1"/>
+            </a:lnRef>
+            <a:fillRef idx="1">
+              <a:schemeClr val="accent6"/>
+            </a:fillRef>
+            <a:effectRef idx="1">
+              <a:schemeClr val="accent6"/>
+            </a:effectRef>
+            <a:fontRef idx="minor">
+              <a:schemeClr val="lt1"/>
+            </a:fontRef>
+          </p:style>
+          <p:txBody>
+            <a:bodyPr rtlCol="0" anchor="ctr"/>
+            <a:lstStyle/>
+            <a:p>
+              <a:pPr algn="ctr"/>
+              <a:r>
+                <a:rPr lang="fr-FR" sz="2400" dirty="0" smtClean="0"/>
+                <a:t>FDIR</a:t>
+              </a:r>
+              <a:endParaRPr lang="fr-FR" sz="2400" dirty="0"/>
+            </a:p>
+          </p:txBody>
+        </p:sp>
+        <p:cxnSp>
+          <p:nvCxnSpPr>
+            <p:cNvPr id="7" name="Straight Connector 6"/>
+            <p:cNvCxnSpPr/>
+            <p:nvPr/>
+          </p:nvCxnSpPr>
+          <p:spPr>
+            <a:xfrm rot="5400000">
+              <a:off x="575556" y="3465004"/>
+              <a:ext cx="792088" cy="0"/>
+            </a:xfrm>
+            <a:prstGeom prst="line">
+              <a:avLst/>
+            </a:prstGeom>
+            <a:ln w="38100">
+              <a:solidFill>
+                <a:schemeClr val="bg1"/>
+              </a:solidFill>
+            </a:ln>
+          </p:spPr>
+          <p:style>
+            <a:lnRef idx="1">
+              <a:schemeClr val="accent1"/>
+            </a:lnRef>
+            <a:fillRef idx="0">
+              <a:schemeClr val="accent1"/>
+            </a:fillRef>
+            <a:effectRef idx="0">
+              <a:schemeClr val="accent1"/>
+            </a:effectRef>
+            <a:fontRef idx="minor">
+              <a:schemeClr val="tx1"/>
+            </a:fontRef>
+          </p:style>
+        </p:cxnSp>
+        <p:cxnSp>
+          <p:nvCxnSpPr>
+            <p:cNvPr id="13" name="Straight Connector 12"/>
+            <p:cNvCxnSpPr/>
+            <p:nvPr/>
+          </p:nvCxnSpPr>
+          <p:spPr>
+            <a:xfrm rot="5400000">
+              <a:off x="719572" y="3465004"/>
+              <a:ext cx="792088" cy="0"/>
+            </a:xfrm>
+            <a:prstGeom prst="line">
+              <a:avLst/>
+            </a:prstGeom>
+            <a:ln w="38100">
+              <a:solidFill>
+                <a:schemeClr val="bg1"/>
+              </a:solidFill>
+            </a:ln>
+          </p:spPr>
+          <p:style>
+            <a:lnRef idx="1">
+              <a:schemeClr val="accent1"/>
+            </a:lnRef>
+            <a:fillRef idx="0">
+              <a:schemeClr val="accent1"/>
+            </a:fillRef>
+            <a:effectRef idx="0">
+              <a:schemeClr val="accent1"/>
+            </a:effectRef>
+            <a:fontRef idx="minor">
+              <a:schemeClr val="tx1"/>
+            </a:fontRef>
+          </p:style>
+        </p:cxnSp>
+      </p:grpSp>
+      <p:grpSp>
+        <p:nvGrpSpPr>
+          <p:cNvPr id="27" name="Group 26"/>
+          <p:cNvGrpSpPr/>
+          <p:nvPr/>
+        </p:nvGrpSpPr>
+        <p:grpSpPr>
+          <a:xfrm>
+            <a:off x="6696236" y="2303534"/>
+            <a:ext cx="1800200" cy="1152128"/>
+            <a:chOff x="6696236" y="2888940"/>
+            <a:chExt cx="1800200" cy="1152128"/>
+          </a:xfrm>
+        </p:grpSpPr>
+        <p:sp>
+          <p:nvSpPr>
+            <p:cNvPr id="8" name="Oval 7"/>
+            <p:cNvSpPr/>
+            <p:nvPr/>
+          </p:nvSpPr>
+          <p:spPr>
+            <a:xfrm>
+              <a:off x="6696236" y="2888940"/>
+              <a:ext cx="1800200" cy="1152128"/>
+            </a:xfrm>
+            <a:prstGeom prst="ellipse">
+              <a:avLst/>
+            </a:prstGeom>
+            <a:ln>
+              <a:prstDash val="dash"/>
+            </a:ln>
+          </p:spPr>
+          <p:style>
+            <a:lnRef idx="3">
+              <a:schemeClr val="lt1"/>
+            </a:lnRef>
+            <a:fillRef idx="1">
+              <a:schemeClr val="accent6"/>
+            </a:fillRef>
+            <a:effectRef idx="1">
+              <a:schemeClr val="accent6"/>
+            </a:effectRef>
+            <a:fontRef idx="minor">
+              <a:schemeClr val="lt1"/>
+            </a:fontRef>
+          </p:style>
+          <p:txBody>
+            <a:bodyPr rtlCol="0" anchor="ctr"/>
+            <a:lstStyle/>
+            <a:p>
+              <a:pPr algn="ctr"/>
+              <a:r>
+                <a:rPr lang="fr-FR" dirty="0" smtClean="0"/>
+                <a:t>Data Transfer</a:t>
+              </a:r>
+              <a:endParaRPr lang="fr-FR" dirty="0"/>
+            </a:p>
+          </p:txBody>
+        </p:sp>
+        <p:sp>
+          <p:nvSpPr>
+            <p:cNvPr id="12" name="TextBox 11"/>
+            <p:cNvSpPr txBox="1"/>
+            <p:nvPr/>
+          </p:nvSpPr>
+          <p:spPr>
+            <a:xfrm>
+              <a:off x="6912260" y="3141838"/>
+              <a:ext cx="1368152" cy="369332"/>
+            </a:xfrm>
+            <a:prstGeom prst="rect">
+              <a:avLst/>
+            </a:prstGeom>
+            <a:noFill/>
+          </p:spPr>
+          <p:txBody>
+            <a:bodyPr wrap="square" rtlCol="0">
+              <a:spAutoFit/>
+            </a:bodyPr>
+            <a:lstStyle/>
+            <a:p>
+              <a:pPr marL="0" marR="0" indent="0" algn="ctr" defTabSz="914400" rtl="0" eaLnBrk="1" fontAlgn="auto" latinLnBrk="0" hangingPunct="1">
+                <a:lnSpc>
+                  <a:spcPct val="100000"/>
+                </a:lnSpc>
+                <a:spcBef>
+                  <a:spcPct val="20000"/>
+                </a:spcBef>
+                <a:spcAft>
+                  <a:spcPts val="0"/>
+                </a:spcAft>
+                <a:buClrTx/>
+                <a:buSzTx/>
+                <a:buFontTx/>
+                <a:buNone/>
+                <a:tabLst/>
+              </a:pPr>
+              <a:endParaRPr kumimoji="0" lang="fr-FR" b="1" i="0" u="none" strike="noStrike" kern="0" cap="none" spc="0" normalizeH="0" baseline="0" noProof="0" dirty="0" smtClean="0">
+                <a:ln>
+                  <a:noFill/>
+                </a:ln>
+                <a:solidFill>
+                  <a:schemeClr val="bg1"/>
+                </a:solidFill>
+                <a:effectLst/>
+                <a:uLnTx/>
+                <a:uFillTx/>
+                <a:latin typeface="+mn-lt"/>
+                <a:cs typeface="+mn-cs"/>
+              </a:endParaRPr>
+            </a:p>
+          </p:txBody>
+        </p:sp>
+      </p:grpSp>
+      <p:cxnSp>
+        <p:nvCxnSpPr>
+          <p:cNvPr id="15" name="Straight Connector 14"/>
+          <p:cNvCxnSpPr/>
+          <p:nvPr/>
+        </p:nvCxnSpPr>
+        <p:spPr>
+          <a:xfrm flipV="1">
+            <a:off x="5364088" y="3286937"/>
+            <a:ext cx="1595781" cy="580375"/>
+          </a:xfrm>
+          <a:prstGeom prst="line">
+            <a:avLst/>
+          </a:prstGeom>
+          <a:ln>
+            <a:prstDash val="dash"/>
+            <a:headEnd type="arrow" w="med" len="med"/>
+            <a:tailEnd type="none" w="med" len="med"/>
+          </a:ln>
+        </p:spPr>
+        <p:style>
+          <a:lnRef idx="2">
+            <a:schemeClr val="accent4"/>
+          </a:lnRef>
+          <a:fillRef idx="0">
+            <a:schemeClr val="accent4"/>
+          </a:fillRef>
+          <a:effectRef idx="1">
+            <a:schemeClr val="accent4"/>
+          </a:effectRef>
+          <a:fontRef idx="minor">
+            <a:schemeClr val="tx1"/>
+          </a:fontRef>
+        </p:style>
+      </p:cxnSp>
+      <p:cxnSp>
+        <p:nvCxnSpPr>
+          <p:cNvPr id="17" name="Straight Connector 16"/>
+          <p:cNvCxnSpPr/>
+          <p:nvPr/>
+        </p:nvCxnSpPr>
+        <p:spPr>
+          <a:xfrm>
+            <a:off x="2339752" y="2879598"/>
+            <a:ext cx="1512168" cy="987714"/>
+          </a:xfrm>
+          <a:prstGeom prst="line">
+            <a:avLst/>
+          </a:prstGeom>
+          <a:ln/>
+        </p:spPr>
+        <p:style>
+          <a:lnRef idx="2">
+            <a:schemeClr val="accent4"/>
+          </a:lnRef>
+          <a:fillRef idx="0">
+            <a:schemeClr val="accent4"/>
+          </a:fillRef>
+          <a:effectRef idx="1">
+            <a:schemeClr val="accent4"/>
+          </a:effectRef>
+          <a:fontRef idx="minor">
+            <a:schemeClr val="tx1"/>
+          </a:fontRef>
+        </p:style>
+      </p:cxnSp>
+      <p:cxnSp>
+        <p:nvCxnSpPr>
+          <p:cNvPr id="24" name="Straight Connector 23"/>
+          <p:cNvCxnSpPr/>
+          <p:nvPr/>
+        </p:nvCxnSpPr>
+        <p:spPr>
+          <a:xfrm flipV="1">
+            <a:off x="2339752" y="1680411"/>
+            <a:ext cx="1512168" cy="1199187"/>
+          </a:xfrm>
+          <a:prstGeom prst="line">
+            <a:avLst/>
+          </a:prstGeom>
+          <a:ln/>
+        </p:spPr>
+        <p:style>
+          <a:lnRef idx="2">
+            <a:schemeClr val="accent4"/>
+          </a:lnRef>
+          <a:fillRef idx="0">
+            <a:schemeClr val="accent4"/>
+          </a:fillRef>
+          <a:effectRef idx="1">
+            <a:schemeClr val="accent4"/>
+          </a:effectRef>
+          <a:fontRef idx="minor">
+            <a:schemeClr val="tx1"/>
+          </a:fontRef>
+        </p:style>
+      </p:cxnSp>
+      <p:sp>
+        <p:nvSpPr>
+          <p:cNvPr id="44" name="TextBox 43"/>
+          <p:cNvSpPr txBox="1"/>
+          <p:nvPr/>
+        </p:nvSpPr>
+        <p:spPr>
+          <a:xfrm>
+            <a:off x="5508104" y="4437112"/>
+            <a:ext cx="1415772" cy="307777"/>
+          </a:xfrm>
+          <a:prstGeom prst="rect">
+            <a:avLst/>
+          </a:prstGeom>
+          <a:noFill/>
+        </p:spPr>
+        <p:txBody>
+          <a:bodyPr wrap="none" rtlCol="0">
+            <a:spAutoFit/>
+          </a:bodyPr>
+          <a:lstStyle/>
+          <a:p>
+            <a:pPr marL="0" marR="0" indent="0" algn="l" defTabSz="914400" rtl="0" eaLnBrk="1" fontAlgn="auto" latinLnBrk="0" hangingPunct="1">
+              <a:lnSpc>
+                <a:spcPct val="100000"/>
+              </a:lnSpc>
+              <a:spcBef>
+                <a:spcPct val="20000"/>
+              </a:spcBef>
+              <a:spcAft>
+                <a:spcPts val="0"/>
+              </a:spcAft>
+              <a:buClrTx/>
+              <a:buSzTx/>
+              <a:buFontTx/>
+              <a:buNone/>
+              <a:tabLst/>
+            </a:pPr>
+            <a:r>
+              <a:rPr lang="fr-FR" sz="1400" b="1" kern="0" dirty="0">
+                <a:latin typeface="+mn-lt"/>
+                <a:cs typeface="+mn-cs"/>
+              </a:rPr>
+              <a:t>b</a:t>
+            </a:r>
+            <a:r>
+              <a:rPr lang="fr-FR" sz="1400" b="1" kern="0" dirty="0" smtClean="0">
+                <a:latin typeface="+mn-lt"/>
+                <a:cs typeface="+mn-cs"/>
+              </a:rPr>
+              <a:t>: </a:t>
+            </a:r>
+            <a:r>
+              <a:rPr lang="fr-FR" sz="1400" b="1" kern="0" dirty="0" smtClean="0">
+                <a:latin typeface="+mn-lt"/>
+                <a:cs typeface="+mn-cs"/>
+              </a:rPr>
+              <a:t>{System data} </a:t>
+            </a:r>
+            <a:endParaRPr kumimoji="0" lang="fr-FR" sz="1400" b="1" i="0" u="none" strike="noStrike" kern="0" cap="none" spc="0" normalizeH="0" baseline="0" noProof="0" dirty="0" smtClean="0">
+              <a:ln>
+                <a:noFill/>
+              </a:ln>
+              <a:effectLst/>
+              <a:uLnTx/>
+              <a:uFillTx/>
+              <a:latin typeface="+mn-lt"/>
+              <a:ea typeface="+mn-ea"/>
+              <a:cs typeface="+mn-cs"/>
+            </a:endParaRPr>
+          </a:p>
+        </p:txBody>
+      </p:sp>
+      <p:sp>
+        <p:nvSpPr>
+          <p:cNvPr id="49" name="Text Placeholder 48"/>
+          <p:cNvSpPr txBox="1">
+            <a:spLocks noGrp="1"/>
+          </p:cNvSpPr>
+          <p:nvPr>
+            <p:ph type="body" sz="quarter" idx="10"/>
+          </p:nvPr>
+        </p:nvSpPr>
+        <p:spPr>
+          <a:xfrm>
+            <a:off x="5979270" y="3255897"/>
+            <a:ext cx="320922" cy="307777"/>
+          </a:xfrm>
+          <a:prstGeom prst="rect">
+            <a:avLst/>
+          </a:prstGeom>
+          <a:noFill/>
+        </p:spPr>
+        <p:txBody>
+          <a:bodyPr wrap="none" rtlCol="0">
+            <a:spAutoFit/>
+          </a:bodyPr>
+          <a:lstStyle/>
+          <a:p>
+            <a:pPr marL="0" marR="0" indent="0" algn="l" defTabSz="914400" rtl="0" eaLnBrk="1" fontAlgn="auto" latinLnBrk="0" hangingPunct="1">
+              <a:lnSpc>
+                <a:spcPct val="100000"/>
+              </a:lnSpc>
+              <a:spcBef>
+                <a:spcPct val="20000"/>
+              </a:spcBef>
+              <a:spcAft>
+                <a:spcPts val="0"/>
+              </a:spcAft>
+              <a:buClrTx/>
+              <a:buSzTx/>
+              <a:buFontTx/>
+              <a:buNone/>
+              <a:tabLst/>
+            </a:pPr>
+            <a:r>
+              <a:rPr lang="fr-FR" sz="1400" b="1" kern="0" dirty="0" smtClean="0">
+                <a:latin typeface="+mn-lt"/>
+                <a:cs typeface="+mn-cs"/>
+              </a:rPr>
+              <a:t>b </a:t>
+            </a:r>
+            <a:endParaRPr kumimoji="0" lang="fr-FR" sz="1400" b="1" i="0" u="none" strike="noStrike" kern="0" cap="none" spc="0" normalizeH="0" baseline="0" noProof="0" dirty="0" smtClean="0">
+              <a:ln>
+                <a:noFill/>
+              </a:ln>
+              <a:effectLst/>
+              <a:uLnTx/>
+              <a:uFillTx/>
+              <a:latin typeface="+mn-lt"/>
+              <a:ea typeface="+mn-ea"/>
+              <a:cs typeface="+mn-cs"/>
+            </a:endParaRPr>
+          </a:p>
+        </p:txBody>
+      </p:sp>
+      <p:sp>
+        <p:nvSpPr>
+          <p:cNvPr id="50" name="Text Placeholder 48"/>
+          <p:cNvSpPr txBox="1">
+            <a:spLocks/>
+          </p:cNvSpPr>
+          <p:nvPr/>
+        </p:nvSpPr>
+        <p:spPr>
+          <a:xfrm>
+            <a:off x="6156176" y="1815737"/>
+            <a:ext cx="312906" cy="307777"/>
+          </a:xfrm>
+          <a:prstGeom prst="rect">
+            <a:avLst/>
+          </a:prstGeom>
+          <a:noFill/>
+        </p:spPr>
+        <p:txBody>
+          <a:bodyPr wrap="none" rtlCol="0">
+            <a:spAutoFit/>
+          </a:bodyPr>
+          <a:lstStyle>
+            <a:lvl1pPr marL="0" indent="354013" algn="l" rtl="0" eaLnBrk="0" fontAlgn="base" hangingPunct="0">
+              <a:spcBef>
+                <a:spcPct val="20000"/>
+              </a:spcBef>
+              <a:spcAft>
+                <a:spcPct val="0"/>
+              </a:spcAft>
+              <a:buClr>
+                <a:srgbClr val="DA7E18"/>
+              </a:buClr>
+              <a:buSzPct val="70000"/>
+              <a:buFont typeface="Wingdings" pitchFamily="2" charset="2"/>
+              <a:buChar char="q"/>
+              <a:defRPr lang="fr-FR" sz="2400" baseline="0">
+                <a:solidFill>
+                  <a:schemeClr val="tx1"/>
+                </a:solidFill>
+                <a:latin typeface="+mn-lt"/>
+                <a:ea typeface="+mn-ea"/>
+                <a:cs typeface="+mn-cs"/>
+              </a:defRPr>
+            </a:lvl1pPr>
+            <a:lvl2pPr marL="742950" indent="-285750" algn="l" rtl="0" eaLnBrk="0" fontAlgn="base" hangingPunct="0">
+              <a:spcBef>
+                <a:spcPct val="20000"/>
+              </a:spcBef>
+              <a:spcAft>
+                <a:spcPct val="0"/>
+              </a:spcAft>
+              <a:buClr>
+                <a:srgbClr val="E5AB1B"/>
+              </a:buClr>
+              <a:buSzPct val="70000"/>
+              <a:buFont typeface="Wingdings" pitchFamily="2" charset="2"/>
+              <a:buChar char="q"/>
+              <a:defRPr lang="fr-FR" sz="2000">
+                <a:solidFill>
+                  <a:schemeClr val="tx1">
+                    <a:lumMod val="75000"/>
+                    <a:lumOff val="25000"/>
+                  </a:schemeClr>
+                </a:solidFill>
+                <a:latin typeface="+mn-lt"/>
+                <a:ea typeface="+mn-ea"/>
+                <a:cs typeface="+mn-cs"/>
+              </a:defRPr>
+            </a:lvl2pPr>
+            <a:lvl3pPr marL="1143000" indent="-228600" algn="l" rtl="0" eaLnBrk="0" fontAlgn="base" hangingPunct="0">
+              <a:spcBef>
+                <a:spcPct val="20000"/>
+              </a:spcBef>
+              <a:spcAft>
+                <a:spcPct val="0"/>
+              </a:spcAft>
+              <a:buChar char="•"/>
+              <a:defRPr lang="fr-FR" sz="1600">
+                <a:solidFill>
+                  <a:schemeClr val="tx1">
+                    <a:lumMod val="65000"/>
+                    <a:lumOff val="35000"/>
+                  </a:schemeClr>
+                </a:solidFill>
+                <a:latin typeface="+mn-lt"/>
+                <a:ea typeface="+mn-ea"/>
+                <a:cs typeface="+mn-cs"/>
+              </a:defRPr>
+            </a:lvl3pPr>
+            <a:lvl4pPr marL="1600200" indent="-228600" algn="l" rtl="0" eaLnBrk="0" fontAlgn="base" hangingPunct="0">
+              <a:spcBef>
+                <a:spcPct val="20000"/>
+              </a:spcBef>
+              <a:spcAft>
+                <a:spcPct val="0"/>
+              </a:spcAft>
+              <a:buChar char="–"/>
+              <a:defRPr lang="fr-FR" sz="1100">
+                <a:solidFill>
+                  <a:schemeClr val="tx1"/>
+                </a:solidFill>
+                <a:latin typeface="+mn-lt"/>
+                <a:ea typeface="+mn-ea"/>
+                <a:cs typeface="+mn-cs"/>
+              </a:defRPr>
+            </a:lvl4pPr>
+            <a:lvl5pPr marL="2057400" indent="-228600" algn="l" rtl="0" eaLnBrk="0" fontAlgn="base" hangingPunct="0">
+              <a:spcBef>
+                <a:spcPct val="20000"/>
+              </a:spcBef>
+              <a:spcAft>
+                <a:spcPct val="0"/>
+              </a:spcAft>
+              <a:buChar char="»"/>
+              <a:defRPr lang="fr-FR" sz="1100">
+                <a:solidFill>
+                  <a:schemeClr val="tx1"/>
+                </a:solidFill>
+                <a:latin typeface="+mn-lt"/>
+                <a:ea typeface="+mn-ea"/>
+                <a:cs typeface="+mn-cs"/>
+              </a:defRPr>
+            </a:lvl5pPr>
+            <a:lvl6pPr marL="2514600" indent="-228600" algn="l" rtl="0" eaLnBrk="1" latinLnBrk="0" hangingPunct="1">
+              <a:spcBef>
+                <a:spcPct val="20000"/>
+              </a:spcBef>
+              <a:buChar char="•"/>
+              <a:defRPr kumimoji="0" lang="fr-FR" sz="2000">
+                <a:solidFill>
+                  <a:schemeClr val="tx1"/>
+                </a:solidFill>
+                <a:latin typeface="+mn-lt"/>
+                <a:ea typeface="+mn-ea"/>
+                <a:cs typeface="+mn-cs"/>
+              </a:defRPr>
+            </a:lvl6pPr>
+            <a:lvl7pPr marL="2971800" indent="-228600" algn="l" rtl="0" eaLnBrk="1" latinLnBrk="0" hangingPunct="1">
+              <a:spcBef>
+                <a:spcPct val="20000"/>
+              </a:spcBef>
+              <a:buChar char="•"/>
+              <a:defRPr kumimoji="0" lang="fr-FR" sz="2000">
+                <a:solidFill>
+                  <a:schemeClr val="tx1"/>
+                </a:solidFill>
+                <a:latin typeface="+mn-lt"/>
+                <a:ea typeface="+mn-ea"/>
+                <a:cs typeface="+mn-cs"/>
+              </a:defRPr>
+            </a:lvl7pPr>
+            <a:lvl8pPr marL="3429000" indent="-228600" algn="l" rtl="0" eaLnBrk="1" latinLnBrk="0" hangingPunct="1">
+              <a:spcBef>
+                <a:spcPct val="20000"/>
+              </a:spcBef>
+              <a:buChar char="•"/>
+              <a:defRPr kumimoji="0" lang="fr-FR" sz="2000">
+                <a:solidFill>
+                  <a:schemeClr val="tx1"/>
+                </a:solidFill>
+                <a:latin typeface="+mn-lt"/>
+                <a:ea typeface="+mn-ea"/>
+                <a:cs typeface="+mn-cs"/>
+              </a:defRPr>
+            </a:lvl8pPr>
+            <a:lvl9pPr marL="3886200" indent="-228600" algn="l" rtl="0" eaLnBrk="1" latinLnBrk="0" hangingPunct="1">
+              <a:spcBef>
+                <a:spcPct val="20000"/>
+              </a:spcBef>
+              <a:buChar char="•"/>
+              <a:defRPr kumimoji="0" lang="fr-FR" sz="2000">
+                <a:solidFill>
+                  <a:schemeClr val="tx1"/>
+                </a:solidFill>
+                <a:latin typeface="+mn-lt"/>
+                <a:ea typeface="+mn-ea"/>
+                <a:cs typeface="+mn-cs"/>
+              </a:defRPr>
+            </a:lvl9pPr>
+          </a:lstStyle>
+          <a:p>
+            <a:pPr indent="0" eaLnBrk="1" fontAlgn="auto" hangingPunct="1">
+              <a:spcAft>
+                <a:spcPts val="0"/>
+              </a:spcAft>
+              <a:buClrTx/>
+              <a:buSzTx/>
+              <a:buFontTx/>
+              <a:buNone/>
+            </a:pPr>
+            <a:r>
+              <a:rPr lang="fr-FR" sz="1400" b="1" dirty="0"/>
+              <a:t>a</a:t>
+            </a:r>
+            <a:r>
+              <a:rPr lang="fr-FR" sz="1400" b="1" dirty="0" smtClean="0"/>
+              <a:t> </a:t>
+            </a:r>
+          </a:p>
+        </p:txBody>
+      </p:sp>
+      <p:grpSp>
+        <p:nvGrpSpPr>
+          <p:cNvPr id="46" name="Group 45"/>
+          <p:cNvGrpSpPr/>
+          <p:nvPr/>
+        </p:nvGrpSpPr>
+        <p:grpSpPr>
+          <a:xfrm>
+            <a:off x="3851920" y="1268760"/>
+            <a:ext cx="1512168" cy="823301"/>
+            <a:chOff x="3419872" y="1885619"/>
+            <a:chExt cx="1512168" cy="823301"/>
+          </a:xfrm>
+        </p:grpSpPr>
+        <p:sp>
+          <p:nvSpPr>
+            <p:cNvPr id="25" name="Rectangle 24"/>
+            <p:cNvSpPr/>
+            <p:nvPr/>
+          </p:nvSpPr>
+          <p:spPr>
+            <a:xfrm>
+              <a:off x="3419872" y="1885619"/>
+              <a:ext cx="1512168" cy="823301"/>
+            </a:xfrm>
+            <a:prstGeom prst="rect">
+              <a:avLst/>
+            </a:prstGeom>
+          </p:spPr>
+          <p:style>
+            <a:lnRef idx="3">
+              <a:schemeClr val="lt1"/>
+            </a:lnRef>
+            <a:fillRef idx="1">
+              <a:schemeClr val="accent6"/>
+            </a:fillRef>
+            <a:effectRef idx="1">
+              <a:schemeClr val="accent6"/>
+            </a:effectRef>
+            <a:fontRef idx="minor">
+              <a:schemeClr val="lt1"/>
+            </a:fontRef>
+          </p:style>
+          <p:txBody>
+            <a:bodyPr rtlCol="0" anchor="ctr"/>
+            <a:lstStyle/>
+            <a:p>
+              <a:pPr algn="ctr"/>
+              <a:r>
+                <a:rPr lang="fr-FR" dirty="0" smtClean="0"/>
+                <a:t>Systems</a:t>
+              </a:r>
+              <a:endParaRPr lang="fr-FR" dirty="0"/>
+            </a:p>
+          </p:txBody>
+        </p:sp>
+        <p:sp>
+          <p:nvSpPr>
+            <p:cNvPr id="45" name="Rectangle 44"/>
+            <p:cNvSpPr/>
+            <p:nvPr/>
+          </p:nvSpPr>
+          <p:spPr>
+            <a:xfrm>
+              <a:off x="4644008" y="2451157"/>
+              <a:ext cx="288032" cy="257763"/>
+            </a:xfrm>
+            <a:prstGeom prst="rect">
+              <a:avLst/>
+            </a:prstGeom>
+            <a:effectLst/>
+          </p:spPr>
+          <p:style>
+            <a:lnRef idx="3">
+              <a:schemeClr val="lt1"/>
+            </a:lnRef>
+            <a:fillRef idx="1">
+              <a:schemeClr val="accent6"/>
+            </a:fillRef>
+            <a:effectRef idx="1">
+              <a:schemeClr val="accent6"/>
+            </a:effectRef>
+            <a:fontRef idx="minor">
+              <a:schemeClr val="lt1"/>
+            </a:fontRef>
+          </p:style>
+          <p:txBody>
+            <a:bodyPr rtlCol="0" anchor="ctr"/>
+            <a:lstStyle/>
+            <a:p>
+              <a:pPr algn="ctr"/>
+              <a:r>
+                <a:rPr lang="fr-FR" dirty="0" smtClean="0"/>
+                <a:t>C</a:t>
+              </a:r>
+              <a:endParaRPr lang="fr-FR" dirty="0"/>
+            </a:p>
+          </p:txBody>
+        </p:sp>
+      </p:grpSp>
+      <p:grpSp>
+        <p:nvGrpSpPr>
+          <p:cNvPr id="47" name="Group 46"/>
+          <p:cNvGrpSpPr/>
+          <p:nvPr/>
+        </p:nvGrpSpPr>
+        <p:grpSpPr>
+          <a:xfrm>
+            <a:off x="3851920" y="3455661"/>
+            <a:ext cx="1512168" cy="823301"/>
+            <a:chOff x="3491880" y="4041068"/>
+            <a:chExt cx="1512168" cy="823301"/>
+          </a:xfrm>
+        </p:grpSpPr>
+        <p:sp>
+          <p:nvSpPr>
+            <p:cNvPr id="34" name="Rectangle 33"/>
+            <p:cNvSpPr/>
+            <p:nvPr/>
+          </p:nvSpPr>
+          <p:spPr>
+            <a:xfrm>
+              <a:off x="3491880" y="4041068"/>
+              <a:ext cx="1512168" cy="823301"/>
+            </a:xfrm>
+            <a:prstGeom prst="rect">
+              <a:avLst/>
+            </a:prstGeom>
+          </p:spPr>
+          <p:style>
+            <a:lnRef idx="3">
+              <a:schemeClr val="lt1"/>
+            </a:lnRef>
+            <a:fillRef idx="1">
+              <a:schemeClr val="accent6"/>
+            </a:fillRef>
+            <a:effectRef idx="1">
+              <a:schemeClr val="accent6"/>
+            </a:effectRef>
+            <a:fontRef idx="minor">
+              <a:schemeClr val="lt1"/>
+            </a:fontRef>
+          </p:style>
+          <p:txBody>
+            <a:bodyPr rtlCol="0" anchor="ctr"/>
+            <a:lstStyle/>
+            <a:p>
+              <a:pPr algn="ctr"/>
+              <a:r>
+                <a:rPr lang="fr-FR" dirty="0" smtClean="0"/>
+                <a:t>FDIR Storage</a:t>
+              </a:r>
+            </a:p>
+            <a:p>
+              <a:pPr algn="ctr"/>
+              <a:r>
+                <a:rPr lang="fr-FR" dirty="0" smtClean="0"/>
+                <a:t>System</a:t>
+              </a:r>
+              <a:endParaRPr lang="fr-FR" dirty="0"/>
+            </a:p>
+          </p:txBody>
+        </p:sp>
+        <p:sp>
+          <p:nvSpPr>
+            <p:cNvPr id="53" name="Rectangle 52"/>
+            <p:cNvSpPr/>
+            <p:nvPr/>
+          </p:nvSpPr>
+          <p:spPr>
+            <a:xfrm>
+              <a:off x="4716016" y="4606606"/>
+              <a:ext cx="288032" cy="257763"/>
+            </a:xfrm>
+            <a:prstGeom prst="rect">
+              <a:avLst/>
+            </a:prstGeom>
+            <a:effectLst/>
+          </p:spPr>
+          <p:style>
+            <a:lnRef idx="3">
+              <a:schemeClr val="lt1"/>
+            </a:lnRef>
+            <a:fillRef idx="1">
+              <a:schemeClr val="accent6"/>
+            </a:fillRef>
+            <a:effectRef idx="1">
+              <a:schemeClr val="accent6"/>
+            </a:effectRef>
+            <a:fontRef idx="minor">
+              <a:schemeClr val="lt1"/>
+            </a:fontRef>
+          </p:style>
+          <p:txBody>
+            <a:bodyPr rtlCol="0" anchor="ctr"/>
+            <a:lstStyle/>
+            <a:p>
+              <a:pPr algn="ctr"/>
+              <a:r>
+                <a:rPr lang="fr-FR" dirty="0" smtClean="0"/>
+                <a:t>C</a:t>
+              </a:r>
+              <a:endParaRPr lang="fr-FR" dirty="0"/>
+            </a:p>
+          </p:txBody>
+        </p:sp>
+      </p:grpSp>
+      <p:sp>
+        <p:nvSpPr>
+          <p:cNvPr id="56" name="TextBox 55"/>
+          <p:cNvSpPr txBox="1"/>
+          <p:nvPr/>
+        </p:nvSpPr>
+        <p:spPr>
+          <a:xfrm>
+            <a:off x="827584" y="4437112"/>
+            <a:ext cx="2994129" cy="307777"/>
+          </a:xfrm>
+          <a:prstGeom prst="rect">
+            <a:avLst/>
+          </a:prstGeom>
+          <a:noFill/>
+        </p:spPr>
+        <p:txBody>
+          <a:bodyPr wrap="none" rtlCol="0">
+            <a:spAutoFit/>
+          </a:bodyPr>
+          <a:lstStyle/>
+          <a:p>
+            <a:pPr marL="0" marR="0" indent="0" algn="l" defTabSz="914400" rtl="0" eaLnBrk="1" fontAlgn="auto" latinLnBrk="0" hangingPunct="1">
+              <a:lnSpc>
+                <a:spcPct val="100000"/>
+              </a:lnSpc>
+              <a:spcBef>
+                <a:spcPct val="20000"/>
+              </a:spcBef>
+              <a:spcAft>
+                <a:spcPts val="0"/>
+              </a:spcAft>
+              <a:buClrTx/>
+              <a:buSzTx/>
+              <a:buFontTx/>
+              <a:buNone/>
+              <a:tabLst/>
+            </a:pPr>
+            <a:r>
+              <a:rPr lang="fr-FR" sz="1400" b="1" kern="0" dirty="0" smtClean="0">
+                <a:latin typeface="+mn-lt"/>
+                <a:cs typeface="+mn-cs"/>
+              </a:rPr>
+              <a:t>c</a:t>
+            </a:r>
+            <a:r>
+              <a:rPr lang="fr-FR" sz="1400" b="1" kern="0" dirty="0" smtClean="0">
+                <a:latin typeface="+mn-lt"/>
+                <a:cs typeface="+mn-cs"/>
+              </a:rPr>
+              <a:t>: FDIR! {System ID, state value, time}</a:t>
+            </a:r>
+            <a:endParaRPr kumimoji="0" lang="fr-FR" sz="1400" b="1" i="0" u="none" strike="noStrike" kern="0" cap="none" spc="0" normalizeH="0" baseline="0" noProof="0" dirty="0" smtClean="0">
+              <a:ln>
+                <a:noFill/>
+              </a:ln>
+              <a:effectLst/>
+              <a:uLnTx/>
+              <a:uFillTx/>
+              <a:latin typeface="+mn-lt"/>
+              <a:ea typeface="+mn-ea"/>
+              <a:cs typeface="+mn-cs"/>
+            </a:endParaRPr>
+          </a:p>
+        </p:txBody>
+      </p:sp>
+      <p:sp>
+        <p:nvSpPr>
+          <p:cNvPr id="57" name="Text Placeholder 48"/>
+          <p:cNvSpPr txBox="1">
+            <a:spLocks/>
+          </p:cNvSpPr>
+          <p:nvPr/>
+        </p:nvSpPr>
+        <p:spPr>
+          <a:xfrm>
+            <a:off x="3047782" y="3111881"/>
+            <a:ext cx="300082" cy="307777"/>
+          </a:xfrm>
+          <a:prstGeom prst="rect">
+            <a:avLst/>
+          </a:prstGeom>
+          <a:noFill/>
+        </p:spPr>
+        <p:txBody>
+          <a:bodyPr wrap="none" rtlCol="0">
+            <a:spAutoFit/>
+          </a:bodyPr>
+          <a:lstStyle>
+            <a:lvl1pPr marL="0" indent="354013" algn="l" rtl="0" eaLnBrk="0" fontAlgn="base" hangingPunct="0">
+              <a:spcBef>
+                <a:spcPct val="20000"/>
+              </a:spcBef>
+              <a:spcAft>
+                <a:spcPct val="0"/>
+              </a:spcAft>
+              <a:buClr>
+                <a:srgbClr val="DA7E18"/>
+              </a:buClr>
+              <a:buSzPct val="70000"/>
+              <a:buFont typeface="Wingdings" pitchFamily="2" charset="2"/>
+              <a:buChar char="q"/>
+              <a:defRPr lang="fr-FR" sz="2400" baseline="0">
+                <a:solidFill>
+                  <a:schemeClr val="tx1"/>
+                </a:solidFill>
+                <a:latin typeface="+mn-lt"/>
+                <a:ea typeface="+mn-ea"/>
+                <a:cs typeface="+mn-cs"/>
+              </a:defRPr>
+            </a:lvl1pPr>
+            <a:lvl2pPr marL="742950" indent="-285750" algn="l" rtl="0" eaLnBrk="0" fontAlgn="base" hangingPunct="0">
+              <a:spcBef>
+                <a:spcPct val="20000"/>
+              </a:spcBef>
+              <a:spcAft>
+                <a:spcPct val="0"/>
+              </a:spcAft>
+              <a:buClr>
+                <a:srgbClr val="E5AB1B"/>
+              </a:buClr>
+              <a:buSzPct val="70000"/>
+              <a:buFont typeface="Wingdings" pitchFamily="2" charset="2"/>
+              <a:buChar char="q"/>
+              <a:defRPr lang="fr-FR" sz="2000">
+                <a:solidFill>
+                  <a:schemeClr val="tx1">
+                    <a:lumMod val="75000"/>
+                    <a:lumOff val="25000"/>
+                  </a:schemeClr>
+                </a:solidFill>
+                <a:latin typeface="+mn-lt"/>
+                <a:ea typeface="+mn-ea"/>
+                <a:cs typeface="+mn-cs"/>
+              </a:defRPr>
+            </a:lvl2pPr>
+            <a:lvl3pPr marL="1143000" indent="-228600" algn="l" rtl="0" eaLnBrk="0" fontAlgn="base" hangingPunct="0">
+              <a:spcBef>
+                <a:spcPct val="20000"/>
+              </a:spcBef>
+              <a:spcAft>
+                <a:spcPct val="0"/>
+              </a:spcAft>
+              <a:buChar char="•"/>
+              <a:defRPr lang="fr-FR" sz="1600">
+                <a:solidFill>
+                  <a:schemeClr val="tx1">
+                    <a:lumMod val="65000"/>
+                    <a:lumOff val="35000"/>
+                  </a:schemeClr>
+                </a:solidFill>
+                <a:latin typeface="+mn-lt"/>
+                <a:ea typeface="+mn-ea"/>
+                <a:cs typeface="+mn-cs"/>
+              </a:defRPr>
+            </a:lvl3pPr>
+            <a:lvl4pPr marL="1600200" indent="-228600" algn="l" rtl="0" eaLnBrk="0" fontAlgn="base" hangingPunct="0">
+              <a:spcBef>
+                <a:spcPct val="20000"/>
+              </a:spcBef>
+              <a:spcAft>
+                <a:spcPct val="0"/>
+              </a:spcAft>
+              <a:buChar char="–"/>
+              <a:defRPr lang="fr-FR" sz="1100">
+                <a:solidFill>
+                  <a:schemeClr val="tx1"/>
+                </a:solidFill>
+                <a:latin typeface="+mn-lt"/>
+                <a:ea typeface="+mn-ea"/>
+                <a:cs typeface="+mn-cs"/>
+              </a:defRPr>
+            </a:lvl4pPr>
+            <a:lvl5pPr marL="2057400" indent="-228600" algn="l" rtl="0" eaLnBrk="0" fontAlgn="base" hangingPunct="0">
+              <a:spcBef>
+                <a:spcPct val="20000"/>
+              </a:spcBef>
+              <a:spcAft>
+                <a:spcPct val="0"/>
+              </a:spcAft>
+              <a:buChar char="»"/>
+              <a:defRPr lang="fr-FR" sz="1100">
+                <a:solidFill>
+                  <a:schemeClr val="tx1"/>
+                </a:solidFill>
+                <a:latin typeface="+mn-lt"/>
+                <a:ea typeface="+mn-ea"/>
+                <a:cs typeface="+mn-cs"/>
+              </a:defRPr>
+            </a:lvl5pPr>
+            <a:lvl6pPr marL="2514600" indent="-228600" algn="l" rtl="0" eaLnBrk="1" latinLnBrk="0" hangingPunct="1">
+              <a:spcBef>
+                <a:spcPct val="20000"/>
+              </a:spcBef>
+              <a:buChar char="•"/>
+              <a:defRPr kumimoji="0" lang="fr-FR" sz="2000">
+                <a:solidFill>
+                  <a:schemeClr val="tx1"/>
+                </a:solidFill>
+                <a:latin typeface="+mn-lt"/>
+                <a:ea typeface="+mn-ea"/>
+                <a:cs typeface="+mn-cs"/>
+              </a:defRPr>
+            </a:lvl6pPr>
+            <a:lvl7pPr marL="2971800" indent="-228600" algn="l" rtl="0" eaLnBrk="1" latinLnBrk="0" hangingPunct="1">
+              <a:spcBef>
+                <a:spcPct val="20000"/>
+              </a:spcBef>
+              <a:buChar char="•"/>
+              <a:defRPr kumimoji="0" lang="fr-FR" sz="2000">
+                <a:solidFill>
+                  <a:schemeClr val="tx1"/>
+                </a:solidFill>
+                <a:latin typeface="+mn-lt"/>
+                <a:ea typeface="+mn-ea"/>
+                <a:cs typeface="+mn-cs"/>
+              </a:defRPr>
+            </a:lvl7pPr>
+            <a:lvl8pPr marL="3429000" indent="-228600" algn="l" rtl="0" eaLnBrk="1" latinLnBrk="0" hangingPunct="1">
+              <a:spcBef>
+                <a:spcPct val="20000"/>
+              </a:spcBef>
+              <a:buChar char="•"/>
+              <a:defRPr kumimoji="0" lang="fr-FR" sz="2000">
+                <a:solidFill>
+                  <a:schemeClr val="tx1"/>
+                </a:solidFill>
+                <a:latin typeface="+mn-lt"/>
+                <a:ea typeface="+mn-ea"/>
+                <a:cs typeface="+mn-cs"/>
+              </a:defRPr>
+            </a:lvl8pPr>
+            <a:lvl9pPr marL="3886200" indent="-228600" algn="l" rtl="0" eaLnBrk="1" latinLnBrk="0" hangingPunct="1">
+              <a:spcBef>
+                <a:spcPct val="20000"/>
+              </a:spcBef>
+              <a:buChar char="•"/>
+              <a:defRPr kumimoji="0" lang="fr-FR" sz="2000">
+                <a:solidFill>
+                  <a:schemeClr val="tx1"/>
+                </a:solidFill>
+                <a:latin typeface="+mn-lt"/>
+                <a:ea typeface="+mn-ea"/>
+                <a:cs typeface="+mn-cs"/>
+              </a:defRPr>
+            </a:lvl9pPr>
+          </a:lstStyle>
+          <a:p>
+            <a:pPr indent="0" eaLnBrk="1" fontAlgn="auto" hangingPunct="1">
+              <a:spcAft>
+                <a:spcPts val="0"/>
+              </a:spcAft>
+              <a:buClrTx/>
+              <a:buSzTx/>
+              <a:buFontTx/>
+              <a:buNone/>
+            </a:pPr>
+            <a:r>
+              <a:rPr lang="fr-FR" sz="1400" b="1" dirty="0"/>
+              <a:t>c</a:t>
+            </a:r>
+            <a:r>
+              <a:rPr lang="fr-FR" sz="1400" b="1" dirty="0" smtClean="0"/>
+              <a:t> </a:t>
+            </a:r>
+          </a:p>
+        </p:txBody>
+      </p:sp>
+      <p:sp>
+        <p:nvSpPr>
+          <p:cNvPr id="58" name="Text Placeholder 48"/>
+          <p:cNvSpPr txBox="1">
+            <a:spLocks/>
+          </p:cNvSpPr>
+          <p:nvPr/>
+        </p:nvSpPr>
+        <p:spPr>
+          <a:xfrm>
+            <a:off x="2882926" y="1959753"/>
+            <a:ext cx="320922" cy="307777"/>
+          </a:xfrm>
+          <a:prstGeom prst="rect">
+            <a:avLst/>
+          </a:prstGeom>
+          <a:noFill/>
+        </p:spPr>
+        <p:txBody>
+          <a:bodyPr wrap="none" rtlCol="0">
+            <a:spAutoFit/>
+          </a:bodyPr>
+          <a:lstStyle>
+            <a:lvl1pPr marL="0" indent="354013" algn="l" rtl="0" eaLnBrk="0" fontAlgn="base" hangingPunct="0">
+              <a:spcBef>
+                <a:spcPct val="20000"/>
+              </a:spcBef>
+              <a:spcAft>
+                <a:spcPct val="0"/>
+              </a:spcAft>
+              <a:buClr>
+                <a:srgbClr val="DA7E18"/>
+              </a:buClr>
+              <a:buSzPct val="70000"/>
+              <a:buFont typeface="Wingdings" pitchFamily="2" charset="2"/>
+              <a:buChar char="q"/>
+              <a:defRPr lang="fr-FR" sz="2400" baseline="0">
+                <a:solidFill>
+                  <a:schemeClr val="tx1"/>
+                </a:solidFill>
+                <a:latin typeface="+mn-lt"/>
+                <a:ea typeface="+mn-ea"/>
+                <a:cs typeface="+mn-cs"/>
+              </a:defRPr>
+            </a:lvl1pPr>
+            <a:lvl2pPr marL="742950" indent="-285750" algn="l" rtl="0" eaLnBrk="0" fontAlgn="base" hangingPunct="0">
+              <a:spcBef>
+                <a:spcPct val="20000"/>
+              </a:spcBef>
+              <a:spcAft>
+                <a:spcPct val="0"/>
+              </a:spcAft>
+              <a:buClr>
+                <a:srgbClr val="E5AB1B"/>
+              </a:buClr>
+              <a:buSzPct val="70000"/>
+              <a:buFont typeface="Wingdings" pitchFamily="2" charset="2"/>
+              <a:buChar char="q"/>
+              <a:defRPr lang="fr-FR" sz="2000">
+                <a:solidFill>
+                  <a:schemeClr val="tx1">
+                    <a:lumMod val="75000"/>
+                    <a:lumOff val="25000"/>
+                  </a:schemeClr>
+                </a:solidFill>
+                <a:latin typeface="+mn-lt"/>
+                <a:ea typeface="+mn-ea"/>
+                <a:cs typeface="+mn-cs"/>
+              </a:defRPr>
+            </a:lvl2pPr>
+            <a:lvl3pPr marL="1143000" indent="-228600" algn="l" rtl="0" eaLnBrk="0" fontAlgn="base" hangingPunct="0">
+              <a:spcBef>
+                <a:spcPct val="20000"/>
+              </a:spcBef>
+              <a:spcAft>
+                <a:spcPct val="0"/>
+              </a:spcAft>
+              <a:buChar char="•"/>
+              <a:defRPr lang="fr-FR" sz="1600">
+                <a:solidFill>
+                  <a:schemeClr val="tx1">
+                    <a:lumMod val="65000"/>
+                    <a:lumOff val="35000"/>
+                  </a:schemeClr>
+                </a:solidFill>
+                <a:latin typeface="+mn-lt"/>
+                <a:ea typeface="+mn-ea"/>
+                <a:cs typeface="+mn-cs"/>
+              </a:defRPr>
+            </a:lvl3pPr>
+            <a:lvl4pPr marL="1600200" indent="-228600" algn="l" rtl="0" eaLnBrk="0" fontAlgn="base" hangingPunct="0">
+              <a:spcBef>
+                <a:spcPct val="20000"/>
+              </a:spcBef>
+              <a:spcAft>
+                <a:spcPct val="0"/>
+              </a:spcAft>
+              <a:buChar char="–"/>
+              <a:defRPr lang="fr-FR" sz="1100">
+                <a:solidFill>
+                  <a:schemeClr val="tx1"/>
+                </a:solidFill>
+                <a:latin typeface="+mn-lt"/>
+                <a:ea typeface="+mn-ea"/>
+                <a:cs typeface="+mn-cs"/>
+              </a:defRPr>
+            </a:lvl4pPr>
+            <a:lvl5pPr marL="2057400" indent="-228600" algn="l" rtl="0" eaLnBrk="0" fontAlgn="base" hangingPunct="0">
+              <a:spcBef>
+                <a:spcPct val="20000"/>
+              </a:spcBef>
+              <a:spcAft>
+                <a:spcPct val="0"/>
+              </a:spcAft>
+              <a:buChar char="»"/>
+              <a:defRPr lang="fr-FR" sz="1100">
+                <a:solidFill>
+                  <a:schemeClr val="tx1"/>
+                </a:solidFill>
+                <a:latin typeface="+mn-lt"/>
+                <a:ea typeface="+mn-ea"/>
+                <a:cs typeface="+mn-cs"/>
+              </a:defRPr>
+            </a:lvl5pPr>
+            <a:lvl6pPr marL="2514600" indent="-228600" algn="l" rtl="0" eaLnBrk="1" latinLnBrk="0" hangingPunct="1">
+              <a:spcBef>
+                <a:spcPct val="20000"/>
+              </a:spcBef>
+              <a:buChar char="•"/>
+              <a:defRPr kumimoji="0" lang="fr-FR" sz="2000">
+                <a:solidFill>
+                  <a:schemeClr val="tx1"/>
+                </a:solidFill>
+                <a:latin typeface="+mn-lt"/>
+                <a:ea typeface="+mn-ea"/>
+                <a:cs typeface="+mn-cs"/>
+              </a:defRPr>
+            </a:lvl6pPr>
+            <a:lvl7pPr marL="2971800" indent="-228600" algn="l" rtl="0" eaLnBrk="1" latinLnBrk="0" hangingPunct="1">
+              <a:spcBef>
+                <a:spcPct val="20000"/>
+              </a:spcBef>
+              <a:buChar char="•"/>
+              <a:defRPr kumimoji="0" lang="fr-FR" sz="2000">
+                <a:solidFill>
+                  <a:schemeClr val="tx1"/>
+                </a:solidFill>
+                <a:latin typeface="+mn-lt"/>
+                <a:ea typeface="+mn-ea"/>
+                <a:cs typeface="+mn-cs"/>
+              </a:defRPr>
+            </a:lvl7pPr>
+            <a:lvl8pPr marL="3429000" indent="-228600" algn="l" rtl="0" eaLnBrk="1" latinLnBrk="0" hangingPunct="1">
+              <a:spcBef>
+                <a:spcPct val="20000"/>
+              </a:spcBef>
+              <a:buChar char="•"/>
+              <a:defRPr kumimoji="0" lang="fr-FR" sz="2000">
+                <a:solidFill>
+                  <a:schemeClr val="tx1"/>
+                </a:solidFill>
+                <a:latin typeface="+mn-lt"/>
+                <a:ea typeface="+mn-ea"/>
+                <a:cs typeface="+mn-cs"/>
+              </a:defRPr>
+            </a:lvl8pPr>
+            <a:lvl9pPr marL="3886200" indent="-228600" algn="l" rtl="0" eaLnBrk="1" latinLnBrk="0" hangingPunct="1">
+              <a:spcBef>
+                <a:spcPct val="20000"/>
+              </a:spcBef>
+              <a:buChar char="•"/>
+              <a:defRPr kumimoji="0" lang="fr-FR" sz="2000">
+                <a:solidFill>
+                  <a:schemeClr val="tx1"/>
+                </a:solidFill>
+                <a:latin typeface="+mn-lt"/>
+                <a:ea typeface="+mn-ea"/>
+                <a:cs typeface="+mn-cs"/>
+              </a:defRPr>
+            </a:lvl9pPr>
+          </a:lstStyle>
+          <a:p>
+            <a:pPr indent="0" eaLnBrk="1" fontAlgn="auto" hangingPunct="1">
+              <a:spcAft>
+                <a:spcPts val="0"/>
+              </a:spcAft>
+              <a:buClrTx/>
+              <a:buSzTx/>
+              <a:buFontTx/>
+              <a:buNone/>
+            </a:pPr>
+            <a:r>
+              <a:rPr lang="fr-FR" sz="1400" b="1" dirty="0" smtClean="0"/>
+              <a:t>d </a:t>
+            </a:r>
+          </a:p>
+        </p:txBody>
+      </p:sp>
+      <p:sp>
+        <p:nvSpPr>
+          <p:cNvPr id="59" name="TextBox 58"/>
+          <p:cNvSpPr txBox="1"/>
+          <p:nvPr/>
+        </p:nvSpPr>
+        <p:spPr>
+          <a:xfrm>
+            <a:off x="827584" y="4897286"/>
+            <a:ext cx="2339102" cy="307777"/>
+          </a:xfrm>
+          <a:prstGeom prst="rect">
+            <a:avLst/>
+          </a:prstGeom>
+          <a:noFill/>
+        </p:spPr>
+        <p:txBody>
+          <a:bodyPr wrap="none" rtlCol="0">
+            <a:spAutoFit/>
+          </a:bodyPr>
+          <a:lstStyle/>
+          <a:p>
+            <a:pPr marL="0" marR="0" indent="0" algn="l" defTabSz="914400" rtl="0" eaLnBrk="1" fontAlgn="auto" latinLnBrk="0" hangingPunct="1">
+              <a:lnSpc>
+                <a:spcPct val="100000"/>
+              </a:lnSpc>
+              <a:spcBef>
+                <a:spcPct val="20000"/>
+              </a:spcBef>
+              <a:spcAft>
+                <a:spcPts val="0"/>
+              </a:spcAft>
+              <a:buClrTx/>
+              <a:buSzTx/>
+              <a:buFontTx/>
+              <a:buNone/>
+              <a:tabLst/>
+            </a:pPr>
+            <a:r>
+              <a:rPr lang="fr-FR" sz="1400" b="1" kern="0" dirty="0">
+                <a:latin typeface="+mn-lt"/>
+                <a:cs typeface="+mn-cs"/>
+              </a:rPr>
+              <a:t>d</a:t>
+            </a:r>
+            <a:r>
+              <a:rPr lang="fr-FR" sz="1400" b="1" kern="0" dirty="0" smtClean="0">
+                <a:latin typeface="+mn-lt"/>
+                <a:cs typeface="+mn-cs"/>
+              </a:rPr>
+              <a:t>: Systems! {value, no value}</a:t>
+            </a:r>
+            <a:endParaRPr kumimoji="0" lang="fr-FR" sz="1400" b="1" i="0" u="none" strike="noStrike" kern="0" cap="none" spc="0" normalizeH="0" baseline="0" noProof="0" dirty="0" smtClean="0">
+              <a:ln>
+                <a:noFill/>
+              </a:ln>
+              <a:effectLst/>
+              <a:uLnTx/>
+              <a:uFillTx/>
+              <a:latin typeface="+mn-lt"/>
+              <a:ea typeface="+mn-ea"/>
+              <a:cs typeface="+mn-cs"/>
+            </a:endParaRPr>
+          </a:p>
+        </p:txBody>
+      </p:sp>
+      <p:sp>
+        <p:nvSpPr>
+          <p:cNvPr id="61" name="TextBox 60"/>
+          <p:cNvSpPr txBox="1"/>
+          <p:nvPr/>
+        </p:nvSpPr>
+        <p:spPr>
+          <a:xfrm>
+            <a:off x="5508104" y="4897286"/>
+            <a:ext cx="2403222" cy="307777"/>
+          </a:xfrm>
+          <a:prstGeom prst="rect">
+            <a:avLst/>
+          </a:prstGeom>
+          <a:noFill/>
+        </p:spPr>
+        <p:txBody>
+          <a:bodyPr wrap="none" rtlCol="0">
+            <a:spAutoFit/>
+          </a:bodyPr>
+          <a:lstStyle/>
+          <a:p>
+            <a:pPr marL="0" marR="0" indent="0" algn="l" defTabSz="914400" rtl="0" eaLnBrk="1" fontAlgn="auto" latinLnBrk="0" hangingPunct="1">
+              <a:lnSpc>
+                <a:spcPct val="100000"/>
+              </a:lnSpc>
+              <a:spcBef>
+                <a:spcPct val="20000"/>
+              </a:spcBef>
+              <a:spcAft>
+                <a:spcPts val="0"/>
+              </a:spcAft>
+              <a:buClrTx/>
+              <a:buSzTx/>
+              <a:buFontTx/>
+              <a:buNone/>
+              <a:tabLst/>
+            </a:pPr>
+            <a:r>
+              <a:rPr lang="fr-FR" sz="1400" b="1" kern="0" dirty="0" smtClean="0">
+                <a:latin typeface="+mn-lt"/>
+                <a:cs typeface="+mn-cs"/>
+              </a:rPr>
+              <a:t>a:</a:t>
+            </a:r>
+            <a:r>
+              <a:rPr lang="fr-FR" sz="1400" b="1" kern="0" dirty="0" smtClean="0">
+                <a:latin typeface="+mn-lt"/>
+                <a:cs typeface="+mn-cs"/>
+              </a:rPr>
+              <a:t> Systems! {System ID, state} </a:t>
+            </a:r>
+            <a:endParaRPr kumimoji="0" lang="fr-FR" sz="1400" b="1" i="0" u="none" strike="noStrike" kern="0" cap="none" spc="0" normalizeH="0" baseline="0" noProof="0" dirty="0" smtClean="0">
+              <a:ln>
+                <a:noFill/>
+              </a:ln>
+              <a:effectLst/>
+              <a:uLnTx/>
+              <a:uFillTx/>
+              <a:latin typeface="+mn-lt"/>
+              <a:ea typeface="+mn-ea"/>
+              <a:cs typeface="+mn-cs"/>
+            </a:endParaRPr>
+          </a:p>
+        </p:txBody>
+      </p:sp>
+      <p:sp>
+        <p:nvSpPr>
+          <p:cNvPr id="62" name="TextBox 61"/>
+          <p:cNvSpPr txBox="1"/>
+          <p:nvPr/>
+        </p:nvSpPr>
+        <p:spPr>
+          <a:xfrm>
+            <a:off x="2991991" y="5877272"/>
+            <a:ext cx="4168129" cy="584775"/>
+          </a:xfrm>
+          <a:prstGeom prst="rect">
+            <a:avLst/>
+          </a:prstGeom>
+          <a:noFill/>
+        </p:spPr>
+        <p:txBody>
+          <a:bodyPr wrap="none" rtlCol="0">
+            <a:spAutoFit/>
+          </a:bodyPr>
+          <a:lstStyle/>
+          <a:p>
+            <a:pPr marL="0" marR="0" indent="0" algn="l" defTabSz="914400" rtl="0" eaLnBrk="1" fontAlgn="auto" latinLnBrk="0" hangingPunct="1">
+              <a:lnSpc>
+                <a:spcPct val="100000"/>
+              </a:lnSpc>
+              <a:spcBef>
+                <a:spcPct val="20000"/>
+              </a:spcBef>
+              <a:spcAft>
+                <a:spcPts val="0"/>
+              </a:spcAft>
+              <a:buClrTx/>
+              <a:buSzTx/>
+              <a:buFontTx/>
+              <a:buNone/>
+              <a:tabLst/>
+            </a:pPr>
+            <a:r>
+              <a:rPr lang="fr-FR" sz="3200" b="1" kern="0" dirty="0" smtClean="0">
+                <a:solidFill>
+                  <a:schemeClr val="accent6"/>
+                </a:solidFill>
+                <a:effectLst>
+                  <a:outerShdw blurRad="38100" dist="38100" dir="2700000" algn="tl">
+                    <a:srgbClr val="000000">
+                      <a:alpha val="43137"/>
+                    </a:srgbClr>
+                  </a:outerShdw>
+                </a:effectLst>
+                <a:latin typeface="+mn-lt"/>
+                <a:cs typeface="+mn-cs"/>
+              </a:rPr>
+              <a:t>Display</a:t>
+            </a:r>
+            <a:r>
+              <a:rPr lang="fr-FR" sz="3200" b="1" kern="0" dirty="0" smtClean="0">
+                <a:latin typeface="+mn-lt"/>
+                <a:cs typeface="+mn-cs"/>
+              </a:rPr>
+              <a:t> </a:t>
+            </a:r>
+            <a:r>
+              <a:rPr lang="fr-FR" sz="3200" b="1" kern="0" dirty="0" err="1" smtClean="0">
+                <a:latin typeface="+mn-lt"/>
+                <a:cs typeface="+mn-cs"/>
+              </a:rPr>
+              <a:t>problem</a:t>
+            </a:r>
+            <a:r>
+              <a:rPr lang="fr-FR" sz="3200" b="1" kern="0" dirty="0" smtClean="0">
+                <a:latin typeface="+mn-lt"/>
+                <a:cs typeface="+mn-cs"/>
+              </a:rPr>
+              <a:t> frame</a:t>
+            </a:r>
+            <a:endParaRPr kumimoji="0" lang="fr-FR" sz="3200" b="1" i="0" u="none" strike="noStrike" kern="0" cap="none" spc="0" normalizeH="0" baseline="0" noProof="0" dirty="0" smtClean="0">
+              <a:ln>
+                <a:noFill/>
+              </a:ln>
+              <a:effectLst/>
+              <a:uLnTx/>
+              <a:uFillTx/>
+              <a:latin typeface="+mn-lt"/>
+              <a:cs typeface="+mn-cs"/>
+            </a:endParaRPr>
+          </a:p>
+        </p:txBody>
+      </p:sp>
+    </p:spTree>
+    <p:extLst>
+      <p:ext uri="{BB962C8B-B14F-4D97-AF65-F5344CB8AC3E}">
+        <p14:creationId xmlns:p14="http://schemas.microsoft.com/office/powerpoint/2007/7/12/main" xmlns:p="http://schemas.openxmlformats.org/presentationml/2006/main" xmlns:r="http://schemas.openxmlformats.org/officeDocument/2006/relationships" xmlns:a="http://schemas.openxmlformats.org/drawingml/2006/main" xmlns="" val="1234268649"/>
+      </p:ext>
+    </p:extLst>
+  </p:cSld>
+  <p:clrMapOvr>
+    <a:masterClrMapping/>
+  </p:clrMapOvr>
+  <p:timing>
+    <p:tnLst>
+      <p:par>
+        <p:cTn id="1" dur="indefinite" restart="never" nodeType="tmRoot"/>
+      </p:par>
+    </p:tnLst>
+  </p:timing>
+</p:sld>
+</file>
+
+<file path=ppt/slides/slide16.xml><?xml version="1.0" encoding="utf-8"?>
+<p:sld xmlns:a="http://schemas.openxmlformats.org/drawingml/2006/main" xmlns:r="http://schemas.openxmlformats.org/officeDocument/2006/relationships" xmlns:mc="http://schemas.openxmlformats.org/markup-compatibility/2006" xmlns:mv="urn:schemas-microsoft-com:mac:vml" xmlns:p="http://schemas.openxmlformats.org/presentationml/2006/main" mc:Ignorable="mv" mc:PreserveAttributes="mv:*">
+  <p:cSld>
+    <p:spTree>
+      <p:nvGrpSpPr>
+        <p:cNvPr id="1" name=""/>
+        <p:cNvGrpSpPr/>
+        <p:nvPr/>
+      </p:nvGrpSpPr>
+      <p:grpSpPr>
+        <a:xfrm>
+          <a:off x="0" y="0"/>
+          <a:ext cx="0" cy="0"/>
+          <a:chOff x="0" y="0"/>
+          <a:chExt cx="0" cy="0"/>
+        </a:xfrm>
+      </p:grpSpPr>
+      <p:sp>
+        <p:nvSpPr>
+          <p:cNvPr id="2" name="Title 1"/>
+          <p:cNvSpPr>
+            <a:spLocks noGrp="1"/>
+          </p:cNvSpPr>
+          <p:nvPr>
+            <p:ph type="ctrTitle"/>
+          </p:nvPr>
+        </p:nvSpPr>
+        <p:spPr/>
+        <p:txBody>
+          <a:bodyPr/>
+          <a:lstStyle/>
+          <a:p>
+            <a:r>
+              <a:rPr lang="en-US" sz="2800" dirty="0" smtClean="0"/>
+              <a:t>Collect systems data to data storage</a:t>
+            </a:r>
+            <a:r>
+              <a:rPr lang="fr-FR" sz="2800" dirty="0" smtClean="0"/>
+              <a:t>(</a:t>
+            </a:r>
+            <a:r>
+              <a:rPr lang="fr-FR" sz="2800" dirty="0" err="1" smtClean="0"/>
+              <a:t>cont</a:t>
+            </a:r>
+            <a:r>
+              <a:rPr lang="fr-FR" sz="2800" dirty="0" smtClean="0"/>
+              <a:t>.)</a:t>
+            </a:r>
+            <a:endParaRPr lang="fr-FR" sz="2800" dirty="0"/>
+          </a:p>
+        </p:txBody>
+      </p:sp>
+      <p:sp>
+        <p:nvSpPr>
+          <p:cNvPr id="3" name="Text Placeholder 2"/>
+          <p:cNvSpPr>
+            <a:spLocks noGrp="1"/>
+          </p:cNvSpPr>
+          <p:nvPr>
+            <p:ph type="body" sz="quarter" idx="10"/>
+          </p:nvPr>
+        </p:nvSpPr>
+        <p:spPr/>
+        <p:txBody>
+          <a:bodyPr/>
+          <a:lstStyle/>
+          <a:p>
+            <a:r>
+              <a:rPr dirty="0" smtClean="0"/>
+              <a:t>State values are collected from the systems at regular intervals</a:t>
+            </a:r>
+          </a:p>
+          <a:p>
+            <a:pPr>
+              <a:buNone/>
+            </a:pPr>
+            <a:endParaRPr dirty="0" smtClean="0"/>
+          </a:p>
+          <a:p>
+            <a:r>
+              <a:rPr dirty="0" smtClean="0"/>
+              <a:t>The FDRI receives the data and stores it with a timestamp to the FDRI Storage System for </a:t>
+            </a:r>
+            <a:r>
+              <a:rPr smtClean="0"/>
+              <a:t>further use</a:t>
+            </a:r>
+          </a:p>
+          <a:p>
+            <a:pPr>
+              <a:buNone/>
+            </a:pPr>
+            <a:endParaRPr smtClean="0"/>
+          </a:p>
+          <a:p>
+            <a:r>
+              <a:rPr dirty="0" smtClean="0"/>
+              <a:t>When data storage is centralized it doesn't matter if some systems go down, because data analysis can still be done on the stored data. </a:t>
+            </a:r>
+            <a:endParaRPr lang="fr-FR" dirty="0"/>
+          </a:p>
+        </p:txBody>
+      </p:sp>
+    </p:spTree>
+    <p:extLst>
+      <p:ext uri="{BB962C8B-B14F-4D97-AF65-F5344CB8AC3E}">
+        <p14:creationId xmlns:p14="http://schemas.microsoft.com/office/powerpoint/2007/7/12/main" xmlns:p="http://schemas.openxmlformats.org/presentationml/2006/main" xmlns:r="http://schemas.openxmlformats.org/officeDocument/2006/relationships" xmlns:a="http://schemas.openxmlformats.org/drawingml/2006/main" xmlns="" val="3494275023"/>
+      </p:ext>
+    </p:extLst>
+  </p:cSld>
+  <p:clrMapOvr>
+    <a:masterClrMapping/>
+  </p:clrMapOvr>
+  <p:timing>
+    <p:tnLst>
+      <p:par>
+        <p:cTn id="1" dur="indefinite" restart="never" nodeType="tmRoot"/>
+      </p:par>
+    </p:tnLst>
+  </p:timing>
+</p:sld>
+</file>
+
+<file path=ppt/slides/slide17.xml><?xml version="1.0" encoding="utf-8"?>
+<p:sld xmlns:a="http://schemas.openxmlformats.org/drawingml/2006/main" xmlns:r="http://schemas.openxmlformats.org/officeDocument/2006/relationships" xmlns:mc="http://schemas.openxmlformats.org/markup-compatibility/2006" xmlns:mv="urn:schemas-microsoft-com:mac:vml" xmlns:p="http://schemas.openxmlformats.org/presentationml/2006/main" mc:Ignorable="mv" mc:PreserveAttributes="mv:*">
   <p:cSld>
     <p:spTree>
       <p:nvGrpSpPr>
@@ -7948,7 +9728,7 @@
                 <a:spcPct val="0"/>
               </a:spcAft>
               <a:buClr>
-                <a:srgbClr xmlns:mc="http://schemas.openxmlformats.org/markup-compatibility/2006" xmlns:a14="http://schemas.microsoft.com/office/drawing/2007/7/7/main" val="DA7E18" mc:Ignorable=""/>
+                <a:srgbClr val="DA7E18"/>
               </a:buClr>
               <a:buSzPct val="70000"/>
               <a:buFont typeface="Wingdings" pitchFamily="2" charset="2"/>
@@ -7970,7 +9750,7 @@
                 <a:spcPct val="0"/>
               </a:spcAft>
               <a:buClr>
-                <a:srgbClr xmlns:mc="http://schemas.openxmlformats.org/markup-compatibility/2006" xmlns:a14="http://schemas.microsoft.com/office/drawing/2007/7/7/main" val="E5AB1B" mc:Ignorable=""/>
+                <a:srgbClr val="E5AB1B"/>
               </a:buClr>
               <a:buSzPct val="70000"/>
               <a:buFont typeface="Wingdings" pitchFamily="2" charset="2"/>
@@ -8116,7 +9896,6 @@
               <a:rPr lang="fr-FR" sz="1400" b="1" dirty="0" smtClean="0"/>
               <a:t> </a:t>
             </a:r>
-            <a:endParaRPr lang="fr-FR" sz="1400" b="1" dirty="0" smtClean="0"/>
           </a:p>
         </p:txBody>
       </p:sp>
@@ -8402,7 +10181,7 @@
                 <a:spcPct val="0"/>
               </a:spcAft>
               <a:buClr>
-                <a:srgbClr xmlns:mc="http://schemas.openxmlformats.org/markup-compatibility/2006" xmlns:a14="http://schemas.microsoft.com/office/drawing/2007/7/7/main" val="DA7E18" mc:Ignorable=""/>
+                <a:srgbClr val="DA7E18"/>
               </a:buClr>
               <a:buSzPct val="70000"/>
               <a:buFont typeface="Wingdings" pitchFamily="2" charset="2"/>
@@ -8424,7 +10203,7 @@
                 <a:spcPct val="0"/>
               </a:spcAft>
               <a:buClr>
-                <a:srgbClr xmlns:mc="http://schemas.openxmlformats.org/markup-compatibility/2006" xmlns:a14="http://schemas.microsoft.com/office/drawing/2007/7/7/main" val="E5AB1B" mc:Ignorable=""/>
+                <a:srgbClr val="E5AB1B"/>
               </a:buClr>
               <a:buSzPct val="70000"/>
               <a:buFont typeface="Wingdings" pitchFamily="2" charset="2"/>
@@ -8570,7 +10349,6 @@
               <a:rPr lang="fr-FR" sz="1400" b="1" dirty="0" smtClean="0"/>
               <a:t> </a:t>
             </a:r>
-            <a:endParaRPr lang="fr-FR" sz="1400" b="1" dirty="0" smtClean="0"/>
           </a:p>
         </p:txBody>
       </p:sp>
@@ -8605,7 +10383,7 @@
                 <a:spcPct val="0"/>
               </a:spcAft>
               <a:buClr>
-                <a:srgbClr xmlns:mc="http://schemas.openxmlformats.org/markup-compatibility/2006" xmlns:a14="http://schemas.microsoft.com/office/drawing/2007/7/7/main" val="DA7E18" mc:Ignorable=""/>
+                <a:srgbClr val="DA7E18"/>
               </a:buClr>
               <a:buSzPct val="70000"/>
               <a:buFont typeface="Wingdings" pitchFamily="2" charset="2"/>
@@ -8627,7 +10405,7 @@
                 <a:spcPct val="0"/>
               </a:spcAft>
               <a:buClr>
-                <a:srgbClr xmlns:mc="http://schemas.openxmlformats.org/markup-compatibility/2006" xmlns:a14="http://schemas.microsoft.com/office/drawing/2007/7/7/main" val="E5AB1B" mc:Ignorable=""/>
+                <a:srgbClr val="E5AB1B"/>
               </a:buClr>
               <a:buSzPct val="70000"/>
               <a:buFont typeface="Wingdings" pitchFamily="2" charset="2"/>
@@ -8769,7 +10547,6 @@
               <a:rPr lang="fr-FR" sz="1400" b="1" dirty="0" smtClean="0"/>
               <a:t>d </a:t>
             </a:r>
-            <a:endParaRPr lang="fr-FR" sz="1400" b="1" dirty="0" smtClean="0"/>
           </a:p>
         </p:txBody>
       </p:sp>
@@ -8943,7 +10720,7 @@
                 </a:solidFill>
                 <a:effectLst>
                   <a:outerShdw blurRad="38100" dist="38100" dir="2700000" algn="tl">
-                    <a:srgbClr xmlns:mc="http://schemas.openxmlformats.org/markup-compatibility/2006" xmlns:a14="http://schemas.microsoft.com/office/drawing/2007/7/7/main" val="000000" mc:Ignorable="">
+                    <a:srgbClr val="000000">
                       <a:alpha val="43137"/>
                     </a:srgbClr>
                   </a:outerShdw>
@@ -8990,7 +10767,7 @@
     </p:spTree>
     <p:extLst>
       <p:ext uri="{BB962C8B-B14F-4D97-AF65-F5344CB8AC3E}">
-        <p14:creationId xmlns:p14="http://schemas.microsoft.com/office/powerpoint/2007/7/12/main" val="1234268649"/>
+        <p14:creationId xmlns:p14="http://schemas.microsoft.com/office/powerpoint/2007/7/12/main" xmlns:p="http://schemas.openxmlformats.org/presentationml/2006/main" xmlns:r="http://schemas.openxmlformats.org/officeDocument/2006/relationships" xmlns:a="http://schemas.openxmlformats.org/drawingml/2006/main" xmlns="" val="1234268649"/>
       </p:ext>
     </p:extLst>
   </p:cSld>
@@ -9000,15 +10777,15 @@
   <p:timing>
     <p:tnLst>
       <p:par>
-        <p:cTn xmlns:p14="http://schemas.microsoft.com/office/powerpoint/2007/7/12/main" id="1" dur="indefinite" restart="never" nodeType="tmRoot"/>
+        <p:cTn id="1" dur="indefinite" restart="never" nodeType="tmRoot"/>
       </p:par>
     </p:tnLst>
   </p:timing>
 </p:sld>
 </file>
 
-<file path=ppt/slides/slide16.xml><?xml version="1.0" encoding="utf-8"?>
-<p:sld xmlns:a="http://schemas.openxmlformats.org/drawingml/2006/main" xmlns:r="http://schemas.openxmlformats.org/officeDocument/2006/relationships" xmlns:p="http://schemas.openxmlformats.org/presentationml/2006/main">
+<file path=ppt/slides/slide18.xml><?xml version="1.0" encoding="utf-8"?>
+<p:sld xmlns:a="http://schemas.openxmlformats.org/drawingml/2006/main" xmlns:r="http://schemas.openxmlformats.org/officeDocument/2006/relationships" xmlns:mc="http://schemas.openxmlformats.org/markup-compatibility/2006" xmlns:mv="urn:schemas-microsoft-com:mac:vml" xmlns:p="http://schemas.openxmlformats.org/presentationml/2006/main" mc:Ignorable="mv" mc:PreserveAttributes="mv:*">
   <p:cSld>
     <p:spTree>
       <p:nvGrpSpPr>
@@ -9077,7 +10854,7 @@
     </p:spTree>
     <p:extLst>
       <p:ext uri="{BB962C8B-B14F-4D97-AF65-F5344CB8AC3E}">
-        <p14:creationId xmlns:p14="http://schemas.microsoft.com/office/powerpoint/2007/7/12/main" val="3494275023"/>
+        <p14:creationId xmlns:p14="http://schemas.microsoft.com/office/powerpoint/2007/7/12/main" xmlns:p="http://schemas.openxmlformats.org/presentationml/2006/main" xmlns:r="http://schemas.openxmlformats.org/officeDocument/2006/relationships" xmlns:a="http://schemas.openxmlformats.org/drawingml/2006/main" xmlns="" val="3494275023"/>
       </p:ext>
     </p:extLst>
   </p:cSld>
@@ -9087,1717 +10864,7 @@
   <p:timing>
     <p:tnLst>
       <p:par>
-        <p:cTn xmlns:p14="http://schemas.microsoft.com/office/powerpoint/2007/7/12/main" id="1" dur="indefinite" restart="never" nodeType="tmRoot"/>
-      </p:par>
-    </p:tnLst>
-  </p:timing>
-</p:sld>
-</file>
-
-<file path=ppt/slides/slide17.xml><?xml version="1.0" encoding="utf-8"?>
-<p:sld xmlns:a="http://schemas.openxmlformats.org/drawingml/2006/main" xmlns:r="http://schemas.openxmlformats.org/officeDocument/2006/relationships" xmlns:p="http://schemas.openxmlformats.org/presentationml/2006/main">
-  <p:cSld>
-    <p:spTree>
-      <p:nvGrpSpPr>
-        <p:cNvPr id="1" name=""/>
-        <p:cNvGrpSpPr/>
-        <p:nvPr/>
-      </p:nvGrpSpPr>
-      <p:grpSpPr>
-        <a:xfrm>
-          <a:off x="0" y="0"/>
-          <a:ext cx="0" cy="0"/>
-          <a:chOff x="0" y="0"/>
-          <a:chExt cx="0" cy="0"/>
-        </a:xfrm>
-      </p:grpSpPr>
-      <p:sp>
-        <p:nvSpPr>
-          <p:cNvPr id="2" name="Title 1"/>
-          <p:cNvSpPr>
-            <a:spLocks noGrp="1"/>
-          </p:cNvSpPr>
-          <p:nvPr>
-            <p:ph type="ctrTitle"/>
-          </p:nvPr>
-        </p:nvSpPr>
-        <p:spPr/>
-        <p:txBody>
-          <a:bodyPr/>
-          <a:lstStyle/>
-          <a:p>
-            <a:endParaRPr lang="fr-FR" dirty="0"/>
-          </a:p>
-        </p:txBody>
-      </p:sp>
-      <p:cxnSp>
-        <p:nvCxnSpPr>
-          <p:cNvPr id="10" name="Straight Arrow Connector 9"/>
-          <p:cNvCxnSpPr/>
-          <p:nvPr/>
-        </p:nvCxnSpPr>
-        <p:spPr>
-          <a:xfrm rot="16200000" flipV="1">
-            <a:off x="5766055" y="1278444"/>
-            <a:ext cx="791848" cy="1595781"/>
-          </a:xfrm>
-          <a:prstGeom prst="straightConnector1">
-            <a:avLst/>
-          </a:prstGeom>
-          <a:ln>
-            <a:prstDash val="dash"/>
-            <a:tailEnd type="arrow"/>
-          </a:ln>
-        </p:spPr>
-        <p:style>
-          <a:lnRef idx="2">
-            <a:schemeClr val="accent4"/>
-          </a:lnRef>
-          <a:fillRef idx="0">
-            <a:schemeClr val="accent4"/>
-          </a:fillRef>
-          <a:effectRef idx="1">
-            <a:schemeClr val="accent4"/>
-          </a:effectRef>
-          <a:fontRef idx="minor">
-            <a:schemeClr val="tx1"/>
-          </a:fontRef>
-        </p:style>
-      </p:cxnSp>
-      <p:grpSp>
-        <p:nvGrpSpPr>
-          <p:cNvPr id="11" name="Group 10"/>
-          <p:cNvGrpSpPr/>
-          <p:nvPr/>
-        </p:nvGrpSpPr>
-        <p:grpSpPr>
-          <a:xfrm>
-            <a:off x="827584" y="2483554"/>
-            <a:ext cx="1512168" cy="792088"/>
-            <a:chOff x="827584" y="3068960"/>
-            <a:chExt cx="1512168" cy="792088"/>
-          </a:xfrm>
-        </p:grpSpPr>
-        <p:sp>
-          <p:nvSpPr>
-            <p:cNvPr id="4" name="Rectangle 3"/>
-            <p:cNvSpPr/>
-            <p:nvPr/>
-          </p:nvSpPr>
-          <p:spPr>
-            <a:xfrm>
-              <a:off x="827584" y="3068960"/>
-              <a:ext cx="1512168" cy="792088"/>
-            </a:xfrm>
-            <a:prstGeom prst="rect">
-              <a:avLst/>
-            </a:prstGeom>
-          </p:spPr>
-          <p:style>
-            <a:lnRef idx="3">
-              <a:schemeClr val="lt1"/>
-            </a:lnRef>
-            <a:fillRef idx="1">
-              <a:schemeClr val="accent6"/>
-            </a:fillRef>
-            <a:effectRef idx="1">
-              <a:schemeClr val="accent6"/>
-            </a:effectRef>
-            <a:fontRef idx="minor">
-              <a:schemeClr val="lt1"/>
-            </a:fontRef>
-          </p:style>
-          <p:txBody>
-            <a:bodyPr rtlCol="0" anchor="ctr"/>
-            <a:lstStyle/>
-            <a:p>
-              <a:pPr algn="ctr"/>
-              <a:r>
-                <a:rPr lang="fr-FR" sz="2400" dirty="0" smtClean="0"/>
-                <a:t>FDIR</a:t>
-              </a:r>
-              <a:endParaRPr lang="fr-FR" sz="2400" dirty="0"/>
-            </a:p>
-          </p:txBody>
-        </p:sp>
-        <p:cxnSp>
-          <p:nvCxnSpPr>
-            <p:cNvPr id="7" name="Straight Connector 6"/>
-            <p:cNvCxnSpPr/>
-            <p:nvPr/>
-          </p:nvCxnSpPr>
-          <p:spPr>
-            <a:xfrm rot="5400000">
-              <a:off x="575556" y="3465004"/>
-              <a:ext cx="792088" cy="0"/>
-            </a:xfrm>
-            <a:prstGeom prst="line">
-              <a:avLst/>
-            </a:prstGeom>
-            <a:ln w="38100">
-              <a:solidFill>
-                <a:schemeClr val="bg1"/>
-              </a:solidFill>
-            </a:ln>
-          </p:spPr>
-          <p:style>
-            <a:lnRef idx="1">
-              <a:schemeClr val="accent1"/>
-            </a:lnRef>
-            <a:fillRef idx="0">
-              <a:schemeClr val="accent1"/>
-            </a:fillRef>
-            <a:effectRef idx="0">
-              <a:schemeClr val="accent1"/>
-            </a:effectRef>
-            <a:fontRef idx="minor">
-              <a:schemeClr val="tx1"/>
-            </a:fontRef>
-          </p:style>
-        </p:cxnSp>
-        <p:cxnSp>
-          <p:nvCxnSpPr>
-            <p:cNvPr id="13" name="Straight Connector 12"/>
-            <p:cNvCxnSpPr/>
-            <p:nvPr/>
-          </p:nvCxnSpPr>
-          <p:spPr>
-            <a:xfrm rot="5400000">
-              <a:off x="719572" y="3465004"/>
-              <a:ext cx="792088" cy="0"/>
-            </a:xfrm>
-            <a:prstGeom prst="line">
-              <a:avLst/>
-            </a:prstGeom>
-            <a:ln w="38100">
-              <a:solidFill>
-                <a:schemeClr val="bg1"/>
-              </a:solidFill>
-            </a:ln>
-          </p:spPr>
-          <p:style>
-            <a:lnRef idx="1">
-              <a:schemeClr val="accent1"/>
-            </a:lnRef>
-            <a:fillRef idx="0">
-              <a:schemeClr val="accent1"/>
-            </a:fillRef>
-            <a:effectRef idx="0">
-              <a:schemeClr val="accent1"/>
-            </a:effectRef>
-            <a:fontRef idx="minor">
-              <a:schemeClr val="tx1"/>
-            </a:fontRef>
-          </p:style>
-        </p:cxnSp>
-      </p:grpSp>
-      <p:grpSp>
-        <p:nvGrpSpPr>
-          <p:cNvPr id="27" name="Group 26"/>
-          <p:cNvGrpSpPr/>
-          <p:nvPr/>
-        </p:nvGrpSpPr>
-        <p:grpSpPr>
-          <a:xfrm>
-            <a:off x="6696236" y="2303534"/>
-            <a:ext cx="1800200" cy="1152128"/>
-            <a:chOff x="6696236" y="2888940"/>
-            <a:chExt cx="1800200" cy="1152128"/>
-          </a:xfrm>
-        </p:grpSpPr>
-        <p:sp>
-          <p:nvSpPr>
-            <p:cNvPr id="8" name="Oval 7"/>
-            <p:cNvSpPr/>
-            <p:nvPr/>
-          </p:nvSpPr>
-          <p:spPr>
-            <a:xfrm>
-              <a:off x="6696236" y="2888940"/>
-              <a:ext cx="1800200" cy="1152128"/>
-            </a:xfrm>
-            <a:prstGeom prst="ellipse">
-              <a:avLst/>
-            </a:prstGeom>
-            <a:ln>
-              <a:prstDash val="dash"/>
-            </a:ln>
-          </p:spPr>
-          <p:style>
-            <a:lnRef idx="3">
-              <a:schemeClr val="lt1"/>
-            </a:lnRef>
-            <a:fillRef idx="1">
-              <a:schemeClr val="accent6"/>
-            </a:fillRef>
-            <a:effectRef idx="1">
-              <a:schemeClr val="accent6"/>
-            </a:effectRef>
-            <a:fontRef idx="minor">
-              <a:schemeClr val="lt1"/>
-            </a:fontRef>
-          </p:style>
-          <p:txBody>
-            <a:bodyPr rtlCol="0" anchor="ctr"/>
-            <a:lstStyle/>
-            <a:p>
-              <a:pPr algn="ctr"/>
-              <a:endParaRPr lang="fr-FR"/>
-            </a:p>
-          </p:txBody>
-        </p:sp>
-        <p:sp>
-          <p:nvSpPr>
-            <p:cNvPr id="12" name="TextBox 11"/>
-            <p:cNvSpPr txBox="1"/>
-            <p:nvPr/>
-          </p:nvSpPr>
-          <p:spPr>
-            <a:xfrm>
-              <a:off x="6912260" y="3141838"/>
-              <a:ext cx="1368152" cy="369332"/>
-            </a:xfrm>
-            <a:prstGeom prst="rect">
-              <a:avLst/>
-            </a:prstGeom>
-            <a:noFill/>
-          </p:spPr>
-          <p:txBody>
-            <a:bodyPr wrap="square" rtlCol="0">
-              <a:spAutoFit/>
-            </a:bodyPr>
-            <a:lstStyle/>
-            <a:p>
-              <a:pPr marL="0" marR="0" indent="0" algn="ctr" defTabSz="914400" rtl="0" eaLnBrk="1" fontAlgn="auto" latinLnBrk="0" hangingPunct="1">
-                <a:lnSpc>
-                  <a:spcPct val="100000"/>
-                </a:lnSpc>
-                <a:spcBef>
-                  <a:spcPct val="20000"/>
-                </a:spcBef>
-                <a:spcAft>
-                  <a:spcPts val="0"/>
-                </a:spcAft>
-                <a:buClrTx/>
-                <a:buSzTx/>
-                <a:buFontTx/>
-                <a:buNone/>
-                <a:tabLst/>
-              </a:pPr>
-              <a:endParaRPr kumimoji="0" lang="fr-FR" b="1" i="0" u="none" strike="noStrike" kern="0" cap="none" spc="0" normalizeH="0" baseline="0" noProof="0" dirty="0" smtClean="0">
-                <a:ln>
-                  <a:noFill/>
-                </a:ln>
-                <a:solidFill>
-                  <a:schemeClr val="bg1"/>
-                </a:solidFill>
-                <a:effectLst/>
-                <a:uLnTx/>
-                <a:uFillTx/>
-                <a:latin typeface="+mn-lt"/>
-                <a:cs typeface="+mn-cs"/>
-              </a:endParaRPr>
-            </a:p>
-          </p:txBody>
-        </p:sp>
-      </p:grpSp>
-      <p:cxnSp>
-        <p:nvCxnSpPr>
-          <p:cNvPr id="15" name="Straight Connector 14"/>
-          <p:cNvCxnSpPr/>
-          <p:nvPr/>
-        </p:nvCxnSpPr>
-        <p:spPr>
-          <a:xfrm flipV="1">
-            <a:off x="5364088" y="3286937"/>
-            <a:ext cx="1595781" cy="580375"/>
-          </a:xfrm>
-          <a:prstGeom prst="line">
-            <a:avLst/>
-          </a:prstGeom>
-          <a:ln>
-            <a:prstDash val="dash"/>
-            <a:headEnd type="arrow" w="med" len="med"/>
-            <a:tailEnd type="none" w="med" len="med"/>
-          </a:ln>
-        </p:spPr>
-        <p:style>
-          <a:lnRef idx="2">
-            <a:schemeClr val="accent4"/>
-          </a:lnRef>
-          <a:fillRef idx="0">
-            <a:schemeClr val="accent4"/>
-          </a:fillRef>
-          <a:effectRef idx="1">
-            <a:schemeClr val="accent4"/>
-          </a:effectRef>
-          <a:fontRef idx="minor">
-            <a:schemeClr val="tx1"/>
-          </a:fontRef>
-        </p:style>
-      </p:cxnSp>
-      <p:cxnSp>
-        <p:nvCxnSpPr>
-          <p:cNvPr id="17" name="Straight Connector 16"/>
-          <p:cNvCxnSpPr/>
-          <p:nvPr/>
-        </p:nvCxnSpPr>
-        <p:spPr>
-          <a:xfrm>
-            <a:off x="2339752" y="2879598"/>
-            <a:ext cx="1512168" cy="987714"/>
-          </a:xfrm>
-          <a:prstGeom prst="line">
-            <a:avLst/>
-          </a:prstGeom>
-          <a:ln/>
-        </p:spPr>
-        <p:style>
-          <a:lnRef idx="2">
-            <a:schemeClr val="accent4"/>
-          </a:lnRef>
-          <a:fillRef idx="0">
-            <a:schemeClr val="accent4"/>
-          </a:fillRef>
-          <a:effectRef idx="1">
-            <a:schemeClr val="accent4"/>
-          </a:effectRef>
-          <a:fontRef idx="minor">
-            <a:schemeClr val="tx1"/>
-          </a:fontRef>
-        </p:style>
-      </p:cxnSp>
-      <p:cxnSp>
-        <p:nvCxnSpPr>
-          <p:cNvPr id="24" name="Straight Connector 23"/>
-          <p:cNvCxnSpPr/>
-          <p:nvPr/>
-        </p:nvCxnSpPr>
-        <p:spPr>
-          <a:xfrm flipV="1">
-            <a:off x="2339752" y="1680411"/>
-            <a:ext cx="1512168" cy="1199187"/>
-          </a:xfrm>
-          <a:prstGeom prst="line">
-            <a:avLst/>
-          </a:prstGeom>
-          <a:ln/>
-        </p:spPr>
-        <p:style>
-          <a:lnRef idx="2">
-            <a:schemeClr val="accent4"/>
-          </a:lnRef>
-          <a:fillRef idx="0">
-            <a:schemeClr val="accent4"/>
-          </a:fillRef>
-          <a:effectRef idx="1">
-            <a:schemeClr val="accent4"/>
-          </a:effectRef>
-          <a:fontRef idx="minor">
-            <a:schemeClr val="tx1"/>
-          </a:fontRef>
-        </p:style>
-      </p:cxnSp>
-      <p:sp>
-        <p:nvSpPr>
-          <p:cNvPr id="44" name="TextBox 43"/>
-          <p:cNvSpPr txBox="1"/>
-          <p:nvPr/>
-        </p:nvSpPr>
-        <p:spPr>
-          <a:xfrm>
-            <a:off x="5508104" y="4437112"/>
-            <a:ext cx="535724" cy="307777"/>
-          </a:xfrm>
-          <a:prstGeom prst="rect">
-            <a:avLst/>
-          </a:prstGeom>
-          <a:noFill/>
-        </p:spPr>
-        <p:txBody>
-          <a:bodyPr wrap="none" rtlCol="0">
-            <a:spAutoFit/>
-          </a:bodyPr>
-          <a:lstStyle/>
-          <a:p>
-            <a:pPr marL="0" marR="0" indent="0" algn="l" defTabSz="914400" rtl="0" eaLnBrk="1" fontAlgn="auto" latinLnBrk="0" hangingPunct="1">
-              <a:lnSpc>
-                <a:spcPct val="100000"/>
-              </a:lnSpc>
-              <a:spcBef>
-                <a:spcPct val="20000"/>
-              </a:spcBef>
-              <a:spcAft>
-                <a:spcPts val="0"/>
-              </a:spcAft>
-              <a:buClrTx/>
-              <a:buSzTx/>
-              <a:buFontTx/>
-              <a:buNone/>
-              <a:tabLst/>
-            </a:pPr>
-            <a:r>
-              <a:rPr lang="fr-FR" sz="1400" b="1" kern="0" dirty="0">
-                <a:latin typeface="+mn-lt"/>
-                <a:cs typeface="+mn-cs"/>
-              </a:rPr>
-              <a:t>b</a:t>
-            </a:r>
-            <a:r>
-              <a:rPr lang="fr-FR" sz="1400" b="1" kern="0" dirty="0" smtClean="0">
-                <a:latin typeface="+mn-lt"/>
-                <a:cs typeface="+mn-cs"/>
-              </a:rPr>
-              <a:t>: {} </a:t>
-            </a:r>
-            <a:endParaRPr kumimoji="0" lang="fr-FR" sz="1400" b="1" i="0" u="none" strike="noStrike" kern="0" cap="none" spc="0" normalizeH="0" baseline="0" noProof="0" dirty="0" smtClean="0">
-              <a:ln>
-                <a:noFill/>
-              </a:ln>
-              <a:effectLst/>
-              <a:uLnTx/>
-              <a:uFillTx/>
-              <a:latin typeface="+mn-lt"/>
-              <a:ea typeface="+mn-ea"/>
-              <a:cs typeface="+mn-cs"/>
-            </a:endParaRPr>
-          </a:p>
-        </p:txBody>
-      </p:sp>
-      <p:sp>
-        <p:nvSpPr>
-          <p:cNvPr id="49" name="Text Placeholder 48"/>
-          <p:cNvSpPr txBox="1">
-            <a:spLocks noGrp="1"/>
-          </p:cNvSpPr>
-          <p:nvPr>
-            <p:ph type="body" sz="quarter" idx="10"/>
-          </p:nvPr>
-        </p:nvSpPr>
-        <p:spPr>
-          <a:xfrm>
-            <a:off x="5979270" y="3255897"/>
-            <a:ext cx="320922" cy="307777"/>
-          </a:xfrm>
-          <a:prstGeom prst="rect">
-            <a:avLst/>
-          </a:prstGeom>
-          <a:noFill/>
-        </p:spPr>
-        <p:txBody>
-          <a:bodyPr wrap="none" rtlCol="0">
-            <a:spAutoFit/>
-          </a:bodyPr>
-          <a:lstStyle/>
-          <a:p>
-            <a:pPr marL="0" marR="0" indent="0" algn="l" defTabSz="914400" rtl="0" eaLnBrk="1" fontAlgn="auto" latinLnBrk="0" hangingPunct="1">
-              <a:lnSpc>
-                <a:spcPct val="100000"/>
-              </a:lnSpc>
-              <a:spcBef>
-                <a:spcPct val="20000"/>
-              </a:spcBef>
-              <a:spcAft>
-                <a:spcPts val="0"/>
-              </a:spcAft>
-              <a:buClrTx/>
-              <a:buSzTx/>
-              <a:buFontTx/>
-              <a:buNone/>
-              <a:tabLst/>
-            </a:pPr>
-            <a:r>
-              <a:rPr lang="fr-FR" sz="1400" b="1" kern="0" dirty="0" smtClean="0">
-                <a:latin typeface="+mn-lt"/>
-                <a:cs typeface="+mn-cs"/>
-              </a:rPr>
-              <a:t>b </a:t>
-            </a:r>
-            <a:endParaRPr kumimoji="0" lang="fr-FR" sz="1400" b="1" i="0" u="none" strike="noStrike" kern="0" cap="none" spc="0" normalizeH="0" baseline="0" noProof="0" dirty="0" smtClean="0">
-              <a:ln>
-                <a:noFill/>
-              </a:ln>
-              <a:effectLst/>
-              <a:uLnTx/>
-              <a:uFillTx/>
-              <a:latin typeface="+mn-lt"/>
-              <a:ea typeface="+mn-ea"/>
-              <a:cs typeface="+mn-cs"/>
-            </a:endParaRPr>
-          </a:p>
-        </p:txBody>
-      </p:sp>
-      <p:sp>
-        <p:nvSpPr>
-          <p:cNvPr id="50" name="Text Placeholder 48"/>
-          <p:cNvSpPr txBox="1">
-            <a:spLocks/>
-          </p:cNvSpPr>
-          <p:nvPr/>
-        </p:nvSpPr>
-        <p:spPr>
-          <a:xfrm>
-            <a:off x="6156176" y="1815737"/>
-            <a:ext cx="312906" cy="307777"/>
-          </a:xfrm>
-          <a:prstGeom prst="rect">
-            <a:avLst/>
-          </a:prstGeom>
-          <a:noFill/>
-        </p:spPr>
-        <p:txBody>
-          <a:bodyPr wrap="none" rtlCol="0">
-            <a:spAutoFit/>
-          </a:bodyPr>
-          <a:lstStyle>
-            <a:lvl1pPr marL="0" indent="354013" algn="l" rtl="0" eaLnBrk="0" fontAlgn="base" hangingPunct="0">
-              <a:spcBef>
-                <a:spcPct val="20000"/>
-              </a:spcBef>
-              <a:spcAft>
-                <a:spcPct val="0"/>
-              </a:spcAft>
-              <a:buClr>
-                <a:srgbClr xmlns:mc="http://schemas.openxmlformats.org/markup-compatibility/2006" xmlns:a14="http://schemas.microsoft.com/office/drawing/2007/7/7/main" val="DA7E18" mc:Ignorable=""/>
-              </a:buClr>
-              <a:buSzPct val="70000"/>
-              <a:buFont typeface="Wingdings" pitchFamily="2" charset="2"/>
-              <a:buChar char="q"/>
-              <a:defRPr lang="fr-FR" sz="2400" baseline="0">
-                <a:solidFill>
-                  <a:schemeClr val="tx1"/>
-                </a:solidFill>
-                <a:latin typeface="+mn-lt"/>
-                <a:ea typeface="+mn-ea"/>
-                <a:cs typeface="+mn-cs"/>
-              </a:defRPr>
-            </a:lvl1pPr>
-            <a:lvl2pPr marL="742950" indent="-285750" algn="l" rtl="0" eaLnBrk="0" fontAlgn="base" hangingPunct="0">
-              <a:spcBef>
-                <a:spcPct val="20000"/>
-              </a:spcBef>
-              <a:spcAft>
-                <a:spcPct val="0"/>
-              </a:spcAft>
-              <a:buClr>
-                <a:srgbClr xmlns:mc="http://schemas.openxmlformats.org/markup-compatibility/2006" xmlns:a14="http://schemas.microsoft.com/office/drawing/2007/7/7/main" val="E5AB1B" mc:Ignorable=""/>
-              </a:buClr>
-              <a:buSzPct val="70000"/>
-              <a:buFont typeface="Wingdings" pitchFamily="2" charset="2"/>
-              <a:buChar char="q"/>
-              <a:defRPr lang="fr-FR" sz="2000">
-                <a:solidFill>
-                  <a:schemeClr val="tx1">
-                    <a:lumMod val="75000"/>
-                    <a:lumOff val="25000"/>
-                  </a:schemeClr>
-                </a:solidFill>
-                <a:latin typeface="+mn-lt"/>
-                <a:ea typeface="+mn-ea"/>
-                <a:cs typeface="+mn-cs"/>
-              </a:defRPr>
-            </a:lvl2pPr>
-            <a:lvl3pPr marL="1143000" indent="-228600" algn="l" rtl="0" eaLnBrk="0" fontAlgn="base" hangingPunct="0">
-              <a:spcBef>
-                <a:spcPct val="20000"/>
-              </a:spcBef>
-              <a:spcAft>
-                <a:spcPct val="0"/>
-              </a:spcAft>
-              <a:buChar char="•"/>
-              <a:defRPr lang="fr-FR" sz="1600">
-                <a:solidFill>
-                  <a:schemeClr val="tx1">
-                    <a:lumMod val="65000"/>
-                    <a:lumOff val="35000"/>
-                  </a:schemeClr>
-                </a:solidFill>
-                <a:latin typeface="+mn-lt"/>
-                <a:ea typeface="+mn-ea"/>
-                <a:cs typeface="+mn-cs"/>
-              </a:defRPr>
-            </a:lvl3pPr>
-            <a:lvl4pPr marL="1600200" indent="-228600" algn="l" rtl="0" eaLnBrk="0" fontAlgn="base" hangingPunct="0">
-              <a:spcBef>
-                <a:spcPct val="20000"/>
-              </a:spcBef>
-              <a:spcAft>
-                <a:spcPct val="0"/>
-              </a:spcAft>
-              <a:buChar char="–"/>
-              <a:defRPr lang="fr-FR" sz="1100">
-                <a:solidFill>
-                  <a:schemeClr val="tx1"/>
-                </a:solidFill>
-                <a:latin typeface="+mn-lt"/>
-                <a:ea typeface="+mn-ea"/>
-                <a:cs typeface="+mn-cs"/>
-              </a:defRPr>
-            </a:lvl4pPr>
-            <a:lvl5pPr marL="2057400" indent="-228600" algn="l" rtl="0" eaLnBrk="0" fontAlgn="base" hangingPunct="0">
-              <a:spcBef>
-                <a:spcPct val="20000"/>
-              </a:spcBef>
-              <a:spcAft>
-                <a:spcPct val="0"/>
-              </a:spcAft>
-              <a:buChar char="»"/>
-              <a:defRPr lang="fr-FR" sz="1100">
-                <a:solidFill>
-                  <a:schemeClr val="tx1"/>
-                </a:solidFill>
-                <a:latin typeface="+mn-lt"/>
-                <a:ea typeface="+mn-ea"/>
-                <a:cs typeface="+mn-cs"/>
-              </a:defRPr>
-            </a:lvl5pPr>
-            <a:lvl6pPr marL="2514600" indent="-228600" algn="l" rtl="0" eaLnBrk="1" latinLnBrk="0" hangingPunct="1">
-              <a:spcBef>
-                <a:spcPct val="20000"/>
-              </a:spcBef>
-              <a:buChar char="•"/>
-              <a:defRPr kumimoji="0" lang="fr-FR" sz="2000">
-                <a:solidFill>
-                  <a:schemeClr val="tx1"/>
-                </a:solidFill>
-                <a:latin typeface="+mn-lt"/>
-                <a:ea typeface="+mn-ea"/>
-                <a:cs typeface="+mn-cs"/>
-              </a:defRPr>
-            </a:lvl6pPr>
-            <a:lvl7pPr marL="2971800" indent="-228600" algn="l" rtl="0" eaLnBrk="1" latinLnBrk="0" hangingPunct="1">
-              <a:spcBef>
-                <a:spcPct val="20000"/>
-              </a:spcBef>
-              <a:buChar char="•"/>
-              <a:defRPr kumimoji="0" lang="fr-FR" sz="2000">
-                <a:solidFill>
-                  <a:schemeClr val="tx1"/>
-                </a:solidFill>
-                <a:latin typeface="+mn-lt"/>
-                <a:ea typeface="+mn-ea"/>
-                <a:cs typeface="+mn-cs"/>
-              </a:defRPr>
-            </a:lvl7pPr>
-            <a:lvl8pPr marL="3429000" indent="-228600" algn="l" rtl="0" eaLnBrk="1" latinLnBrk="0" hangingPunct="1">
-              <a:spcBef>
-                <a:spcPct val="20000"/>
-              </a:spcBef>
-              <a:buChar char="•"/>
-              <a:defRPr kumimoji="0" lang="fr-FR" sz="2000">
-                <a:solidFill>
-                  <a:schemeClr val="tx1"/>
-                </a:solidFill>
-                <a:latin typeface="+mn-lt"/>
-                <a:ea typeface="+mn-ea"/>
-                <a:cs typeface="+mn-cs"/>
-              </a:defRPr>
-            </a:lvl8pPr>
-            <a:lvl9pPr marL="3886200" indent="-228600" algn="l" rtl="0" eaLnBrk="1" latinLnBrk="0" hangingPunct="1">
-              <a:spcBef>
-                <a:spcPct val="20000"/>
-              </a:spcBef>
-              <a:buChar char="•"/>
-              <a:defRPr kumimoji="0" lang="fr-FR" sz="2000">
-                <a:solidFill>
-                  <a:schemeClr val="tx1"/>
-                </a:solidFill>
-                <a:latin typeface="+mn-lt"/>
-                <a:ea typeface="+mn-ea"/>
-                <a:cs typeface="+mn-cs"/>
-              </a:defRPr>
-            </a:lvl9pPr>
-          </a:lstStyle>
-          <a:p>
-            <a:pPr indent="0" eaLnBrk="1" fontAlgn="auto" hangingPunct="1">
-              <a:spcAft>
-                <a:spcPts val="0"/>
-              </a:spcAft>
-              <a:buClrTx/>
-              <a:buSzTx/>
-              <a:buFontTx/>
-              <a:buNone/>
-            </a:pPr>
-            <a:r>
-              <a:rPr lang="fr-FR" sz="1400" b="1" dirty="0"/>
-              <a:t>a</a:t>
-            </a:r>
-            <a:r>
-              <a:rPr lang="fr-FR" sz="1400" b="1" dirty="0" smtClean="0"/>
-              <a:t> </a:t>
-            </a:r>
-            <a:endParaRPr lang="fr-FR" sz="1400" b="1" dirty="0" smtClean="0"/>
-          </a:p>
-        </p:txBody>
-      </p:sp>
-      <p:grpSp>
-        <p:nvGrpSpPr>
-          <p:cNvPr id="46" name="Group 45"/>
-          <p:cNvGrpSpPr/>
-          <p:nvPr/>
-        </p:nvGrpSpPr>
-        <p:grpSpPr>
-          <a:xfrm>
-            <a:off x="3851920" y="1268760"/>
-            <a:ext cx="1512168" cy="823301"/>
-            <a:chOff x="3419872" y="1885619"/>
-            <a:chExt cx="1512168" cy="823301"/>
-          </a:xfrm>
-        </p:grpSpPr>
-        <p:sp>
-          <p:nvSpPr>
-            <p:cNvPr id="25" name="Rectangle 24"/>
-            <p:cNvSpPr/>
-            <p:nvPr/>
-          </p:nvSpPr>
-          <p:spPr>
-            <a:xfrm>
-              <a:off x="3419872" y="1885619"/>
-              <a:ext cx="1512168" cy="823301"/>
-            </a:xfrm>
-            <a:prstGeom prst="rect">
-              <a:avLst/>
-            </a:prstGeom>
-          </p:spPr>
-          <p:style>
-            <a:lnRef idx="3">
-              <a:schemeClr val="lt1"/>
-            </a:lnRef>
-            <a:fillRef idx="1">
-              <a:schemeClr val="accent6"/>
-            </a:fillRef>
-            <a:effectRef idx="1">
-              <a:schemeClr val="accent6"/>
-            </a:effectRef>
-            <a:fontRef idx="minor">
-              <a:schemeClr val="lt1"/>
-            </a:fontRef>
-          </p:style>
-          <p:txBody>
-            <a:bodyPr rtlCol="0" anchor="ctr"/>
-            <a:lstStyle/>
-            <a:p>
-              <a:pPr algn="ctr"/>
-              <a:endParaRPr lang="fr-FR" dirty="0"/>
-            </a:p>
-          </p:txBody>
-        </p:sp>
-        <p:sp>
-          <p:nvSpPr>
-            <p:cNvPr id="45" name="Rectangle 44"/>
-            <p:cNvSpPr/>
-            <p:nvPr/>
-          </p:nvSpPr>
-          <p:spPr>
-            <a:xfrm>
-              <a:off x="4644008" y="2451157"/>
-              <a:ext cx="288032" cy="257763"/>
-            </a:xfrm>
-            <a:prstGeom prst="rect">
-              <a:avLst/>
-            </a:prstGeom>
-            <a:effectLst/>
-          </p:spPr>
-          <p:style>
-            <a:lnRef idx="3">
-              <a:schemeClr val="lt1"/>
-            </a:lnRef>
-            <a:fillRef idx="1">
-              <a:schemeClr val="accent6"/>
-            </a:fillRef>
-            <a:effectRef idx="1">
-              <a:schemeClr val="accent6"/>
-            </a:effectRef>
-            <a:fontRef idx="minor">
-              <a:schemeClr val="lt1"/>
-            </a:fontRef>
-          </p:style>
-          <p:txBody>
-            <a:bodyPr rtlCol="0" anchor="ctr"/>
-            <a:lstStyle/>
-            <a:p>
-              <a:pPr algn="ctr"/>
-              <a:r>
-                <a:rPr lang="fr-FR" dirty="0" smtClean="0"/>
-                <a:t>C</a:t>
-              </a:r>
-              <a:endParaRPr lang="fr-FR" dirty="0"/>
-            </a:p>
-          </p:txBody>
-        </p:sp>
-      </p:grpSp>
-      <p:grpSp>
-        <p:nvGrpSpPr>
-          <p:cNvPr id="47" name="Group 46"/>
-          <p:cNvGrpSpPr/>
-          <p:nvPr/>
-        </p:nvGrpSpPr>
-        <p:grpSpPr>
-          <a:xfrm>
-            <a:off x="3851920" y="3455661"/>
-            <a:ext cx="1512168" cy="823301"/>
-            <a:chOff x="3491880" y="4041068"/>
-            <a:chExt cx="1512168" cy="823301"/>
-          </a:xfrm>
-        </p:grpSpPr>
-        <p:sp>
-          <p:nvSpPr>
-            <p:cNvPr id="34" name="Rectangle 33"/>
-            <p:cNvSpPr/>
-            <p:nvPr/>
-          </p:nvSpPr>
-          <p:spPr>
-            <a:xfrm>
-              <a:off x="3491880" y="4041068"/>
-              <a:ext cx="1512168" cy="823301"/>
-            </a:xfrm>
-            <a:prstGeom prst="rect">
-              <a:avLst/>
-            </a:prstGeom>
-          </p:spPr>
-          <p:style>
-            <a:lnRef idx="3">
-              <a:schemeClr val="lt1"/>
-            </a:lnRef>
-            <a:fillRef idx="1">
-              <a:schemeClr val="accent6"/>
-            </a:fillRef>
-            <a:effectRef idx="1">
-              <a:schemeClr val="accent6"/>
-            </a:effectRef>
-            <a:fontRef idx="minor">
-              <a:schemeClr val="lt1"/>
-            </a:fontRef>
-          </p:style>
-          <p:txBody>
-            <a:bodyPr rtlCol="0" anchor="ctr"/>
-            <a:lstStyle/>
-            <a:p>
-              <a:pPr algn="ctr"/>
-              <a:endParaRPr lang="fr-FR" dirty="0"/>
-            </a:p>
-          </p:txBody>
-        </p:sp>
-        <p:sp>
-          <p:nvSpPr>
-            <p:cNvPr id="53" name="Rectangle 52"/>
-            <p:cNvSpPr/>
-            <p:nvPr/>
-          </p:nvSpPr>
-          <p:spPr>
-            <a:xfrm>
-              <a:off x="4716016" y="4606606"/>
-              <a:ext cx="288032" cy="257763"/>
-            </a:xfrm>
-            <a:prstGeom prst="rect">
-              <a:avLst/>
-            </a:prstGeom>
-            <a:effectLst/>
-          </p:spPr>
-          <p:style>
-            <a:lnRef idx="3">
-              <a:schemeClr val="lt1"/>
-            </a:lnRef>
-            <a:fillRef idx="1">
-              <a:schemeClr val="accent6"/>
-            </a:fillRef>
-            <a:effectRef idx="1">
-              <a:schemeClr val="accent6"/>
-            </a:effectRef>
-            <a:fontRef idx="minor">
-              <a:schemeClr val="lt1"/>
-            </a:fontRef>
-          </p:style>
-          <p:txBody>
-            <a:bodyPr rtlCol="0" anchor="ctr"/>
-            <a:lstStyle/>
-            <a:p>
-              <a:pPr algn="ctr"/>
-              <a:r>
-                <a:rPr lang="fr-FR" dirty="0" smtClean="0"/>
-                <a:t>C</a:t>
-              </a:r>
-              <a:endParaRPr lang="fr-FR" dirty="0"/>
-            </a:p>
-          </p:txBody>
-        </p:sp>
-      </p:grpSp>
-      <p:sp>
-        <p:nvSpPr>
-          <p:cNvPr id="56" name="TextBox 55"/>
-          <p:cNvSpPr txBox="1"/>
-          <p:nvPr/>
-        </p:nvSpPr>
-        <p:spPr>
-          <a:xfrm>
-            <a:off x="827584" y="4437112"/>
-            <a:ext cx="532518" cy="307777"/>
-          </a:xfrm>
-          <a:prstGeom prst="rect">
-            <a:avLst/>
-          </a:prstGeom>
-          <a:noFill/>
-        </p:spPr>
-        <p:txBody>
-          <a:bodyPr wrap="none" rtlCol="0">
-            <a:spAutoFit/>
-          </a:bodyPr>
-          <a:lstStyle/>
-          <a:p>
-            <a:pPr marL="0" marR="0" indent="0" algn="l" defTabSz="914400" rtl="0" eaLnBrk="1" fontAlgn="auto" latinLnBrk="0" hangingPunct="1">
-              <a:lnSpc>
-                <a:spcPct val="100000"/>
-              </a:lnSpc>
-              <a:spcBef>
-                <a:spcPct val="20000"/>
-              </a:spcBef>
-              <a:spcAft>
-                <a:spcPts val="0"/>
-              </a:spcAft>
-              <a:buClrTx/>
-              <a:buSzTx/>
-              <a:buFontTx/>
-              <a:buNone/>
-              <a:tabLst/>
-            </a:pPr>
-            <a:r>
-              <a:rPr lang="fr-FR" sz="1400" b="1" kern="0" dirty="0" smtClean="0">
-                <a:latin typeface="+mn-lt"/>
-                <a:cs typeface="+mn-cs"/>
-              </a:rPr>
-              <a:t>c:! {}</a:t>
-            </a:r>
-            <a:endParaRPr kumimoji="0" lang="fr-FR" sz="1400" b="1" i="0" u="none" strike="noStrike" kern="0" cap="none" spc="0" normalizeH="0" baseline="0" noProof="0" dirty="0" smtClean="0">
-              <a:ln>
-                <a:noFill/>
-              </a:ln>
-              <a:effectLst/>
-              <a:uLnTx/>
-              <a:uFillTx/>
-              <a:latin typeface="+mn-lt"/>
-              <a:ea typeface="+mn-ea"/>
-              <a:cs typeface="+mn-cs"/>
-            </a:endParaRPr>
-          </a:p>
-        </p:txBody>
-      </p:sp>
-      <p:sp>
-        <p:nvSpPr>
-          <p:cNvPr id="57" name="Text Placeholder 48"/>
-          <p:cNvSpPr txBox="1">
-            <a:spLocks/>
-          </p:cNvSpPr>
-          <p:nvPr/>
-        </p:nvSpPr>
-        <p:spPr>
-          <a:xfrm>
-            <a:off x="3047782" y="3111881"/>
-            <a:ext cx="300082" cy="307777"/>
-          </a:xfrm>
-          <a:prstGeom prst="rect">
-            <a:avLst/>
-          </a:prstGeom>
-          <a:noFill/>
-        </p:spPr>
-        <p:txBody>
-          <a:bodyPr wrap="none" rtlCol="0">
-            <a:spAutoFit/>
-          </a:bodyPr>
-          <a:lstStyle>
-            <a:lvl1pPr marL="0" indent="354013" algn="l" rtl="0" eaLnBrk="0" fontAlgn="base" hangingPunct="0">
-              <a:spcBef>
-                <a:spcPct val="20000"/>
-              </a:spcBef>
-              <a:spcAft>
-                <a:spcPct val="0"/>
-              </a:spcAft>
-              <a:buClr>
-                <a:srgbClr xmlns:mc="http://schemas.openxmlformats.org/markup-compatibility/2006" xmlns:a14="http://schemas.microsoft.com/office/drawing/2007/7/7/main" val="DA7E18" mc:Ignorable=""/>
-              </a:buClr>
-              <a:buSzPct val="70000"/>
-              <a:buFont typeface="Wingdings" pitchFamily="2" charset="2"/>
-              <a:buChar char="q"/>
-              <a:defRPr lang="fr-FR" sz="2400" baseline="0">
-                <a:solidFill>
-                  <a:schemeClr val="tx1"/>
-                </a:solidFill>
-                <a:latin typeface="+mn-lt"/>
-                <a:ea typeface="+mn-ea"/>
-                <a:cs typeface="+mn-cs"/>
-              </a:defRPr>
-            </a:lvl1pPr>
-            <a:lvl2pPr marL="742950" indent="-285750" algn="l" rtl="0" eaLnBrk="0" fontAlgn="base" hangingPunct="0">
-              <a:spcBef>
-                <a:spcPct val="20000"/>
-              </a:spcBef>
-              <a:spcAft>
-                <a:spcPct val="0"/>
-              </a:spcAft>
-              <a:buClr>
-                <a:srgbClr xmlns:mc="http://schemas.openxmlformats.org/markup-compatibility/2006" xmlns:a14="http://schemas.microsoft.com/office/drawing/2007/7/7/main" val="E5AB1B" mc:Ignorable=""/>
-              </a:buClr>
-              <a:buSzPct val="70000"/>
-              <a:buFont typeface="Wingdings" pitchFamily="2" charset="2"/>
-              <a:buChar char="q"/>
-              <a:defRPr lang="fr-FR" sz="2000">
-                <a:solidFill>
-                  <a:schemeClr val="tx1">
-                    <a:lumMod val="75000"/>
-                    <a:lumOff val="25000"/>
-                  </a:schemeClr>
-                </a:solidFill>
-                <a:latin typeface="+mn-lt"/>
-                <a:ea typeface="+mn-ea"/>
-                <a:cs typeface="+mn-cs"/>
-              </a:defRPr>
-            </a:lvl2pPr>
-            <a:lvl3pPr marL="1143000" indent="-228600" algn="l" rtl="0" eaLnBrk="0" fontAlgn="base" hangingPunct="0">
-              <a:spcBef>
-                <a:spcPct val="20000"/>
-              </a:spcBef>
-              <a:spcAft>
-                <a:spcPct val="0"/>
-              </a:spcAft>
-              <a:buChar char="•"/>
-              <a:defRPr lang="fr-FR" sz="1600">
-                <a:solidFill>
-                  <a:schemeClr val="tx1">
-                    <a:lumMod val="65000"/>
-                    <a:lumOff val="35000"/>
-                  </a:schemeClr>
-                </a:solidFill>
-                <a:latin typeface="+mn-lt"/>
-                <a:ea typeface="+mn-ea"/>
-                <a:cs typeface="+mn-cs"/>
-              </a:defRPr>
-            </a:lvl3pPr>
-            <a:lvl4pPr marL="1600200" indent="-228600" algn="l" rtl="0" eaLnBrk="0" fontAlgn="base" hangingPunct="0">
-              <a:spcBef>
-                <a:spcPct val="20000"/>
-              </a:spcBef>
-              <a:spcAft>
-                <a:spcPct val="0"/>
-              </a:spcAft>
-              <a:buChar char="–"/>
-              <a:defRPr lang="fr-FR" sz="1100">
-                <a:solidFill>
-                  <a:schemeClr val="tx1"/>
-                </a:solidFill>
-                <a:latin typeface="+mn-lt"/>
-                <a:ea typeface="+mn-ea"/>
-                <a:cs typeface="+mn-cs"/>
-              </a:defRPr>
-            </a:lvl4pPr>
-            <a:lvl5pPr marL="2057400" indent="-228600" algn="l" rtl="0" eaLnBrk="0" fontAlgn="base" hangingPunct="0">
-              <a:spcBef>
-                <a:spcPct val="20000"/>
-              </a:spcBef>
-              <a:spcAft>
-                <a:spcPct val="0"/>
-              </a:spcAft>
-              <a:buChar char="»"/>
-              <a:defRPr lang="fr-FR" sz="1100">
-                <a:solidFill>
-                  <a:schemeClr val="tx1"/>
-                </a:solidFill>
-                <a:latin typeface="+mn-lt"/>
-                <a:ea typeface="+mn-ea"/>
-                <a:cs typeface="+mn-cs"/>
-              </a:defRPr>
-            </a:lvl5pPr>
-            <a:lvl6pPr marL="2514600" indent="-228600" algn="l" rtl="0" eaLnBrk="1" latinLnBrk="0" hangingPunct="1">
-              <a:spcBef>
-                <a:spcPct val="20000"/>
-              </a:spcBef>
-              <a:buChar char="•"/>
-              <a:defRPr kumimoji="0" lang="fr-FR" sz="2000">
-                <a:solidFill>
-                  <a:schemeClr val="tx1"/>
-                </a:solidFill>
-                <a:latin typeface="+mn-lt"/>
-                <a:ea typeface="+mn-ea"/>
-                <a:cs typeface="+mn-cs"/>
-              </a:defRPr>
-            </a:lvl6pPr>
-            <a:lvl7pPr marL="2971800" indent="-228600" algn="l" rtl="0" eaLnBrk="1" latinLnBrk="0" hangingPunct="1">
-              <a:spcBef>
-                <a:spcPct val="20000"/>
-              </a:spcBef>
-              <a:buChar char="•"/>
-              <a:defRPr kumimoji="0" lang="fr-FR" sz="2000">
-                <a:solidFill>
-                  <a:schemeClr val="tx1"/>
-                </a:solidFill>
-                <a:latin typeface="+mn-lt"/>
-                <a:ea typeface="+mn-ea"/>
-                <a:cs typeface="+mn-cs"/>
-              </a:defRPr>
-            </a:lvl7pPr>
-            <a:lvl8pPr marL="3429000" indent="-228600" algn="l" rtl="0" eaLnBrk="1" latinLnBrk="0" hangingPunct="1">
-              <a:spcBef>
-                <a:spcPct val="20000"/>
-              </a:spcBef>
-              <a:buChar char="•"/>
-              <a:defRPr kumimoji="0" lang="fr-FR" sz="2000">
-                <a:solidFill>
-                  <a:schemeClr val="tx1"/>
-                </a:solidFill>
-                <a:latin typeface="+mn-lt"/>
-                <a:ea typeface="+mn-ea"/>
-                <a:cs typeface="+mn-cs"/>
-              </a:defRPr>
-            </a:lvl8pPr>
-            <a:lvl9pPr marL="3886200" indent="-228600" algn="l" rtl="0" eaLnBrk="1" latinLnBrk="0" hangingPunct="1">
-              <a:spcBef>
-                <a:spcPct val="20000"/>
-              </a:spcBef>
-              <a:buChar char="•"/>
-              <a:defRPr kumimoji="0" lang="fr-FR" sz="2000">
-                <a:solidFill>
-                  <a:schemeClr val="tx1"/>
-                </a:solidFill>
-                <a:latin typeface="+mn-lt"/>
-                <a:ea typeface="+mn-ea"/>
-                <a:cs typeface="+mn-cs"/>
-              </a:defRPr>
-            </a:lvl9pPr>
-          </a:lstStyle>
-          <a:p>
-            <a:pPr indent="0" eaLnBrk="1" fontAlgn="auto" hangingPunct="1">
-              <a:spcAft>
-                <a:spcPts val="0"/>
-              </a:spcAft>
-              <a:buClrTx/>
-              <a:buSzTx/>
-              <a:buFontTx/>
-              <a:buNone/>
-            </a:pPr>
-            <a:r>
-              <a:rPr lang="fr-FR" sz="1400" b="1" dirty="0"/>
-              <a:t>c</a:t>
-            </a:r>
-            <a:r>
-              <a:rPr lang="fr-FR" sz="1400" b="1" dirty="0" smtClean="0"/>
-              <a:t> </a:t>
-            </a:r>
-            <a:endParaRPr lang="fr-FR" sz="1400" b="1" dirty="0" smtClean="0"/>
-          </a:p>
-        </p:txBody>
-      </p:sp>
-      <p:sp>
-        <p:nvSpPr>
-          <p:cNvPr id="58" name="Text Placeholder 48"/>
-          <p:cNvSpPr txBox="1">
-            <a:spLocks/>
-          </p:cNvSpPr>
-          <p:nvPr/>
-        </p:nvSpPr>
-        <p:spPr>
-          <a:xfrm>
-            <a:off x="2882926" y="1959753"/>
-            <a:ext cx="320922" cy="307777"/>
-          </a:xfrm>
-          <a:prstGeom prst="rect">
-            <a:avLst/>
-          </a:prstGeom>
-          <a:noFill/>
-        </p:spPr>
-        <p:txBody>
-          <a:bodyPr wrap="none" rtlCol="0">
-            <a:spAutoFit/>
-          </a:bodyPr>
-          <a:lstStyle>
-            <a:lvl1pPr marL="0" indent="354013" algn="l" rtl="0" eaLnBrk="0" fontAlgn="base" hangingPunct="0">
-              <a:spcBef>
-                <a:spcPct val="20000"/>
-              </a:spcBef>
-              <a:spcAft>
-                <a:spcPct val="0"/>
-              </a:spcAft>
-              <a:buClr>
-                <a:srgbClr xmlns:mc="http://schemas.openxmlformats.org/markup-compatibility/2006" xmlns:a14="http://schemas.microsoft.com/office/drawing/2007/7/7/main" val="DA7E18" mc:Ignorable=""/>
-              </a:buClr>
-              <a:buSzPct val="70000"/>
-              <a:buFont typeface="Wingdings" pitchFamily="2" charset="2"/>
-              <a:buChar char="q"/>
-              <a:defRPr lang="fr-FR" sz="2400" baseline="0">
-                <a:solidFill>
-                  <a:schemeClr val="tx1"/>
-                </a:solidFill>
-                <a:latin typeface="+mn-lt"/>
-                <a:ea typeface="+mn-ea"/>
-                <a:cs typeface="+mn-cs"/>
-              </a:defRPr>
-            </a:lvl1pPr>
-            <a:lvl2pPr marL="742950" indent="-285750" algn="l" rtl="0" eaLnBrk="0" fontAlgn="base" hangingPunct="0">
-              <a:spcBef>
-                <a:spcPct val="20000"/>
-              </a:spcBef>
-              <a:spcAft>
-                <a:spcPct val="0"/>
-              </a:spcAft>
-              <a:buClr>
-                <a:srgbClr xmlns:mc="http://schemas.openxmlformats.org/markup-compatibility/2006" xmlns:a14="http://schemas.microsoft.com/office/drawing/2007/7/7/main" val="E5AB1B" mc:Ignorable=""/>
-              </a:buClr>
-              <a:buSzPct val="70000"/>
-              <a:buFont typeface="Wingdings" pitchFamily="2" charset="2"/>
-              <a:buChar char="q"/>
-              <a:defRPr lang="fr-FR" sz="2000">
-                <a:solidFill>
-                  <a:schemeClr val="tx1">
-                    <a:lumMod val="75000"/>
-                    <a:lumOff val="25000"/>
-                  </a:schemeClr>
-                </a:solidFill>
-                <a:latin typeface="+mn-lt"/>
-                <a:ea typeface="+mn-ea"/>
-                <a:cs typeface="+mn-cs"/>
-              </a:defRPr>
-            </a:lvl2pPr>
-            <a:lvl3pPr marL="1143000" indent="-228600" algn="l" rtl="0" eaLnBrk="0" fontAlgn="base" hangingPunct="0">
-              <a:spcBef>
-                <a:spcPct val="20000"/>
-              </a:spcBef>
-              <a:spcAft>
-                <a:spcPct val="0"/>
-              </a:spcAft>
-              <a:buChar char="•"/>
-              <a:defRPr lang="fr-FR" sz="1600">
-                <a:solidFill>
-                  <a:schemeClr val="tx1">
-                    <a:lumMod val="65000"/>
-                    <a:lumOff val="35000"/>
-                  </a:schemeClr>
-                </a:solidFill>
-                <a:latin typeface="+mn-lt"/>
-                <a:ea typeface="+mn-ea"/>
-                <a:cs typeface="+mn-cs"/>
-              </a:defRPr>
-            </a:lvl3pPr>
-            <a:lvl4pPr marL="1600200" indent="-228600" algn="l" rtl="0" eaLnBrk="0" fontAlgn="base" hangingPunct="0">
-              <a:spcBef>
-                <a:spcPct val="20000"/>
-              </a:spcBef>
-              <a:spcAft>
-                <a:spcPct val="0"/>
-              </a:spcAft>
-              <a:buChar char="–"/>
-              <a:defRPr lang="fr-FR" sz="1100">
-                <a:solidFill>
-                  <a:schemeClr val="tx1"/>
-                </a:solidFill>
-                <a:latin typeface="+mn-lt"/>
-                <a:ea typeface="+mn-ea"/>
-                <a:cs typeface="+mn-cs"/>
-              </a:defRPr>
-            </a:lvl4pPr>
-            <a:lvl5pPr marL="2057400" indent="-228600" algn="l" rtl="0" eaLnBrk="0" fontAlgn="base" hangingPunct="0">
-              <a:spcBef>
-                <a:spcPct val="20000"/>
-              </a:spcBef>
-              <a:spcAft>
-                <a:spcPct val="0"/>
-              </a:spcAft>
-              <a:buChar char="»"/>
-              <a:defRPr lang="fr-FR" sz="1100">
-                <a:solidFill>
-                  <a:schemeClr val="tx1"/>
-                </a:solidFill>
-                <a:latin typeface="+mn-lt"/>
-                <a:ea typeface="+mn-ea"/>
-                <a:cs typeface="+mn-cs"/>
-              </a:defRPr>
-            </a:lvl5pPr>
-            <a:lvl6pPr marL="2514600" indent="-228600" algn="l" rtl="0" eaLnBrk="1" latinLnBrk="0" hangingPunct="1">
-              <a:spcBef>
-                <a:spcPct val="20000"/>
-              </a:spcBef>
-              <a:buChar char="•"/>
-              <a:defRPr kumimoji="0" lang="fr-FR" sz="2000">
-                <a:solidFill>
-                  <a:schemeClr val="tx1"/>
-                </a:solidFill>
-                <a:latin typeface="+mn-lt"/>
-                <a:ea typeface="+mn-ea"/>
-                <a:cs typeface="+mn-cs"/>
-              </a:defRPr>
-            </a:lvl6pPr>
-            <a:lvl7pPr marL="2971800" indent="-228600" algn="l" rtl="0" eaLnBrk="1" latinLnBrk="0" hangingPunct="1">
-              <a:spcBef>
-                <a:spcPct val="20000"/>
-              </a:spcBef>
-              <a:buChar char="•"/>
-              <a:defRPr kumimoji="0" lang="fr-FR" sz="2000">
-                <a:solidFill>
-                  <a:schemeClr val="tx1"/>
-                </a:solidFill>
-                <a:latin typeface="+mn-lt"/>
-                <a:ea typeface="+mn-ea"/>
-                <a:cs typeface="+mn-cs"/>
-              </a:defRPr>
-            </a:lvl7pPr>
-            <a:lvl8pPr marL="3429000" indent="-228600" algn="l" rtl="0" eaLnBrk="1" latinLnBrk="0" hangingPunct="1">
-              <a:spcBef>
-                <a:spcPct val="20000"/>
-              </a:spcBef>
-              <a:buChar char="•"/>
-              <a:defRPr kumimoji="0" lang="fr-FR" sz="2000">
-                <a:solidFill>
-                  <a:schemeClr val="tx1"/>
-                </a:solidFill>
-                <a:latin typeface="+mn-lt"/>
-                <a:ea typeface="+mn-ea"/>
-                <a:cs typeface="+mn-cs"/>
-              </a:defRPr>
-            </a:lvl8pPr>
-            <a:lvl9pPr marL="3886200" indent="-228600" algn="l" rtl="0" eaLnBrk="1" latinLnBrk="0" hangingPunct="1">
-              <a:spcBef>
-                <a:spcPct val="20000"/>
-              </a:spcBef>
-              <a:buChar char="•"/>
-              <a:defRPr kumimoji="0" lang="fr-FR" sz="2000">
-                <a:solidFill>
-                  <a:schemeClr val="tx1"/>
-                </a:solidFill>
-                <a:latin typeface="+mn-lt"/>
-                <a:ea typeface="+mn-ea"/>
-                <a:cs typeface="+mn-cs"/>
-              </a:defRPr>
-            </a:lvl9pPr>
-          </a:lstStyle>
-          <a:p>
-            <a:pPr indent="0" eaLnBrk="1" fontAlgn="auto" hangingPunct="1">
-              <a:spcAft>
-                <a:spcPts val="0"/>
-              </a:spcAft>
-              <a:buClrTx/>
-              <a:buSzTx/>
-              <a:buFontTx/>
-              <a:buNone/>
-            </a:pPr>
-            <a:r>
-              <a:rPr lang="fr-FR" sz="1400" b="1" dirty="0" smtClean="0"/>
-              <a:t>d </a:t>
-            </a:r>
-            <a:endParaRPr lang="fr-FR" sz="1400" b="1" dirty="0" smtClean="0"/>
-          </a:p>
-        </p:txBody>
-      </p:sp>
-      <p:sp>
-        <p:nvSpPr>
-          <p:cNvPr id="59" name="TextBox 58"/>
-          <p:cNvSpPr txBox="1"/>
-          <p:nvPr/>
-        </p:nvSpPr>
-        <p:spPr>
-          <a:xfrm>
-            <a:off x="827584" y="4897286"/>
-            <a:ext cx="553357" cy="307777"/>
-          </a:xfrm>
-          <a:prstGeom prst="rect">
-            <a:avLst/>
-          </a:prstGeom>
-          <a:noFill/>
-        </p:spPr>
-        <p:txBody>
-          <a:bodyPr wrap="none" rtlCol="0">
-            <a:spAutoFit/>
-          </a:bodyPr>
-          <a:lstStyle/>
-          <a:p>
-            <a:pPr marL="0" marR="0" indent="0" algn="l" defTabSz="914400" rtl="0" eaLnBrk="1" fontAlgn="auto" latinLnBrk="0" hangingPunct="1">
-              <a:lnSpc>
-                <a:spcPct val="100000"/>
-              </a:lnSpc>
-              <a:spcBef>
-                <a:spcPct val="20000"/>
-              </a:spcBef>
-              <a:spcAft>
-                <a:spcPts val="0"/>
-              </a:spcAft>
-              <a:buClrTx/>
-              <a:buSzTx/>
-              <a:buFontTx/>
-              <a:buNone/>
-              <a:tabLst/>
-            </a:pPr>
-            <a:r>
-              <a:rPr lang="fr-FR" sz="1400" b="1" kern="0" dirty="0">
-                <a:latin typeface="+mn-lt"/>
-                <a:cs typeface="+mn-cs"/>
-              </a:rPr>
-              <a:t>d</a:t>
-            </a:r>
-            <a:r>
-              <a:rPr lang="fr-FR" sz="1400" b="1" kern="0" dirty="0" smtClean="0">
-                <a:latin typeface="+mn-lt"/>
-                <a:cs typeface="+mn-cs"/>
-              </a:rPr>
-              <a:t>:! {}</a:t>
-            </a:r>
-            <a:endParaRPr kumimoji="0" lang="fr-FR" sz="1400" b="1" i="0" u="none" strike="noStrike" kern="0" cap="none" spc="0" normalizeH="0" baseline="0" noProof="0" dirty="0" smtClean="0">
-              <a:ln>
-                <a:noFill/>
-              </a:ln>
-              <a:effectLst/>
-              <a:uLnTx/>
-              <a:uFillTx/>
-              <a:latin typeface="+mn-lt"/>
-              <a:ea typeface="+mn-ea"/>
-              <a:cs typeface="+mn-cs"/>
-            </a:endParaRPr>
-          </a:p>
-        </p:txBody>
-      </p:sp>
-      <p:sp>
-        <p:nvSpPr>
-          <p:cNvPr id="61" name="TextBox 60"/>
-          <p:cNvSpPr txBox="1"/>
-          <p:nvPr/>
-        </p:nvSpPr>
-        <p:spPr>
-          <a:xfrm>
-            <a:off x="5508104" y="4897286"/>
-            <a:ext cx="527709" cy="307777"/>
-          </a:xfrm>
-          <a:prstGeom prst="rect">
-            <a:avLst/>
-          </a:prstGeom>
-          <a:noFill/>
-        </p:spPr>
-        <p:txBody>
-          <a:bodyPr wrap="none" rtlCol="0">
-            <a:spAutoFit/>
-          </a:bodyPr>
-          <a:lstStyle/>
-          <a:p>
-            <a:pPr marL="0" marR="0" indent="0" algn="l" defTabSz="914400" rtl="0" eaLnBrk="1" fontAlgn="auto" latinLnBrk="0" hangingPunct="1">
-              <a:lnSpc>
-                <a:spcPct val="100000"/>
-              </a:lnSpc>
-              <a:spcBef>
-                <a:spcPct val="20000"/>
-              </a:spcBef>
-              <a:spcAft>
-                <a:spcPts val="0"/>
-              </a:spcAft>
-              <a:buClrTx/>
-              <a:buSzTx/>
-              <a:buFontTx/>
-              <a:buNone/>
-              <a:tabLst/>
-            </a:pPr>
-            <a:r>
-              <a:rPr lang="fr-FR" sz="1400" b="1" kern="0" dirty="0" smtClean="0">
-                <a:latin typeface="+mn-lt"/>
-                <a:cs typeface="+mn-cs"/>
-              </a:rPr>
-              <a:t>a: {} </a:t>
-            </a:r>
-            <a:endParaRPr kumimoji="0" lang="fr-FR" sz="1400" b="1" i="0" u="none" strike="noStrike" kern="0" cap="none" spc="0" normalizeH="0" baseline="0" noProof="0" dirty="0" smtClean="0">
-              <a:ln>
-                <a:noFill/>
-              </a:ln>
-              <a:effectLst/>
-              <a:uLnTx/>
-              <a:uFillTx/>
-              <a:latin typeface="+mn-lt"/>
-              <a:ea typeface="+mn-ea"/>
-              <a:cs typeface="+mn-cs"/>
-            </a:endParaRPr>
-          </a:p>
-        </p:txBody>
-      </p:sp>
-      <p:sp>
-        <p:nvSpPr>
-          <p:cNvPr id="62" name="TextBox 61"/>
-          <p:cNvSpPr txBox="1"/>
-          <p:nvPr/>
-        </p:nvSpPr>
-        <p:spPr>
-          <a:xfrm>
-            <a:off x="2991991" y="5877272"/>
-            <a:ext cx="4168129" cy="584775"/>
-          </a:xfrm>
-          <a:prstGeom prst="rect">
-            <a:avLst/>
-          </a:prstGeom>
-          <a:noFill/>
-        </p:spPr>
-        <p:txBody>
-          <a:bodyPr wrap="none" rtlCol="0">
-            <a:spAutoFit/>
-          </a:bodyPr>
-          <a:lstStyle/>
-          <a:p>
-            <a:pPr marL="0" marR="0" indent="0" algn="l" defTabSz="914400" rtl="0" eaLnBrk="1" fontAlgn="auto" latinLnBrk="0" hangingPunct="1">
-              <a:lnSpc>
-                <a:spcPct val="100000"/>
-              </a:lnSpc>
-              <a:spcBef>
-                <a:spcPct val="20000"/>
-              </a:spcBef>
-              <a:spcAft>
-                <a:spcPts val="0"/>
-              </a:spcAft>
-              <a:buClrTx/>
-              <a:buSzTx/>
-              <a:buFontTx/>
-              <a:buNone/>
-              <a:tabLst/>
-            </a:pPr>
-            <a:r>
-              <a:rPr lang="fr-FR" sz="3200" b="1" kern="0" dirty="0" smtClean="0">
-                <a:solidFill>
-                  <a:schemeClr val="accent6"/>
-                </a:solidFill>
-                <a:effectLst>
-                  <a:outerShdw blurRad="38100" dist="38100" dir="2700000" algn="tl">
-                    <a:srgbClr xmlns:mc="http://schemas.openxmlformats.org/markup-compatibility/2006" xmlns:a14="http://schemas.microsoft.com/office/drawing/2007/7/7/main" val="000000" mc:Ignorable="">
-                      <a:alpha val="43137"/>
-                    </a:srgbClr>
-                  </a:outerShdw>
-                </a:effectLst>
-                <a:latin typeface="+mn-lt"/>
-                <a:cs typeface="+mn-cs"/>
-              </a:rPr>
-              <a:t>Display</a:t>
-            </a:r>
-            <a:r>
-              <a:rPr lang="fr-FR" sz="3200" b="1" kern="0" dirty="0" smtClean="0">
-                <a:latin typeface="+mn-lt"/>
-                <a:cs typeface="+mn-cs"/>
-              </a:rPr>
-              <a:t> </a:t>
-            </a:r>
-            <a:r>
-              <a:rPr lang="fr-FR" sz="3200" b="1" kern="0" dirty="0" err="1" smtClean="0">
-                <a:latin typeface="+mn-lt"/>
-                <a:cs typeface="+mn-cs"/>
-              </a:rPr>
-              <a:t>problem</a:t>
-            </a:r>
-            <a:r>
-              <a:rPr lang="fr-FR" sz="3200" b="1" kern="0" dirty="0" smtClean="0">
-                <a:latin typeface="+mn-lt"/>
-                <a:cs typeface="+mn-cs"/>
-              </a:rPr>
-              <a:t> frame</a:t>
-            </a:r>
-            <a:endParaRPr kumimoji="0" lang="fr-FR" sz="3200" b="1" i="0" u="none" strike="noStrike" kern="0" cap="none" spc="0" normalizeH="0" baseline="0" noProof="0" dirty="0" smtClean="0">
-              <a:ln>
-                <a:noFill/>
-              </a:ln>
-              <a:effectLst/>
-              <a:uLnTx/>
-              <a:uFillTx/>
-              <a:latin typeface="+mn-lt"/>
-              <a:cs typeface="+mn-cs"/>
-            </a:endParaRPr>
-          </a:p>
-        </p:txBody>
-      </p:sp>
-    </p:spTree>
-    <p:extLst>
-      <p:ext uri="{BB962C8B-B14F-4D97-AF65-F5344CB8AC3E}">
-        <p14:creationId xmlns:p14="http://schemas.microsoft.com/office/powerpoint/2007/7/12/main" val="1234268649"/>
-      </p:ext>
-    </p:extLst>
-  </p:cSld>
-  <p:clrMapOvr>
-    <a:masterClrMapping/>
-  </p:clrMapOvr>
-  <p:timing>
-    <p:tnLst>
-      <p:par>
-        <p:cTn xmlns:p14="http://schemas.microsoft.com/office/powerpoint/2007/7/12/main" id="1" dur="indefinite" restart="never" nodeType="tmRoot"/>
-      </p:par>
-    </p:tnLst>
-  </p:timing>
-</p:sld>
-</file>
-
-<file path=ppt/slides/slide18.xml><?xml version="1.0" encoding="utf-8"?>
-<p:sld xmlns:a="http://schemas.openxmlformats.org/drawingml/2006/main" xmlns:r="http://schemas.openxmlformats.org/officeDocument/2006/relationships" xmlns:p="http://schemas.openxmlformats.org/presentationml/2006/main">
-  <p:cSld>
-    <p:spTree>
-      <p:nvGrpSpPr>
-        <p:cNvPr id="1" name=""/>
-        <p:cNvGrpSpPr/>
-        <p:nvPr/>
-      </p:nvGrpSpPr>
-      <p:grpSpPr>
-        <a:xfrm>
-          <a:off x="0" y="0"/>
-          <a:ext cx="0" cy="0"/>
-          <a:chOff x="0" y="0"/>
-          <a:chExt cx="0" cy="0"/>
-        </a:xfrm>
-      </p:grpSpPr>
-      <p:sp>
-        <p:nvSpPr>
-          <p:cNvPr id="2" name="Title 1"/>
-          <p:cNvSpPr>
-            <a:spLocks noGrp="1"/>
-          </p:cNvSpPr>
-          <p:nvPr>
-            <p:ph type="ctrTitle"/>
-          </p:nvPr>
-        </p:nvSpPr>
-        <p:spPr/>
-        <p:txBody>
-          <a:bodyPr/>
-          <a:lstStyle/>
-          <a:p>
-            <a:r>
-              <a:rPr lang="fr-FR" sz="2800" dirty="0" smtClean="0"/>
-              <a:t>(</a:t>
-            </a:r>
-            <a:r>
-              <a:rPr lang="fr-FR" sz="2800" dirty="0" err="1" smtClean="0"/>
-              <a:t>cont</a:t>
-            </a:r>
-            <a:r>
-              <a:rPr lang="fr-FR" sz="2800" dirty="0" smtClean="0"/>
-              <a:t>.)</a:t>
-            </a:r>
-            <a:endParaRPr lang="fr-FR" sz="2800" dirty="0"/>
-          </a:p>
-        </p:txBody>
-      </p:sp>
-      <p:sp>
-        <p:nvSpPr>
-          <p:cNvPr id="3" name="Text Placeholder 2"/>
-          <p:cNvSpPr>
-            <a:spLocks noGrp="1"/>
-          </p:cNvSpPr>
-          <p:nvPr>
-            <p:ph type="body" sz="quarter" idx="10"/>
-          </p:nvPr>
-        </p:nvSpPr>
-        <p:spPr/>
-        <p:txBody>
-          <a:bodyPr/>
-          <a:lstStyle/>
-          <a:p>
-            <a:endParaRPr lang="fr-FR" dirty="0"/>
-          </a:p>
-        </p:txBody>
-      </p:sp>
-    </p:spTree>
-    <p:extLst>
-      <p:ext uri="{BB962C8B-B14F-4D97-AF65-F5344CB8AC3E}">
-        <p14:creationId xmlns:p14="http://schemas.microsoft.com/office/powerpoint/2007/7/12/main" val="3494275023"/>
-      </p:ext>
-    </p:extLst>
-  </p:cSld>
-  <p:clrMapOvr>
-    <a:masterClrMapping/>
-  </p:clrMapOvr>
-  <p:timing>
-    <p:tnLst>
-      <p:par>
-        <p:cTn xmlns:p14="http://schemas.microsoft.com/office/powerpoint/2007/7/12/main" id="1" dur="indefinite" restart="never" nodeType="tmRoot"/>
+        <p:cTn id="1" dur="indefinite" restart="never" nodeType="tmRoot"/>
       </p:par>
     </p:tnLst>
   </p:timing>
@@ -10805,7 +10872,7 @@
 </file>
 
 <file path=ppt/slides/slide19.xml><?xml version="1.0" encoding="utf-8"?>
-<p:sld xmlns:a="http://schemas.openxmlformats.org/drawingml/2006/main" xmlns:r="http://schemas.openxmlformats.org/officeDocument/2006/relationships" xmlns:p="http://schemas.openxmlformats.org/presentationml/2006/main">
+<p:sld xmlns:a="http://schemas.openxmlformats.org/drawingml/2006/main" xmlns:r="http://schemas.openxmlformats.org/officeDocument/2006/relationships" xmlns:mc="http://schemas.openxmlformats.org/markup-compatibility/2006" xmlns:mv="urn:schemas-microsoft-com:mac:vml" xmlns:p="http://schemas.openxmlformats.org/presentationml/2006/main" mc:Ignorable="mv" mc:PreserveAttributes="mv:*">
   <p:cSld>
     <p:spTree>
       <p:nvGrpSpPr>
@@ -10851,11 +10918,11 @@
             <a:r>
               <a:rPr altLang="ko-KR" smtClean="0">
                 <a:solidFill>
-                  <a:srgbClr xmlns:mc="http://schemas.openxmlformats.org/markup-compatibility/2006" xmlns:a14="http://schemas.microsoft.com/office/drawing/2007/7/7/main" val="C44F00" mc:Ignorable=""/>
+                  <a:srgbClr val="C44F00"/>
                 </a:solidFill>
                 <a:effectLst>
                   <a:outerShdw blurRad="38100" dist="38100" dir="2700000" algn="tl">
-                    <a:srgbClr xmlns:mc="http://schemas.openxmlformats.org/markup-compatibility/2006" xmlns:a14="http://schemas.microsoft.com/office/drawing/2007/7/7/main" val="C0C0C0" mc:Ignorable=""/>
+                    <a:srgbClr val="C0C0C0"/>
                   </a:outerShdw>
                 </a:effectLst>
                 <a:ea typeface="굴림" charset="-127"/>
@@ -10870,11 +10937,11 @@
             <a:r>
               <a:rPr altLang="ko-KR" smtClean="0">
                 <a:solidFill>
-                  <a:srgbClr xmlns:mc="http://schemas.openxmlformats.org/markup-compatibility/2006" xmlns:a14="http://schemas.microsoft.com/office/drawing/2007/7/7/main" val="595959" mc:Ignorable=""/>
+                  <a:srgbClr val="595959"/>
                 </a:solidFill>
                 <a:effectLst>
                   <a:outerShdw blurRad="38100" dist="38100" dir="2700000" algn="tl">
-                    <a:srgbClr xmlns:mc="http://schemas.openxmlformats.org/markup-compatibility/2006" xmlns:a14="http://schemas.microsoft.com/office/drawing/2007/7/7/main" val="C0C0C0" mc:Ignorable=""/>
+                    <a:srgbClr val="C0C0C0"/>
                   </a:outerShdw>
                 </a:effectLst>
                 <a:ea typeface="굴림" charset="-127"/>
@@ -10889,11 +10956,11 @@
             <a:r>
               <a:rPr altLang="ko-KR" smtClean="0">
                 <a:solidFill>
-                  <a:srgbClr xmlns:mc="http://schemas.openxmlformats.org/markup-compatibility/2006" xmlns:a14="http://schemas.microsoft.com/office/drawing/2007/7/7/main" val="595959" mc:Ignorable=""/>
+                  <a:srgbClr val="595959"/>
                 </a:solidFill>
                 <a:effectLst>
                   <a:outerShdw blurRad="38100" dist="38100" dir="2700000" algn="tl">
-                    <a:srgbClr xmlns:mc="http://schemas.openxmlformats.org/markup-compatibility/2006" xmlns:a14="http://schemas.microsoft.com/office/drawing/2007/7/7/main" val="C0C0C0" mc:Ignorable=""/>
+                    <a:srgbClr val="C0C0C0"/>
                   </a:outerShdw>
                 </a:effectLst>
                 <a:ea typeface="굴림" charset="-127"/>
@@ -10907,11 +10974,11 @@
             </a:pPr>
             <a:endParaRPr altLang="ko-KR" smtClean="0">
               <a:solidFill>
-                <a:srgbClr xmlns:mc="http://schemas.openxmlformats.org/markup-compatibility/2006" xmlns:a14="http://schemas.microsoft.com/office/drawing/2007/7/7/main" val="8F481E" mc:Ignorable=""/>
+                <a:srgbClr val="8F481E"/>
               </a:solidFill>
               <a:effectLst>
                 <a:outerShdw blurRad="38100" dist="38100" dir="2700000" algn="tl">
-                  <a:srgbClr xmlns:mc="http://schemas.openxmlformats.org/markup-compatibility/2006" xmlns:a14="http://schemas.microsoft.com/office/drawing/2007/7/7/main" val="C0C0C0" mc:Ignorable=""/>
+                  <a:srgbClr val="C0C0C0"/>
                 </a:outerShdw>
               </a:effectLst>
               <a:ea typeface="굴림" charset="-127"/>
@@ -10956,7 +11023,7 @@
                 </a:ln>
                 <a:effectLst>
                   <a:outerShdw blurRad="38100" dist="38100" dir="2700000" algn="tl">
-                    <a:srgbClr xmlns:mc="http://schemas.openxmlformats.org/markup-compatibility/2006" xmlns:a14="http://schemas.microsoft.com/office/drawing/2007/7/7/main" val="000000" mc:Ignorable="">
+                    <a:srgbClr val="000000">
                       <a:alpha val="43137"/>
                     </a:srgbClr>
                   </a:outerShdw>
@@ -10974,7 +11041,7 @@
                 </a:solidFill>
                 <a:effectLst>
                   <a:outerShdw blurRad="38100" dist="38100" dir="2700000" algn="tl">
-                    <a:srgbClr xmlns:mc="http://schemas.openxmlformats.org/markup-compatibility/2006" xmlns:a14="http://schemas.microsoft.com/office/drawing/2007/7/7/main" val="000000" mc:Ignorable="">
+                    <a:srgbClr val="000000">
                       <a:alpha val="43137"/>
                     </a:srgbClr>
                   </a:outerShdw>
@@ -10992,7 +11059,7 @@
                 </a:solidFill>
                 <a:effectLst>
                   <a:outerShdw blurRad="38100" dist="38100" dir="2700000" algn="tl">
-                    <a:srgbClr xmlns:mc="http://schemas.openxmlformats.org/markup-compatibility/2006" xmlns:a14="http://schemas.microsoft.com/office/drawing/2007/7/7/main" val="000000" mc:Ignorable="">
+                    <a:srgbClr val="000000">
                       <a:alpha val="43137"/>
                     </a:srgbClr>
                   </a:outerShdw>
@@ -11009,7 +11076,7 @@
                 </a:solidFill>
                 <a:effectLst>
                   <a:outerShdw blurRad="38100" dist="38100" dir="2700000" algn="tl">
-                    <a:srgbClr xmlns:mc="http://schemas.openxmlformats.org/markup-compatibility/2006" xmlns:a14="http://schemas.microsoft.com/office/drawing/2007/7/7/main" val="000000" mc:Ignorable="">
+                    <a:srgbClr val="000000">
                       <a:alpha val="43137"/>
                     </a:srgbClr>
                   </a:outerShdw>
@@ -11029,7 +11096,7 @@
                 </a:solidFill>
                 <a:effectLst>
                   <a:outerShdw blurRad="38100" dist="38100" dir="2700000" algn="tl">
-                    <a:srgbClr xmlns:mc="http://schemas.openxmlformats.org/markup-compatibility/2006" xmlns:a14="http://schemas.microsoft.com/office/drawing/2007/7/7/main" val="000000" mc:Ignorable="">
+                    <a:srgbClr val="000000">
                       <a:alpha val="43137"/>
                     </a:srgbClr>
                   </a:outerShdw>
@@ -11048,7 +11115,7 @@
               </a:solidFill>
               <a:effectLst>
                 <a:outerShdw blurRad="38100" dist="38100" dir="2700000" algn="tl">
-                  <a:srgbClr xmlns:mc="http://schemas.openxmlformats.org/markup-compatibility/2006" xmlns:a14="http://schemas.microsoft.com/office/drawing/2007/7/7/main" val="000000" mc:Ignorable="">
+                  <a:srgbClr val="000000">
                     <a:alpha val="43137"/>
                   </a:srgbClr>
                 </a:outerShdw>
@@ -11114,7 +11181,7 @@
             </a:avLst>
           </a:prstGeom>
           <a:solidFill>
-            <a:srgbClr xmlns:mc="http://schemas.openxmlformats.org/markup-compatibility/2006" xmlns:a14="http://schemas.microsoft.com/office/drawing/2007/7/7/main" val="FFFFFF" mc:Ignorable="">
+            <a:srgbClr val="FFFFFF">
               <a:shade val="85000"/>
             </a:srgbClr>
           </a:solidFill>
@@ -11152,7 +11219,7 @@
             </a:avLst>
           </a:prstGeom>
           <a:solidFill>
-            <a:srgbClr xmlns:mc="http://schemas.openxmlformats.org/markup-compatibility/2006" xmlns:a14="http://schemas.microsoft.com/office/drawing/2007/7/7/main" val="FFFFFF" mc:Ignorable="">
+            <a:srgbClr val="FFFFFF">
               <a:shade val="85000"/>
             </a:srgbClr>
           </a:solidFill>
@@ -11207,7 +11274,7 @@
               <a:rPr lang="fr-FR" sz="2400" b="1" dirty="0" smtClean="0">
                 <a:effectLst>
                   <a:outerShdw blurRad="38100" dist="38100" dir="2700000" algn="tl">
-                    <a:srgbClr xmlns:mc="http://schemas.openxmlformats.org/markup-compatibility/2006" xmlns:a14="http://schemas.microsoft.com/office/drawing/2007/7/7/main" val="000000" mc:Ignorable="">
+                    <a:srgbClr val="000000">
                       <a:alpha val="43137"/>
                     </a:srgbClr>
                   </a:outerShdw>
@@ -11234,7 +11301,7 @@
   <p:timing>
     <p:tnLst>
       <p:par>
-        <p:cTn xmlns:p14="http://schemas.microsoft.com/office/powerpoint/2007/7/12/main" id="1" dur="indefinite" restart="never" nodeType="tmRoot"/>
+        <p:cTn id="1" dur="indefinite" restart="never" nodeType="tmRoot"/>
       </p:par>
     </p:tnLst>
   </p:timing>
@@ -11242,7 +11309,7 @@
 </file>
 
 <file path=ppt/slides/slide2.xml><?xml version="1.0" encoding="utf-8"?>
-<p:sld xmlns:a="http://schemas.openxmlformats.org/drawingml/2006/main" xmlns:r="http://schemas.openxmlformats.org/officeDocument/2006/relationships" xmlns:p="http://schemas.openxmlformats.org/presentationml/2006/main">
+<p:sld xmlns:a="http://schemas.openxmlformats.org/drawingml/2006/main" xmlns:r="http://schemas.openxmlformats.org/officeDocument/2006/relationships" xmlns:mc="http://schemas.openxmlformats.org/markup-compatibility/2006" xmlns:mv="urn:schemas-microsoft-com:mac:vml" xmlns:p="http://schemas.openxmlformats.org/presentationml/2006/main" mc:Ignorable="mv" mc:PreserveAttributes="mv:*">
   <p:cSld>
     <p:spTree>
       <p:nvGrpSpPr>
@@ -11457,7 +11524,7 @@
   <p:timing>
     <p:tnLst>
       <p:par>
-        <p:cTn xmlns:p14="http://schemas.microsoft.com/office/powerpoint/2007/7/12/main" id="1" dur="indefinite" restart="never" nodeType="tmRoot"/>
+        <p:cTn id="1" dur="indefinite" restart="never" nodeType="tmRoot"/>
       </p:par>
     </p:tnLst>
   </p:timing>
@@ -11465,7 +11532,7 @@
 </file>
 
 <file path=ppt/slides/slide20.xml><?xml version="1.0" encoding="utf-8"?>
-<p:sld xmlns:a="http://schemas.openxmlformats.org/drawingml/2006/main" xmlns:r="http://schemas.openxmlformats.org/officeDocument/2006/relationships" xmlns:p="http://schemas.openxmlformats.org/presentationml/2006/main">
+<p:sld xmlns:a="http://schemas.openxmlformats.org/drawingml/2006/main" xmlns:r="http://schemas.openxmlformats.org/officeDocument/2006/relationships" xmlns:mc="http://schemas.openxmlformats.org/markup-compatibility/2006" xmlns:mv="urn:schemas-microsoft-com:mac:vml" xmlns:p="http://schemas.openxmlformats.org/presentationml/2006/main" mc:Ignorable="mv" mc:PreserveAttributes="mv:*">
   <p:cSld>
     <p:spTree>
       <p:nvGrpSpPr>
@@ -11560,7 +11627,7 @@
   <p:timing>
     <p:tnLst>
       <p:par>
-        <p:cTn xmlns:p14="http://schemas.microsoft.com/office/powerpoint/2007/7/12/main" id="1" dur="indefinite" restart="never" nodeType="tmRoot"/>
+        <p:cTn id="1" dur="indefinite" restart="never" nodeType="tmRoot"/>
       </p:par>
     </p:tnLst>
   </p:timing>
@@ -11568,7 +11635,7 @@
 </file>
 
 <file path=ppt/slides/slide3.xml><?xml version="1.0" encoding="utf-8"?>
-<p:sld xmlns:a="http://schemas.openxmlformats.org/drawingml/2006/main" xmlns:r="http://schemas.openxmlformats.org/officeDocument/2006/relationships" xmlns:p="http://schemas.openxmlformats.org/presentationml/2006/main">
+<p:sld xmlns:a="http://schemas.openxmlformats.org/drawingml/2006/main" xmlns:r="http://schemas.openxmlformats.org/officeDocument/2006/relationships" xmlns:mc="http://schemas.openxmlformats.org/markup-compatibility/2006" xmlns:mv="urn:schemas-microsoft-com:mac:vml" xmlns:p="http://schemas.openxmlformats.org/presentationml/2006/main" mc:Ignorable="mv" mc:PreserveAttributes="mv:*">
   <p:cSld>
     <p:spTree>
       <p:nvGrpSpPr>
@@ -11677,7 +11744,7 @@
     </p:spTree>
     <p:extLst>
       <p:ext uri="{BB962C8B-B14F-4D97-AF65-F5344CB8AC3E}">
-        <p14:creationId xmlns:p14="http://schemas.microsoft.com/office/powerpoint/2007/7/12/main" val="1740115933"/>
+        <p14:creationId xmlns:p14="http://schemas.microsoft.com/office/powerpoint/2007/7/12/main" xmlns:p="http://schemas.openxmlformats.org/presentationml/2006/main" xmlns:r="http://schemas.openxmlformats.org/officeDocument/2006/relationships" xmlns:a="http://schemas.openxmlformats.org/drawingml/2006/main" xmlns="" val="1740115933"/>
       </p:ext>
     </p:extLst>
   </p:cSld>
@@ -11687,7 +11754,7 @@
   <p:timing>
     <p:tnLst>
       <p:par>
-        <p:cTn xmlns:p14="http://schemas.microsoft.com/office/powerpoint/2007/7/12/main" id="1" dur="indefinite" restart="never" nodeType="tmRoot"/>
+        <p:cTn id="1" dur="indefinite" restart="never" nodeType="tmRoot"/>
       </p:par>
     </p:tnLst>
   </p:timing>
@@ -11695,7 +11762,7 @@
 </file>
 
 <file path=ppt/slides/slide4.xml><?xml version="1.0" encoding="utf-8"?>
-<p:sld xmlns:a="http://schemas.openxmlformats.org/drawingml/2006/main" xmlns:r="http://schemas.openxmlformats.org/officeDocument/2006/relationships" xmlns:p="http://schemas.openxmlformats.org/presentationml/2006/main">
+<p:sld xmlns:a="http://schemas.openxmlformats.org/drawingml/2006/main" xmlns:r="http://schemas.openxmlformats.org/officeDocument/2006/relationships" xmlns:mc="http://schemas.openxmlformats.org/markup-compatibility/2006" xmlns:mv="urn:schemas-microsoft-com:mac:vml" xmlns:p="http://schemas.openxmlformats.org/presentationml/2006/main" mc:Ignorable="mv" mc:PreserveAttributes="mv:*">
   <p:cSld>
     <p:spTree>
       <p:nvGrpSpPr>
@@ -11872,7 +11939,7 @@
                 <a:spcPct val="0"/>
               </a:spcAft>
               <a:buClr>
-                <a:srgbClr xmlns:mc="http://schemas.openxmlformats.org/markup-compatibility/2006" xmlns:a14="http://schemas.microsoft.com/office/drawing/2007/7/7/main" val="DA7E18" mc:Ignorable=""/>
+                <a:srgbClr val="DA7E18"/>
               </a:buClr>
               <a:buSzPct val="70000"/>
               <a:buFont typeface="Wingdings" pitchFamily="2" charset="2"/>
@@ -11894,7 +11961,7 @@
                 <a:spcPct val="0"/>
               </a:spcAft>
               <a:buClr>
-                <a:srgbClr xmlns:mc="http://schemas.openxmlformats.org/markup-compatibility/2006" xmlns:a14="http://schemas.microsoft.com/office/drawing/2007/7/7/main" val="E5AB1B" mc:Ignorable=""/>
+                <a:srgbClr val="E5AB1B"/>
               </a:buClr>
               <a:buSzPct val="70000"/>
               <a:buFont typeface="Wingdings" pitchFamily="2" charset="2"/>
@@ -12040,11 +12107,6 @@
               </a:rPr>
               <a:t>Information Display</a:t>
             </a:r>
-            <a:endParaRPr lang="fr-FR" sz="2000" b="1" dirty="0" smtClean="0">
-              <a:solidFill>
-                <a:schemeClr val="bg1"/>
-              </a:solidFill>
-            </a:endParaRPr>
           </a:p>
         </p:txBody>
       </p:sp>
@@ -12182,20 +12244,6 @@
               </a:rPr>
               <a:t>FDIR</a:t>
             </a:r>
-            <a:endParaRPr kumimoji="0" lang="fr-FR" sz="3200" b="1" i="0" u="none" strike="noStrike" kern="0" cap="none" spc="0" normalizeH="0" baseline="0" noProof="0" dirty="0" smtClean="0">
-              <a:ln>
-                <a:noFill/>
-              </a:ln>
-              <a:solidFill>
-                <a:schemeClr val="bg1"/>
-              </a:solidFill>
-              <a:effectLst/>
-              <a:uLnTx/>
-              <a:uFillTx/>
-              <a:latin typeface="+mn-lt"/>
-              <a:ea typeface="+mn-ea"/>
-              <a:cs typeface="+mn-cs"/>
-            </a:endParaRPr>
           </a:p>
         </p:txBody>
       </p:sp>
@@ -12328,7 +12376,7 @@
                 <a:spcPct val="0"/>
               </a:spcAft>
               <a:buClr>
-                <a:srgbClr xmlns:mc="http://schemas.openxmlformats.org/markup-compatibility/2006" xmlns:a14="http://schemas.microsoft.com/office/drawing/2007/7/7/main" val="DA7E18" mc:Ignorable=""/>
+                <a:srgbClr val="DA7E18"/>
               </a:buClr>
               <a:buSzPct val="70000"/>
               <a:buFont typeface="Wingdings" pitchFamily="2" charset="2"/>
@@ -12350,7 +12398,7 @@
                 <a:spcPct val="0"/>
               </a:spcAft>
               <a:buClr>
-                <a:srgbClr xmlns:mc="http://schemas.openxmlformats.org/markup-compatibility/2006" xmlns:a14="http://schemas.microsoft.com/office/drawing/2007/7/7/main" val="E5AB1B" mc:Ignorable=""/>
+                <a:srgbClr val="E5AB1B"/>
               </a:buClr>
               <a:buSzPct val="70000"/>
               <a:buFont typeface="Wingdings" pitchFamily="2" charset="2"/>
@@ -12548,7 +12596,7 @@
                 <a:spcPct val="0"/>
               </a:spcAft>
               <a:buClr>
-                <a:srgbClr xmlns:mc="http://schemas.openxmlformats.org/markup-compatibility/2006" xmlns:a14="http://schemas.microsoft.com/office/drawing/2007/7/7/main" val="DA7E18" mc:Ignorable=""/>
+                <a:srgbClr val="DA7E18"/>
               </a:buClr>
               <a:buSzPct val="70000"/>
               <a:buFont typeface="Wingdings" pitchFamily="2" charset="2"/>
@@ -12570,7 +12618,7 @@
                 <a:spcPct val="0"/>
               </a:spcAft>
               <a:buClr>
-                <a:srgbClr xmlns:mc="http://schemas.openxmlformats.org/markup-compatibility/2006" xmlns:a14="http://schemas.microsoft.com/office/drawing/2007/7/7/main" val="E5AB1B" mc:Ignorable=""/>
+                <a:srgbClr val="E5AB1B"/>
               </a:buClr>
               <a:buSzPct val="70000"/>
               <a:buFont typeface="Wingdings" pitchFamily="2" charset="2"/>
@@ -12768,7 +12816,7 @@
                 <a:spcPct val="0"/>
               </a:spcAft>
               <a:buClr>
-                <a:srgbClr xmlns:mc="http://schemas.openxmlformats.org/markup-compatibility/2006" xmlns:a14="http://schemas.microsoft.com/office/drawing/2007/7/7/main" val="DA7E18" mc:Ignorable=""/>
+                <a:srgbClr val="DA7E18"/>
               </a:buClr>
               <a:buSzPct val="70000"/>
               <a:buFont typeface="Wingdings" pitchFamily="2" charset="2"/>
@@ -12790,7 +12838,7 @@
                 <a:spcPct val="0"/>
               </a:spcAft>
               <a:buClr>
-                <a:srgbClr xmlns:mc="http://schemas.openxmlformats.org/markup-compatibility/2006" xmlns:a14="http://schemas.microsoft.com/office/drawing/2007/7/7/main" val="E5AB1B" mc:Ignorable=""/>
+                <a:srgbClr val="E5AB1B"/>
               </a:buClr>
               <a:buSzPct val="70000"/>
               <a:buFont typeface="Wingdings" pitchFamily="2" charset="2"/>
@@ -13018,7 +13066,7 @@
                 <a:spcPct val="0"/>
               </a:spcAft>
               <a:buClr>
-                <a:srgbClr xmlns:mc="http://schemas.openxmlformats.org/markup-compatibility/2006" xmlns:a14="http://schemas.microsoft.com/office/drawing/2007/7/7/main" val="DA7E18" mc:Ignorable=""/>
+                <a:srgbClr val="DA7E18"/>
               </a:buClr>
               <a:buSzPct val="70000"/>
               <a:buFont typeface="Wingdings" pitchFamily="2" charset="2"/>
@@ -13040,7 +13088,7 @@
                 <a:spcPct val="0"/>
               </a:spcAft>
               <a:buClr>
-                <a:srgbClr xmlns:mc="http://schemas.openxmlformats.org/markup-compatibility/2006" xmlns:a14="http://schemas.microsoft.com/office/drawing/2007/7/7/main" val="E5AB1B" mc:Ignorable=""/>
+                <a:srgbClr val="E5AB1B"/>
               </a:buClr>
               <a:buSzPct val="70000"/>
               <a:buFont typeface="Wingdings" pitchFamily="2" charset="2"/>
@@ -13265,7 +13313,7 @@
                 <a:spcPct val="0"/>
               </a:spcAft>
               <a:buClr>
-                <a:srgbClr xmlns:mc="http://schemas.openxmlformats.org/markup-compatibility/2006" xmlns:a14="http://schemas.microsoft.com/office/drawing/2007/7/7/main" val="DA7E18" mc:Ignorable=""/>
+                <a:srgbClr val="DA7E18"/>
               </a:buClr>
               <a:buSzPct val="70000"/>
               <a:buFont typeface="Wingdings" pitchFamily="2" charset="2"/>
@@ -13287,7 +13335,7 @@
                 <a:spcPct val="0"/>
               </a:spcAft>
               <a:buClr>
-                <a:srgbClr xmlns:mc="http://schemas.openxmlformats.org/markup-compatibility/2006" xmlns:a14="http://schemas.microsoft.com/office/drawing/2007/7/7/main" val="E5AB1B" mc:Ignorable=""/>
+                <a:srgbClr val="E5AB1B"/>
               </a:buClr>
               <a:buSzPct val="70000"/>
               <a:buFont typeface="Wingdings" pitchFamily="2" charset="2"/>
@@ -13433,18 +13481,13 @@
               </a:rPr>
               <a:t>Report</a:t>
             </a:r>
-            <a:endParaRPr lang="fr-FR" sz="2000" b="1" dirty="0" smtClean="0">
-              <a:solidFill>
-                <a:schemeClr val="bg1"/>
-              </a:solidFill>
-            </a:endParaRPr>
           </a:p>
         </p:txBody>
       </p:sp>
     </p:spTree>
     <p:extLst>
       <p:ext uri="{BB962C8B-B14F-4D97-AF65-F5344CB8AC3E}">
-        <p14:creationId xmlns:p14="http://schemas.microsoft.com/office/powerpoint/2007/7/12/main" val="1726127084"/>
+        <p14:creationId xmlns:p14="http://schemas.microsoft.com/office/powerpoint/2007/7/12/main" xmlns:p="http://schemas.openxmlformats.org/presentationml/2006/main" xmlns:r="http://schemas.openxmlformats.org/officeDocument/2006/relationships" xmlns:a="http://schemas.openxmlformats.org/drawingml/2006/main" xmlns="" val="1726127084"/>
       </p:ext>
     </p:extLst>
   </p:cSld>
@@ -13454,7 +13497,7 @@
   <p:timing>
     <p:tnLst>
       <p:par>
-        <p:cTn xmlns:p14="http://schemas.microsoft.com/office/powerpoint/2007/7/12/main" id="1" dur="indefinite" restart="never" nodeType="tmRoot"/>
+        <p:cTn id="1" dur="indefinite" restart="never" nodeType="tmRoot"/>
       </p:par>
     </p:tnLst>
   </p:timing>
@@ -13462,7 +13505,7 @@
 </file>
 
 <file path=ppt/slides/slide5.xml><?xml version="1.0" encoding="utf-8"?>
-<p:sld xmlns:a="http://schemas.openxmlformats.org/drawingml/2006/main" xmlns:r="http://schemas.openxmlformats.org/officeDocument/2006/relationships" xmlns:p="http://schemas.openxmlformats.org/presentationml/2006/main">
+<p:sld xmlns:a="http://schemas.openxmlformats.org/drawingml/2006/main" xmlns:r="http://schemas.openxmlformats.org/officeDocument/2006/relationships" xmlns:mc="http://schemas.openxmlformats.org/markup-compatibility/2006" xmlns:mv="urn:schemas-microsoft-com:mac:vml" xmlns:p="http://schemas.openxmlformats.org/presentationml/2006/main" mc:Ignorable="mv" mc:PreserveAttributes="mv:*">
   <p:cSld>
     <p:spTree>
       <p:nvGrpSpPr>
@@ -13732,7 +13775,7 @@
     </p:spTree>
     <p:extLst>
       <p:ext uri="{BB962C8B-B14F-4D97-AF65-F5344CB8AC3E}">
-        <p14:creationId xmlns:p14="http://schemas.microsoft.com/office/powerpoint/2007/7/12/main" val="3819095931"/>
+        <p14:creationId xmlns:p14="http://schemas.microsoft.com/office/powerpoint/2007/7/12/main" xmlns:p="http://schemas.openxmlformats.org/presentationml/2006/main" xmlns:r="http://schemas.openxmlformats.org/officeDocument/2006/relationships" xmlns:a="http://schemas.openxmlformats.org/drawingml/2006/main" xmlns="" val="3819095931"/>
       </p:ext>
     </p:extLst>
   </p:cSld>
@@ -13742,7 +13785,7 @@
   <p:timing>
     <p:tnLst>
       <p:par>
-        <p:cTn xmlns:p14="http://schemas.microsoft.com/office/powerpoint/2007/7/12/main" id="1" dur="indefinite" restart="never" nodeType="tmRoot"/>
+        <p:cTn id="1" dur="indefinite" restart="never" nodeType="tmRoot"/>
       </p:par>
     </p:tnLst>
   </p:timing>
@@ -13750,7 +13793,7 @@
 </file>
 
 <file path=ppt/slides/slide6.xml><?xml version="1.0" encoding="utf-8"?>
-<p:sld xmlns:a="http://schemas.openxmlformats.org/drawingml/2006/main" xmlns:r="http://schemas.openxmlformats.org/officeDocument/2006/relationships" xmlns:p="http://schemas.openxmlformats.org/presentationml/2006/main">
+<p:sld xmlns:a="http://schemas.openxmlformats.org/drawingml/2006/main" xmlns:r="http://schemas.openxmlformats.org/officeDocument/2006/relationships" xmlns:mc="http://schemas.openxmlformats.org/markup-compatibility/2006" xmlns:mv="urn:schemas-microsoft-com:mac:vml" xmlns:p="http://schemas.openxmlformats.org/presentationml/2006/main" mc:Ignorable="mv" mc:PreserveAttributes="mv:*">
   <p:cSld>
     <p:spTree>
       <p:nvGrpSpPr>
@@ -13845,7 +13888,7 @@
     </p:spTree>
     <p:extLst>
       <p:ext uri="{BB962C8B-B14F-4D97-AF65-F5344CB8AC3E}">
-        <p14:creationId xmlns:p14="http://schemas.microsoft.com/office/powerpoint/2007/7/12/main" val="2543929380"/>
+        <p14:creationId xmlns:p14="http://schemas.microsoft.com/office/powerpoint/2007/7/12/main" xmlns:p="http://schemas.openxmlformats.org/presentationml/2006/main" xmlns:r="http://schemas.openxmlformats.org/officeDocument/2006/relationships" xmlns:a="http://schemas.openxmlformats.org/drawingml/2006/main" xmlns="" val="2543929380"/>
       </p:ext>
     </p:extLst>
   </p:cSld>
@@ -13855,7 +13898,7 @@
   <p:timing>
     <p:tnLst>
       <p:par>
-        <p:cTn xmlns:p14="http://schemas.microsoft.com/office/powerpoint/2007/7/12/main" id="1" dur="indefinite" restart="never" nodeType="tmRoot"/>
+        <p:cTn id="1" dur="indefinite" restart="never" nodeType="tmRoot"/>
       </p:par>
     </p:tnLst>
   </p:timing>
@@ -13863,7 +13906,7 @@
 </file>
 
 <file path=ppt/slides/slide7.xml><?xml version="1.0" encoding="utf-8"?>
-<p:sld xmlns:a="http://schemas.openxmlformats.org/drawingml/2006/main" xmlns:r="http://schemas.openxmlformats.org/officeDocument/2006/relationships" xmlns:p="http://schemas.openxmlformats.org/presentationml/2006/main">
+<p:sld xmlns:a="http://schemas.openxmlformats.org/drawingml/2006/main" xmlns:r="http://schemas.openxmlformats.org/officeDocument/2006/relationships" xmlns:mc="http://schemas.openxmlformats.org/markup-compatibility/2006" xmlns:mv="urn:schemas-microsoft-com:mac:vml" xmlns:p="http://schemas.openxmlformats.org/presentationml/2006/main" mc:Ignorable="mv" mc:PreserveAttributes="mv:*">
   <p:cSld>
     <p:spTree>
       <p:nvGrpSpPr>
@@ -14525,7 +14568,7 @@
                 <a:spcPct val="0"/>
               </a:spcAft>
               <a:buClr>
-                <a:srgbClr xmlns:mc="http://schemas.openxmlformats.org/markup-compatibility/2006" xmlns:a14="http://schemas.microsoft.com/office/drawing/2007/7/7/main" val="DA7E18" mc:Ignorable=""/>
+                <a:srgbClr val="DA7E18"/>
               </a:buClr>
               <a:buSzPct val="70000"/>
               <a:buFont typeface="Wingdings" pitchFamily="2" charset="2"/>
@@ -14547,7 +14590,7 @@
                 <a:spcPct val="0"/>
               </a:spcAft>
               <a:buClr>
-                <a:srgbClr xmlns:mc="http://schemas.openxmlformats.org/markup-compatibility/2006" xmlns:a14="http://schemas.microsoft.com/office/drawing/2007/7/7/main" val="E5AB1B" mc:Ignorable=""/>
+                <a:srgbClr val="E5AB1B"/>
               </a:buClr>
               <a:buSzPct val="70000"/>
               <a:buFont typeface="Wingdings" pitchFamily="2" charset="2"/>
@@ -14693,7 +14736,6 @@
               <a:rPr lang="fr-FR" sz="1400" b="1" dirty="0" smtClean="0"/>
               <a:t> </a:t>
             </a:r>
-            <a:endParaRPr lang="fr-FR" sz="1400" b="1" dirty="0" smtClean="0"/>
           </a:p>
         </p:txBody>
       </p:sp>
@@ -15015,7 +15057,7 @@
                 <a:spcPct val="0"/>
               </a:spcAft>
               <a:buClr>
-                <a:srgbClr xmlns:mc="http://schemas.openxmlformats.org/markup-compatibility/2006" xmlns:a14="http://schemas.microsoft.com/office/drawing/2007/7/7/main" val="DA7E18" mc:Ignorable=""/>
+                <a:srgbClr val="DA7E18"/>
               </a:buClr>
               <a:buSzPct val="70000"/>
               <a:buFont typeface="Wingdings" pitchFamily="2" charset="2"/>
@@ -15037,7 +15079,7 @@
                 <a:spcPct val="0"/>
               </a:spcAft>
               <a:buClr>
-                <a:srgbClr xmlns:mc="http://schemas.openxmlformats.org/markup-compatibility/2006" xmlns:a14="http://schemas.microsoft.com/office/drawing/2007/7/7/main" val="E5AB1B" mc:Ignorable=""/>
+                <a:srgbClr val="E5AB1B"/>
               </a:buClr>
               <a:buSzPct val="70000"/>
               <a:buFont typeface="Wingdings" pitchFamily="2" charset="2"/>
@@ -15183,7 +15225,6 @@
               <a:rPr lang="fr-FR" sz="1400" b="1" dirty="0" smtClean="0"/>
               <a:t> </a:t>
             </a:r>
-            <a:endParaRPr lang="fr-FR" sz="1400" b="1" dirty="0" smtClean="0"/>
           </a:p>
         </p:txBody>
       </p:sp>
@@ -15218,7 +15259,7 @@
                 <a:spcPct val="0"/>
               </a:spcAft>
               <a:buClr>
-                <a:srgbClr xmlns:mc="http://schemas.openxmlformats.org/markup-compatibility/2006" xmlns:a14="http://schemas.microsoft.com/office/drawing/2007/7/7/main" val="DA7E18" mc:Ignorable=""/>
+                <a:srgbClr val="DA7E18"/>
               </a:buClr>
               <a:buSzPct val="70000"/>
               <a:buFont typeface="Wingdings" pitchFamily="2" charset="2"/>
@@ -15240,7 +15281,7 @@
                 <a:spcPct val="0"/>
               </a:spcAft>
               <a:buClr>
-                <a:srgbClr xmlns:mc="http://schemas.openxmlformats.org/markup-compatibility/2006" xmlns:a14="http://schemas.microsoft.com/office/drawing/2007/7/7/main" val="E5AB1B" mc:Ignorable=""/>
+                <a:srgbClr val="E5AB1B"/>
               </a:buClr>
               <a:buSzPct val="70000"/>
               <a:buFont typeface="Wingdings" pitchFamily="2" charset="2"/>
@@ -15382,7 +15423,6 @@
               <a:rPr lang="fr-FR" sz="1400" b="1" dirty="0" smtClean="0"/>
               <a:t>d </a:t>
             </a:r>
-            <a:endParaRPr lang="fr-FR" sz="1400" b="1" dirty="0" smtClean="0"/>
           </a:p>
         </p:txBody>
       </p:sp>
@@ -15598,7 +15638,7 @@
                 </a:solidFill>
                 <a:effectLst>
                   <a:outerShdw blurRad="38100" dist="38100" dir="2700000" algn="tl">
-                    <a:srgbClr xmlns:mc="http://schemas.openxmlformats.org/markup-compatibility/2006" xmlns:a14="http://schemas.microsoft.com/office/drawing/2007/7/7/main" val="000000" mc:Ignorable="">
+                    <a:srgbClr val="000000">
                       <a:alpha val="43137"/>
                     </a:srgbClr>
                   </a:outerShdw>
@@ -15645,7 +15685,7 @@
     </p:spTree>
     <p:extLst>
       <p:ext uri="{BB962C8B-B14F-4D97-AF65-F5344CB8AC3E}">
-        <p14:creationId xmlns:p14="http://schemas.microsoft.com/office/powerpoint/2007/7/12/main" val="2066140013"/>
+        <p14:creationId xmlns:p14="http://schemas.microsoft.com/office/powerpoint/2007/7/12/main" xmlns:p="http://schemas.openxmlformats.org/presentationml/2006/main" xmlns:r="http://schemas.openxmlformats.org/officeDocument/2006/relationships" xmlns:a="http://schemas.openxmlformats.org/drawingml/2006/main" xmlns="" val="2066140013"/>
       </p:ext>
     </p:extLst>
   </p:cSld>
@@ -15655,7 +15695,7 @@
   <p:timing>
     <p:tnLst>
       <p:par>
-        <p:cTn xmlns:p14="http://schemas.microsoft.com/office/powerpoint/2007/7/12/main" id="1" dur="indefinite" restart="never" nodeType="tmRoot"/>
+        <p:cTn id="1" dur="indefinite" restart="never" nodeType="tmRoot"/>
       </p:par>
     </p:tnLst>
   </p:timing>
@@ -15663,7 +15703,7 @@
 </file>
 
 <file path=ppt/slides/slide8.xml><?xml version="1.0" encoding="utf-8"?>
-<p:sld xmlns:a="http://schemas.openxmlformats.org/drawingml/2006/main" xmlns:r="http://schemas.openxmlformats.org/officeDocument/2006/relationships" xmlns:p="http://schemas.openxmlformats.org/presentationml/2006/main">
+<p:sld xmlns:a="http://schemas.openxmlformats.org/drawingml/2006/main" xmlns:r="http://schemas.openxmlformats.org/officeDocument/2006/relationships" xmlns:mc="http://schemas.openxmlformats.org/markup-compatibility/2006" xmlns:mv="urn:schemas-microsoft-com:mac:vml" xmlns:p="http://schemas.openxmlformats.org/presentationml/2006/main" mc:Ignorable="mv" mc:PreserveAttributes="mv:*">
   <p:cSld>
     <p:spTree>
       <p:nvGrpSpPr>
@@ -15928,7 +15968,7 @@
     </p:spTree>
     <p:extLst>
       <p:ext uri="{BB962C8B-B14F-4D97-AF65-F5344CB8AC3E}">
-        <p14:creationId xmlns:p14="http://schemas.microsoft.com/office/powerpoint/2007/7/12/main" val="3819616267"/>
+        <p14:creationId xmlns:p14="http://schemas.microsoft.com/office/powerpoint/2007/7/12/main" xmlns:p="http://schemas.openxmlformats.org/presentationml/2006/main" xmlns:r="http://schemas.openxmlformats.org/officeDocument/2006/relationships" xmlns:a="http://schemas.openxmlformats.org/drawingml/2006/main" xmlns="" val="3819616267"/>
       </p:ext>
     </p:extLst>
   </p:cSld>
@@ -15938,7 +15978,7 @@
   <p:timing>
     <p:tnLst>
       <p:par>
-        <p:cTn xmlns:p14="http://schemas.microsoft.com/office/powerpoint/2007/7/12/main" id="1" dur="indefinite" restart="never" nodeType="tmRoot"/>
+        <p:cTn id="1" dur="indefinite" restart="never" nodeType="tmRoot"/>
       </p:par>
     </p:tnLst>
   </p:timing>
@@ -15946,7 +15986,7 @@
 </file>
 
 <file path=ppt/slides/slide9.xml><?xml version="1.0" encoding="utf-8"?>
-<p:sld xmlns:a="http://schemas.openxmlformats.org/drawingml/2006/main" xmlns:r="http://schemas.openxmlformats.org/officeDocument/2006/relationships" xmlns:p="http://schemas.openxmlformats.org/presentationml/2006/main">
+<p:sld xmlns:a="http://schemas.openxmlformats.org/drawingml/2006/main" xmlns:r="http://schemas.openxmlformats.org/officeDocument/2006/relationships" xmlns:mc="http://schemas.openxmlformats.org/markup-compatibility/2006" xmlns:mv="urn:schemas-microsoft-com:mac:vml" xmlns:p="http://schemas.openxmlformats.org/presentationml/2006/main" mc:Ignorable="mv" mc:PreserveAttributes="mv:*">
   <p:cSld>
     <p:spTree>
       <p:nvGrpSpPr>
@@ -16275,19 +16315,6 @@
                 </a:rPr>
                 <a:t> information</a:t>
               </a:r>
-              <a:endParaRPr kumimoji="0" lang="fr-FR" b="1" i="0" u="none" strike="noStrike" kern="0" cap="none" spc="0" normalizeH="0" baseline="0" noProof="0" dirty="0" smtClean="0">
-                <a:ln>
-                  <a:noFill/>
-                </a:ln>
-                <a:solidFill>
-                  <a:schemeClr val="bg1"/>
-                </a:solidFill>
-                <a:effectLst/>
-                <a:uLnTx/>
-                <a:uFillTx/>
-                <a:latin typeface="+mn-lt"/>
-                <a:cs typeface="+mn-cs"/>
-              </a:endParaRPr>
             </a:p>
           </p:txBody>
         </p:sp>
@@ -16571,7 +16598,7 @@
                 <a:spcPct val="0"/>
               </a:spcAft>
               <a:buClr>
-                <a:srgbClr xmlns:mc="http://schemas.openxmlformats.org/markup-compatibility/2006" xmlns:a14="http://schemas.microsoft.com/office/drawing/2007/7/7/main" val="DA7E18" mc:Ignorable=""/>
+                <a:srgbClr val="DA7E18"/>
               </a:buClr>
               <a:buSzPct val="70000"/>
               <a:buFont typeface="Wingdings" pitchFamily="2" charset="2"/>
@@ -16593,7 +16620,7 @@
                 <a:spcPct val="0"/>
               </a:spcAft>
               <a:buClr>
-                <a:srgbClr xmlns:mc="http://schemas.openxmlformats.org/markup-compatibility/2006" xmlns:a14="http://schemas.microsoft.com/office/drawing/2007/7/7/main" val="E5AB1B" mc:Ignorable=""/>
+                <a:srgbClr val="E5AB1B"/>
               </a:buClr>
               <a:buSzPct val="70000"/>
               <a:buFont typeface="Wingdings" pitchFamily="2" charset="2"/>
@@ -16739,7 +16766,6 @@
               <a:rPr lang="fr-FR" sz="1400" b="1" dirty="0" smtClean="0"/>
               <a:t> </a:t>
             </a:r>
-            <a:endParaRPr lang="fr-FR" sz="1400" b="1" dirty="0" smtClean="0"/>
           </a:p>
         </p:txBody>
       </p:sp>
@@ -17098,7 +17124,7 @@
                 <a:spcPct val="0"/>
               </a:spcAft>
               <a:buClr>
-                <a:srgbClr xmlns:mc="http://schemas.openxmlformats.org/markup-compatibility/2006" xmlns:a14="http://schemas.microsoft.com/office/drawing/2007/7/7/main" val="DA7E18" mc:Ignorable=""/>
+                <a:srgbClr val="DA7E18"/>
               </a:buClr>
               <a:buSzPct val="70000"/>
               <a:buFont typeface="Wingdings" pitchFamily="2" charset="2"/>
@@ -17120,7 +17146,7 @@
                 <a:spcPct val="0"/>
               </a:spcAft>
               <a:buClr>
-                <a:srgbClr xmlns:mc="http://schemas.openxmlformats.org/markup-compatibility/2006" xmlns:a14="http://schemas.microsoft.com/office/drawing/2007/7/7/main" val="E5AB1B" mc:Ignorable=""/>
+                <a:srgbClr val="E5AB1B"/>
               </a:buClr>
               <a:buSzPct val="70000"/>
               <a:buFont typeface="Wingdings" pitchFamily="2" charset="2"/>
@@ -17262,7 +17288,6 @@
               <a:rPr lang="fr-FR" sz="1400" b="1" dirty="0" smtClean="0"/>
               <a:t>b </a:t>
             </a:r>
-            <a:endParaRPr lang="fr-FR" sz="1400" b="1" dirty="0" smtClean="0"/>
           </a:p>
         </p:txBody>
       </p:sp>
@@ -17297,7 +17322,7 @@
                 <a:spcPct val="0"/>
               </a:spcAft>
               <a:buClr>
-                <a:srgbClr xmlns:mc="http://schemas.openxmlformats.org/markup-compatibility/2006" xmlns:a14="http://schemas.microsoft.com/office/drawing/2007/7/7/main" val="DA7E18" mc:Ignorable=""/>
+                <a:srgbClr val="DA7E18"/>
               </a:buClr>
               <a:buSzPct val="70000"/>
               <a:buFont typeface="Wingdings" pitchFamily="2" charset="2"/>
@@ -17319,7 +17344,7 @@
                 <a:spcPct val="0"/>
               </a:spcAft>
               <a:buClr>
-                <a:srgbClr xmlns:mc="http://schemas.openxmlformats.org/markup-compatibility/2006" xmlns:a14="http://schemas.microsoft.com/office/drawing/2007/7/7/main" val="E5AB1B" mc:Ignorable=""/>
+                <a:srgbClr val="E5AB1B"/>
               </a:buClr>
               <a:buSzPct val="70000"/>
               <a:buFont typeface="Wingdings" pitchFamily="2" charset="2"/>
@@ -17465,7 +17490,6 @@
               <a:rPr lang="fr-FR" sz="1400" b="1" dirty="0" smtClean="0"/>
               <a:t> </a:t>
             </a:r>
-            <a:endParaRPr lang="fr-FR" sz="1400" b="1" dirty="0" smtClean="0"/>
           </a:p>
         </p:txBody>
       </p:sp>
@@ -17601,7 +17625,7 @@
                 </a:solidFill>
                 <a:effectLst>
                   <a:outerShdw blurRad="38100" dist="38100" dir="2700000" algn="tl">
-                    <a:srgbClr xmlns:mc="http://schemas.openxmlformats.org/markup-compatibility/2006" xmlns:a14="http://schemas.microsoft.com/office/drawing/2007/7/7/main" val="000000" mc:Ignorable="">
+                    <a:srgbClr val="000000">
                       <a:alpha val="43137"/>
                     </a:srgbClr>
                   </a:outerShdw>
@@ -17618,7 +17642,7 @@
                 </a:solidFill>
                 <a:effectLst>
                   <a:outerShdw blurRad="38100" dist="38100" dir="2700000" algn="tl">
-                    <a:srgbClr xmlns:mc="http://schemas.openxmlformats.org/markup-compatibility/2006" xmlns:a14="http://schemas.microsoft.com/office/drawing/2007/7/7/main" val="000000" mc:Ignorable="">
+                    <a:srgbClr val="000000">
                       <a:alpha val="43137"/>
                     </a:srgbClr>
                   </a:outerShdw>
@@ -17635,7 +17659,7 @@
                 </a:solidFill>
                 <a:effectLst>
                   <a:outerShdw blurRad="38100" dist="38100" dir="2700000" algn="tl">
-                    <a:srgbClr xmlns:mc="http://schemas.openxmlformats.org/markup-compatibility/2006" xmlns:a14="http://schemas.microsoft.com/office/drawing/2007/7/7/main" val="000000" mc:Ignorable="">
+                    <a:srgbClr val="000000">
                       <a:alpha val="43137"/>
                     </a:srgbClr>
                   </a:outerShdw>
@@ -17652,7 +17676,7 @@
                 </a:solidFill>
                 <a:effectLst>
                   <a:outerShdw blurRad="38100" dist="38100" dir="2700000" algn="tl">
-                    <a:srgbClr xmlns:mc="http://schemas.openxmlformats.org/markup-compatibility/2006" xmlns:a14="http://schemas.microsoft.com/office/drawing/2007/7/7/main" val="000000" mc:Ignorable="">
+                    <a:srgbClr val="000000">
                       <a:alpha val="43137"/>
                     </a:srgbClr>
                   </a:outerShdw>
@@ -17786,7 +17810,7 @@
     </p:spTree>
     <p:extLst>
       <p:ext uri="{BB962C8B-B14F-4D97-AF65-F5344CB8AC3E}">
-        <p14:creationId xmlns:p14="http://schemas.microsoft.com/office/powerpoint/2007/7/12/main" val="4275258493"/>
+        <p14:creationId xmlns:p14="http://schemas.microsoft.com/office/powerpoint/2007/7/12/main" xmlns:p="http://schemas.openxmlformats.org/presentationml/2006/main" xmlns:r="http://schemas.openxmlformats.org/officeDocument/2006/relationships" xmlns:a="http://schemas.openxmlformats.org/drawingml/2006/main" xmlns="" val="4275258493"/>
       </p:ext>
     </p:extLst>
   </p:cSld>
@@ -17796,7 +17820,7 @@
   <p:timing>
     <p:tnLst>
       <p:par>
-        <p:cTn xmlns:p14="http://schemas.microsoft.com/office/powerpoint/2007/7/12/main" id="1" dur="indefinite" restart="never" nodeType="tmRoot"/>
+        <p:cTn id="1" dur="indefinite" restart="never" nodeType="tmRoot"/>
       </p:par>
     </p:tnLst>
   </p:timing>
@@ -17814,34 +17838,34 @@
         <a:sysClr val="window" lastClr="FFFFFF"/>
       </a:lt1>
       <a:dk2>
-        <a:srgbClr xmlns:mc="http://schemas.openxmlformats.org/markup-compatibility/2006" xmlns:a14="http://schemas.microsoft.com/office/drawing/2007/7/7/main" val="424456" mc:Ignorable=""/>
+        <a:srgbClr val="424456"/>
       </a:dk2>
       <a:lt2>
-        <a:srgbClr xmlns:mc="http://schemas.openxmlformats.org/markup-compatibility/2006" xmlns:a14="http://schemas.microsoft.com/office/drawing/2007/7/7/main" val="DEDEDE" mc:Ignorable=""/>
+        <a:srgbClr val="DEDEDE"/>
       </a:lt2>
       <a:accent1>
-        <a:srgbClr xmlns:mc="http://schemas.openxmlformats.org/markup-compatibility/2006" xmlns:a14="http://schemas.microsoft.com/office/drawing/2007/7/7/main" val="53548A" mc:Ignorable=""/>
+        <a:srgbClr val="53548A"/>
       </a:accent1>
       <a:accent2>
-        <a:srgbClr xmlns:mc="http://schemas.openxmlformats.org/markup-compatibility/2006" xmlns:a14="http://schemas.microsoft.com/office/drawing/2007/7/7/main" val="438086" mc:Ignorable=""/>
+        <a:srgbClr val="438086"/>
       </a:accent2>
       <a:accent3>
-        <a:srgbClr xmlns:mc="http://schemas.openxmlformats.org/markup-compatibility/2006" xmlns:a14="http://schemas.microsoft.com/office/drawing/2007/7/7/main" val="A04DA3" mc:Ignorable=""/>
+        <a:srgbClr val="A04DA3"/>
       </a:accent3>
       <a:accent4>
-        <a:srgbClr xmlns:mc="http://schemas.openxmlformats.org/markup-compatibility/2006" xmlns:a14="http://schemas.microsoft.com/office/drawing/2007/7/7/main" val="C4652D" mc:Ignorable=""/>
+        <a:srgbClr val="C4652D"/>
       </a:accent4>
       <a:accent5>
-        <a:srgbClr xmlns:mc="http://schemas.openxmlformats.org/markup-compatibility/2006" xmlns:a14="http://schemas.microsoft.com/office/drawing/2007/7/7/main" val="8B5D3D" mc:Ignorable=""/>
+        <a:srgbClr val="8B5D3D"/>
       </a:accent5>
       <a:accent6>
-        <a:srgbClr xmlns:mc="http://schemas.openxmlformats.org/markup-compatibility/2006" xmlns:a14="http://schemas.microsoft.com/office/drawing/2007/7/7/main" val="5C92B5" mc:Ignorable=""/>
+        <a:srgbClr val="5C92B5"/>
       </a:accent6>
       <a:hlink>
-        <a:srgbClr xmlns:mc="http://schemas.openxmlformats.org/markup-compatibility/2006" xmlns:a14="http://schemas.microsoft.com/office/drawing/2007/7/7/main" val="67AFBD" mc:Ignorable=""/>
+        <a:srgbClr val="67AFBD"/>
       </a:hlink>
       <a:folHlink>
-        <a:srgbClr xmlns:mc="http://schemas.openxmlformats.org/markup-compatibility/2006" xmlns:a14="http://schemas.microsoft.com/office/drawing/2007/7/7/main" val="C2A874" mc:Ignorable=""/>
+        <a:srgbClr val="C2A874"/>
       </a:folHlink>
     </a:clrScheme>
     <a:fontScheme name="Office">
@@ -17992,7 +18016,7 @@
         <a:effectStyle>
           <a:effectLst>
             <a:outerShdw blurRad="65500" dist="38100" dir="5400000" rotWithShape="0">
-              <a:srgbClr xmlns:mc="http://schemas.openxmlformats.org/markup-compatibility/2006" xmlns:a14="http://schemas.microsoft.com/office/drawing/2007/7/7/main" val="000000" mc:Ignorable="">
+              <a:srgbClr val="000000">
                 <a:alpha val="40000"/>
               </a:srgbClr>
             </a:outerShdw>
@@ -18001,7 +18025,7 @@
         <a:effectStyle>
           <a:effectLst>
             <a:outerShdw blurRad="65500" dist="38100" dir="5400000" rotWithShape="0">
-              <a:srgbClr xmlns:mc="http://schemas.openxmlformats.org/markup-compatibility/2006" xmlns:a14="http://schemas.microsoft.com/office/drawing/2007/7/7/main" val="000000" mc:Ignorable="">
+              <a:srgbClr val="000000">
                 <a:alpha val="40000"/>
               </a:srgbClr>
             </a:outerShdw>
@@ -18010,7 +18034,7 @@
         <a:effectStyle>
           <a:effectLst>
             <a:outerShdw blurRad="65500" dist="38100" dir="5400000" rotWithShape="0">
-              <a:srgbClr xmlns:mc="http://schemas.openxmlformats.org/markup-compatibility/2006" xmlns:a14="http://schemas.microsoft.com/office/drawing/2007/7/7/main" val="000000" mc:Ignorable="">
+              <a:srgbClr val="000000">
                 <a:alpha val="40000"/>
               </a:srgbClr>
             </a:outerShdw>
@@ -18140,34 +18164,34 @@
         <a:sysClr val="window" lastClr="FFFFFF"/>
       </a:lt1>
       <a:dk2>
-        <a:srgbClr xmlns:mc="http://schemas.openxmlformats.org/markup-compatibility/2006" xmlns:a14="http://schemas.microsoft.com/office/drawing/2007/7/7/main" val="1F497D" mc:Ignorable=""/>
+        <a:srgbClr val="1F497D"/>
       </a:dk2>
       <a:lt2>
-        <a:srgbClr xmlns:mc="http://schemas.openxmlformats.org/markup-compatibility/2006" xmlns:a14="http://schemas.microsoft.com/office/drawing/2007/7/7/main" val="EEECE1" mc:Ignorable=""/>
+        <a:srgbClr val="EEECE1"/>
       </a:lt2>
       <a:accent1>
-        <a:srgbClr xmlns:mc="http://schemas.openxmlformats.org/markup-compatibility/2006" xmlns:a14="http://schemas.microsoft.com/office/drawing/2007/7/7/main" val="4F81BD" mc:Ignorable=""/>
+        <a:srgbClr val="4F81BD"/>
       </a:accent1>
       <a:accent2>
-        <a:srgbClr xmlns:mc="http://schemas.openxmlformats.org/markup-compatibility/2006" xmlns:a14="http://schemas.microsoft.com/office/drawing/2007/7/7/main" val="C0504D" mc:Ignorable=""/>
+        <a:srgbClr val="C0504D"/>
       </a:accent2>
       <a:accent3>
-        <a:srgbClr xmlns:mc="http://schemas.openxmlformats.org/markup-compatibility/2006" xmlns:a14="http://schemas.microsoft.com/office/drawing/2007/7/7/main" val="9BBB59" mc:Ignorable=""/>
+        <a:srgbClr val="9BBB59"/>
       </a:accent3>
       <a:accent4>
-        <a:srgbClr xmlns:mc="http://schemas.openxmlformats.org/markup-compatibility/2006" xmlns:a14="http://schemas.microsoft.com/office/drawing/2007/7/7/main" val="8064A2" mc:Ignorable=""/>
+        <a:srgbClr val="8064A2"/>
       </a:accent4>
       <a:accent5>
-        <a:srgbClr xmlns:mc="http://schemas.openxmlformats.org/markup-compatibility/2006" xmlns:a14="http://schemas.microsoft.com/office/drawing/2007/7/7/main" val="4BACC6" mc:Ignorable=""/>
+        <a:srgbClr val="4BACC6"/>
       </a:accent5>
       <a:accent6>
-        <a:srgbClr xmlns:mc="http://schemas.openxmlformats.org/markup-compatibility/2006" xmlns:a14="http://schemas.microsoft.com/office/drawing/2007/7/7/main" val="F79646" mc:Ignorable=""/>
+        <a:srgbClr val="F79646"/>
       </a:accent6>
       <a:hlink>
-        <a:srgbClr xmlns:mc="http://schemas.openxmlformats.org/markup-compatibility/2006" xmlns:a14="http://schemas.microsoft.com/office/drawing/2007/7/7/main" val="0000FF" mc:Ignorable=""/>
+        <a:srgbClr val="0000FF"/>
       </a:hlink>
       <a:folHlink>
-        <a:srgbClr xmlns:mc="http://schemas.openxmlformats.org/markup-compatibility/2006" xmlns:a14="http://schemas.microsoft.com/office/drawing/2007/7/7/main" val="800080" mc:Ignorable=""/>
+        <a:srgbClr val="800080"/>
       </a:folHlink>
     </a:clrScheme>
     <a:fontScheme name="Office">
@@ -18319,7 +18343,7 @@
         <a:effectStyle>
           <a:effectLst>
             <a:outerShdw blurRad="40000" dist="20000" dir="5400000" rotWithShape="0">
-              <a:srgbClr xmlns:mc="http://schemas.openxmlformats.org/markup-compatibility/2006" xmlns:a14="http://schemas.microsoft.com/office/drawing/2007/7/7/main" val="000000" mc:Ignorable="">
+              <a:srgbClr val="000000">
                 <a:alpha val="38000"/>
               </a:srgbClr>
             </a:outerShdw>
@@ -18328,7 +18352,7 @@
         <a:effectStyle>
           <a:effectLst>
             <a:outerShdw blurRad="40000" dist="23000" dir="5400000" rotWithShape="0">
-              <a:srgbClr xmlns:mc="http://schemas.openxmlformats.org/markup-compatibility/2006" xmlns:a14="http://schemas.microsoft.com/office/drawing/2007/7/7/main" val="000000" mc:Ignorable="">
+              <a:srgbClr val="000000">
                 <a:alpha val="35000"/>
               </a:srgbClr>
             </a:outerShdw>
@@ -18337,7 +18361,7 @@
         <a:effectStyle>
           <a:effectLst>
             <a:outerShdw blurRad="40000" dist="23000" dir="5400000" rotWithShape="0">
-              <a:srgbClr xmlns:mc="http://schemas.openxmlformats.org/markup-compatibility/2006" xmlns:a14="http://schemas.microsoft.com/office/drawing/2007/7/7/main" val="000000" mc:Ignorable="">
+              <a:srgbClr val="000000">
                 <a:alpha val="35000"/>
               </a:srgbClr>
             </a:outerShdw>
@@ -18423,34 +18447,34 @@
         <a:sysClr val="window" lastClr="FFFFFF"/>
       </a:lt1>
       <a:dk2>
-        <a:srgbClr xmlns:mc="http://schemas.openxmlformats.org/markup-compatibility/2006" xmlns:a14="http://schemas.microsoft.com/office/drawing/2007/7/7/main" val="1F497D" mc:Ignorable=""/>
+        <a:srgbClr val="1F497D"/>
       </a:dk2>
       <a:lt2>
-        <a:srgbClr xmlns:mc="http://schemas.openxmlformats.org/markup-compatibility/2006" xmlns:a14="http://schemas.microsoft.com/office/drawing/2007/7/7/main" val="EEECE1" mc:Ignorable=""/>
+        <a:srgbClr val="EEECE1"/>
       </a:lt2>
       <a:accent1>
-        <a:srgbClr xmlns:mc="http://schemas.openxmlformats.org/markup-compatibility/2006" xmlns:a14="http://schemas.microsoft.com/office/drawing/2007/7/7/main" val="4F81BD" mc:Ignorable=""/>
+        <a:srgbClr val="4F81BD"/>
       </a:accent1>
       <a:accent2>
-        <a:srgbClr xmlns:mc="http://schemas.openxmlformats.org/markup-compatibility/2006" xmlns:a14="http://schemas.microsoft.com/office/drawing/2007/7/7/main" val="C0504D" mc:Ignorable=""/>
+        <a:srgbClr val="C0504D"/>
       </a:accent2>
       <a:accent3>
-        <a:srgbClr xmlns:mc="http://schemas.openxmlformats.org/markup-compatibility/2006" xmlns:a14="http://schemas.microsoft.com/office/drawing/2007/7/7/main" val="9BBB59" mc:Ignorable=""/>
+        <a:srgbClr val="9BBB59"/>
       </a:accent3>
       <a:accent4>
-        <a:srgbClr xmlns:mc="http://schemas.openxmlformats.org/markup-compatibility/2006" xmlns:a14="http://schemas.microsoft.com/office/drawing/2007/7/7/main" val="8064A2" mc:Ignorable=""/>
+        <a:srgbClr val="8064A2"/>
       </a:accent4>
       <a:accent5>
-        <a:srgbClr xmlns:mc="http://schemas.openxmlformats.org/markup-compatibility/2006" xmlns:a14="http://schemas.microsoft.com/office/drawing/2007/7/7/main" val="4BACC6" mc:Ignorable=""/>
+        <a:srgbClr val="4BACC6"/>
       </a:accent5>
       <a:accent6>
-        <a:srgbClr xmlns:mc="http://schemas.openxmlformats.org/markup-compatibility/2006" xmlns:a14="http://schemas.microsoft.com/office/drawing/2007/7/7/main" val="F79646" mc:Ignorable=""/>
+        <a:srgbClr val="F79646"/>
       </a:accent6>
       <a:hlink>
-        <a:srgbClr xmlns:mc="http://schemas.openxmlformats.org/markup-compatibility/2006" xmlns:a14="http://schemas.microsoft.com/office/drawing/2007/7/7/main" val="0000FF" mc:Ignorable=""/>
+        <a:srgbClr val="0000FF"/>
       </a:hlink>
       <a:folHlink>
-        <a:srgbClr xmlns:mc="http://schemas.openxmlformats.org/markup-compatibility/2006" xmlns:a14="http://schemas.microsoft.com/office/drawing/2007/7/7/main" val="800080" mc:Ignorable=""/>
+        <a:srgbClr val="800080"/>
       </a:folHlink>
     </a:clrScheme>
     <a:fontScheme name="Office">
@@ -18602,7 +18626,7 @@
         <a:effectStyle>
           <a:effectLst>
             <a:outerShdw blurRad="40000" dist="20000" dir="5400000" rotWithShape="0">
-              <a:srgbClr xmlns:mc="http://schemas.openxmlformats.org/markup-compatibility/2006" xmlns:a14="http://schemas.microsoft.com/office/drawing/2007/7/7/main" val="000000" mc:Ignorable="">
+              <a:srgbClr val="000000">
                 <a:alpha val="38000"/>
               </a:srgbClr>
             </a:outerShdw>
@@ -18611,7 +18635,7 @@
         <a:effectStyle>
           <a:effectLst>
             <a:outerShdw blurRad="40000" dist="23000" dir="5400000" rotWithShape="0">
-              <a:srgbClr xmlns:mc="http://schemas.openxmlformats.org/markup-compatibility/2006" xmlns:a14="http://schemas.microsoft.com/office/drawing/2007/7/7/main" val="000000" mc:Ignorable="">
+              <a:srgbClr val="000000">
                 <a:alpha val="35000"/>
               </a:srgbClr>
             </a:outerShdw>
@@ -18620,7 +18644,7 @@
         <a:effectStyle>
           <a:effectLst>
             <a:outerShdw blurRad="40000" dist="23000" dir="5400000" rotWithShape="0">
-              <a:srgbClr xmlns:mc="http://schemas.openxmlformats.org/markup-compatibility/2006" xmlns:a14="http://schemas.microsoft.com/office/drawing/2007/7/7/main" val="000000" mc:Ignorable="">
+              <a:srgbClr val="000000">
                 <a:alpha val="35000"/>
               </a:srgbClr>
             </a:outerShdw>

--- a/trunk/Project 1/Part 2/CS554_EuroTeam_Problem_Frames.pptx
+++ b/trunk/Project 1/Part 2/CS554_EuroTeam_Problem_Frames.pptx
@@ -355,7 +355,7 @@
               <a:pPr>
                 <a:defRPr/>
               </a:pPr>
-              <a:t>‹#›</a:t>
+              <a:t>‹N°›</a:t>
             </a:fld>
             <a:endParaRPr lang="fr-FR" altLang="ko-KR"/>
           </a:p>
@@ -364,7 +364,7 @@
     </p:spTree>
     <p:extLst>
       <p:ext uri="{BB962C8B-B14F-4D97-AF65-F5344CB8AC3E}">
-        <p14:creationId xmlns:p14="http://schemas.microsoft.com/office/powerpoint/2007/7/12/main" val="3216856891"/>
+        <p14:creationId xmlns="" xmlns:p14="http://schemas.microsoft.com/office/powerpoint/2007/7/12/main" val="3216856891"/>
       </p:ext>
     </p:extLst>
   </p:cSld>
@@ -660,7 +660,7 @@
               <a:pPr>
                 <a:defRPr/>
               </a:pPr>
-              <a:t>‹#›</a:t>
+              <a:t>‹N°›</a:t>
             </a:fld>
             <a:endParaRPr lang="fr-FR" altLang="ko-KR"/>
           </a:p>
@@ -669,7 +669,7 @@
     </p:spTree>
     <p:extLst>
       <p:ext uri="{BB962C8B-B14F-4D97-AF65-F5344CB8AC3E}">
-        <p14:creationId xmlns:p14="http://schemas.microsoft.com/office/powerpoint/2007/7/12/main" val="3483236166"/>
+        <p14:creationId xmlns="" xmlns:p14="http://schemas.microsoft.com/office/powerpoint/2007/7/12/main" val="3483236166"/>
       </p:ext>
     </p:extLst>
   </p:cSld>
@@ -872,7 +872,7 @@
             </a:pPr>
             <a:endParaRPr lang="ko-KR" altLang="ko-KR">
               <a:solidFill>
-                <a:srgbClr xmlns:mc="http://schemas.openxmlformats.org/markup-compatibility/2006" xmlns:a14="http://schemas.microsoft.com/office/drawing/2007/7/7/main" val="000000" mc:Ignorable=""/>
+                <a:srgbClr val="000000"/>
               </a:solidFill>
               <a:cs typeface="Arial" charset="0"/>
             </a:endParaRPr>
@@ -931,7 +931,7 @@
             </a:pPr>
             <a:endParaRPr lang="ko-KR" altLang="ko-KR">
               <a:solidFill>
-                <a:srgbClr xmlns:mc="http://schemas.openxmlformats.org/markup-compatibility/2006" xmlns:a14="http://schemas.microsoft.com/office/drawing/2007/7/7/main" val="000000" mc:Ignorable=""/>
+                <a:srgbClr val="000000"/>
               </a:solidFill>
               <a:cs typeface="Arial" charset="0"/>
             </a:endParaRPr>
@@ -992,7 +992,7 @@
             </a:pPr>
             <a:endParaRPr lang="ko-KR" altLang="ko-KR">
               <a:solidFill>
-                <a:srgbClr xmlns:mc="http://schemas.openxmlformats.org/markup-compatibility/2006" xmlns:a14="http://schemas.microsoft.com/office/drawing/2007/7/7/main" val="000000" mc:Ignorable=""/>
+                <a:srgbClr val="000000"/>
               </a:solidFill>
               <a:cs typeface="Arial" charset="0"/>
             </a:endParaRPr>
@@ -1389,7 +1389,7 @@
             </a:pPr>
             <a:endParaRPr lang="ko-KR" altLang="ko-KR">
               <a:solidFill>
-                <a:srgbClr xmlns:mc="http://schemas.openxmlformats.org/markup-compatibility/2006" xmlns:a14="http://schemas.microsoft.com/office/drawing/2007/7/7/main" val="000000" mc:Ignorable=""/>
+                <a:srgbClr val="000000"/>
               </a:solidFill>
               <a:cs typeface="Arial" charset="0"/>
             </a:endParaRPr>
@@ -1450,7 +1450,7 @@
             </a:pPr>
             <a:endParaRPr lang="ko-KR" altLang="ko-KR">
               <a:solidFill>
-                <a:srgbClr xmlns:mc="http://schemas.openxmlformats.org/markup-compatibility/2006" xmlns:a14="http://schemas.microsoft.com/office/drawing/2007/7/7/main" val="000000" mc:Ignorable=""/>
+                <a:srgbClr val="000000"/>
               </a:solidFill>
               <a:cs typeface="Arial" charset="0"/>
             </a:endParaRPr>
@@ -1547,7 +1547,7 @@
           <a:lstStyle>
             <a:lvl1pPr marL="0" indent="354013">
               <a:buClr>
-                <a:srgbClr xmlns:mc="http://schemas.openxmlformats.org/markup-compatibility/2006" xmlns:a14="http://schemas.microsoft.com/office/drawing/2007/7/7/main" val="DA7E18" mc:Ignorable=""/>
+                <a:srgbClr val="DA7E18"/>
               </a:buClr>
               <a:buSzPct val="120000"/>
               <a:buFont typeface="+mj-lt"/>
@@ -1556,7 +1556,7 @@
             </a:lvl1pPr>
             <a:lvl2pPr marL="633413" indent="354013">
               <a:buClr>
-                <a:srgbClr xmlns:mc="http://schemas.openxmlformats.org/markup-compatibility/2006" xmlns:a14="http://schemas.microsoft.com/office/drawing/2007/7/7/main" val="E5AB1B" mc:Ignorable=""/>
+                <a:srgbClr val="E5AB1B"/>
               </a:buClr>
               <a:buSzPct val="120000"/>
               <a:buFont typeface="+mj-lt"/>
@@ -1689,7 +1689,7 @@
             </a:pPr>
             <a:endParaRPr lang="ko-KR" altLang="ko-KR">
               <a:solidFill>
-                <a:srgbClr xmlns:mc="http://schemas.openxmlformats.org/markup-compatibility/2006" xmlns:a14="http://schemas.microsoft.com/office/drawing/2007/7/7/main" val="000000" mc:Ignorable=""/>
+                <a:srgbClr val="000000"/>
               </a:solidFill>
               <a:cs typeface="Arial" charset="0"/>
             </a:endParaRPr>
@@ -1722,7 +1722,7 @@
             </a:pPr>
             <a:endParaRPr lang="ko-KR" altLang="ko-KR" sz="1100" b="1">
               <a:solidFill>
-                <a:srgbClr xmlns:mc="http://schemas.openxmlformats.org/markup-compatibility/2006" xmlns:a14="http://schemas.microsoft.com/office/drawing/2007/7/7/main" val="A0A0A0" mc:Ignorable=""/>
+                <a:srgbClr val="A0A0A0"/>
               </a:solidFill>
               <a:latin typeface="Calibri" pitchFamily="34" charset="0"/>
             </a:endParaRPr>
@@ -1817,7 +1817,7 @@
           <a:lstStyle>
             <a:lvl1pPr marL="0" indent="354013">
               <a:buClr>
-                <a:srgbClr xmlns:mc="http://schemas.openxmlformats.org/markup-compatibility/2006" xmlns:a14="http://schemas.microsoft.com/office/drawing/2007/7/7/main" val="DA7E18" mc:Ignorable=""/>
+                <a:srgbClr val="DA7E18"/>
               </a:buClr>
               <a:buSzPct val="70000"/>
               <a:buFont typeface="Wingdings" pitchFamily="2" charset="2"/>
@@ -1826,7 +1826,7 @@
             </a:lvl1pPr>
             <a:lvl2pPr>
               <a:buClr>
-                <a:srgbClr xmlns:mc="http://schemas.openxmlformats.org/markup-compatibility/2006" xmlns:a14="http://schemas.microsoft.com/office/drawing/2007/7/7/main" val="E5AB1B" mc:Ignorable=""/>
+                <a:srgbClr val="E5AB1B"/>
               </a:buClr>
               <a:buSzPct val="70000"/>
               <a:buFont typeface="Wingdings" pitchFamily="2" charset="2"/>
@@ -1973,7 +1973,7 @@
             </a:pPr>
             <a:endParaRPr lang="ko-KR" altLang="ko-KR">
               <a:solidFill>
-                <a:srgbClr xmlns:mc="http://schemas.openxmlformats.org/markup-compatibility/2006" xmlns:a14="http://schemas.microsoft.com/office/drawing/2007/7/7/main" val="000000" mc:Ignorable=""/>
+                <a:srgbClr val="000000"/>
               </a:solidFill>
               <a:cs typeface="Arial" charset="0"/>
             </a:endParaRPr>
@@ -2032,7 +2032,7 @@
             </a:pPr>
             <a:endParaRPr lang="ko-KR" altLang="ko-KR">
               <a:solidFill>
-                <a:srgbClr xmlns:mc="http://schemas.openxmlformats.org/markup-compatibility/2006" xmlns:a14="http://schemas.microsoft.com/office/drawing/2007/7/7/main" val="000000" mc:Ignorable=""/>
+                <a:srgbClr val="000000"/>
               </a:solidFill>
               <a:cs typeface="Arial" charset="0"/>
             </a:endParaRPr>
@@ -2091,7 +2091,7 @@
             </a:pPr>
             <a:endParaRPr lang="ko-KR" altLang="ko-KR">
               <a:solidFill>
-                <a:srgbClr xmlns:mc="http://schemas.openxmlformats.org/markup-compatibility/2006" xmlns:a14="http://schemas.microsoft.com/office/drawing/2007/7/7/main" val="000000" mc:Ignorable=""/>
+                <a:srgbClr val="000000"/>
               </a:solidFill>
               <a:cs typeface="Arial" charset="0"/>
             </a:endParaRPr>
@@ -2124,7 +2124,7 @@
             </a:pPr>
             <a:endParaRPr lang="ko-KR" altLang="ko-KR" sz="1100" b="1">
               <a:solidFill>
-                <a:srgbClr xmlns:mc="http://schemas.openxmlformats.org/markup-compatibility/2006" xmlns:a14="http://schemas.microsoft.com/office/drawing/2007/7/7/main" val="A0A0A0" mc:Ignorable=""/>
+                <a:srgbClr val="A0A0A0"/>
               </a:solidFill>
               <a:latin typeface="Calibri" pitchFamily="34" charset="0"/>
             </a:endParaRPr>
@@ -2239,7 +2239,7 @@
             <a:r>
               <a:rPr lang="fr-FR" altLang="ko-KR" sz="900" dirty="0" smtClean="0">
                 <a:solidFill>
-                  <a:srgbClr xmlns:mc="http://schemas.openxmlformats.org/markup-compatibility/2006" xmlns:a14="http://schemas.microsoft.com/office/drawing/2007/7/7/main" val="7F7F7F" mc:Ignorable=""/>
+                  <a:srgbClr val="7F7F7F"/>
                 </a:solidFill>
                 <a:ea typeface="굴림" charset="-127"/>
               </a:rPr>
@@ -2248,7 +2248,7 @@
             <a:r>
               <a:rPr lang="fr-FR" altLang="ko-KR" sz="900" baseline="0" dirty="0" smtClean="0">
                 <a:solidFill>
-                  <a:srgbClr xmlns:mc="http://schemas.openxmlformats.org/markup-compatibility/2006" xmlns:a14="http://schemas.microsoft.com/office/drawing/2007/7/7/main" val="7F7F7F" mc:Ignorable=""/>
+                  <a:srgbClr val="7F7F7F"/>
                 </a:solidFill>
                 <a:ea typeface="굴림" charset="-127"/>
               </a:rPr>
@@ -2256,7 +2256,7 @@
             </a:r>
             <a:endParaRPr lang="fr-FR" altLang="ko-KR" sz="900" dirty="0">
               <a:solidFill>
-                <a:srgbClr xmlns:mc="http://schemas.openxmlformats.org/markup-compatibility/2006" xmlns:a14="http://schemas.microsoft.com/office/drawing/2007/7/7/main" val="7F7F7F" mc:Ignorable=""/>
+                <a:srgbClr val="7F7F7F"/>
               </a:solidFill>
               <a:ea typeface="굴림" charset="-127"/>
             </a:endParaRPr>
@@ -2322,7 +2322,7 @@
                 </a:spcAft>
                 <a:defRPr/>
               </a:pPr>
-              <a:t>‹#›</a:t>
+              <a:t>‹N°›</a:t>
             </a:fld>
             <a:r>
               <a:rPr lang="fr-FR" sz="1100" b="1" kern="0" dirty="0" smtClean="0">
@@ -2421,7 +2421,7 @@
             <a:r>
               <a:rPr lang="fr-FR" altLang="ko-KR" sz="1000" dirty="0" err="1" smtClean="0">
                 <a:solidFill>
-                  <a:srgbClr xmlns:mc="http://schemas.openxmlformats.org/markup-compatibility/2006" xmlns:a14="http://schemas.microsoft.com/office/drawing/2007/7/7/main" val="7F7F7F" mc:Ignorable=""/>
+                  <a:srgbClr val="7F7F7F"/>
                 </a:solidFill>
                 <a:latin typeface="Calibri" pitchFamily="34" charset="0"/>
                 <a:ea typeface="굴림" charset="-127"/>
@@ -2431,7 +2431,7 @@
             <a:r>
               <a:rPr lang="fr-FR" altLang="ko-KR" sz="1000" baseline="0" dirty="0" smtClean="0">
                 <a:solidFill>
-                  <a:srgbClr xmlns:mc="http://schemas.openxmlformats.org/markup-compatibility/2006" xmlns:a14="http://schemas.microsoft.com/office/drawing/2007/7/7/main" val="7F7F7F" mc:Ignorable=""/>
+                  <a:srgbClr val="7F7F7F"/>
                 </a:solidFill>
                 <a:latin typeface="Calibri" pitchFamily="34" charset="0"/>
                 <a:ea typeface="굴림" charset="-127"/>
@@ -2441,7 +2441,7 @@
             <a:r>
               <a:rPr lang="fr-FR" altLang="ko-KR" sz="1000" dirty="0" smtClean="0">
                 <a:solidFill>
-                  <a:srgbClr xmlns:mc="http://schemas.openxmlformats.org/markup-compatibility/2006" xmlns:a14="http://schemas.microsoft.com/office/drawing/2007/7/7/main" val="7F7F7F" mc:Ignorable=""/>
+                  <a:srgbClr val="7F7F7F"/>
                 </a:solidFill>
                 <a:latin typeface="Calibri" pitchFamily="34" charset="0"/>
                 <a:ea typeface="굴림" charset="-127"/>
@@ -2451,7 +2451,7 @@
             <a:r>
               <a:rPr lang="fr-FR" altLang="ko-KR" sz="1000" dirty="0">
                 <a:solidFill>
-                  <a:srgbClr xmlns:mc="http://schemas.openxmlformats.org/markup-compatibility/2006" xmlns:a14="http://schemas.microsoft.com/office/drawing/2007/7/7/main" val="7F7F7F" mc:Ignorable=""/>
+                  <a:srgbClr val="7F7F7F"/>
                 </a:solidFill>
                 <a:latin typeface="Calibri" pitchFamily="34" charset="0"/>
                 <a:ea typeface="굴림" charset="-127"/>
@@ -2460,7 +2460,7 @@
             </a:r>
             <a:endParaRPr lang="fr-FR" altLang="ko-KR" sz="900" dirty="0">
               <a:solidFill>
-                <a:srgbClr xmlns:mc="http://schemas.openxmlformats.org/markup-compatibility/2006" xmlns:a14="http://schemas.microsoft.com/office/drawing/2007/7/7/main" val="7F7F7F" mc:Ignorable=""/>
+                <a:srgbClr val="7F7F7F"/>
               </a:solidFill>
               <a:latin typeface="Calibri" pitchFamily="34" charset="0"/>
               <a:ea typeface="굴림" charset="-127"/>
@@ -2894,11 +2894,11 @@
             <a:r>
               <a:rPr altLang="ko-KR" dirty="0" smtClean="0">
                 <a:solidFill>
-                  <a:srgbClr xmlns:mc="http://schemas.openxmlformats.org/markup-compatibility/2006" xmlns:a14="http://schemas.microsoft.com/office/drawing/2007/7/7/main" val="C44F00" mc:Ignorable=""/>
+                  <a:srgbClr val="C44F00"/>
                 </a:solidFill>
                 <a:effectLst>
                   <a:outerShdw blurRad="38100" dist="38100" dir="2700000" algn="tl">
-                    <a:srgbClr xmlns:mc="http://schemas.openxmlformats.org/markup-compatibility/2006" xmlns:a14="http://schemas.microsoft.com/office/drawing/2007/7/7/main" val="C0C0C0" mc:Ignorable=""/>
+                    <a:srgbClr val="C0C0C0"/>
                   </a:outerShdw>
                 </a:effectLst>
                 <a:ea typeface="굴림" charset="-127"/>
@@ -2913,11 +2913,11 @@
             <a:r>
               <a:rPr altLang="ko-KR" dirty="0" smtClean="0">
                 <a:solidFill>
-                  <a:srgbClr xmlns:mc="http://schemas.openxmlformats.org/markup-compatibility/2006" xmlns:a14="http://schemas.microsoft.com/office/drawing/2007/7/7/main" val="595959" mc:Ignorable=""/>
+                  <a:srgbClr val="595959"/>
                 </a:solidFill>
                 <a:effectLst>
                   <a:outerShdw blurRad="38100" dist="38100" dir="2700000" algn="tl">
-                    <a:srgbClr xmlns:mc="http://schemas.openxmlformats.org/markup-compatibility/2006" xmlns:a14="http://schemas.microsoft.com/office/drawing/2007/7/7/main" val="C0C0C0" mc:Ignorable=""/>
+                    <a:srgbClr val="C0C0C0"/>
                   </a:outerShdw>
                 </a:effectLst>
                 <a:ea typeface="굴림" charset="-127"/>
@@ -2927,11 +2927,11 @@
             <a:r>
               <a:rPr altLang="ko-KR" dirty="0" err="1" smtClean="0">
                 <a:solidFill>
-                  <a:srgbClr xmlns:mc="http://schemas.openxmlformats.org/markup-compatibility/2006" xmlns:a14="http://schemas.microsoft.com/office/drawing/2007/7/7/main" val="595959" mc:Ignorable=""/>
+                  <a:srgbClr val="595959"/>
                 </a:solidFill>
                 <a:effectLst>
                   <a:outerShdw blurRad="38100" dist="38100" dir="2700000" algn="tl">
-                    <a:srgbClr xmlns:mc="http://schemas.openxmlformats.org/markup-compatibility/2006" xmlns:a14="http://schemas.microsoft.com/office/drawing/2007/7/7/main" val="C0C0C0" mc:Ignorable=""/>
+                    <a:srgbClr val="C0C0C0"/>
                   </a:outerShdw>
                 </a:effectLst>
                 <a:ea typeface="굴림" charset="-127"/>
@@ -2941,11 +2941,11 @@
             <a:r>
               <a:rPr altLang="ko-KR" dirty="0" smtClean="0">
                 <a:solidFill>
-                  <a:srgbClr xmlns:mc="http://schemas.openxmlformats.org/markup-compatibility/2006" xmlns:a14="http://schemas.microsoft.com/office/drawing/2007/7/7/main" val="595959" mc:Ignorable=""/>
+                  <a:srgbClr val="595959"/>
                 </a:solidFill>
                 <a:effectLst>
                   <a:outerShdw blurRad="38100" dist="38100" dir="2700000" algn="tl">
-                    <a:srgbClr xmlns:mc="http://schemas.openxmlformats.org/markup-compatibility/2006" xmlns:a14="http://schemas.microsoft.com/office/drawing/2007/7/7/main" val="C0C0C0" mc:Ignorable=""/>
+                    <a:srgbClr val="C0C0C0"/>
                   </a:outerShdw>
                 </a:effectLst>
                 <a:ea typeface="굴림" charset="-127"/>
@@ -2960,11 +2960,11 @@
             <a:r>
               <a:rPr altLang="ko-KR" dirty="0" smtClean="0">
                 <a:solidFill>
-                  <a:srgbClr xmlns:mc="http://schemas.openxmlformats.org/markup-compatibility/2006" xmlns:a14="http://schemas.microsoft.com/office/drawing/2007/7/7/main" val="595959" mc:Ignorable=""/>
+                  <a:srgbClr val="595959"/>
                 </a:solidFill>
                 <a:effectLst>
                   <a:outerShdw blurRad="38100" dist="38100" dir="2700000" algn="tl">
-                    <a:srgbClr xmlns:mc="http://schemas.openxmlformats.org/markup-compatibility/2006" xmlns:a14="http://schemas.microsoft.com/office/drawing/2007/7/7/main" val="C0C0C0" mc:Ignorable=""/>
+                    <a:srgbClr val="C0C0C0"/>
                   </a:outerShdw>
                 </a:effectLst>
                 <a:ea typeface="굴림" charset="-127"/>
@@ -2978,11 +2978,11 @@
             </a:pPr>
             <a:endParaRPr altLang="ko-KR" dirty="0" smtClean="0">
               <a:solidFill>
-                <a:srgbClr xmlns:mc="http://schemas.openxmlformats.org/markup-compatibility/2006" xmlns:a14="http://schemas.microsoft.com/office/drawing/2007/7/7/main" val="8F481E" mc:Ignorable=""/>
+                <a:srgbClr val="8F481E"/>
               </a:solidFill>
               <a:effectLst>
                 <a:outerShdw blurRad="38100" dist="38100" dir="2700000" algn="tl">
-                  <a:srgbClr xmlns:mc="http://schemas.openxmlformats.org/markup-compatibility/2006" xmlns:a14="http://schemas.microsoft.com/office/drawing/2007/7/7/main" val="C0C0C0" mc:Ignorable=""/>
+                  <a:srgbClr val="C0C0C0"/>
                 </a:outerShdw>
               </a:effectLst>
               <a:ea typeface="굴림" charset="-127"/>
@@ -3027,7 +3027,7 @@
                 </a:ln>
                 <a:effectLst>
                   <a:outerShdw blurRad="38100" dist="38100" dir="2700000" algn="tl">
-                    <a:srgbClr xmlns:mc="http://schemas.openxmlformats.org/markup-compatibility/2006" xmlns:a14="http://schemas.microsoft.com/office/drawing/2007/7/7/main" val="000000" mc:Ignorable="">
+                    <a:srgbClr val="000000">
                       <a:alpha val="43137"/>
                     </a:srgbClr>
                   </a:outerShdw>
@@ -3045,7 +3045,7 @@
                 </a:solidFill>
                 <a:effectLst>
                   <a:outerShdw blurRad="38100" dist="38100" dir="2700000" algn="tl">
-                    <a:srgbClr xmlns:mc="http://schemas.openxmlformats.org/markup-compatibility/2006" xmlns:a14="http://schemas.microsoft.com/office/drawing/2007/7/7/main" val="000000" mc:Ignorable="">
+                    <a:srgbClr val="000000">
                       <a:alpha val="43137"/>
                     </a:srgbClr>
                   </a:outerShdw>
@@ -3063,7 +3063,7 @@
                 </a:solidFill>
                 <a:effectLst>
                   <a:outerShdw blurRad="38100" dist="38100" dir="2700000" algn="tl">
-                    <a:srgbClr xmlns:mc="http://schemas.openxmlformats.org/markup-compatibility/2006" xmlns:a14="http://schemas.microsoft.com/office/drawing/2007/7/7/main" val="000000" mc:Ignorable="">
+                    <a:srgbClr val="000000">
                       <a:alpha val="43137"/>
                     </a:srgbClr>
                   </a:outerShdw>
@@ -3080,7 +3080,7 @@
                 </a:solidFill>
                 <a:effectLst>
                   <a:outerShdw blurRad="38100" dist="38100" dir="2700000" algn="tl">
-                    <a:srgbClr xmlns:mc="http://schemas.openxmlformats.org/markup-compatibility/2006" xmlns:a14="http://schemas.microsoft.com/office/drawing/2007/7/7/main" val="000000" mc:Ignorable="">
+                    <a:srgbClr val="000000">
                       <a:alpha val="43137"/>
                     </a:srgbClr>
                   </a:outerShdw>
@@ -3100,7 +3100,7 @@
                 </a:solidFill>
                 <a:effectLst>
                   <a:outerShdw blurRad="38100" dist="38100" dir="2700000" algn="tl">
-                    <a:srgbClr xmlns:mc="http://schemas.openxmlformats.org/markup-compatibility/2006" xmlns:a14="http://schemas.microsoft.com/office/drawing/2007/7/7/main" val="000000" mc:Ignorable="">
+                    <a:srgbClr val="000000">
                       <a:alpha val="43137"/>
                     </a:srgbClr>
                   </a:outerShdw>
@@ -3120,7 +3120,7 @@
                 </a:solidFill>
                 <a:effectLst>
                   <a:outerShdw blurRad="38100" dist="38100" dir="2700000" algn="tl">
-                    <a:srgbClr xmlns:mc="http://schemas.openxmlformats.org/markup-compatibility/2006" xmlns:a14="http://schemas.microsoft.com/office/drawing/2007/7/7/main" val="000000" mc:Ignorable="">
+                    <a:srgbClr val="000000">
                       <a:alpha val="43137"/>
                     </a:srgbClr>
                   </a:outerShdw>
@@ -3140,7 +3140,7 @@
                 </a:solidFill>
                 <a:effectLst>
                   <a:outerShdw blurRad="38100" dist="38100" dir="2700000" algn="tl">
-                    <a:srgbClr xmlns:mc="http://schemas.openxmlformats.org/markup-compatibility/2006" xmlns:a14="http://schemas.microsoft.com/office/drawing/2007/7/7/main" val="000000" mc:Ignorable="">
+                    <a:srgbClr val="000000">
                       <a:alpha val="43137"/>
                     </a:srgbClr>
                   </a:outerShdw>
@@ -3160,7 +3160,7 @@
                 </a:solidFill>
                 <a:effectLst>
                   <a:outerShdw blurRad="38100" dist="38100" dir="2700000" algn="tl">
-                    <a:srgbClr xmlns:mc="http://schemas.openxmlformats.org/markup-compatibility/2006" xmlns:a14="http://schemas.microsoft.com/office/drawing/2007/7/7/main" val="000000" mc:Ignorable="">
+                    <a:srgbClr val="000000">
                       <a:alpha val="43137"/>
                     </a:srgbClr>
                   </a:outerShdw>
@@ -3179,7 +3179,7 @@
               </a:solidFill>
               <a:effectLst>
                 <a:outerShdw blurRad="38100" dist="38100" dir="2700000" algn="tl">
-                  <a:srgbClr xmlns:mc="http://schemas.openxmlformats.org/markup-compatibility/2006" xmlns:a14="http://schemas.microsoft.com/office/drawing/2007/7/7/main" val="000000" mc:Ignorable="">
+                  <a:srgbClr val="000000">
                     <a:alpha val="43137"/>
                   </a:srgbClr>
                 </a:outerShdw>
@@ -3249,7 +3249,7 @@
             </a:avLst>
           </a:prstGeom>
           <a:solidFill>
-            <a:srgbClr xmlns:mc="http://schemas.openxmlformats.org/markup-compatibility/2006" xmlns:a14="http://schemas.microsoft.com/office/drawing/2007/7/7/main" val="FFFFFF" mc:Ignorable="">
+            <a:srgbClr val="FFFFFF">
               <a:shade val="85000"/>
             </a:srgbClr>
           </a:solidFill>
@@ -3287,7 +3287,7 @@
             </a:avLst>
           </a:prstGeom>
           <a:solidFill>
-            <a:srgbClr xmlns:mc="http://schemas.openxmlformats.org/markup-compatibility/2006" xmlns:a14="http://schemas.microsoft.com/office/drawing/2007/7/7/main" val="FFFFFF" mc:Ignorable="">
+            <a:srgbClr val="FFFFFF">
               <a:shade val="85000"/>
             </a:srgbClr>
           </a:solidFill>
@@ -3342,7 +3342,7 @@
               <a:rPr lang="fr-FR" sz="2400" b="1" dirty="0" smtClean="0">
                 <a:effectLst>
                   <a:outerShdw blurRad="38100" dist="38100" dir="2700000" algn="tl">
-                    <a:srgbClr xmlns:mc="http://schemas.openxmlformats.org/markup-compatibility/2006" xmlns:a14="http://schemas.microsoft.com/office/drawing/2007/7/7/main" val="000000" mc:Ignorable="">
+                    <a:srgbClr val="000000">
                       <a:alpha val="43137"/>
                     </a:srgbClr>
                   </a:outerShdw>
@@ -3369,7 +3369,7 @@
   <p:timing>
     <p:tnLst>
       <p:par>
-        <p:cTn xmlns:p14="http://schemas.microsoft.com/office/powerpoint/2007/7/12/main" id="1" dur="indefinite" restart="never" nodeType="tmRoot"/>
+        <p:cTn id="1" dur="indefinite" restart="never" nodeType="tmRoot"/>
       </p:par>
     </p:tnLst>
   </p:timing>
@@ -4039,7 +4039,7 @@
                 <a:spcPct val="0"/>
               </a:spcAft>
               <a:buClr>
-                <a:srgbClr xmlns:mc="http://schemas.openxmlformats.org/markup-compatibility/2006" xmlns:a14="http://schemas.microsoft.com/office/drawing/2007/7/7/main" val="DA7E18" mc:Ignorable=""/>
+                <a:srgbClr val="DA7E18"/>
               </a:buClr>
               <a:buSzPct val="70000"/>
               <a:buFont typeface="Wingdings" pitchFamily="2" charset="2"/>
@@ -4061,7 +4061,7 @@
                 <a:spcPct val="0"/>
               </a:spcAft>
               <a:buClr>
-                <a:srgbClr xmlns:mc="http://schemas.openxmlformats.org/markup-compatibility/2006" xmlns:a14="http://schemas.microsoft.com/office/drawing/2007/7/7/main" val="E5AB1B" mc:Ignorable=""/>
+                <a:srgbClr val="E5AB1B"/>
               </a:buClr>
               <a:buSzPct val="70000"/>
               <a:buFont typeface="Wingdings" pitchFamily="2" charset="2"/>
@@ -4528,7 +4528,7 @@
                 <a:spcPct val="0"/>
               </a:spcAft>
               <a:buClr>
-                <a:srgbClr xmlns:mc="http://schemas.openxmlformats.org/markup-compatibility/2006" xmlns:a14="http://schemas.microsoft.com/office/drawing/2007/7/7/main" val="DA7E18" mc:Ignorable=""/>
+                <a:srgbClr val="DA7E18"/>
               </a:buClr>
               <a:buSzPct val="70000"/>
               <a:buFont typeface="Wingdings" pitchFamily="2" charset="2"/>
@@ -4550,7 +4550,7 @@
                 <a:spcPct val="0"/>
               </a:spcAft>
               <a:buClr>
-                <a:srgbClr xmlns:mc="http://schemas.openxmlformats.org/markup-compatibility/2006" xmlns:a14="http://schemas.microsoft.com/office/drawing/2007/7/7/main" val="E5AB1B" mc:Ignorable=""/>
+                <a:srgbClr val="E5AB1B"/>
               </a:buClr>
               <a:buSzPct val="70000"/>
               <a:buFont typeface="Wingdings" pitchFamily="2" charset="2"/>
@@ -4730,7 +4730,7 @@
                 <a:spcPct val="0"/>
               </a:spcAft>
               <a:buClr>
-                <a:srgbClr xmlns:mc="http://schemas.openxmlformats.org/markup-compatibility/2006" xmlns:a14="http://schemas.microsoft.com/office/drawing/2007/7/7/main" val="DA7E18" mc:Ignorable=""/>
+                <a:srgbClr val="DA7E18"/>
               </a:buClr>
               <a:buSzPct val="70000"/>
               <a:buFont typeface="Wingdings" pitchFamily="2" charset="2"/>
@@ -4752,7 +4752,7 @@
                 <a:spcPct val="0"/>
               </a:spcAft>
               <a:buClr>
-                <a:srgbClr xmlns:mc="http://schemas.openxmlformats.org/markup-compatibility/2006" xmlns:a14="http://schemas.microsoft.com/office/drawing/2007/7/7/main" val="E5AB1B" mc:Ignorable=""/>
+                <a:srgbClr val="E5AB1B"/>
               </a:buClr>
               <a:buSzPct val="70000"/>
               <a:buFont typeface="Wingdings" pitchFamily="2" charset="2"/>
@@ -5109,7 +5109,7 @@
                 </a:solidFill>
                 <a:effectLst>
                   <a:outerShdw blurRad="38100" dist="38100" dir="2700000" algn="tl">
-                    <a:srgbClr xmlns:mc="http://schemas.openxmlformats.org/markup-compatibility/2006" xmlns:a14="http://schemas.microsoft.com/office/drawing/2007/7/7/main" val="000000" mc:Ignorable="">
+                    <a:srgbClr val="000000">
                       <a:alpha val="43137"/>
                     </a:srgbClr>
                   </a:outerShdw>
@@ -5153,10 +5153,251 @@
           </a:p>
         </p:txBody>
       </p:sp>
+      <p:sp>
+        <p:nvSpPr>
+          <p:cNvPr id="29" name="ZoneTexte 28"/>
+          <p:cNvSpPr txBox="1"/>
+          <p:nvPr/>
+        </p:nvSpPr>
+        <p:spPr>
+          <a:xfrm>
+            <a:off x="-32" y="0"/>
+            <a:ext cx="1928812" cy="276225"/>
+          </a:xfrm>
+          <a:prstGeom prst="rect">
+            <a:avLst/>
+          </a:prstGeom>
+          <a:noFill/>
+        </p:spPr>
+        <p:txBody>
+          <a:bodyPr>
+            <a:spAutoFit/>
+          </a:bodyPr>
+          <a:lstStyle/>
+          <a:p>
+            <a:pPr algn="ctr" fontAlgn="auto">
+              <a:spcBef>
+                <a:spcPct val="20000"/>
+              </a:spcBef>
+              <a:spcAft>
+                <a:spcPts val="0"/>
+              </a:spcAft>
+              <a:defRPr/>
+            </a:pPr>
+            <a:r>
+              <a:rPr lang="fr-FR" sz="1200" kern="0" dirty="0" smtClean="0">
+                <a:solidFill>
+                  <a:schemeClr val="bg1">
+                    <a:lumMod val="50000"/>
+                  </a:schemeClr>
+                </a:solidFill>
+                <a:latin typeface="+mn-lt"/>
+                <a:cs typeface="+mn-cs"/>
+              </a:rPr>
+              <a:t>Domain identification</a:t>
+            </a:r>
+            <a:endParaRPr lang="fr-FR" sz="1200" kern="0" dirty="0">
+              <a:solidFill>
+                <a:schemeClr val="bg1">
+                  <a:lumMod val="50000"/>
+                </a:schemeClr>
+              </a:solidFill>
+              <a:latin typeface="+mn-lt"/>
+              <a:cs typeface="+mn-cs"/>
+            </a:endParaRPr>
+          </a:p>
+        </p:txBody>
+      </p:sp>
+      <p:sp>
+        <p:nvSpPr>
+          <p:cNvPr id="30" name="ZoneTexte 29"/>
+          <p:cNvSpPr txBox="1"/>
+          <p:nvPr/>
+        </p:nvSpPr>
+        <p:spPr>
+          <a:xfrm>
+            <a:off x="2143122" y="0"/>
+            <a:ext cx="1928812" cy="276225"/>
+          </a:xfrm>
+          <a:prstGeom prst="rect">
+            <a:avLst/>
+          </a:prstGeom>
+          <a:noFill/>
+        </p:spPr>
+        <p:txBody>
+          <a:bodyPr>
+            <a:spAutoFit/>
+          </a:bodyPr>
+          <a:lstStyle/>
+          <a:p>
+            <a:pPr algn="ctr" fontAlgn="auto">
+              <a:spcBef>
+                <a:spcPct val="20000"/>
+              </a:spcBef>
+              <a:spcAft>
+                <a:spcPts val="0"/>
+              </a:spcAft>
+              <a:defRPr/>
+            </a:pPr>
+            <a:r>
+              <a:rPr lang="fr-FR" sz="1200" kern="0" dirty="0" err="1" smtClean="0">
+                <a:solidFill>
+                  <a:schemeClr val="bg1">
+                    <a:lumMod val="50000"/>
+                  </a:schemeClr>
+                </a:solidFill>
+                <a:latin typeface="+mn-lt"/>
+                <a:cs typeface="+mn-cs"/>
+              </a:rPr>
+              <a:t>Requirements</a:t>
+            </a:r>
+            <a:endParaRPr lang="fr-FR" sz="1200" kern="0" dirty="0">
+              <a:solidFill>
+                <a:schemeClr val="bg1">
+                  <a:lumMod val="50000"/>
+                </a:schemeClr>
+              </a:solidFill>
+              <a:latin typeface="+mn-lt"/>
+              <a:cs typeface="+mn-cs"/>
+            </a:endParaRPr>
+          </a:p>
+        </p:txBody>
+      </p:sp>
+      <p:sp>
+        <p:nvSpPr>
+          <p:cNvPr id="31" name="ZoneTexte 30"/>
+          <p:cNvSpPr txBox="1"/>
+          <p:nvPr/>
+        </p:nvSpPr>
+        <p:spPr>
+          <a:xfrm>
+            <a:off x="4214818" y="0"/>
+            <a:ext cx="2571760" cy="276999"/>
+          </a:xfrm>
+          <a:prstGeom prst="rect">
+            <a:avLst/>
+          </a:prstGeom>
+          <a:noFill/>
+        </p:spPr>
+        <p:txBody>
+          <a:bodyPr wrap="square">
+            <a:spAutoFit/>
+          </a:bodyPr>
+          <a:lstStyle/>
+          <a:p>
+            <a:pPr algn="ctr" fontAlgn="auto">
+              <a:spcBef>
+                <a:spcPct val="20000"/>
+              </a:spcBef>
+              <a:spcAft>
+                <a:spcPts val="0"/>
+              </a:spcAft>
+              <a:defRPr/>
+            </a:pPr>
+            <a:r>
+              <a:rPr lang="fr-FR" sz="1200" kern="0" dirty="0" err="1" smtClean="0">
+                <a:solidFill>
+                  <a:schemeClr val="bg1">
+                    <a:lumMod val="50000"/>
+                  </a:schemeClr>
+                </a:solidFill>
+                <a:latin typeface="+mn-lt"/>
+                <a:cs typeface="+mn-cs"/>
+              </a:rPr>
+              <a:t>Context</a:t>
+            </a:r>
+            <a:r>
+              <a:rPr lang="fr-FR" sz="1200" kern="0" dirty="0" smtClean="0">
+                <a:solidFill>
+                  <a:schemeClr val="bg1">
+                    <a:lumMod val="50000"/>
+                  </a:schemeClr>
+                </a:solidFill>
+                <a:latin typeface="+mn-lt"/>
+                <a:cs typeface="+mn-cs"/>
+              </a:rPr>
+              <a:t> </a:t>
+            </a:r>
+            <a:r>
+              <a:rPr lang="fr-FR" sz="1200" kern="0" dirty="0" err="1" smtClean="0">
+                <a:solidFill>
+                  <a:schemeClr val="bg1">
+                    <a:lumMod val="50000"/>
+                  </a:schemeClr>
+                </a:solidFill>
+                <a:latin typeface="+mn-lt"/>
+                <a:cs typeface="+mn-cs"/>
+              </a:rPr>
+              <a:t>diagram</a:t>
+            </a:r>
+            <a:endParaRPr lang="fr-FR" sz="1200" kern="0" dirty="0">
+              <a:solidFill>
+                <a:schemeClr val="bg1">
+                  <a:lumMod val="50000"/>
+                </a:schemeClr>
+              </a:solidFill>
+              <a:latin typeface="+mn-lt"/>
+              <a:cs typeface="+mn-cs"/>
+            </a:endParaRPr>
+          </a:p>
+        </p:txBody>
+      </p:sp>
+      <p:sp>
+        <p:nvSpPr>
+          <p:cNvPr id="32" name="ZoneTexte 31"/>
+          <p:cNvSpPr txBox="1"/>
+          <p:nvPr/>
+        </p:nvSpPr>
+        <p:spPr>
+          <a:xfrm>
+            <a:off x="6572277" y="0"/>
+            <a:ext cx="1928813" cy="276225"/>
+          </a:xfrm>
+          <a:prstGeom prst="rect">
+            <a:avLst/>
+          </a:prstGeom>
+          <a:noFill/>
+        </p:spPr>
+        <p:txBody>
+          <a:bodyPr>
+            <a:spAutoFit/>
+          </a:bodyPr>
+          <a:lstStyle/>
+          <a:p>
+            <a:pPr algn="ctr" fontAlgn="auto">
+              <a:spcBef>
+                <a:spcPct val="20000"/>
+              </a:spcBef>
+              <a:spcAft>
+                <a:spcPts val="0"/>
+              </a:spcAft>
+              <a:defRPr/>
+            </a:pPr>
+            <a:r>
+              <a:rPr lang="fr-FR" sz="1200" b="1" u="sng" kern="0" dirty="0" err="1" smtClean="0">
+                <a:latin typeface="+mn-lt"/>
+                <a:cs typeface="+mn-cs"/>
+              </a:rPr>
+              <a:t>Problem</a:t>
+            </a:r>
+            <a:r>
+              <a:rPr lang="fr-FR" sz="1200" b="1" u="sng" kern="0" dirty="0" smtClean="0">
+                <a:latin typeface="+mn-lt"/>
+                <a:cs typeface="+mn-cs"/>
+              </a:rPr>
+              <a:t> frames</a:t>
+            </a:r>
+            <a:endParaRPr lang="fr-FR" sz="1200" b="1" u="sng" kern="0" dirty="0">
+              <a:latin typeface="+mn-lt"/>
+              <a:cs typeface="+mn-cs"/>
+            </a:endParaRPr>
+          </a:p>
+        </p:txBody>
+      </p:sp>
     </p:spTree>
     <p:extLst>
       <p:ext uri="{BB962C8B-B14F-4D97-AF65-F5344CB8AC3E}">
-        <p14:creationId xmlns:p14="http://schemas.microsoft.com/office/powerpoint/2007/7/12/main" val="2066140013"/>
+        <p14:creationId xmlns="" xmlns:p14="http://schemas.microsoft.com/office/powerpoint/2007/7/12/main" val="2066140013"/>
       </p:ext>
     </p:extLst>
   </p:cSld>
@@ -5166,7 +5407,7 @@
   <p:timing>
     <p:tnLst>
       <p:par>
-        <p:cTn xmlns:p14="http://schemas.microsoft.com/office/powerpoint/2007/7/12/main" id="1" dur="indefinite" restart="never" nodeType="tmRoot"/>
+        <p:cTn id="1" dur="indefinite" restart="never" nodeType="tmRoot"/>
       </p:par>
     </p:tnLst>
   </p:timing>
@@ -5436,10 +5677,251 @@
           </a:p>
         </p:txBody>
       </p:sp>
+      <p:sp>
+        <p:nvSpPr>
+          <p:cNvPr id="4" name="ZoneTexte 3"/>
+          <p:cNvSpPr txBox="1"/>
+          <p:nvPr/>
+        </p:nvSpPr>
+        <p:spPr>
+          <a:xfrm>
+            <a:off x="-32" y="0"/>
+            <a:ext cx="1928812" cy="276225"/>
+          </a:xfrm>
+          <a:prstGeom prst="rect">
+            <a:avLst/>
+          </a:prstGeom>
+          <a:noFill/>
+        </p:spPr>
+        <p:txBody>
+          <a:bodyPr>
+            <a:spAutoFit/>
+          </a:bodyPr>
+          <a:lstStyle/>
+          <a:p>
+            <a:pPr algn="ctr" fontAlgn="auto">
+              <a:spcBef>
+                <a:spcPct val="20000"/>
+              </a:spcBef>
+              <a:spcAft>
+                <a:spcPts val="0"/>
+              </a:spcAft>
+              <a:defRPr/>
+            </a:pPr>
+            <a:r>
+              <a:rPr lang="fr-FR" sz="1200" kern="0" dirty="0" smtClean="0">
+                <a:solidFill>
+                  <a:schemeClr val="bg1">
+                    <a:lumMod val="50000"/>
+                  </a:schemeClr>
+                </a:solidFill>
+                <a:latin typeface="+mn-lt"/>
+                <a:cs typeface="+mn-cs"/>
+              </a:rPr>
+              <a:t>Domain identification</a:t>
+            </a:r>
+            <a:endParaRPr lang="fr-FR" sz="1200" kern="0" dirty="0">
+              <a:solidFill>
+                <a:schemeClr val="bg1">
+                  <a:lumMod val="50000"/>
+                </a:schemeClr>
+              </a:solidFill>
+              <a:latin typeface="+mn-lt"/>
+              <a:cs typeface="+mn-cs"/>
+            </a:endParaRPr>
+          </a:p>
+        </p:txBody>
+      </p:sp>
+      <p:sp>
+        <p:nvSpPr>
+          <p:cNvPr id="5" name="ZoneTexte 4"/>
+          <p:cNvSpPr txBox="1"/>
+          <p:nvPr/>
+        </p:nvSpPr>
+        <p:spPr>
+          <a:xfrm>
+            <a:off x="2143122" y="0"/>
+            <a:ext cx="1928812" cy="276225"/>
+          </a:xfrm>
+          <a:prstGeom prst="rect">
+            <a:avLst/>
+          </a:prstGeom>
+          <a:noFill/>
+        </p:spPr>
+        <p:txBody>
+          <a:bodyPr>
+            <a:spAutoFit/>
+          </a:bodyPr>
+          <a:lstStyle/>
+          <a:p>
+            <a:pPr algn="ctr" fontAlgn="auto">
+              <a:spcBef>
+                <a:spcPct val="20000"/>
+              </a:spcBef>
+              <a:spcAft>
+                <a:spcPts val="0"/>
+              </a:spcAft>
+              <a:defRPr/>
+            </a:pPr>
+            <a:r>
+              <a:rPr lang="fr-FR" sz="1200" kern="0" dirty="0" err="1" smtClean="0">
+                <a:solidFill>
+                  <a:schemeClr val="bg1">
+                    <a:lumMod val="50000"/>
+                  </a:schemeClr>
+                </a:solidFill>
+                <a:latin typeface="+mn-lt"/>
+                <a:cs typeface="+mn-cs"/>
+              </a:rPr>
+              <a:t>Requirements</a:t>
+            </a:r>
+            <a:endParaRPr lang="fr-FR" sz="1200" kern="0" dirty="0">
+              <a:solidFill>
+                <a:schemeClr val="bg1">
+                  <a:lumMod val="50000"/>
+                </a:schemeClr>
+              </a:solidFill>
+              <a:latin typeface="+mn-lt"/>
+              <a:cs typeface="+mn-cs"/>
+            </a:endParaRPr>
+          </a:p>
+        </p:txBody>
+      </p:sp>
+      <p:sp>
+        <p:nvSpPr>
+          <p:cNvPr id="6" name="ZoneTexte 5"/>
+          <p:cNvSpPr txBox="1"/>
+          <p:nvPr/>
+        </p:nvSpPr>
+        <p:spPr>
+          <a:xfrm>
+            <a:off x="4214818" y="0"/>
+            <a:ext cx="2571760" cy="276999"/>
+          </a:xfrm>
+          <a:prstGeom prst="rect">
+            <a:avLst/>
+          </a:prstGeom>
+          <a:noFill/>
+        </p:spPr>
+        <p:txBody>
+          <a:bodyPr wrap="square">
+            <a:spAutoFit/>
+          </a:bodyPr>
+          <a:lstStyle/>
+          <a:p>
+            <a:pPr algn="ctr" fontAlgn="auto">
+              <a:spcBef>
+                <a:spcPct val="20000"/>
+              </a:spcBef>
+              <a:spcAft>
+                <a:spcPts val="0"/>
+              </a:spcAft>
+              <a:defRPr/>
+            </a:pPr>
+            <a:r>
+              <a:rPr lang="fr-FR" sz="1200" kern="0" dirty="0" err="1" smtClean="0">
+                <a:solidFill>
+                  <a:schemeClr val="bg1">
+                    <a:lumMod val="50000"/>
+                  </a:schemeClr>
+                </a:solidFill>
+                <a:latin typeface="+mn-lt"/>
+                <a:cs typeface="+mn-cs"/>
+              </a:rPr>
+              <a:t>Context</a:t>
+            </a:r>
+            <a:r>
+              <a:rPr lang="fr-FR" sz="1200" kern="0" dirty="0" smtClean="0">
+                <a:solidFill>
+                  <a:schemeClr val="bg1">
+                    <a:lumMod val="50000"/>
+                  </a:schemeClr>
+                </a:solidFill>
+                <a:latin typeface="+mn-lt"/>
+                <a:cs typeface="+mn-cs"/>
+              </a:rPr>
+              <a:t> </a:t>
+            </a:r>
+            <a:r>
+              <a:rPr lang="fr-FR" sz="1200" kern="0" dirty="0" err="1" smtClean="0">
+                <a:solidFill>
+                  <a:schemeClr val="bg1">
+                    <a:lumMod val="50000"/>
+                  </a:schemeClr>
+                </a:solidFill>
+                <a:latin typeface="+mn-lt"/>
+                <a:cs typeface="+mn-cs"/>
+              </a:rPr>
+              <a:t>diagram</a:t>
+            </a:r>
+            <a:endParaRPr lang="fr-FR" sz="1200" kern="0" dirty="0">
+              <a:solidFill>
+                <a:schemeClr val="bg1">
+                  <a:lumMod val="50000"/>
+                </a:schemeClr>
+              </a:solidFill>
+              <a:latin typeface="+mn-lt"/>
+              <a:cs typeface="+mn-cs"/>
+            </a:endParaRPr>
+          </a:p>
+        </p:txBody>
+      </p:sp>
+      <p:sp>
+        <p:nvSpPr>
+          <p:cNvPr id="7" name="ZoneTexte 6"/>
+          <p:cNvSpPr txBox="1"/>
+          <p:nvPr/>
+        </p:nvSpPr>
+        <p:spPr>
+          <a:xfrm>
+            <a:off x="6572277" y="0"/>
+            <a:ext cx="1928813" cy="276225"/>
+          </a:xfrm>
+          <a:prstGeom prst="rect">
+            <a:avLst/>
+          </a:prstGeom>
+          <a:noFill/>
+        </p:spPr>
+        <p:txBody>
+          <a:bodyPr>
+            <a:spAutoFit/>
+          </a:bodyPr>
+          <a:lstStyle/>
+          <a:p>
+            <a:pPr algn="ctr" fontAlgn="auto">
+              <a:spcBef>
+                <a:spcPct val="20000"/>
+              </a:spcBef>
+              <a:spcAft>
+                <a:spcPts val="0"/>
+              </a:spcAft>
+              <a:defRPr/>
+            </a:pPr>
+            <a:r>
+              <a:rPr lang="fr-FR" sz="1200" b="1" u="sng" kern="0" dirty="0" err="1" smtClean="0">
+                <a:latin typeface="+mn-lt"/>
+                <a:cs typeface="+mn-cs"/>
+              </a:rPr>
+              <a:t>Problem</a:t>
+            </a:r>
+            <a:r>
+              <a:rPr lang="fr-FR" sz="1200" b="1" u="sng" kern="0" dirty="0" smtClean="0">
+                <a:latin typeface="+mn-lt"/>
+                <a:cs typeface="+mn-cs"/>
+              </a:rPr>
+              <a:t> frames</a:t>
+            </a:r>
+            <a:endParaRPr lang="fr-FR" sz="1200" b="1" u="sng" kern="0" dirty="0">
+              <a:latin typeface="+mn-lt"/>
+              <a:cs typeface="+mn-cs"/>
+            </a:endParaRPr>
+          </a:p>
+        </p:txBody>
+      </p:sp>
     </p:spTree>
     <p:extLst>
       <p:ext uri="{BB962C8B-B14F-4D97-AF65-F5344CB8AC3E}">
-        <p14:creationId xmlns:p14="http://schemas.microsoft.com/office/powerpoint/2007/7/12/main" val="3819616267"/>
+        <p14:creationId xmlns="" xmlns:p14="http://schemas.microsoft.com/office/powerpoint/2007/7/12/main" val="3819616267"/>
       </p:ext>
     </p:extLst>
   </p:cSld>
@@ -5449,7 +5931,7 @@
   <p:timing>
     <p:tnLst>
       <p:par>
-        <p:cTn xmlns:p14="http://schemas.microsoft.com/office/powerpoint/2007/7/12/main" id="1" dur="indefinite" restart="never" nodeType="tmRoot"/>
+        <p:cTn id="1" dur="indefinite" restart="never" nodeType="tmRoot"/>
       </p:par>
     </p:tnLst>
   </p:timing>
@@ -6028,7 +6510,7 @@
                 <a:spcPct val="0"/>
               </a:spcAft>
               <a:buClr>
-                <a:srgbClr xmlns:mc="http://schemas.openxmlformats.org/markup-compatibility/2006" xmlns:a14="http://schemas.microsoft.com/office/drawing/2007/7/7/main" val="DA7E18" mc:Ignorable=""/>
+                <a:srgbClr val="DA7E18"/>
               </a:buClr>
               <a:buSzPct val="70000"/>
               <a:buFont typeface="Wingdings" pitchFamily="2" charset="2"/>
@@ -6050,7 +6532,7 @@
                 <a:spcPct val="0"/>
               </a:spcAft>
               <a:buClr>
-                <a:srgbClr xmlns:mc="http://schemas.openxmlformats.org/markup-compatibility/2006" xmlns:a14="http://schemas.microsoft.com/office/drawing/2007/7/7/main" val="E5AB1B" mc:Ignorable=""/>
+                <a:srgbClr val="E5AB1B"/>
               </a:buClr>
               <a:buSzPct val="70000"/>
               <a:buFont typeface="Wingdings" pitchFamily="2" charset="2"/>
@@ -6496,7 +6978,7 @@
                 <a:spcPct val="0"/>
               </a:spcAft>
               <a:buClr>
-                <a:srgbClr xmlns:mc="http://schemas.openxmlformats.org/markup-compatibility/2006" xmlns:a14="http://schemas.microsoft.com/office/drawing/2007/7/7/main" val="DA7E18" mc:Ignorable=""/>
+                <a:srgbClr val="DA7E18"/>
               </a:buClr>
               <a:buSzPct val="70000"/>
               <a:buFont typeface="Wingdings" pitchFamily="2" charset="2"/>
@@ -6518,7 +7000,7 @@
                 <a:spcPct val="0"/>
               </a:spcAft>
               <a:buClr>
-                <a:srgbClr xmlns:mc="http://schemas.openxmlformats.org/markup-compatibility/2006" xmlns:a14="http://schemas.microsoft.com/office/drawing/2007/7/7/main" val="E5AB1B" mc:Ignorable=""/>
+                <a:srgbClr val="E5AB1B"/>
               </a:buClr>
               <a:buSzPct val="70000"/>
               <a:buFont typeface="Wingdings" pitchFamily="2" charset="2"/>
@@ -6698,7 +7180,7 @@
                 <a:spcPct val="0"/>
               </a:spcAft>
               <a:buClr>
-                <a:srgbClr xmlns:mc="http://schemas.openxmlformats.org/markup-compatibility/2006" xmlns:a14="http://schemas.microsoft.com/office/drawing/2007/7/7/main" val="DA7E18" mc:Ignorable=""/>
+                <a:srgbClr val="DA7E18"/>
               </a:buClr>
               <a:buSzPct val="70000"/>
               <a:buFont typeface="Wingdings" pitchFamily="2" charset="2"/>
@@ -6720,7 +7202,7 @@
                 <a:spcPct val="0"/>
               </a:spcAft>
               <a:buClr>
-                <a:srgbClr xmlns:mc="http://schemas.openxmlformats.org/markup-compatibility/2006" xmlns:a14="http://schemas.microsoft.com/office/drawing/2007/7/7/main" val="E5AB1B" mc:Ignorable=""/>
+                <a:srgbClr val="E5AB1B"/>
               </a:buClr>
               <a:buSzPct val="70000"/>
               <a:buFont typeface="Wingdings" pitchFamily="2" charset="2"/>
@@ -7035,7 +7517,7 @@
                 </a:solidFill>
                 <a:effectLst>
                   <a:outerShdw blurRad="38100" dist="38100" dir="2700000" algn="tl">
-                    <a:srgbClr xmlns:mc="http://schemas.openxmlformats.org/markup-compatibility/2006" xmlns:a14="http://schemas.microsoft.com/office/drawing/2007/7/7/main" val="000000" mc:Ignorable="">
+                    <a:srgbClr val="000000">
                       <a:alpha val="43137"/>
                     </a:srgbClr>
                   </a:outerShdw>
@@ -7079,10 +7561,251 @@
           </a:p>
         </p:txBody>
       </p:sp>
+      <p:sp>
+        <p:nvSpPr>
+          <p:cNvPr id="29" name="ZoneTexte 28"/>
+          <p:cNvSpPr txBox="1"/>
+          <p:nvPr/>
+        </p:nvSpPr>
+        <p:spPr>
+          <a:xfrm>
+            <a:off x="-32" y="0"/>
+            <a:ext cx="1928812" cy="276225"/>
+          </a:xfrm>
+          <a:prstGeom prst="rect">
+            <a:avLst/>
+          </a:prstGeom>
+          <a:noFill/>
+        </p:spPr>
+        <p:txBody>
+          <a:bodyPr>
+            <a:spAutoFit/>
+          </a:bodyPr>
+          <a:lstStyle/>
+          <a:p>
+            <a:pPr algn="ctr" fontAlgn="auto">
+              <a:spcBef>
+                <a:spcPct val="20000"/>
+              </a:spcBef>
+              <a:spcAft>
+                <a:spcPts val="0"/>
+              </a:spcAft>
+              <a:defRPr/>
+            </a:pPr>
+            <a:r>
+              <a:rPr lang="fr-FR" sz="1200" kern="0" dirty="0" smtClean="0">
+                <a:solidFill>
+                  <a:schemeClr val="bg1">
+                    <a:lumMod val="50000"/>
+                  </a:schemeClr>
+                </a:solidFill>
+                <a:latin typeface="+mn-lt"/>
+                <a:cs typeface="+mn-cs"/>
+              </a:rPr>
+              <a:t>Domain identification</a:t>
+            </a:r>
+            <a:endParaRPr lang="fr-FR" sz="1200" kern="0" dirty="0">
+              <a:solidFill>
+                <a:schemeClr val="bg1">
+                  <a:lumMod val="50000"/>
+                </a:schemeClr>
+              </a:solidFill>
+              <a:latin typeface="+mn-lt"/>
+              <a:cs typeface="+mn-cs"/>
+            </a:endParaRPr>
+          </a:p>
+        </p:txBody>
+      </p:sp>
+      <p:sp>
+        <p:nvSpPr>
+          <p:cNvPr id="30" name="ZoneTexte 29"/>
+          <p:cNvSpPr txBox="1"/>
+          <p:nvPr/>
+        </p:nvSpPr>
+        <p:spPr>
+          <a:xfrm>
+            <a:off x="2143122" y="0"/>
+            <a:ext cx="1928812" cy="276225"/>
+          </a:xfrm>
+          <a:prstGeom prst="rect">
+            <a:avLst/>
+          </a:prstGeom>
+          <a:noFill/>
+        </p:spPr>
+        <p:txBody>
+          <a:bodyPr>
+            <a:spAutoFit/>
+          </a:bodyPr>
+          <a:lstStyle/>
+          <a:p>
+            <a:pPr algn="ctr" fontAlgn="auto">
+              <a:spcBef>
+                <a:spcPct val="20000"/>
+              </a:spcBef>
+              <a:spcAft>
+                <a:spcPts val="0"/>
+              </a:spcAft>
+              <a:defRPr/>
+            </a:pPr>
+            <a:r>
+              <a:rPr lang="fr-FR" sz="1200" kern="0" dirty="0" err="1" smtClean="0">
+                <a:solidFill>
+                  <a:schemeClr val="bg1">
+                    <a:lumMod val="50000"/>
+                  </a:schemeClr>
+                </a:solidFill>
+                <a:latin typeface="+mn-lt"/>
+                <a:cs typeface="+mn-cs"/>
+              </a:rPr>
+              <a:t>Requirements</a:t>
+            </a:r>
+            <a:endParaRPr lang="fr-FR" sz="1200" kern="0" dirty="0">
+              <a:solidFill>
+                <a:schemeClr val="bg1">
+                  <a:lumMod val="50000"/>
+                </a:schemeClr>
+              </a:solidFill>
+              <a:latin typeface="+mn-lt"/>
+              <a:cs typeface="+mn-cs"/>
+            </a:endParaRPr>
+          </a:p>
+        </p:txBody>
+      </p:sp>
+      <p:sp>
+        <p:nvSpPr>
+          <p:cNvPr id="31" name="ZoneTexte 30"/>
+          <p:cNvSpPr txBox="1"/>
+          <p:nvPr/>
+        </p:nvSpPr>
+        <p:spPr>
+          <a:xfrm>
+            <a:off x="4214818" y="0"/>
+            <a:ext cx="2571760" cy="276999"/>
+          </a:xfrm>
+          <a:prstGeom prst="rect">
+            <a:avLst/>
+          </a:prstGeom>
+          <a:noFill/>
+        </p:spPr>
+        <p:txBody>
+          <a:bodyPr wrap="square">
+            <a:spAutoFit/>
+          </a:bodyPr>
+          <a:lstStyle/>
+          <a:p>
+            <a:pPr algn="ctr" fontAlgn="auto">
+              <a:spcBef>
+                <a:spcPct val="20000"/>
+              </a:spcBef>
+              <a:spcAft>
+                <a:spcPts val="0"/>
+              </a:spcAft>
+              <a:defRPr/>
+            </a:pPr>
+            <a:r>
+              <a:rPr lang="fr-FR" sz="1200" kern="0" dirty="0" err="1" smtClean="0">
+                <a:solidFill>
+                  <a:schemeClr val="bg1">
+                    <a:lumMod val="50000"/>
+                  </a:schemeClr>
+                </a:solidFill>
+                <a:latin typeface="+mn-lt"/>
+                <a:cs typeface="+mn-cs"/>
+              </a:rPr>
+              <a:t>Context</a:t>
+            </a:r>
+            <a:r>
+              <a:rPr lang="fr-FR" sz="1200" kern="0" dirty="0" smtClean="0">
+                <a:solidFill>
+                  <a:schemeClr val="bg1">
+                    <a:lumMod val="50000"/>
+                  </a:schemeClr>
+                </a:solidFill>
+                <a:latin typeface="+mn-lt"/>
+                <a:cs typeface="+mn-cs"/>
+              </a:rPr>
+              <a:t> </a:t>
+            </a:r>
+            <a:r>
+              <a:rPr lang="fr-FR" sz="1200" kern="0" dirty="0" err="1" smtClean="0">
+                <a:solidFill>
+                  <a:schemeClr val="bg1">
+                    <a:lumMod val="50000"/>
+                  </a:schemeClr>
+                </a:solidFill>
+                <a:latin typeface="+mn-lt"/>
+                <a:cs typeface="+mn-cs"/>
+              </a:rPr>
+              <a:t>diagram</a:t>
+            </a:r>
+            <a:endParaRPr lang="fr-FR" sz="1200" kern="0" dirty="0">
+              <a:solidFill>
+                <a:schemeClr val="bg1">
+                  <a:lumMod val="50000"/>
+                </a:schemeClr>
+              </a:solidFill>
+              <a:latin typeface="+mn-lt"/>
+              <a:cs typeface="+mn-cs"/>
+            </a:endParaRPr>
+          </a:p>
+        </p:txBody>
+      </p:sp>
+      <p:sp>
+        <p:nvSpPr>
+          <p:cNvPr id="32" name="ZoneTexte 31"/>
+          <p:cNvSpPr txBox="1"/>
+          <p:nvPr/>
+        </p:nvSpPr>
+        <p:spPr>
+          <a:xfrm>
+            <a:off x="6572277" y="0"/>
+            <a:ext cx="1928813" cy="276225"/>
+          </a:xfrm>
+          <a:prstGeom prst="rect">
+            <a:avLst/>
+          </a:prstGeom>
+          <a:noFill/>
+        </p:spPr>
+        <p:txBody>
+          <a:bodyPr>
+            <a:spAutoFit/>
+          </a:bodyPr>
+          <a:lstStyle/>
+          <a:p>
+            <a:pPr algn="ctr" fontAlgn="auto">
+              <a:spcBef>
+                <a:spcPct val="20000"/>
+              </a:spcBef>
+              <a:spcAft>
+                <a:spcPts val="0"/>
+              </a:spcAft>
+              <a:defRPr/>
+            </a:pPr>
+            <a:r>
+              <a:rPr lang="fr-FR" sz="1200" b="1" u="sng" kern="0" dirty="0" err="1" smtClean="0">
+                <a:latin typeface="+mn-lt"/>
+                <a:cs typeface="+mn-cs"/>
+              </a:rPr>
+              <a:t>Problem</a:t>
+            </a:r>
+            <a:r>
+              <a:rPr lang="fr-FR" sz="1200" b="1" u="sng" kern="0" dirty="0" smtClean="0">
+                <a:latin typeface="+mn-lt"/>
+                <a:cs typeface="+mn-cs"/>
+              </a:rPr>
+              <a:t> frames</a:t>
+            </a:r>
+            <a:endParaRPr lang="fr-FR" sz="1200" b="1" u="sng" kern="0" dirty="0">
+              <a:latin typeface="+mn-lt"/>
+              <a:cs typeface="+mn-cs"/>
+            </a:endParaRPr>
+          </a:p>
+        </p:txBody>
+      </p:sp>
     </p:spTree>
     <p:extLst>
       <p:ext uri="{BB962C8B-B14F-4D97-AF65-F5344CB8AC3E}">
-        <p14:creationId xmlns:p14="http://schemas.microsoft.com/office/powerpoint/2007/7/12/main" val="2650912379"/>
+        <p14:creationId xmlns="" xmlns:p14="http://schemas.microsoft.com/office/powerpoint/2007/7/12/main" val="2650912379"/>
       </p:ext>
     </p:extLst>
   </p:cSld>
@@ -7092,7 +7815,7 @@
   <p:timing>
     <p:tnLst>
       <p:par>
-        <p:cTn xmlns:p14="http://schemas.microsoft.com/office/powerpoint/2007/7/12/main" id="1" dur="indefinite" restart="never" nodeType="tmRoot"/>
+        <p:cTn id="1" dur="indefinite" restart="never" nodeType="tmRoot"/>
       </p:par>
     </p:tnLst>
   </p:timing>
@@ -7202,10 +7925,251 @@
           </a:p>
         </p:txBody>
       </p:sp>
+      <p:sp>
+        <p:nvSpPr>
+          <p:cNvPr id="4" name="ZoneTexte 3"/>
+          <p:cNvSpPr txBox="1"/>
+          <p:nvPr/>
+        </p:nvSpPr>
+        <p:spPr>
+          <a:xfrm>
+            <a:off x="-32" y="0"/>
+            <a:ext cx="1928812" cy="276225"/>
+          </a:xfrm>
+          <a:prstGeom prst="rect">
+            <a:avLst/>
+          </a:prstGeom>
+          <a:noFill/>
+        </p:spPr>
+        <p:txBody>
+          <a:bodyPr>
+            <a:spAutoFit/>
+          </a:bodyPr>
+          <a:lstStyle/>
+          <a:p>
+            <a:pPr algn="ctr" fontAlgn="auto">
+              <a:spcBef>
+                <a:spcPct val="20000"/>
+              </a:spcBef>
+              <a:spcAft>
+                <a:spcPts val="0"/>
+              </a:spcAft>
+              <a:defRPr/>
+            </a:pPr>
+            <a:r>
+              <a:rPr lang="fr-FR" sz="1200" kern="0" dirty="0" smtClean="0">
+                <a:solidFill>
+                  <a:schemeClr val="bg1">
+                    <a:lumMod val="50000"/>
+                  </a:schemeClr>
+                </a:solidFill>
+                <a:latin typeface="+mn-lt"/>
+                <a:cs typeface="+mn-cs"/>
+              </a:rPr>
+              <a:t>Domain identification</a:t>
+            </a:r>
+            <a:endParaRPr lang="fr-FR" sz="1200" kern="0" dirty="0">
+              <a:solidFill>
+                <a:schemeClr val="bg1">
+                  <a:lumMod val="50000"/>
+                </a:schemeClr>
+              </a:solidFill>
+              <a:latin typeface="+mn-lt"/>
+              <a:cs typeface="+mn-cs"/>
+            </a:endParaRPr>
+          </a:p>
+        </p:txBody>
+      </p:sp>
+      <p:sp>
+        <p:nvSpPr>
+          <p:cNvPr id="5" name="ZoneTexte 4"/>
+          <p:cNvSpPr txBox="1"/>
+          <p:nvPr/>
+        </p:nvSpPr>
+        <p:spPr>
+          <a:xfrm>
+            <a:off x="2143122" y="0"/>
+            <a:ext cx="1928812" cy="276225"/>
+          </a:xfrm>
+          <a:prstGeom prst="rect">
+            <a:avLst/>
+          </a:prstGeom>
+          <a:noFill/>
+        </p:spPr>
+        <p:txBody>
+          <a:bodyPr>
+            <a:spAutoFit/>
+          </a:bodyPr>
+          <a:lstStyle/>
+          <a:p>
+            <a:pPr algn="ctr" fontAlgn="auto">
+              <a:spcBef>
+                <a:spcPct val="20000"/>
+              </a:spcBef>
+              <a:spcAft>
+                <a:spcPts val="0"/>
+              </a:spcAft>
+              <a:defRPr/>
+            </a:pPr>
+            <a:r>
+              <a:rPr lang="fr-FR" sz="1200" kern="0" dirty="0" err="1" smtClean="0">
+                <a:solidFill>
+                  <a:schemeClr val="bg1">
+                    <a:lumMod val="50000"/>
+                  </a:schemeClr>
+                </a:solidFill>
+                <a:latin typeface="+mn-lt"/>
+                <a:cs typeface="+mn-cs"/>
+              </a:rPr>
+              <a:t>Requirements</a:t>
+            </a:r>
+            <a:endParaRPr lang="fr-FR" sz="1200" kern="0" dirty="0">
+              <a:solidFill>
+                <a:schemeClr val="bg1">
+                  <a:lumMod val="50000"/>
+                </a:schemeClr>
+              </a:solidFill>
+              <a:latin typeface="+mn-lt"/>
+              <a:cs typeface="+mn-cs"/>
+            </a:endParaRPr>
+          </a:p>
+        </p:txBody>
+      </p:sp>
+      <p:sp>
+        <p:nvSpPr>
+          <p:cNvPr id="6" name="ZoneTexte 5"/>
+          <p:cNvSpPr txBox="1"/>
+          <p:nvPr/>
+        </p:nvSpPr>
+        <p:spPr>
+          <a:xfrm>
+            <a:off x="4214818" y="0"/>
+            <a:ext cx="2571760" cy="276999"/>
+          </a:xfrm>
+          <a:prstGeom prst="rect">
+            <a:avLst/>
+          </a:prstGeom>
+          <a:noFill/>
+        </p:spPr>
+        <p:txBody>
+          <a:bodyPr wrap="square">
+            <a:spAutoFit/>
+          </a:bodyPr>
+          <a:lstStyle/>
+          <a:p>
+            <a:pPr algn="ctr" fontAlgn="auto">
+              <a:spcBef>
+                <a:spcPct val="20000"/>
+              </a:spcBef>
+              <a:spcAft>
+                <a:spcPts val="0"/>
+              </a:spcAft>
+              <a:defRPr/>
+            </a:pPr>
+            <a:r>
+              <a:rPr lang="fr-FR" sz="1200" kern="0" dirty="0" err="1" smtClean="0">
+                <a:solidFill>
+                  <a:schemeClr val="bg1">
+                    <a:lumMod val="50000"/>
+                  </a:schemeClr>
+                </a:solidFill>
+                <a:latin typeface="+mn-lt"/>
+                <a:cs typeface="+mn-cs"/>
+              </a:rPr>
+              <a:t>Context</a:t>
+            </a:r>
+            <a:r>
+              <a:rPr lang="fr-FR" sz="1200" kern="0" dirty="0" smtClean="0">
+                <a:solidFill>
+                  <a:schemeClr val="bg1">
+                    <a:lumMod val="50000"/>
+                  </a:schemeClr>
+                </a:solidFill>
+                <a:latin typeface="+mn-lt"/>
+                <a:cs typeface="+mn-cs"/>
+              </a:rPr>
+              <a:t> </a:t>
+            </a:r>
+            <a:r>
+              <a:rPr lang="fr-FR" sz="1200" kern="0" dirty="0" err="1" smtClean="0">
+                <a:solidFill>
+                  <a:schemeClr val="bg1">
+                    <a:lumMod val="50000"/>
+                  </a:schemeClr>
+                </a:solidFill>
+                <a:latin typeface="+mn-lt"/>
+                <a:cs typeface="+mn-cs"/>
+              </a:rPr>
+              <a:t>diagram</a:t>
+            </a:r>
+            <a:endParaRPr lang="fr-FR" sz="1200" kern="0" dirty="0">
+              <a:solidFill>
+                <a:schemeClr val="bg1">
+                  <a:lumMod val="50000"/>
+                </a:schemeClr>
+              </a:solidFill>
+              <a:latin typeface="+mn-lt"/>
+              <a:cs typeface="+mn-cs"/>
+            </a:endParaRPr>
+          </a:p>
+        </p:txBody>
+      </p:sp>
+      <p:sp>
+        <p:nvSpPr>
+          <p:cNvPr id="7" name="ZoneTexte 6"/>
+          <p:cNvSpPr txBox="1"/>
+          <p:nvPr/>
+        </p:nvSpPr>
+        <p:spPr>
+          <a:xfrm>
+            <a:off x="6572277" y="0"/>
+            <a:ext cx="1928813" cy="276225"/>
+          </a:xfrm>
+          <a:prstGeom prst="rect">
+            <a:avLst/>
+          </a:prstGeom>
+          <a:noFill/>
+        </p:spPr>
+        <p:txBody>
+          <a:bodyPr>
+            <a:spAutoFit/>
+          </a:bodyPr>
+          <a:lstStyle/>
+          <a:p>
+            <a:pPr algn="ctr" fontAlgn="auto">
+              <a:spcBef>
+                <a:spcPct val="20000"/>
+              </a:spcBef>
+              <a:spcAft>
+                <a:spcPts val="0"/>
+              </a:spcAft>
+              <a:defRPr/>
+            </a:pPr>
+            <a:r>
+              <a:rPr lang="fr-FR" sz="1200" b="1" u="sng" kern="0" dirty="0" err="1" smtClean="0">
+                <a:latin typeface="+mn-lt"/>
+                <a:cs typeface="+mn-cs"/>
+              </a:rPr>
+              <a:t>Problem</a:t>
+            </a:r>
+            <a:r>
+              <a:rPr lang="fr-FR" sz="1200" b="1" u="sng" kern="0" dirty="0" smtClean="0">
+                <a:latin typeface="+mn-lt"/>
+                <a:cs typeface="+mn-cs"/>
+              </a:rPr>
+              <a:t> frames</a:t>
+            </a:r>
+            <a:endParaRPr lang="fr-FR" sz="1200" b="1" u="sng" kern="0" dirty="0">
+              <a:latin typeface="+mn-lt"/>
+              <a:cs typeface="+mn-cs"/>
+            </a:endParaRPr>
+          </a:p>
+        </p:txBody>
+      </p:sp>
     </p:spTree>
     <p:extLst>
       <p:ext uri="{BB962C8B-B14F-4D97-AF65-F5344CB8AC3E}">
-        <p14:creationId xmlns:p14="http://schemas.microsoft.com/office/powerpoint/2007/7/12/main" val="770100015"/>
+        <p14:creationId xmlns="" xmlns:p14="http://schemas.microsoft.com/office/powerpoint/2007/7/12/main" val="770100015"/>
       </p:ext>
     </p:extLst>
   </p:cSld>
@@ -7215,7 +8179,7 @@
   <p:timing>
     <p:tnLst>
       <p:par>
-        <p:cTn xmlns:p14="http://schemas.microsoft.com/office/powerpoint/2007/7/12/main" id="1" dur="indefinite" restart="never" nodeType="tmRoot"/>
+        <p:cTn id="1" dur="indefinite" restart="never" nodeType="tmRoot"/>
       </p:par>
     </p:tnLst>
   </p:timing>
@@ -7835,7 +8799,7 @@
                 <a:spcPct val="0"/>
               </a:spcAft>
               <a:buClr>
-                <a:srgbClr xmlns:mc="http://schemas.openxmlformats.org/markup-compatibility/2006" xmlns:a14="http://schemas.microsoft.com/office/drawing/2007/7/7/main" val="DA7E18" mc:Ignorable=""/>
+                <a:srgbClr val="DA7E18"/>
               </a:buClr>
               <a:buSzPct val="70000"/>
               <a:buFont typeface="Wingdings" pitchFamily="2" charset="2"/>
@@ -7857,7 +8821,7 @@
                 <a:spcPct val="0"/>
               </a:spcAft>
               <a:buClr>
-                <a:srgbClr xmlns:mc="http://schemas.openxmlformats.org/markup-compatibility/2006" xmlns:a14="http://schemas.microsoft.com/office/drawing/2007/7/7/main" val="E5AB1B" mc:Ignorable=""/>
+                <a:srgbClr val="E5AB1B"/>
               </a:buClr>
               <a:buSzPct val="70000"/>
               <a:buFont typeface="Wingdings" pitchFamily="2" charset="2"/>
@@ -8300,21 +9264,7 @@
                 <a:latin typeface="+mn-lt"/>
                 <a:cs typeface="+mn-cs"/>
               </a:rPr>
-              <a:t>   FDIR </a:t>
-            </a:r>
-            <a:r>
-              <a:rPr lang="fr-FR" sz="1400" b="1" kern="0" dirty="0" smtClean="0">
-                <a:latin typeface="+mn-lt"/>
-                <a:cs typeface="+mn-cs"/>
-              </a:rPr>
-              <a:t>SS! {</a:t>
-            </a:r>
-            <a:r>
-              <a:rPr lang="fr-FR" sz="1400" b="1" kern="0" dirty="0" smtClean="0">
-                <a:latin typeface="+mn-lt"/>
-                <a:cs typeface="+mn-cs"/>
-              </a:rPr>
-              <a:t>return data}</a:t>
+              <a:t>   FDIR SS! {return data}</a:t>
             </a:r>
             <a:endParaRPr kumimoji="0" lang="fr-FR" sz="1400" b="1" i="0" u="none" strike="noStrike" kern="0" cap="none" spc="0" normalizeH="0" baseline="0" noProof="0" dirty="0" smtClean="0">
               <a:ln>
@@ -8361,7 +9311,7 @@
                 <a:spcPct val="0"/>
               </a:spcAft>
               <a:buClr>
-                <a:srgbClr xmlns:mc="http://schemas.openxmlformats.org/markup-compatibility/2006" xmlns:a14="http://schemas.microsoft.com/office/drawing/2007/7/7/main" val="DA7E18" mc:Ignorable=""/>
+                <a:srgbClr val="DA7E18"/>
               </a:buClr>
               <a:buSzPct val="70000"/>
               <a:buFont typeface="Wingdings" pitchFamily="2" charset="2"/>
@@ -8383,7 +9333,7 @@
                 <a:spcPct val="0"/>
               </a:spcAft>
               <a:buClr>
-                <a:srgbClr xmlns:mc="http://schemas.openxmlformats.org/markup-compatibility/2006" xmlns:a14="http://schemas.microsoft.com/office/drawing/2007/7/7/main" val="E5AB1B" mc:Ignorable=""/>
+                <a:srgbClr val="E5AB1B"/>
               </a:buClr>
               <a:buSzPct val="70000"/>
               <a:buFont typeface="Wingdings" pitchFamily="2" charset="2"/>
@@ -8559,7 +9509,7 @@
                 <a:spcPct val="0"/>
               </a:spcAft>
               <a:buClr>
-                <a:srgbClr xmlns:mc="http://schemas.openxmlformats.org/markup-compatibility/2006" xmlns:a14="http://schemas.microsoft.com/office/drawing/2007/7/7/main" val="DA7E18" mc:Ignorable=""/>
+                <a:srgbClr val="DA7E18"/>
               </a:buClr>
               <a:buSzPct val="70000"/>
               <a:buFont typeface="Wingdings" pitchFamily="2" charset="2"/>
@@ -8581,7 +9531,7 @@
                 <a:spcPct val="0"/>
               </a:spcAft>
               <a:buClr>
-                <a:srgbClr xmlns:mc="http://schemas.openxmlformats.org/markup-compatibility/2006" xmlns:a14="http://schemas.microsoft.com/office/drawing/2007/7/7/main" val="E5AB1B" mc:Ignorable=""/>
+                <a:srgbClr val="E5AB1B"/>
               </a:buClr>
               <a:buSzPct val="70000"/>
               <a:buFont typeface="Wingdings" pitchFamily="2" charset="2"/>
@@ -8773,14 +9723,7 @@
                 <a:latin typeface="+mn-lt"/>
                 <a:cs typeface="+mn-cs"/>
               </a:rPr>
-              <a:t>a: FDIR </a:t>
-            </a:r>
-            <a:r>
-              <a:rPr lang="fr-FR" sz="1400" b="1" kern="0" dirty="0" smtClean="0">
-                <a:latin typeface="+mn-lt"/>
-                <a:cs typeface="+mn-cs"/>
-              </a:rPr>
-              <a:t>SS!{</a:t>
+              <a:t>a: FDIR SS!{</a:t>
             </a:r>
             <a:r>
               <a:rPr lang="fr-FR" sz="1400" b="1" kern="0" dirty="0" err="1" smtClean="0">
@@ -8855,7 +9798,7 @@
                 </a:solidFill>
                 <a:effectLst>
                   <a:outerShdw blurRad="38100" dist="38100" dir="2700000" algn="tl">
-                    <a:srgbClr xmlns:mc="http://schemas.openxmlformats.org/markup-compatibility/2006" xmlns:a14="http://schemas.microsoft.com/office/drawing/2007/7/7/main" val="000000" mc:Ignorable="">
+                    <a:srgbClr val="000000">
                       <a:alpha val="43137"/>
                     </a:srgbClr>
                   </a:outerShdw>
@@ -8872,7 +9815,7 @@
                 </a:solidFill>
                 <a:effectLst>
                   <a:outerShdw blurRad="38100" dist="38100" dir="2700000" algn="tl">
-                    <a:srgbClr xmlns:mc="http://schemas.openxmlformats.org/markup-compatibility/2006" xmlns:a14="http://schemas.microsoft.com/office/drawing/2007/7/7/main" val="000000" mc:Ignorable="">
+                    <a:srgbClr val="000000">
                       <a:alpha val="43137"/>
                     </a:srgbClr>
                   </a:outerShdw>
@@ -8889,7 +9832,7 @@
                 </a:solidFill>
                 <a:effectLst>
                   <a:outerShdw blurRad="38100" dist="38100" dir="2700000" algn="tl">
-                    <a:srgbClr xmlns:mc="http://schemas.openxmlformats.org/markup-compatibility/2006" xmlns:a14="http://schemas.microsoft.com/office/drawing/2007/7/7/main" val="000000" mc:Ignorable="">
+                    <a:srgbClr val="000000">
                       <a:alpha val="43137"/>
                     </a:srgbClr>
                   </a:outerShdw>
@@ -8906,7 +9849,7 @@
                 </a:solidFill>
                 <a:effectLst>
                   <a:outerShdw blurRad="38100" dist="38100" dir="2700000" algn="tl">
-                    <a:srgbClr xmlns:mc="http://schemas.openxmlformats.org/markup-compatibility/2006" xmlns:a14="http://schemas.microsoft.com/office/drawing/2007/7/7/main" val="000000" mc:Ignorable="">
+                    <a:srgbClr val="000000">
                       <a:alpha val="43137"/>
                     </a:srgbClr>
                   </a:outerShdw>
@@ -9037,10 +9980,251 @@
           </a:p>
         </p:txBody>
       </p:sp>
+      <p:sp>
+        <p:nvSpPr>
+          <p:cNvPr id="29" name="ZoneTexte 28"/>
+          <p:cNvSpPr txBox="1"/>
+          <p:nvPr/>
+        </p:nvSpPr>
+        <p:spPr>
+          <a:xfrm>
+            <a:off x="-32" y="0"/>
+            <a:ext cx="1928812" cy="276225"/>
+          </a:xfrm>
+          <a:prstGeom prst="rect">
+            <a:avLst/>
+          </a:prstGeom>
+          <a:noFill/>
+        </p:spPr>
+        <p:txBody>
+          <a:bodyPr>
+            <a:spAutoFit/>
+          </a:bodyPr>
+          <a:lstStyle/>
+          <a:p>
+            <a:pPr algn="ctr" fontAlgn="auto">
+              <a:spcBef>
+                <a:spcPct val="20000"/>
+              </a:spcBef>
+              <a:spcAft>
+                <a:spcPts val="0"/>
+              </a:spcAft>
+              <a:defRPr/>
+            </a:pPr>
+            <a:r>
+              <a:rPr lang="fr-FR" sz="1200" kern="0" dirty="0" smtClean="0">
+                <a:solidFill>
+                  <a:schemeClr val="bg1">
+                    <a:lumMod val="50000"/>
+                  </a:schemeClr>
+                </a:solidFill>
+                <a:latin typeface="+mn-lt"/>
+                <a:cs typeface="+mn-cs"/>
+              </a:rPr>
+              <a:t>Domain identification</a:t>
+            </a:r>
+            <a:endParaRPr lang="fr-FR" sz="1200" kern="0" dirty="0">
+              <a:solidFill>
+                <a:schemeClr val="bg1">
+                  <a:lumMod val="50000"/>
+                </a:schemeClr>
+              </a:solidFill>
+              <a:latin typeface="+mn-lt"/>
+              <a:cs typeface="+mn-cs"/>
+            </a:endParaRPr>
+          </a:p>
+        </p:txBody>
+      </p:sp>
+      <p:sp>
+        <p:nvSpPr>
+          <p:cNvPr id="30" name="ZoneTexte 29"/>
+          <p:cNvSpPr txBox="1"/>
+          <p:nvPr/>
+        </p:nvSpPr>
+        <p:spPr>
+          <a:xfrm>
+            <a:off x="2143122" y="0"/>
+            <a:ext cx="1928812" cy="276225"/>
+          </a:xfrm>
+          <a:prstGeom prst="rect">
+            <a:avLst/>
+          </a:prstGeom>
+          <a:noFill/>
+        </p:spPr>
+        <p:txBody>
+          <a:bodyPr>
+            <a:spAutoFit/>
+          </a:bodyPr>
+          <a:lstStyle/>
+          <a:p>
+            <a:pPr algn="ctr" fontAlgn="auto">
+              <a:spcBef>
+                <a:spcPct val="20000"/>
+              </a:spcBef>
+              <a:spcAft>
+                <a:spcPts val="0"/>
+              </a:spcAft>
+              <a:defRPr/>
+            </a:pPr>
+            <a:r>
+              <a:rPr lang="fr-FR" sz="1200" kern="0" dirty="0" err="1" smtClean="0">
+                <a:solidFill>
+                  <a:schemeClr val="bg1">
+                    <a:lumMod val="50000"/>
+                  </a:schemeClr>
+                </a:solidFill>
+                <a:latin typeface="+mn-lt"/>
+                <a:cs typeface="+mn-cs"/>
+              </a:rPr>
+              <a:t>Requirements</a:t>
+            </a:r>
+            <a:endParaRPr lang="fr-FR" sz="1200" kern="0" dirty="0">
+              <a:solidFill>
+                <a:schemeClr val="bg1">
+                  <a:lumMod val="50000"/>
+                </a:schemeClr>
+              </a:solidFill>
+              <a:latin typeface="+mn-lt"/>
+              <a:cs typeface="+mn-cs"/>
+            </a:endParaRPr>
+          </a:p>
+        </p:txBody>
+      </p:sp>
+      <p:sp>
+        <p:nvSpPr>
+          <p:cNvPr id="31" name="ZoneTexte 30"/>
+          <p:cNvSpPr txBox="1"/>
+          <p:nvPr/>
+        </p:nvSpPr>
+        <p:spPr>
+          <a:xfrm>
+            <a:off x="4214818" y="0"/>
+            <a:ext cx="2571760" cy="276999"/>
+          </a:xfrm>
+          <a:prstGeom prst="rect">
+            <a:avLst/>
+          </a:prstGeom>
+          <a:noFill/>
+        </p:spPr>
+        <p:txBody>
+          <a:bodyPr wrap="square">
+            <a:spAutoFit/>
+          </a:bodyPr>
+          <a:lstStyle/>
+          <a:p>
+            <a:pPr algn="ctr" fontAlgn="auto">
+              <a:spcBef>
+                <a:spcPct val="20000"/>
+              </a:spcBef>
+              <a:spcAft>
+                <a:spcPts val="0"/>
+              </a:spcAft>
+              <a:defRPr/>
+            </a:pPr>
+            <a:r>
+              <a:rPr lang="fr-FR" sz="1200" kern="0" dirty="0" err="1" smtClean="0">
+                <a:solidFill>
+                  <a:schemeClr val="bg1">
+                    <a:lumMod val="50000"/>
+                  </a:schemeClr>
+                </a:solidFill>
+                <a:latin typeface="+mn-lt"/>
+                <a:cs typeface="+mn-cs"/>
+              </a:rPr>
+              <a:t>Context</a:t>
+            </a:r>
+            <a:r>
+              <a:rPr lang="fr-FR" sz="1200" kern="0" dirty="0" smtClean="0">
+                <a:solidFill>
+                  <a:schemeClr val="bg1">
+                    <a:lumMod val="50000"/>
+                  </a:schemeClr>
+                </a:solidFill>
+                <a:latin typeface="+mn-lt"/>
+                <a:cs typeface="+mn-cs"/>
+              </a:rPr>
+              <a:t> </a:t>
+            </a:r>
+            <a:r>
+              <a:rPr lang="fr-FR" sz="1200" kern="0" dirty="0" err="1" smtClean="0">
+                <a:solidFill>
+                  <a:schemeClr val="bg1">
+                    <a:lumMod val="50000"/>
+                  </a:schemeClr>
+                </a:solidFill>
+                <a:latin typeface="+mn-lt"/>
+                <a:cs typeface="+mn-cs"/>
+              </a:rPr>
+              <a:t>diagram</a:t>
+            </a:r>
+            <a:endParaRPr lang="fr-FR" sz="1200" kern="0" dirty="0">
+              <a:solidFill>
+                <a:schemeClr val="bg1">
+                  <a:lumMod val="50000"/>
+                </a:schemeClr>
+              </a:solidFill>
+              <a:latin typeface="+mn-lt"/>
+              <a:cs typeface="+mn-cs"/>
+            </a:endParaRPr>
+          </a:p>
+        </p:txBody>
+      </p:sp>
+      <p:sp>
+        <p:nvSpPr>
+          <p:cNvPr id="32" name="ZoneTexte 31"/>
+          <p:cNvSpPr txBox="1"/>
+          <p:nvPr/>
+        </p:nvSpPr>
+        <p:spPr>
+          <a:xfrm>
+            <a:off x="6572277" y="0"/>
+            <a:ext cx="1928813" cy="276225"/>
+          </a:xfrm>
+          <a:prstGeom prst="rect">
+            <a:avLst/>
+          </a:prstGeom>
+          <a:noFill/>
+        </p:spPr>
+        <p:txBody>
+          <a:bodyPr>
+            <a:spAutoFit/>
+          </a:bodyPr>
+          <a:lstStyle/>
+          <a:p>
+            <a:pPr algn="ctr" fontAlgn="auto">
+              <a:spcBef>
+                <a:spcPct val="20000"/>
+              </a:spcBef>
+              <a:spcAft>
+                <a:spcPts val="0"/>
+              </a:spcAft>
+              <a:defRPr/>
+            </a:pPr>
+            <a:r>
+              <a:rPr lang="fr-FR" sz="1200" b="1" u="sng" kern="0" dirty="0" err="1" smtClean="0">
+                <a:latin typeface="+mn-lt"/>
+                <a:cs typeface="+mn-cs"/>
+              </a:rPr>
+              <a:t>Problem</a:t>
+            </a:r>
+            <a:r>
+              <a:rPr lang="fr-FR" sz="1200" b="1" u="sng" kern="0" dirty="0" smtClean="0">
+                <a:latin typeface="+mn-lt"/>
+                <a:cs typeface="+mn-cs"/>
+              </a:rPr>
+              <a:t> frames</a:t>
+            </a:r>
+            <a:endParaRPr lang="fr-FR" sz="1200" b="1" u="sng" kern="0" dirty="0">
+              <a:latin typeface="+mn-lt"/>
+              <a:cs typeface="+mn-cs"/>
+            </a:endParaRPr>
+          </a:p>
+        </p:txBody>
+      </p:sp>
     </p:spTree>
     <p:extLst>
       <p:ext uri="{BB962C8B-B14F-4D97-AF65-F5344CB8AC3E}">
-        <p14:creationId xmlns:p14="http://schemas.microsoft.com/office/powerpoint/2007/7/12/main" val="4275258493"/>
+        <p14:creationId xmlns="" xmlns:p14="http://schemas.microsoft.com/office/powerpoint/2007/7/12/main" val="4275258493"/>
       </p:ext>
     </p:extLst>
   </p:cSld>
@@ -9050,7 +10234,7 @@
   <p:timing>
     <p:tnLst>
       <p:par>
-        <p:cTn xmlns:p14="http://schemas.microsoft.com/office/powerpoint/2007/7/12/main" id="1" dur="indefinite" restart="never" nodeType="tmRoot"/>
+        <p:cTn id="1" dur="indefinite" restart="never" nodeType="tmRoot"/>
       </p:par>
     </p:tnLst>
   </p:timing>
@@ -9219,10 +10403,251 @@
           </a:p>
         </p:txBody>
       </p:sp>
+      <p:sp>
+        <p:nvSpPr>
+          <p:cNvPr id="4" name="ZoneTexte 3"/>
+          <p:cNvSpPr txBox="1"/>
+          <p:nvPr/>
+        </p:nvSpPr>
+        <p:spPr>
+          <a:xfrm>
+            <a:off x="-32" y="0"/>
+            <a:ext cx="1928812" cy="276225"/>
+          </a:xfrm>
+          <a:prstGeom prst="rect">
+            <a:avLst/>
+          </a:prstGeom>
+          <a:noFill/>
+        </p:spPr>
+        <p:txBody>
+          <a:bodyPr>
+            <a:spAutoFit/>
+          </a:bodyPr>
+          <a:lstStyle/>
+          <a:p>
+            <a:pPr algn="ctr" fontAlgn="auto">
+              <a:spcBef>
+                <a:spcPct val="20000"/>
+              </a:spcBef>
+              <a:spcAft>
+                <a:spcPts val="0"/>
+              </a:spcAft>
+              <a:defRPr/>
+            </a:pPr>
+            <a:r>
+              <a:rPr lang="fr-FR" sz="1200" kern="0" dirty="0" smtClean="0">
+                <a:solidFill>
+                  <a:schemeClr val="bg1">
+                    <a:lumMod val="50000"/>
+                  </a:schemeClr>
+                </a:solidFill>
+                <a:latin typeface="+mn-lt"/>
+                <a:cs typeface="+mn-cs"/>
+              </a:rPr>
+              <a:t>Domain identification</a:t>
+            </a:r>
+            <a:endParaRPr lang="fr-FR" sz="1200" kern="0" dirty="0">
+              <a:solidFill>
+                <a:schemeClr val="bg1">
+                  <a:lumMod val="50000"/>
+                </a:schemeClr>
+              </a:solidFill>
+              <a:latin typeface="+mn-lt"/>
+              <a:cs typeface="+mn-cs"/>
+            </a:endParaRPr>
+          </a:p>
+        </p:txBody>
+      </p:sp>
+      <p:sp>
+        <p:nvSpPr>
+          <p:cNvPr id="5" name="ZoneTexte 4"/>
+          <p:cNvSpPr txBox="1"/>
+          <p:nvPr/>
+        </p:nvSpPr>
+        <p:spPr>
+          <a:xfrm>
+            <a:off x="2143122" y="0"/>
+            <a:ext cx="1928812" cy="276225"/>
+          </a:xfrm>
+          <a:prstGeom prst="rect">
+            <a:avLst/>
+          </a:prstGeom>
+          <a:noFill/>
+        </p:spPr>
+        <p:txBody>
+          <a:bodyPr>
+            <a:spAutoFit/>
+          </a:bodyPr>
+          <a:lstStyle/>
+          <a:p>
+            <a:pPr algn="ctr" fontAlgn="auto">
+              <a:spcBef>
+                <a:spcPct val="20000"/>
+              </a:spcBef>
+              <a:spcAft>
+                <a:spcPts val="0"/>
+              </a:spcAft>
+              <a:defRPr/>
+            </a:pPr>
+            <a:r>
+              <a:rPr lang="fr-FR" sz="1200" kern="0" dirty="0" err="1" smtClean="0">
+                <a:solidFill>
+                  <a:schemeClr val="bg1">
+                    <a:lumMod val="50000"/>
+                  </a:schemeClr>
+                </a:solidFill>
+                <a:latin typeface="+mn-lt"/>
+                <a:cs typeface="+mn-cs"/>
+              </a:rPr>
+              <a:t>Requirements</a:t>
+            </a:r>
+            <a:endParaRPr lang="fr-FR" sz="1200" kern="0" dirty="0">
+              <a:solidFill>
+                <a:schemeClr val="bg1">
+                  <a:lumMod val="50000"/>
+                </a:schemeClr>
+              </a:solidFill>
+              <a:latin typeface="+mn-lt"/>
+              <a:cs typeface="+mn-cs"/>
+            </a:endParaRPr>
+          </a:p>
+        </p:txBody>
+      </p:sp>
+      <p:sp>
+        <p:nvSpPr>
+          <p:cNvPr id="6" name="ZoneTexte 5"/>
+          <p:cNvSpPr txBox="1"/>
+          <p:nvPr/>
+        </p:nvSpPr>
+        <p:spPr>
+          <a:xfrm>
+            <a:off x="4214818" y="0"/>
+            <a:ext cx="2571760" cy="276999"/>
+          </a:xfrm>
+          <a:prstGeom prst="rect">
+            <a:avLst/>
+          </a:prstGeom>
+          <a:noFill/>
+        </p:spPr>
+        <p:txBody>
+          <a:bodyPr wrap="square">
+            <a:spAutoFit/>
+          </a:bodyPr>
+          <a:lstStyle/>
+          <a:p>
+            <a:pPr algn="ctr" fontAlgn="auto">
+              <a:spcBef>
+                <a:spcPct val="20000"/>
+              </a:spcBef>
+              <a:spcAft>
+                <a:spcPts val="0"/>
+              </a:spcAft>
+              <a:defRPr/>
+            </a:pPr>
+            <a:r>
+              <a:rPr lang="fr-FR" sz="1200" kern="0" dirty="0" err="1" smtClean="0">
+                <a:solidFill>
+                  <a:schemeClr val="bg1">
+                    <a:lumMod val="50000"/>
+                  </a:schemeClr>
+                </a:solidFill>
+                <a:latin typeface="+mn-lt"/>
+                <a:cs typeface="+mn-cs"/>
+              </a:rPr>
+              <a:t>Context</a:t>
+            </a:r>
+            <a:r>
+              <a:rPr lang="fr-FR" sz="1200" kern="0" dirty="0" smtClean="0">
+                <a:solidFill>
+                  <a:schemeClr val="bg1">
+                    <a:lumMod val="50000"/>
+                  </a:schemeClr>
+                </a:solidFill>
+                <a:latin typeface="+mn-lt"/>
+                <a:cs typeface="+mn-cs"/>
+              </a:rPr>
+              <a:t> </a:t>
+            </a:r>
+            <a:r>
+              <a:rPr lang="fr-FR" sz="1200" kern="0" dirty="0" err="1" smtClean="0">
+                <a:solidFill>
+                  <a:schemeClr val="bg1">
+                    <a:lumMod val="50000"/>
+                  </a:schemeClr>
+                </a:solidFill>
+                <a:latin typeface="+mn-lt"/>
+                <a:cs typeface="+mn-cs"/>
+              </a:rPr>
+              <a:t>diagram</a:t>
+            </a:r>
+            <a:endParaRPr lang="fr-FR" sz="1200" kern="0" dirty="0">
+              <a:solidFill>
+                <a:schemeClr val="bg1">
+                  <a:lumMod val="50000"/>
+                </a:schemeClr>
+              </a:solidFill>
+              <a:latin typeface="+mn-lt"/>
+              <a:cs typeface="+mn-cs"/>
+            </a:endParaRPr>
+          </a:p>
+        </p:txBody>
+      </p:sp>
+      <p:sp>
+        <p:nvSpPr>
+          <p:cNvPr id="7" name="ZoneTexte 6"/>
+          <p:cNvSpPr txBox="1"/>
+          <p:nvPr/>
+        </p:nvSpPr>
+        <p:spPr>
+          <a:xfrm>
+            <a:off x="6572277" y="0"/>
+            <a:ext cx="1928813" cy="276225"/>
+          </a:xfrm>
+          <a:prstGeom prst="rect">
+            <a:avLst/>
+          </a:prstGeom>
+          <a:noFill/>
+        </p:spPr>
+        <p:txBody>
+          <a:bodyPr>
+            <a:spAutoFit/>
+          </a:bodyPr>
+          <a:lstStyle/>
+          <a:p>
+            <a:pPr algn="ctr" fontAlgn="auto">
+              <a:spcBef>
+                <a:spcPct val="20000"/>
+              </a:spcBef>
+              <a:spcAft>
+                <a:spcPts val="0"/>
+              </a:spcAft>
+              <a:defRPr/>
+            </a:pPr>
+            <a:r>
+              <a:rPr lang="fr-FR" sz="1200" b="1" u="sng" kern="0" dirty="0" err="1" smtClean="0">
+                <a:latin typeface="+mn-lt"/>
+                <a:cs typeface="+mn-cs"/>
+              </a:rPr>
+              <a:t>Problem</a:t>
+            </a:r>
+            <a:r>
+              <a:rPr lang="fr-FR" sz="1200" b="1" u="sng" kern="0" dirty="0" smtClean="0">
+                <a:latin typeface="+mn-lt"/>
+                <a:cs typeface="+mn-cs"/>
+              </a:rPr>
+              <a:t> frames</a:t>
+            </a:r>
+            <a:endParaRPr lang="fr-FR" sz="1200" b="1" u="sng" kern="0" dirty="0">
+              <a:latin typeface="+mn-lt"/>
+              <a:cs typeface="+mn-cs"/>
+            </a:endParaRPr>
+          </a:p>
+        </p:txBody>
+      </p:sp>
     </p:spTree>
     <p:extLst>
       <p:ext uri="{BB962C8B-B14F-4D97-AF65-F5344CB8AC3E}">
-        <p14:creationId xmlns:p14="http://schemas.microsoft.com/office/powerpoint/2007/7/12/main" val="2065662239"/>
+        <p14:creationId xmlns="" xmlns:p14="http://schemas.microsoft.com/office/powerpoint/2007/7/12/main" val="2065662239"/>
       </p:ext>
     </p:extLst>
   </p:cSld>
@@ -9232,7 +10657,7 @@
   <p:timing>
     <p:tnLst>
       <p:par>
-        <p:cTn xmlns:p14="http://schemas.microsoft.com/office/powerpoint/2007/7/12/main" id="1" dur="indefinite" restart="never" nodeType="tmRoot"/>
+        <p:cTn id="1" dur="indefinite" restart="never" nodeType="tmRoot"/>
       </p:par>
     </p:tnLst>
   </p:timing>
@@ -9767,21 +11192,7 @@
                 <a:latin typeface="+mn-lt"/>
                 <a:cs typeface="+mn-cs"/>
               </a:rPr>
-              <a:t>b</a:t>
-            </a:r>
-            <a:r>
-              <a:rPr lang="fr-FR" sz="1400" b="1" kern="0" dirty="0" smtClean="0">
-                <a:latin typeface="+mn-lt"/>
-                <a:cs typeface="+mn-cs"/>
-              </a:rPr>
-              <a:t>: Report</a:t>
-            </a:r>
-            <a:r>
-              <a:rPr lang="fr-FR" sz="1400" b="1" kern="0" dirty="0" smtClean="0">
-                <a:latin typeface="+mn-lt"/>
-                <a:cs typeface="+mn-cs"/>
-              </a:rPr>
-              <a:t>! {</a:t>
+              <a:t>b: Report! {</a:t>
             </a:r>
             <a:r>
               <a:rPr lang="fr-FR" sz="1400" b="1" kern="0" dirty="0" err="1" smtClean="0">
@@ -9905,7 +11316,7 @@
                 <a:spcPct val="0"/>
               </a:spcAft>
               <a:buClr>
-                <a:srgbClr xmlns:mc="http://schemas.openxmlformats.org/markup-compatibility/2006" xmlns:a14="http://schemas.microsoft.com/office/drawing/2007/7/7/main" val="DA7E18" mc:Ignorable=""/>
+                <a:srgbClr val="DA7E18"/>
               </a:buClr>
               <a:buSzPct val="70000"/>
               <a:buFont typeface="Wingdings" pitchFamily="2" charset="2"/>
@@ -9927,7 +11338,7 @@
                 <a:spcPct val="0"/>
               </a:spcAft>
               <a:buClr>
-                <a:srgbClr xmlns:mc="http://schemas.openxmlformats.org/markup-compatibility/2006" xmlns:a14="http://schemas.microsoft.com/office/drawing/2007/7/7/main" val="E5AB1B" mc:Ignorable=""/>
+                <a:srgbClr val="E5AB1B"/>
               </a:buClr>
               <a:buSzPct val="70000"/>
               <a:buFont typeface="Wingdings" pitchFamily="2" charset="2"/>
@@ -10318,91 +11729,49 @@
                 <a:latin typeface="+mn-lt"/>
                 <a:cs typeface="+mn-cs"/>
               </a:rPr>
-              <a:t>c</a:t>
+              <a:t>c: FDIR! {</a:t>
+            </a:r>
+            <a:r>
+              <a:rPr lang="fr-FR" sz="1400" b="1" kern="0" dirty="0" err="1" smtClean="0">
+                <a:latin typeface="+mn-lt"/>
+                <a:cs typeface="+mn-cs"/>
+              </a:rPr>
+              <a:t>write</a:t>
             </a:r>
             <a:r>
               <a:rPr lang="fr-FR" sz="1400" b="1" kern="0" dirty="0" smtClean="0">
                 <a:latin typeface="+mn-lt"/>
                 <a:cs typeface="+mn-cs"/>
               </a:rPr>
-              <a:t>: FDIR</a:t>
+              <a:t> </a:t>
+            </a:r>
+            <a:r>
+              <a:rPr lang="fr-FR" sz="1400" b="1" kern="0" dirty="0" err="1" smtClean="0">
+                <a:latin typeface="+mn-lt"/>
+                <a:cs typeface="+mn-cs"/>
+              </a:rPr>
+              <a:t>failure</a:t>
             </a:r>
             <a:r>
               <a:rPr lang="fr-FR" sz="1400" b="1" kern="0" dirty="0" smtClean="0">
                 <a:latin typeface="+mn-lt"/>
                 <a:cs typeface="+mn-cs"/>
               </a:rPr>
-              <a:t>! </a:t>
+              <a:t> location, </a:t>
+            </a:r>
+            <a:r>
+              <a:rPr lang="fr-FR" sz="1400" b="1" kern="0" dirty="0" err="1" smtClean="0">
+                <a:latin typeface="+mn-lt"/>
+                <a:cs typeface="+mn-cs"/>
+              </a:rPr>
+              <a:t>write</a:t>
             </a:r>
             <a:r>
               <a:rPr lang="fr-FR" sz="1400" b="1" kern="0" dirty="0" smtClean="0">
                 <a:latin typeface="+mn-lt"/>
                 <a:cs typeface="+mn-cs"/>
               </a:rPr>
-              <a:t>{</a:t>
-            </a:r>
-            <a:r>
-              <a:rPr lang="fr-FR" sz="1400" b="1" kern="0" dirty="0" err="1" smtClean="0">
-                <a:latin typeface="+mn-lt"/>
-                <a:cs typeface="+mn-cs"/>
-              </a:rPr>
-              <a:t>write</a:t>
-            </a:r>
-            <a:r>
-              <a:rPr lang="fr-FR" sz="1400" b="1" kern="0" dirty="0" smtClean="0">
-                <a:latin typeface="+mn-lt"/>
-                <a:cs typeface="+mn-cs"/>
-              </a:rPr>
-              <a:t> </a:t>
-            </a:r>
-            <a:r>
-              <a:rPr lang="fr-FR" sz="1400" b="1" kern="0" dirty="0" err="1" smtClean="0">
-                <a:latin typeface="+mn-lt"/>
-                <a:cs typeface="+mn-cs"/>
-              </a:rPr>
-              <a:t>failure</a:t>
-            </a:r>
-            <a:r>
-              <a:rPr lang="fr-FR" sz="1400" b="1" kern="0" dirty="0" smtClean="0">
-                <a:latin typeface="+mn-lt"/>
-                <a:cs typeface="+mn-cs"/>
-              </a:rPr>
-              <a:t> </a:t>
-            </a:r>
-            <a:r>
-              <a:rPr lang="fr-FR" sz="1400" b="1" kern="0" dirty="0" smtClean="0">
-                <a:latin typeface="+mn-lt"/>
-                <a:cs typeface="+mn-cs"/>
-              </a:rPr>
-              <a:t>location</a:t>
-            </a:r>
-            <a:r>
-              <a:rPr lang="fr-FR" sz="1400" b="1" kern="0" dirty="0" smtClean="0">
-                <a:latin typeface="+mn-lt"/>
-                <a:cs typeface="+mn-cs"/>
-              </a:rPr>
-              <a:t>, </a:t>
-            </a:r>
-            <a:r>
-              <a:rPr lang="fr-FR" sz="1400" b="1" kern="0" dirty="0" err="1" smtClean="0">
-                <a:latin typeface="+mn-lt"/>
-                <a:cs typeface="+mn-cs"/>
-              </a:rPr>
-              <a:t>write</a:t>
-            </a:r>
-            <a:r>
-              <a:rPr lang="fr-FR" sz="1400" b="1" kern="0" dirty="0" smtClean="0">
-                <a:latin typeface="+mn-lt"/>
-                <a:cs typeface="+mn-cs"/>
-              </a:rPr>
-              <a:t> type </a:t>
-            </a:r>
-            <a:r>
-              <a:rPr lang="fr-FR" sz="1400" b="1" kern="0" dirty="0" smtClean="0">
-                <a:latin typeface="+mn-lt"/>
-                <a:cs typeface="+mn-cs"/>
-              </a:rPr>
-              <a:t>of </a:t>
+              <a:t> type of </a:t>
             </a:r>
             <a:r>
               <a:rPr lang="fr-FR" sz="1400" b="1" kern="0" dirty="0" err="1" smtClean="0">
@@ -10463,7 +11832,7 @@
                 <a:spcPct val="0"/>
               </a:spcAft>
               <a:buClr>
-                <a:srgbClr xmlns:mc="http://schemas.openxmlformats.org/markup-compatibility/2006" xmlns:a14="http://schemas.microsoft.com/office/drawing/2007/7/7/main" val="DA7E18" mc:Ignorable=""/>
+                <a:srgbClr val="DA7E18"/>
               </a:buClr>
               <a:buSzPct val="70000"/>
               <a:buFont typeface="Wingdings" pitchFamily="2" charset="2"/>
@@ -10485,7 +11854,7 @@
                 <a:spcPct val="0"/>
               </a:spcAft>
               <a:buClr>
-                <a:srgbClr xmlns:mc="http://schemas.openxmlformats.org/markup-compatibility/2006" xmlns:a14="http://schemas.microsoft.com/office/drawing/2007/7/7/main" val="E5AB1B" mc:Ignorable=""/>
+                <a:srgbClr val="E5AB1B"/>
               </a:buClr>
               <a:buSzPct val="70000"/>
               <a:buFont typeface="Wingdings" pitchFamily="2" charset="2"/>
@@ -10665,7 +12034,7 @@
                 <a:spcPct val="0"/>
               </a:spcAft>
               <a:buClr>
-                <a:srgbClr xmlns:mc="http://schemas.openxmlformats.org/markup-compatibility/2006" xmlns:a14="http://schemas.microsoft.com/office/drawing/2007/7/7/main" val="DA7E18" mc:Ignorable=""/>
+                <a:srgbClr val="DA7E18"/>
               </a:buClr>
               <a:buSzPct val="70000"/>
               <a:buFont typeface="Wingdings" pitchFamily="2" charset="2"/>
@@ -10687,7 +12056,7 @@
                 <a:spcPct val="0"/>
               </a:spcAft>
               <a:buClr>
-                <a:srgbClr xmlns:mc="http://schemas.openxmlformats.org/markup-compatibility/2006" xmlns:a14="http://schemas.microsoft.com/office/drawing/2007/7/7/main" val="E5AB1B" mc:Ignorable=""/>
+                <a:srgbClr val="E5AB1B"/>
               </a:buClr>
               <a:buSzPct val="70000"/>
               <a:buFont typeface="Wingdings" pitchFamily="2" charset="2"/>
@@ -10875,84 +12244,49 @@
                 <a:latin typeface="+mn-lt"/>
                 <a:cs typeface="+mn-cs"/>
               </a:rPr>
-              <a:t>d</a:t>
+              <a:t>d: FDIR Storage System! {</a:t>
+            </a:r>
+            <a:r>
+              <a:rPr lang="fr-FR" sz="1400" b="1" kern="0" dirty="0" err="1" smtClean="0">
+                <a:latin typeface="+mn-lt"/>
+                <a:cs typeface="+mn-cs"/>
+              </a:rPr>
+              <a:t>send</a:t>
             </a:r>
             <a:r>
               <a:rPr lang="fr-FR" sz="1400" b="1" kern="0" dirty="0" smtClean="0">
                 <a:latin typeface="+mn-lt"/>
                 <a:cs typeface="+mn-cs"/>
               </a:rPr>
-              <a:t>: FDIR </a:t>
+              <a:t> </a:t>
+            </a:r>
+            <a:r>
+              <a:rPr lang="fr-FR" sz="1400" b="1" kern="0" dirty="0" err="1" smtClean="0">
+                <a:latin typeface="+mn-lt"/>
+                <a:cs typeface="+mn-cs"/>
+              </a:rPr>
+              <a:t>device</a:t>
             </a:r>
             <a:r>
               <a:rPr lang="fr-FR" sz="1400" b="1" kern="0" dirty="0" smtClean="0">
                 <a:latin typeface="+mn-lt"/>
                 <a:cs typeface="+mn-cs"/>
               </a:rPr>
-              <a:t>Storage System! </a:t>
+              <a:t>, </a:t>
+            </a:r>
+            <a:r>
+              <a:rPr lang="fr-FR" sz="1400" b="1" kern="0" dirty="0" err="1" smtClean="0">
+                <a:latin typeface="+mn-lt"/>
+                <a:cs typeface="+mn-cs"/>
+              </a:rPr>
+              <a:t>send</a:t>
             </a:r>
             <a:r>
               <a:rPr lang="fr-FR" sz="1400" b="1" kern="0" dirty="0" smtClean="0">
                 <a:latin typeface="+mn-lt"/>
                 <a:cs typeface="+mn-cs"/>
               </a:rPr>
-              <a:t>{</a:t>
-            </a:r>
-            <a:r>
-              <a:rPr lang="fr-FR" sz="1400" b="1" kern="0" dirty="0" err="1" smtClean="0">
-                <a:latin typeface="+mn-lt"/>
-                <a:cs typeface="+mn-cs"/>
-              </a:rPr>
-              <a:t>send</a:t>
-            </a:r>
-            <a:r>
-              <a:rPr lang="fr-FR" sz="1400" b="1" kern="0" dirty="0" smtClean="0">
-                <a:latin typeface="+mn-lt"/>
-                <a:cs typeface="+mn-cs"/>
-              </a:rPr>
-              <a:t> </a:t>
-            </a:r>
-            <a:r>
-              <a:rPr lang="fr-FR" sz="1400" b="1" kern="0" dirty="0" err="1" smtClean="0">
-                <a:latin typeface="+mn-lt"/>
-                <a:cs typeface="+mn-cs"/>
-              </a:rPr>
-              <a:t>device</a:t>
-            </a:r>
-            <a:r>
-              <a:rPr lang="fr-FR" sz="1400" b="1" kern="0" dirty="0" smtClean="0">
-                <a:latin typeface="+mn-lt"/>
-                <a:cs typeface="+mn-cs"/>
-              </a:rPr>
-              <a:t>, </a:t>
-            </a:r>
-            <a:r>
-              <a:rPr lang="fr-FR" sz="1400" b="1" kern="0" dirty="0" err="1" smtClean="0">
-                <a:latin typeface="+mn-lt"/>
-                <a:cs typeface="+mn-cs"/>
-              </a:rPr>
-              <a:t>send</a:t>
-            </a:r>
-            <a:r>
-              <a:rPr lang="fr-FR" sz="1400" b="1" kern="0" dirty="0" smtClean="0">
-                <a:latin typeface="+mn-lt"/>
-                <a:cs typeface="+mn-cs"/>
-              </a:rPr>
-              <a:t> </a:t>
-            </a:r>
-            <a:r>
-              <a:rPr lang="fr-FR" sz="1400" b="1" kern="0" dirty="0" smtClean="0">
-                <a:latin typeface="+mn-lt"/>
-                <a:cs typeface="+mn-cs"/>
-              </a:rPr>
-              <a:t>value</a:t>
-            </a:r>
-            <a:r>
-              <a:rPr lang="fr-FR" sz="1400" b="1" kern="0" dirty="0" smtClean="0">
-                <a:latin typeface="+mn-lt"/>
-                <a:cs typeface="+mn-cs"/>
-              </a:rPr>
-              <a:t>}</a:t>
+              <a:t> value}</a:t>
             </a:r>
             <a:endParaRPr kumimoji="0" lang="fr-FR" sz="1400" b="1" i="0" u="none" strike="noStrike" kern="0" cap="none" spc="0" normalizeH="0" baseline="0" noProof="0" dirty="0" smtClean="0">
               <a:ln>
@@ -11011,28 +12345,7 @@
                 <a:latin typeface="+mn-lt"/>
                 <a:cs typeface="+mn-cs"/>
               </a:rPr>
-              <a:t>a</a:t>
-            </a:r>
-            <a:r>
-              <a:rPr lang="fr-FR" sz="1400" b="1" kern="0" dirty="0" smtClean="0">
-                <a:latin typeface="+mn-lt"/>
-                <a:cs typeface="+mn-cs"/>
-              </a:rPr>
-              <a:t>: FDIR </a:t>
-            </a:r>
-            <a:r>
-              <a:rPr lang="fr-FR" sz="1400" b="1" kern="0" dirty="0" smtClean="0">
-                <a:latin typeface="+mn-lt"/>
-                <a:cs typeface="+mn-cs"/>
-              </a:rPr>
-              <a:t>Storage System</a:t>
-            </a:r>
-            <a:r>
-              <a:rPr lang="fr-FR" sz="1400" b="1" kern="0" dirty="0" smtClean="0">
-                <a:latin typeface="+mn-lt"/>
-                <a:cs typeface="+mn-cs"/>
-              </a:rPr>
-              <a:t>! {</a:t>
+              <a:t>a: FDIR Storage System! {</a:t>
             </a:r>
             <a:r>
               <a:rPr lang="fr-FR" sz="1400" b="1" kern="0" dirty="0" err="1" smtClean="0">
@@ -11107,7 +12420,7 @@
                 </a:solidFill>
                 <a:effectLst>
                   <a:outerShdw blurRad="38100" dist="38100" dir="2700000" algn="tl">
-                    <a:srgbClr xmlns:mc="http://schemas.openxmlformats.org/markup-compatibility/2006" xmlns:a14="http://schemas.microsoft.com/office/drawing/2007/7/7/main" val="000000" mc:Ignorable="">
+                    <a:srgbClr val="000000">
                       <a:alpha val="43137"/>
                     </a:srgbClr>
                   </a:outerShdw>
@@ -11144,10 +12457,251 @@
           </a:p>
         </p:txBody>
       </p:sp>
+      <p:sp>
+        <p:nvSpPr>
+          <p:cNvPr id="29" name="ZoneTexte 28"/>
+          <p:cNvSpPr txBox="1"/>
+          <p:nvPr/>
+        </p:nvSpPr>
+        <p:spPr>
+          <a:xfrm>
+            <a:off x="-32" y="0"/>
+            <a:ext cx="1928812" cy="276225"/>
+          </a:xfrm>
+          <a:prstGeom prst="rect">
+            <a:avLst/>
+          </a:prstGeom>
+          <a:noFill/>
+        </p:spPr>
+        <p:txBody>
+          <a:bodyPr>
+            <a:spAutoFit/>
+          </a:bodyPr>
+          <a:lstStyle/>
+          <a:p>
+            <a:pPr algn="ctr" fontAlgn="auto">
+              <a:spcBef>
+                <a:spcPct val="20000"/>
+              </a:spcBef>
+              <a:spcAft>
+                <a:spcPts val="0"/>
+              </a:spcAft>
+              <a:defRPr/>
+            </a:pPr>
+            <a:r>
+              <a:rPr lang="fr-FR" sz="1200" kern="0" dirty="0" smtClean="0">
+                <a:solidFill>
+                  <a:schemeClr val="bg1">
+                    <a:lumMod val="50000"/>
+                  </a:schemeClr>
+                </a:solidFill>
+                <a:latin typeface="+mn-lt"/>
+                <a:cs typeface="+mn-cs"/>
+              </a:rPr>
+              <a:t>Domain identification</a:t>
+            </a:r>
+            <a:endParaRPr lang="fr-FR" sz="1200" kern="0" dirty="0">
+              <a:solidFill>
+                <a:schemeClr val="bg1">
+                  <a:lumMod val="50000"/>
+                </a:schemeClr>
+              </a:solidFill>
+              <a:latin typeface="+mn-lt"/>
+              <a:cs typeface="+mn-cs"/>
+            </a:endParaRPr>
+          </a:p>
+        </p:txBody>
+      </p:sp>
+      <p:sp>
+        <p:nvSpPr>
+          <p:cNvPr id="30" name="ZoneTexte 29"/>
+          <p:cNvSpPr txBox="1"/>
+          <p:nvPr/>
+        </p:nvSpPr>
+        <p:spPr>
+          <a:xfrm>
+            <a:off x="2143122" y="0"/>
+            <a:ext cx="1928812" cy="276225"/>
+          </a:xfrm>
+          <a:prstGeom prst="rect">
+            <a:avLst/>
+          </a:prstGeom>
+          <a:noFill/>
+        </p:spPr>
+        <p:txBody>
+          <a:bodyPr>
+            <a:spAutoFit/>
+          </a:bodyPr>
+          <a:lstStyle/>
+          <a:p>
+            <a:pPr algn="ctr" fontAlgn="auto">
+              <a:spcBef>
+                <a:spcPct val="20000"/>
+              </a:spcBef>
+              <a:spcAft>
+                <a:spcPts val="0"/>
+              </a:spcAft>
+              <a:defRPr/>
+            </a:pPr>
+            <a:r>
+              <a:rPr lang="fr-FR" sz="1200" kern="0" dirty="0" err="1" smtClean="0">
+                <a:solidFill>
+                  <a:schemeClr val="bg1">
+                    <a:lumMod val="50000"/>
+                  </a:schemeClr>
+                </a:solidFill>
+                <a:latin typeface="+mn-lt"/>
+                <a:cs typeface="+mn-cs"/>
+              </a:rPr>
+              <a:t>Requirements</a:t>
+            </a:r>
+            <a:endParaRPr lang="fr-FR" sz="1200" kern="0" dirty="0">
+              <a:solidFill>
+                <a:schemeClr val="bg1">
+                  <a:lumMod val="50000"/>
+                </a:schemeClr>
+              </a:solidFill>
+              <a:latin typeface="+mn-lt"/>
+              <a:cs typeface="+mn-cs"/>
+            </a:endParaRPr>
+          </a:p>
+        </p:txBody>
+      </p:sp>
+      <p:sp>
+        <p:nvSpPr>
+          <p:cNvPr id="31" name="ZoneTexte 30"/>
+          <p:cNvSpPr txBox="1"/>
+          <p:nvPr/>
+        </p:nvSpPr>
+        <p:spPr>
+          <a:xfrm>
+            <a:off x="4214818" y="0"/>
+            <a:ext cx="2571760" cy="276999"/>
+          </a:xfrm>
+          <a:prstGeom prst="rect">
+            <a:avLst/>
+          </a:prstGeom>
+          <a:noFill/>
+        </p:spPr>
+        <p:txBody>
+          <a:bodyPr wrap="square">
+            <a:spAutoFit/>
+          </a:bodyPr>
+          <a:lstStyle/>
+          <a:p>
+            <a:pPr algn="ctr" fontAlgn="auto">
+              <a:spcBef>
+                <a:spcPct val="20000"/>
+              </a:spcBef>
+              <a:spcAft>
+                <a:spcPts val="0"/>
+              </a:spcAft>
+              <a:defRPr/>
+            </a:pPr>
+            <a:r>
+              <a:rPr lang="fr-FR" sz="1200" kern="0" dirty="0" err="1" smtClean="0">
+                <a:solidFill>
+                  <a:schemeClr val="bg1">
+                    <a:lumMod val="50000"/>
+                  </a:schemeClr>
+                </a:solidFill>
+                <a:latin typeface="+mn-lt"/>
+                <a:cs typeface="+mn-cs"/>
+              </a:rPr>
+              <a:t>Context</a:t>
+            </a:r>
+            <a:r>
+              <a:rPr lang="fr-FR" sz="1200" kern="0" dirty="0" smtClean="0">
+                <a:solidFill>
+                  <a:schemeClr val="bg1">
+                    <a:lumMod val="50000"/>
+                  </a:schemeClr>
+                </a:solidFill>
+                <a:latin typeface="+mn-lt"/>
+                <a:cs typeface="+mn-cs"/>
+              </a:rPr>
+              <a:t> </a:t>
+            </a:r>
+            <a:r>
+              <a:rPr lang="fr-FR" sz="1200" kern="0" dirty="0" err="1" smtClean="0">
+                <a:solidFill>
+                  <a:schemeClr val="bg1">
+                    <a:lumMod val="50000"/>
+                  </a:schemeClr>
+                </a:solidFill>
+                <a:latin typeface="+mn-lt"/>
+                <a:cs typeface="+mn-cs"/>
+              </a:rPr>
+              <a:t>diagram</a:t>
+            </a:r>
+            <a:endParaRPr lang="fr-FR" sz="1200" kern="0" dirty="0">
+              <a:solidFill>
+                <a:schemeClr val="bg1">
+                  <a:lumMod val="50000"/>
+                </a:schemeClr>
+              </a:solidFill>
+              <a:latin typeface="+mn-lt"/>
+              <a:cs typeface="+mn-cs"/>
+            </a:endParaRPr>
+          </a:p>
+        </p:txBody>
+      </p:sp>
+      <p:sp>
+        <p:nvSpPr>
+          <p:cNvPr id="32" name="ZoneTexte 31"/>
+          <p:cNvSpPr txBox="1"/>
+          <p:nvPr/>
+        </p:nvSpPr>
+        <p:spPr>
+          <a:xfrm>
+            <a:off x="6572277" y="0"/>
+            <a:ext cx="1928813" cy="276225"/>
+          </a:xfrm>
+          <a:prstGeom prst="rect">
+            <a:avLst/>
+          </a:prstGeom>
+          <a:noFill/>
+        </p:spPr>
+        <p:txBody>
+          <a:bodyPr>
+            <a:spAutoFit/>
+          </a:bodyPr>
+          <a:lstStyle/>
+          <a:p>
+            <a:pPr algn="ctr" fontAlgn="auto">
+              <a:spcBef>
+                <a:spcPct val="20000"/>
+              </a:spcBef>
+              <a:spcAft>
+                <a:spcPts val="0"/>
+              </a:spcAft>
+              <a:defRPr/>
+            </a:pPr>
+            <a:r>
+              <a:rPr lang="fr-FR" sz="1200" b="1" u="sng" kern="0" dirty="0" err="1" smtClean="0">
+                <a:latin typeface="+mn-lt"/>
+                <a:cs typeface="+mn-cs"/>
+              </a:rPr>
+              <a:t>Problem</a:t>
+            </a:r>
+            <a:r>
+              <a:rPr lang="fr-FR" sz="1200" b="1" u="sng" kern="0" dirty="0" smtClean="0">
+                <a:latin typeface="+mn-lt"/>
+                <a:cs typeface="+mn-cs"/>
+              </a:rPr>
+              <a:t> frames</a:t>
+            </a:r>
+            <a:endParaRPr lang="fr-FR" sz="1200" b="1" u="sng" kern="0" dirty="0">
+              <a:latin typeface="+mn-lt"/>
+              <a:cs typeface="+mn-cs"/>
+            </a:endParaRPr>
+          </a:p>
+        </p:txBody>
+      </p:sp>
     </p:spTree>
     <p:extLst>
       <p:ext uri="{BB962C8B-B14F-4D97-AF65-F5344CB8AC3E}">
-        <p14:creationId xmlns:p14="http://schemas.microsoft.com/office/powerpoint/2007/7/12/main" val="2448966025"/>
+        <p14:creationId xmlns="" xmlns:p14="http://schemas.microsoft.com/office/powerpoint/2007/7/12/main" val="2448966025"/>
       </p:ext>
     </p:extLst>
   </p:cSld>
@@ -11157,7 +12711,7 @@
   <p:timing>
     <p:tnLst>
       <p:par>
-        <p:cTn xmlns:p14="http://schemas.microsoft.com/office/powerpoint/2007/7/12/main" id="1" dur="indefinite" restart="never" nodeType="tmRoot"/>
+        <p:cTn id="1" dur="indefinite" restart="never" nodeType="tmRoot"/>
       </p:par>
     </p:tnLst>
   </p:timing>
@@ -11374,10 +12928,251 @@
           </a:p>
         </p:txBody>
       </p:sp>
+      <p:sp>
+        <p:nvSpPr>
+          <p:cNvPr id="4" name="ZoneTexte 3"/>
+          <p:cNvSpPr txBox="1"/>
+          <p:nvPr/>
+        </p:nvSpPr>
+        <p:spPr>
+          <a:xfrm>
+            <a:off x="-32" y="0"/>
+            <a:ext cx="1928812" cy="276225"/>
+          </a:xfrm>
+          <a:prstGeom prst="rect">
+            <a:avLst/>
+          </a:prstGeom>
+          <a:noFill/>
+        </p:spPr>
+        <p:txBody>
+          <a:bodyPr>
+            <a:spAutoFit/>
+          </a:bodyPr>
+          <a:lstStyle/>
+          <a:p>
+            <a:pPr algn="ctr" fontAlgn="auto">
+              <a:spcBef>
+                <a:spcPct val="20000"/>
+              </a:spcBef>
+              <a:spcAft>
+                <a:spcPts val="0"/>
+              </a:spcAft>
+              <a:defRPr/>
+            </a:pPr>
+            <a:r>
+              <a:rPr lang="fr-FR" sz="1200" kern="0" dirty="0" smtClean="0">
+                <a:solidFill>
+                  <a:schemeClr val="bg1">
+                    <a:lumMod val="50000"/>
+                  </a:schemeClr>
+                </a:solidFill>
+                <a:latin typeface="+mn-lt"/>
+                <a:cs typeface="+mn-cs"/>
+              </a:rPr>
+              <a:t>Domain identification</a:t>
+            </a:r>
+            <a:endParaRPr lang="fr-FR" sz="1200" kern="0" dirty="0">
+              <a:solidFill>
+                <a:schemeClr val="bg1">
+                  <a:lumMod val="50000"/>
+                </a:schemeClr>
+              </a:solidFill>
+              <a:latin typeface="+mn-lt"/>
+              <a:cs typeface="+mn-cs"/>
+            </a:endParaRPr>
+          </a:p>
+        </p:txBody>
+      </p:sp>
+      <p:sp>
+        <p:nvSpPr>
+          <p:cNvPr id="5" name="ZoneTexte 4"/>
+          <p:cNvSpPr txBox="1"/>
+          <p:nvPr/>
+        </p:nvSpPr>
+        <p:spPr>
+          <a:xfrm>
+            <a:off x="2143122" y="0"/>
+            <a:ext cx="1928812" cy="276225"/>
+          </a:xfrm>
+          <a:prstGeom prst="rect">
+            <a:avLst/>
+          </a:prstGeom>
+          <a:noFill/>
+        </p:spPr>
+        <p:txBody>
+          <a:bodyPr>
+            <a:spAutoFit/>
+          </a:bodyPr>
+          <a:lstStyle/>
+          <a:p>
+            <a:pPr algn="ctr" fontAlgn="auto">
+              <a:spcBef>
+                <a:spcPct val="20000"/>
+              </a:spcBef>
+              <a:spcAft>
+                <a:spcPts val="0"/>
+              </a:spcAft>
+              <a:defRPr/>
+            </a:pPr>
+            <a:r>
+              <a:rPr lang="fr-FR" sz="1200" kern="0" dirty="0" err="1" smtClean="0">
+                <a:solidFill>
+                  <a:schemeClr val="bg1">
+                    <a:lumMod val="50000"/>
+                  </a:schemeClr>
+                </a:solidFill>
+                <a:latin typeface="+mn-lt"/>
+                <a:cs typeface="+mn-cs"/>
+              </a:rPr>
+              <a:t>Requirements</a:t>
+            </a:r>
+            <a:endParaRPr lang="fr-FR" sz="1200" kern="0" dirty="0">
+              <a:solidFill>
+                <a:schemeClr val="bg1">
+                  <a:lumMod val="50000"/>
+                </a:schemeClr>
+              </a:solidFill>
+              <a:latin typeface="+mn-lt"/>
+              <a:cs typeface="+mn-cs"/>
+            </a:endParaRPr>
+          </a:p>
+        </p:txBody>
+      </p:sp>
+      <p:sp>
+        <p:nvSpPr>
+          <p:cNvPr id="6" name="ZoneTexte 5"/>
+          <p:cNvSpPr txBox="1"/>
+          <p:nvPr/>
+        </p:nvSpPr>
+        <p:spPr>
+          <a:xfrm>
+            <a:off x="4214818" y="0"/>
+            <a:ext cx="2571760" cy="276999"/>
+          </a:xfrm>
+          <a:prstGeom prst="rect">
+            <a:avLst/>
+          </a:prstGeom>
+          <a:noFill/>
+        </p:spPr>
+        <p:txBody>
+          <a:bodyPr wrap="square">
+            <a:spAutoFit/>
+          </a:bodyPr>
+          <a:lstStyle/>
+          <a:p>
+            <a:pPr algn="ctr" fontAlgn="auto">
+              <a:spcBef>
+                <a:spcPct val="20000"/>
+              </a:spcBef>
+              <a:spcAft>
+                <a:spcPts val="0"/>
+              </a:spcAft>
+              <a:defRPr/>
+            </a:pPr>
+            <a:r>
+              <a:rPr lang="fr-FR" sz="1200" kern="0" dirty="0" err="1" smtClean="0">
+                <a:solidFill>
+                  <a:schemeClr val="bg1">
+                    <a:lumMod val="50000"/>
+                  </a:schemeClr>
+                </a:solidFill>
+                <a:latin typeface="+mn-lt"/>
+                <a:cs typeface="+mn-cs"/>
+              </a:rPr>
+              <a:t>Context</a:t>
+            </a:r>
+            <a:r>
+              <a:rPr lang="fr-FR" sz="1200" kern="0" dirty="0" smtClean="0">
+                <a:solidFill>
+                  <a:schemeClr val="bg1">
+                    <a:lumMod val="50000"/>
+                  </a:schemeClr>
+                </a:solidFill>
+                <a:latin typeface="+mn-lt"/>
+                <a:cs typeface="+mn-cs"/>
+              </a:rPr>
+              <a:t> </a:t>
+            </a:r>
+            <a:r>
+              <a:rPr lang="fr-FR" sz="1200" kern="0" dirty="0" err="1" smtClean="0">
+                <a:solidFill>
+                  <a:schemeClr val="bg1">
+                    <a:lumMod val="50000"/>
+                  </a:schemeClr>
+                </a:solidFill>
+                <a:latin typeface="+mn-lt"/>
+                <a:cs typeface="+mn-cs"/>
+              </a:rPr>
+              <a:t>diagram</a:t>
+            </a:r>
+            <a:endParaRPr lang="fr-FR" sz="1200" kern="0" dirty="0">
+              <a:solidFill>
+                <a:schemeClr val="bg1">
+                  <a:lumMod val="50000"/>
+                </a:schemeClr>
+              </a:solidFill>
+              <a:latin typeface="+mn-lt"/>
+              <a:cs typeface="+mn-cs"/>
+            </a:endParaRPr>
+          </a:p>
+        </p:txBody>
+      </p:sp>
+      <p:sp>
+        <p:nvSpPr>
+          <p:cNvPr id="7" name="ZoneTexte 6"/>
+          <p:cNvSpPr txBox="1"/>
+          <p:nvPr/>
+        </p:nvSpPr>
+        <p:spPr>
+          <a:xfrm>
+            <a:off x="6572277" y="0"/>
+            <a:ext cx="1928813" cy="276225"/>
+          </a:xfrm>
+          <a:prstGeom prst="rect">
+            <a:avLst/>
+          </a:prstGeom>
+          <a:noFill/>
+        </p:spPr>
+        <p:txBody>
+          <a:bodyPr>
+            <a:spAutoFit/>
+          </a:bodyPr>
+          <a:lstStyle/>
+          <a:p>
+            <a:pPr algn="ctr" fontAlgn="auto">
+              <a:spcBef>
+                <a:spcPct val="20000"/>
+              </a:spcBef>
+              <a:spcAft>
+                <a:spcPts val="0"/>
+              </a:spcAft>
+              <a:defRPr/>
+            </a:pPr>
+            <a:r>
+              <a:rPr lang="fr-FR" sz="1200" b="1" u="sng" kern="0" dirty="0" err="1" smtClean="0">
+                <a:latin typeface="+mn-lt"/>
+                <a:cs typeface="+mn-cs"/>
+              </a:rPr>
+              <a:t>Problem</a:t>
+            </a:r>
+            <a:r>
+              <a:rPr lang="fr-FR" sz="1200" b="1" u="sng" kern="0" dirty="0" smtClean="0">
+                <a:latin typeface="+mn-lt"/>
+                <a:cs typeface="+mn-cs"/>
+              </a:rPr>
+              <a:t> frames</a:t>
+            </a:r>
+            <a:endParaRPr lang="fr-FR" sz="1200" b="1" u="sng" kern="0" dirty="0">
+              <a:latin typeface="+mn-lt"/>
+              <a:cs typeface="+mn-cs"/>
+            </a:endParaRPr>
+          </a:p>
+        </p:txBody>
+      </p:sp>
     </p:spTree>
     <p:extLst>
       <p:ext uri="{BB962C8B-B14F-4D97-AF65-F5344CB8AC3E}">
-        <p14:creationId xmlns:p14="http://schemas.microsoft.com/office/powerpoint/2007/7/12/main" val="883924539"/>
+        <p14:creationId xmlns="" xmlns:p14="http://schemas.microsoft.com/office/powerpoint/2007/7/12/main" val="883924539"/>
       </p:ext>
     </p:extLst>
   </p:cSld>
@@ -11387,7 +13182,7 @@
   <p:timing>
     <p:tnLst>
       <p:par>
-        <p:cTn xmlns:p14="http://schemas.microsoft.com/office/powerpoint/2007/7/12/main" id="1" dur="indefinite" restart="never" nodeType="tmRoot"/>
+        <p:cTn id="1" dur="indefinite" restart="never" nodeType="tmRoot"/>
       </p:par>
     </p:tnLst>
   </p:timing>
@@ -11428,11 +13223,7 @@
           <a:p>
             <a:r>
               <a:rPr lang="en-US" sz="2800" dirty="0" smtClean="0"/>
-              <a:t>Response in case of </a:t>
-            </a:r>
-            <a:r>
-              <a:rPr lang="en-US" sz="2800" dirty="0" smtClean="0"/>
-              <a:t>unresolvable conditions</a:t>
+              <a:t>Response in case of unresolvable conditions</a:t>
             </a:r>
             <a:endParaRPr lang="fr-FR" sz="2800" dirty="0"/>
           </a:p>
@@ -11787,23 +13578,7 @@
                   <a:latin typeface="+mn-lt"/>
                   <a:cs typeface="+mn-cs"/>
                 </a:rPr>
-                <a:t> </a:t>
-              </a:r>
-              <a:r>
-                <a:rPr kumimoji="0" lang="fr-FR" sz="1400" b="1" i="0" u="none" strike="noStrike" kern="0" cap="none" spc="0" normalizeH="0" noProof="0" dirty="0" smtClean="0">
-                  <a:ln>
-                    <a:noFill/>
-                  </a:ln>
-                  <a:solidFill>
-                    <a:schemeClr val="bg1"/>
-                  </a:solidFill>
-                  <a:effectLst/>
-                  <a:uLnTx/>
-                  <a:uFillTx/>
-                  <a:latin typeface="+mn-lt"/>
-                  <a:cs typeface="+mn-cs"/>
-                </a:rPr>
-                <a:t>conditions</a:t>
+                <a:t> conditions</a:t>
               </a:r>
               <a:endParaRPr kumimoji="0" lang="fr-FR" sz="1400" b="1" i="0" u="none" strike="noStrike" kern="0" cap="none" spc="0" normalizeH="0" baseline="0" noProof="0" dirty="0" smtClean="0">
                 <a:ln>
@@ -11962,21 +13737,7 @@
                 <a:latin typeface="+mn-lt"/>
                 <a:cs typeface="+mn-cs"/>
               </a:rPr>
-              <a:t>b</a:t>
-            </a:r>
-            <a:r>
-              <a:rPr lang="fr-FR" sz="1400" b="1" kern="0" dirty="0" smtClean="0">
-                <a:latin typeface="+mn-lt"/>
-                <a:cs typeface="+mn-cs"/>
-              </a:rPr>
-              <a:t>: Report</a:t>
-            </a:r>
-            <a:r>
-              <a:rPr lang="fr-FR" sz="1400" b="1" kern="0" dirty="0" smtClean="0">
-                <a:latin typeface="+mn-lt"/>
-                <a:cs typeface="+mn-cs"/>
-              </a:rPr>
-              <a:t>! {notification} </a:t>
+              <a:t>b: Report! {notification} </a:t>
             </a:r>
             <a:endParaRPr kumimoji="0" lang="fr-FR" sz="1400" b="1" i="0" u="none" strike="noStrike" kern="0" cap="none" spc="0" normalizeH="0" baseline="0" noProof="0" dirty="0" smtClean="0">
               <a:ln>
@@ -12086,7 +13847,7 @@
                 <a:spcPct val="0"/>
               </a:spcAft>
               <a:buClr>
-                <a:srgbClr xmlns:mc="http://schemas.openxmlformats.org/markup-compatibility/2006" xmlns:a14="http://schemas.microsoft.com/office/drawing/2007/7/7/main" val="DA7E18" mc:Ignorable=""/>
+                <a:srgbClr val="DA7E18"/>
               </a:buClr>
               <a:buSzPct val="70000"/>
               <a:buFont typeface="Wingdings" pitchFamily="2" charset="2"/>
@@ -12108,7 +13869,7 @@
                 <a:spcPct val="0"/>
               </a:spcAft>
               <a:buClr>
-                <a:srgbClr xmlns:mc="http://schemas.openxmlformats.org/markup-compatibility/2006" xmlns:a14="http://schemas.microsoft.com/office/drawing/2007/7/7/main" val="E5AB1B" mc:Ignorable=""/>
+                <a:srgbClr val="E5AB1B"/>
               </a:buClr>
               <a:buSzPct val="70000"/>
               <a:buFont typeface="Wingdings" pitchFamily="2" charset="2"/>
@@ -12499,42 +14260,21 @@
                 <a:latin typeface="+mn-lt"/>
                 <a:cs typeface="+mn-cs"/>
               </a:rPr>
-              <a:t>c</a:t>
+              <a:t>c: FDIR! {</a:t>
+            </a:r>
+            <a:r>
+              <a:rPr lang="fr-FR" sz="1400" b="1" kern="0" dirty="0" err="1" smtClean="0">
+                <a:latin typeface="+mn-lt"/>
+                <a:cs typeface="+mn-cs"/>
+              </a:rPr>
+              <a:t>write</a:t>
             </a:r>
             <a:r>
               <a:rPr lang="fr-FR" sz="1400" b="1" kern="0" dirty="0" smtClean="0">
                 <a:latin typeface="+mn-lt"/>
                 <a:cs typeface="+mn-cs"/>
               </a:rPr>
-              <a:t>: FDIR</a:t>
-            </a:r>
-            <a:r>
-              <a:rPr lang="fr-FR" sz="1400" b="1" kern="0" dirty="0" smtClean="0">
-                <a:latin typeface="+mn-lt"/>
-                <a:cs typeface="+mn-cs"/>
-              </a:rPr>
-              <a:t>! {</a:t>
-            </a:r>
-            <a:r>
-              <a:rPr lang="fr-FR" sz="1400" b="1" kern="0" dirty="0" err="1" smtClean="0">
-                <a:latin typeface="+mn-lt"/>
-                <a:cs typeface="+mn-cs"/>
-              </a:rPr>
-              <a:t>write</a:t>
-            </a:r>
-            <a:r>
-              <a:rPr lang="fr-FR" sz="1400" b="1" kern="0" dirty="0" smtClean="0">
-                <a:latin typeface="+mn-lt"/>
-                <a:cs typeface="+mn-cs"/>
-              </a:rPr>
-              <a:t> notification</a:t>
-            </a:r>
-            <a:r>
-              <a:rPr lang="fr-FR" sz="1400" b="1" kern="0" dirty="0" smtClean="0">
-                <a:latin typeface="+mn-lt"/>
-                <a:cs typeface="+mn-cs"/>
-              </a:rPr>
-              <a:t>, </a:t>
+              <a:t> notification, </a:t>
             </a:r>
             <a:r>
               <a:rPr lang="fr-FR" sz="1400" b="1" kern="0" dirty="0" err="1" smtClean="0">
@@ -12609,7 +14349,7 @@
                 <a:spcPct val="0"/>
               </a:spcAft>
               <a:buClr>
-                <a:srgbClr xmlns:mc="http://schemas.openxmlformats.org/markup-compatibility/2006" xmlns:a14="http://schemas.microsoft.com/office/drawing/2007/7/7/main" val="DA7E18" mc:Ignorable=""/>
+                <a:srgbClr val="DA7E18"/>
               </a:buClr>
               <a:buSzPct val="70000"/>
               <a:buFont typeface="Wingdings" pitchFamily="2" charset="2"/>
@@ -12631,7 +14371,7 @@
                 <a:spcPct val="0"/>
               </a:spcAft>
               <a:buClr>
-                <a:srgbClr xmlns:mc="http://schemas.openxmlformats.org/markup-compatibility/2006" xmlns:a14="http://schemas.microsoft.com/office/drawing/2007/7/7/main" val="E5AB1B" mc:Ignorable=""/>
+                <a:srgbClr val="E5AB1B"/>
               </a:buClr>
               <a:buSzPct val="70000"/>
               <a:buFont typeface="Wingdings" pitchFamily="2" charset="2"/>
@@ -12811,7 +14551,7 @@
                 <a:spcPct val="0"/>
               </a:spcAft>
               <a:buClr>
-                <a:srgbClr xmlns:mc="http://schemas.openxmlformats.org/markup-compatibility/2006" xmlns:a14="http://schemas.microsoft.com/office/drawing/2007/7/7/main" val="DA7E18" mc:Ignorable=""/>
+                <a:srgbClr val="DA7E18"/>
               </a:buClr>
               <a:buSzPct val="70000"/>
               <a:buFont typeface="Wingdings" pitchFamily="2" charset="2"/>
@@ -12833,7 +14573,7 @@
                 <a:spcPct val="0"/>
               </a:spcAft>
               <a:buClr>
-                <a:srgbClr xmlns:mc="http://schemas.openxmlformats.org/markup-compatibility/2006" xmlns:a14="http://schemas.microsoft.com/office/drawing/2007/7/7/main" val="E5AB1B" mc:Ignorable=""/>
+                <a:srgbClr val="E5AB1B"/>
               </a:buClr>
               <a:buSzPct val="70000"/>
               <a:buFont typeface="Wingdings" pitchFamily="2" charset="2"/>
@@ -13021,21 +14761,7 @@
                 <a:latin typeface="+mn-lt"/>
                 <a:cs typeface="+mn-cs"/>
               </a:rPr>
-              <a:t>d</a:t>
-            </a:r>
-            <a:r>
-              <a:rPr lang="fr-FR" sz="1400" b="1" kern="0" dirty="0" smtClean="0">
-                <a:latin typeface="+mn-lt"/>
-                <a:cs typeface="+mn-cs"/>
-              </a:rPr>
-              <a:t>: FDIR </a:t>
-            </a:r>
-            <a:r>
-              <a:rPr lang="fr-FR" sz="1400" b="1" kern="0" dirty="0" smtClean="0">
-                <a:latin typeface="+mn-lt"/>
-                <a:cs typeface="+mn-cs"/>
-              </a:rPr>
-              <a:t>Storage System! {</a:t>
+              <a:t>d: FDIR Storage System! {</a:t>
             </a:r>
             <a:r>
               <a:rPr lang="fr-FR" sz="1400" b="1" kern="0" dirty="0" err="1" smtClean="0">
@@ -13136,28 +14862,7 @@
                 <a:latin typeface="+mn-lt"/>
                 <a:cs typeface="+mn-cs"/>
               </a:rPr>
-              <a:t>a</a:t>
-            </a:r>
-            <a:r>
-              <a:rPr lang="fr-FR" sz="1400" b="1" kern="0" dirty="0" smtClean="0">
-                <a:latin typeface="+mn-lt"/>
-                <a:cs typeface="+mn-cs"/>
-              </a:rPr>
-              <a:t>: FDIR </a:t>
-            </a:r>
-            <a:r>
-              <a:rPr lang="fr-FR" sz="1400" b="1" kern="0" dirty="0" smtClean="0">
-                <a:latin typeface="+mn-lt"/>
-                <a:cs typeface="+mn-cs"/>
-              </a:rPr>
-              <a:t>Storage System</a:t>
-            </a:r>
-            <a:r>
-              <a:rPr lang="fr-FR" sz="1400" b="1" kern="0" dirty="0" smtClean="0">
-                <a:latin typeface="+mn-lt"/>
-                <a:cs typeface="+mn-cs"/>
-              </a:rPr>
-              <a:t>! {</a:t>
+              <a:t>a: FDIR Storage System! {</a:t>
             </a:r>
             <a:r>
               <a:rPr lang="fr-FR" sz="1400" b="1" kern="0" dirty="0" err="1" smtClean="0">
@@ -13232,7 +14937,7 @@
                 </a:solidFill>
                 <a:effectLst>
                   <a:outerShdw blurRad="38100" dist="38100" dir="2700000" algn="tl">
-                    <a:srgbClr xmlns:mc="http://schemas.openxmlformats.org/markup-compatibility/2006" xmlns:a14="http://schemas.microsoft.com/office/drawing/2007/7/7/main" val="000000" mc:Ignorable="">
+                    <a:srgbClr val="000000">
                       <a:alpha val="43137"/>
                     </a:srgbClr>
                   </a:outerShdw>
@@ -13269,10 +14974,251 @@
           </a:p>
         </p:txBody>
       </p:sp>
+      <p:sp>
+        <p:nvSpPr>
+          <p:cNvPr id="29" name="ZoneTexte 28"/>
+          <p:cNvSpPr txBox="1"/>
+          <p:nvPr/>
+        </p:nvSpPr>
+        <p:spPr>
+          <a:xfrm>
+            <a:off x="-32" y="0"/>
+            <a:ext cx="1928812" cy="276225"/>
+          </a:xfrm>
+          <a:prstGeom prst="rect">
+            <a:avLst/>
+          </a:prstGeom>
+          <a:noFill/>
+        </p:spPr>
+        <p:txBody>
+          <a:bodyPr>
+            <a:spAutoFit/>
+          </a:bodyPr>
+          <a:lstStyle/>
+          <a:p>
+            <a:pPr algn="ctr" fontAlgn="auto">
+              <a:spcBef>
+                <a:spcPct val="20000"/>
+              </a:spcBef>
+              <a:spcAft>
+                <a:spcPts val="0"/>
+              </a:spcAft>
+              <a:defRPr/>
+            </a:pPr>
+            <a:r>
+              <a:rPr lang="fr-FR" sz="1200" kern="0" dirty="0" smtClean="0">
+                <a:solidFill>
+                  <a:schemeClr val="bg1">
+                    <a:lumMod val="50000"/>
+                  </a:schemeClr>
+                </a:solidFill>
+                <a:latin typeface="+mn-lt"/>
+                <a:cs typeface="+mn-cs"/>
+              </a:rPr>
+              <a:t>Domain identification</a:t>
+            </a:r>
+            <a:endParaRPr lang="fr-FR" sz="1200" kern="0" dirty="0">
+              <a:solidFill>
+                <a:schemeClr val="bg1">
+                  <a:lumMod val="50000"/>
+                </a:schemeClr>
+              </a:solidFill>
+              <a:latin typeface="+mn-lt"/>
+              <a:cs typeface="+mn-cs"/>
+            </a:endParaRPr>
+          </a:p>
+        </p:txBody>
+      </p:sp>
+      <p:sp>
+        <p:nvSpPr>
+          <p:cNvPr id="30" name="ZoneTexte 29"/>
+          <p:cNvSpPr txBox="1"/>
+          <p:nvPr/>
+        </p:nvSpPr>
+        <p:spPr>
+          <a:xfrm>
+            <a:off x="2143122" y="0"/>
+            <a:ext cx="1928812" cy="276225"/>
+          </a:xfrm>
+          <a:prstGeom prst="rect">
+            <a:avLst/>
+          </a:prstGeom>
+          <a:noFill/>
+        </p:spPr>
+        <p:txBody>
+          <a:bodyPr>
+            <a:spAutoFit/>
+          </a:bodyPr>
+          <a:lstStyle/>
+          <a:p>
+            <a:pPr algn="ctr" fontAlgn="auto">
+              <a:spcBef>
+                <a:spcPct val="20000"/>
+              </a:spcBef>
+              <a:spcAft>
+                <a:spcPts val="0"/>
+              </a:spcAft>
+              <a:defRPr/>
+            </a:pPr>
+            <a:r>
+              <a:rPr lang="fr-FR" sz="1200" kern="0" dirty="0" err="1" smtClean="0">
+                <a:solidFill>
+                  <a:schemeClr val="bg1">
+                    <a:lumMod val="50000"/>
+                  </a:schemeClr>
+                </a:solidFill>
+                <a:latin typeface="+mn-lt"/>
+                <a:cs typeface="+mn-cs"/>
+              </a:rPr>
+              <a:t>Requirements</a:t>
+            </a:r>
+            <a:endParaRPr lang="fr-FR" sz="1200" kern="0" dirty="0">
+              <a:solidFill>
+                <a:schemeClr val="bg1">
+                  <a:lumMod val="50000"/>
+                </a:schemeClr>
+              </a:solidFill>
+              <a:latin typeface="+mn-lt"/>
+              <a:cs typeface="+mn-cs"/>
+            </a:endParaRPr>
+          </a:p>
+        </p:txBody>
+      </p:sp>
+      <p:sp>
+        <p:nvSpPr>
+          <p:cNvPr id="31" name="ZoneTexte 30"/>
+          <p:cNvSpPr txBox="1"/>
+          <p:nvPr/>
+        </p:nvSpPr>
+        <p:spPr>
+          <a:xfrm>
+            <a:off x="4214818" y="0"/>
+            <a:ext cx="2571760" cy="276999"/>
+          </a:xfrm>
+          <a:prstGeom prst="rect">
+            <a:avLst/>
+          </a:prstGeom>
+          <a:noFill/>
+        </p:spPr>
+        <p:txBody>
+          <a:bodyPr wrap="square">
+            <a:spAutoFit/>
+          </a:bodyPr>
+          <a:lstStyle/>
+          <a:p>
+            <a:pPr algn="ctr" fontAlgn="auto">
+              <a:spcBef>
+                <a:spcPct val="20000"/>
+              </a:spcBef>
+              <a:spcAft>
+                <a:spcPts val="0"/>
+              </a:spcAft>
+              <a:defRPr/>
+            </a:pPr>
+            <a:r>
+              <a:rPr lang="fr-FR" sz="1200" kern="0" dirty="0" err="1" smtClean="0">
+                <a:solidFill>
+                  <a:schemeClr val="bg1">
+                    <a:lumMod val="50000"/>
+                  </a:schemeClr>
+                </a:solidFill>
+                <a:latin typeface="+mn-lt"/>
+                <a:cs typeface="+mn-cs"/>
+              </a:rPr>
+              <a:t>Context</a:t>
+            </a:r>
+            <a:r>
+              <a:rPr lang="fr-FR" sz="1200" kern="0" dirty="0" smtClean="0">
+                <a:solidFill>
+                  <a:schemeClr val="bg1">
+                    <a:lumMod val="50000"/>
+                  </a:schemeClr>
+                </a:solidFill>
+                <a:latin typeface="+mn-lt"/>
+                <a:cs typeface="+mn-cs"/>
+              </a:rPr>
+              <a:t> </a:t>
+            </a:r>
+            <a:r>
+              <a:rPr lang="fr-FR" sz="1200" kern="0" dirty="0" err="1" smtClean="0">
+                <a:solidFill>
+                  <a:schemeClr val="bg1">
+                    <a:lumMod val="50000"/>
+                  </a:schemeClr>
+                </a:solidFill>
+                <a:latin typeface="+mn-lt"/>
+                <a:cs typeface="+mn-cs"/>
+              </a:rPr>
+              <a:t>diagram</a:t>
+            </a:r>
+            <a:endParaRPr lang="fr-FR" sz="1200" kern="0" dirty="0">
+              <a:solidFill>
+                <a:schemeClr val="bg1">
+                  <a:lumMod val="50000"/>
+                </a:schemeClr>
+              </a:solidFill>
+              <a:latin typeface="+mn-lt"/>
+              <a:cs typeface="+mn-cs"/>
+            </a:endParaRPr>
+          </a:p>
+        </p:txBody>
+      </p:sp>
+      <p:sp>
+        <p:nvSpPr>
+          <p:cNvPr id="32" name="ZoneTexte 31"/>
+          <p:cNvSpPr txBox="1"/>
+          <p:nvPr/>
+        </p:nvSpPr>
+        <p:spPr>
+          <a:xfrm>
+            <a:off x="6572277" y="0"/>
+            <a:ext cx="1928813" cy="276225"/>
+          </a:xfrm>
+          <a:prstGeom prst="rect">
+            <a:avLst/>
+          </a:prstGeom>
+          <a:noFill/>
+        </p:spPr>
+        <p:txBody>
+          <a:bodyPr>
+            <a:spAutoFit/>
+          </a:bodyPr>
+          <a:lstStyle/>
+          <a:p>
+            <a:pPr algn="ctr" fontAlgn="auto">
+              <a:spcBef>
+                <a:spcPct val="20000"/>
+              </a:spcBef>
+              <a:spcAft>
+                <a:spcPts val="0"/>
+              </a:spcAft>
+              <a:defRPr/>
+            </a:pPr>
+            <a:r>
+              <a:rPr lang="fr-FR" sz="1200" b="1" u="sng" kern="0" dirty="0" err="1" smtClean="0">
+                <a:latin typeface="+mn-lt"/>
+                <a:cs typeface="+mn-cs"/>
+              </a:rPr>
+              <a:t>Problem</a:t>
+            </a:r>
+            <a:r>
+              <a:rPr lang="fr-FR" sz="1200" b="1" u="sng" kern="0" dirty="0" smtClean="0">
+                <a:latin typeface="+mn-lt"/>
+                <a:cs typeface="+mn-cs"/>
+              </a:rPr>
+              <a:t> frames</a:t>
+            </a:r>
+            <a:endParaRPr lang="fr-FR" sz="1200" b="1" u="sng" kern="0" dirty="0">
+              <a:latin typeface="+mn-lt"/>
+              <a:cs typeface="+mn-cs"/>
+            </a:endParaRPr>
+          </a:p>
+        </p:txBody>
+      </p:sp>
     </p:spTree>
     <p:extLst>
       <p:ext uri="{BB962C8B-B14F-4D97-AF65-F5344CB8AC3E}">
-        <p14:creationId xmlns:p14="http://schemas.microsoft.com/office/powerpoint/2007/7/12/main" val="1842062517"/>
+        <p14:creationId xmlns="" xmlns:p14="http://schemas.microsoft.com/office/powerpoint/2007/7/12/main" val="1842062517"/>
       </p:ext>
     </p:extLst>
   </p:cSld>
@@ -13282,7 +15228,7 @@
   <p:timing>
     <p:tnLst>
       <p:par>
-        <p:cTn xmlns:p14="http://schemas.microsoft.com/office/powerpoint/2007/7/12/main" id="1" dur="indefinite" restart="never" nodeType="tmRoot"/>
+        <p:cTn id="1" dur="indefinite" restart="never" nodeType="tmRoot"/>
       </p:par>
     </p:tnLst>
   </p:timing>
@@ -13323,15 +15269,7 @@
           <a:p>
             <a:r>
               <a:rPr lang="en-US" sz="2400" dirty="0" smtClean="0"/>
-              <a:t>Response in case of </a:t>
-            </a:r>
-            <a:r>
-              <a:rPr lang="en-US" sz="2400" dirty="0" smtClean="0"/>
-              <a:t>unresolvable conditions (cont.)</a:t>
-            </a:r>
-            <a:r>
-              <a:rPr lang="en-US" sz="2400" dirty="0" smtClean="0"/>
-              <a:t/>
+              <a:t>Response in case of unresolvable conditions (cont.)</a:t>
             </a:r>
             <a:br>
               <a:rPr lang="en-US" sz="2400" dirty="0" smtClean="0"/>
@@ -13411,11 +15349,7 @@
           <a:p>
             <a:r>
               <a:rPr lang="fr-FR" dirty="0" smtClean="0"/>
-              <a:t>The </a:t>
-            </a:r>
-            <a:r>
-              <a:rPr lang="fr-FR" dirty="0" smtClean="0"/>
-              <a:t>FDIR Storage System  </a:t>
+              <a:t>The FDIR Storage System  </a:t>
             </a:r>
             <a:r>
               <a:rPr lang="fr-FR" dirty="0" err="1" smtClean="0"/>
@@ -13501,11 +15435,7 @@
             </a:r>
             <a:r>
               <a:rPr lang="fr-FR" dirty="0" smtClean="0"/>
-              <a:t> condition </a:t>
-            </a:r>
-            <a:r>
-              <a:rPr lang="fr-FR" dirty="0" smtClean="0"/>
-              <a:t>has been </a:t>
+              <a:t> condition has been </a:t>
             </a:r>
             <a:r>
               <a:rPr lang="fr-FR" dirty="0" err="1" smtClean="0"/>
@@ -13587,13 +15517,254 @@
           </a:p>
           <a:p>
             <a:endParaRPr lang="fr-FR" dirty="0"/>
+          </a:p>
+        </p:txBody>
+      </p:sp>
+      <p:sp>
+        <p:nvSpPr>
+          <p:cNvPr id="4" name="ZoneTexte 3"/>
+          <p:cNvSpPr txBox="1"/>
+          <p:nvPr/>
+        </p:nvSpPr>
+        <p:spPr>
+          <a:xfrm>
+            <a:off x="-32" y="0"/>
+            <a:ext cx="1928812" cy="276225"/>
+          </a:xfrm>
+          <a:prstGeom prst="rect">
+            <a:avLst/>
+          </a:prstGeom>
+          <a:noFill/>
+        </p:spPr>
+        <p:txBody>
+          <a:bodyPr>
+            <a:spAutoFit/>
+          </a:bodyPr>
+          <a:lstStyle/>
+          <a:p>
+            <a:pPr algn="ctr" fontAlgn="auto">
+              <a:spcBef>
+                <a:spcPct val="20000"/>
+              </a:spcBef>
+              <a:spcAft>
+                <a:spcPts val="0"/>
+              </a:spcAft>
+              <a:defRPr/>
+            </a:pPr>
+            <a:r>
+              <a:rPr lang="fr-FR" sz="1200" kern="0" dirty="0" smtClean="0">
+                <a:solidFill>
+                  <a:schemeClr val="bg1">
+                    <a:lumMod val="50000"/>
+                  </a:schemeClr>
+                </a:solidFill>
+                <a:latin typeface="+mn-lt"/>
+                <a:cs typeface="+mn-cs"/>
+              </a:rPr>
+              <a:t>Domain identification</a:t>
+            </a:r>
+            <a:endParaRPr lang="fr-FR" sz="1200" kern="0" dirty="0">
+              <a:solidFill>
+                <a:schemeClr val="bg1">
+                  <a:lumMod val="50000"/>
+                </a:schemeClr>
+              </a:solidFill>
+              <a:latin typeface="+mn-lt"/>
+              <a:cs typeface="+mn-cs"/>
+            </a:endParaRPr>
+          </a:p>
+        </p:txBody>
+      </p:sp>
+      <p:sp>
+        <p:nvSpPr>
+          <p:cNvPr id="5" name="ZoneTexte 4"/>
+          <p:cNvSpPr txBox="1"/>
+          <p:nvPr/>
+        </p:nvSpPr>
+        <p:spPr>
+          <a:xfrm>
+            <a:off x="2143122" y="0"/>
+            <a:ext cx="1928812" cy="276225"/>
+          </a:xfrm>
+          <a:prstGeom prst="rect">
+            <a:avLst/>
+          </a:prstGeom>
+          <a:noFill/>
+        </p:spPr>
+        <p:txBody>
+          <a:bodyPr>
+            <a:spAutoFit/>
+          </a:bodyPr>
+          <a:lstStyle/>
+          <a:p>
+            <a:pPr algn="ctr" fontAlgn="auto">
+              <a:spcBef>
+                <a:spcPct val="20000"/>
+              </a:spcBef>
+              <a:spcAft>
+                <a:spcPts val="0"/>
+              </a:spcAft>
+              <a:defRPr/>
+            </a:pPr>
+            <a:r>
+              <a:rPr lang="fr-FR" sz="1200" kern="0" dirty="0" err="1" smtClean="0">
+                <a:solidFill>
+                  <a:schemeClr val="bg1">
+                    <a:lumMod val="50000"/>
+                  </a:schemeClr>
+                </a:solidFill>
+                <a:latin typeface="+mn-lt"/>
+                <a:cs typeface="+mn-cs"/>
+              </a:rPr>
+              <a:t>Requirements</a:t>
+            </a:r>
+            <a:endParaRPr lang="fr-FR" sz="1200" kern="0" dirty="0">
+              <a:solidFill>
+                <a:schemeClr val="bg1">
+                  <a:lumMod val="50000"/>
+                </a:schemeClr>
+              </a:solidFill>
+              <a:latin typeface="+mn-lt"/>
+              <a:cs typeface="+mn-cs"/>
+            </a:endParaRPr>
+          </a:p>
+        </p:txBody>
+      </p:sp>
+      <p:sp>
+        <p:nvSpPr>
+          <p:cNvPr id="6" name="ZoneTexte 5"/>
+          <p:cNvSpPr txBox="1"/>
+          <p:nvPr/>
+        </p:nvSpPr>
+        <p:spPr>
+          <a:xfrm>
+            <a:off x="4214818" y="0"/>
+            <a:ext cx="2571760" cy="276999"/>
+          </a:xfrm>
+          <a:prstGeom prst="rect">
+            <a:avLst/>
+          </a:prstGeom>
+          <a:noFill/>
+        </p:spPr>
+        <p:txBody>
+          <a:bodyPr wrap="square">
+            <a:spAutoFit/>
+          </a:bodyPr>
+          <a:lstStyle/>
+          <a:p>
+            <a:pPr algn="ctr" fontAlgn="auto">
+              <a:spcBef>
+                <a:spcPct val="20000"/>
+              </a:spcBef>
+              <a:spcAft>
+                <a:spcPts val="0"/>
+              </a:spcAft>
+              <a:defRPr/>
+            </a:pPr>
+            <a:r>
+              <a:rPr lang="fr-FR" sz="1200" kern="0" dirty="0" err="1" smtClean="0">
+                <a:solidFill>
+                  <a:schemeClr val="bg1">
+                    <a:lumMod val="50000"/>
+                  </a:schemeClr>
+                </a:solidFill>
+                <a:latin typeface="+mn-lt"/>
+                <a:cs typeface="+mn-cs"/>
+              </a:rPr>
+              <a:t>Context</a:t>
+            </a:r>
+            <a:r>
+              <a:rPr lang="fr-FR" sz="1200" kern="0" dirty="0" smtClean="0">
+                <a:solidFill>
+                  <a:schemeClr val="bg1">
+                    <a:lumMod val="50000"/>
+                  </a:schemeClr>
+                </a:solidFill>
+                <a:latin typeface="+mn-lt"/>
+                <a:cs typeface="+mn-cs"/>
+              </a:rPr>
+              <a:t> </a:t>
+            </a:r>
+            <a:r>
+              <a:rPr lang="fr-FR" sz="1200" kern="0" dirty="0" err="1" smtClean="0">
+                <a:solidFill>
+                  <a:schemeClr val="bg1">
+                    <a:lumMod val="50000"/>
+                  </a:schemeClr>
+                </a:solidFill>
+                <a:latin typeface="+mn-lt"/>
+                <a:cs typeface="+mn-cs"/>
+              </a:rPr>
+              <a:t>diagram</a:t>
+            </a:r>
+            <a:endParaRPr lang="fr-FR" sz="1200" kern="0" dirty="0">
+              <a:solidFill>
+                <a:schemeClr val="bg1">
+                  <a:lumMod val="50000"/>
+                </a:schemeClr>
+              </a:solidFill>
+              <a:latin typeface="+mn-lt"/>
+              <a:cs typeface="+mn-cs"/>
+            </a:endParaRPr>
+          </a:p>
+        </p:txBody>
+      </p:sp>
+      <p:sp>
+        <p:nvSpPr>
+          <p:cNvPr id="7" name="ZoneTexte 6"/>
+          <p:cNvSpPr txBox="1"/>
+          <p:nvPr/>
+        </p:nvSpPr>
+        <p:spPr>
+          <a:xfrm>
+            <a:off x="6572277" y="0"/>
+            <a:ext cx="1928813" cy="276225"/>
+          </a:xfrm>
+          <a:prstGeom prst="rect">
+            <a:avLst/>
+          </a:prstGeom>
+          <a:noFill/>
+        </p:spPr>
+        <p:txBody>
+          <a:bodyPr>
+            <a:spAutoFit/>
+          </a:bodyPr>
+          <a:lstStyle/>
+          <a:p>
+            <a:pPr algn="ctr" fontAlgn="auto">
+              <a:spcBef>
+                <a:spcPct val="20000"/>
+              </a:spcBef>
+              <a:spcAft>
+                <a:spcPts val="0"/>
+              </a:spcAft>
+              <a:defRPr/>
+            </a:pPr>
+            <a:r>
+              <a:rPr lang="fr-FR" sz="1200" b="1" u="sng" kern="0" dirty="0" err="1" smtClean="0">
+                <a:latin typeface="+mn-lt"/>
+                <a:cs typeface="+mn-cs"/>
+              </a:rPr>
+              <a:t>Problem</a:t>
+            </a:r>
+            <a:r>
+              <a:rPr lang="fr-FR" sz="1200" b="1" u="sng" kern="0" dirty="0" smtClean="0">
+                <a:latin typeface="+mn-lt"/>
+                <a:cs typeface="+mn-cs"/>
+              </a:rPr>
+              <a:t> frames</a:t>
+            </a:r>
+            <a:endParaRPr lang="fr-FR" sz="1200" b="1" u="sng" kern="0" dirty="0">
+              <a:latin typeface="+mn-lt"/>
+              <a:cs typeface="+mn-cs"/>
+            </a:endParaRPr>
           </a:p>
         </p:txBody>
       </p:sp>
     </p:spTree>
     <p:extLst>
       <p:ext uri="{BB962C8B-B14F-4D97-AF65-F5344CB8AC3E}">
-        <p14:creationId xmlns:p14="http://schemas.microsoft.com/office/powerpoint/2007/7/12/main" val="1198493022"/>
+        <p14:creationId xmlns="" xmlns:p14="http://schemas.microsoft.com/office/powerpoint/2007/7/12/main" val="1198493022"/>
       </p:ext>
     </p:extLst>
   </p:cSld>
@@ -13603,7 +15774,7 @@
   <p:timing>
     <p:tnLst>
       <p:par>
-        <p:cTn xmlns:p14="http://schemas.microsoft.com/office/powerpoint/2007/7/12/main" id="1" dur="indefinite" restart="never" nodeType="tmRoot"/>
+        <p:cTn id="1" dur="indefinite" restart="never" nodeType="tmRoot"/>
       </p:par>
     </p:tnLst>
   </p:timing>
@@ -13789,20 +15960,7 @@
           </a:p>
           <a:p>
             <a:pPr eaLnBrk="1" hangingPunct="1">
-              <a:buFont typeface="Calibri" pitchFamily="34" charset="0"/>
-              <a:buAutoNum type="arabicPeriod"/>
-            </a:pPr>
-            <a:r>
-              <a:rPr altLang="ko-KR" dirty="0" smtClean="0">
-                <a:ea typeface="굴림" charset="-127"/>
-              </a:rPr>
-              <a:t>Problem frames</a:t>
-            </a:r>
-          </a:p>
-          <a:p>
-            <a:pPr eaLnBrk="1" hangingPunct="1">
-              <a:buFont typeface="Calibri" pitchFamily="34" charset="0"/>
-              <a:buAutoNum type="arabicPeriod"/>
+              <a:buNone/>
             </a:pPr>
             <a:endParaRPr altLang="ko-KR" dirty="0" smtClean="0">
               <a:ea typeface="굴림" charset="-127"/>
@@ -13826,7 +15984,7 @@
   <p:timing>
     <p:tnLst>
       <p:par>
-        <p:cTn xmlns:p14="http://schemas.microsoft.com/office/powerpoint/2007/7/12/main" id="1" dur="indefinite" restart="never" nodeType="tmRoot"/>
+        <p:cTn id="1" dur="indefinite" restart="never" nodeType="tmRoot"/>
       </p:par>
     </p:tnLst>
   </p:timing>
@@ -13880,11 +16038,11 @@
             <a:r>
               <a:rPr altLang="ko-KR" smtClean="0">
                 <a:solidFill>
-                  <a:srgbClr xmlns:mc="http://schemas.openxmlformats.org/markup-compatibility/2006" xmlns:a14="http://schemas.microsoft.com/office/drawing/2007/7/7/main" val="C44F00" mc:Ignorable=""/>
+                  <a:srgbClr val="C44F00"/>
                 </a:solidFill>
                 <a:effectLst>
                   <a:outerShdw blurRad="38100" dist="38100" dir="2700000" algn="tl">
-                    <a:srgbClr xmlns:mc="http://schemas.openxmlformats.org/markup-compatibility/2006" xmlns:a14="http://schemas.microsoft.com/office/drawing/2007/7/7/main" val="C0C0C0" mc:Ignorable=""/>
+                    <a:srgbClr val="C0C0C0"/>
                   </a:outerShdw>
                 </a:effectLst>
                 <a:ea typeface="굴림" charset="-127"/>
@@ -13899,11 +16057,11 @@
             <a:r>
               <a:rPr altLang="ko-KR" smtClean="0">
                 <a:solidFill>
-                  <a:srgbClr xmlns:mc="http://schemas.openxmlformats.org/markup-compatibility/2006" xmlns:a14="http://schemas.microsoft.com/office/drawing/2007/7/7/main" val="595959" mc:Ignorable=""/>
+                  <a:srgbClr val="595959"/>
                 </a:solidFill>
                 <a:effectLst>
                   <a:outerShdw blurRad="38100" dist="38100" dir="2700000" algn="tl">
-                    <a:srgbClr xmlns:mc="http://schemas.openxmlformats.org/markup-compatibility/2006" xmlns:a14="http://schemas.microsoft.com/office/drawing/2007/7/7/main" val="C0C0C0" mc:Ignorable=""/>
+                    <a:srgbClr val="C0C0C0"/>
                   </a:outerShdw>
                 </a:effectLst>
                 <a:ea typeface="굴림" charset="-127"/>
@@ -13918,11 +16076,11 @@
             <a:r>
               <a:rPr altLang="ko-KR" smtClean="0">
                 <a:solidFill>
-                  <a:srgbClr xmlns:mc="http://schemas.openxmlformats.org/markup-compatibility/2006" xmlns:a14="http://schemas.microsoft.com/office/drawing/2007/7/7/main" val="595959" mc:Ignorable=""/>
+                  <a:srgbClr val="595959"/>
                 </a:solidFill>
                 <a:effectLst>
                   <a:outerShdw blurRad="38100" dist="38100" dir="2700000" algn="tl">
-                    <a:srgbClr xmlns:mc="http://schemas.openxmlformats.org/markup-compatibility/2006" xmlns:a14="http://schemas.microsoft.com/office/drawing/2007/7/7/main" val="C0C0C0" mc:Ignorable=""/>
+                    <a:srgbClr val="C0C0C0"/>
                   </a:outerShdw>
                 </a:effectLst>
                 <a:ea typeface="굴림" charset="-127"/>
@@ -13936,11 +16094,11 @@
             </a:pPr>
             <a:endParaRPr altLang="ko-KR" smtClean="0">
               <a:solidFill>
-                <a:srgbClr xmlns:mc="http://schemas.openxmlformats.org/markup-compatibility/2006" xmlns:a14="http://schemas.microsoft.com/office/drawing/2007/7/7/main" val="8F481E" mc:Ignorable=""/>
+                <a:srgbClr val="8F481E"/>
               </a:solidFill>
               <a:effectLst>
                 <a:outerShdw blurRad="38100" dist="38100" dir="2700000" algn="tl">
-                  <a:srgbClr xmlns:mc="http://schemas.openxmlformats.org/markup-compatibility/2006" xmlns:a14="http://schemas.microsoft.com/office/drawing/2007/7/7/main" val="C0C0C0" mc:Ignorable=""/>
+                  <a:srgbClr val="C0C0C0"/>
                 </a:outerShdw>
               </a:effectLst>
               <a:ea typeface="굴림" charset="-127"/>
@@ -13985,7 +16143,7 @@
                 </a:ln>
                 <a:effectLst>
                   <a:outerShdw blurRad="38100" dist="38100" dir="2700000" algn="tl">
-                    <a:srgbClr xmlns:mc="http://schemas.openxmlformats.org/markup-compatibility/2006" xmlns:a14="http://schemas.microsoft.com/office/drawing/2007/7/7/main" val="000000" mc:Ignorable="">
+                    <a:srgbClr val="000000">
                       <a:alpha val="43137"/>
                     </a:srgbClr>
                   </a:outerShdw>
@@ -14003,7 +16161,7 @@
                 </a:solidFill>
                 <a:effectLst>
                   <a:outerShdw blurRad="38100" dist="38100" dir="2700000" algn="tl">
-                    <a:srgbClr xmlns:mc="http://schemas.openxmlformats.org/markup-compatibility/2006" xmlns:a14="http://schemas.microsoft.com/office/drawing/2007/7/7/main" val="000000" mc:Ignorable="">
+                    <a:srgbClr val="000000">
                       <a:alpha val="43137"/>
                     </a:srgbClr>
                   </a:outerShdw>
@@ -14021,7 +16179,7 @@
                 </a:solidFill>
                 <a:effectLst>
                   <a:outerShdw blurRad="38100" dist="38100" dir="2700000" algn="tl">
-                    <a:srgbClr xmlns:mc="http://schemas.openxmlformats.org/markup-compatibility/2006" xmlns:a14="http://schemas.microsoft.com/office/drawing/2007/7/7/main" val="000000" mc:Ignorable="">
+                    <a:srgbClr val="000000">
                       <a:alpha val="43137"/>
                     </a:srgbClr>
                   </a:outerShdw>
@@ -14038,7 +16196,7 @@
                 </a:solidFill>
                 <a:effectLst>
                   <a:outerShdw blurRad="38100" dist="38100" dir="2700000" algn="tl">
-                    <a:srgbClr xmlns:mc="http://schemas.openxmlformats.org/markup-compatibility/2006" xmlns:a14="http://schemas.microsoft.com/office/drawing/2007/7/7/main" val="000000" mc:Ignorable="">
+                    <a:srgbClr val="000000">
                       <a:alpha val="43137"/>
                     </a:srgbClr>
                   </a:outerShdw>
@@ -14058,7 +16216,7 @@
                 </a:solidFill>
                 <a:effectLst>
                   <a:outerShdw blurRad="38100" dist="38100" dir="2700000" algn="tl">
-                    <a:srgbClr xmlns:mc="http://schemas.openxmlformats.org/markup-compatibility/2006" xmlns:a14="http://schemas.microsoft.com/office/drawing/2007/7/7/main" val="000000" mc:Ignorable="">
+                    <a:srgbClr val="000000">
                       <a:alpha val="43137"/>
                     </a:srgbClr>
                   </a:outerShdw>
@@ -14077,7 +16235,7 @@
               </a:solidFill>
               <a:effectLst>
                 <a:outerShdw blurRad="38100" dist="38100" dir="2700000" algn="tl">
-                  <a:srgbClr xmlns:mc="http://schemas.openxmlformats.org/markup-compatibility/2006" xmlns:a14="http://schemas.microsoft.com/office/drawing/2007/7/7/main" val="000000" mc:Ignorable="">
+                  <a:srgbClr val="000000">
                     <a:alpha val="43137"/>
                   </a:srgbClr>
                 </a:outerShdw>
@@ -14143,7 +16301,7 @@
             </a:avLst>
           </a:prstGeom>
           <a:solidFill>
-            <a:srgbClr xmlns:mc="http://schemas.openxmlformats.org/markup-compatibility/2006" xmlns:a14="http://schemas.microsoft.com/office/drawing/2007/7/7/main" val="FFFFFF" mc:Ignorable="">
+            <a:srgbClr val="FFFFFF">
               <a:shade val="85000"/>
             </a:srgbClr>
           </a:solidFill>
@@ -14181,7 +16339,7 @@
             </a:avLst>
           </a:prstGeom>
           <a:solidFill>
-            <a:srgbClr xmlns:mc="http://schemas.openxmlformats.org/markup-compatibility/2006" xmlns:a14="http://schemas.microsoft.com/office/drawing/2007/7/7/main" val="FFFFFF" mc:Ignorable="">
+            <a:srgbClr val="FFFFFF">
               <a:shade val="85000"/>
             </a:srgbClr>
           </a:solidFill>
@@ -14236,7 +16394,7 @@
               <a:rPr lang="fr-FR" sz="2400" b="1" dirty="0" smtClean="0">
                 <a:effectLst>
                   <a:outerShdw blurRad="38100" dist="38100" dir="2700000" algn="tl">
-                    <a:srgbClr xmlns:mc="http://schemas.openxmlformats.org/markup-compatibility/2006" xmlns:a14="http://schemas.microsoft.com/office/drawing/2007/7/7/main" val="000000" mc:Ignorable="">
+                    <a:srgbClr val="000000">
                       <a:alpha val="43137"/>
                     </a:srgbClr>
                   </a:outerShdw>
@@ -14263,7 +16421,7 @@
   <p:timing>
     <p:tnLst>
       <p:par>
-        <p:cTn xmlns:p14="http://schemas.microsoft.com/office/powerpoint/2007/7/12/main" id="1" dur="indefinite" restart="never" nodeType="tmRoot"/>
+        <p:cTn id="1" dur="indefinite" restart="never" nodeType="tmRoot"/>
       </p:par>
     </p:tnLst>
   </p:timing>
@@ -14362,27 +16520,11 @@
             </a:r>
             <a:r>
               <a:rPr lang="en-US" sz="1600" i="1" dirty="0" smtClean="0"/>
-              <a:t>Experiences </a:t>
-            </a:r>
-            <a:r>
-              <a:rPr lang="en-US" sz="1600" i="1" dirty="0" smtClean="0"/>
-              <a:t>Using Lightweight Formal Methods for Requirements </a:t>
-            </a:r>
-            <a:r>
-              <a:rPr lang="en-US" sz="1600" i="1" dirty="0" smtClean="0"/>
-              <a:t>Modeling</a:t>
+              <a:t>Experiences Using Lightweight Formal Methods for Requirements Modeling</a:t>
             </a:r>
             <a:r>
               <a:rPr lang="en-US" sz="1600" dirty="0" smtClean="0"/>
-              <a:t>” </a:t>
-            </a:r>
-            <a:r>
-              <a:rPr lang="en-US" sz="1600" dirty="0" smtClean="0"/>
-              <a:t>IEEE Transactions on Software Engineering, Vol. 24, No. 1, January 1998</a:t>
-            </a:r>
-            <a:r>
-              <a:rPr lang="en-US" sz="1600" dirty="0" smtClean="0"/>
-              <a:t>.</a:t>
+              <a:t>” IEEE Transactions on Software Engineering, Vol. 24, No. 1, January 1998.</a:t>
             </a:r>
           </a:p>
           <a:p>
@@ -14458,7 +16600,7 @@
   <p:timing>
     <p:tnLst>
       <p:par>
-        <p:cTn xmlns:p14="http://schemas.microsoft.com/office/powerpoint/2007/7/12/main" id="1" dur="indefinite" restart="never" nodeType="tmRoot"/>
+        <p:cTn id="1" dur="indefinite" restart="never" nodeType="tmRoot"/>
       </p:par>
     </p:tnLst>
   </p:timing>
@@ -14536,7 +16678,6 @@
               <a:rPr lang="fr-FR" dirty="0" smtClean="0"/>
               <a:t> system</a:t>
             </a:r>
-            <a:endParaRPr lang="fr-FR" dirty="0" smtClean="0"/>
           </a:p>
           <a:p>
             <a:r>
@@ -14573,21 +16714,259 @@
               <a:rPr lang="fr-FR" dirty="0" smtClean="0"/>
               <a:t>Report</a:t>
             </a:r>
-            <a:endParaRPr lang="fr-FR" dirty="0" smtClean="0"/>
-          </a:p>
-          <a:p>
-            <a:r>
-              <a:rPr lang="fr-FR" dirty="0" err="1" smtClean="0"/>
-              <a:t>Antenna</a:t>
-            </a:r>
-            <a:endParaRPr lang="fr-FR" dirty="0"/>
+          </a:p>
+        </p:txBody>
+      </p:sp>
+      <p:sp>
+        <p:nvSpPr>
+          <p:cNvPr id="6" name="ZoneTexte 5"/>
+          <p:cNvSpPr txBox="1"/>
+          <p:nvPr/>
+        </p:nvSpPr>
+        <p:spPr>
+          <a:xfrm>
+            <a:off x="-32" y="0"/>
+            <a:ext cx="1928812" cy="276225"/>
+          </a:xfrm>
+          <a:prstGeom prst="rect">
+            <a:avLst/>
+          </a:prstGeom>
+          <a:noFill/>
+        </p:spPr>
+        <p:txBody>
+          <a:bodyPr>
+            <a:spAutoFit/>
+          </a:bodyPr>
+          <a:lstStyle/>
+          <a:p>
+            <a:pPr algn="ctr" fontAlgn="auto">
+              <a:spcBef>
+                <a:spcPct val="20000"/>
+              </a:spcBef>
+              <a:spcAft>
+                <a:spcPts val="0"/>
+              </a:spcAft>
+              <a:defRPr/>
+            </a:pPr>
+            <a:r>
+              <a:rPr lang="fr-FR" sz="1200" b="1" u="sng" kern="0" dirty="0" smtClean="0">
+                <a:latin typeface="+mn-lt"/>
+                <a:cs typeface="+mn-cs"/>
+              </a:rPr>
+              <a:t>Domain identification</a:t>
+            </a:r>
+            <a:endParaRPr lang="fr-FR" sz="1200" b="1" u="sng" kern="0" dirty="0">
+              <a:latin typeface="+mn-lt"/>
+              <a:cs typeface="+mn-cs"/>
+            </a:endParaRPr>
+          </a:p>
+        </p:txBody>
+      </p:sp>
+      <p:sp>
+        <p:nvSpPr>
+          <p:cNvPr id="7" name="ZoneTexte 6"/>
+          <p:cNvSpPr txBox="1"/>
+          <p:nvPr/>
+        </p:nvSpPr>
+        <p:spPr>
+          <a:xfrm>
+            <a:off x="2143122" y="0"/>
+            <a:ext cx="1928812" cy="276225"/>
+          </a:xfrm>
+          <a:prstGeom prst="rect">
+            <a:avLst/>
+          </a:prstGeom>
+          <a:noFill/>
+        </p:spPr>
+        <p:txBody>
+          <a:bodyPr>
+            <a:spAutoFit/>
+          </a:bodyPr>
+          <a:lstStyle/>
+          <a:p>
+            <a:pPr algn="ctr" fontAlgn="auto">
+              <a:spcBef>
+                <a:spcPct val="20000"/>
+              </a:spcBef>
+              <a:spcAft>
+                <a:spcPts val="0"/>
+              </a:spcAft>
+              <a:defRPr/>
+            </a:pPr>
+            <a:r>
+              <a:rPr lang="fr-FR" sz="1200" kern="0" dirty="0" err="1" smtClean="0">
+                <a:solidFill>
+                  <a:schemeClr val="bg1">
+                    <a:lumMod val="50000"/>
+                  </a:schemeClr>
+                </a:solidFill>
+                <a:latin typeface="+mn-lt"/>
+                <a:cs typeface="+mn-cs"/>
+              </a:rPr>
+              <a:t>Requirements</a:t>
+            </a:r>
+            <a:endParaRPr lang="fr-FR" sz="1200" kern="0" dirty="0">
+              <a:solidFill>
+                <a:schemeClr val="bg1">
+                  <a:lumMod val="50000"/>
+                </a:schemeClr>
+              </a:solidFill>
+              <a:latin typeface="+mn-lt"/>
+              <a:cs typeface="+mn-cs"/>
+            </a:endParaRPr>
+          </a:p>
+        </p:txBody>
+      </p:sp>
+      <p:sp>
+        <p:nvSpPr>
+          <p:cNvPr id="8" name="ZoneTexte 7"/>
+          <p:cNvSpPr txBox="1"/>
+          <p:nvPr/>
+        </p:nvSpPr>
+        <p:spPr>
+          <a:xfrm>
+            <a:off x="4214818" y="0"/>
+            <a:ext cx="2571760" cy="276999"/>
+          </a:xfrm>
+          <a:prstGeom prst="rect">
+            <a:avLst/>
+          </a:prstGeom>
+          <a:noFill/>
+        </p:spPr>
+        <p:txBody>
+          <a:bodyPr wrap="square">
+            <a:spAutoFit/>
+          </a:bodyPr>
+          <a:lstStyle/>
+          <a:p>
+            <a:pPr algn="ctr" fontAlgn="auto">
+              <a:spcBef>
+                <a:spcPct val="20000"/>
+              </a:spcBef>
+              <a:spcAft>
+                <a:spcPts val="0"/>
+              </a:spcAft>
+              <a:defRPr/>
+            </a:pPr>
+            <a:r>
+              <a:rPr lang="fr-FR" sz="1200" kern="0" dirty="0" err="1" smtClean="0">
+                <a:solidFill>
+                  <a:schemeClr val="bg1">
+                    <a:lumMod val="50000"/>
+                  </a:schemeClr>
+                </a:solidFill>
+                <a:latin typeface="+mn-lt"/>
+                <a:cs typeface="+mn-cs"/>
+              </a:rPr>
+              <a:t>Context</a:t>
+            </a:r>
+            <a:r>
+              <a:rPr lang="fr-FR" sz="1200" kern="0" dirty="0" smtClean="0">
+                <a:solidFill>
+                  <a:schemeClr val="bg1">
+                    <a:lumMod val="50000"/>
+                  </a:schemeClr>
+                </a:solidFill>
+                <a:latin typeface="+mn-lt"/>
+                <a:cs typeface="+mn-cs"/>
+              </a:rPr>
+              <a:t> </a:t>
+            </a:r>
+            <a:r>
+              <a:rPr lang="fr-FR" sz="1200" kern="0" dirty="0" err="1" smtClean="0">
+                <a:solidFill>
+                  <a:schemeClr val="bg1">
+                    <a:lumMod val="50000"/>
+                  </a:schemeClr>
+                </a:solidFill>
+                <a:latin typeface="+mn-lt"/>
+                <a:cs typeface="+mn-cs"/>
+              </a:rPr>
+              <a:t>diagram</a:t>
+            </a:r>
+            <a:endParaRPr lang="fr-FR" sz="1200" kern="0" dirty="0">
+              <a:solidFill>
+                <a:schemeClr val="bg1">
+                  <a:lumMod val="50000"/>
+                </a:schemeClr>
+              </a:solidFill>
+              <a:latin typeface="+mn-lt"/>
+              <a:cs typeface="+mn-cs"/>
+            </a:endParaRPr>
+          </a:p>
+        </p:txBody>
+      </p:sp>
+      <p:sp>
+        <p:nvSpPr>
+          <p:cNvPr id="9" name="ZoneTexte 8"/>
+          <p:cNvSpPr txBox="1"/>
+          <p:nvPr/>
+        </p:nvSpPr>
+        <p:spPr>
+          <a:xfrm>
+            <a:off x="6572277" y="0"/>
+            <a:ext cx="1928813" cy="276225"/>
+          </a:xfrm>
+          <a:prstGeom prst="rect">
+            <a:avLst/>
+          </a:prstGeom>
+          <a:noFill/>
+        </p:spPr>
+        <p:txBody>
+          <a:bodyPr>
+            <a:spAutoFit/>
+          </a:bodyPr>
+          <a:lstStyle/>
+          <a:p>
+            <a:pPr algn="ctr" fontAlgn="auto">
+              <a:spcBef>
+                <a:spcPct val="20000"/>
+              </a:spcBef>
+              <a:spcAft>
+                <a:spcPts val="0"/>
+              </a:spcAft>
+              <a:defRPr/>
+            </a:pPr>
+            <a:r>
+              <a:rPr lang="fr-FR" sz="1200" kern="0" dirty="0" err="1" smtClean="0">
+                <a:solidFill>
+                  <a:schemeClr val="bg1">
+                    <a:lumMod val="50000"/>
+                  </a:schemeClr>
+                </a:solidFill>
+                <a:latin typeface="+mn-lt"/>
+                <a:cs typeface="+mn-cs"/>
+              </a:rPr>
+              <a:t>Problem</a:t>
+            </a:r>
+            <a:r>
+              <a:rPr lang="fr-FR" sz="1200" kern="0" dirty="0" smtClean="0">
+                <a:solidFill>
+                  <a:schemeClr val="bg1">
+                    <a:lumMod val="50000"/>
+                  </a:schemeClr>
+                </a:solidFill>
+                <a:latin typeface="+mn-lt"/>
+                <a:cs typeface="+mn-cs"/>
+              </a:rPr>
+              <a:t> frames</a:t>
+            </a:r>
+            <a:endParaRPr lang="fr-FR" sz="1200" kern="0" dirty="0">
+              <a:solidFill>
+                <a:schemeClr val="bg1">
+                  <a:lumMod val="50000"/>
+                </a:schemeClr>
+              </a:solidFill>
+              <a:latin typeface="+mn-lt"/>
+              <a:cs typeface="+mn-cs"/>
+            </a:endParaRPr>
           </a:p>
         </p:txBody>
       </p:sp>
     </p:spTree>
     <p:extLst>
       <p:ext uri="{BB962C8B-B14F-4D97-AF65-F5344CB8AC3E}">
-        <p14:creationId xmlns:p14="http://schemas.microsoft.com/office/powerpoint/2007/7/12/main" val="1740115933"/>
+        <p14:creationId xmlns="" xmlns:p14="http://schemas.microsoft.com/office/powerpoint/2007/7/12/main" val="1740115933"/>
       </p:ext>
     </p:extLst>
   </p:cSld>
@@ -14597,7 +16976,7 @@
   <p:timing>
     <p:tnLst>
       <p:par>
-        <p:cTn xmlns:p14="http://schemas.microsoft.com/office/powerpoint/2007/7/12/main" id="1" dur="indefinite" restart="never" nodeType="tmRoot"/>
+        <p:cTn id="1" dur="indefinite" restart="never" nodeType="tmRoot"/>
       </p:par>
     </p:tnLst>
   </p:timing>
@@ -14806,11 +17185,7 @@
             </a:r>
             <a:r>
               <a:rPr lang="fr-FR" dirty="0" smtClean="0"/>
-              <a:t> </a:t>
-            </a:r>
-            <a:r>
-              <a:rPr lang="fr-FR" dirty="0" smtClean="0"/>
-              <a:t>information </a:t>
+              <a:t> information </a:t>
             </a:r>
             <a:r>
               <a:rPr lang="fr-FR" dirty="0" err="1" smtClean="0"/>
@@ -14903,13 +17278,259 @@
           </a:p>
           <a:p>
             <a:endParaRPr lang="fr-FR" dirty="0" smtClean="0"/>
+          </a:p>
+        </p:txBody>
+      </p:sp>
+      <p:sp>
+        <p:nvSpPr>
+          <p:cNvPr id="4" name="ZoneTexte 3"/>
+          <p:cNvSpPr txBox="1"/>
+          <p:nvPr/>
+        </p:nvSpPr>
+        <p:spPr>
+          <a:xfrm>
+            <a:off x="-32" y="0"/>
+            <a:ext cx="1928812" cy="276225"/>
+          </a:xfrm>
+          <a:prstGeom prst="rect">
+            <a:avLst/>
+          </a:prstGeom>
+          <a:noFill/>
+        </p:spPr>
+        <p:txBody>
+          <a:bodyPr>
+            <a:spAutoFit/>
+          </a:bodyPr>
+          <a:lstStyle/>
+          <a:p>
+            <a:pPr algn="ctr" fontAlgn="auto">
+              <a:spcBef>
+                <a:spcPct val="20000"/>
+              </a:spcBef>
+              <a:spcAft>
+                <a:spcPts val="0"/>
+              </a:spcAft>
+              <a:defRPr/>
+            </a:pPr>
+            <a:r>
+              <a:rPr lang="fr-FR" sz="1200" kern="0" dirty="0" smtClean="0">
+                <a:solidFill>
+                  <a:schemeClr val="bg1">
+                    <a:lumMod val="50000"/>
+                  </a:schemeClr>
+                </a:solidFill>
+                <a:latin typeface="+mn-lt"/>
+                <a:cs typeface="+mn-cs"/>
+              </a:rPr>
+              <a:t>Domain identification</a:t>
+            </a:r>
+            <a:endParaRPr lang="fr-FR" sz="1200" kern="0" dirty="0">
+              <a:solidFill>
+                <a:schemeClr val="bg1">
+                  <a:lumMod val="50000"/>
+                </a:schemeClr>
+              </a:solidFill>
+              <a:latin typeface="+mn-lt"/>
+              <a:cs typeface="+mn-cs"/>
+            </a:endParaRPr>
+          </a:p>
+        </p:txBody>
+      </p:sp>
+      <p:sp>
+        <p:nvSpPr>
+          <p:cNvPr id="5" name="ZoneTexte 4"/>
+          <p:cNvSpPr txBox="1"/>
+          <p:nvPr/>
+        </p:nvSpPr>
+        <p:spPr>
+          <a:xfrm>
+            <a:off x="2143122" y="0"/>
+            <a:ext cx="1928812" cy="276225"/>
+          </a:xfrm>
+          <a:prstGeom prst="rect">
+            <a:avLst/>
+          </a:prstGeom>
+          <a:noFill/>
+        </p:spPr>
+        <p:txBody>
+          <a:bodyPr>
+            <a:spAutoFit/>
+          </a:bodyPr>
+          <a:lstStyle/>
+          <a:p>
+            <a:pPr algn="ctr" fontAlgn="auto">
+              <a:spcBef>
+                <a:spcPct val="20000"/>
+              </a:spcBef>
+              <a:spcAft>
+                <a:spcPts val="0"/>
+              </a:spcAft>
+              <a:defRPr/>
+            </a:pPr>
+            <a:r>
+              <a:rPr lang="fr-FR" sz="1200" b="1" u="sng" kern="0" dirty="0" err="1" smtClean="0">
+                <a:latin typeface="+mn-lt"/>
+                <a:cs typeface="+mn-cs"/>
+              </a:rPr>
+              <a:t>Requirements</a:t>
+            </a:r>
+            <a:endParaRPr lang="fr-FR" sz="1200" b="1" u="sng" kern="0" dirty="0">
+              <a:latin typeface="+mn-lt"/>
+              <a:cs typeface="+mn-cs"/>
+            </a:endParaRPr>
+          </a:p>
+        </p:txBody>
+      </p:sp>
+      <p:sp>
+        <p:nvSpPr>
+          <p:cNvPr id="6" name="ZoneTexte 5"/>
+          <p:cNvSpPr txBox="1"/>
+          <p:nvPr/>
+        </p:nvSpPr>
+        <p:spPr>
+          <a:xfrm>
+            <a:off x="4214818" y="0"/>
+            <a:ext cx="2571760" cy="276999"/>
+          </a:xfrm>
+          <a:prstGeom prst="rect">
+            <a:avLst/>
+          </a:prstGeom>
+          <a:noFill/>
+        </p:spPr>
+        <p:txBody>
+          <a:bodyPr wrap="square">
+            <a:spAutoFit/>
+          </a:bodyPr>
+          <a:lstStyle/>
+          <a:p>
+            <a:pPr algn="ctr" fontAlgn="auto">
+              <a:spcBef>
+                <a:spcPct val="20000"/>
+              </a:spcBef>
+              <a:spcAft>
+                <a:spcPts val="0"/>
+              </a:spcAft>
+              <a:defRPr/>
+            </a:pPr>
+            <a:r>
+              <a:rPr lang="fr-FR" sz="1200" kern="0" dirty="0" err="1" smtClean="0">
+                <a:solidFill>
+                  <a:schemeClr val="bg1">
+                    <a:lumMod val="50000"/>
+                  </a:schemeClr>
+                </a:solidFill>
+                <a:latin typeface="+mn-lt"/>
+                <a:cs typeface="+mn-cs"/>
+              </a:rPr>
+              <a:t>Context</a:t>
+            </a:r>
+            <a:r>
+              <a:rPr lang="fr-FR" sz="1200" kern="0" dirty="0" smtClean="0">
+                <a:solidFill>
+                  <a:schemeClr val="bg1">
+                    <a:lumMod val="50000"/>
+                  </a:schemeClr>
+                </a:solidFill>
+                <a:latin typeface="+mn-lt"/>
+                <a:cs typeface="+mn-cs"/>
+              </a:rPr>
+              <a:t> </a:t>
+            </a:r>
+            <a:r>
+              <a:rPr lang="fr-FR" sz="1200" kern="0" dirty="0" err="1" smtClean="0">
+                <a:solidFill>
+                  <a:schemeClr val="bg1">
+                    <a:lumMod val="50000"/>
+                  </a:schemeClr>
+                </a:solidFill>
+                <a:latin typeface="+mn-lt"/>
+                <a:cs typeface="+mn-cs"/>
+              </a:rPr>
+              <a:t>diagram</a:t>
+            </a:r>
+            <a:endParaRPr lang="fr-FR" sz="1200" kern="0" dirty="0">
+              <a:solidFill>
+                <a:schemeClr val="bg1">
+                  <a:lumMod val="50000"/>
+                </a:schemeClr>
+              </a:solidFill>
+              <a:latin typeface="+mn-lt"/>
+              <a:cs typeface="+mn-cs"/>
+            </a:endParaRPr>
+          </a:p>
+        </p:txBody>
+      </p:sp>
+      <p:sp>
+        <p:nvSpPr>
+          <p:cNvPr id="7" name="ZoneTexte 6"/>
+          <p:cNvSpPr txBox="1"/>
+          <p:nvPr/>
+        </p:nvSpPr>
+        <p:spPr>
+          <a:xfrm>
+            <a:off x="6572277" y="0"/>
+            <a:ext cx="1928813" cy="276225"/>
+          </a:xfrm>
+          <a:prstGeom prst="rect">
+            <a:avLst/>
+          </a:prstGeom>
+          <a:noFill/>
+        </p:spPr>
+        <p:txBody>
+          <a:bodyPr>
+            <a:spAutoFit/>
+          </a:bodyPr>
+          <a:lstStyle/>
+          <a:p>
+            <a:pPr algn="ctr" fontAlgn="auto">
+              <a:spcBef>
+                <a:spcPct val="20000"/>
+              </a:spcBef>
+              <a:spcAft>
+                <a:spcPts val="0"/>
+              </a:spcAft>
+              <a:defRPr/>
+            </a:pPr>
+            <a:r>
+              <a:rPr lang="fr-FR" sz="1200" kern="0" dirty="0" err="1" smtClean="0">
+                <a:solidFill>
+                  <a:schemeClr val="bg1">
+                    <a:lumMod val="50000"/>
+                  </a:schemeClr>
+                </a:solidFill>
+                <a:latin typeface="+mn-lt"/>
+                <a:cs typeface="+mn-cs"/>
+              </a:rPr>
+              <a:t>Problem</a:t>
+            </a:r>
+            <a:r>
+              <a:rPr lang="fr-FR" sz="1200" kern="0" dirty="0" smtClean="0">
+                <a:solidFill>
+                  <a:schemeClr val="bg1">
+                    <a:lumMod val="50000"/>
+                  </a:schemeClr>
+                </a:solidFill>
+                <a:latin typeface="+mn-lt"/>
+                <a:cs typeface="+mn-cs"/>
+              </a:rPr>
+              <a:t> frames</a:t>
+            </a:r>
+            <a:endParaRPr lang="fr-FR" sz="1200" kern="0" dirty="0">
+              <a:solidFill>
+                <a:schemeClr val="bg1">
+                  <a:lumMod val="50000"/>
+                </a:schemeClr>
+              </a:solidFill>
+              <a:latin typeface="+mn-lt"/>
+              <a:cs typeface="+mn-cs"/>
+            </a:endParaRPr>
           </a:p>
         </p:txBody>
       </p:sp>
     </p:spTree>
     <p:extLst>
       <p:ext uri="{BB962C8B-B14F-4D97-AF65-F5344CB8AC3E}">
-        <p14:creationId xmlns:p14="http://schemas.microsoft.com/office/powerpoint/2007/7/12/main" val="3819095931"/>
+        <p14:creationId xmlns="" xmlns:p14="http://schemas.microsoft.com/office/powerpoint/2007/7/12/main" val="3819095931"/>
       </p:ext>
     </p:extLst>
   </p:cSld>
@@ -14919,7 +17540,7 @@
   <p:timing>
     <p:tnLst>
       <p:par>
-        <p:cTn xmlns:p14="http://schemas.microsoft.com/office/powerpoint/2007/7/12/main" id="1" dur="indefinite" restart="never" nodeType="tmRoot"/>
+        <p:cTn id="1" dur="indefinite" restart="never" nodeType="tmRoot"/>
       </p:par>
     </p:tnLst>
   </p:timing>
@@ -15183,7 +17804,7 @@
                 <a:spcPct val="0"/>
               </a:spcAft>
               <a:buClr>
-                <a:srgbClr xmlns:mc="http://schemas.openxmlformats.org/markup-compatibility/2006" xmlns:a14="http://schemas.microsoft.com/office/drawing/2007/7/7/main" val="DA7E18" mc:Ignorable=""/>
+                <a:srgbClr val="DA7E18"/>
               </a:buClr>
               <a:buSzPct val="70000"/>
               <a:buFont typeface="Wingdings" pitchFamily="2" charset="2"/>
@@ -15205,7 +17826,7 @@
                 <a:spcPct val="0"/>
               </a:spcAft>
               <a:buClr>
-                <a:srgbClr xmlns:mc="http://schemas.openxmlformats.org/markup-compatibility/2006" xmlns:a14="http://schemas.microsoft.com/office/drawing/2007/7/7/main" val="E5AB1B" mc:Ignorable=""/>
+                <a:srgbClr val="E5AB1B"/>
               </a:buClr>
               <a:buSzPct val="70000"/>
               <a:buFont typeface="Wingdings" pitchFamily="2" charset="2"/>
@@ -15587,7 +18208,7 @@
                 <a:spcPct val="0"/>
               </a:spcAft>
               <a:buClr>
-                <a:srgbClr xmlns:mc="http://schemas.openxmlformats.org/markup-compatibility/2006" xmlns:a14="http://schemas.microsoft.com/office/drawing/2007/7/7/main" val="DA7E18" mc:Ignorable=""/>
+                <a:srgbClr val="DA7E18"/>
               </a:buClr>
               <a:buSzPct val="70000"/>
               <a:buFont typeface="Wingdings" pitchFamily="2" charset="2"/>
@@ -15609,7 +18230,7 @@
                 <a:spcPct val="0"/>
               </a:spcAft>
               <a:buClr>
-                <a:srgbClr xmlns:mc="http://schemas.openxmlformats.org/markup-compatibility/2006" xmlns:a14="http://schemas.microsoft.com/office/drawing/2007/7/7/main" val="E5AB1B" mc:Ignorable=""/>
+                <a:srgbClr val="E5AB1B"/>
               </a:buClr>
               <a:buSzPct val="70000"/>
               <a:buFont typeface="Wingdings" pitchFamily="2" charset="2"/>
@@ -15807,7 +18428,7 @@
                 <a:spcPct val="0"/>
               </a:spcAft>
               <a:buClr>
-                <a:srgbClr xmlns:mc="http://schemas.openxmlformats.org/markup-compatibility/2006" xmlns:a14="http://schemas.microsoft.com/office/drawing/2007/7/7/main" val="DA7E18" mc:Ignorable=""/>
+                <a:srgbClr val="DA7E18"/>
               </a:buClr>
               <a:buSzPct val="70000"/>
               <a:buFont typeface="Wingdings" pitchFamily="2" charset="2"/>
@@ -15829,7 +18450,7 @@
                 <a:spcPct val="0"/>
               </a:spcAft>
               <a:buClr>
-                <a:srgbClr xmlns:mc="http://schemas.openxmlformats.org/markup-compatibility/2006" xmlns:a14="http://schemas.microsoft.com/office/drawing/2007/7/7/main" val="E5AB1B" mc:Ignorable=""/>
+                <a:srgbClr val="E5AB1B"/>
               </a:buClr>
               <a:buSzPct val="70000"/>
               <a:buFont typeface="Wingdings" pitchFamily="2" charset="2"/>
@@ -16027,7 +18648,7 @@
                 <a:spcPct val="0"/>
               </a:spcAft>
               <a:buClr>
-                <a:srgbClr xmlns:mc="http://schemas.openxmlformats.org/markup-compatibility/2006" xmlns:a14="http://schemas.microsoft.com/office/drawing/2007/7/7/main" val="DA7E18" mc:Ignorable=""/>
+                <a:srgbClr val="DA7E18"/>
               </a:buClr>
               <a:buSzPct val="70000"/>
               <a:buFont typeface="Wingdings" pitchFamily="2" charset="2"/>
@@ -16049,7 +18670,7 @@
                 <a:spcPct val="0"/>
               </a:spcAft>
               <a:buClr>
-                <a:srgbClr xmlns:mc="http://schemas.openxmlformats.org/markup-compatibility/2006" xmlns:a14="http://schemas.microsoft.com/office/drawing/2007/7/7/main" val="E5AB1B" mc:Ignorable=""/>
+                <a:srgbClr val="E5AB1B"/>
               </a:buClr>
               <a:buSzPct val="70000"/>
               <a:buFont typeface="Wingdings" pitchFamily="2" charset="2"/>
@@ -16242,7 +18863,7 @@
                 <a:spcPct val="0"/>
               </a:spcAft>
               <a:buClr>
-                <a:srgbClr xmlns:mc="http://schemas.openxmlformats.org/markup-compatibility/2006" xmlns:a14="http://schemas.microsoft.com/office/drawing/2007/7/7/main" val="DA7E18" mc:Ignorable=""/>
+                <a:srgbClr val="DA7E18"/>
               </a:buClr>
               <a:buSzPct val="70000"/>
               <a:buFont typeface="Wingdings" pitchFamily="2" charset="2"/>
@@ -16264,7 +18885,7 @@
                 <a:spcPct val="0"/>
               </a:spcAft>
               <a:buClr>
-                <a:srgbClr xmlns:mc="http://schemas.openxmlformats.org/markup-compatibility/2006" xmlns:a14="http://schemas.microsoft.com/office/drawing/2007/7/7/main" val="E5AB1B" mc:Ignorable=""/>
+                <a:srgbClr val="E5AB1B"/>
               </a:buClr>
               <a:buSzPct val="70000"/>
               <a:buFont typeface="Wingdings" pitchFamily="2" charset="2"/>
@@ -16413,10 +19034,246 @@
           </a:p>
         </p:txBody>
       </p:sp>
+      <p:sp>
+        <p:nvSpPr>
+          <p:cNvPr id="16" name="ZoneTexte 15"/>
+          <p:cNvSpPr txBox="1"/>
+          <p:nvPr/>
+        </p:nvSpPr>
+        <p:spPr>
+          <a:xfrm>
+            <a:off x="-32" y="0"/>
+            <a:ext cx="1928812" cy="276225"/>
+          </a:xfrm>
+          <a:prstGeom prst="rect">
+            <a:avLst/>
+          </a:prstGeom>
+          <a:noFill/>
+        </p:spPr>
+        <p:txBody>
+          <a:bodyPr>
+            <a:spAutoFit/>
+          </a:bodyPr>
+          <a:lstStyle/>
+          <a:p>
+            <a:pPr algn="ctr" fontAlgn="auto">
+              <a:spcBef>
+                <a:spcPct val="20000"/>
+              </a:spcBef>
+              <a:spcAft>
+                <a:spcPts val="0"/>
+              </a:spcAft>
+              <a:defRPr/>
+            </a:pPr>
+            <a:r>
+              <a:rPr lang="fr-FR" sz="1200" kern="0" dirty="0" smtClean="0">
+                <a:solidFill>
+                  <a:schemeClr val="bg1">
+                    <a:lumMod val="50000"/>
+                  </a:schemeClr>
+                </a:solidFill>
+                <a:latin typeface="+mn-lt"/>
+                <a:cs typeface="+mn-cs"/>
+              </a:rPr>
+              <a:t>Domain identification</a:t>
+            </a:r>
+            <a:endParaRPr lang="fr-FR" sz="1200" kern="0" dirty="0">
+              <a:solidFill>
+                <a:schemeClr val="bg1">
+                  <a:lumMod val="50000"/>
+                </a:schemeClr>
+              </a:solidFill>
+              <a:latin typeface="+mn-lt"/>
+              <a:cs typeface="+mn-cs"/>
+            </a:endParaRPr>
+          </a:p>
+        </p:txBody>
+      </p:sp>
+      <p:sp>
+        <p:nvSpPr>
+          <p:cNvPr id="17" name="ZoneTexte 16"/>
+          <p:cNvSpPr txBox="1"/>
+          <p:nvPr/>
+        </p:nvSpPr>
+        <p:spPr>
+          <a:xfrm>
+            <a:off x="2143122" y="0"/>
+            <a:ext cx="1928812" cy="276225"/>
+          </a:xfrm>
+          <a:prstGeom prst="rect">
+            <a:avLst/>
+          </a:prstGeom>
+          <a:noFill/>
+        </p:spPr>
+        <p:txBody>
+          <a:bodyPr>
+            <a:spAutoFit/>
+          </a:bodyPr>
+          <a:lstStyle/>
+          <a:p>
+            <a:pPr algn="ctr" fontAlgn="auto">
+              <a:spcBef>
+                <a:spcPct val="20000"/>
+              </a:spcBef>
+              <a:spcAft>
+                <a:spcPts val="0"/>
+              </a:spcAft>
+              <a:defRPr/>
+            </a:pPr>
+            <a:r>
+              <a:rPr lang="fr-FR" sz="1200" kern="0" dirty="0" err="1" smtClean="0">
+                <a:solidFill>
+                  <a:schemeClr val="bg1">
+                    <a:lumMod val="50000"/>
+                  </a:schemeClr>
+                </a:solidFill>
+                <a:latin typeface="+mn-lt"/>
+                <a:cs typeface="+mn-cs"/>
+              </a:rPr>
+              <a:t>Requirements</a:t>
+            </a:r>
+            <a:endParaRPr lang="fr-FR" sz="1200" kern="0" dirty="0">
+              <a:solidFill>
+                <a:schemeClr val="bg1">
+                  <a:lumMod val="50000"/>
+                </a:schemeClr>
+              </a:solidFill>
+              <a:latin typeface="+mn-lt"/>
+              <a:cs typeface="+mn-cs"/>
+            </a:endParaRPr>
+          </a:p>
+        </p:txBody>
+      </p:sp>
+      <p:sp>
+        <p:nvSpPr>
+          <p:cNvPr id="18" name="ZoneTexte 17"/>
+          <p:cNvSpPr txBox="1"/>
+          <p:nvPr/>
+        </p:nvSpPr>
+        <p:spPr>
+          <a:xfrm>
+            <a:off x="4214818" y="0"/>
+            <a:ext cx="2571760" cy="276999"/>
+          </a:xfrm>
+          <a:prstGeom prst="rect">
+            <a:avLst/>
+          </a:prstGeom>
+          <a:noFill/>
+        </p:spPr>
+        <p:txBody>
+          <a:bodyPr wrap="square">
+            <a:spAutoFit/>
+          </a:bodyPr>
+          <a:lstStyle/>
+          <a:p>
+            <a:pPr algn="ctr" fontAlgn="auto">
+              <a:spcBef>
+                <a:spcPct val="20000"/>
+              </a:spcBef>
+              <a:spcAft>
+                <a:spcPts val="0"/>
+              </a:spcAft>
+              <a:defRPr/>
+            </a:pPr>
+            <a:r>
+              <a:rPr lang="fr-FR" sz="1200" b="1" u="sng" kern="0" dirty="0" err="1" smtClean="0">
+                <a:latin typeface="+mn-lt"/>
+                <a:cs typeface="+mn-cs"/>
+              </a:rPr>
+              <a:t>Context</a:t>
+            </a:r>
+            <a:r>
+              <a:rPr lang="fr-FR" sz="1200" b="1" u="sng" kern="0" dirty="0" smtClean="0">
+                <a:latin typeface="+mn-lt"/>
+                <a:cs typeface="+mn-cs"/>
+              </a:rPr>
+              <a:t> </a:t>
+            </a:r>
+            <a:r>
+              <a:rPr lang="fr-FR" sz="1200" b="1" u="sng" kern="0" dirty="0" err="1" smtClean="0">
+                <a:latin typeface="+mn-lt"/>
+                <a:cs typeface="+mn-cs"/>
+              </a:rPr>
+              <a:t>diagram</a:t>
+            </a:r>
+            <a:endParaRPr lang="fr-FR" sz="1200" b="1" u="sng" kern="0" dirty="0">
+              <a:latin typeface="+mn-lt"/>
+              <a:cs typeface="+mn-cs"/>
+            </a:endParaRPr>
+          </a:p>
+        </p:txBody>
+      </p:sp>
+      <p:sp>
+        <p:nvSpPr>
+          <p:cNvPr id="22" name="ZoneTexte 21"/>
+          <p:cNvSpPr txBox="1"/>
+          <p:nvPr/>
+        </p:nvSpPr>
+        <p:spPr>
+          <a:xfrm>
+            <a:off x="6572277" y="0"/>
+            <a:ext cx="1928813" cy="276225"/>
+          </a:xfrm>
+          <a:prstGeom prst="rect">
+            <a:avLst/>
+          </a:prstGeom>
+          <a:noFill/>
+        </p:spPr>
+        <p:txBody>
+          <a:bodyPr>
+            <a:spAutoFit/>
+          </a:bodyPr>
+          <a:lstStyle/>
+          <a:p>
+            <a:pPr algn="ctr" fontAlgn="auto">
+              <a:spcBef>
+                <a:spcPct val="20000"/>
+              </a:spcBef>
+              <a:spcAft>
+                <a:spcPts val="0"/>
+              </a:spcAft>
+              <a:defRPr/>
+            </a:pPr>
+            <a:r>
+              <a:rPr lang="fr-FR" sz="1200" kern="0" dirty="0" err="1" smtClean="0">
+                <a:solidFill>
+                  <a:schemeClr val="bg1">
+                    <a:lumMod val="50000"/>
+                  </a:schemeClr>
+                </a:solidFill>
+                <a:latin typeface="+mn-lt"/>
+                <a:cs typeface="+mn-cs"/>
+              </a:rPr>
+              <a:t>Problem</a:t>
+            </a:r>
+            <a:r>
+              <a:rPr lang="fr-FR" sz="1200" kern="0" dirty="0" smtClean="0">
+                <a:solidFill>
+                  <a:schemeClr val="bg1">
+                    <a:lumMod val="50000"/>
+                  </a:schemeClr>
+                </a:solidFill>
+                <a:latin typeface="+mn-lt"/>
+                <a:cs typeface="+mn-cs"/>
+              </a:rPr>
+              <a:t> frames</a:t>
+            </a:r>
+            <a:endParaRPr lang="fr-FR" sz="1200" kern="0" dirty="0">
+              <a:solidFill>
+                <a:schemeClr val="bg1">
+                  <a:lumMod val="50000"/>
+                </a:schemeClr>
+              </a:solidFill>
+              <a:latin typeface="+mn-lt"/>
+              <a:cs typeface="+mn-cs"/>
+            </a:endParaRPr>
+          </a:p>
+        </p:txBody>
+      </p:sp>
     </p:spTree>
     <p:extLst>
       <p:ext uri="{BB962C8B-B14F-4D97-AF65-F5344CB8AC3E}">
-        <p14:creationId xmlns:p14="http://schemas.microsoft.com/office/powerpoint/2007/7/12/main" val="1726127084"/>
+        <p14:creationId xmlns="" xmlns:p14="http://schemas.microsoft.com/office/powerpoint/2007/7/12/main" val="1726127084"/>
       </p:ext>
     </p:extLst>
   </p:cSld>
@@ -16426,7 +19283,7 @@
   <p:timing>
     <p:tnLst>
       <p:par>
-        <p:cTn xmlns:p14="http://schemas.microsoft.com/office/powerpoint/2007/7/12/main" id="1" dur="indefinite" restart="never" nodeType="tmRoot"/>
+        <p:cTn id="1" dur="indefinite" restart="never" nodeType="tmRoot"/>
       </p:par>
     </p:tnLst>
   </p:timing>
@@ -16910,7 +19767,7 @@
                 <a:spcPct val="0"/>
               </a:spcAft>
               <a:buClr>
-                <a:srgbClr xmlns:mc="http://schemas.openxmlformats.org/markup-compatibility/2006" xmlns:a14="http://schemas.microsoft.com/office/drawing/2007/7/7/main" val="DA7E18" mc:Ignorable=""/>
+                <a:srgbClr val="DA7E18"/>
               </a:buClr>
               <a:buSzPct val="70000"/>
               <a:buFont typeface="Wingdings" pitchFamily="2" charset="2"/>
@@ -16932,7 +19789,7 @@
                 <a:spcPct val="0"/>
               </a:spcAft>
               <a:buClr>
-                <a:srgbClr xmlns:mc="http://schemas.openxmlformats.org/markup-compatibility/2006" xmlns:a14="http://schemas.microsoft.com/office/drawing/2007/7/7/main" val="E5AB1B" mc:Ignorable=""/>
+                <a:srgbClr val="E5AB1B"/>
               </a:buClr>
               <a:buSzPct val="70000"/>
               <a:buFont typeface="Wingdings" pitchFamily="2" charset="2"/>
@@ -17224,40 +20081,22 @@
                 <a:latin typeface="+mn-lt"/>
                 <a:cs typeface="+mn-cs"/>
               </a:rPr>
-              <a:t>a</a:t>
+              <a:t>a: FDIR! {backup, </a:t>
+            </a:r>
+            <a:r>
+              <a:rPr lang="fr-FR" sz="1400" b="1" kern="0" dirty="0" err="1" smtClean="0">
+                <a:latin typeface="+mn-lt"/>
+                <a:cs typeface="+mn-cs"/>
+              </a:rPr>
+              <a:t>restart,shutdown</a:t>
             </a:r>
             <a:r>
               <a:rPr lang="fr-FR" sz="1400" b="1" kern="0" dirty="0" smtClean="0">
                 <a:latin typeface="+mn-lt"/>
                 <a:cs typeface="+mn-cs"/>
               </a:rPr>
-              <a:t>: FDIR</a:t>
-            </a:r>
-            <a:r>
-              <a:rPr lang="fr-FR" sz="1400" b="1" kern="0" dirty="0" smtClean="0">
-                <a:latin typeface="+mn-lt"/>
-                <a:cs typeface="+mn-cs"/>
-              </a:rPr>
-              <a:t>! {backup, </a:t>
-            </a:r>
-            <a:r>
-              <a:rPr lang="fr-FR" sz="1400" b="1" kern="0" dirty="0" err="1" smtClean="0">
-                <a:latin typeface="+mn-lt"/>
-                <a:cs typeface="+mn-cs"/>
-              </a:rPr>
-              <a:t>restart,shutdown</a:t>
-            </a:r>
-            <a:r>
-              <a:rPr lang="fr-FR" sz="1400" b="1" kern="0" dirty="0" smtClean="0">
-                <a:latin typeface="+mn-lt"/>
-                <a:cs typeface="+mn-cs"/>
-              </a:rPr>
               <a:t>}</a:t>
             </a:r>
-            <a:endParaRPr lang="fr-FR" sz="1400" b="1" kern="0" dirty="0" smtClean="0">
-              <a:latin typeface="+mn-lt"/>
-              <a:cs typeface="+mn-cs"/>
-            </a:endParaRPr>
           </a:p>
           <a:p>
             <a:pPr marL="0" marR="0" indent="0" algn="l" defTabSz="914400" rtl="0" eaLnBrk="1" fontAlgn="auto" latinLnBrk="0" hangingPunct="1">
@@ -17368,14 +20207,7 @@
                 <a:latin typeface="+mn-lt"/>
                 <a:cs typeface="+mn-cs"/>
               </a:rPr>
-              <a:t>b: </a:t>
-            </a:r>
-            <a:r>
-              <a:rPr lang="fr-FR" sz="1400" b="1" kern="0" dirty="0" smtClean="0">
-                <a:latin typeface="+mn-lt"/>
-                <a:cs typeface="+mn-cs"/>
-              </a:rPr>
-              <a:t>{</a:t>
+              <a:t>b: {</a:t>
             </a:r>
             <a:r>
               <a:rPr lang="fr-FR" sz="1400" b="1" kern="0" dirty="0" err="1" smtClean="0">
@@ -17478,7 +20310,7 @@
                 </a:solidFill>
                 <a:effectLst>
                   <a:outerShdw blurRad="38100" dist="38100" dir="2700000" algn="tl">
-                    <a:srgbClr xmlns:mc="http://schemas.openxmlformats.org/markup-compatibility/2006" xmlns:a14="http://schemas.microsoft.com/office/drawing/2007/7/7/main" val="000000" mc:Ignorable="">
+                    <a:srgbClr val="000000">
                       <a:alpha val="43137"/>
                     </a:srgbClr>
                   </a:outerShdw>
@@ -17495,7 +20327,7 @@
                 </a:solidFill>
                 <a:effectLst>
                   <a:outerShdw blurRad="38100" dist="38100" dir="2700000" algn="tl">
-                    <a:srgbClr xmlns:mc="http://schemas.openxmlformats.org/markup-compatibility/2006" xmlns:a14="http://schemas.microsoft.com/office/drawing/2007/7/7/main" val="000000" mc:Ignorable="">
+                    <a:srgbClr val="000000">
                       <a:alpha val="43137"/>
                     </a:srgbClr>
                   </a:outerShdw>
@@ -17512,7 +20344,7 @@
                 </a:solidFill>
                 <a:effectLst>
                   <a:outerShdw blurRad="38100" dist="38100" dir="2700000" algn="tl">
-                    <a:srgbClr xmlns:mc="http://schemas.openxmlformats.org/markup-compatibility/2006" xmlns:a14="http://schemas.microsoft.com/office/drawing/2007/7/7/main" val="000000" mc:Ignorable="">
+                    <a:srgbClr val="000000">
                       <a:alpha val="43137"/>
                     </a:srgbClr>
                   </a:outerShdw>
@@ -17529,7 +20361,7 @@
                 </a:solidFill>
                 <a:effectLst>
                   <a:outerShdw blurRad="38100" dist="38100" dir="2700000" algn="tl">
-                    <a:srgbClr xmlns:mc="http://schemas.openxmlformats.org/markup-compatibility/2006" xmlns:a14="http://schemas.microsoft.com/office/drawing/2007/7/7/main" val="000000" mc:Ignorable="">
+                    <a:srgbClr val="000000">
                       <a:alpha val="43137"/>
                     </a:srgbClr>
                   </a:outerShdw>
@@ -17566,10 +20398,251 @@
           </a:p>
         </p:txBody>
       </p:sp>
+      <p:sp>
+        <p:nvSpPr>
+          <p:cNvPr id="20" name="ZoneTexte 19"/>
+          <p:cNvSpPr txBox="1"/>
+          <p:nvPr/>
+        </p:nvSpPr>
+        <p:spPr>
+          <a:xfrm>
+            <a:off x="-32" y="0"/>
+            <a:ext cx="1928812" cy="276225"/>
+          </a:xfrm>
+          <a:prstGeom prst="rect">
+            <a:avLst/>
+          </a:prstGeom>
+          <a:noFill/>
+        </p:spPr>
+        <p:txBody>
+          <a:bodyPr>
+            <a:spAutoFit/>
+          </a:bodyPr>
+          <a:lstStyle/>
+          <a:p>
+            <a:pPr algn="ctr" fontAlgn="auto">
+              <a:spcBef>
+                <a:spcPct val="20000"/>
+              </a:spcBef>
+              <a:spcAft>
+                <a:spcPts val="0"/>
+              </a:spcAft>
+              <a:defRPr/>
+            </a:pPr>
+            <a:r>
+              <a:rPr lang="fr-FR" sz="1200" kern="0" dirty="0" smtClean="0">
+                <a:solidFill>
+                  <a:schemeClr val="bg1">
+                    <a:lumMod val="50000"/>
+                  </a:schemeClr>
+                </a:solidFill>
+                <a:latin typeface="+mn-lt"/>
+                <a:cs typeface="+mn-cs"/>
+              </a:rPr>
+              <a:t>Domain identification</a:t>
+            </a:r>
+            <a:endParaRPr lang="fr-FR" sz="1200" kern="0" dirty="0">
+              <a:solidFill>
+                <a:schemeClr val="bg1">
+                  <a:lumMod val="50000"/>
+                </a:schemeClr>
+              </a:solidFill>
+              <a:latin typeface="+mn-lt"/>
+              <a:cs typeface="+mn-cs"/>
+            </a:endParaRPr>
+          </a:p>
+        </p:txBody>
+      </p:sp>
+      <p:sp>
+        <p:nvSpPr>
+          <p:cNvPr id="21" name="ZoneTexte 20"/>
+          <p:cNvSpPr txBox="1"/>
+          <p:nvPr/>
+        </p:nvSpPr>
+        <p:spPr>
+          <a:xfrm>
+            <a:off x="2143122" y="0"/>
+            <a:ext cx="1928812" cy="276225"/>
+          </a:xfrm>
+          <a:prstGeom prst="rect">
+            <a:avLst/>
+          </a:prstGeom>
+          <a:noFill/>
+        </p:spPr>
+        <p:txBody>
+          <a:bodyPr>
+            <a:spAutoFit/>
+          </a:bodyPr>
+          <a:lstStyle/>
+          <a:p>
+            <a:pPr algn="ctr" fontAlgn="auto">
+              <a:spcBef>
+                <a:spcPct val="20000"/>
+              </a:spcBef>
+              <a:spcAft>
+                <a:spcPts val="0"/>
+              </a:spcAft>
+              <a:defRPr/>
+            </a:pPr>
+            <a:r>
+              <a:rPr lang="fr-FR" sz="1200" kern="0" dirty="0" err="1" smtClean="0">
+                <a:solidFill>
+                  <a:schemeClr val="bg1">
+                    <a:lumMod val="50000"/>
+                  </a:schemeClr>
+                </a:solidFill>
+                <a:latin typeface="+mn-lt"/>
+                <a:cs typeface="+mn-cs"/>
+              </a:rPr>
+              <a:t>Requirements</a:t>
+            </a:r>
+            <a:endParaRPr lang="fr-FR" sz="1200" kern="0" dirty="0">
+              <a:solidFill>
+                <a:schemeClr val="bg1">
+                  <a:lumMod val="50000"/>
+                </a:schemeClr>
+              </a:solidFill>
+              <a:latin typeface="+mn-lt"/>
+              <a:cs typeface="+mn-cs"/>
+            </a:endParaRPr>
+          </a:p>
+        </p:txBody>
+      </p:sp>
+      <p:sp>
+        <p:nvSpPr>
+          <p:cNvPr id="22" name="ZoneTexte 21"/>
+          <p:cNvSpPr txBox="1"/>
+          <p:nvPr/>
+        </p:nvSpPr>
+        <p:spPr>
+          <a:xfrm>
+            <a:off x="4214818" y="0"/>
+            <a:ext cx="2571760" cy="276999"/>
+          </a:xfrm>
+          <a:prstGeom prst="rect">
+            <a:avLst/>
+          </a:prstGeom>
+          <a:noFill/>
+        </p:spPr>
+        <p:txBody>
+          <a:bodyPr wrap="square">
+            <a:spAutoFit/>
+          </a:bodyPr>
+          <a:lstStyle/>
+          <a:p>
+            <a:pPr algn="ctr" fontAlgn="auto">
+              <a:spcBef>
+                <a:spcPct val="20000"/>
+              </a:spcBef>
+              <a:spcAft>
+                <a:spcPts val="0"/>
+              </a:spcAft>
+              <a:defRPr/>
+            </a:pPr>
+            <a:r>
+              <a:rPr lang="fr-FR" sz="1200" kern="0" dirty="0" err="1" smtClean="0">
+                <a:solidFill>
+                  <a:schemeClr val="bg1">
+                    <a:lumMod val="50000"/>
+                  </a:schemeClr>
+                </a:solidFill>
+                <a:latin typeface="+mn-lt"/>
+                <a:cs typeface="+mn-cs"/>
+              </a:rPr>
+              <a:t>Context</a:t>
+            </a:r>
+            <a:r>
+              <a:rPr lang="fr-FR" sz="1200" kern="0" dirty="0" smtClean="0">
+                <a:solidFill>
+                  <a:schemeClr val="bg1">
+                    <a:lumMod val="50000"/>
+                  </a:schemeClr>
+                </a:solidFill>
+                <a:latin typeface="+mn-lt"/>
+                <a:cs typeface="+mn-cs"/>
+              </a:rPr>
+              <a:t> </a:t>
+            </a:r>
+            <a:r>
+              <a:rPr lang="fr-FR" sz="1200" kern="0" dirty="0" err="1" smtClean="0">
+                <a:solidFill>
+                  <a:schemeClr val="bg1">
+                    <a:lumMod val="50000"/>
+                  </a:schemeClr>
+                </a:solidFill>
+                <a:latin typeface="+mn-lt"/>
+                <a:cs typeface="+mn-cs"/>
+              </a:rPr>
+              <a:t>diagram</a:t>
+            </a:r>
+            <a:endParaRPr lang="fr-FR" sz="1200" kern="0" dirty="0">
+              <a:solidFill>
+                <a:schemeClr val="bg1">
+                  <a:lumMod val="50000"/>
+                </a:schemeClr>
+              </a:solidFill>
+              <a:latin typeface="+mn-lt"/>
+              <a:cs typeface="+mn-cs"/>
+            </a:endParaRPr>
+          </a:p>
+        </p:txBody>
+      </p:sp>
+      <p:sp>
+        <p:nvSpPr>
+          <p:cNvPr id="23" name="ZoneTexte 22"/>
+          <p:cNvSpPr txBox="1"/>
+          <p:nvPr/>
+        </p:nvSpPr>
+        <p:spPr>
+          <a:xfrm>
+            <a:off x="6572277" y="0"/>
+            <a:ext cx="1928813" cy="276225"/>
+          </a:xfrm>
+          <a:prstGeom prst="rect">
+            <a:avLst/>
+          </a:prstGeom>
+          <a:noFill/>
+        </p:spPr>
+        <p:txBody>
+          <a:bodyPr>
+            <a:spAutoFit/>
+          </a:bodyPr>
+          <a:lstStyle/>
+          <a:p>
+            <a:pPr algn="ctr" fontAlgn="auto">
+              <a:spcBef>
+                <a:spcPct val="20000"/>
+              </a:spcBef>
+              <a:spcAft>
+                <a:spcPts val="0"/>
+              </a:spcAft>
+              <a:defRPr/>
+            </a:pPr>
+            <a:r>
+              <a:rPr lang="fr-FR" sz="1200" b="1" u="sng" kern="0" dirty="0" err="1" smtClean="0">
+                <a:latin typeface="+mn-lt"/>
+                <a:cs typeface="+mn-cs"/>
+              </a:rPr>
+              <a:t>Problem</a:t>
+            </a:r>
+            <a:r>
+              <a:rPr lang="fr-FR" sz="1200" b="1" u="sng" kern="0" dirty="0" smtClean="0">
+                <a:latin typeface="+mn-lt"/>
+                <a:cs typeface="+mn-cs"/>
+              </a:rPr>
+              <a:t> frames</a:t>
+            </a:r>
+            <a:endParaRPr lang="fr-FR" sz="1200" b="1" u="sng" kern="0" dirty="0">
+              <a:latin typeface="+mn-lt"/>
+              <a:cs typeface="+mn-cs"/>
+            </a:endParaRPr>
+          </a:p>
+        </p:txBody>
+      </p:sp>
     </p:spTree>
     <p:extLst>
       <p:ext uri="{BB962C8B-B14F-4D97-AF65-F5344CB8AC3E}">
-        <p14:creationId xmlns:p14="http://schemas.microsoft.com/office/powerpoint/2007/7/12/main" val="3222460238"/>
+        <p14:creationId xmlns="" xmlns:p14="http://schemas.microsoft.com/office/powerpoint/2007/7/12/main" val="3222460238"/>
       </p:ext>
     </p:extLst>
   </p:cSld>
@@ -17579,7 +20652,7 @@
   <p:timing>
     <p:tnLst>
       <p:par>
-        <p:cTn xmlns:p14="http://schemas.microsoft.com/office/powerpoint/2007/7/12/main" id="1" dur="indefinite" restart="never" nodeType="tmRoot"/>
+        <p:cTn id="1" dur="indefinite" restart="never" nodeType="tmRoot"/>
       </p:par>
     </p:tnLst>
   </p:timing>
@@ -17752,11 +20825,7 @@
             </a:r>
             <a:r>
               <a:rPr lang="fr-FR" dirty="0" smtClean="0"/>
-              <a:t>, </a:t>
-            </a:r>
-            <a:r>
-              <a:rPr lang="fr-FR" dirty="0" smtClean="0"/>
-              <a:t>return </a:t>
+              <a:t>, return </a:t>
             </a:r>
             <a:r>
               <a:rPr lang="fr-FR" dirty="0" err="1" smtClean="0"/>
@@ -17779,13 +20848,254 @@
               <a:t>to the FDIR.</a:t>
             </a:r>
             <a:endParaRPr lang="fr-FR" dirty="0"/>
+          </a:p>
+        </p:txBody>
+      </p:sp>
+      <p:sp>
+        <p:nvSpPr>
+          <p:cNvPr id="4" name="ZoneTexte 3"/>
+          <p:cNvSpPr txBox="1"/>
+          <p:nvPr/>
+        </p:nvSpPr>
+        <p:spPr>
+          <a:xfrm>
+            <a:off x="-32" y="0"/>
+            <a:ext cx="1928812" cy="276225"/>
+          </a:xfrm>
+          <a:prstGeom prst="rect">
+            <a:avLst/>
+          </a:prstGeom>
+          <a:noFill/>
+        </p:spPr>
+        <p:txBody>
+          <a:bodyPr>
+            <a:spAutoFit/>
+          </a:bodyPr>
+          <a:lstStyle/>
+          <a:p>
+            <a:pPr algn="ctr" fontAlgn="auto">
+              <a:spcBef>
+                <a:spcPct val="20000"/>
+              </a:spcBef>
+              <a:spcAft>
+                <a:spcPts val="0"/>
+              </a:spcAft>
+              <a:defRPr/>
+            </a:pPr>
+            <a:r>
+              <a:rPr lang="fr-FR" sz="1200" kern="0" dirty="0" smtClean="0">
+                <a:solidFill>
+                  <a:schemeClr val="bg1">
+                    <a:lumMod val="50000"/>
+                  </a:schemeClr>
+                </a:solidFill>
+                <a:latin typeface="+mn-lt"/>
+                <a:cs typeface="+mn-cs"/>
+              </a:rPr>
+              <a:t>Domain identification</a:t>
+            </a:r>
+            <a:endParaRPr lang="fr-FR" sz="1200" kern="0" dirty="0">
+              <a:solidFill>
+                <a:schemeClr val="bg1">
+                  <a:lumMod val="50000"/>
+                </a:schemeClr>
+              </a:solidFill>
+              <a:latin typeface="+mn-lt"/>
+              <a:cs typeface="+mn-cs"/>
+            </a:endParaRPr>
+          </a:p>
+        </p:txBody>
+      </p:sp>
+      <p:sp>
+        <p:nvSpPr>
+          <p:cNvPr id="5" name="ZoneTexte 4"/>
+          <p:cNvSpPr txBox="1"/>
+          <p:nvPr/>
+        </p:nvSpPr>
+        <p:spPr>
+          <a:xfrm>
+            <a:off x="2143122" y="0"/>
+            <a:ext cx="1928812" cy="276225"/>
+          </a:xfrm>
+          <a:prstGeom prst="rect">
+            <a:avLst/>
+          </a:prstGeom>
+          <a:noFill/>
+        </p:spPr>
+        <p:txBody>
+          <a:bodyPr>
+            <a:spAutoFit/>
+          </a:bodyPr>
+          <a:lstStyle/>
+          <a:p>
+            <a:pPr algn="ctr" fontAlgn="auto">
+              <a:spcBef>
+                <a:spcPct val="20000"/>
+              </a:spcBef>
+              <a:spcAft>
+                <a:spcPts val="0"/>
+              </a:spcAft>
+              <a:defRPr/>
+            </a:pPr>
+            <a:r>
+              <a:rPr lang="fr-FR" sz="1200" kern="0" dirty="0" err="1" smtClean="0">
+                <a:solidFill>
+                  <a:schemeClr val="bg1">
+                    <a:lumMod val="50000"/>
+                  </a:schemeClr>
+                </a:solidFill>
+                <a:latin typeface="+mn-lt"/>
+                <a:cs typeface="+mn-cs"/>
+              </a:rPr>
+              <a:t>Requirements</a:t>
+            </a:r>
+            <a:endParaRPr lang="fr-FR" sz="1200" kern="0" dirty="0">
+              <a:solidFill>
+                <a:schemeClr val="bg1">
+                  <a:lumMod val="50000"/>
+                </a:schemeClr>
+              </a:solidFill>
+              <a:latin typeface="+mn-lt"/>
+              <a:cs typeface="+mn-cs"/>
+            </a:endParaRPr>
+          </a:p>
+        </p:txBody>
+      </p:sp>
+      <p:sp>
+        <p:nvSpPr>
+          <p:cNvPr id="6" name="ZoneTexte 5"/>
+          <p:cNvSpPr txBox="1"/>
+          <p:nvPr/>
+        </p:nvSpPr>
+        <p:spPr>
+          <a:xfrm>
+            <a:off x="4214818" y="0"/>
+            <a:ext cx="2571760" cy="276999"/>
+          </a:xfrm>
+          <a:prstGeom prst="rect">
+            <a:avLst/>
+          </a:prstGeom>
+          <a:noFill/>
+        </p:spPr>
+        <p:txBody>
+          <a:bodyPr wrap="square">
+            <a:spAutoFit/>
+          </a:bodyPr>
+          <a:lstStyle/>
+          <a:p>
+            <a:pPr algn="ctr" fontAlgn="auto">
+              <a:spcBef>
+                <a:spcPct val="20000"/>
+              </a:spcBef>
+              <a:spcAft>
+                <a:spcPts val="0"/>
+              </a:spcAft>
+              <a:defRPr/>
+            </a:pPr>
+            <a:r>
+              <a:rPr lang="fr-FR" sz="1200" kern="0" dirty="0" err="1" smtClean="0">
+                <a:solidFill>
+                  <a:schemeClr val="bg1">
+                    <a:lumMod val="50000"/>
+                  </a:schemeClr>
+                </a:solidFill>
+                <a:latin typeface="+mn-lt"/>
+                <a:cs typeface="+mn-cs"/>
+              </a:rPr>
+              <a:t>Context</a:t>
+            </a:r>
+            <a:r>
+              <a:rPr lang="fr-FR" sz="1200" kern="0" dirty="0" smtClean="0">
+                <a:solidFill>
+                  <a:schemeClr val="bg1">
+                    <a:lumMod val="50000"/>
+                  </a:schemeClr>
+                </a:solidFill>
+                <a:latin typeface="+mn-lt"/>
+                <a:cs typeface="+mn-cs"/>
+              </a:rPr>
+              <a:t> </a:t>
+            </a:r>
+            <a:r>
+              <a:rPr lang="fr-FR" sz="1200" kern="0" dirty="0" err="1" smtClean="0">
+                <a:solidFill>
+                  <a:schemeClr val="bg1">
+                    <a:lumMod val="50000"/>
+                  </a:schemeClr>
+                </a:solidFill>
+                <a:latin typeface="+mn-lt"/>
+                <a:cs typeface="+mn-cs"/>
+              </a:rPr>
+              <a:t>diagram</a:t>
+            </a:r>
+            <a:endParaRPr lang="fr-FR" sz="1200" kern="0" dirty="0">
+              <a:solidFill>
+                <a:schemeClr val="bg1">
+                  <a:lumMod val="50000"/>
+                </a:schemeClr>
+              </a:solidFill>
+              <a:latin typeface="+mn-lt"/>
+              <a:cs typeface="+mn-cs"/>
+            </a:endParaRPr>
+          </a:p>
+        </p:txBody>
+      </p:sp>
+      <p:sp>
+        <p:nvSpPr>
+          <p:cNvPr id="7" name="ZoneTexte 6"/>
+          <p:cNvSpPr txBox="1"/>
+          <p:nvPr/>
+        </p:nvSpPr>
+        <p:spPr>
+          <a:xfrm>
+            <a:off x="6572277" y="0"/>
+            <a:ext cx="1928813" cy="276225"/>
+          </a:xfrm>
+          <a:prstGeom prst="rect">
+            <a:avLst/>
+          </a:prstGeom>
+          <a:noFill/>
+        </p:spPr>
+        <p:txBody>
+          <a:bodyPr>
+            <a:spAutoFit/>
+          </a:bodyPr>
+          <a:lstStyle/>
+          <a:p>
+            <a:pPr algn="ctr" fontAlgn="auto">
+              <a:spcBef>
+                <a:spcPct val="20000"/>
+              </a:spcBef>
+              <a:spcAft>
+                <a:spcPts val="0"/>
+              </a:spcAft>
+              <a:defRPr/>
+            </a:pPr>
+            <a:r>
+              <a:rPr lang="fr-FR" sz="1200" b="1" u="sng" kern="0" dirty="0" err="1" smtClean="0">
+                <a:latin typeface="+mn-lt"/>
+                <a:cs typeface="+mn-cs"/>
+              </a:rPr>
+              <a:t>Problem</a:t>
+            </a:r>
+            <a:r>
+              <a:rPr lang="fr-FR" sz="1200" b="1" u="sng" kern="0" dirty="0" smtClean="0">
+                <a:latin typeface="+mn-lt"/>
+                <a:cs typeface="+mn-cs"/>
+              </a:rPr>
+              <a:t> frames</a:t>
+            </a:r>
+            <a:endParaRPr lang="fr-FR" sz="1200" b="1" u="sng" kern="0" dirty="0">
+              <a:latin typeface="+mn-lt"/>
+              <a:cs typeface="+mn-cs"/>
+            </a:endParaRPr>
           </a:p>
         </p:txBody>
       </p:sp>
     </p:spTree>
     <p:extLst>
       <p:ext uri="{BB962C8B-B14F-4D97-AF65-F5344CB8AC3E}">
-        <p14:creationId xmlns:p14="http://schemas.microsoft.com/office/powerpoint/2007/7/12/main" val="532621230"/>
+        <p14:creationId xmlns="" xmlns:p14="http://schemas.microsoft.com/office/powerpoint/2007/7/12/main" val="532621230"/>
       </p:ext>
     </p:extLst>
   </p:cSld>
@@ -17795,7 +21105,7 @@
   <p:timing>
     <p:tnLst>
       <p:par>
-        <p:cTn xmlns:p14="http://schemas.microsoft.com/office/powerpoint/2007/7/12/main" id="1" dur="indefinite" restart="never" nodeType="tmRoot"/>
+        <p:cTn id="1" dur="indefinite" restart="never" nodeType="tmRoot"/>
       </p:par>
     </p:tnLst>
   </p:timing>
@@ -18268,35 +21578,21 @@
                 <a:latin typeface="+mn-lt"/>
                 <a:cs typeface="+mn-cs"/>
               </a:rPr>
-              <a:t>: </a:t>
+              <a:t>: C/GC! {</a:t>
+            </a:r>
+            <a:r>
+              <a:rPr lang="fr-FR" sz="1400" b="1" kern="0" dirty="0" err="1" smtClean="0">
+                <a:latin typeface="+mn-lt"/>
+                <a:cs typeface="+mn-cs"/>
+              </a:rPr>
+              <a:t>Shutdown</a:t>
             </a:r>
             <a:r>
               <a:rPr lang="fr-FR" sz="1400" b="1" kern="0" dirty="0" smtClean="0">
                 <a:latin typeface="+mn-lt"/>
                 <a:cs typeface="+mn-cs"/>
               </a:rPr>
-              <a:t>C/GC! {</a:t>
-            </a:r>
-            <a:r>
-              <a:rPr lang="fr-FR" sz="1400" b="1" kern="0" dirty="0" err="1" smtClean="0">
-                <a:latin typeface="+mn-lt"/>
-                <a:cs typeface="+mn-cs"/>
-              </a:rPr>
-              <a:t>Shutdown</a:t>
-            </a:r>
-            <a:r>
-              <a:rPr lang="fr-FR" sz="1400" b="1" kern="0" dirty="0" smtClean="0">
-                <a:latin typeface="+mn-lt"/>
-                <a:cs typeface="+mn-cs"/>
-              </a:rPr>
-              <a:t>, Restart, Switch to backup</a:t>
-            </a:r>
-            <a:r>
-              <a:rPr lang="fr-FR" sz="1400" b="1" kern="0" dirty="0" smtClean="0">
-                <a:latin typeface="+mn-lt"/>
-                <a:cs typeface="+mn-cs"/>
-              </a:rPr>
-              <a:t>} </a:t>
+              <a:t>, Restart, Switch to backup} </a:t>
             </a:r>
             <a:endParaRPr kumimoji="0" lang="fr-FR" sz="1400" b="1" i="0" u="none" strike="noStrike" kern="0" cap="none" spc="0" normalizeH="0" baseline="0" noProof="0" dirty="0" smtClean="0">
               <a:ln>
@@ -18406,7 +21702,7 @@
                 <a:spcPct val="0"/>
               </a:spcAft>
               <a:buClr>
-                <a:srgbClr xmlns:mc="http://schemas.openxmlformats.org/markup-compatibility/2006" xmlns:a14="http://schemas.microsoft.com/office/drawing/2007/7/7/main" val="DA7E18" mc:Ignorable=""/>
+                <a:srgbClr val="DA7E18"/>
               </a:buClr>
               <a:buSzPct val="70000"/>
               <a:buFont typeface="Wingdings" pitchFamily="2" charset="2"/>
@@ -18428,7 +21724,7 @@
                 <a:spcPct val="0"/>
               </a:spcAft>
               <a:buClr>
-                <a:srgbClr xmlns:mc="http://schemas.openxmlformats.org/markup-compatibility/2006" xmlns:a14="http://schemas.microsoft.com/office/drawing/2007/7/7/main" val="E5AB1B" mc:Ignorable=""/>
+                <a:srgbClr val="E5AB1B"/>
               </a:buClr>
               <a:buSzPct val="70000"/>
               <a:buFont typeface="Wingdings" pitchFamily="2" charset="2"/>
@@ -18832,21 +22128,7 @@
                 <a:latin typeface="+mn-lt"/>
                 <a:cs typeface="+mn-cs"/>
               </a:rPr>
-              <a:t>c</a:t>
-            </a:r>
-            <a:r>
-              <a:rPr lang="fr-FR" sz="1400" b="1" kern="0" dirty="0" smtClean="0">
-                <a:latin typeface="+mn-lt"/>
-                <a:cs typeface="+mn-cs"/>
-              </a:rPr>
-              <a:t>: C/GC</a:t>
-            </a:r>
-            <a:r>
-              <a:rPr lang="fr-FR" sz="1400" b="1" kern="0" dirty="0" smtClean="0">
-                <a:latin typeface="+mn-lt"/>
-                <a:cs typeface="+mn-cs"/>
-              </a:rPr>
-              <a:t>! {Do </a:t>
+              <a:t>c: C/GC! {Do </a:t>
             </a:r>
             <a:r>
               <a:rPr lang="fr-FR" sz="1400" b="1" kern="0" dirty="0" err="1" smtClean="0">
@@ -18969,7 +22251,7 @@
                 <a:spcPct val="0"/>
               </a:spcAft>
               <a:buClr>
-                <a:srgbClr xmlns:mc="http://schemas.openxmlformats.org/markup-compatibility/2006" xmlns:a14="http://schemas.microsoft.com/office/drawing/2007/7/7/main" val="DA7E18" mc:Ignorable=""/>
+                <a:srgbClr val="DA7E18"/>
               </a:buClr>
               <a:buSzPct val="70000"/>
               <a:buFont typeface="Wingdings" pitchFamily="2" charset="2"/>
@@ -18991,7 +22273,7 @@
                 <a:spcPct val="0"/>
               </a:spcAft>
               <a:buClr>
-                <a:srgbClr xmlns:mc="http://schemas.openxmlformats.org/markup-compatibility/2006" xmlns:a14="http://schemas.microsoft.com/office/drawing/2007/7/7/main" val="E5AB1B" mc:Ignorable=""/>
+                <a:srgbClr val="E5AB1B"/>
               </a:buClr>
               <a:buSzPct val="70000"/>
               <a:buFont typeface="Wingdings" pitchFamily="2" charset="2"/>
@@ -19171,7 +22453,7 @@
                 <a:spcPct val="0"/>
               </a:spcAft>
               <a:buClr>
-                <a:srgbClr xmlns:mc="http://schemas.openxmlformats.org/markup-compatibility/2006" xmlns:a14="http://schemas.microsoft.com/office/drawing/2007/7/7/main" val="DA7E18" mc:Ignorable=""/>
+                <a:srgbClr val="DA7E18"/>
               </a:buClr>
               <a:buSzPct val="70000"/>
               <a:buFont typeface="Wingdings" pitchFamily="2" charset="2"/>
@@ -19193,7 +22475,7 @@
                 <a:spcPct val="0"/>
               </a:spcAft>
               <a:buClr>
-                <a:srgbClr xmlns:mc="http://schemas.openxmlformats.org/markup-compatibility/2006" xmlns:a14="http://schemas.microsoft.com/office/drawing/2007/7/7/main" val="E5AB1B" mc:Ignorable=""/>
+                <a:srgbClr val="E5AB1B"/>
               </a:buClr>
               <a:buSzPct val="70000"/>
               <a:buFont typeface="Wingdings" pitchFamily="2" charset="2"/>
@@ -19381,42 +22663,21 @@
                 <a:latin typeface="+mn-lt"/>
                 <a:cs typeface="+mn-cs"/>
               </a:rPr>
-              <a:t>d</a:t>
+              <a:t>d: FDIR! {Issue </a:t>
+            </a:r>
+            <a:r>
+              <a:rPr lang="fr-FR" sz="1400" b="1" kern="0" dirty="0" err="1" smtClean="0">
+                <a:latin typeface="+mn-lt"/>
+                <a:cs typeface="+mn-cs"/>
+              </a:rPr>
+              <a:t>Shutdown,Issue</a:t>
             </a:r>
             <a:r>
               <a:rPr lang="fr-FR" sz="1400" b="1" kern="0" dirty="0" smtClean="0">
                 <a:latin typeface="+mn-lt"/>
                 <a:cs typeface="+mn-cs"/>
               </a:rPr>
-              <a:t>: FDIR</a:t>
-            </a:r>
-            <a:r>
-              <a:rPr lang="fr-FR" sz="1400" b="1" kern="0" dirty="0" smtClean="0">
-                <a:latin typeface="+mn-lt"/>
-                <a:cs typeface="+mn-cs"/>
-              </a:rPr>
-              <a:t>! {Issue </a:t>
-            </a:r>
-            <a:r>
-              <a:rPr lang="fr-FR" sz="1400" b="1" kern="0" dirty="0" err="1" smtClean="0">
-                <a:latin typeface="+mn-lt"/>
-                <a:cs typeface="+mn-cs"/>
-              </a:rPr>
-              <a:t>Shutdown,Issue</a:t>
-            </a:r>
-            <a:r>
-              <a:rPr lang="fr-FR" sz="1400" b="1" kern="0" dirty="0" smtClean="0">
-                <a:latin typeface="+mn-lt"/>
-                <a:cs typeface="+mn-cs"/>
-              </a:rPr>
-              <a:t> Restart, Issue Switch</a:t>
-            </a:r>
-            <a:r>
-              <a:rPr lang="fr-FR" sz="1400" b="1" kern="0" dirty="0" smtClean="0">
-                <a:latin typeface="+mn-lt"/>
-                <a:cs typeface="+mn-cs"/>
-              </a:rPr>
-              <a:t>}</a:t>
+              <a:t> Restart, Issue Switch}</a:t>
             </a:r>
           </a:p>
           <a:p>
@@ -19556,14 +22817,7 @@
                 <a:latin typeface="+mn-lt"/>
                 <a:cs typeface="+mn-cs"/>
               </a:rPr>
-              <a:t>a: </a:t>
-            </a:r>
-            <a:r>
-              <a:rPr lang="fr-FR" sz="1400" b="1" kern="0" dirty="0" smtClean="0">
-                <a:latin typeface="+mn-lt"/>
-                <a:cs typeface="+mn-cs"/>
-              </a:rPr>
-              <a:t>System! {</a:t>
+              <a:t>a: System! {</a:t>
             </a:r>
             <a:r>
               <a:rPr lang="fr-FR" sz="1400" b="1" kern="0" dirty="0" err="1" smtClean="0">
@@ -19666,7 +22920,7 @@
                 </a:solidFill>
                 <a:effectLst>
                   <a:outerShdw blurRad="38100" dist="38100" dir="2700000" algn="tl">
-                    <a:srgbClr xmlns:mc="http://schemas.openxmlformats.org/markup-compatibility/2006" xmlns:a14="http://schemas.microsoft.com/office/drawing/2007/7/7/main" val="000000" mc:Ignorable="">
+                    <a:srgbClr val="000000">
                       <a:alpha val="43137"/>
                     </a:srgbClr>
                   </a:outerShdw>
@@ -19683,7 +22937,7 @@
                 </a:solidFill>
                 <a:effectLst>
                   <a:outerShdw blurRad="38100" dist="38100" dir="2700000" algn="tl">
-                    <a:srgbClr xmlns:mc="http://schemas.openxmlformats.org/markup-compatibility/2006" xmlns:a14="http://schemas.microsoft.com/office/drawing/2007/7/7/main" val="000000" mc:Ignorable="">
+                    <a:srgbClr val="000000">
                       <a:alpha val="43137"/>
                     </a:srgbClr>
                   </a:outerShdw>
@@ -19700,7 +22954,7 @@
                 </a:solidFill>
                 <a:effectLst>
                   <a:outerShdw blurRad="38100" dist="38100" dir="2700000" algn="tl">
-                    <a:srgbClr xmlns:mc="http://schemas.openxmlformats.org/markup-compatibility/2006" xmlns:a14="http://schemas.microsoft.com/office/drawing/2007/7/7/main" val="000000" mc:Ignorable="">
+                    <a:srgbClr val="000000">
                       <a:alpha val="43137"/>
                     </a:srgbClr>
                   </a:outerShdw>
@@ -19717,7 +22971,7 @@
                 </a:solidFill>
                 <a:effectLst>
                   <a:outerShdw blurRad="38100" dist="38100" dir="2700000" algn="tl">
-                    <a:srgbClr xmlns:mc="http://schemas.openxmlformats.org/markup-compatibility/2006" xmlns:a14="http://schemas.microsoft.com/office/drawing/2007/7/7/main" val="000000" mc:Ignorable="">
+                    <a:srgbClr val="000000">
                       <a:alpha val="43137"/>
                     </a:srgbClr>
                   </a:outerShdw>
@@ -19754,10 +23008,251 @@
           </a:p>
         </p:txBody>
       </p:sp>
+      <p:sp>
+        <p:nvSpPr>
+          <p:cNvPr id="29" name="ZoneTexte 28"/>
+          <p:cNvSpPr txBox="1"/>
+          <p:nvPr/>
+        </p:nvSpPr>
+        <p:spPr>
+          <a:xfrm>
+            <a:off x="-32" y="0"/>
+            <a:ext cx="1928812" cy="276225"/>
+          </a:xfrm>
+          <a:prstGeom prst="rect">
+            <a:avLst/>
+          </a:prstGeom>
+          <a:noFill/>
+        </p:spPr>
+        <p:txBody>
+          <a:bodyPr>
+            <a:spAutoFit/>
+          </a:bodyPr>
+          <a:lstStyle/>
+          <a:p>
+            <a:pPr algn="ctr" fontAlgn="auto">
+              <a:spcBef>
+                <a:spcPct val="20000"/>
+              </a:spcBef>
+              <a:spcAft>
+                <a:spcPts val="0"/>
+              </a:spcAft>
+              <a:defRPr/>
+            </a:pPr>
+            <a:r>
+              <a:rPr lang="fr-FR" sz="1200" kern="0" dirty="0" smtClean="0">
+                <a:solidFill>
+                  <a:schemeClr val="bg1">
+                    <a:lumMod val="50000"/>
+                  </a:schemeClr>
+                </a:solidFill>
+                <a:latin typeface="+mn-lt"/>
+                <a:cs typeface="+mn-cs"/>
+              </a:rPr>
+              <a:t>Domain identification</a:t>
+            </a:r>
+            <a:endParaRPr lang="fr-FR" sz="1200" kern="0" dirty="0">
+              <a:solidFill>
+                <a:schemeClr val="bg1">
+                  <a:lumMod val="50000"/>
+                </a:schemeClr>
+              </a:solidFill>
+              <a:latin typeface="+mn-lt"/>
+              <a:cs typeface="+mn-cs"/>
+            </a:endParaRPr>
+          </a:p>
+        </p:txBody>
+      </p:sp>
+      <p:sp>
+        <p:nvSpPr>
+          <p:cNvPr id="30" name="ZoneTexte 29"/>
+          <p:cNvSpPr txBox="1"/>
+          <p:nvPr/>
+        </p:nvSpPr>
+        <p:spPr>
+          <a:xfrm>
+            <a:off x="2143122" y="0"/>
+            <a:ext cx="1928812" cy="276225"/>
+          </a:xfrm>
+          <a:prstGeom prst="rect">
+            <a:avLst/>
+          </a:prstGeom>
+          <a:noFill/>
+        </p:spPr>
+        <p:txBody>
+          <a:bodyPr>
+            <a:spAutoFit/>
+          </a:bodyPr>
+          <a:lstStyle/>
+          <a:p>
+            <a:pPr algn="ctr" fontAlgn="auto">
+              <a:spcBef>
+                <a:spcPct val="20000"/>
+              </a:spcBef>
+              <a:spcAft>
+                <a:spcPts val="0"/>
+              </a:spcAft>
+              <a:defRPr/>
+            </a:pPr>
+            <a:r>
+              <a:rPr lang="fr-FR" sz="1200" kern="0" dirty="0" err="1" smtClean="0">
+                <a:solidFill>
+                  <a:schemeClr val="bg1">
+                    <a:lumMod val="50000"/>
+                  </a:schemeClr>
+                </a:solidFill>
+                <a:latin typeface="+mn-lt"/>
+                <a:cs typeface="+mn-cs"/>
+              </a:rPr>
+              <a:t>Requirements</a:t>
+            </a:r>
+            <a:endParaRPr lang="fr-FR" sz="1200" kern="0" dirty="0">
+              <a:solidFill>
+                <a:schemeClr val="bg1">
+                  <a:lumMod val="50000"/>
+                </a:schemeClr>
+              </a:solidFill>
+              <a:latin typeface="+mn-lt"/>
+              <a:cs typeface="+mn-cs"/>
+            </a:endParaRPr>
+          </a:p>
+        </p:txBody>
+      </p:sp>
+      <p:sp>
+        <p:nvSpPr>
+          <p:cNvPr id="31" name="ZoneTexte 30"/>
+          <p:cNvSpPr txBox="1"/>
+          <p:nvPr/>
+        </p:nvSpPr>
+        <p:spPr>
+          <a:xfrm>
+            <a:off x="4214818" y="0"/>
+            <a:ext cx="2571760" cy="276999"/>
+          </a:xfrm>
+          <a:prstGeom prst="rect">
+            <a:avLst/>
+          </a:prstGeom>
+          <a:noFill/>
+        </p:spPr>
+        <p:txBody>
+          <a:bodyPr wrap="square">
+            <a:spAutoFit/>
+          </a:bodyPr>
+          <a:lstStyle/>
+          <a:p>
+            <a:pPr algn="ctr" fontAlgn="auto">
+              <a:spcBef>
+                <a:spcPct val="20000"/>
+              </a:spcBef>
+              <a:spcAft>
+                <a:spcPts val="0"/>
+              </a:spcAft>
+              <a:defRPr/>
+            </a:pPr>
+            <a:r>
+              <a:rPr lang="fr-FR" sz="1200" kern="0" dirty="0" err="1" smtClean="0">
+                <a:solidFill>
+                  <a:schemeClr val="bg1">
+                    <a:lumMod val="50000"/>
+                  </a:schemeClr>
+                </a:solidFill>
+                <a:latin typeface="+mn-lt"/>
+                <a:cs typeface="+mn-cs"/>
+              </a:rPr>
+              <a:t>Context</a:t>
+            </a:r>
+            <a:r>
+              <a:rPr lang="fr-FR" sz="1200" kern="0" dirty="0" smtClean="0">
+                <a:solidFill>
+                  <a:schemeClr val="bg1">
+                    <a:lumMod val="50000"/>
+                  </a:schemeClr>
+                </a:solidFill>
+                <a:latin typeface="+mn-lt"/>
+                <a:cs typeface="+mn-cs"/>
+              </a:rPr>
+              <a:t> </a:t>
+            </a:r>
+            <a:r>
+              <a:rPr lang="fr-FR" sz="1200" kern="0" dirty="0" err="1" smtClean="0">
+                <a:solidFill>
+                  <a:schemeClr val="bg1">
+                    <a:lumMod val="50000"/>
+                  </a:schemeClr>
+                </a:solidFill>
+                <a:latin typeface="+mn-lt"/>
+                <a:cs typeface="+mn-cs"/>
+              </a:rPr>
+              <a:t>diagram</a:t>
+            </a:r>
+            <a:endParaRPr lang="fr-FR" sz="1200" kern="0" dirty="0">
+              <a:solidFill>
+                <a:schemeClr val="bg1">
+                  <a:lumMod val="50000"/>
+                </a:schemeClr>
+              </a:solidFill>
+              <a:latin typeface="+mn-lt"/>
+              <a:cs typeface="+mn-cs"/>
+            </a:endParaRPr>
+          </a:p>
+        </p:txBody>
+      </p:sp>
+      <p:sp>
+        <p:nvSpPr>
+          <p:cNvPr id="32" name="ZoneTexte 31"/>
+          <p:cNvSpPr txBox="1"/>
+          <p:nvPr/>
+        </p:nvSpPr>
+        <p:spPr>
+          <a:xfrm>
+            <a:off x="6572277" y="0"/>
+            <a:ext cx="1928813" cy="276225"/>
+          </a:xfrm>
+          <a:prstGeom prst="rect">
+            <a:avLst/>
+          </a:prstGeom>
+          <a:noFill/>
+        </p:spPr>
+        <p:txBody>
+          <a:bodyPr>
+            <a:spAutoFit/>
+          </a:bodyPr>
+          <a:lstStyle/>
+          <a:p>
+            <a:pPr algn="ctr" fontAlgn="auto">
+              <a:spcBef>
+                <a:spcPct val="20000"/>
+              </a:spcBef>
+              <a:spcAft>
+                <a:spcPts val="0"/>
+              </a:spcAft>
+              <a:defRPr/>
+            </a:pPr>
+            <a:r>
+              <a:rPr lang="fr-FR" sz="1200" b="1" u="sng" kern="0" dirty="0" err="1" smtClean="0">
+                <a:latin typeface="+mn-lt"/>
+                <a:cs typeface="+mn-cs"/>
+              </a:rPr>
+              <a:t>Problem</a:t>
+            </a:r>
+            <a:r>
+              <a:rPr lang="fr-FR" sz="1200" b="1" u="sng" kern="0" dirty="0" smtClean="0">
+                <a:latin typeface="+mn-lt"/>
+                <a:cs typeface="+mn-cs"/>
+              </a:rPr>
+              <a:t> frames</a:t>
+            </a:r>
+            <a:endParaRPr lang="fr-FR" sz="1200" b="1" u="sng" kern="0" dirty="0">
+              <a:latin typeface="+mn-lt"/>
+              <a:cs typeface="+mn-cs"/>
+            </a:endParaRPr>
+          </a:p>
+        </p:txBody>
+      </p:sp>
     </p:spTree>
     <p:extLst>
       <p:ext uri="{BB962C8B-B14F-4D97-AF65-F5344CB8AC3E}">
-        <p14:creationId xmlns:p14="http://schemas.microsoft.com/office/powerpoint/2007/7/12/main" val="2448966025"/>
+        <p14:creationId xmlns="" xmlns:p14="http://schemas.microsoft.com/office/powerpoint/2007/7/12/main" val="2448966025"/>
       </p:ext>
     </p:extLst>
   </p:cSld>
@@ -19767,7 +23262,7 @@
   <p:timing>
     <p:tnLst>
       <p:par>
-        <p:cTn xmlns:p14="http://schemas.microsoft.com/office/powerpoint/2007/7/12/main" id="1" dur="indefinite" restart="never" nodeType="tmRoot"/>
+        <p:cTn id="1" dur="indefinite" restart="never" nodeType="tmRoot"/>
       </p:par>
     </p:tnLst>
   </p:timing>
@@ -19856,7 +23351,15 @@
           <a:p>
             <a:r>
               <a:rPr lang="en-US" dirty="0" smtClean="0"/>
-              <a:t>FDIR is able to send commands (shutdown,restart,switch to a different backup) to the spacecraft›s several systems</a:t>
+              <a:t>FDIR is able to send commands (shutdown,restart,switch to a different backup) to </a:t>
+            </a:r>
+            <a:r>
+              <a:rPr lang="en-US" smtClean="0"/>
+              <a:t>the spacecraft’s </a:t>
+            </a:r>
+            <a:r>
+              <a:rPr lang="en-US" dirty="0" smtClean="0"/>
+              <a:t>several systems</a:t>
             </a:r>
           </a:p>
           <a:p>
@@ -19877,13 +23380,254 @@
               <a:t>FDIR must be able to multitask commands</a:t>
             </a:r>
             <a:endParaRPr lang="en-US" dirty="0"/>
+          </a:p>
+        </p:txBody>
+      </p:sp>
+      <p:sp>
+        <p:nvSpPr>
+          <p:cNvPr id="4" name="ZoneTexte 3"/>
+          <p:cNvSpPr txBox="1"/>
+          <p:nvPr/>
+        </p:nvSpPr>
+        <p:spPr>
+          <a:xfrm>
+            <a:off x="-32" y="0"/>
+            <a:ext cx="1928812" cy="276225"/>
+          </a:xfrm>
+          <a:prstGeom prst="rect">
+            <a:avLst/>
+          </a:prstGeom>
+          <a:noFill/>
+        </p:spPr>
+        <p:txBody>
+          <a:bodyPr>
+            <a:spAutoFit/>
+          </a:bodyPr>
+          <a:lstStyle/>
+          <a:p>
+            <a:pPr algn="ctr" fontAlgn="auto">
+              <a:spcBef>
+                <a:spcPct val="20000"/>
+              </a:spcBef>
+              <a:spcAft>
+                <a:spcPts val="0"/>
+              </a:spcAft>
+              <a:defRPr/>
+            </a:pPr>
+            <a:r>
+              <a:rPr lang="fr-FR" sz="1200" kern="0" dirty="0" smtClean="0">
+                <a:solidFill>
+                  <a:schemeClr val="bg1">
+                    <a:lumMod val="50000"/>
+                  </a:schemeClr>
+                </a:solidFill>
+                <a:latin typeface="+mn-lt"/>
+                <a:cs typeface="+mn-cs"/>
+              </a:rPr>
+              <a:t>Domain identification</a:t>
+            </a:r>
+            <a:endParaRPr lang="fr-FR" sz="1200" kern="0" dirty="0">
+              <a:solidFill>
+                <a:schemeClr val="bg1">
+                  <a:lumMod val="50000"/>
+                </a:schemeClr>
+              </a:solidFill>
+              <a:latin typeface="+mn-lt"/>
+              <a:cs typeface="+mn-cs"/>
+            </a:endParaRPr>
+          </a:p>
+        </p:txBody>
+      </p:sp>
+      <p:sp>
+        <p:nvSpPr>
+          <p:cNvPr id="5" name="ZoneTexte 4"/>
+          <p:cNvSpPr txBox="1"/>
+          <p:nvPr/>
+        </p:nvSpPr>
+        <p:spPr>
+          <a:xfrm>
+            <a:off x="2143122" y="0"/>
+            <a:ext cx="1928812" cy="276225"/>
+          </a:xfrm>
+          <a:prstGeom prst="rect">
+            <a:avLst/>
+          </a:prstGeom>
+          <a:noFill/>
+        </p:spPr>
+        <p:txBody>
+          <a:bodyPr>
+            <a:spAutoFit/>
+          </a:bodyPr>
+          <a:lstStyle/>
+          <a:p>
+            <a:pPr algn="ctr" fontAlgn="auto">
+              <a:spcBef>
+                <a:spcPct val="20000"/>
+              </a:spcBef>
+              <a:spcAft>
+                <a:spcPts val="0"/>
+              </a:spcAft>
+              <a:defRPr/>
+            </a:pPr>
+            <a:r>
+              <a:rPr lang="fr-FR" sz="1200" kern="0" dirty="0" err="1" smtClean="0">
+                <a:solidFill>
+                  <a:schemeClr val="bg1">
+                    <a:lumMod val="50000"/>
+                  </a:schemeClr>
+                </a:solidFill>
+                <a:latin typeface="+mn-lt"/>
+                <a:cs typeface="+mn-cs"/>
+              </a:rPr>
+              <a:t>Requirements</a:t>
+            </a:r>
+            <a:endParaRPr lang="fr-FR" sz="1200" kern="0" dirty="0">
+              <a:solidFill>
+                <a:schemeClr val="bg1">
+                  <a:lumMod val="50000"/>
+                </a:schemeClr>
+              </a:solidFill>
+              <a:latin typeface="+mn-lt"/>
+              <a:cs typeface="+mn-cs"/>
+            </a:endParaRPr>
+          </a:p>
+        </p:txBody>
+      </p:sp>
+      <p:sp>
+        <p:nvSpPr>
+          <p:cNvPr id="6" name="ZoneTexte 5"/>
+          <p:cNvSpPr txBox="1"/>
+          <p:nvPr/>
+        </p:nvSpPr>
+        <p:spPr>
+          <a:xfrm>
+            <a:off x="4214818" y="0"/>
+            <a:ext cx="2571760" cy="276999"/>
+          </a:xfrm>
+          <a:prstGeom prst="rect">
+            <a:avLst/>
+          </a:prstGeom>
+          <a:noFill/>
+        </p:spPr>
+        <p:txBody>
+          <a:bodyPr wrap="square">
+            <a:spAutoFit/>
+          </a:bodyPr>
+          <a:lstStyle/>
+          <a:p>
+            <a:pPr algn="ctr" fontAlgn="auto">
+              <a:spcBef>
+                <a:spcPct val="20000"/>
+              </a:spcBef>
+              <a:spcAft>
+                <a:spcPts val="0"/>
+              </a:spcAft>
+              <a:defRPr/>
+            </a:pPr>
+            <a:r>
+              <a:rPr lang="fr-FR" sz="1200" kern="0" dirty="0" err="1" smtClean="0">
+                <a:solidFill>
+                  <a:schemeClr val="bg1">
+                    <a:lumMod val="50000"/>
+                  </a:schemeClr>
+                </a:solidFill>
+                <a:latin typeface="+mn-lt"/>
+                <a:cs typeface="+mn-cs"/>
+              </a:rPr>
+              <a:t>Context</a:t>
+            </a:r>
+            <a:r>
+              <a:rPr lang="fr-FR" sz="1200" kern="0" dirty="0" smtClean="0">
+                <a:solidFill>
+                  <a:schemeClr val="bg1">
+                    <a:lumMod val="50000"/>
+                  </a:schemeClr>
+                </a:solidFill>
+                <a:latin typeface="+mn-lt"/>
+                <a:cs typeface="+mn-cs"/>
+              </a:rPr>
+              <a:t> </a:t>
+            </a:r>
+            <a:r>
+              <a:rPr lang="fr-FR" sz="1200" kern="0" dirty="0" err="1" smtClean="0">
+                <a:solidFill>
+                  <a:schemeClr val="bg1">
+                    <a:lumMod val="50000"/>
+                  </a:schemeClr>
+                </a:solidFill>
+                <a:latin typeface="+mn-lt"/>
+                <a:cs typeface="+mn-cs"/>
+              </a:rPr>
+              <a:t>diagram</a:t>
+            </a:r>
+            <a:endParaRPr lang="fr-FR" sz="1200" kern="0" dirty="0">
+              <a:solidFill>
+                <a:schemeClr val="bg1">
+                  <a:lumMod val="50000"/>
+                </a:schemeClr>
+              </a:solidFill>
+              <a:latin typeface="+mn-lt"/>
+              <a:cs typeface="+mn-cs"/>
+            </a:endParaRPr>
+          </a:p>
+        </p:txBody>
+      </p:sp>
+      <p:sp>
+        <p:nvSpPr>
+          <p:cNvPr id="7" name="ZoneTexte 6"/>
+          <p:cNvSpPr txBox="1"/>
+          <p:nvPr/>
+        </p:nvSpPr>
+        <p:spPr>
+          <a:xfrm>
+            <a:off x="6572277" y="0"/>
+            <a:ext cx="1928813" cy="276225"/>
+          </a:xfrm>
+          <a:prstGeom prst="rect">
+            <a:avLst/>
+          </a:prstGeom>
+          <a:noFill/>
+        </p:spPr>
+        <p:txBody>
+          <a:bodyPr>
+            <a:spAutoFit/>
+          </a:bodyPr>
+          <a:lstStyle/>
+          <a:p>
+            <a:pPr algn="ctr" fontAlgn="auto">
+              <a:spcBef>
+                <a:spcPct val="20000"/>
+              </a:spcBef>
+              <a:spcAft>
+                <a:spcPts val="0"/>
+              </a:spcAft>
+              <a:defRPr/>
+            </a:pPr>
+            <a:r>
+              <a:rPr lang="fr-FR" sz="1200" b="1" u="sng" kern="0" dirty="0" err="1" smtClean="0">
+                <a:latin typeface="+mn-lt"/>
+                <a:cs typeface="+mn-cs"/>
+              </a:rPr>
+              <a:t>Problem</a:t>
+            </a:r>
+            <a:r>
+              <a:rPr lang="fr-FR" sz="1200" b="1" u="sng" kern="0" dirty="0" smtClean="0">
+                <a:latin typeface="+mn-lt"/>
+                <a:cs typeface="+mn-cs"/>
+              </a:rPr>
+              <a:t> frames</a:t>
+            </a:r>
+            <a:endParaRPr lang="fr-FR" sz="1200" b="1" u="sng" kern="0" dirty="0">
+              <a:latin typeface="+mn-lt"/>
+              <a:cs typeface="+mn-cs"/>
+            </a:endParaRPr>
           </a:p>
         </p:txBody>
       </p:sp>
     </p:spTree>
     <p:extLst>
       <p:ext uri="{BB962C8B-B14F-4D97-AF65-F5344CB8AC3E}">
-        <p14:creationId xmlns:p14="http://schemas.microsoft.com/office/powerpoint/2007/7/12/main" val="883924539"/>
+        <p14:creationId xmlns="" xmlns:p14="http://schemas.microsoft.com/office/powerpoint/2007/7/12/main" val="883924539"/>
       </p:ext>
     </p:extLst>
   </p:cSld>
@@ -19893,7 +23637,7 @@
   <p:timing>
     <p:tnLst>
       <p:par>
-        <p:cTn xmlns:p14="http://schemas.microsoft.com/office/powerpoint/2007/7/12/main" id="1" dur="indefinite" restart="never" nodeType="tmRoot"/>
+        <p:cTn id="1" dur="indefinite" restart="never" nodeType="tmRoot"/>
       </p:par>
     </p:tnLst>
   </p:timing>
@@ -19911,34 +23655,34 @@
         <a:sysClr val="window" lastClr="FFFFFF"/>
       </a:lt1>
       <a:dk2>
-        <a:srgbClr xmlns:mc="http://schemas.openxmlformats.org/markup-compatibility/2006" xmlns:a14="http://schemas.microsoft.com/office/drawing/2007/7/7/main" val="424456" mc:Ignorable=""/>
+        <a:srgbClr val="424456"/>
       </a:dk2>
       <a:lt2>
-        <a:srgbClr xmlns:mc="http://schemas.openxmlformats.org/markup-compatibility/2006" xmlns:a14="http://schemas.microsoft.com/office/drawing/2007/7/7/main" val="DEDEDE" mc:Ignorable=""/>
+        <a:srgbClr val="DEDEDE"/>
       </a:lt2>
       <a:accent1>
-        <a:srgbClr xmlns:mc="http://schemas.openxmlformats.org/markup-compatibility/2006" xmlns:a14="http://schemas.microsoft.com/office/drawing/2007/7/7/main" val="53548A" mc:Ignorable=""/>
+        <a:srgbClr val="53548A"/>
       </a:accent1>
       <a:accent2>
-        <a:srgbClr xmlns:mc="http://schemas.openxmlformats.org/markup-compatibility/2006" xmlns:a14="http://schemas.microsoft.com/office/drawing/2007/7/7/main" val="438086" mc:Ignorable=""/>
+        <a:srgbClr val="438086"/>
       </a:accent2>
       <a:accent3>
-        <a:srgbClr xmlns:mc="http://schemas.openxmlformats.org/markup-compatibility/2006" xmlns:a14="http://schemas.microsoft.com/office/drawing/2007/7/7/main" val="A04DA3" mc:Ignorable=""/>
+        <a:srgbClr val="A04DA3"/>
       </a:accent3>
       <a:accent4>
-        <a:srgbClr xmlns:mc="http://schemas.openxmlformats.org/markup-compatibility/2006" xmlns:a14="http://schemas.microsoft.com/office/drawing/2007/7/7/main" val="C4652D" mc:Ignorable=""/>
+        <a:srgbClr val="C4652D"/>
       </a:accent4>
       <a:accent5>
-        <a:srgbClr xmlns:mc="http://schemas.openxmlformats.org/markup-compatibility/2006" xmlns:a14="http://schemas.microsoft.com/office/drawing/2007/7/7/main" val="8B5D3D" mc:Ignorable=""/>
+        <a:srgbClr val="8B5D3D"/>
       </a:accent5>
       <a:accent6>
-        <a:srgbClr xmlns:mc="http://schemas.openxmlformats.org/markup-compatibility/2006" xmlns:a14="http://schemas.microsoft.com/office/drawing/2007/7/7/main" val="5C92B5" mc:Ignorable=""/>
+        <a:srgbClr val="5C92B5"/>
       </a:accent6>
       <a:hlink>
-        <a:srgbClr xmlns:mc="http://schemas.openxmlformats.org/markup-compatibility/2006" xmlns:a14="http://schemas.microsoft.com/office/drawing/2007/7/7/main" val="67AFBD" mc:Ignorable=""/>
+        <a:srgbClr val="67AFBD"/>
       </a:hlink>
       <a:folHlink>
-        <a:srgbClr xmlns:mc="http://schemas.openxmlformats.org/markup-compatibility/2006" xmlns:a14="http://schemas.microsoft.com/office/drawing/2007/7/7/main" val="C2A874" mc:Ignorable=""/>
+        <a:srgbClr val="C2A874"/>
       </a:folHlink>
     </a:clrScheme>
     <a:fontScheme name="Office">
@@ -20089,7 +23833,7 @@
         <a:effectStyle>
           <a:effectLst>
             <a:outerShdw blurRad="65500" dist="38100" dir="5400000" rotWithShape="0">
-              <a:srgbClr xmlns:mc="http://schemas.openxmlformats.org/markup-compatibility/2006" xmlns:a14="http://schemas.microsoft.com/office/drawing/2007/7/7/main" val="000000" mc:Ignorable="">
+              <a:srgbClr val="000000">
                 <a:alpha val="40000"/>
               </a:srgbClr>
             </a:outerShdw>
@@ -20098,7 +23842,7 @@
         <a:effectStyle>
           <a:effectLst>
             <a:outerShdw blurRad="65500" dist="38100" dir="5400000" rotWithShape="0">
-              <a:srgbClr xmlns:mc="http://schemas.openxmlformats.org/markup-compatibility/2006" xmlns:a14="http://schemas.microsoft.com/office/drawing/2007/7/7/main" val="000000" mc:Ignorable="">
+              <a:srgbClr val="000000">
                 <a:alpha val="40000"/>
               </a:srgbClr>
             </a:outerShdw>
@@ -20107,7 +23851,7 @@
         <a:effectStyle>
           <a:effectLst>
             <a:outerShdw blurRad="65500" dist="38100" dir="5400000" rotWithShape="0">
-              <a:srgbClr xmlns:mc="http://schemas.openxmlformats.org/markup-compatibility/2006" xmlns:a14="http://schemas.microsoft.com/office/drawing/2007/7/7/main" val="000000" mc:Ignorable="">
+              <a:srgbClr val="000000">
                 <a:alpha val="40000"/>
               </a:srgbClr>
             </a:outerShdw>
@@ -20237,34 +23981,34 @@
         <a:sysClr val="window" lastClr="FFFFFF"/>
       </a:lt1>
       <a:dk2>
-        <a:srgbClr xmlns:mc="http://schemas.openxmlformats.org/markup-compatibility/2006" xmlns:a14="http://schemas.microsoft.com/office/drawing/2007/7/7/main" val="1F497D" mc:Ignorable=""/>
+        <a:srgbClr val="1F497D"/>
       </a:dk2>
       <a:lt2>
-        <a:srgbClr xmlns:mc="http://schemas.openxmlformats.org/markup-compatibility/2006" xmlns:a14="http://schemas.microsoft.com/office/drawing/2007/7/7/main" val="EEECE1" mc:Ignorable=""/>
+        <a:srgbClr val="EEECE1"/>
       </a:lt2>
       <a:accent1>
-        <a:srgbClr xmlns:mc="http://schemas.openxmlformats.org/markup-compatibility/2006" xmlns:a14="http://schemas.microsoft.com/office/drawing/2007/7/7/main" val="4F81BD" mc:Ignorable=""/>
+        <a:srgbClr val="4F81BD"/>
       </a:accent1>
       <a:accent2>
-        <a:srgbClr xmlns:mc="http://schemas.openxmlformats.org/markup-compatibility/2006" xmlns:a14="http://schemas.microsoft.com/office/drawing/2007/7/7/main" val="C0504D" mc:Ignorable=""/>
+        <a:srgbClr val="C0504D"/>
       </a:accent2>
       <a:accent3>
-        <a:srgbClr xmlns:mc="http://schemas.openxmlformats.org/markup-compatibility/2006" xmlns:a14="http://schemas.microsoft.com/office/drawing/2007/7/7/main" val="9BBB59" mc:Ignorable=""/>
+        <a:srgbClr val="9BBB59"/>
       </a:accent3>
       <a:accent4>
-        <a:srgbClr xmlns:mc="http://schemas.openxmlformats.org/markup-compatibility/2006" xmlns:a14="http://schemas.microsoft.com/office/drawing/2007/7/7/main" val="8064A2" mc:Ignorable=""/>
+        <a:srgbClr val="8064A2"/>
       </a:accent4>
       <a:accent5>
-        <a:srgbClr xmlns:mc="http://schemas.openxmlformats.org/markup-compatibility/2006" xmlns:a14="http://schemas.microsoft.com/office/drawing/2007/7/7/main" val="4BACC6" mc:Ignorable=""/>
+        <a:srgbClr val="4BACC6"/>
       </a:accent5>
       <a:accent6>
-        <a:srgbClr xmlns:mc="http://schemas.openxmlformats.org/markup-compatibility/2006" xmlns:a14="http://schemas.microsoft.com/office/drawing/2007/7/7/main" val="F79646" mc:Ignorable=""/>
+        <a:srgbClr val="F79646"/>
       </a:accent6>
       <a:hlink>
-        <a:srgbClr xmlns:mc="http://schemas.openxmlformats.org/markup-compatibility/2006" xmlns:a14="http://schemas.microsoft.com/office/drawing/2007/7/7/main" val="0000FF" mc:Ignorable=""/>
+        <a:srgbClr val="0000FF"/>
       </a:hlink>
       <a:folHlink>
-        <a:srgbClr xmlns:mc="http://schemas.openxmlformats.org/markup-compatibility/2006" xmlns:a14="http://schemas.microsoft.com/office/drawing/2007/7/7/main" val="800080" mc:Ignorable=""/>
+        <a:srgbClr val="800080"/>
       </a:folHlink>
     </a:clrScheme>
     <a:fontScheme name="Office">
@@ -20416,7 +24160,7 @@
         <a:effectStyle>
           <a:effectLst>
             <a:outerShdw blurRad="40000" dist="20000" dir="5400000" rotWithShape="0">
-              <a:srgbClr xmlns:mc="http://schemas.openxmlformats.org/markup-compatibility/2006" xmlns:a14="http://schemas.microsoft.com/office/drawing/2007/7/7/main" val="000000" mc:Ignorable="">
+              <a:srgbClr val="000000">
                 <a:alpha val="38000"/>
               </a:srgbClr>
             </a:outerShdw>
@@ -20425,7 +24169,7 @@
         <a:effectStyle>
           <a:effectLst>
             <a:outerShdw blurRad="40000" dist="23000" dir="5400000" rotWithShape="0">
-              <a:srgbClr xmlns:mc="http://schemas.openxmlformats.org/markup-compatibility/2006" xmlns:a14="http://schemas.microsoft.com/office/drawing/2007/7/7/main" val="000000" mc:Ignorable="">
+              <a:srgbClr val="000000">
                 <a:alpha val="35000"/>
               </a:srgbClr>
             </a:outerShdw>
@@ -20434,7 +24178,7 @@
         <a:effectStyle>
           <a:effectLst>
             <a:outerShdw blurRad="40000" dist="23000" dir="5400000" rotWithShape="0">
-              <a:srgbClr xmlns:mc="http://schemas.openxmlformats.org/markup-compatibility/2006" xmlns:a14="http://schemas.microsoft.com/office/drawing/2007/7/7/main" val="000000" mc:Ignorable="">
+              <a:srgbClr val="000000">
                 <a:alpha val="35000"/>
               </a:srgbClr>
             </a:outerShdw>
@@ -20520,34 +24264,34 @@
         <a:sysClr val="window" lastClr="FFFFFF"/>
       </a:lt1>
       <a:dk2>
-        <a:srgbClr xmlns:mc="http://schemas.openxmlformats.org/markup-compatibility/2006" xmlns:a14="http://schemas.microsoft.com/office/drawing/2007/7/7/main" val="1F497D" mc:Ignorable=""/>
+        <a:srgbClr val="1F497D"/>
       </a:dk2>
       <a:lt2>
-        <a:srgbClr xmlns:mc="http://schemas.openxmlformats.org/markup-compatibility/2006" xmlns:a14="http://schemas.microsoft.com/office/drawing/2007/7/7/main" val="EEECE1" mc:Ignorable=""/>
+        <a:srgbClr val="EEECE1"/>
       </a:lt2>
       <a:accent1>
-        <a:srgbClr xmlns:mc="http://schemas.openxmlformats.org/markup-compatibility/2006" xmlns:a14="http://schemas.microsoft.com/office/drawing/2007/7/7/main" val="4F81BD" mc:Ignorable=""/>
+        <a:srgbClr val="4F81BD"/>
       </a:accent1>
       <a:accent2>
-        <a:srgbClr xmlns:mc="http://schemas.openxmlformats.org/markup-compatibility/2006" xmlns:a14="http://schemas.microsoft.com/office/drawing/2007/7/7/main" val="C0504D" mc:Ignorable=""/>
+        <a:srgbClr val="C0504D"/>
       </a:accent2>
       <a:accent3>
-        <a:srgbClr xmlns:mc="http://schemas.openxmlformats.org/markup-compatibility/2006" xmlns:a14="http://schemas.microsoft.com/office/drawing/2007/7/7/main" val="9BBB59" mc:Ignorable=""/>
+        <a:srgbClr val="9BBB59"/>
       </a:accent3>
       <a:accent4>
-        <a:srgbClr xmlns:mc="http://schemas.openxmlformats.org/markup-compatibility/2006" xmlns:a14="http://schemas.microsoft.com/office/drawing/2007/7/7/main" val="8064A2" mc:Ignorable=""/>
+        <a:srgbClr val="8064A2"/>
       </a:accent4>
       <a:accent5>
-        <a:srgbClr xmlns:mc="http://schemas.openxmlformats.org/markup-compatibility/2006" xmlns:a14="http://schemas.microsoft.com/office/drawing/2007/7/7/main" val="4BACC6" mc:Ignorable=""/>
+        <a:srgbClr val="4BACC6"/>
       </a:accent5>
       <a:accent6>
-        <a:srgbClr xmlns:mc="http://schemas.openxmlformats.org/markup-compatibility/2006" xmlns:a14="http://schemas.microsoft.com/office/drawing/2007/7/7/main" val="F79646" mc:Ignorable=""/>
+        <a:srgbClr val="F79646"/>
       </a:accent6>
       <a:hlink>
-        <a:srgbClr xmlns:mc="http://schemas.openxmlformats.org/markup-compatibility/2006" xmlns:a14="http://schemas.microsoft.com/office/drawing/2007/7/7/main" val="0000FF" mc:Ignorable=""/>
+        <a:srgbClr val="0000FF"/>
       </a:hlink>
       <a:folHlink>
-        <a:srgbClr xmlns:mc="http://schemas.openxmlformats.org/markup-compatibility/2006" xmlns:a14="http://schemas.microsoft.com/office/drawing/2007/7/7/main" val="800080" mc:Ignorable=""/>
+        <a:srgbClr val="800080"/>
       </a:folHlink>
     </a:clrScheme>
     <a:fontScheme name="Office">
@@ -20699,7 +24443,7 @@
         <a:effectStyle>
           <a:effectLst>
             <a:outerShdw blurRad="40000" dist="20000" dir="5400000" rotWithShape="0">
-              <a:srgbClr xmlns:mc="http://schemas.openxmlformats.org/markup-compatibility/2006" xmlns:a14="http://schemas.microsoft.com/office/drawing/2007/7/7/main" val="000000" mc:Ignorable="">
+              <a:srgbClr val="000000">
                 <a:alpha val="38000"/>
               </a:srgbClr>
             </a:outerShdw>
@@ -20708,7 +24452,7 @@
         <a:effectStyle>
           <a:effectLst>
             <a:outerShdw blurRad="40000" dist="23000" dir="5400000" rotWithShape="0">
-              <a:srgbClr xmlns:mc="http://schemas.openxmlformats.org/markup-compatibility/2006" xmlns:a14="http://schemas.microsoft.com/office/drawing/2007/7/7/main" val="000000" mc:Ignorable="">
+              <a:srgbClr val="000000">
                 <a:alpha val="35000"/>
               </a:srgbClr>
             </a:outerShdw>
@@ -20717,7 +24461,7 @@
         <a:effectStyle>
           <a:effectLst>
             <a:outerShdw blurRad="40000" dist="23000" dir="5400000" rotWithShape="0">
-              <a:srgbClr xmlns:mc="http://schemas.openxmlformats.org/markup-compatibility/2006" xmlns:a14="http://schemas.microsoft.com/office/drawing/2007/7/7/main" val="000000" mc:Ignorable="">
+              <a:srgbClr val="000000">
                 <a:alpha val="35000"/>
               </a:srgbClr>
             </a:outerShdw>

--- a/trunk/Project 1/Part 2/CS554_EuroTeam_Problem_Frames.pptx
+++ b/trunk/Project 1/Part 2/CS554_EuroTeam_Problem_Frames.pptx
@@ -14,8 +14,8 @@
     <p:sldId id="256" r:id="rId3"/>
     <p:sldId id="261" r:id="rId4"/>
     <p:sldId id="309" r:id="rId5"/>
-    <p:sldId id="311" r:id="rId6"/>
-    <p:sldId id="310" r:id="rId7"/>
+    <p:sldId id="310" r:id="rId6"/>
+    <p:sldId id="311" r:id="rId7"/>
     <p:sldId id="326" r:id="rId8"/>
     <p:sldId id="327" r:id="rId9"/>
     <p:sldId id="318" r:id="rId10"/>
@@ -364,7 +364,7 @@
     </p:spTree>
     <p:extLst>
       <p:ext uri="{BB962C8B-B14F-4D97-AF65-F5344CB8AC3E}">
-        <p14:creationId xmlns="" xmlns:p14="http://schemas.microsoft.com/office/powerpoint/2007/7/12/main" val="3216856891"/>
+        <p14:creationId xmlns:p14="http://schemas.microsoft.com/office/powerpoint/2007/7/12/main" xmlns="" val="3216856891"/>
       </p:ext>
     </p:extLst>
   </p:cSld>
@@ -669,7 +669,7 @@
     </p:spTree>
     <p:extLst>
       <p:ext uri="{BB962C8B-B14F-4D97-AF65-F5344CB8AC3E}">
-        <p14:creationId xmlns="" xmlns:p14="http://schemas.microsoft.com/office/powerpoint/2007/7/12/main" val="3483236166"/>
+        <p14:creationId xmlns:p14="http://schemas.microsoft.com/office/powerpoint/2007/7/12/main" xmlns="" val="3483236166"/>
       </p:ext>
     </p:extLst>
   </p:cSld>
@@ -5397,7 +5397,7 @@
     </p:spTree>
     <p:extLst>
       <p:ext uri="{BB962C8B-B14F-4D97-AF65-F5344CB8AC3E}">
-        <p14:creationId xmlns="" xmlns:p14="http://schemas.microsoft.com/office/powerpoint/2007/7/12/main" val="2066140013"/>
+        <p14:creationId xmlns:p14="http://schemas.microsoft.com/office/powerpoint/2007/7/12/main" xmlns="" val="2066140013"/>
       </p:ext>
     </p:extLst>
   </p:cSld>
@@ -5921,7 +5921,7 @@
     </p:spTree>
     <p:extLst>
       <p:ext uri="{BB962C8B-B14F-4D97-AF65-F5344CB8AC3E}">
-        <p14:creationId xmlns="" xmlns:p14="http://schemas.microsoft.com/office/powerpoint/2007/7/12/main" val="3819616267"/>
+        <p14:creationId xmlns:p14="http://schemas.microsoft.com/office/powerpoint/2007/7/12/main" xmlns="" val="3819616267"/>
       </p:ext>
     </p:extLst>
   </p:cSld>
@@ -7805,7 +7805,7 @@
     </p:spTree>
     <p:extLst>
       <p:ext uri="{BB962C8B-B14F-4D97-AF65-F5344CB8AC3E}">
-        <p14:creationId xmlns="" xmlns:p14="http://schemas.microsoft.com/office/powerpoint/2007/7/12/main" val="2650912379"/>
+        <p14:creationId xmlns:p14="http://schemas.microsoft.com/office/powerpoint/2007/7/12/main" xmlns="" val="2650912379"/>
       </p:ext>
     </p:extLst>
   </p:cSld>
@@ -8169,7 +8169,7 @@
     </p:spTree>
     <p:extLst>
       <p:ext uri="{BB962C8B-B14F-4D97-AF65-F5344CB8AC3E}">
-        <p14:creationId xmlns="" xmlns:p14="http://schemas.microsoft.com/office/powerpoint/2007/7/12/main" val="770100015"/>
+        <p14:creationId xmlns:p14="http://schemas.microsoft.com/office/powerpoint/2007/7/12/main" xmlns="" val="770100015"/>
       </p:ext>
     </p:extLst>
   </p:cSld>
@@ -9175,7 +9175,7 @@
               <a:pPr algn="ctr"/>
               <a:r>
                 <a:rPr lang="fr-FR" sz="1600" dirty="0" smtClean="0"/>
-                <a:t>C</a:t>
+                <a:t>L</a:t>
               </a:r>
               <a:endParaRPr lang="fr-FR" sz="1600" dirty="0"/>
             </a:p>
@@ -10224,7 +10224,7 @@
     </p:spTree>
     <p:extLst>
       <p:ext uri="{BB962C8B-B14F-4D97-AF65-F5344CB8AC3E}">
-        <p14:creationId xmlns="" xmlns:p14="http://schemas.microsoft.com/office/powerpoint/2007/7/12/main" val="4275258493"/>
+        <p14:creationId xmlns:p14="http://schemas.microsoft.com/office/powerpoint/2007/7/12/main" xmlns="" val="4275258493"/>
       </p:ext>
     </p:extLst>
   </p:cSld>
@@ -10647,7 +10647,7 @@
     </p:spTree>
     <p:extLst>
       <p:ext uri="{BB962C8B-B14F-4D97-AF65-F5344CB8AC3E}">
-        <p14:creationId xmlns="" xmlns:p14="http://schemas.microsoft.com/office/powerpoint/2007/7/12/main" val="2065662239"/>
+        <p14:creationId xmlns:p14="http://schemas.microsoft.com/office/powerpoint/2007/7/12/main" xmlns="" val="2065662239"/>
       </p:ext>
     </p:extLst>
   </p:cSld>
@@ -12701,7 +12701,7 @@
     </p:spTree>
     <p:extLst>
       <p:ext uri="{BB962C8B-B14F-4D97-AF65-F5344CB8AC3E}">
-        <p14:creationId xmlns="" xmlns:p14="http://schemas.microsoft.com/office/powerpoint/2007/7/12/main" val="2448966025"/>
+        <p14:creationId xmlns:p14="http://schemas.microsoft.com/office/powerpoint/2007/7/12/main" xmlns="" val="2448966025"/>
       </p:ext>
     </p:extLst>
   </p:cSld>
@@ -13172,7 +13172,7 @@
     </p:spTree>
     <p:extLst>
       <p:ext uri="{BB962C8B-B14F-4D97-AF65-F5344CB8AC3E}">
-        <p14:creationId xmlns="" xmlns:p14="http://schemas.microsoft.com/office/powerpoint/2007/7/12/main" val="883924539"/>
+        <p14:creationId xmlns:p14="http://schemas.microsoft.com/office/powerpoint/2007/7/12/main" xmlns="" val="883924539"/>
       </p:ext>
     </p:extLst>
   </p:cSld>
@@ -15218,7 +15218,7 @@
     </p:spTree>
     <p:extLst>
       <p:ext uri="{BB962C8B-B14F-4D97-AF65-F5344CB8AC3E}">
-        <p14:creationId xmlns="" xmlns:p14="http://schemas.microsoft.com/office/powerpoint/2007/7/12/main" val="1842062517"/>
+        <p14:creationId xmlns:p14="http://schemas.microsoft.com/office/powerpoint/2007/7/12/main" xmlns="" val="1842062517"/>
       </p:ext>
     </p:extLst>
   </p:cSld>
@@ -15764,7 +15764,7 @@
     </p:spTree>
     <p:extLst>
       <p:ext uri="{BB962C8B-B14F-4D97-AF65-F5344CB8AC3E}">
-        <p14:creationId xmlns="" xmlns:p14="http://schemas.microsoft.com/office/powerpoint/2007/7/12/main" val="1198493022"/>
+        <p14:creationId xmlns:p14="http://schemas.microsoft.com/office/powerpoint/2007/7/12/main" xmlns="" val="1198493022"/>
       </p:ext>
     </p:extLst>
   </p:cSld>
@@ -15880,32 +15880,14 @@
               <a:rPr lang="fr-FR" altLang="ko-KR" dirty="0" smtClean="0">
                 <a:ea typeface="굴림" charset="-127"/>
               </a:rPr>
-              <a:t>  identification</a:t>
-            </a:r>
-          </a:p>
-          <a:p>
-            <a:pPr eaLnBrk="1" hangingPunct="1">
-              <a:buFont typeface="Calibri" pitchFamily="34" charset="0"/>
-              <a:buAutoNum type="arabicPeriod"/>
-            </a:pPr>
-            <a:endParaRPr lang="fr-FR" altLang="ko-KR" dirty="0">
-              <a:ea typeface="굴림" charset="-127"/>
-            </a:endParaRPr>
-          </a:p>
-          <a:p>
-            <a:pPr eaLnBrk="1" hangingPunct="1">
-              <a:buFont typeface="Calibri" pitchFamily="34" charset="0"/>
-              <a:buAutoNum type="arabicPeriod"/>
-            </a:pPr>
-            <a:r>
-              <a:rPr lang="fr-FR" altLang="ko-KR" dirty="0" err="1" smtClean="0">
+              <a:t>  </a:t>
+            </a:r>
+            <a:r>
+              <a:rPr lang="fr-FR" altLang="ko-KR" dirty="0" smtClean="0">
                 <a:ea typeface="굴림" charset="-127"/>
               </a:rPr>
-              <a:t>Requirements</a:t>
-            </a:r>
-            <a:endParaRPr lang="fr-FR" altLang="ko-KR" dirty="0" smtClean="0">
-              <a:ea typeface="굴림" charset="-127"/>
-            </a:endParaRPr>
+              <a:t>identification</a:t>
+            </a:r>
           </a:p>
           <a:p>
             <a:pPr eaLnBrk="1" hangingPunct="1">
@@ -15922,11 +15904,50 @@
               <a:buAutoNum type="arabicPeriod"/>
             </a:pPr>
             <a:r>
-              <a:rPr altLang="ko-KR" dirty="0" smtClean="0">
+              <a:rPr lang="fr-FR" altLang="ko-KR" dirty="0" err="1" smtClean="0">
                 <a:ea typeface="굴림" charset="-127"/>
               </a:rPr>
-              <a:t>Context diagram</a:t>
-            </a:r>
+              <a:t>Context</a:t>
+            </a:r>
+            <a:r>
+              <a:rPr lang="fr-FR" altLang="ko-KR" dirty="0" smtClean="0">
+                <a:ea typeface="굴림" charset="-127"/>
+              </a:rPr>
+              <a:t> </a:t>
+            </a:r>
+            <a:r>
+              <a:rPr lang="fr-FR" altLang="ko-KR" dirty="0" err="1" smtClean="0">
+                <a:ea typeface="굴림" charset="-127"/>
+              </a:rPr>
+              <a:t>diagram</a:t>
+            </a:r>
+            <a:endParaRPr lang="fr-FR" altLang="ko-KR" dirty="0" smtClean="0">
+              <a:ea typeface="굴림" charset="-127"/>
+            </a:endParaRPr>
+          </a:p>
+          <a:p>
+            <a:pPr eaLnBrk="1" hangingPunct="1">
+              <a:buFont typeface="Calibri" pitchFamily="34" charset="0"/>
+              <a:buAutoNum type="arabicPeriod"/>
+            </a:pPr>
+            <a:endParaRPr lang="fr-FR" altLang="ko-KR" dirty="0" smtClean="0">
+              <a:ea typeface="굴림" charset="-127"/>
+            </a:endParaRPr>
+          </a:p>
+          <a:p>
+            <a:pPr eaLnBrk="1" hangingPunct="1">
+              <a:buFont typeface="Calibri" pitchFamily="34" charset="0"/>
+              <a:buAutoNum type="arabicPeriod"/>
+            </a:pPr>
+            <a:r>
+              <a:rPr lang="fr-FR" altLang="ko-KR" dirty="0" err="1" smtClean="0">
+                <a:ea typeface="굴림" charset="-127"/>
+              </a:rPr>
+              <a:t>Requirements</a:t>
+            </a:r>
+            <a:endParaRPr altLang="ko-KR" dirty="0" smtClean="0">
+              <a:ea typeface="굴림" charset="-127"/>
+            </a:endParaRPr>
           </a:p>
           <a:p>
             <a:pPr eaLnBrk="1" hangingPunct="1">
@@ -15946,7 +15967,7 @@
               <a:rPr altLang="ko-KR" dirty="0" smtClean="0">
                 <a:ea typeface="굴림" charset="-127"/>
               </a:rPr>
-              <a:t>Problem diagram</a:t>
+              <a:t>Problem frames</a:t>
             </a:r>
           </a:p>
           <a:p>
@@ -16770,7 +16791,7 @@
         </p:nvSpPr>
         <p:spPr>
           <a:xfrm>
-            <a:off x="2143122" y="0"/>
+            <a:off x="4500562" y="0"/>
             <a:ext cx="1928812" cy="276225"/>
           </a:xfrm>
           <a:prstGeom prst="rect">
@@ -16825,7 +16846,7 @@
         </p:nvSpPr>
         <p:spPr>
           <a:xfrm>
-            <a:off x="4214818" y="0"/>
+            <a:off x="1857356" y="0"/>
             <a:ext cx="2571760" cy="276999"/>
           </a:xfrm>
           <a:prstGeom prst="rect">
@@ -16966,7 +16987,7 @@
     </p:spTree>
     <p:extLst>
       <p:ext uri="{BB962C8B-B14F-4D97-AF65-F5344CB8AC3E}">
-        <p14:creationId xmlns="" xmlns:p14="http://schemas.microsoft.com/office/powerpoint/2007/7/12/main" val="1740115933"/>
+        <p14:creationId xmlns:p14="http://schemas.microsoft.com/office/powerpoint/2007/7/12/main" xmlns="" val="1740115933"/>
       </p:ext>
     </p:extLst>
   </p:cSld>
@@ -16984,570 +17005,6 @@
 </file>
 
 <file path=ppt/slides/slide4.xml><?xml version="1.0" encoding="utf-8"?>
-<p:sld xmlns:a="http://schemas.openxmlformats.org/drawingml/2006/main" xmlns:r="http://schemas.openxmlformats.org/officeDocument/2006/relationships" xmlns:p="http://schemas.openxmlformats.org/presentationml/2006/main">
-  <p:cSld>
-    <p:spTree>
-      <p:nvGrpSpPr>
-        <p:cNvPr id="1" name=""/>
-        <p:cNvGrpSpPr/>
-        <p:nvPr/>
-      </p:nvGrpSpPr>
-      <p:grpSpPr>
-        <a:xfrm>
-          <a:off x="0" y="0"/>
-          <a:ext cx="0" cy="0"/>
-          <a:chOff x="0" y="0"/>
-          <a:chExt cx="0" cy="0"/>
-        </a:xfrm>
-      </p:grpSpPr>
-      <p:sp>
-        <p:nvSpPr>
-          <p:cNvPr id="2" name="Title 1"/>
-          <p:cNvSpPr>
-            <a:spLocks noGrp="1"/>
-          </p:cNvSpPr>
-          <p:nvPr>
-            <p:ph type="ctrTitle"/>
-          </p:nvPr>
-        </p:nvSpPr>
-        <p:spPr/>
-        <p:txBody>
-          <a:bodyPr/>
-          <a:lstStyle/>
-          <a:p>
-            <a:r>
-              <a:rPr lang="fr-FR" dirty="0" err="1" smtClean="0"/>
-              <a:t>requirements</a:t>
-            </a:r>
-            <a:endParaRPr lang="fr-FR" dirty="0"/>
-          </a:p>
-        </p:txBody>
-      </p:sp>
-      <p:sp>
-        <p:nvSpPr>
-          <p:cNvPr id="3" name="Text Placeholder 2"/>
-          <p:cNvSpPr>
-            <a:spLocks noGrp="1"/>
-          </p:cNvSpPr>
-          <p:nvPr>
-            <p:ph type="body" sz="quarter" idx="10"/>
-          </p:nvPr>
-        </p:nvSpPr>
-        <p:spPr/>
-        <p:txBody>
-          <a:bodyPr/>
-          <a:lstStyle/>
-          <a:p>
-            <a:pPr marL="457200" indent="-457200">
-              <a:buFont typeface="+mj-lt"/>
-              <a:buAutoNum type="arabicPeriod"/>
-            </a:pPr>
-            <a:endParaRPr lang="fr-FR" dirty="0" smtClean="0"/>
-          </a:p>
-          <a:p>
-            <a:pPr marL="457200" indent="-457200">
-              <a:buFont typeface="+mj-lt"/>
-              <a:buAutoNum type="arabicPeriod"/>
-            </a:pPr>
-            <a:r>
-              <a:rPr lang="fr-FR" dirty="0" err="1"/>
-              <a:t>Automatic</a:t>
-            </a:r>
-            <a:r>
-              <a:rPr lang="fr-FR" dirty="0"/>
-              <a:t> </a:t>
-            </a:r>
-            <a:r>
-              <a:rPr lang="fr-FR" dirty="0" err="1"/>
-              <a:t>recovery</a:t>
-            </a:r>
-            <a:r>
-              <a:rPr lang="fr-FR" dirty="0"/>
-              <a:t> to </a:t>
-            </a:r>
-            <a:r>
-              <a:rPr lang="fr-FR" dirty="0" err="1"/>
-              <a:t>failure</a:t>
-            </a:r>
-            <a:r>
-              <a:rPr lang="fr-FR" dirty="0"/>
-              <a:t> </a:t>
-            </a:r>
-          </a:p>
-          <a:p>
-            <a:pPr marL="457200" indent="-457200">
-              <a:buFont typeface="+mj-lt"/>
-              <a:buAutoNum type="arabicPeriod"/>
-            </a:pPr>
-            <a:r>
-              <a:rPr lang="fr-FR" dirty="0" err="1"/>
-              <a:t>Manual</a:t>
-            </a:r>
-            <a:r>
-              <a:rPr lang="fr-FR" dirty="0"/>
-              <a:t> control of FDIR</a:t>
-            </a:r>
-          </a:p>
-          <a:p>
-            <a:pPr lvl="1"/>
-            <a:r>
-              <a:rPr lang="fr-FR" dirty="0" err="1"/>
-              <a:t>Crew</a:t>
-            </a:r>
-            <a:r>
-              <a:rPr lang="fr-FR" dirty="0"/>
-              <a:t> </a:t>
-            </a:r>
-            <a:r>
-              <a:rPr lang="fr-FR" dirty="0" err="1"/>
-              <a:t>is</a:t>
-            </a:r>
-            <a:r>
-              <a:rPr lang="fr-FR" dirty="0"/>
-              <a:t> able to </a:t>
-            </a:r>
-            <a:r>
-              <a:rPr lang="fr-FR" dirty="0" err="1"/>
-              <a:t>shutdown</a:t>
-            </a:r>
-            <a:r>
-              <a:rPr lang="fr-FR" dirty="0"/>
-              <a:t> part of the system</a:t>
-            </a:r>
-          </a:p>
-          <a:p>
-            <a:pPr lvl="1"/>
-            <a:r>
-              <a:rPr lang="fr-FR" dirty="0" err="1"/>
-              <a:t>Crew</a:t>
-            </a:r>
-            <a:r>
-              <a:rPr lang="fr-FR" dirty="0"/>
-              <a:t> </a:t>
-            </a:r>
-            <a:r>
-              <a:rPr lang="fr-FR" dirty="0" err="1"/>
-              <a:t>is</a:t>
-            </a:r>
-            <a:r>
-              <a:rPr lang="fr-FR" dirty="0"/>
-              <a:t> able to restart part of the system</a:t>
-            </a:r>
-          </a:p>
-          <a:p>
-            <a:pPr lvl="1"/>
-            <a:r>
-              <a:rPr lang="fr-FR" dirty="0" err="1"/>
-              <a:t>Crew</a:t>
-            </a:r>
-            <a:r>
-              <a:rPr lang="fr-FR" dirty="0"/>
-              <a:t> </a:t>
-            </a:r>
-            <a:r>
-              <a:rPr lang="fr-FR" dirty="0" err="1"/>
-              <a:t>is</a:t>
-            </a:r>
-            <a:r>
-              <a:rPr lang="fr-FR" dirty="0"/>
-              <a:t> able to </a:t>
-            </a:r>
-            <a:r>
-              <a:rPr lang="fr-FR" dirty="0" err="1"/>
-              <a:t>switch</a:t>
-            </a:r>
-            <a:r>
-              <a:rPr lang="fr-FR" dirty="0"/>
-              <a:t> to a </a:t>
-            </a:r>
-            <a:r>
-              <a:rPr lang="fr-FR" dirty="0" err="1"/>
-              <a:t>spare</a:t>
-            </a:r>
-            <a:r>
-              <a:rPr lang="fr-FR" dirty="0"/>
-              <a:t> </a:t>
-            </a:r>
-            <a:r>
-              <a:rPr lang="fr-FR" dirty="0" smtClean="0"/>
-              <a:t>system</a:t>
-            </a:r>
-            <a:endParaRPr lang="fr-FR" dirty="0"/>
-          </a:p>
-          <a:p>
-            <a:pPr marL="457200" indent="-457200">
-              <a:buFont typeface="+mj-lt"/>
-              <a:buAutoNum type="arabicPeriod"/>
-            </a:pPr>
-            <a:r>
-              <a:rPr lang="fr-FR" dirty="0" err="1" smtClean="0"/>
-              <a:t>Displaying</a:t>
-            </a:r>
-            <a:r>
-              <a:rPr lang="fr-FR" dirty="0" smtClean="0"/>
-              <a:t> information </a:t>
-            </a:r>
-            <a:r>
-              <a:rPr lang="fr-FR" dirty="0" err="1" smtClean="0"/>
-              <a:t>continuously</a:t>
-            </a:r>
-            <a:endParaRPr lang="fr-FR" dirty="0" smtClean="0"/>
-          </a:p>
-          <a:p>
-            <a:pPr marL="457200" indent="-457200">
-              <a:buFont typeface="+mj-lt"/>
-              <a:buAutoNum type="arabicPeriod"/>
-            </a:pPr>
-            <a:r>
-              <a:rPr lang="en-US" dirty="0"/>
-              <a:t>Collect system data to data </a:t>
-            </a:r>
-            <a:r>
-              <a:rPr lang="en-US" dirty="0" smtClean="0"/>
-              <a:t>storage</a:t>
-            </a:r>
-            <a:endParaRPr lang="fr-FR" dirty="0"/>
-          </a:p>
-          <a:p>
-            <a:pPr marL="457200" indent="-457200">
-              <a:buFont typeface="+mj-lt"/>
-              <a:buAutoNum type="arabicPeriod"/>
-            </a:pPr>
-            <a:r>
-              <a:rPr lang="fr-FR" dirty="0" smtClean="0"/>
-              <a:t>Information </a:t>
-            </a:r>
-            <a:r>
-              <a:rPr lang="fr-FR" dirty="0" err="1" smtClean="0"/>
-              <a:t>retrieval</a:t>
-            </a:r>
-            <a:endParaRPr lang="fr-FR" dirty="0"/>
-          </a:p>
-          <a:p>
-            <a:pPr marL="457200" indent="-457200">
-              <a:buFont typeface="+mj-lt"/>
-              <a:buAutoNum type="arabicPeriod"/>
-            </a:pPr>
-            <a:r>
-              <a:rPr lang="fr-FR" dirty="0" smtClean="0"/>
-              <a:t>Providing </a:t>
-            </a:r>
-            <a:r>
-              <a:rPr lang="fr-FR" dirty="0" err="1"/>
-              <a:t>failure</a:t>
-            </a:r>
-            <a:r>
-              <a:rPr lang="fr-FR" dirty="0"/>
-              <a:t> </a:t>
-            </a:r>
-            <a:r>
-              <a:rPr lang="fr-FR" dirty="0" err="1" smtClean="0"/>
-              <a:t>localization</a:t>
-            </a:r>
-            <a:endParaRPr lang="en-US" dirty="0" smtClean="0"/>
-          </a:p>
-          <a:p>
-            <a:pPr marL="457200" indent="-457200">
-              <a:buFont typeface="+mj-lt"/>
-              <a:buAutoNum type="arabicPeriod"/>
-            </a:pPr>
-            <a:r>
-              <a:rPr lang="en-US" dirty="0" smtClean="0"/>
-              <a:t>Response </a:t>
-            </a:r>
-            <a:r>
-              <a:rPr lang="en-US" dirty="0"/>
-              <a:t>in case of unresolvable </a:t>
-            </a:r>
-            <a:r>
-              <a:rPr lang="en-US" dirty="0" smtClean="0"/>
-              <a:t>failure</a:t>
-            </a:r>
-            <a:endParaRPr lang="fr-FR" dirty="0" smtClean="0"/>
-          </a:p>
-          <a:p>
-            <a:pPr lvl="1"/>
-            <a:endParaRPr lang="fr-FR" dirty="0"/>
-          </a:p>
-          <a:p>
-            <a:endParaRPr lang="fr-FR" dirty="0" smtClean="0"/>
-          </a:p>
-          <a:p>
-            <a:pPr lvl="1"/>
-            <a:endParaRPr lang="fr-FR" dirty="0" smtClean="0"/>
-          </a:p>
-          <a:p>
-            <a:endParaRPr lang="fr-FR" dirty="0" smtClean="0"/>
-          </a:p>
-        </p:txBody>
-      </p:sp>
-      <p:sp>
-        <p:nvSpPr>
-          <p:cNvPr id="4" name="ZoneTexte 3"/>
-          <p:cNvSpPr txBox="1"/>
-          <p:nvPr/>
-        </p:nvSpPr>
-        <p:spPr>
-          <a:xfrm>
-            <a:off x="-32" y="0"/>
-            <a:ext cx="1928812" cy="276225"/>
-          </a:xfrm>
-          <a:prstGeom prst="rect">
-            <a:avLst/>
-          </a:prstGeom>
-          <a:noFill/>
-        </p:spPr>
-        <p:txBody>
-          <a:bodyPr>
-            <a:spAutoFit/>
-          </a:bodyPr>
-          <a:lstStyle/>
-          <a:p>
-            <a:pPr algn="ctr" fontAlgn="auto">
-              <a:spcBef>
-                <a:spcPct val="20000"/>
-              </a:spcBef>
-              <a:spcAft>
-                <a:spcPts val="0"/>
-              </a:spcAft>
-              <a:defRPr/>
-            </a:pPr>
-            <a:r>
-              <a:rPr lang="fr-FR" sz="1200" kern="0" dirty="0" smtClean="0">
-                <a:solidFill>
-                  <a:schemeClr val="bg1">
-                    <a:lumMod val="50000"/>
-                  </a:schemeClr>
-                </a:solidFill>
-                <a:latin typeface="+mn-lt"/>
-                <a:cs typeface="+mn-cs"/>
-              </a:rPr>
-              <a:t>Domain identification</a:t>
-            </a:r>
-            <a:endParaRPr lang="fr-FR" sz="1200" kern="0" dirty="0">
-              <a:solidFill>
-                <a:schemeClr val="bg1">
-                  <a:lumMod val="50000"/>
-                </a:schemeClr>
-              </a:solidFill>
-              <a:latin typeface="+mn-lt"/>
-              <a:cs typeface="+mn-cs"/>
-            </a:endParaRPr>
-          </a:p>
-        </p:txBody>
-      </p:sp>
-      <p:sp>
-        <p:nvSpPr>
-          <p:cNvPr id="5" name="ZoneTexte 4"/>
-          <p:cNvSpPr txBox="1"/>
-          <p:nvPr/>
-        </p:nvSpPr>
-        <p:spPr>
-          <a:xfrm>
-            <a:off x="2143122" y="0"/>
-            <a:ext cx="1928812" cy="276225"/>
-          </a:xfrm>
-          <a:prstGeom prst="rect">
-            <a:avLst/>
-          </a:prstGeom>
-          <a:noFill/>
-        </p:spPr>
-        <p:txBody>
-          <a:bodyPr>
-            <a:spAutoFit/>
-          </a:bodyPr>
-          <a:lstStyle/>
-          <a:p>
-            <a:pPr algn="ctr" fontAlgn="auto">
-              <a:spcBef>
-                <a:spcPct val="20000"/>
-              </a:spcBef>
-              <a:spcAft>
-                <a:spcPts val="0"/>
-              </a:spcAft>
-              <a:defRPr/>
-            </a:pPr>
-            <a:r>
-              <a:rPr lang="fr-FR" sz="1200" b="1" u="sng" kern="0" dirty="0" err="1" smtClean="0">
-                <a:latin typeface="+mn-lt"/>
-                <a:cs typeface="+mn-cs"/>
-              </a:rPr>
-              <a:t>Requirements</a:t>
-            </a:r>
-            <a:endParaRPr lang="fr-FR" sz="1200" b="1" u="sng" kern="0" dirty="0">
-              <a:latin typeface="+mn-lt"/>
-              <a:cs typeface="+mn-cs"/>
-            </a:endParaRPr>
-          </a:p>
-        </p:txBody>
-      </p:sp>
-      <p:sp>
-        <p:nvSpPr>
-          <p:cNvPr id="6" name="ZoneTexte 5"/>
-          <p:cNvSpPr txBox="1"/>
-          <p:nvPr/>
-        </p:nvSpPr>
-        <p:spPr>
-          <a:xfrm>
-            <a:off x="4214818" y="0"/>
-            <a:ext cx="2571760" cy="276999"/>
-          </a:xfrm>
-          <a:prstGeom prst="rect">
-            <a:avLst/>
-          </a:prstGeom>
-          <a:noFill/>
-        </p:spPr>
-        <p:txBody>
-          <a:bodyPr wrap="square">
-            <a:spAutoFit/>
-          </a:bodyPr>
-          <a:lstStyle/>
-          <a:p>
-            <a:pPr algn="ctr" fontAlgn="auto">
-              <a:spcBef>
-                <a:spcPct val="20000"/>
-              </a:spcBef>
-              <a:spcAft>
-                <a:spcPts val="0"/>
-              </a:spcAft>
-              <a:defRPr/>
-            </a:pPr>
-            <a:r>
-              <a:rPr lang="fr-FR" sz="1200" kern="0" dirty="0" err="1" smtClean="0">
-                <a:solidFill>
-                  <a:schemeClr val="bg1">
-                    <a:lumMod val="50000"/>
-                  </a:schemeClr>
-                </a:solidFill>
-                <a:latin typeface="+mn-lt"/>
-                <a:cs typeface="+mn-cs"/>
-              </a:rPr>
-              <a:t>Context</a:t>
-            </a:r>
-            <a:r>
-              <a:rPr lang="fr-FR" sz="1200" kern="0" dirty="0" smtClean="0">
-                <a:solidFill>
-                  <a:schemeClr val="bg1">
-                    <a:lumMod val="50000"/>
-                  </a:schemeClr>
-                </a:solidFill>
-                <a:latin typeface="+mn-lt"/>
-                <a:cs typeface="+mn-cs"/>
-              </a:rPr>
-              <a:t> </a:t>
-            </a:r>
-            <a:r>
-              <a:rPr lang="fr-FR" sz="1200" kern="0" dirty="0" err="1" smtClean="0">
-                <a:solidFill>
-                  <a:schemeClr val="bg1">
-                    <a:lumMod val="50000"/>
-                  </a:schemeClr>
-                </a:solidFill>
-                <a:latin typeface="+mn-lt"/>
-                <a:cs typeface="+mn-cs"/>
-              </a:rPr>
-              <a:t>diagram</a:t>
-            </a:r>
-            <a:endParaRPr lang="fr-FR" sz="1200" kern="0" dirty="0">
-              <a:solidFill>
-                <a:schemeClr val="bg1">
-                  <a:lumMod val="50000"/>
-                </a:schemeClr>
-              </a:solidFill>
-              <a:latin typeface="+mn-lt"/>
-              <a:cs typeface="+mn-cs"/>
-            </a:endParaRPr>
-          </a:p>
-        </p:txBody>
-      </p:sp>
-      <p:sp>
-        <p:nvSpPr>
-          <p:cNvPr id="7" name="ZoneTexte 6"/>
-          <p:cNvSpPr txBox="1"/>
-          <p:nvPr/>
-        </p:nvSpPr>
-        <p:spPr>
-          <a:xfrm>
-            <a:off x="6572277" y="0"/>
-            <a:ext cx="1928813" cy="276225"/>
-          </a:xfrm>
-          <a:prstGeom prst="rect">
-            <a:avLst/>
-          </a:prstGeom>
-          <a:noFill/>
-        </p:spPr>
-        <p:txBody>
-          <a:bodyPr>
-            <a:spAutoFit/>
-          </a:bodyPr>
-          <a:lstStyle/>
-          <a:p>
-            <a:pPr algn="ctr" fontAlgn="auto">
-              <a:spcBef>
-                <a:spcPct val="20000"/>
-              </a:spcBef>
-              <a:spcAft>
-                <a:spcPts val="0"/>
-              </a:spcAft>
-              <a:defRPr/>
-            </a:pPr>
-            <a:r>
-              <a:rPr lang="fr-FR" sz="1200" kern="0" dirty="0" err="1" smtClean="0">
-                <a:solidFill>
-                  <a:schemeClr val="bg1">
-                    <a:lumMod val="50000"/>
-                  </a:schemeClr>
-                </a:solidFill>
-                <a:latin typeface="+mn-lt"/>
-                <a:cs typeface="+mn-cs"/>
-              </a:rPr>
-              <a:t>Problem</a:t>
-            </a:r>
-            <a:r>
-              <a:rPr lang="fr-FR" sz="1200" kern="0" dirty="0" smtClean="0">
-                <a:solidFill>
-                  <a:schemeClr val="bg1">
-                    <a:lumMod val="50000"/>
-                  </a:schemeClr>
-                </a:solidFill>
-                <a:latin typeface="+mn-lt"/>
-                <a:cs typeface="+mn-cs"/>
-              </a:rPr>
-              <a:t> frames</a:t>
-            </a:r>
-            <a:endParaRPr lang="fr-FR" sz="1200" kern="0" dirty="0">
-              <a:solidFill>
-                <a:schemeClr val="bg1">
-                  <a:lumMod val="50000"/>
-                </a:schemeClr>
-              </a:solidFill>
-              <a:latin typeface="+mn-lt"/>
-              <a:cs typeface="+mn-cs"/>
-            </a:endParaRPr>
-          </a:p>
-        </p:txBody>
-      </p:sp>
-    </p:spTree>
-    <p:extLst>
-      <p:ext uri="{BB962C8B-B14F-4D97-AF65-F5344CB8AC3E}">
-        <p14:creationId xmlns="" xmlns:p14="http://schemas.microsoft.com/office/powerpoint/2007/7/12/main" val="3819095931"/>
-      </p:ext>
-    </p:extLst>
-  </p:cSld>
-  <p:clrMapOvr>
-    <a:masterClrMapping/>
-  </p:clrMapOvr>
-  <p:timing>
-    <p:tnLst>
-      <p:par>
-        <p:cTn id="1" dur="indefinite" restart="never" nodeType="tmRoot"/>
-      </p:par>
-    </p:tnLst>
-  </p:timing>
-</p:sld>
-</file>
-
-<file path=ppt/slides/slide5.xml><?xml version="1.0" encoding="utf-8"?>
 <p:sld xmlns:a="http://schemas.openxmlformats.org/drawingml/2006/main" xmlns:r="http://schemas.openxmlformats.org/officeDocument/2006/relationships" xmlns:p="http://schemas.openxmlformats.org/presentationml/2006/main">
   <p:cSld>
     <p:spTree>
@@ -19097,7 +18554,7 @@
         </p:nvSpPr>
         <p:spPr>
           <a:xfrm>
-            <a:off x="2143122" y="0"/>
+            <a:off x="4572000" y="0"/>
             <a:ext cx="1928812" cy="276225"/>
           </a:xfrm>
           <a:prstGeom prst="rect">
@@ -19152,7 +18609,7 @@
         </p:nvSpPr>
         <p:spPr>
           <a:xfrm>
-            <a:off x="4214818" y="0"/>
+            <a:off x="2000232" y="0"/>
             <a:ext cx="2571760" cy="276999"/>
           </a:xfrm>
           <a:prstGeom prst="rect">
@@ -19273,7 +18730,571 @@
     </p:spTree>
     <p:extLst>
       <p:ext uri="{BB962C8B-B14F-4D97-AF65-F5344CB8AC3E}">
-        <p14:creationId xmlns="" xmlns:p14="http://schemas.microsoft.com/office/powerpoint/2007/7/12/main" val="1726127084"/>
+        <p14:creationId xmlns:p14="http://schemas.microsoft.com/office/powerpoint/2007/7/12/main" xmlns="" val="1726127084"/>
+      </p:ext>
+    </p:extLst>
+  </p:cSld>
+  <p:clrMapOvr>
+    <a:masterClrMapping/>
+  </p:clrMapOvr>
+  <p:timing>
+    <p:tnLst>
+      <p:par>
+        <p:cTn id="1" dur="indefinite" restart="never" nodeType="tmRoot"/>
+      </p:par>
+    </p:tnLst>
+  </p:timing>
+</p:sld>
+</file>
+
+<file path=ppt/slides/slide5.xml><?xml version="1.0" encoding="utf-8"?>
+<p:sld xmlns:a="http://schemas.openxmlformats.org/drawingml/2006/main" xmlns:r="http://schemas.openxmlformats.org/officeDocument/2006/relationships" xmlns:p="http://schemas.openxmlformats.org/presentationml/2006/main">
+  <p:cSld>
+    <p:spTree>
+      <p:nvGrpSpPr>
+        <p:cNvPr id="1" name=""/>
+        <p:cNvGrpSpPr/>
+        <p:nvPr/>
+      </p:nvGrpSpPr>
+      <p:grpSpPr>
+        <a:xfrm>
+          <a:off x="0" y="0"/>
+          <a:ext cx="0" cy="0"/>
+          <a:chOff x="0" y="0"/>
+          <a:chExt cx="0" cy="0"/>
+        </a:xfrm>
+      </p:grpSpPr>
+      <p:sp>
+        <p:nvSpPr>
+          <p:cNvPr id="2" name="Title 1"/>
+          <p:cNvSpPr>
+            <a:spLocks noGrp="1"/>
+          </p:cNvSpPr>
+          <p:nvPr>
+            <p:ph type="ctrTitle"/>
+          </p:nvPr>
+        </p:nvSpPr>
+        <p:spPr/>
+        <p:txBody>
+          <a:bodyPr/>
+          <a:lstStyle/>
+          <a:p>
+            <a:r>
+              <a:rPr lang="fr-FR" dirty="0" err="1" smtClean="0"/>
+              <a:t>requirements</a:t>
+            </a:r>
+            <a:endParaRPr lang="fr-FR" dirty="0"/>
+          </a:p>
+        </p:txBody>
+      </p:sp>
+      <p:sp>
+        <p:nvSpPr>
+          <p:cNvPr id="3" name="Text Placeholder 2"/>
+          <p:cNvSpPr>
+            <a:spLocks noGrp="1"/>
+          </p:cNvSpPr>
+          <p:nvPr>
+            <p:ph type="body" sz="quarter" idx="10"/>
+          </p:nvPr>
+        </p:nvSpPr>
+        <p:spPr/>
+        <p:txBody>
+          <a:bodyPr/>
+          <a:lstStyle/>
+          <a:p>
+            <a:pPr marL="457200" indent="-457200">
+              <a:buFont typeface="+mj-lt"/>
+              <a:buAutoNum type="arabicPeriod"/>
+            </a:pPr>
+            <a:endParaRPr lang="fr-FR" dirty="0" smtClean="0"/>
+          </a:p>
+          <a:p>
+            <a:pPr marL="457200" indent="-457200">
+              <a:buFont typeface="+mj-lt"/>
+              <a:buAutoNum type="arabicPeriod"/>
+            </a:pPr>
+            <a:r>
+              <a:rPr lang="fr-FR" dirty="0" err="1"/>
+              <a:t>Automatic</a:t>
+            </a:r>
+            <a:r>
+              <a:rPr lang="fr-FR" dirty="0"/>
+              <a:t> </a:t>
+            </a:r>
+            <a:r>
+              <a:rPr lang="fr-FR" dirty="0" err="1"/>
+              <a:t>recovery</a:t>
+            </a:r>
+            <a:r>
+              <a:rPr lang="fr-FR" dirty="0"/>
+              <a:t> to </a:t>
+            </a:r>
+            <a:r>
+              <a:rPr lang="fr-FR" dirty="0" err="1"/>
+              <a:t>failure</a:t>
+            </a:r>
+            <a:r>
+              <a:rPr lang="fr-FR" dirty="0"/>
+              <a:t> </a:t>
+            </a:r>
+          </a:p>
+          <a:p>
+            <a:pPr marL="457200" indent="-457200">
+              <a:buFont typeface="+mj-lt"/>
+              <a:buAutoNum type="arabicPeriod"/>
+            </a:pPr>
+            <a:r>
+              <a:rPr lang="fr-FR" dirty="0" err="1"/>
+              <a:t>Manual</a:t>
+            </a:r>
+            <a:r>
+              <a:rPr lang="fr-FR" dirty="0"/>
+              <a:t> control of FDIR</a:t>
+            </a:r>
+          </a:p>
+          <a:p>
+            <a:pPr lvl="1"/>
+            <a:r>
+              <a:rPr lang="fr-FR" dirty="0" err="1"/>
+              <a:t>Crew</a:t>
+            </a:r>
+            <a:r>
+              <a:rPr lang="fr-FR" dirty="0"/>
+              <a:t> </a:t>
+            </a:r>
+            <a:r>
+              <a:rPr lang="fr-FR" dirty="0" err="1"/>
+              <a:t>is</a:t>
+            </a:r>
+            <a:r>
+              <a:rPr lang="fr-FR" dirty="0"/>
+              <a:t> able to </a:t>
+            </a:r>
+            <a:r>
+              <a:rPr lang="fr-FR" dirty="0" err="1"/>
+              <a:t>shutdown</a:t>
+            </a:r>
+            <a:r>
+              <a:rPr lang="fr-FR" dirty="0"/>
+              <a:t> part of the system</a:t>
+            </a:r>
+          </a:p>
+          <a:p>
+            <a:pPr lvl="1"/>
+            <a:r>
+              <a:rPr lang="fr-FR" dirty="0" err="1"/>
+              <a:t>Crew</a:t>
+            </a:r>
+            <a:r>
+              <a:rPr lang="fr-FR" dirty="0"/>
+              <a:t> </a:t>
+            </a:r>
+            <a:r>
+              <a:rPr lang="fr-FR" dirty="0" err="1"/>
+              <a:t>is</a:t>
+            </a:r>
+            <a:r>
+              <a:rPr lang="fr-FR" dirty="0"/>
+              <a:t> able to restart part of the system</a:t>
+            </a:r>
+          </a:p>
+          <a:p>
+            <a:pPr lvl="1"/>
+            <a:r>
+              <a:rPr lang="fr-FR" dirty="0" err="1"/>
+              <a:t>Crew</a:t>
+            </a:r>
+            <a:r>
+              <a:rPr lang="fr-FR" dirty="0"/>
+              <a:t> </a:t>
+            </a:r>
+            <a:r>
+              <a:rPr lang="fr-FR" dirty="0" err="1"/>
+              <a:t>is</a:t>
+            </a:r>
+            <a:r>
+              <a:rPr lang="fr-FR" dirty="0"/>
+              <a:t> able to </a:t>
+            </a:r>
+            <a:r>
+              <a:rPr lang="fr-FR" dirty="0" err="1"/>
+              <a:t>switch</a:t>
+            </a:r>
+            <a:r>
+              <a:rPr lang="fr-FR" dirty="0"/>
+              <a:t> to a </a:t>
+            </a:r>
+            <a:r>
+              <a:rPr lang="fr-FR" dirty="0" err="1"/>
+              <a:t>spare</a:t>
+            </a:r>
+            <a:r>
+              <a:rPr lang="fr-FR" dirty="0"/>
+              <a:t> </a:t>
+            </a:r>
+            <a:r>
+              <a:rPr lang="fr-FR" dirty="0" smtClean="0"/>
+              <a:t>system</a:t>
+            </a:r>
+            <a:endParaRPr lang="fr-FR" dirty="0"/>
+          </a:p>
+          <a:p>
+            <a:pPr marL="457200" indent="-457200">
+              <a:buFont typeface="+mj-lt"/>
+              <a:buAutoNum type="arabicPeriod"/>
+            </a:pPr>
+            <a:r>
+              <a:rPr lang="fr-FR" dirty="0" err="1" smtClean="0"/>
+              <a:t>Displaying</a:t>
+            </a:r>
+            <a:r>
+              <a:rPr lang="fr-FR" dirty="0" smtClean="0"/>
+              <a:t> information </a:t>
+            </a:r>
+            <a:r>
+              <a:rPr lang="fr-FR" dirty="0" err="1" smtClean="0"/>
+              <a:t>continuously</a:t>
+            </a:r>
+            <a:endParaRPr lang="fr-FR" dirty="0" smtClean="0"/>
+          </a:p>
+          <a:p>
+            <a:pPr marL="457200" indent="-457200">
+              <a:buFont typeface="+mj-lt"/>
+              <a:buAutoNum type="arabicPeriod"/>
+            </a:pPr>
+            <a:r>
+              <a:rPr lang="en-US" dirty="0"/>
+              <a:t>Collect system data to data </a:t>
+            </a:r>
+            <a:r>
+              <a:rPr lang="en-US" dirty="0" smtClean="0"/>
+              <a:t>storage</a:t>
+            </a:r>
+            <a:endParaRPr lang="fr-FR" dirty="0"/>
+          </a:p>
+          <a:p>
+            <a:pPr marL="457200" indent="-457200">
+              <a:buFont typeface="+mj-lt"/>
+              <a:buAutoNum type="arabicPeriod"/>
+            </a:pPr>
+            <a:r>
+              <a:rPr lang="fr-FR" dirty="0" smtClean="0"/>
+              <a:t>Information </a:t>
+            </a:r>
+            <a:r>
+              <a:rPr lang="fr-FR" dirty="0" err="1" smtClean="0"/>
+              <a:t>retrieval</a:t>
+            </a:r>
+            <a:endParaRPr lang="fr-FR" dirty="0"/>
+          </a:p>
+          <a:p>
+            <a:pPr marL="457200" indent="-457200">
+              <a:buFont typeface="+mj-lt"/>
+              <a:buAutoNum type="arabicPeriod"/>
+            </a:pPr>
+            <a:r>
+              <a:rPr lang="fr-FR" dirty="0" smtClean="0"/>
+              <a:t>Providing </a:t>
+            </a:r>
+            <a:r>
+              <a:rPr lang="fr-FR" dirty="0" err="1"/>
+              <a:t>failure</a:t>
+            </a:r>
+            <a:r>
+              <a:rPr lang="fr-FR" dirty="0"/>
+              <a:t> </a:t>
+            </a:r>
+            <a:r>
+              <a:rPr lang="fr-FR" dirty="0" err="1" smtClean="0"/>
+              <a:t>localization</a:t>
+            </a:r>
+            <a:endParaRPr lang="en-US" dirty="0" smtClean="0"/>
+          </a:p>
+          <a:p>
+            <a:pPr marL="457200" indent="-457200">
+              <a:buFont typeface="+mj-lt"/>
+              <a:buAutoNum type="arabicPeriod"/>
+            </a:pPr>
+            <a:r>
+              <a:rPr lang="en-US" dirty="0" smtClean="0"/>
+              <a:t>Response </a:t>
+            </a:r>
+            <a:r>
+              <a:rPr lang="en-US" dirty="0"/>
+              <a:t>in case of unresolvable </a:t>
+            </a:r>
+            <a:r>
+              <a:rPr lang="en-US" dirty="0" smtClean="0"/>
+              <a:t>failure</a:t>
+            </a:r>
+            <a:endParaRPr lang="fr-FR" dirty="0" smtClean="0"/>
+          </a:p>
+          <a:p>
+            <a:pPr lvl="1"/>
+            <a:endParaRPr lang="fr-FR" dirty="0"/>
+          </a:p>
+          <a:p>
+            <a:endParaRPr lang="fr-FR" dirty="0" smtClean="0"/>
+          </a:p>
+          <a:p>
+            <a:pPr lvl="1"/>
+            <a:endParaRPr lang="fr-FR" dirty="0" smtClean="0"/>
+          </a:p>
+          <a:p>
+            <a:endParaRPr lang="fr-FR" dirty="0" smtClean="0"/>
+          </a:p>
+        </p:txBody>
+      </p:sp>
+      <p:sp>
+        <p:nvSpPr>
+          <p:cNvPr id="4" name="ZoneTexte 3"/>
+          <p:cNvSpPr txBox="1"/>
+          <p:nvPr/>
+        </p:nvSpPr>
+        <p:spPr>
+          <a:xfrm>
+            <a:off x="-32" y="0"/>
+            <a:ext cx="1928812" cy="276225"/>
+          </a:xfrm>
+          <a:prstGeom prst="rect">
+            <a:avLst/>
+          </a:prstGeom>
+          <a:noFill/>
+        </p:spPr>
+        <p:txBody>
+          <a:bodyPr>
+            <a:spAutoFit/>
+          </a:bodyPr>
+          <a:lstStyle/>
+          <a:p>
+            <a:pPr algn="ctr" fontAlgn="auto">
+              <a:spcBef>
+                <a:spcPct val="20000"/>
+              </a:spcBef>
+              <a:spcAft>
+                <a:spcPts val="0"/>
+              </a:spcAft>
+              <a:defRPr/>
+            </a:pPr>
+            <a:r>
+              <a:rPr lang="fr-FR" sz="1200" kern="0" dirty="0" smtClean="0">
+                <a:solidFill>
+                  <a:schemeClr val="bg1">
+                    <a:lumMod val="50000"/>
+                  </a:schemeClr>
+                </a:solidFill>
+                <a:latin typeface="+mn-lt"/>
+                <a:cs typeface="+mn-cs"/>
+              </a:rPr>
+              <a:t>Domain identification</a:t>
+            </a:r>
+            <a:endParaRPr lang="fr-FR" sz="1200" kern="0" dirty="0">
+              <a:solidFill>
+                <a:schemeClr val="bg1">
+                  <a:lumMod val="50000"/>
+                </a:schemeClr>
+              </a:solidFill>
+              <a:latin typeface="+mn-lt"/>
+              <a:cs typeface="+mn-cs"/>
+            </a:endParaRPr>
+          </a:p>
+        </p:txBody>
+      </p:sp>
+      <p:sp>
+        <p:nvSpPr>
+          <p:cNvPr id="5" name="ZoneTexte 4"/>
+          <p:cNvSpPr txBox="1"/>
+          <p:nvPr/>
+        </p:nvSpPr>
+        <p:spPr>
+          <a:xfrm>
+            <a:off x="4714876" y="0"/>
+            <a:ext cx="1928812" cy="276225"/>
+          </a:xfrm>
+          <a:prstGeom prst="rect">
+            <a:avLst/>
+          </a:prstGeom>
+          <a:noFill/>
+        </p:spPr>
+        <p:txBody>
+          <a:bodyPr>
+            <a:spAutoFit/>
+          </a:bodyPr>
+          <a:lstStyle/>
+          <a:p>
+            <a:pPr algn="ctr" fontAlgn="auto">
+              <a:spcBef>
+                <a:spcPct val="20000"/>
+              </a:spcBef>
+              <a:spcAft>
+                <a:spcPts val="0"/>
+              </a:spcAft>
+              <a:defRPr/>
+            </a:pPr>
+            <a:r>
+              <a:rPr lang="fr-FR" sz="1200" b="1" u="sng" kern="0" dirty="0" err="1" smtClean="0">
+                <a:latin typeface="+mn-lt"/>
+                <a:cs typeface="+mn-cs"/>
+              </a:rPr>
+              <a:t>Requirements</a:t>
+            </a:r>
+            <a:endParaRPr lang="fr-FR" sz="1200" b="1" u="sng" kern="0" dirty="0">
+              <a:latin typeface="+mn-lt"/>
+              <a:cs typeface="+mn-cs"/>
+            </a:endParaRPr>
+          </a:p>
+        </p:txBody>
+      </p:sp>
+      <p:sp>
+        <p:nvSpPr>
+          <p:cNvPr id="6" name="ZoneTexte 5"/>
+          <p:cNvSpPr txBox="1"/>
+          <p:nvPr/>
+        </p:nvSpPr>
+        <p:spPr>
+          <a:xfrm>
+            <a:off x="2143108" y="0"/>
+            <a:ext cx="2571760" cy="276999"/>
+          </a:xfrm>
+          <a:prstGeom prst="rect">
+            <a:avLst/>
+          </a:prstGeom>
+          <a:noFill/>
+        </p:spPr>
+        <p:txBody>
+          <a:bodyPr wrap="square">
+            <a:spAutoFit/>
+          </a:bodyPr>
+          <a:lstStyle/>
+          <a:p>
+            <a:pPr algn="ctr" fontAlgn="auto">
+              <a:spcBef>
+                <a:spcPct val="20000"/>
+              </a:spcBef>
+              <a:spcAft>
+                <a:spcPts val="0"/>
+              </a:spcAft>
+              <a:defRPr/>
+            </a:pPr>
+            <a:r>
+              <a:rPr lang="fr-FR" sz="1200" kern="0" dirty="0" err="1" smtClean="0">
+                <a:solidFill>
+                  <a:schemeClr val="bg1">
+                    <a:lumMod val="50000"/>
+                  </a:schemeClr>
+                </a:solidFill>
+                <a:latin typeface="+mn-lt"/>
+                <a:cs typeface="+mn-cs"/>
+              </a:rPr>
+              <a:t>Context</a:t>
+            </a:r>
+            <a:r>
+              <a:rPr lang="fr-FR" sz="1200" kern="0" dirty="0" smtClean="0">
+                <a:solidFill>
+                  <a:schemeClr val="bg1">
+                    <a:lumMod val="50000"/>
+                  </a:schemeClr>
+                </a:solidFill>
+                <a:latin typeface="+mn-lt"/>
+                <a:cs typeface="+mn-cs"/>
+              </a:rPr>
+              <a:t> </a:t>
+            </a:r>
+            <a:r>
+              <a:rPr lang="fr-FR" sz="1200" kern="0" dirty="0" err="1" smtClean="0">
+                <a:solidFill>
+                  <a:schemeClr val="bg1">
+                    <a:lumMod val="50000"/>
+                  </a:schemeClr>
+                </a:solidFill>
+                <a:latin typeface="+mn-lt"/>
+                <a:cs typeface="+mn-cs"/>
+              </a:rPr>
+              <a:t>diagram</a:t>
+            </a:r>
+            <a:endParaRPr lang="fr-FR" sz="1200" kern="0" dirty="0">
+              <a:solidFill>
+                <a:schemeClr val="bg1">
+                  <a:lumMod val="50000"/>
+                </a:schemeClr>
+              </a:solidFill>
+              <a:latin typeface="+mn-lt"/>
+              <a:cs typeface="+mn-cs"/>
+            </a:endParaRPr>
+          </a:p>
+        </p:txBody>
+      </p:sp>
+      <p:sp>
+        <p:nvSpPr>
+          <p:cNvPr id="7" name="ZoneTexte 6"/>
+          <p:cNvSpPr txBox="1"/>
+          <p:nvPr/>
+        </p:nvSpPr>
+        <p:spPr>
+          <a:xfrm>
+            <a:off x="6572277" y="0"/>
+            <a:ext cx="1928813" cy="276225"/>
+          </a:xfrm>
+          <a:prstGeom prst="rect">
+            <a:avLst/>
+          </a:prstGeom>
+          <a:noFill/>
+        </p:spPr>
+        <p:txBody>
+          <a:bodyPr>
+            <a:spAutoFit/>
+          </a:bodyPr>
+          <a:lstStyle/>
+          <a:p>
+            <a:pPr algn="ctr" fontAlgn="auto">
+              <a:spcBef>
+                <a:spcPct val="20000"/>
+              </a:spcBef>
+              <a:spcAft>
+                <a:spcPts val="0"/>
+              </a:spcAft>
+              <a:defRPr/>
+            </a:pPr>
+            <a:r>
+              <a:rPr lang="fr-FR" sz="1200" kern="0" dirty="0" err="1" smtClean="0">
+                <a:solidFill>
+                  <a:schemeClr val="bg1">
+                    <a:lumMod val="50000"/>
+                  </a:schemeClr>
+                </a:solidFill>
+                <a:latin typeface="+mn-lt"/>
+                <a:cs typeface="+mn-cs"/>
+              </a:rPr>
+              <a:t>Problem</a:t>
+            </a:r>
+            <a:r>
+              <a:rPr lang="fr-FR" sz="1200" kern="0" dirty="0" smtClean="0">
+                <a:solidFill>
+                  <a:schemeClr val="bg1">
+                    <a:lumMod val="50000"/>
+                  </a:schemeClr>
+                </a:solidFill>
+                <a:latin typeface="+mn-lt"/>
+                <a:cs typeface="+mn-cs"/>
+              </a:rPr>
+              <a:t> frames</a:t>
+            </a:r>
+            <a:endParaRPr lang="fr-FR" sz="1200" kern="0" dirty="0">
+              <a:solidFill>
+                <a:schemeClr val="bg1">
+                  <a:lumMod val="50000"/>
+                </a:schemeClr>
+              </a:solidFill>
+              <a:latin typeface="+mn-lt"/>
+              <a:cs typeface="+mn-cs"/>
+            </a:endParaRPr>
+          </a:p>
+        </p:txBody>
+      </p:sp>
+    </p:spTree>
+    <p:extLst>
+      <p:ext uri="{BB962C8B-B14F-4D97-AF65-F5344CB8AC3E}">
+        <p14:creationId xmlns:p14="http://schemas.microsoft.com/office/powerpoint/2007/7/12/main" xmlns="" val="3819095931"/>
       </p:ext>
     </p:extLst>
   </p:cSld>
@@ -20461,7 +20482,7 @@
         </p:nvSpPr>
         <p:spPr>
           <a:xfrm>
-            <a:off x="2143122" y="0"/>
+            <a:off x="4643438" y="0"/>
             <a:ext cx="1928812" cy="276225"/>
           </a:xfrm>
           <a:prstGeom prst="rect">
@@ -20516,7 +20537,7 @@
         </p:nvSpPr>
         <p:spPr>
           <a:xfrm>
-            <a:off x="4214818" y="0"/>
+            <a:off x="2143108" y="0"/>
             <a:ext cx="2571760" cy="276999"/>
           </a:xfrm>
           <a:prstGeom prst="rect">
@@ -20642,7 +20663,7 @@
     </p:spTree>
     <p:extLst>
       <p:ext uri="{BB962C8B-B14F-4D97-AF65-F5344CB8AC3E}">
-        <p14:creationId xmlns="" xmlns:p14="http://schemas.microsoft.com/office/powerpoint/2007/7/12/main" val="3222460238"/>
+        <p14:creationId xmlns:p14="http://schemas.microsoft.com/office/powerpoint/2007/7/12/main" xmlns="" val="3222460238"/>
       </p:ext>
     </p:extLst>
   </p:cSld>
@@ -21095,7 +21116,7 @@
     </p:spTree>
     <p:extLst>
       <p:ext uri="{BB962C8B-B14F-4D97-AF65-F5344CB8AC3E}">
-        <p14:creationId xmlns="" xmlns:p14="http://schemas.microsoft.com/office/powerpoint/2007/7/12/main" val="532621230"/>
+        <p14:creationId xmlns:p14="http://schemas.microsoft.com/office/powerpoint/2007/7/12/main" xmlns="" val="532621230"/>
       </p:ext>
     </p:extLst>
   </p:cSld>
@@ -23252,7 +23273,7 @@
     </p:spTree>
     <p:extLst>
       <p:ext uri="{BB962C8B-B14F-4D97-AF65-F5344CB8AC3E}">
-        <p14:creationId xmlns="" xmlns:p14="http://schemas.microsoft.com/office/powerpoint/2007/7/12/main" val="2448966025"/>
+        <p14:creationId xmlns:p14="http://schemas.microsoft.com/office/powerpoint/2007/7/12/main" xmlns="" val="2448966025"/>
       </p:ext>
     </p:extLst>
   </p:cSld>
@@ -23627,7 +23648,7 @@
     </p:spTree>
     <p:extLst>
       <p:ext uri="{BB962C8B-B14F-4D97-AF65-F5344CB8AC3E}">
-        <p14:creationId xmlns="" xmlns:p14="http://schemas.microsoft.com/office/powerpoint/2007/7/12/main" val="883924539"/>
+        <p14:creationId xmlns:p14="http://schemas.microsoft.com/office/powerpoint/2007/7/12/main" xmlns="" val="883924539"/>
       </p:ext>
     </p:extLst>
   </p:cSld>

--- a/trunk/Project 1/Part 2/CS554_EuroTeam_Problem_Frames.pptx
+++ b/trunk/Project 1/Part 2/CS554_EuroTeam_Problem_Frames.pptx
@@ -5,10 +5,10 @@
     <p:sldMasterId id="2147483660" r:id="rId2"/>
   </p:sldMasterIdLst>
   <p:notesMasterIdLst>
-    <p:notesMasterId r:id="rId24"/>
+    <p:notesMasterId r:id="rId25"/>
   </p:notesMasterIdLst>
   <p:handoutMasterIdLst>
-    <p:handoutMasterId r:id="rId25"/>
+    <p:handoutMasterId r:id="rId26"/>
   </p:handoutMasterIdLst>
   <p:sldIdLst>
     <p:sldId id="256" r:id="rId3"/>
@@ -16,22 +16,23 @@
     <p:sldId id="309" r:id="rId5"/>
     <p:sldId id="310" r:id="rId6"/>
     <p:sldId id="311" r:id="rId7"/>
-    <p:sldId id="326" r:id="rId8"/>
-    <p:sldId id="327" r:id="rId9"/>
-    <p:sldId id="318" r:id="rId10"/>
-    <p:sldId id="319" r:id="rId11"/>
-    <p:sldId id="316" r:id="rId12"/>
-    <p:sldId id="315" r:id="rId13"/>
-    <p:sldId id="328" r:id="rId14"/>
-    <p:sldId id="329" r:id="rId15"/>
-    <p:sldId id="312" r:id="rId16"/>
-    <p:sldId id="317" r:id="rId17"/>
-    <p:sldId id="320" r:id="rId18"/>
-    <p:sldId id="321" r:id="rId19"/>
-    <p:sldId id="330" r:id="rId20"/>
-    <p:sldId id="331" r:id="rId21"/>
-    <p:sldId id="308" r:id="rId22"/>
-    <p:sldId id="286" r:id="rId23"/>
+    <p:sldId id="327" r:id="rId8"/>
+    <p:sldId id="326" r:id="rId9"/>
+    <p:sldId id="319" r:id="rId10"/>
+    <p:sldId id="318" r:id="rId11"/>
+    <p:sldId id="315" r:id="rId12"/>
+    <p:sldId id="316" r:id="rId13"/>
+    <p:sldId id="329" r:id="rId14"/>
+    <p:sldId id="328" r:id="rId15"/>
+    <p:sldId id="317" r:id="rId16"/>
+    <p:sldId id="312" r:id="rId17"/>
+    <p:sldId id="321" r:id="rId18"/>
+    <p:sldId id="320" r:id="rId19"/>
+    <p:sldId id="331" r:id="rId20"/>
+    <p:sldId id="330" r:id="rId21"/>
+    <p:sldId id="332" r:id="rId22"/>
+    <p:sldId id="308" r:id="rId23"/>
+    <p:sldId id="286" r:id="rId24"/>
   </p:sldIdLst>
   <p:sldSz cx="9144000" cy="6858000" type="screen4x3"/>
   <p:notesSz cx="7099300" cy="10234613"/>
@@ -355,7 +356,7 @@
               <a:pPr>
                 <a:defRPr/>
               </a:pPr>
-              <a:t>‹N°›</a:t>
+              <a:t>‹#›</a:t>
             </a:fld>
             <a:endParaRPr lang="fr-FR" altLang="ko-KR"/>
           </a:p>
@@ -364,7 +365,7 @@
     </p:spTree>
     <p:extLst>
       <p:ext uri="{BB962C8B-B14F-4D97-AF65-F5344CB8AC3E}">
-        <p14:creationId xmlns:p14="http://schemas.microsoft.com/office/powerpoint/2007/7/12/main" xmlns="" val="3216856891"/>
+        <p14:creationId xmlns:p14="http://schemas.microsoft.com/office/powerpoint/2007/7/12/main" val="3216856891"/>
       </p:ext>
     </p:extLst>
   </p:cSld>
@@ -660,7 +661,7 @@
               <a:pPr>
                 <a:defRPr/>
               </a:pPr>
-              <a:t>‹N°›</a:t>
+              <a:t>‹#›</a:t>
             </a:fld>
             <a:endParaRPr lang="fr-FR" altLang="ko-KR"/>
           </a:p>
@@ -669,7 +670,7 @@
     </p:spTree>
     <p:extLst>
       <p:ext uri="{BB962C8B-B14F-4D97-AF65-F5344CB8AC3E}">
-        <p14:creationId xmlns:p14="http://schemas.microsoft.com/office/powerpoint/2007/7/12/main" xmlns="" val="3483236166"/>
+        <p14:creationId xmlns:p14="http://schemas.microsoft.com/office/powerpoint/2007/7/12/main" val="3483236166"/>
       </p:ext>
     </p:extLst>
   </p:cSld>
@@ -872,7 +873,7 @@
             </a:pPr>
             <a:endParaRPr lang="ko-KR" altLang="ko-KR">
               <a:solidFill>
-                <a:srgbClr val="000000"/>
+                <a:srgbClr xmlns:mc="http://schemas.openxmlformats.org/markup-compatibility/2006" xmlns:a14="http://schemas.microsoft.com/office/drawing/2007/7/7/main" val="000000" mc:Ignorable=""/>
               </a:solidFill>
               <a:cs typeface="Arial" charset="0"/>
             </a:endParaRPr>
@@ -931,7 +932,7 @@
             </a:pPr>
             <a:endParaRPr lang="ko-KR" altLang="ko-KR">
               <a:solidFill>
-                <a:srgbClr val="000000"/>
+                <a:srgbClr xmlns:mc="http://schemas.openxmlformats.org/markup-compatibility/2006" xmlns:a14="http://schemas.microsoft.com/office/drawing/2007/7/7/main" val="000000" mc:Ignorable=""/>
               </a:solidFill>
               <a:cs typeface="Arial" charset="0"/>
             </a:endParaRPr>
@@ -992,7 +993,7 @@
             </a:pPr>
             <a:endParaRPr lang="ko-KR" altLang="ko-KR">
               <a:solidFill>
-                <a:srgbClr val="000000"/>
+                <a:srgbClr xmlns:mc="http://schemas.openxmlformats.org/markup-compatibility/2006" xmlns:a14="http://schemas.microsoft.com/office/drawing/2007/7/7/main" val="000000" mc:Ignorable=""/>
               </a:solidFill>
               <a:cs typeface="Arial" charset="0"/>
             </a:endParaRPr>
@@ -1389,7 +1390,7 @@
             </a:pPr>
             <a:endParaRPr lang="ko-KR" altLang="ko-KR">
               <a:solidFill>
-                <a:srgbClr val="000000"/>
+                <a:srgbClr xmlns:mc="http://schemas.openxmlformats.org/markup-compatibility/2006" xmlns:a14="http://schemas.microsoft.com/office/drawing/2007/7/7/main" val="000000" mc:Ignorable=""/>
               </a:solidFill>
               <a:cs typeface="Arial" charset="0"/>
             </a:endParaRPr>
@@ -1450,7 +1451,7 @@
             </a:pPr>
             <a:endParaRPr lang="ko-KR" altLang="ko-KR">
               <a:solidFill>
-                <a:srgbClr val="000000"/>
+                <a:srgbClr xmlns:mc="http://schemas.openxmlformats.org/markup-compatibility/2006" xmlns:a14="http://schemas.microsoft.com/office/drawing/2007/7/7/main" val="000000" mc:Ignorable=""/>
               </a:solidFill>
               <a:cs typeface="Arial" charset="0"/>
             </a:endParaRPr>
@@ -1547,7 +1548,7 @@
           <a:lstStyle>
             <a:lvl1pPr marL="0" indent="354013">
               <a:buClr>
-                <a:srgbClr val="DA7E18"/>
+                <a:srgbClr xmlns:mc="http://schemas.openxmlformats.org/markup-compatibility/2006" xmlns:a14="http://schemas.microsoft.com/office/drawing/2007/7/7/main" val="DA7E18" mc:Ignorable=""/>
               </a:buClr>
               <a:buSzPct val="120000"/>
               <a:buFont typeface="+mj-lt"/>
@@ -1556,7 +1557,7 @@
             </a:lvl1pPr>
             <a:lvl2pPr marL="633413" indent="354013">
               <a:buClr>
-                <a:srgbClr val="E5AB1B"/>
+                <a:srgbClr xmlns:mc="http://schemas.openxmlformats.org/markup-compatibility/2006" xmlns:a14="http://schemas.microsoft.com/office/drawing/2007/7/7/main" val="E5AB1B" mc:Ignorable=""/>
               </a:buClr>
               <a:buSzPct val="120000"/>
               <a:buFont typeface="+mj-lt"/>
@@ -1689,7 +1690,7 @@
             </a:pPr>
             <a:endParaRPr lang="ko-KR" altLang="ko-KR">
               <a:solidFill>
-                <a:srgbClr val="000000"/>
+                <a:srgbClr xmlns:mc="http://schemas.openxmlformats.org/markup-compatibility/2006" xmlns:a14="http://schemas.microsoft.com/office/drawing/2007/7/7/main" val="000000" mc:Ignorable=""/>
               </a:solidFill>
               <a:cs typeface="Arial" charset="0"/>
             </a:endParaRPr>
@@ -1722,7 +1723,7 @@
             </a:pPr>
             <a:endParaRPr lang="ko-KR" altLang="ko-KR" sz="1100" b="1">
               <a:solidFill>
-                <a:srgbClr val="A0A0A0"/>
+                <a:srgbClr xmlns:mc="http://schemas.openxmlformats.org/markup-compatibility/2006" xmlns:a14="http://schemas.microsoft.com/office/drawing/2007/7/7/main" val="A0A0A0" mc:Ignorable=""/>
               </a:solidFill>
               <a:latin typeface="Calibri" pitchFamily="34" charset="0"/>
             </a:endParaRPr>
@@ -1817,7 +1818,7 @@
           <a:lstStyle>
             <a:lvl1pPr marL="0" indent="354013">
               <a:buClr>
-                <a:srgbClr val="DA7E18"/>
+                <a:srgbClr xmlns:mc="http://schemas.openxmlformats.org/markup-compatibility/2006" xmlns:a14="http://schemas.microsoft.com/office/drawing/2007/7/7/main" val="DA7E18" mc:Ignorable=""/>
               </a:buClr>
               <a:buSzPct val="70000"/>
               <a:buFont typeface="Wingdings" pitchFamily="2" charset="2"/>
@@ -1826,7 +1827,7 @@
             </a:lvl1pPr>
             <a:lvl2pPr>
               <a:buClr>
-                <a:srgbClr val="E5AB1B"/>
+                <a:srgbClr xmlns:mc="http://schemas.openxmlformats.org/markup-compatibility/2006" xmlns:a14="http://schemas.microsoft.com/office/drawing/2007/7/7/main" val="E5AB1B" mc:Ignorable=""/>
               </a:buClr>
               <a:buSzPct val="70000"/>
               <a:buFont typeface="Wingdings" pitchFamily="2" charset="2"/>
@@ -1973,7 +1974,7 @@
             </a:pPr>
             <a:endParaRPr lang="ko-KR" altLang="ko-KR">
               <a:solidFill>
-                <a:srgbClr val="000000"/>
+                <a:srgbClr xmlns:mc="http://schemas.openxmlformats.org/markup-compatibility/2006" xmlns:a14="http://schemas.microsoft.com/office/drawing/2007/7/7/main" val="000000" mc:Ignorable=""/>
               </a:solidFill>
               <a:cs typeface="Arial" charset="0"/>
             </a:endParaRPr>
@@ -2032,7 +2033,7 @@
             </a:pPr>
             <a:endParaRPr lang="ko-KR" altLang="ko-KR">
               <a:solidFill>
-                <a:srgbClr val="000000"/>
+                <a:srgbClr xmlns:mc="http://schemas.openxmlformats.org/markup-compatibility/2006" xmlns:a14="http://schemas.microsoft.com/office/drawing/2007/7/7/main" val="000000" mc:Ignorable=""/>
               </a:solidFill>
               <a:cs typeface="Arial" charset="0"/>
             </a:endParaRPr>
@@ -2091,7 +2092,7 @@
             </a:pPr>
             <a:endParaRPr lang="ko-KR" altLang="ko-KR">
               <a:solidFill>
-                <a:srgbClr val="000000"/>
+                <a:srgbClr xmlns:mc="http://schemas.openxmlformats.org/markup-compatibility/2006" xmlns:a14="http://schemas.microsoft.com/office/drawing/2007/7/7/main" val="000000" mc:Ignorable=""/>
               </a:solidFill>
               <a:cs typeface="Arial" charset="0"/>
             </a:endParaRPr>
@@ -2124,7 +2125,7 @@
             </a:pPr>
             <a:endParaRPr lang="ko-KR" altLang="ko-KR" sz="1100" b="1">
               <a:solidFill>
-                <a:srgbClr val="A0A0A0"/>
+                <a:srgbClr xmlns:mc="http://schemas.openxmlformats.org/markup-compatibility/2006" xmlns:a14="http://schemas.microsoft.com/office/drawing/2007/7/7/main" val="A0A0A0" mc:Ignorable=""/>
               </a:solidFill>
               <a:latin typeface="Calibri" pitchFamily="34" charset="0"/>
             </a:endParaRPr>
@@ -2239,7 +2240,7 @@
             <a:r>
               <a:rPr lang="fr-FR" altLang="ko-KR" sz="900" dirty="0" smtClean="0">
                 <a:solidFill>
-                  <a:srgbClr val="7F7F7F"/>
+                  <a:srgbClr xmlns:mc="http://schemas.openxmlformats.org/markup-compatibility/2006" xmlns:a14="http://schemas.microsoft.com/office/drawing/2007/7/7/main" val="7F7F7F" mc:Ignorable=""/>
                 </a:solidFill>
                 <a:ea typeface="굴림" charset="-127"/>
               </a:rPr>
@@ -2248,7 +2249,7 @@
             <a:r>
               <a:rPr lang="fr-FR" altLang="ko-KR" sz="900" baseline="0" dirty="0" smtClean="0">
                 <a:solidFill>
-                  <a:srgbClr val="7F7F7F"/>
+                  <a:srgbClr xmlns:mc="http://schemas.openxmlformats.org/markup-compatibility/2006" xmlns:a14="http://schemas.microsoft.com/office/drawing/2007/7/7/main" val="7F7F7F" mc:Ignorable=""/>
                 </a:solidFill>
                 <a:ea typeface="굴림" charset="-127"/>
               </a:rPr>
@@ -2256,7 +2257,7 @@
             </a:r>
             <a:endParaRPr lang="fr-FR" altLang="ko-KR" sz="900" dirty="0">
               <a:solidFill>
-                <a:srgbClr val="7F7F7F"/>
+                <a:srgbClr xmlns:mc="http://schemas.openxmlformats.org/markup-compatibility/2006" xmlns:a14="http://schemas.microsoft.com/office/drawing/2007/7/7/main" val="7F7F7F" mc:Ignorable=""/>
               </a:solidFill>
               <a:ea typeface="굴림" charset="-127"/>
             </a:endParaRPr>
@@ -2322,7 +2323,7 @@
                 </a:spcAft>
                 <a:defRPr/>
               </a:pPr>
-              <a:t>‹N°›</a:t>
+              <a:t>‹#›</a:t>
             </a:fld>
             <a:r>
               <a:rPr lang="fr-FR" sz="1100" b="1" kern="0" dirty="0" smtClean="0">
@@ -2421,7 +2422,7 @@
             <a:r>
               <a:rPr lang="fr-FR" altLang="ko-KR" sz="1000" dirty="0" err="1" smtClean="0">
                 <a:solidFill>
-                  <a:srgbClr val="7F7F7F"/>
+                  <a:srgbClr xmlns:mc="http://schemas.openxmlformats.org/markup-compatibility/2006" xmlns:a14="http://schemas.microsoft.com/office/drawing/2007/7/7/main" val="7F7F7F" mc:Ignorable=""/>
                 </a:solidFill>
                 <a:latin typeface="Calibri" pitchFamily="34" charset="0"/>
                 <a:ea typeface="굴림" charset="-127"/>
@@ -2431,7 +2432,7 @@
             <a:r>
               <a:rPr lang="fr-FR" altLang="ko-KR" sz="1000" baseline="0" dirty="0" smtClean="0">
                 <a:solidFill>
-                  <a:srgbClr val="7F7F7F"/>
+                  <a:srgbClr xmlns:mc="http://schemas.openxmlformats.org/markup-compatibility/2006" xmlns:a14="http://schemas.microsoft.com/office/drawing/2007/7/7/main" val="7F7F7F" mc:Ignorable=""/>
                 </a:solidFill>
                 <a:latin typeface="Calibri" pitchFamily="34" charset="0"/>
                 <a:ea typeface="굴림" charset="-127"/>
@@ -2441,7 +2442,7 @@
             <a:r>
               <a:rPr lang="fr-FR" altLang="ko-KR" sz="1000" dirty="0" smtClean="0">
                 <a:solidFill>
-                  <a:srgbClr val="7F7F7F"/>
+                  <a:srgbClr xmlns:mc="http://schemas.openxmlformats.org/markup-compatibility/2006" xmlns:a14="http://schemas.microsoft.com/office/drawing/2007/7/7/main" val="7F7F7F" mc:Ignorable=""/>
                 </a:solidFill>
                 <a:latin typeface="Calibri" pitchFamily="34" charset="0"/>
                 <a:ea typeface="굴림" charset="-127"/>
@@ -2451,7 +2452,7 @@
             <a:r>
               <a:rPr lang="fr-FR" altLang="ko-KR" sz="1000" dirty="0">
                 <a:solidFill>
-                  <a:srgbClr val="7F7F7F"/>
+                  <a:srgbClr xmlns:mc="http://schemas.openxmlformats.org/markup-compatibility/2006" xmlns:a14="http://schemas.microsoft.com/office/drawing/2007/7/7/main" val="7F7F7F" mc:Ignorable=""/>
                 </a:solidFill>
                 <a:latin typeface="Calibri" pitchFamily="34" charset="0"/>
                 <a:ea typeface="굴림" charset="-127"/>
@@ -2460,7 +2461,7 @@
             </a:r>
             <a:endParaRPr lang="fr-FR" altLang="ko-KR" sz="900" dirty="0">
               <a:solidFill>
-                <a:srgbClr val="7F7F7F"/>
+                <a:srgbClr xmlns:mc="http://schemas.openxmlformats.org/markup-compatibility/2006" xmlns:a14="http://schemas.microsoft.com/office/drawing/2007/7/7/main" val="7F7F7F" mc:Ignorable=""/>
               </a:solidFill>
               <a:latin typeface="Calibri" pitchFamily="34" charset="0"/>
               <a:ea typeface="굴림" charset="-127"/>
@@ -2894,11 +2895,11 @@
             <a:r>
               <a:rPr altLang="ko-KR" dirty="0" smtClean="0">
                 <a:solidFill>
-                  <a:srgbClr val="C44F00"/>
+                  <a:srgbClr xmlns:mc="http://schemas.openxmlformats.org/markup-compatibility/2006" xmlns:a14="http://schemas.microsoft.com/office/drawing/2007/7/7/main" val="C44F00" mc:Ignorable=""/>
                 </a:solidFill>
                 <a:effectLst>
                   <a:outerShdw blurRad="38100" dist="38100" dir="2700000" algn="tl">
-                    <a:srgbClr val="C0C0C0"/>
+                    <a:srgbClr xmlns:mc="http://schemas.openxmlformats.org/markup-compatibility/2006" xmlns:a14="http://schemas.microsoft.com/office/drawing/2007/7/7/main" val="C0C0C0" mc:Ignorable=""/>
                   </a:outerShdw>
                 </a:effectLst>
                 <a:ea typeface="굴림" charset="-127"/>
@@ -2913,11 +2914,11 @@
             <a:r>
               <a:rPr altLang="ko-KR" dirty="0" smtClean="0">
                 <a:solidFill>
-                  <a:srgbClr val="595959"/>
+                  <a:srgbClr xmlns:mc="http://schemas.openxmlformats.org/markup-compatibility/2006" xmlns:a14="http://schemas.microsoft.com/office/drawing/2007/7/7/main" val="595959" mc:Ignorable=""/>
                 </a:solidFill>
                 <a:effectLst>
                   <a:outerShdw blurRad="38100" dist="38100" dir="2700000" algn="tl">
-                    <a:srgbClr val="C0C0C0"/>
+                    <a:srgbClr xmlns:mc="http://schemas.openxmlformats.org/markup-compatibility/2006" xmlns:a14="http://schemas.microsoft.com/office/drawing/2007/7/7/main" val="C0C0C0" mc:Ignorable=""/>
                   </a:outerShdw>
                 </a:effectLst>
                 <a:ea typeface="굴림" charset="-127"/>
@@ -2927,11 +2928,11 @@
             <a:r>
               <a:rPr altLang="ko-KR" dirty="0" err="1" smtClean="0">
                 <a:solidFill>
-                  <a:srgbClr val="595959"/>
+                  <a:srgbClr xmlns:mc="http://schemas.openxmlformats.org/markup-compatibility/2006" xmlns:a14="http://schemas.microsoft.com/office/drawing/2007/7/7/main" val="595959" mc:Ignorable=""/>
                 </a:solidFill>
                 <a:effectLst>
                   <a:outerShdw blurRad="38100" dist="38100" dir="2700000" algn="tl">
-                    <a:srgbClr val="C0C0C0"/>
+                    <a:srgbClr xmlns:mc="http://schemas.openxmlformats.org/markup-compatibility/2006" xmlns:a14="http://schemas.microsoft.com/office/drawing/2007/7/7/main" val="C0C0C0" mc:Ignorable=""/>
                   </a:outerShdw>
                 </a:effectLst>
                 <a:ea typeface="굴림" charset="-127"/>
@@ -2941,11 +2942,11 @@
             <a:r>
               <a:rPr altLang="ko-KR" dirty="0" smtClean="0">
                 <a:solidFill>
-                  <a:srgbClr val="595959"/>
+                  <a:srgbClr xmlns:mc="http://schemas.openxmlformats.org/markup-compatibility/2006" xmlns:a14="http://schemas.microsoft.com/office/drawing/2007/7/7/main" val="595959" mc:Ignorable=""/>
                 </a:solidFill>
                 <a:effectLst>
                   <a:outerShdw blurRad="38100" dist="38100" dir="2700000" algn="tl">
-                    <a:srgbClr val="C0C0C0"/>
+                    <a:srgbClr xmlns:mc="http://schemas.openxmlformats.org/markup-compatibility/2006" xmlns:a14="http://schemas.microsoft.com/office/drawing/2007/7/7/main" val="C0C0C0" mc:Ignorable=""/>
                   </a:outerShdw>
                 </a:effectLst>
                 <a:ea typeface="굴림" charset="-127"/>
@@ -2960,11 +2961,11 @@
             <a:r>
               <a:rPr altLang="ko-KR" dirty="0" smtClean="0">
                 <a:solidFill>
-                  <a:srgbClr val="595959"/>
+                  <a:srgbClr xmlns:mc="http://schemas.openxmlformats.org/markup-compatibility/2006" xmlns:a14="http://schemas.microsoft.com/office/drawing/2007/7/7/main" val="595959" mc:Ignorable=""/>
                 </a:solidFill>
                 <a:effectLst>
                   <a:outerShdw blurRad="38100" dist="38100" dir="2700000" algn="tl">
-                    <a:srgbClr val="C0C0C0"/>
+                    <a:srgbClr xmlns:mc="http://schemas.openxmlformats.org/markup-compatibility/2006" xmlns:a14="http://schemas.microsoft.com/office/drawing/2007/7/7/main" val="C0C0C0" mc:Ignorable=""/>
                   </a:outerShdw>
                 </a:effectLst>
                 <a:ea typeface="굴림" charset="-127"/>
@@ -2978,11 +2979,11 @@
             </a:pPr>
             <a:endParaRPr altLang="ko-KR" dirty="0" smtClean="0">
               <a:solidFill>
-                <a:srgbClr val="8F481E"/>
+                <a:srgbClr xmlns:mc="http://schemas.openxmlformats.org/markup-compatibility/2006" xmlns:a14="http://schemas.microsoft.com/office/drawing/2007/7/7/main" val="8F481E" mc:Ignorable=""/>
               </a:solidFill>
               <a:effectLst>
                 <a:outerShdw blurRad="38100" dist="38100" dir="2700000" algn="tl">
-                  <a:srgbClr val="C0C0C0"/>
+                  <a:srgbClr xmlns:mc="http://schemas.openxmlformats.org/markup-compatibility/2006" xmlns:a14="http://schemas.microsoft.com/office/drawing/2007/7/7/main" val="C0C0C0" mc:Ignorable=""/>
                 </a:outerShdw>
               </a:effectLst>
               <a:ea typeface="굴림" charset="-127"/>
@@ -3027,7 +3028,7 @@
                 </a:ln>
                 <a:effectLst>
                   <a:outerShdw blurRad="38100" dist="38100" dir="2700000" algn="tl">
-                    <a:srgbClr val="000000">
+                    <a:srgbClr xmlns:mc="http://schemas.openxmlformats.org/markup-compatibility/2006" xmlns:a14="http://schemas.microsoft.com/office/drawing/2007/7/7/main" val="000000" mc:Ignorable="">
                       <a:alpha val="43137"/>
                     </a:srgbClr>
                   </a:outerShdw>
@@ -3045,7 +3046,7 @@
                 </a:solidFill>
                 <a:effectLst>
                   <a:outerShdw blurRad="38100" dist="38100" dir="2700000" algn="tl">
-                    <a:srgbClr val="000000">
+                    <a:srgbClr xmlns:mc="http://schemas.openxmlformats.org/markup-compatibility/2006" xmlns:a14="http://schemas.microsoft.com/office/drawing/2007/7/7/main" val="000000" mc:Ignorable="">
                       <a:alpha val="43137"/>
                     </a:srgbClr>
                   </a:outerShdw>
@@ -3063,7 +3064,7 @@
                 </a:solidFill>
                 <a:effectLst>
                   <a:outerShdw blurRad="38100" dist="38100" dir="2700000" algn="tl">
-                    <a:srgbClr val="000000">
+                    <a:srgbClr xmlns:mc="http://schemas.openxmlformats.org/markup-compatibility/2006" xmlns:a14="http://schemas.microsoft.com/office/drawing/2007/7/7/main" val="000000" mc:Ignorable="">
                       <a:alpha val="43137"/>
                     </a:srgbClr>
                   </a:outerShdw>
@@ -3080,7 +3081,7 @@
                 </a:solidFill>
                 <a:effectLst>
                   <a:outerShdw blurRad="38100" dist="38100" dir="2700000" algn="tl">
-                    <a:srgbClr val="000000">
+                    <a:srgbClr xmlns:mc="http://schemas.openxmlformats.org/markup-compatibility/2006" xmlns:a14="http://schemas.microsoft.com/office/drawing/2007/7/7/main" val="000000" mc:Ignorable="">
                       <a:alpha val="43137"/>
                     </a:srgbClr>
                   </a:outerShdw>
@@ -3100,7 +3101,7 @@
                 </a:solidFill>
                 <a:effectLst>
                   <a:outerShdw blurRad="38100" dist="38100" dir="2700000" algn="tl">
-                    <a:srgbClr val="000000">
+                    <a:srgbClr xmlns:mc="http://schemas.openxmlformats.org/markup-compatibility/2006" xmlns:a14="http://schemas.microsoft.com/office/drawing/2007/7/7/main" val="000000" mc:Ignorable="">
                       <a:alpha val="43137"/>
                     </a:srgbClr>
                   </a:outerShdw>
@@ -3120,7 +3121,7 @@
                 </a:solidFill>
                 <a:effectLst>
                   <a:outerShdw blurRad="38100" dist="38100" dir="2700000" algn="tl">
-                    <a:srgbClr val="000000">
+                    <a:srgbClr xmlns:mc="http://schemas.openxmlformats.org/markup-compatibility/2006" xmlns:a14="http://schemas.microsoft.com/office/drawing/2007/7/7/main" val="000000" mc:Ignorable="">
                       <a:alpha val="43137"/>
                     </a:srgbClr>
                   </a:outerShdw>
@@ -3140,7 +3141,7 @@
                 </a:solidFill>
                 <a:effectLst>
                   <a:outerShdw blurRad="38100" dist="38100" dir="2700000" algn="tl">
-                    <a:srgbClr val="000000">
+                    <a:srgbClr xmlns:mc="http://schemas.openxmlformats.org/markup-compatibility/2006" xmlns:a14="http://schemas.microsoft.com/office/drawing/2007/7/7/main" val="000000" mc:Ignorable="">
                       <a:alpha val="43137"/>
                     </a:srgbClr>
                   </a:outerShdw>
@@ -3160,7 +3161,7 @@
                 </a:solidFill>
                 <a:effectLst>
                   <a:outerShdw blurRad="38100" dist="38100" dir="2700000" algn="tl">
-                    <a:srgbClr val="000000">
+                    <a:srgbClr xmlns:mc="http://schemas.openxmlformats.org/markup-compatibility/2006" xmlns:a14="http://schemas.microsoft.com/office/drawing/2007/7/7/main" val="000000" mc:Ignorable="">
                       <a:alpha val="43137"/>
                     </a:srgbClr>
                   </a:outerShdw>
@@ -3179,7 +3180,7 @@
               </a:solidFill>
               <a:effectLst>
                 <a:outerShdw blurRad="38100" dist="38100" dir="2700000" algn="tl">
-                  <a:srgbClr val="000000">
+                  <a:srgbClr xmlns:mc="http://schemas.openxmlformats.org/markup-compatibility/2006" xmlns:a14="http://schemas.microsoft.com/office/drawing/2007/7/7/main" val="000000" mc:Ignorable="">
                     <a:alpha val="43137"/>
                   </a:srgbClr>
                 </a:outerShdw>
@@ -3249,7 +3250,7 @@
             </a:avLst>
           </a:prstGeom>
           <a:solidFill>
-            <a:srgbClr val="FFFFFF">
+            <a:srgbClr xmlns:mc="http://schemas.openxmlformats.org/markup-compatibility/2006" xmlns:a14="http://schemas.microsoft.com/office/drawing/2007/7/7/main" val="FFFFFF" mc:Ignorable="">
               <a:shade val="85000"/>
             </a:srgbClr>
           </a:solidFill>
@@ -3287,7 +3288,7 @@
             </a:avLst>
           </a:prstGeom>
           <a:solidFill>
-            <a:srgbClr val="FFFFFF">
+            <a:srgbClr xmlns:mc="http://schemas.openxmlformats.org/markup-compatibility/2006" xmlns:a14="http://schemas.microsoft.com/office/drawing/2007/7/7/main" val="FFFFFF" mc:Ignorable="">
               <a:shade val="85000"/>
             </a:srgbClr>
           </a:solidFill>
@@ -3342,7 +3343,7 @@
               <a:rPr lang="fr-FR" sz="2400" b="1" dirty="0" smtClean="0">
                 <a:effectLst>
                   <a:outerShdw blurRad="38100" dist="38100" dir="2700000" algn="tl">
-                    <a:srgbClr val="000000">
+                    <a:srgbClr xmlns:mc="http://schemas.openxmlformats.org/markup-compatibility/2006" xmlns:a14="http://schemas.microsoft.com/office/drawing/2007/7/7/main" val="000000" mc:Ignorable="">
                       <a:alpha val="43137"/>
                     </a:srgbClr>
                   </a:outerShdw>
@@ -3369,7 +3370,7 @@
   <p:timing>
     <p:tnLst>
       <p:par>
-        <p:cTn id="1" dur="indefinite" restart="never" nodeType="tmRoot"/>
+        <p:cTn xmlns:p14="http://schemas.microsoft.com/office/powerpoint/2007/7/12/main" id="1" dur="indefinite" restart="never" nodeType="tmRoot"/>
       </p:par>
     </p:tnLst>
   </p:timing>
@@ -3409,18 +3410,566 @@
           <a:lstStyle/>
           <a:p>
             <a:r>
+              <a:rPr lang="fr-FR" sz="2800" dirty="0" err="1" smtClean="0"/>
+              <a:t>Displaying</a:t>
+            </a:r>
+            <a:r>
+              <a:rPr lang="fr-FR" sz="2800" dirty="0" smtClean="0"/>
+              <a:t> information </a:t>
+            </a:r>
+            <a:r>
+              <a:rPr lang="fr-FR" sz="2800" dirty="0" err="1" smtClean="0"/>
+              <a:t>continuously</a:t>
+            </a:r>
+            <a:r>
+              <a:rPr lang="fr-FR" sz="2800" dirty="0" smtClean="0"/>
+              <a:t> (</a:t>
+            </a:r>
+            <a:r>
+              <a:rPr lang="fr-FR" sz="2800" dirty="0" err="1" smtClean="0"/>
+              <a:t>cont</a:t>
+            </a:r>
+            <a:r>
+              <a:rPr lang="fr-FR" sz="2800" dirty="0" smtClean="0"/>
+              <a:t>.)</a:t>
+            </a:r>
+            <a:endParaRPr lang="fr-FR" sz="2800" dirty="0"/>
+          </a:p>
+        </p:txBody>
+      </p:sp>
+      <p:sp>
+        <p:nvSpPr>
+          <p:cNvPr id="3" name="Text Placeholder 2"/>
+          <p:cNvSpPr>
+            <a:spLocks noGrp="1"/>
+          </p:cNvSpPr>
+          <p:nvPr>
+            <p:ph type="body" sz="quarter" idx="10"/>
+          </p:nvPr>
+        </p:nvSpPr>
+        <p:spPr/>
+        <p:txBody>
+          <a:bodyPr/>
+          <a:lstStyle/>
+          <a:p>
+            <a:r>
+              <a:rPr lang="fr-FR" dirty="0" smtClean="0"/>
+              <a:t>FDIR </a:t>
+            </a:r>
+            <a:r>
               <a:rPr lang="fr-FR" dirty="0" err="1" smtClean="0"/>
+              <a:t>should</a:t>
+            </a:r>
+            <a:r>
+              <a:rPr lang="fr-FR" dirty="0" smtClean="0"/>
+              <a:t> display </a:t>
+            </a:r>
+            <a:r>
+              <a:rPr lang="fr-FR" dirty="0" err="1" smtClean="0"/>
+              <a:t>continuous</a:t>
+            </a:r>
+            <a:r>
+              <a:rPr lang="fr-FR" dirty="0" smtClean="0"/>
+              <a:t> information about state of the </a:t>
+            </a:r>
+            <a:r>
+              <a:rPr lang="fr-FR" dirty="0" err="1" smtClean="0"/>
+              <a:t>systems</a:t>
+            </a:r>
+            <a:endParaRPr lang="fr-FR" dirty="0" smtClean="0"/>
+          </a:p>
+          <a:p>
+            <a:endParaRPr lang="fr-FR" dirty="0" smtClean="0"/>
+          </a:p>
+          <a:p>
+            <a:r>
+              <a:rPr lang="fr-FR" dirty="0" smtClean="0"/>
+              <a:t>FDIR has to </a:t>
+            </a:r>
+            <a:r>
+              <a:rPr lang="fr-FR" dirty="0" err="1" smtClean="0"/>
+              <a:t>interprate</a:t>
+            </a:r>
+            <a:r>
+              <a:rPr lang="fr-FR" dirty="0" smtClean="0"/>
+              <a:t> </a:t>
+            </a:r>
+            <a:r>
+              <a:rPr lang="fr-FR" dirty="0" err="1" smtClean="0"/>
+              <a:t>monitored</a:t>
+            </a:r>
+            <a:r>
+              <a:rPr lang="fr-FR" dirty="0" smtClean="0"/>
+              <a:t> values </a:t>
+            </a:r>
+            <a:r>
+              <a:rPr lang="fr-FR" dirty="0" err="1" smtClean="0"/>
+              <a:t>from</a:t>
+            </a:r>
+            <a:r>
+              <a:rPr lang="fr-FR" dirty="0" smtClean="0"/>
+              <a:t> </a:t>
+            </a:r>
+            <a:r>
+              <a:rPr lang="fr-FR" dirty="0" err="1" smtClean="0"/>
+              <a:t>each</a:t>
+            </a:r>
+            <a:r>
+              <a:rPr lang="fr-FR" dirty="0" smtClean="0"/>
+              <a:t> </a:t>
+            </a:r>
+            <a:r>
+              <a:rPr lang="fr-FR" dirty="0" err="1" smtClean="0"/>
+              <a:t>space</a:t>
+            </a:r>
+            <a:r>
+              <a:rPr lang="fr-FR" dirty="0" smtClean="0"/>
+              <a:t> </a:t>
+            </a:r>
+            <a:r>
+              <a:rPr lang="fr-FR" dirty="0" err="1" smtClean="0"/>
+              <a:t>craft</a:t>
+            </a:r>
+            <a:r>
+              <a:rPr lang="fr-FR" dirty="0" smtClean="0"/>
+              <a:t> system</a:t>
+            </a:r>
+          </a:p>
+          <a:p>
+            <a:endParaRPr lang="fr-FR" dirty="0" smtClean="0"/>
+          </a:p>
+          <a:p>
+            <a:r>
+              <a:rPr lang="fr-FR" dirty="0" smtClean="0"/>
+              <a:t>Return </a:t>
+            </a:r>
+            <a:r>
+              <a:rPr lang="fr-FR" dirty="0" err="1" smtClean="0"/>
+              <a:t>it</a:t>
+            </a:r>
+            <a:r>
+              <a:rPr lang="fr-FR" dirty="0" smtClean="0"/>
+              <a:t> </a:t>
+            </a:r>
+            <a:r>
+              <a:rPr lang="fr-FR" dirty="0" err="1" smtClean="0"/>
+              <a:t>into</a:t>
+            </a:r>
+            <a:r>
+              <a:rPr lang="fr-FR" dirty="0" smtClean="0"/>
+              <a:t> a standard message </a:t>
+            </a:r>
+            <a:r>
+              <a:rPr lang="fr-FR" dirty="0" err="1" smtClean="0"/>
+              <a:t>displayed</a:t>
+            </a:r>
+            <a:r>
+              <a:rPr lang="fr-FR" dirty="0" smtClean="0"/>
+              <a:t> on the FDIR console</a:t>
+            </a:r>
+          </a:p>
+          <a:p>
+            <a:endParaRPr lang="fr-FR" dirty="0" smtClean="0"/>
+          </a:p>
+          <a:p>
+            <a:r>
+              <a:rPr lang="fr-FR" dirty="0" err="1" smtClean="0"/>
+              <a:t>Considering</a:t>
+            </a:r>
+            <a:r>
+              <a:rPr lang="fr-FR" dirty="0" smtClean="0"/>
+              <a:t> </a:t>
+            </a:r>
+            <a:r>
+              <a:rPr lang="fr-FR" dirty="0" err="1" smtClean="0"/>
+              <a:t>received</a:t>
+            </a:r>
+            <a:r>
+              <a:rPr lang="fr-FR" dirty="0" smtClean="0"/>
+              <a:t> message, the FDIR or the </a:t>
+            </a:r>
+            <a:r>
+              <a:rPr lang="fr-FR" dirty="0" err="1" smtClean="0"/>
+              <a:t>crew</a:t>
+            </a:r>
+            <a:r>
+              <a:rPr lang="fr-FR" dirty="0" smtClean="0"/>
+              <a:t> </a:t>
+            </a:r>
+            <a:r>
+              <a:rPr lang="fr-FR" dirty="0" err="1" smtClean="0"/>
+              <a:t>should</a:t>
+            </a:r>
+            <a:r>
+              <a:rPr lang="fr-FR" dirty="0" smtClean="0"/>
+              <a:t> </a:t>
+            </a:r>
+            <a:r>
+              <a:rPr lang="fr-FR" dirty="0" err="1" smtClean="0"/>
+              <a:t>be</a:t>
+            </a:r>
+            <a:r>
+              <a:rPr lang="fr-FR" dirty="0" smtClean="0"/>
+              <a:t> able to </a:t>
+            </a:r>
+            <a:r>
+              <a:rPr lang="fr-FR" dirty="0" err="1" smtClean="0"/>
+              <a:t>understand</a:t>
+            </a:r>
+            <a:r>
+              <a:rPr lang="fr-FR" dirty="0" smtClean="0"/>
+              <a:t> </a:t>
+            </a:r>
+            <a:r>
+              <a:rPr lang="fr-FR" dirty="0" err="1" smtClean="0"/>
+              <a:t>what</a:t>
+            </a:r>
+            <a:r>
+              <a:rPr lang="fr-FR" dirty="0" smtClean="0"/>
+              <a:t> </a:t>
+            </a:r>
+            <a:r>
+              <a:rPr lang="fr-FR" dirty="0" err="1" smtClean="0"/>
+              <a:t>was</a:t>
+            </a:r>
+            <a:r>
+              <a:rPr lang="fr-FR" dirty="0" smtClean="0"/>
+              <a:t> the </a:t>
+            </a:r>
+            <a:r>
+              <a:rPr lang="fr-FR" dirty="0" err="1" smtClean="0"/>
+              <a:t>current</a:t>
+            </a:r>
+            <a:r>
+              <a:rPr lang="fr-FR" dirty="0" smtClean="0"/>
+              <a:t> state of the </a:t>
+            </a:r>
+            <a:r>
+              <a:rPr lang="fr-FR" dirty="0" err="1" smtClean="0"/>
+              <a:t>systems</a:t>
+            </a:r>
+            <a:endParaRPr lang="fr-FR" dirty="0"/>
+          </a:p>
+        </p:txBody>
+      </p:sp>
+      <p:sp>
+        <p:nvSpPr>
+          <p:cNvPr id="4" name="ZoneTexte 3"/>
+          <p:cNvSpPr txBox="1"/>
+          <p:nvPr/>
+        </p:nvSpPr>
+        <p:spPr>
+          <a:xfrm>
+            <a:off x="-32" y="0"/>
+            <a:ext cx="1928812" cy="276225"/>
+          </a:xfrm>
+          <a:prstGeom prst="rect">
+            <a:avLst/>
+          </a:prstGeom>
+          <a:noFill/>
+        </p:spPr>
+        <p:txBody>
+          <a:bodyPr>
+            <a:spAutoFit/>
+          </a:bodyPr>
+          <a:lstStyle/>
+          <a:p>
+            <a:pPr algn="ctr" fontAlgn="auto">
+              <a:spcBef>
+                <a:spcPct val="20000"/>
+              </a:spcBef>
+              <a:spcAft>
+                <a:spcPts val="0"/>
+              </a:spcAft>
+              <a:defRPr/>
+            </a:pPr>
+            <a:r>
+              <a:rPr lang="fr-FR" sz="1200" kern="0" dirty="0" smtClean="0">
+                <a:solidFill>
+                  <a:schemeClr val="bg1">
+                    <a:lumMod val="50000"/>
+                  </a:schemeClr>
+                </a:solidFill>
+                <a:latin typeface="+mn-lt"/>
+                <a:cs typeface="+mn-cs"/>
+              </a:rPr>
+              <a:t>Domain identification</a:t>
+            </a:r>
+            <a:endParaRPr lang="fr-FR" sz="1200" kern="0" dirty="0">
+              <a:solidFill>
+                <a:schemeClr val="bg1">
+                  <a:lumMod val="50000"/>
+                </a:schemeClr>
+              </a:solidFill>
+              <a:latin typeface="+mn-lt"/>
+              <a:cs typeface="+mn-cs"/>
+            </a:endParaRPr>
+          </a:p>
+        </p:txBody>
+      </p:sp>
+      <p:sp>
+        <p:nvSpPr>
+          <p:cNvPr id="5" name="ZoneTexte 4"/>
+          <p:cNvSpPr txBox="1"/>
+          <p:nvPr/>
+        </p:nvSpPr>
+        <p:spPr>
+          <a:xfrm>
+            <a:off x="2143122" y="0"/>
+            <a:ext cx="1928812" cy="276225"/>
+          </a:xfrm>
+          <a:prstGeom prst="rect">
+            <a:avLst/>
+          </a:prstGeom>
+          <a:noFill/>
+        </p:spPr>
+        <p:txBody>
+          <a:bodyPr>
+            <a:spAutoFit/>
+          </a:bodyPr>
+          <a:lstStyle/>
+          <a:p>
+            <a:pPr algn="ctr" fontAlgn="auto">
+              <a:spcBef>
+                <a:spcPct val="20000"/>
+              </a:spcBef>
+              <a:spcAft>
+                <a:spcPts val="0"/>
+              </a:spcAft>
+              <a:defRPr/>
+            </a:pPr>
+            <a:r>
+              <a:rPr lang="fr-FR" sz="1200" kern="0" dirty="0" err="1" smtClean="0">
+                <a:solidFill>
+                  <a:schemeClr val="bg1">
+                    <a:lumMod val="50000"/>
+                  </a:schemeClr>
+                </a:solidFill>
+                <a:latin typeface="+mn-lt"/>
+                <a:cs typeface="+mn-cs"/>
+              </a:rPr>
+              <a:t>Requirements</a:t>
+            </a:r>
+            <a:endParaRPr lang="fr-FR" sz="1200" kern="0" dirty="0">
+              <a:solidFill>
+                <a:schemeClr val="bg1">
+                  <a:lumMod val="50000"/>
+                </a:schemeClr>
+              </a:solidFill>
+              <a:latin typeface="+mn-lt"/>
+              <a:cs typeface="+mn-cs"/>
+            </a:endParaRPr>
+          </a:p>
+        </p:txBody>
+      </p:sp>
+      <p:sp>
+        <p:nvSpPr>
+          <p:cNvPr id="6" name="ZoneTexte 5"/>
+          <p:cNvSpPr txBox="1"/>
+          <p:nvPr/>
+        </p:nvSpPr>
+        <p:spPr>
+          <a:xfrm>
+            <a:off x="4214818" y="0"/>
+            <a:ext cx="2571760" cy="276999"/>
+          </a:xfrm>
+          <a:prstGeom prst="rect">
+            <a:avLst/>
+          </a:prstGeom>
+          <a:noFill/>
+        </p:spPr>
+        <p:txBody>
+          <a:bodyPr wrap="square">
+            <a:spAutoFit/>
+          </a:bodyPr>
+          <a:lstStyle/>
+          <a:p>
+            <a:pPr algn="ctr" fontAlgn="auto">
+              <a:spcBef>
+                <a:spcPct val="20000"/>
+              </a:spcBef>
+              <a:spcAft>
+                <a:spcPts val="0"/>
+              </a:spcAft>
+              <a:defRPr/>
+            </a:pPr>
+            <a:r>
+              <a:rPr lang="fr-FR" sz="1200" kern="0" dirty="0" err="1" smtClean="0">
+                <a:solidFill>
+                  <a:schemeClr val="bg1">
+                    <a:lumMod val="50000"/>
+                  </a:schemeClr>
+                </a:solidFill>
+                <a:latin typeface="+mn-lt"/>
+                <a:cs typeface="+mn-cs"/>
+              </a:rPr>
+              <a:t>Context</a:t>
+            </a:r>
+            <a:r>
+              <a:rPr lang="fr-FR" sz="1200" kern="0" dirty="0" smtClean="0">
+                <a:solidFill>
+                  <a:schemeClr val="bg1">
+                    <a:lumMod val="50000"/>
+                  </a:schemeClr>
+                </a:solidFill>
+                <a:latin typeface="+mn-lt"/>
+                <a:cs typeface="+mn-cs"/>
+              </a:rPr>
+              <a:t> </a:t>
+            </a:r>
+            <a:r>
+              <a:rPr lang="fr-FR" sz="1200" kern="0" dirty="0" err="1" smtClean="0">
+                <a:solidFill>
+                  <a:schemeClr val="bg1">
+                    <a:lumMod val="50000"/>
+                  </a:schemeClr>
+                </a:solidFill>
+                <a:latin typeface="+mn-lt"/>
+                <a:cs typeface="+mn-cs"/>
+              </a:rPr>
+              <a:t>diagram</a:t>
+            </a:r>
+            <a:endParaRPr lang="fr-FR" sz="1200" kern="0" dirty="0">
+              <a:solidFill>
+                <a:schemeClr val="bg1">
+                  <a:lumMod val="50000"/>
+                </a:schemeClr>
+              </a:solidFill>
+              <a:latin typeface="+mn-lt"/>
+              <a:cs typeface="+mn-cs"/>
+            </a:endParaRPr>
+          </a:p>
+        </p:txBody>
+      </p:sp>
+      <p:sp>
+        <p:nvSpPr>
+          <p:cNvPr id="7" name="ZoneTexte 6"/>
+          <p:cNvSpPr txBox="1"/>
+          <p:nvPr/>
+        </p:nvSpPr>
+        <p:spPr>
+          <a:xfrm>
+            <a:off x="6572277" y="0"/>
+            <a:ext cx="1928813" cy="276225"/>
+          </a:xfrm>
+          <a:prstGeom prst="rect">
+            <a:avLst/>
+          </a:prstGeom>
+          <a:noFill/>
+        </p:spPr>
+        <p:txBody>
+          <a:bodyPr>
+            <a:spAutoFit/>
+          </a:bodyPr>
+          <a:lstStyle/>
+          <a:p>
+            <a:pPr algn="ctr" fontAlgn="auto">
+              <a:spcBef>
+                <a:spcPct val="20000"/>
+              </a:spcBef>
+              <a:spcAft>
+                <a:spcPts val="0"/>
+              </a:spcAft>
+              <a:defRPr/>
+            </a:pPr>
+            <a:r>
+              <a:rPr lang="fr-FR" sz="1200" b="1" u="sng" kern="0" dirty="0" err="1" smtClean="0">
+                <a:latin typeface="+mn-lt"/>
+                <a:cs typeface="+mn-cs"/>
+              </a:rPr>
+              <a:t>Problem</a:t>
+            </a:r>
+            <a:r>
+              <a:rPr lang="fr-FR" sz="1200" b="1" u="sng" kern="0" dirty="0" smtClean="0">
+                <a:latin typeface="+mn-lt"/>
+                <a:cs typeface="+mn-cs"/>
+              </a:rPr>
+              <a:t> frames</a:t>
+            </a:r>
+            <a:endParaRPr lang="fr-FR" sz="1200" b="1" u="sng" kern="0" dirty="0">
+              <a:latin typeface="+mn-lt"/>
+              <a:cs typeface="+mn-cs"/>
+            </a:endParaRPr>
+          </a:p>
+        </p:txBody>
+      </p:sp>
+    </p:spTree>
+    <p:extLst>
+      <p:ext uri="{BB962C8B-B14F-4D97-AF65-F5344CB8AC3E}">
+        <p14:creationId xmlns:p14="http://schemas.microsoft.com/office/powerpoint/2007/7/12/main" val="3819616267"/>
+      </p:ext>
+    </p:extLst>
+  </p:cSld>
+  <p:clrMapOvr>
+    <a:masterClrMapping/>
+  </p:clrMapOvr>
+  <p:timing>
+    <p:tnLst>
+      <p:par>
+        <p:cTn xmlns:p14="http://schemas.microsoft.com/office/powerpoint/2007/7/12/main" id="1" dur="indefinite" restart="never" nodeType="tmRoot"/>
+      </p:par>
+    </p:tnLst>
+  </p:timing>
+</p:sld>
+</file>
+
+<file path=ppt/slides/slide11.xml><?xml version="1.0" encoding="utf-8"?>
+<p:sld xmlns:a="http://schemas.openxmlformats.org/drawingml/2006/main" xmlns:r="http://schemas.openxmlformats.org/officeDocument/2006/relationships" xmlns:p="http://schemas.openxmlformats.org/presentationml/2006/main">
+  <p:cSld>
+    <p:spTree>
+      <p:nvGrpSpPr>
+        <p:cNvPr id="1" name=""/>
+        <p:cNvGrpSpPr/>
+        <p:nvPr/>
+      </p:nvGrpSpPr>
+      <p:grpSpPr>
+        <a:xfrm>
+          <a:off x="0" y="0"/>
+          <a:ext cx="0" cy="0"/>
+          <a:chOff x="0" y="0"/>
+          <a:chExt cx="0" cy="0"/>
+        </a:xfrm>
+      </p:grpSpPr>
+      <p:sp>
+        <p:nvSpPr>
+          <p:cNvPr id="2" name="Title 1"/>
+          <p:cNvSpPr>
+            <a:spLocks noGrp="1"/>
+          </p:cNvSpPr>
+          <p:nvPr>
+            <p:ph type="ctrTitle"/>
+          </p:nvPr>
+        </p:nvSpPr>
+        <p:spPr/>
+        <p:txBody>
+          <a:bodyPr/>
+          <a:lstStyle/>
+          <a:p>
+            <a:r>
+              <a:rPr lang="fr-FR" sz="2800" dirty="0" err="1" smtClean="0"/>
               <a:t>Displaying</a:t>
             </a:r>
             <a:r>
-              <a:rPr lang="fr-FR" dirty="0" smtClean="0"/>
+              <a:rPr lang="fr-FR" sz="2800" dirty="0" smtClean="0"/>
               <a:t> information </a:t>
             </a:r>
             <a:r>
-              <a:rPr lang="fr-FR" dirty="0" err="1" smtClean="0"/>
+              <a:rPr lang="fr-FR" sz="2800" dirty="0" err="1" smtClean="0"/>
               <a:t>continuously</a:t>
             </a:r>
-            <a:endParaRPr lang="fr-FR" dirty="0"/>
+            <a:r>
+              <a:rPr lang="fr-FR" sz="2800" dirty="0" smtClean="0"/>
+              <a:t> (</a:t>
+            </a:r>
+            <a:r>
+              <a:rPr lang="fr-FR" sz="2800" dirty="0" err="1"/>
+              <a:t>cont</a:t>
+            </a:r>
+            <a:r>
+              <a:rPr lang="fr-FR" sz="2800" dirty="0"/>
+              <a:t>.)</a:t>
+            </a:r>
+            <a:endParaRPr lang="fr-FR" sz="2800" dirty="0"/>
           </a:p>
         </p:txBody>
       </p:sp>
@@ -4039,7 +4588,7 @@
                 <a:spcPct val="0"/>
               </a:spcAft>
               <a:buClr>
-                <a:srgbClr val="DA7E18"/>
+                <a:srgbClr xmlns:mc="http://schemas.openxmlformats.org/markup-compatibility/2006" xmlns:a14="http://schemas.microsoft.com/office/drawing/2007/7/7/main" val="DA7E18" mc:Ignorable=""/>
               </a:buClr>
               <a:buSzPct val="70000"/>
               <a:buFont typeface="Wingdings" pitchFamily="2" charset="2"/>
@@ -4061,7 +4610,7 @@
                 <a:spcPct val="0"/>
               </a:spcAft>
               <a:buClr>
-                <a:srgbClr val="E5AB1B"/>
+                <a:srgbClr xmlns:mc="http://schemas.openxmlformats.org/markup-compatibility/2006" xmlns:a14="http://schemas.microsoft.com/office/drawing/2007/7/7/main" val="E5AB1B" mc:Ignorable=""/>
               </a:buClr>
               <a:buSzPct val="70000"/>
               <a:buFont typeface="Wingdings" pitchFamily="2" charset="2"/>
@@ -4528,7 +5077,7 @@
                 <a:spcPct val="0"/>
               </a:spcAft>
               <a:buClr>
-                <a:srgbClr val="DA7E18"/>
+                <a:srgbClr xmlns:mc="http://schemas.openxmlformats.org/markup-compatibility/2006" xmlns:a14="http://schemas.microsoft.com/office/drawing/2007/7/7/main" val="DA7E18" mc:Ignorable=""/>
               </a:buClr>
               <a:buSzPct val="70000"/>
               <a:buFont typeface="Wingdings" pitchFamily="2" charset="2"/>
@@ -4550,7 +5099,7 @@
                 <a:spcPct val="0"/>
               </a:spcAft>
               <a:buClr>
-                <a:srgbClr val="E5AB1B"/>
+                <a:srgbClr xmlns:mc="http://schemas.openxmlformats.org/markup-compatibility/2006" xmlns:a14="http://schemas.microsoft.com/office/drawing/2007/7/7/main" val="E5AB1B" mc:Ignorable=""/>
               </a:buClr>
               <a:buSzPct val="70000"/>
               <a:buFont typeface="Wingdings" pitchFamily="2" charset="2"/>
@@ -4730,7 +5279,7 @@
                 <a:spcPct val="0"/>
               </a:spcAft>
               <a:buClr>
-                <a:srgbClr val="DA7E18"/>
+                <a:srgbClr xmlns:mc="http://schemas.openxmlformats.org/markup-compatibility/2006" xmlns:a14="http://schemas.microsoft.com/office/drawing/2007/7/7/main" val="DA7E18" mc:Ignorable=""/>
               </a:buClr>
               <a:buSzPct val="70000"/>
               <a:buFont typeface="Wingdings" pitchFamily="2" charset="2"/>
@@ -4752,7 +5301,7 @@
                 <a:spcPct val="0"/>
               </a:spcAft>
               <a:buClr>
-                <a:srgbClr val="E5AB1B"/>
+                <a:srgbClr xmlns:mc="http://schemas.openxmlformats.org/markup-compatibility/2006" xmlns:a14="http://schemas.microsoft.com/office/drawing/2007/7/7/main" val="E5AB1B" mc:Ignorable=""/>
               </a:buClr>
               <a:buSzPct val="70000"/>
               <a:buFont typeface="Wingdings" pitchFamily="2" charset="2"/>
@@ -5109,7 +5658,7 @@
                 </a:solidFill>
                 <a:effectLst>
                   <a:outerShdw blurRad="38100" dist="38100" dir="2700000" algn="tl">
-                    <a:srgbClr val="000000">
+                    <a:srgbClr xmlns:mc="http://schemas.openxmlformats.org/markup-compatibility/2006" xmlns:a14="http://schemas.microsoft.com/office/drawing/2007/7/7/main" val="000000" mc:Ignorable="">
                       <a:alpha val="43137"/>
                     </a:srgbClr>
                   </a:outerShdw>
@@ -5397,7 +5946,7 @@
     </p:spTree>
     <p:extLst>
       <p:ext uri="{BB962C8B-B14F-4D97-AF65-F5344CB8AC3E}">
-        <p14:creationId xmlns:p14="http://schemas.microsoft.com/office/powerpoint/2007/7/12/main" xmlns="" val="2066140013"/>
+        <p14:creationId xmlns:p14="http://schemas.microsoft.com/office/powerpoint/2007/7/12/main" val="2066140013"/>
       </p:ext>
     </p:extLst>
   </p:cSld>
@@ -5407,531 +5956,7 @@
   <p:timing>
     <p:tnLst>
       <p:par>
-        <p:cTn id="1" dur="indefinite" restart="never" nodeType="tmRoot"/>
-      </p:par>
-    </p:tnLst>
-  </p:timing>
-</p:sld>
-</file>
-
-<file path=ppt/slides/slide11.xml><?xml version="1.0" encoding="utf-8"?>
-<p:sld xmlns:a="http://schemas.openxmlformats.org/drawingml/2006/main" xmlns:r="http://schemas.openxmlformats.org/officeDocument/2006/relationships" xmlns:p="http://schemas.openxmlformats.org/presentationml/2006/main">
-  <p:cSld>
-    <p:spTree>
-      <p:nvGrpSpPr>
-        <p:cNvPr id="1" name=""/>
-        <p:cNvGrpSpPr/>
-        <p:nvPr/>
-      </p:nvGrpSpPr>
-      <p:grpSpPr>
-        <a:xfrm>
-          <a:off x="0" y="0"/>
-          <a:ext cx="0" cy="0"/>
-          <a:chOff x="0" y="0"/>
-          <a:chExt cx="0" cy="0"/>
-        </a:xfrm>
-      </p:grpSpPr>
-      <p:sp>
-        <p:nvSpPr>
-          <p:cNvPr id="2" name="Title 1"/>
-          <p:cNvSpPr>
-            <a:spLocks noGrp="1"/>
-          </p:cNvSpPr>
-          <p:nvPr>
-            <p:ph type="ctrTitle"/>
-          </p:nvPr>
-        </p:nvSpPr>
-        <p:spPr/>
-        <p:txBody>
-          <a:bodyPr/>
-          <a:lstStyle/>
-          <a:p>
-            <a:r>
-              <a:rPr lang="fr-FR" sz="2800" smtClean="0"/>
-              <a:t>Displaying information continuously (</a:t>
-            </a:r>
-            <a:r>
-              <a:rPr lang="fr-FR" sz="2800" dirty="0" err="1" smtClean="0"/>
-              <a:t>cont</a:t>
-            </a:r>
-            <a:r>
-              <a:rPr lang="fr-FR" sz="2800" dirty="0" smtClean="0"/>
-              <a:t>.)</a:t>
-            </a:r>
-            <a:endParaRPr lang="fr-FR" sz="2800" dirty="0"/>
-          </a:p>
-        </p:txBody>
-      </p:sp>
-      <p:sp>
-        <p:nvSpPr>
-          <p:cNvPr id="3" name="Text Placeholder 2"/>
-          <p:cNvSpPr>
-            <a:spLocks noGrp="1"/>
-          </p:cNvSpPr>
-          <p:nvPr>
-            <p:ph type="body" sz="quarter" idx="10"/>
-          </p:nvPr>
-        </p:nvSpPr>
-        <p:spPr/>
-        <p:txBody>
-          <a:bodyPr/>
-          <a:lstStyle/>
-          <a:p>
-            <a:r>
-              <a:rPr lang="fr-FR" dirty="0" smtClean="0"/>
-              <a:t>FDIR </a:t>
-            </a:r>
-            <a:r>
-              <a:rPr lang="fr-FR" dirty="0" err="1" smtClean="0"/>
-              <a:t>should</a:t>
-            </a:r>
-            <a:r>
-              <a:rPr lang="fr-FR" dirty="0" smtClean="0"/>
-              <a:t> display </a:t>
-            </a:r>
-            <a:r>
-              <a:rPr lang="fr-FR" dirty="0" err="1" smtClean="0"/>
-              <a:t>continuous</a:t>
-            </a:r>
-            <a:r>
-              <a:rPr lang="fr-FR" dirty="0" smtClean="0"/>
-              <a:t> information about state of the </a:t>
-            </a:r>
-            <a:r>
-              <a:rPr lang="fr-FR" dirty="0" err="1" smtClean="0"/>
-              <a:t>systems</a:t>
-            </a:r>
-            <a:endParaRPr lang="fr-FR" dirty="0" smtClean="0"/>
-          </a:p>
-          <a:p>
-            <a:endParaRPr lang="fr-FR" dirty="0" smtClean="0"/>
-          </a:p>
-          <a:p>
-            <a:r>
-              <a:rPr lang="fr-FR" dirty="0" smtClean="0"/>
-              <a:t>FDIR has to </a:t>
-            </a:r>
-            <a:r>
-              <a:rPr lang="fr-FR" dirty="0" err="1" smtClean="0"/>
-              <a:t>interprate</a:t>
-            </a:r>
-            <a:r>
-              <a:rPr lang="fr-FR" dirty="0" smtClean="0"/>
-              <a:t> </a:t>
-            </a:r>
-            <a:r>
-              <a:rPr lang="fr-FR" dirty="0" err="1" smtClean="0"/>
-              <a:t>monitored</a:t>
-            </a:r>
-            <a:r>
-              <a:rPr lang="fr-FR" dirty="0" smtClean="0"/>
-              <a:t> values </a:t>
-            </a:r>
-            <a:r>
-              <a:rPr lang="fr-FR" dirty="0" err="1" smtClean="0"/>
-              <a:t>from</a:t>
-            </a:r>
-            <a:r>
-              <a:rPr lang="fr-FR" dirty="0" smtClean="0"/>
-              <a:t> </a:t>
-            </a:r>
-            <a:r>
-              <a:rPr lang="fr-FR" dirty="0" err="1" smtClean="0"/>
-              <a:t>each</a:t>
-            </a:r>
-            <a:r>
-              <a:rPr lang="fr-FR" dirty="0" smtClean="0"/>
-              <a:t> </a:t>
-            </a:r>
-            <a:r>
-              <a:rPr lang="fr-FR" dirty="0" err="1" smtClean="0"/>
-              <a:t>space</a:t>
-            </a:r>
-            <a:r>
-              <a:rPr lang="fr-FR" dirty="0" smtClean="0"/>
-              <a:t> </a:t>
-            </a:r>
-            <a:r>
-              <a:rPr lang="fr-FR" dirty="0" err="1" smtClean="0"/>
-              <a:t>craft</a:t>
-            </a:r>
-            <a:r>
-              <a:rPr lang="fr-FR" dirty="0" smtClean="0"/>
-              <a:t> system</a:t>
-            </a:r>
-          </a:p>
-          <a:p>
-            <a:endParaRPr lang="fr-FR" dirty="0" smtClean="0"/>
-          </a:p>
-          <a:p>
-            <a:r>
-              <a:rPr lang="fr-FR" dirty="0" smtClean="0"/>
-              <a:t>Return </a:t>
-            </a:r>
-            <a:r>
-              <a:rPr lang="fr-FR" dirty="0" err="1" smtClean="0"/>
-              <a:t>it</a:t>
-            </a:r>
-            <a:r>
-              <a:rPr lang="fr-FR" dirty="0" smtClean="0"/>
-              <a:t> </a:t>
-            </a:r>
-            <a:r>
-              <a:rPr lang="fr-FR" dirty="0" err="1" smtClean="0"/>
-              <a:t>into</a:t>
-            </a:r>
-            <a:r>
-              <a:rPr lang="fr-FR" dirty="0" smtClean="0"/>
-              <a:t> a standard message </a:t>
-            </a:r>
-            <a:r>
-              <a:rPr lang="fr-FR" dirty="0" err="1" smtClean="0"/>
-              <a:t>displayed</a:t>
-            </a:r>
-            <a:r>
-              <a:rPr lang="fr-FR" dirty="0" smtClean="0"/>
-              <a:t> on the FDIR console</a:t>
-            </a:r>
-          </a:p>
-          <a:p>
-            <a:endParaRPr lang="fr-FR" dirty="0" smtClean="0"/>
-          </a:p>
-          <a:p>
-            <a:r>
-              <a:rPr lang="fr-FR" dirty="0" err="1" smtClean="0"/>
-              <a:t>Considering</a:t>
-            </a:r>
-            <a:r>
-              <a:rPr lang="fr-FR" dirty="0" smtClean="0"/>
-              <a:t> </a:t>
-            </a:r>
-            <a:r>
-              <a:rPr lang="fr-FR" dirty="0" err="1" smtClean="0"/>
-              <a:t>received</a:t>
-            </a:r>
-            <a:r>
-              <a:rPr lang="fr-FR" dirty="0" smtClean="0"/>
-              <a:t> message, the FDIR or the </a:t>
-            </a:r>
-            <a:r>
-              <a:rPr lang="fr-FR" dirty="0" err="1" smtClean="0"/>
-              <a:t>crew</a:t>
-            </a:r>
-            <a:r>
-              <a:rPr lang="fr-FR" dirty="0" smtClean="0"/>
-              <a:t> </a:t>
-            </a:r>
-            <a:r>
-              <a:rPr lang="fr-FR" dirty="0" err="1" smtClean="0"/>
-              <a:t>should</a:t>
-            </a:r>
-            <a:r>
-              <a:rPr lang="fr-FR" dirty="0" smtClean="0"/>
-              <a:t> </a:t>
-            </a:r>
-            <a:r>
-              <a:rPr lang="fr-FR" dirty="0" err="1" smtClean="0"/>
-              <a:t>be</a:t>
-            </a:r>
-            <a:r>
-              <a:rPr lang="fr-FR" dirty="0" smtClean="0"/>
-              <a:t> able to </a:t>
-            </a:r>
-            <a:r>
-              <a:rPr lang="fr-FR" dirty="0" err="1" smtClean="0"/>
-              <a:t>understand</a:t>
-            </a:r>
-            <a:r>
-              <a:rPr lang="fr-FR" dirty="0" smtClean="0"/>
-              <a:t> </a:t>
-            </a:r>
-            <a:r>
-              <a:rPr lang="fr-FR" dirty="0" err="1" smtClean="0"/>
-              <a:t>what</a:t>
-            </a:r>
-            <a:r>
-              <a:rPr lang="fr-FR" dirty="0" smtClean="0"/>
-              <a:t> </a:t>
-            </a:r>
-            <a:r>
-              <a:rPr lang="fr-FR" dirty="0" err="1" smtClean="0"/>
-              <a:t>was</a:t>
-            </a:r>
-            <a:r>
-              <a:rPr lang="fr-FR" dirty="0" smtClean="0"/>
-              <a:t> the </a:t>
-            </a:r>
-            <a:r>
-              <a:rPr lang="fr-FR" dirty="0" err="1" smtClean="0"/>
-              <a:t>current</a:t>
-            </a:r>
-            <a:r>
-              <a:rPr lang="fr-FR" dirty="0" smtClean="0"/>
-              <a:t> state of the </a:t>
-            </a:r>
-            <a:r>
-              <a:rPr lang="fr-FR" dirty="0" err="1" smtClean="0"/>
-              <a:t>systems</a:t>
-            </a:r>
-            <a:endParaRPr lang="fr-FR" dirty="0"/>
-          </a:p>
-        </p:txBody>
-      </p:sp>
-      <p:sp>
-        <p:nvSpPr>
-          <p:cNvPr id="4" name="ZoneTexte 3"/>
-          <p:cNvSpPr txBox="1"/>
-          <p:nvPr/>
-        </p:nvSpPr>
-        <p:spPr>
-          <a:xfrm>
-            <a:off x="-32" y="0"/>
-            <a:ext cx="1928812" cy="276225"/>
-          </a:xfrm>
-          <a:prstGeom prst="rect">
-            <a:avLst/>
-          </a:prstGeom>
-          <a:noFill/>
-        </p:spPr>
-        <p:txBody>
-          <a:bodyPr>
-            <a:spAutoFit/>
-          </a:bodyPr>
-          <a:lstStyle/>
-          <a:p>
-            <a:pPr algn="ctr" fontAlgn="auto">
-              <a:spcBef>
-                <a:spcPct val="20000"/>
-              </a:spcBef>
-              <a:spcAft>
-                <a:spcPts val="0"/>
-              </a:spcAft>
-              <a:defRPr/>
-            </a:pPr>
-            <a:r>
-              <a:rPr lang="fr-FR" sz="1200" kern="0" dirty="0" smtClean="0">
-                <a:solidFill>
-                  <a:schemeClr val="bg1">
-                    <a:lumMod val="50000"/>
-                  </a:schemeClr>
-                </a:solidFill>
-                <a:latin typeface="+mn-lt"/>
-                <a:cs typeface="+mn-cs"/>
-              </a:rPr>
-              <a:t>Domain identification</a:t>
-            </a:r>
-            <a:endParaRPr lang="fr-FR" sz="1200" kern="0" dirty="0">
-              <a:solidFill>
-                <a:schemeClr val="bg1">
-                  <a:lumMod val="50000"/>
-                </a:schemeClr>
-              </a:solidFill>
-              <a:latin typeface="+mn-lt"/>
-              <a:cs typeface="+mn-cs"/>
-            </a:endParaRPr>
-          </a:p>
-        </p:txBody>
-      </p:sp>
-      <p:sp>
-        <p:nvSpPr>
-          <p:cNvPr id="5" name="ZoneTexte 4"/>
-          <p:cNvSpPr txBox="1"/>
-          <p:nvPr/>
-        </p:nvSpPr>
-        <p:spPr>
-          <a:xfrm>
-            <a:off x="2143122" y="0"/>
-            <a:ext cx="1928812" cy="276225"/>
-          </a:xfrm>
-          <a:prstGeom prst="rect">
-            <a:avLst/>
-          </a:prstGeom>
-          <a:noFill/>
-        </p:spPr>
-        <p:txBody>
-          <a:bodyPr>
-            <a:spAutoFit/>
-          </a:bodyPr>
-          <a:lstStyle/>
-          <a:p>
-            <a:pPr algn="ctr" fontAlgn="auto">
-              <a:spcBef>
-                <a:spcPct val="20000"/>
-              </a:spcBef>
-              <a:spcAft>
-                <a:spcPts val="0"/>
-              </a:spcAft>
-              <a:defRPr/>
-            </a:pPr>
-            <a:r>
-              <a:rPr lang="fr-FR" sz="1200" kern="0" dirty="0" err="1" smtClean="0">
-                <a:solidFill>
-                  <a:schemeClr val="bg1">
-                    <a:lumMod val="50000"/>
-                  </a:schemeClr>
-                </a:solidFill>
-                <a:latin typeface="+mn-lt"/>
-                <a:cs typeface="+mn-cs"/>
-              </a:rPr>
-              <a:t>Requirements</a:t>
-            </a:r>
-            <a:endParaRPr lang="fr-FR" sz="1200" kern="0" dirty="0">
-              <a:solidFill>
-                <a:schemeClr val="bg1">
-                  <a:lumMod val="50000"/>
-                </a:schemeClr>
-              </a:solidFill>
-              <a:latin typeface="+mn-lt"/>
-              <a:cs typeface="+mn-cs"/>
-            </a:endParaRPr>
-          </a:p>
-        </p:txBody>
-      </p:sp>
-      <p:sp>
-        <p:nvSpPr>
-          <p:cNvPr id="6" name="ZoneTexte 5"/>
-          <p:cNvSpPr txBox="1"/>
-          <p:nvPr/>
-        </p:nvSpPr>
-        <p:spPr>
-          <a:xfrm>
-            <a:off x="4214818" y="0"/>
-            <a:ext cx="2571760" cy="276999"/>
-          </a:xfrm>
-          <a:prstGeom prst="rect">
-            <a:avLst/>
-          </a:prstGeom>
-          <a:noFill/>
-        </p:spPr>
-        <p:txBody>
-          <a:bodyPr wrap="square">
-            <a:spAutoFit/>
-          </a:bodyPr>
-          <a:lstStyle/>
-          <a:p>
-            <a:pPr algn="ctr" fontAlgn="auto">
-              <a:spcBef>
-                <a:spcPct val="20000"/>
-              </a:spcBef>
-              <a:spcAft>
-                <a:spcPts val="0"/>
-              </a:spcAft>
-              <a:defRPr/>
-            </a:pPr>
-            <a:r>
-              <a:rPr lang="fr-FR" sz="1200" kern="0" dirty="0" err="1" smtClean="0">
-                <a:solidFill>
-                  <a:schemeClr val="bg1">
-                    <a:lumMod val="50000"/>
-                  </a:schemeClr>
-                </a:solidFill>
-                <a:latin typeface="+mn-lt"/>
-                <a:cs typeface="+mn-cs"/>
-              </a:rPr>
-              <a:t>Context</a:t>
-            </a:r>
-            <a:r>
-              <a:rPr lang="fr-FR" sz="1200" kern="0" dirty="0" smtClean="0">
-                <a:solidFill>
-                  <a:schemeClr val="bg1">
-                    <a:lumMod val="50000"/>
-                  </a:schemeClr>
-                </a:solidFill>
-                <a:latin typeface="+mn-lt"/>
-                <a:cs typeface="+mn-cs"/>
-              </a:rPr>
-              <a:t> </a:t>
-            </a:r>
-            <a:r>
-              <a:rPr lang="fr-FR" sz="1200" kern="0" dirty="0" err="1" smtClean="0">
-                <a:solidFill>
-                  <a:schemeClr val="bg1">
-                    <a:lumMod val="50000"/>
-                  </a:schemeClr>
-                </a:solidFill>
-                <a:latin typeface="+mn-lt"/>
-                <a:cs typeface="+mn-cs"/>
-              </a:rPr>
-              <a:t>diagram</a:t>
-            </a:r>
-            <a:endParaRPr lang="fr-FR" sz="1200" kern="0" dirty="0">
-              <a:solidFill>
-                <a:schemeClr val="bg1">
-                  <a:lumMod val="50000"/>
-                </a:schemeClr>
-              </a:solidFill>
-              <a:latin typeface="+mn-lt"/>
-              <a:cs typeface="+mn-cs"/>
-            </a:endParaRPr>
-          </a:p>
-        </p:txBody>
-      </p:sp>
-      <p:sp>
-        <p:nvSpPr>
-          <p:cNvPr id="7" name="ZoneTexte 6"/>
-          <p:cNvSpPr txBox="1"/>
-          <p:nvPr/>
-        </p:nvSpPr>
-        <p:spPr>
-          <a:xfrm>
-            <a:off x="6572277" y="0"/>
-            <a:ext cx="1928813" cy="276225"/>
-          </a:xfrm>
-          <a:prstGeom prst="rect">
-            <a:avLst/>
-          </a:prstGeom>
-          <a:noFill/>
-        </p:spPr>
-        <p:txBody>
-          <a:bodyPr>
-            <a:spAutoFit/>
-          </a:bodyPr>
-          <a:lstStyle/>
-          <a:p>
-            <a:pPr algn="ctr" fontAlgn="auto">
-              <a:spcBef>
-                <a:spcPct val="20000"/>
-              </a:spcBef>
-              <a:spcAft>
-                <a:spcPts val="0"/>
-              </a:spcAft>
-              <a:defRPr/>
-            </a:pPr>
-            <a:r>
-              <a:rPr lang="fr-FR" sz="1200" b="1" u="sng" kern="0" dirty="0" err="1" smtClean="0">
-                <a:latin typeface="+mn-lt"/>
-                <a:cs typeface="+mn-cs"/>
-              </a:rPr>
-              <a:t>Problem</a:t>
-            </a:r>
-            <a:r>
-              <a:rPr lang="fr-FR" sz="1200" b="1" u="sng" kern="0" dirty="0" smtClean="0">
-                <a:latin typeface="+mn-lt"/>
-                <a:cs typeface="+mn-cs"/>
-              </a:rPr>
-              <a:t> frames</a:t>
-            </a:r>
-            <a:endParaRPr lang="fr-FR" sz="1200" b="1" u="sng" kern="0" dirty="0">
-              <a:latin typeface="+mn-lt"/>
-              <a:cs typeface="+mn-cs"/>
-            </a:endParaRPr>
-          </a:p>
-        </p:txBody>
-      </p:sp>
-    </p:spTree>
-    <p:extLst>
-      <p:ext uri="{BB962C8B-B14F-4D97-AF65-F5344CB8AC3E}">
-        <p14:creationId xmlns:p14="http://schemas.microsoft.com/office/powerpoint/2007/7/12/main" xmlns="" val="3819616267"/>
-      </p:ext>
-    </p:extLst>
-  </p:cSld>
-  <p:clrMapOvr>
-    <a:masterClrMapping/>
-  </p:clrMapOvr>
-  <p:timing>
-    <p:tnLst>
-      <p:par>
-        <p:cTn id="1" dur="indefinite" restart="never" nodeType="tmRoot"/>
+        <p:cTn xmlns:p14="http://schemas.microsoft.com/office/powerpoint/2007/7/12/main" id="1" dur="indefinite" restart="never" nodeType="tmRoot"/>
       </p:par>
     </p:tnLst>
   </p:timing>
@@ -5971,10 +5996,391 @@
           <a:lstStyle/>
           <a:p>
             <a:r>
+              <a:rPr lang="en-US" sz="2800" dirty="0" smtClean="0"/>
+              <a:t>Collect systems data to data </a:t>
+            </a:r>
+            <a:r>
+              <a:rPr lang="en-US" sz="2800" dirty="0" smtClean="0"/>
+              <a:t>storage</a:t>
+            </a:r>
+            <a:endParaRPr lang="fr-FR" sz="2800" dirty="0"/>
+          </a:p>
+        </p:txBody>
+      </p:sp>
+      <p:sp>
+        <p:nvSpPr>
+          <p:cNvPr id="3" name="Text Placeholder 2"/>
+          <p:cNvSpPr>
+            <a:spLocks noGrp="1"/>
+          </p:cNvSpPr>
+          <p:nvPr>
+            <p:ph type="body" sz="quarter" idx="10"/>
+          </p:nvPr>
+        </p:nvSpPr>
+        <p:spPr/>
+        <p:txBody>
+          <a:bodyPr/>
+          <a:lstStyle/>
+          <a:p>
+            <a:r>
               <a:rPr dirty="0" smtClean="0"/>
-              <a:t>Collect systems data to data storage</a:t>
+              <a:t>State values are collected from the systems at regular intervals</a:t>
+            </a:r>
+          </a:p>
+          <a:p>
+            <a:pPr>
+              <a:buNone/>
+            </a:pPr>
+            <a:endParaRPr dirty="0" smtClean="0"/>
+          </a:p>
+          <a:p>
+            <a:r>
+              <a:rPr dirty="0" smtClean="0"/>
+              <a:t>The FDRI receives the data and stores it with a timestamp to the FDRI Storage System for </a:t>
+            </a:r>
+            <a:r>
+              <a:rPr smtClean="0"/>
+              <a:t>further use</a:t>
+            </a:r>
+          </a:p>
+          <a:p>
+            <a:pPr>
+              <a:buNone/>
+            </a:pPr>
+            <a:endParaRPr smtClean="0"/>
+          </a:p>
+          <a:p>
+            <a:r>
+              <a:rPr dirty="0" smtClean="0"/>
+              <a:t>When data storage is centralized it doesn't matter if some systems go down, because data analysis can still be done on the stored data. </a:t>
             </a:r>
             <a:endParaRPr lang="fr-FR" dirty="0"/>
+          </a:p>
+        </p:txBody>
+      </p:sp>
+      <p:sp>
+        <p:nvSpPr>
+          <p:cNvPr id="4" name="ZoneTexte 3"/>
+          <p:cNvSpPr txBox="1"/>
+          <p:nvPr/>
+        </p:nvSpPr>
+        <p:spPr>
+          <a:xfrm>
+            <a:off x="-32" y="0"/>
+            <a:ext cx="1928812" cy="276225"/>
+          </a:xfrm>
+          <a:prstGeom prst="rect">
+            <a:avLst/>
+          </a:prstGeom>
+          <a:noFill/>
+        </p:spPr>
+        <p:txBody>
+          <a:bodyPr>
+            <a:spAutoFit/>
+          </a:bodyPr>
+          <a:lstStyle/>
+          <a:p>
+            <a:pPr algn="ctr" fontAlgn="auto">
+              <a:spcBef>
+                <a:spcPct val="20000"/>
+              </a:spcBef>
+              <a:spcAft>
+                <a:spcPts val="0"/>
+              </a:spcAft>
+              <a:defRPr/>
+            </a:pPr>
+            <a:r>
+              <a:rPr lang="fr-FR" sz="1200" kern="0" dirty="0" smtClean="0">
+                <a:solidFill>
+                  <a:schemeClr val="bg1">
+                    <a:lumMod val="50000"/>
+                  </a:schemeClr>
+                </a:solidFill>
+                <a:latin typeface="+mn-lt"/>
+                <a:cs typeface="+mn-cs"/>
+              </a:rPr>
+              <a:t>Domain identification</a:t>
+            </a:r>
+            <a:endParaRPr lang="fr-FR" sz="1200" kern="0" dirty="0">
+              <a:solidFill>
+                <a:schemeClr val="bg1">
+                  <a:lumMod val="50000"/>
+                </a:schemeClr>
+              </a:solidFill>
+              <a:latin typeface="+mn-lt"/>
+              <a:cs typeface="+mn-cs"/>
+            </a:endParaRPr>
+          </a:p>
+        </p:txBody>
+      </p:sp>
+      <p:sp>
+        <p:nvSpPr>
+          <p:cNvPr id="5" name="ZoneTexte 4"/>
+          <p:cNvSpPr txBox="1"/>
+          <p:nvPr/>
+        </p:nvSpPr>
+        <p:spPr>
+          <a:xfrm>
+            <a:off x="2143122" y="0"/>
+            <a:ext cx="1928812" cy="276225"/>
+          </a:xfrm>
+          <a:prstGeom prst="rect">
+            <a:avLst/>
+          </a:prstGeom>
+          <a:noFill/>
+        </p:spPr>
+        <p:txBody>
+          <a:bodyPr>
+            <a:spAutoFit/>
+          </a:bodyPr>
+          <a:lstStyle/>
+          <a:p>
+            <a:pPr algn="ctr" fontAlgn="auto">
+              <a:spcBef>
+                <a:spcPct val="20000"/>
+              </a:spcBef>
+              <a:spcAft>
+                <a:spcPts val="0"/>
+              </a:spcAft>
+              <a:defRPr/>
+            </a:pPr>
+            <a:r>
+              <a:rPr lang="fr-FR" sz="1200" kern="0" dirty="0" err="1" smtClean="0">
+                <a:solidFill>
+                  <a:schemeClr val="bg1">
+                    <a:lumMod val="50000"/>
+                  </a:schemeClr>
+                </a:solidFill>
+                <a:latin typeface="+mn-lt"/>
+                <a:cs typeface="+mn-cs"/>
+              </a:rPr>
+              <a:t>Requirements</a:t>
+            </a:r>
+            <a:endParaRPr lang="fr-FR" sz="1200" kern="0" dirty="0">
+              <a:solidFill>
+                <a:schemeClr val="bg1">
+                  <a:lumMod val="50000"/>
+                </a:schemeClr>
+              </a:solidFill>
+              <a:latin typeface="+mn-lt"/>
+              <a:cs typeface="+mn-cs"/>
+            </a:endParaRPr>
+          </a:p>
+        </p:txBody>
+      </p:sp>
+      <p:sp>
+        <p:nvSpPr>
+          <p:cNvPr id="6" name="ZoneTexte 5"/>
+          <p:cNvSpPr txBox="1"/>
+          <p:nvPr/>
+        </p:nvSpPr>
+        <p:spPr>
+          <a:xfrm>
+            <a:off x="4214818" y="0"/>
+            <a:ext cx="2571760" cy="276999"/>
+          </a:xfrm>
+          <a:prstGeom prst="rect">
+            <a:avLst/>
+          </a:prstGeom>
+          <a:noFill/>
+        </p:spPr>
+        <p:txBody>
+          <a:bodyPr wrap="square">
+            <a:spAutoFit/>
+          </a:bodyPr>
+          <a:lstStyle/>
+          <a:p>
+            <a:pPr algn="ctr" fontAlgn="auto">
+              <a:spcBef>
+                <a:spcPct val="20000"/>
+              </a:spcBef>
+              <a:spcAft>
+                <a:spcPts val="0"/>
+              </a:spcAft>
+              <a:defRPr/>
+            </a:pPr>
+            <a:r>
+              <a:rPr lang="fr-FR" sz="1200" kern="0" dirty="0" err="1" smtClean="0">
+                <a:solidFill>
+                  <a:schemeClr val="bg1">
+                    <a:lumMod val="50000"/>
+                  </a:schemeClr>
+                </a:solidFill>
+                <a:latin typeface="+mn-lt"/>
+                <a:cs typeface="+mn-cs"/>
+              </a:rPr>
+              <a:t>Context</a:t>
+            </a:r>
+            <a:r>
+              <a:rPr lang="fr-FR" sz="1200" kern="0" dirty="0" smtClean="0">
+                <a:solidFill>
+                  <a:schemeClr val="bg1">
+                    <a:lumMod val="50000"/>
+                  </a:schemeClr>
+                </a:solidFill>
+                <a:latin typeface="+mn-lt"/>
+                <a:cs typeface="+mn-cs"/>
+              </a:rPr>
+              <a:t> </a:t>
+            </a:r>
+            <a:r>
+              <a:rPr lang="fr-FR" sz="1200" kern="0" dirty="0" err="1" smtClean="0">
+                <a:solidFill>
+                  <a:schemeClr val="bg1">
+                    <a:lumMod val="50000"/>
+                  </a:schemeClr>
+                </a:solidFill>
+                <a:latin typeface="+mn-lt"/>
+                <a:cs typeface="+mn-cs"/>
+              </a:rPr>
+              <a:t>diagram</a:t>
+            </a:r>
+            <a:endParaRPr lang="fr-FR" sz="1200" kern="0" dirty="0">
+              <a:solidFill>
+                <a:schemeClr val="bg1">
+                  <a:lumMod val="50000"/>
+                </a:schemeClr>
+              </a:solidFill>
+              <a:latin typeface="+mn-lt"/>
+              <a:cs typeface="+mn-cs"/>
+            </a:endParaRPr>
+          </a:p>
+        </p:txBody>
+      </p:sp>
+      <p:sp>
+        <p:nvSpPr>
+          <p:cNvPr id="7" name="ZoneTexte 6"/>
+          <p:cNvSpPr txBox="1"/>
+          <p:nvPr/>
+        </p:nvSpPr>
+        <p:spPr>
+          <a:xfrm>
+            <a:off x="6572277" y="0"/>
+            <a:ext cx="1928813" cy="276225"/>
+          </a:xfrm>
+          <a:prstGeom prst="rect">
+            <a:avLst/>
+          </a:prstGeom>
+          <a:noFill/>
+        </p:spPr>
+        <p:txBody>
+          <a:bodyPr>
+            <a:spAutoFit/>
+          </a:bodyPr>
+          <a:lstStyle/>
+          <a:p>
+            <a:pPr algn="ctr" fontAlgn="auto">
+              <a:spcBef>
+                <a:spcPct val="20000"/>
+              </a:spcBef>
+              <a:spcAft>
+                <a:spcPts val="0"/>
+              </a:spcAft>
+              <a:defRPr/>
+            </a:pPr>
+            <a:r>
+              <a:rPr lang="fr-FR" sz="1200" b="1" u="sng" kern="0" dirty="0" err="1" smtClean="0">
+                <a:latin typeface="+mn-lt"/>
+                <a:cs typeface="+mn-cs"/>
+              </a:rPr>
+              <a:t>Problem</a:t>
+            </a:r>
+            <a:r>
+              <a:rPr lang="fr-FR" sz="1200" b="1" u="sng" kern="0" dirty="0" smtClean="0">
+                <a:latin typeface="+mn-lt"/>
+                <a:cs typeface="+mn-cs"/>
+              </a:rPr>
+              <a:t> frames</a:t>
+            </a:r>
+            <a:endParaRPr lang="fr-FR" sz="1200" b="1" u="sng" kern="0" dirty="0">
+              <a:latin typeface="+mn-lt"/>
+              <a:cs typeface="+mn-cs"/>
+            </a:endParaRPr>
+          </a:p>
+        </p:txBody>
+      </p:sp>
+    </p:spTree>
+    <p:extLst>
+      <p:ext uri="{BB962C8B-B14F-4D97-AF65-F5344CB8AC3E}">
+        <p14:creationId xmlns:p14="http://schemas.microsoft.com/office/powerpoint/2007/7/12/main" val="770100015"/>
+      </p:ext>
+    </p:extLst>
+  </p:cSld>
+  <p:clrMapOvr>
+    <a:masterClrMapping/>
+  </p:clrMapOvr>
+  <p:timing>
+    <p:tnLst>
+      <p:par>
+        <p:cTn xmlns:p14="http://schemas.microsoft.com/office/powerpoint/2007/7/12/main" id="1" dur="indefinite" restart="never" nodeType="tmRoot"/>
+      </p:par>
+    </p:tnLst>
+  </p:timing>
+</p:sld>
+</file>
+
+<file path=ppt/slides/slide13.xml><?xml version="1.0" encoding="utf-8"?>
+<p:sld xmlns:a="http://schemas.openxmlformats.org/drawingml/2006/main" xmlns:r="http://schemas.openxmlformats.org/officeDocument/2006/relationships" xmlns:p="http://schemas.openxmlformats.org/presentationml/2006/main">
+  <p:cSld>
+    <p:spTree>
+      <p:nvGrpSpPr>
+        <p:cNvPr id="1" name=""/>
+        <p:cNvGrpSpPr/>
+        <p:nvPr/>
+      </p:nvGrpSpPr>
+      <p:grpSpPr>
+        <a:xfrm>
+          <a:off x="0" y="0"/>
+          <a:ext cx="0" cy="0"/>
+          <a:chOff x="0" y="0"/>
+          <a:chExt cx="0" cy="0"/>
+        </a:xfrm>
+      </p:grpSpPr>
+      <p:sp>
+        <p:nvSpPr>
+          <p:cNvPr id="2" name="Title 1"/>
+          <p:cNvSpPr>
+            <a:spLocks noGrp="1"/>
+          </p:cNvSpPr>
+          <p:nvPr>
+            <p:ph type="ctrTitle"/>
+          </p:nvPr>
+        </p:nvSpPr>
+        <p:spPr>
+          <a:xfrm>
+            <a:off x="300038" y="323832"/>
+            <a:ext cx="8843962" cy="533400"/>
+          </a:xfrm>
+        </p:spPr>
+        <p:txBody>
+          <a:bodyPr/>
+          <a:lstStyle/>
+          <a:p>
+            <a:r>
+              <a:rPr sz="2800" dirty="0" smtClean="0"/>
+              <a:t>Collect systems data to data </a:t>
+            </a:r>
+            <a:r>
+              <a:rPr sz="2800" dirty="0" err="1" smtClean="0"/>
+              <a:t>storage</a:t>
+            </a:r>
+            <a:r>
+              <a:rPr sz="2800" dirty="0" smtClean="0"/>
+              <a:t> </a:t>
+            </a:r>
+            <a:r>
+              <a:rPr lang="fr-FR" sz="2800" dirty="0"/>
+              <a:t>(</a:t>
+            </a:r>
+            <a:r>
+              <a:rPr lang="fr-FR" sz="2800" dirty="0" err="1"/>
+              <a:t>cont</a:t>
+            </a:r>
+            <a:r>
+              <a:rPr lang="fr-FR" sz="2800" dirty="0"/>
+              <a:t>.)</a:t>
+            </a:r>
+            <a:endParaRPr lang="fr-FR" sz="2800" dirty="0"/>
           </a:p>
         </p:txBody>
       </p:sp>
@@ -6510,7 +6916,7 @@
                 <a:spcPct val="0"/>
               </a:spcAft>
               <a:buClr>
-                <a:srgbClr val="DA7E18"/>
+                <a:srgbClr xmlns:mc="http://schemas.openxmlformats.org/markup-compatibility/2006" xmlns:a14="http://schemas.microsoft.com/office/drawing/2007/7/7/main" val="DA7E18" mc:Ignorable=""/>
               </a:buClr>
               <a:buSzPct val="70000"/>
               <a:buFont typeface="Wingdings" pitchFamily="2" charset="2"/>
@@ -6532,7 +6938,7 @@
                 <a:spcPct val="0"/>
               </a:spcAft>
               <a:buClr>
-                <a:srgbClr val="E5AB1B"/>
+                <a:srgbClr xmlns:mc="http://schemas.openxmlformats.org/markup-compatibility/2006" xmlns:a14="http://schemas.microsoft.com/office/drawing/2007/7/7/main" val="E5AB1B" mc:Ignorable=""/>
               </a:buClr>
               <a:buSzPct val="70000"/>
               <a:buFont typeface="Wingdings" pitchFamily="2" charset="2"/>
@@ -6978,7 +7384,7 @@
                 <a:spcPct val="0"/>
               </a:spcAft>
               <a:buClr>
-                <a:srgbClr val="DA7E18"/>
+                <a:srgbClr xmlns:mc="http://schemas.openxmlformats.org/markup-compatibility/2006" xmlns:a14="http://schemas.microsoft.com/office/drawing/2007/7/7/main" val="DA7E18" mc:Ignorable=""/>
               </a:buClr>
               <a:buSzPct val="70000"/>
               <a:buFont typeface="Wingdings" pitchFamily="2" charset="2"/>
@@ -7000,7 +7406,7 @@
                 <a:spcPct val="0"/>
               </a:spcAft>
               <a:buClr>
-                <a:srgbClr val="E5AB1B"/>
+                <a:srgbClr xmlns:mc="http://schemas.openxmlformats.org/markup-compatibility/2006" xmlns:a14="http://schemas.microsoft.com/office/drawing/2007/7/7/main" val="E5AB1B" mc:Ignorable=""/>
               </a:buClr>
               <a:buSzPct val="70000"/>
               <a:buFont typeface="Wingdings" pitchFamily="2" charset="2"/>
@@ -7180,7 +7586,7 @@
                 <a:spcPct val="0"/>
               </a:spcAft>
               <a:buClr>
-                <a:srgbClr val="DA7E18"/>
+                <a:srgbClr xmlns:mc="http://schemas.openxmlformats.org/markup-compatibility/2006" xmlns:a14="http://schemas.microsoft.com/office/drawing/2007/7/7/main" val="DA7E18" mc:Ignorable=""/>
               </a:buClr>
               <a:buSzPct val="70000"/>
               <a:buFont typeface="Wingdings" pitchFamily="2" charset="2"/>
@@ -7202,7 +7608,7 @@
                 <a:spcPct val="0"/>
               </a:spcAft>
               <a:buClr>
-                <a:srgbClr val="E5AB1B"/>
+                <a:srgbClr xmlns:mc="http://schemas.openxmlformats.org/markup-compatibility/2006" xmlns:a14="http://schemas.microsoft.com/office/drawing/2007/7/7/main" val="E5AB1B" mc:Ignorable=""/>
               </a:buClr>
               <a:buSzPct val="70000"/>
               <a:buFont typeface="Wingdings" pitchFamily="2" charset="2"/>
@@ -7517,7 +7923,7 @@
                 </a:solidFill>
                 <a:effectLst>
                   <a:outerShdw blurRad="38100" dist="38100" dir="2700000" algn="tl">
-                    <a:srgbClr val="000000">
+                    <a:srgbClr xmlns:mc="http://schemas.openxmlformats.org/markup-compatibility/2006" xmlns:a14="http://schemas.microsoft.com/office/drawing/2007/7/7/main" val="000000" mc:Ignorable="">
                       <a:alpha val="43137"/>
                     </a:srgbClr>
                   </a:outerShdw>
@@ -7805,7 +8211,7 @@
     </p:spTree>
     <p:extLst>
       <p:ext uri="{BB962C8B-B14F-4D97-AF65-F5344CB8AC3E}">
-        <p14:creationId xmlns:p14="http://schemas.microsoft.com/office/powerpoint/2007/7/12/main" xmlns="" val="2650912379"/>
+        <p14:creationId xmlns:p14="http://schemas.microsoft.com/office/powerpoint/2007/7/12/main" val="2650912379"/>
       </p:ext>
     </p:extLst>
   </p:cSld>
@@ -7815,371 +8221,7 @@
   <p:timing>
     <p:tnLst>
       <p:par>
-        <p:cTn id="1" dur="indefinite" restart="never" nodeType="tmRoot"/>
-      </p:par>
-    </p:tnLst>
-  </p:timing>
-</p:sld>
-</file>
-
-<file path=ppt/slides/slide13.xml><?xml version="1.0" encoding="utf-8"?>
-<p:sld xmlns:a="http://schemas.openxmlformats.org/drawingml/2006/main" xmlns:r="http://schemas.openxmlformats.org/officeDocument/2006/relationships" xmlns:p="http://schemas.openxmlformats.org/presentationml/2006/main">
-  <p:cSld>
-    <p:spTree>
-      <p:nvGrpSpPr>
-        <p:cNvPr id="1" name=""/>
-        <p:cNvGrpSpPr/>
-        <p:nvPr/>
-      </p:nvGrpSpPr>
-      <p:grpSpPr>
-        <a:xfrm>
-          <a:off x="0" y="0"/>
-          <a:ext cx="0" cy="0"/>
-          <a:chOff x="0" y="0"/>
-          <a:chExt cx="0" cy="0"/>
-        </a:xfrm>
-      </p:grpSpPr>
-      <p:sp>
-        <p:nvSpPr>
-          <p:cNvPr id="2" name="Title 1"/>
-          <p:cNvSpPr>
-            <a:spLocks noGrp="1"/>
-          </p:cNvSpPr>
-          <p:nvPr>
-            <p:ph type="ctrTitle"/>
-          </p:nvPr>
-        </p:nvSpPr>
-        <p:spPr/>
-        <p:txBody>
-          <a:bodyPr/>
-          <a:lstStyle/>
-          <a:p>
-            <a:r>
-              <a:rPr lang="en-US" sz="2800" dirty="0" smtClean="0"/>
-              <a:t>Collect systems data to data storage</a:t>
-            </a:r>
-            <a:r>
-              <a:rPr lang="fr-FR" sz="2800" dirty="0" smtClean="0"/>
-              <a:t>(</a:t>
-            </a:r>
-            <a:r>
-              <a:rPr lang="fr-FR" sz="2800" dirty="0" err="1" smtClean="0"/>
-              <a:t>cont</a:t>
-            </a:r>
-            <a:r>
-              <a:rPr lang="fr-FR" sz="2800" dirty="0" smtClean="0"/>
-              <a:t>.)</a:t>
-            </a:r>
-            <a:endParaRPr lang="fr-FR" sz="2800" dirty="0"/>
-          </a:p>
-        </p:txBody>
-      </p:sp>
-      <p:sp>
-        <p:nvSpPr>
-          <p:cNvPr id="3" name="Text Placeholder 2"/>
-          <p:cNvSpPr>
-            <a:spLocks noGrp="1"/>
-          </p:cNvSpPr>
-          <p:nvPr>
-            <p:ph type="body" sz="quarter" idx="10"/>
-          </p:nvPr>
-        </p:nvSpPr>
-        <p:spPr/>
-        <p:txBody>
-          <a:bodyPr/>
-          <a:lstStyle/>
-          <a:p>
-            <a:r>
-              <a:rPr dirty="0" smtClean="0"/>
-              <a:t>State values are collected from the systems at regular intervals</a:t>
-            </a:r>
-          </a:p>
-          <a:p>
-            <a:pPr>
-              <a:buNone/>
-            </a:pPr>
-            <a:endParaRPr dirty="0" smtClean="0"/>
-          </a:p>
-          <a:p>
-            <a:r>
-              <a:rPr dirty="0" smtClean="0"/>
-              <a:t>The FDRI receives the data and stores it with a timestamp to the FDRI Storage System for </a:t>
-            </a:r>
-            <a:r>
-              <a:rPr smtClean="0"/>
-              <a:t>further use</a:t>
-            </a:r>
-          </a:p>
-          <a:p>
-            <a:pPr>
-              <a:buNone/>
-            </a:pPr>
-            <a:endParaRPr smtClean="0"/>
-          </a:p>
-          <a:p>
-            <a:r>
-              <a:rPr dirty="0" smtClean="0"/>
-              <a:t>When data storage is centralized it doesn't matter if some systems go down, because data analysis can still be done on the stored data. </a:t>
-            </a:r>
-            <a:endParaRPr lang="fr-FR" dirty="0"/>
-          </a:p>
-        </p:txBody>
-      </p:sp>
-      <p:sp>
-        <p:nvSpPr>
-          <p:cNvPr id="4" name="ZoneTexte 3"/>
-          <p:cNvSpPr txBox="1"/>
-          <p:nvPr/>
-        </p:nvSpPr>
-        <p:spPr>
-          <a:xfrm>
-            <a:off x="-32" y="0"/>
-            <a:ext cx="1928812" cy="276225"/>
-          </a:xfrm>
-          <a:prstGeom prst="rect">
-            <a:avLst/>
-          </a:prstGeom>
-          <a:noFill/>
-        </p:spPr>
-        <p:txBody>
-          <a:bodyPr>
-            <a:spAutoFit/>
-          </a:bodyPr>
-          <a:lstStyle/>
-          <a:p>
-            <a:pPr algn="ctr" fontAlgn="auto">
-              <a:spcBef>
-                <a:spcPct val="20000"/>
-              </a:spcBef>
-              <a:spcAft>
-                <a:spcPts val="0"/>
-              </a:spcAft>
-              <a:defRPr/>
-            </a:pPr>
-            <a:r>
-              <a:rPr lang="fr-FR" sz="1200" kern="0" dirty="0" smtClean="0">
-                <a:solidFill>
-                  <a:schemeClr val="bg1">
-                    <a:lumMod val="50000"/>
-                  </a:schemeClr>
-                </a:solidFill>
-                <a:latin typeface="+mn-lt"/>
-                <a:cs typeface="+mn-cs"/>
-              </a:rPr>
-              <a:t>Domain identification</a:t>
-            </a:r>
-            <a:endParaRPr lang="fr-FR" sz="1200" kern="0" dirty="0">
-              <a:solidFill>
-                <a:schemeClr val="bg1">
-                  <a:lumMod val="50000"/>
-                </a:schemeClr>
-              </a:solidFill>
-              <a:latin typeface="+mn-lt"/>
-              <a:cs typeface="+mn-cs"/>
-            </a:endParaRPr>
-          </a:p>
-        </p:txBody>
-      </p:sp>
-      <p:sp>
-        <p:nvSpPr>
-          <p:cNvPr id="5" name="ZoneTexte 4"/>
-          <p:cNvSpPr txBox="1"/>
-          <p:nvPr/>
-        </p:nvSpPr>
-        <p:spPr>
-          <a:xfrm>
-            <a:off x="2143122" y="0"/>
-            <a:ext cx="1928812" cy="276225"/>
-          </a:xfrm>
-          <a:prstGeom prst="rect">
-            <a:avLst/>
-          </a:prstGeom>
-          <a:noFill/>
-        </p:spPr>
-        <p:txBody>
-          <a:bodyPr>
-            <a:spAutoFit/>
-          </a:bodyPr>
-          <a:lstStyle/>
-          <a:p>
-            <a:pPr algn="ctr" fontAlgn="auto">
-              <a:spcBef>
-                <a:spcPct val="20000"/>
-              </a:spcBef>
-              <a:spcAft>
-                <a:spcPts val="0"/>
-              </a:spcAft>
-              <a:defRPr/>
-            </a:pPr>
-            <a:r>
-              <a:rPr lang="fr-FR" sz="1200" kern="0" dirty="0" err="1" smtClean="0">
-                <a:solidFill>
-                  <a:schemeClr val="bg1">
-                    <a:lumMod val="50000"/>
-                  </a:schemeClr>
-                </a:solidFill>
-                <a:latin typeface="+mn-lt"/>
-                <a:cs typeface="+mn-cs"/>
-              </a:rPr>
-              <a:t>Requirements</a:t>
-            </a:r>
-            <a:endParaRPr lang="fr-FR" sz="1200" kern="0" dirty="0">
-              <a:solidFill>
-                <a:schemeClr val="bg1">
-                  <a:lumMod val="50000"/>
-                </a:schemeClr>
-              </a:solidFill>
-              <a:latin typeface="+mn-lt"/>
-              <a:cs typeface="+mn-cs"/>
-            </a:endParaRPr>
-          </a:p>
-        </p:txBody>
-      </p:sp>
-      <p:sp>
-        <p:nvSpPr>
-          <p:cNvPr id="6" name="ZoneTexte 5"/>
-          <p:cNvSpPr txBox="1"/>
-          <p:nvPr/>
-        </p:nvSpPr>
-        <p:spPr>
-          <a:xfrm>
-            <a:off x="4214818" y="0"/>
-            <a:ext cx="2571760" cy="276999"/>
-          </a:xfrm>
-          <a:prstGeom prst="rect">
-            <a:avLst/>
-          </a:prstGeom>
-          <a:noFill/>
-        </p:spPr>
-        <p:txBody>
-          <a:bodyPr wrap="square">
-            <a:spAutoFit/>
-          </a:bodyPr>
-          <a:lstStyle/>
-          <a:p>
-            <a:pPr algn="ctr" fontAlgn="auto">
-              <a:spcBef>
-                <a:spcPct val="20000"/>
-              </a:spcBef>
-              <a:spcAft>
-                <a:spcPts val="0"/>
-              </a:spcAft>
-              <a:defRPr/>
-            </a:pPr>
-            <a:r>
-              <a:rPr lang="fr-FR" sz="1200" kern="0" dirty="0" err="1" smtClean="0">
-                <a:solidFill>
-                  <a:schemeClr val="bg1">
-                    <a:lumMod val="50000"/>
-                  </a:schemeClr>
-                </a:solidFill>
-                <a:latin typeface="+mn-lt"/>
-                <a:cs typeface="+mn-cs"/>
-              </a:rPr>
-              <a:t>Context</a:t>
-            </a:r>
-            <a:r>
-              <a:rPr lang="fr-FR" sz="1200" kern="0" dirty="0" smtClean="0">
-                <a:solidFill>
-                  <a:schemeClr val="bg1">
-                    <a:lumMod val="50000"/>
-                  </a:schemeClr>
-                </a:solidFill>
-                <a:latin typeface="+mn-lt"/>
-                <a:cs typeface="+mn-cs"/>
-              </a:rPr>
-              <a:t> </a:t>
-            </a:r>
-            <a:r>
-              <a:rPr lang="fr-FR" sz="1200" kern="0" dirty="0" err="1" smtClean="0">
-                <a:solidFill>
-                  <a:schemeClr val="bg1">
-                    <a:lumMod val="50000"/>
-                  </a:schemeClr>
-                </a:solidFill>
-                <a:latin typeface="+mn-lt"/>
-                <a:cs typeface="+mn-cs"/>
-              </a:rPr>
-              <a:t>diagram</a:t>
-            </a:r>
-            <a:endParaRPr lang="fr-FR" sz="1200" kern="0" dirty="0">
-              <a:solidFill>
-                <a:schemeClr val="bg1">
-                  <a:lumMod val="50000"/>
-                </a:schemeClr>
-              </a:solidFill>
-              <a:latin typeface="+mn-lt"/>
-              <a:cs typeface="+mn-cs"/>
-            </a:endParaRPr>
-          </a:p>
-        </p:txBody>
-      </p:sp>
-      <p:sp>
-        <p:nvSpPr>
-          <p:cNvPr id="7" name="ZoneTexte 6"/>
-          <p:cNvSpPr txBox="1"/>
-          <p:nvPr/>
-        </p:nvSpPr>
-        <p:spPr>
-          <a:xfrm>
-            <a:off x="6572277" y="0"/>
-            <a:ext cx="1928813" cy="276225"/>
-          </a:xfrm>
-          <a:prstGeom prst="rect">
-            <a:avLst/>
-          </a:prstGeom>
-          <a:noFill/>
-        </p:spPr>
-        <p:txBody>
-          <a:bodyPr>
-            <a:spAutoFit/>
-          </a:bodyPr>
-          <a:lstStyle/>
-          <a:p>
-            <a:pPr algn="ctr" fontAlgn="auto">
-              <a:spcBef>
-                <a:spcPct val="20000"/>
-              </a:spcBef>
-              <a:spcAft>
-                <a:spcPts val="0"/>
-              </a:spcAft>
-              <a:defRPr/>
-            </a:pPr>
-            <a:r>
-              <a:rPr lang="fr-FR" sz="1200" b="1" u="sng" kern="0" dirty="0" err="1" smtClean="0">
-                <a:latin typeface="+mn-lt"/>
-                <a:cs typeface="+mn-cs"/>
-              </a:rPr>
-              <a:t>Problem</a:t>
-            </a:r>
-            <a:r>
-              <a:rPr lang="fr-FR" sz="1200" b="1" u="sng" kern="0" dirty="0" smtClean="0">
-                <a:latin typeface="+mn-lt"/>
-                <a:cs typeface="+mn-cs"/>
-              </a:rPr>
-              <a:t> frames</a:t>
-            </a:r>
-            <a:endParaRPr lang="fr-FR" sz="1200" b="1" u="sng" kern="0" dirty="0">
-              <a:latin typeface="+mn-lt"/>
-              <a:cs typeface="+mn-cs"/>
-            </a:endParaRPr>
-          </a:p>
-        </p:txBody>
-      </p:sp>
-    </p:spTree>
-    <p:extLst>
-      <p:ext uri="{BB962C8B-B14F-4D97-AF65-F5344CB8AC3E}">
-        <p14:creationId xmlns:p14="http://schemas.microsoft.com/office/powerpoint/2007/7/12/main" xmlns="" val="770100015"/>
-      </p:ext>
-    </p:extLst>
-  </p:cSld>
-  <p:clrMapOvr>
-    <a:masterClrMapping/>
-  </p:clrMapOvr>
-  <p:timing>
-    <p:tnLst>
-      <p:par>
-        <p:cTn id="1" dur="indefinite" restart="never" nodeType="tmRoot"/>
+        <p:cTn xmlns:p14="http://schemas.microsoft.com/office/powerpoint/2007/7/12/main" id="1" dur="indefinite" restart="never" nodeType="tmRoot"/>
       </p:par>
     </p:tnLst>
   </p:timing>
@@ -8219,12 +8261,435 @@
           <a:lstStyle/>
           <a:p>
             <a:r>
+              <a:rPr lang="fr-FR" dirty="0"/>
+              <a:t>Information </a:t>
+            </a:r>
+            <a:r>
+              <a:rPr lang="fr-FR" dirty="0" err="1" smtClean="0"/>
+              <a:t>retrieval</a:t>
+            </a:r>
+            <a:endParaRPr lang="fr-FR" dirty="0"/>
+          </a:p>
+        </p:txBody>
+      </p:sp>
+      <p:sp>
+        <p:nvSpPr>
+          <p:cNvPr id="3" name="Text Placeholder 2"/>
+          <p:cNvSpPr>
+            <a:spLocks noGrp="1"/>
+          </p:cNvSpPr>
+          <p:nvPr>
+            <p:ph type="body" sz="quarter" idx="10"/>
+          </p:nvPr>
+        </p:nvSpPr>
+        <p:spPr/>
+        <p:txBody>
+          <a:bodyPr/>
+          <a:lstStyle/>
+          <a:p>
+            <a:r>
+              <a:rPr lang="fr-FR" dirty="0" smtClean="0"/>
+              <a:t>FDIR </a:t>
+            </a:r>
+            <a:r>
+              <a:rPr lang="fr-FR" dirty="0" err="1" smtClean="0"/>
+              <a:t>executes</a:t>
+            </a:r>
+            <a:r>
+              <a:rPr lang="fr-FR" dirty="0" smtClean="0"/>
+              <a:t> </a:t>
+            </a:r>
+            <a:r>
+              <a:rPr lang="fr-FR" dirty="0" err="1" smtClean="0"/>
+              <a:t>query</a:t>
+            </a:r>
+            <a:r>
+              <a:rPr lang="fr-FR" dirty="0" smtClean="0"/>
+              <a:t>, and the FDIR </a:t>
+            </a:r>
+            <a:r>
+              <a:rPr lang="fr-FR" dirty="0" err="1" smtClean="0"/>
+              <a:t>Subsystems</a:t>
+            </a:r>
+            <a:r>
+              <a:rPr lang="fr-FR" dirty="0" smtClean="0"/>
+              <a:t> </a:t>
+            </a:r>
+            <a:r>
+              <a:rPr lang="fr-FR" dirty="0" err="1" smtClean="0"/>
+              <a:t>reply</a:t>
+            </a:r>
+            <a:endParaRPr lang="fr-FR" dirty="0" smtClean="0"/>
+          </a:p>
+          <a:p>
+            <a:endParaRPr lang="fr-FR" dirty="0"/>
+          </a:p>
+          <a:p>
+            <a:r>
+              <a:rPr lang="fr-FR" dirty="0" smtClean="0"/>
+              <a:t>The </a:t>
+            </a:r>
+            <a:r>
+              <a:rPr lang="fr-FR" dirty="0" err="1" smtClean="0"/>
+              <a:t>crew</a:t>
+            </a:r>
+            <a:r>
+              <a:rPr lang="fr-FR" dirty="0" smtClean="0"/>
+              <a:t> or </a:t>
+            </a:r>
+            <a:r>
+              <a:rPr lang="fr-FR" dirty="0" err="1" smtClean="0"/>
+              <a:t>ground</a:t>
+            </a:r>
+            <a:r>
+              <a:rPr lang="fr-FR" dirty="0" smtClean="0"/>
+              <a:t> control </a:t>
+            </a:r>
+            <a:r>
+              <a:rPr lang="fr-FR" dirty="0" err="1" smtClean="0"/>
+              <a:t>can</a:t>
+            </a:r>
+            <a:r>
+              <a:rPr lang="fr-FR" dirty="0" smtClean="0"/>
+              <a:t> </a:t>
+            </a:r>
+            <a:r>
+              <a:rPr lang="fr-FR" dirty="0" err="1" smtClean="0"/>
+              <a:t>search</a:t>
+            </a:r>
+            <a:r>
+              <a:rPr lang="fr-FR" dirty="0" smtClean="0"/>
+              <a:t> data, and the FDIR displays </a:t>
+            </a:r>
+            <a:r>
+              <a:rPr lang="fr-FR" dirty="0" err="1" smtClean="0"/>
+              <a:t>its</a:t>
+            </a:r>
+            <a:endParaRPr lang="fr-FR" dirty="0" smtClean="0"/>
+          </a:p>
+          <a:p>
+            <a:endParaRPr lang="fr-FR" dirty="0"/>
+          </a:p>
+          <a:p>
+            <a:endParaRPr lang="fr-FR" dirty="0" smtClean="0"/>
+          </a:p>
+          <a:p>
+            <a:endParaRPr lang="fr-FR" dirty="0"/>
+          </a:p>
+        </p:txBody>
+      </p:sp>
+      <p:sp>
+        <p:nvSpPr>
+          <p:cNvPr id="4" name="ZoneTexte 3"/>
+          <p:cNvSpPr txBox="1"/>
+          <p:nvPr/>
+        </p:nvSpPr>
+        <p:spPr>
+          <a:xfrm>
+            <a:off x="-32" y="0"/>
+            <a:ext cx="1928812" cy="276225"/>
+          </a:xfrm>
+          <a:prstGeom prst="rect">
+            <a:avLst/>
+          </a:prstGeom>
+          <a:noFill/>
+        </p:spPr>
+        <p:txBody>
+          <a:bodyPr>
+            <a:spAutoFit/>
+          </a:bodyPr>
+          <a:lstStyle/>
+          <a:p>
+            <a:pPr algn="ctr" fontAlgn="auto">
+              <a:spcBef>
+                <a:spcPct val="20000"/>
+              </a:spcBef>
+              <a:spcAft>
+                <a:spcPts val="0"/>
+              </a:spcAft>
+              <a:defRPr/>
+            </a:pPr>
+            <a:r>
+              <a:rPr lang="fr-FR" sz="1200" kern="0" dirty="0" smtClean="0">
+                <a:solidFill>
+                  <a:schemeClr val="bg1">
+                    <a:lumMod val="50000"/>
+                  </a:schemeClr>
+                </a:solidFill>
+                <a:latin typeface="+mn-lt"/>
+                <a:cs typeface="+mn-cs"/>
+              </a:rPr>
+              <a:t>Domain identification</a:t>
+            </a:r>
+            <a:endParaRPr lang="fr-FR" sz="1200" kern="0" dirty="0">
+              <a:solidFill>
+                <a:schemeClr val="bg1">
+                  <a:lumMod val="50000"/>
+                </a:schemeClr>
+              </a:solidFill>
+              <a:latin typeface="+mn-lt"/>
+              <a:cs typeface="+mn-cs"/>
+            </a:endParaRPr>
+          </a:p>
+        </p:txBody>
+      </p:sp>
+      <p:sp>
+        <p:nvSpPr>
+          <p:cNvPr id="5" name="ZoneTexte 4"/>
+          <p:cNvSpPr txBox="1"/>
+          <p:nvPr/>
+        </p:nvSpPr>
+        <p:spPr>
+          <a:xfrm>
+            <a:off x="2143122" y="0"/>
+            <a:ext cx="1928812" cy="276225"/>
+          </a:xfrm>
+          <a:prstGeom prst="rect">
+            <a:avLst/>
+          </a:prstGeom>
+          <a:noFill/>
+        </p:spPr>
+        <p:txBody>
+          <a:bodyPr>
+            <a:spAutoFit/>
+          </a:bodyPr>
+          <a:lstStyle/>
+          <a:p>
+            <a:pPr algn="ctr" fontAlgn="auto">
+              <a:spcBef>
+                <a:spcPct val="20000"/>
+              </a:spcBef>
+              <a:spcAft>
+                <a:spcPts val="0"/>
+              </a:spcAft>
+              <a:defRPr/>
+            </a:pPr>
+            <a:r>
+              <a:rPr lang="fr-FR" sz="1200" kern="0" dirty="0" err="1" smtClean="0">
+                <a:solidFill>
+                  <a:schemeClr val="bg1">
+                    <a:lumMod val="50000"/>
+                  </a:schemeClr>
+                </a:solidFill>
+                <a:latin typeface="+mn-lt"/>
+                <a:cs typeface="+mn-cs"/>
+              </a:rPr>
+              <a:t>Requirements</a:t>
+            </a:r>
+            <a:endParaRPr lang="fr-FR" sz="1200" kern="0" dirty="0">
+              <a:solidFill>
+                <a:schemeClr val="bg1">
+                  <a:lumMod val="50000"/>
+                </a:schemeClr>
+              </a:solidFill>
+              <a:latin typeface="+mn-lt"/>
+              <a:cs typeface="+mn-cs"/>
+            </a:endParaRPr>
+          </a:p>
+        </p:txBody>
+      </p:sp>
+      <p:sp>
+        <p:nvSpPr>
+          <p:cNvPr id="6" name="ZoneTexte 5"/>
+          <p:cNvSpPr txBox="1"/>
+          <p:nvPr/>
+        </p:nvSpPr>
+        <p:spPr>
+          <a:xfrm>
+            <a:off x="4214818" y="0"/>
+            <a:ext cx="2571760" cy="276999"/>
+          </a:xfrm>
+          <a:prstGeom prst="rect">
+            <a:avLst/>
+          </a:prstGeom>
+          <a:noFill/>
+        </p:spPr>
+        <p:txBody>
+          <a:bodyPr wrap="square">
+            <a:spAutoFit/>
+          </a:bodyPr>
+          <a:lstStyle/>
+          <a:p>
+            <a:pPr algn="ctr" fontAlgn="auto">
+              <a:spcBef>
+                <a:spcPct val="20000"/>
+              </a:spcBef>
+              <a:spcAft>
+                <a:spcPts val="0"/>
+              </a:spcAft>
+              <a:defRPr/>
+            </a:pPr>
+            <a:r>
+              <a:rPr lang="fr-FR" sz="1200" kern="0" dirty="0" err="1" smtClean="0">
+                <a:solidFill>
+                  <a:schemeClr val="bg1">
+                    <a:lumMod val="50000"/>
+                  </a:schemeClr>
+                </a:solidFill>
+                <a:latin typeface="+mn-lt"/>
+                <a:cs typeface="+mn-cs"/>
+              </a:rPr>
+              <a:t>Context</a:t>
+            </a:r>
+            <a:r>
+              <a:rPr lang="fr-FR" sz="1200" kern="0" dirty="0" smtClean="0">
+                <a:solidFill>
+                  <a:schemeClr val="bg1">
+                    <a:lumMod val="50000"/>
+                  </a:schemeClr>
+                </a:solidFill>
+                <a:latin typeface="+mn-lt"/>
+                <a:cs typeface="+mn-cs"/>
+              </a:rPr>
+              <a:t> </a:t>
+            </a:r>
+            <a:r>
+              <a:rPr lang="fr-FR" sz="1200" kern="0" dirty="0" err="1" smtClean="0">
+                <a:solidFill>
+                  <a:schemeClr val="bg1">
+                    <a:lumMod val="50000"/>
+                  </a:schemeClr>
+                </a:solidFill>
+                <a:latin typeface="+mn-lt"/>
+                <a:cs typeface="+mn-cs"/>
+              </a:rPr>
+              <a:t>diagram</a:t>
+            </a:r>
+            <a:endParaRPr lang="fr-FR" sz="1200" kern="0" dirty="0">
+              <a:solidFill>
+                <a:schemeClr val="bg1">
+                  <a:lumMod val="50000"/>
+                </a:schemeClr>
+              </a:solidFill>
+              <a:latin typeface="+mn-lt"/>
+              <a:cs typeface="+mn-cs"/>
+            </a:endParaRPr>
+          </a:p>
+        </p:txBody>
+      </p:sp>
+      <p:sp>
+        <p:nvSpPr>
+          <p:cNvPr id="7" name="ZoneTexte 6"/>
+          <p:cNvSpPr txBox="1"/>
+          <p:nvPr/>
+        </p:nvSpPr>
+        <p:spPr>
+          <a:xfrm>
+            <a:off x="6572277" y="0"/>
+            <a:ext cx="1928813" cy="276225"/>
+          </a:xfrm>
+          <a:prstGeom prst="rect">
+            <a:avLst/>
+          </a:prstGeom>
+          <a:noFill/>
+        </p:spPr>
+        <p:txBody>
+          <a:bodyPr>
+            <a:spAutoFit/>
+          </a:bodyPr>
+          <a:lstStyle/>
+          <a:p>
+            <a:pPr algn="ctr" fontAlgn="auto">
+              <a:spcBef>
+                <a:spcPct val="20000"/>
+              </a:spcBef>
+              <a:spcAft>
+                <a:spcPts val="0"/>
+              </a:spcAft>
+              <a:defRPr/>
+            </a:pPr>
+            <a:r>
+              <a:rPr lang="fr-FR" sz="1200" b="1" u="sng" kern="0" dirty="0" err="1" smtClean="0">
+                <a:latin typeface="+mn-lt"/>
+                <a:cs typeface="+mn-cs"/>
+              </a:rPr>
+              <a:t>Problem</a:t>
+            </a:r>
+            <a:r>
+              <a:rPr lang="fr-FR" sz="1200" b="1" u="sng" kern="0" dirty="0" smtClean="0">
+                <a:latin typeface="+mn-lt"/>
+                <a:cs typeface="+mn-cs"/>
+              </a:rPr>
+              <a:t> frames</a:t>
+            </a:r>
+            <a:endParaRPr lang="fr-FR" sz="1200" b="1" u="sng" kern="0" dirty="0">
+              <a:latin typeface="+mn-lt"/>
+              <a:cs typeface="+mn-cs"/>
+            </a:endParaRPr>
+          </a:p>
+        </p:txBody>
+      </p:sp>
+    </p:spTree>
+    <p:extLst>
+      <p:ext uri="{BB962C8B-B14F-4D97-AF65-F5344CB8AC3E}">
+        <p14:creationId xmlns:p14="http://schemas.microsoft.com/office/powerpoint/2007/7/12/main" val="2065662239"/>
+      </p:ext>
+    </p:extLst>
+  </p:cSld>
+  <p:clrMapOvr>
+    <a:masterClrMapping/>
+  </p:clrMapOvr>
+  <p:timing>
+    <p:tnLst>
+      <p:par>
+        <p:cTn xmlns:p14="http://schemas.microsoft.com/office/powerpoint/2007/7/12/main" id="1" dur="indefinite" restart="never" nodeType="tmRoot"/>
+      </p:par>
+    </p:tnLst>
+  </p:timing>
+</p:sld>
+</file>
+
+<file path=ppt/slides/slide15.xml><?xml version="1.0" encoding="utf-8"?>
+<p:sld xmlns:a="http://schemas.openxmlformats.org/drawingml/2006/main" xmlns:r="http://schemas.openxmlformats.org/officeDocument/2006/relationships" xmlns:p="http://schemas.openxmlformats.org/presentationml/2006/main">
+  <p:cSld>
+    <p:spTree>
+      <p:nvGrpSpPr>
+        <p:cNvPr id="1" name=""/>
+        <p:cNvGrpSpPr/>
+        <p:nvPr/>
+      </p:nvGrpSpPr>
+      <p:grpSpPr>
+        <a:xfrm>
+          <a:off x="0" y="0"/>
+          <a:ext cx="0" cy="0"/>
+          <a:chOff x="0" y="0"/>
+          <a:chExt cx="0" cy="0"/>
+        </a:xfrm>
+      </p:grpSpPr>
+      <p:sp>
+        <p:nvSpPr>
+          <p:cNvPr id="2" name="Title 1"/>
+          <p:cNvSpPr>
+            <a:spLocks noGrp="1"/>
+          </p:cNvSpPr>
+          <p:nvPr>
+            <p:ph type="ctrTitle"/>
+          </p:nvPr>
+        </p:nvSpPr>
+        <p:spPr/>
+        <p:txBody>
+          <a:bodyPr/>
+          <a:lstStyle/>
+          <a:p>
+            <a:r>
               <a:rPr lang="fr-FR" dirty="0" smtClean="0"/>
               <a:t>Information </a:t>
             </a:r>
             <a:r>
               <a:rPr lang="fr-FR" dirty="0" err="1" smtClean="0"/>
               <a:t>retrieval</a:t>
+            </a:r>
+            <a:r>
+              <a:rPr lang="fr-FR" dirty="0"/>
+              <a:t> (</a:t>
+            </a:r>
+            <a:r>
+              <a:rPr lang="fr-FR" dirty="0" err="1"/>
+              <a:t>cont</a:t>
+            </a:r>
+            <a:r>
+              <a:rPr lang="fr-FR" dirty="0"/>
+              <a:t>.)</a:t>
             </a:r>
             <a:endParaRPr lang="fr-FR" dirty="0"/>
           </a:p>
@@ -8799,7 +9264,7 @@
                 <a:spcPct val="0"/>
               </a:spcAft>
               <a:buClr>
-                <a:srgbClr val="DA7E18"/>
+                <a:srgbClr xmlns:mc="http://schemas.openxmlformats.org/markup-compatibility/2006" xmlns:a14="http://schemas.microsoft.com/office/drawing/2007/7/7/main" val="DA7E18" mc:Ignorable=""/>
               </a:buClr>
               <a:buSzPct val="70000"/>
               <a:buFont typeface="Wingdings" pitchFamily="2" charset="2"/>
@@ -8821,7 +9286,7 @@
                 <a:spcPct val="0"/>
               </a:spcAft>
               <a:buClr>
-                <a:srgbClr val="E5AB1B"/>
+                <a:srgbClr xmlns:mc="http://schemas.openxmlformats.org/markup-compatibility/2006" xmlns:a14="http://schemas.microsoft.com/office/drawing/2007/7/7/main" val="E5AB1B" mc:Ignorable=""/>
               </a:buClr>
               <a:buSzPct val="70000"/>
               <a:buFont typeface="Wingdings" pitchFamily="2" charset="2"/>
@@ -9311,7 +9776,7 @@
                 <a:spcPct val="0"/>
               </a:spcAft>
               <a:buClr>
-                <a:srgbClr val="DA7E18"/>
+                <a:srgbClr xmlns:mc="http://schemas.openxmlformats.org/markup-compatibility/2006" xmlns:a14="http://schemas.microsoft.com/office/drawing/2007/7/7/main" val="DA7E18" mc:Ignorable=""/>
               </a:buClr>
               <a:buSzPct val="70000"/>
               <a:buFont typeface="Wingdings" pitchFamily="2" charset="2"/>
@@ -9333,7 +9798,7 @@
                 <a:spcPct val="0"/>
               </a:spcAft>
               <a:buClr>
-                <a:srgbClr val="E5AB1B"/>
+                <a:srgbClr xmlns:mc="http://schemas.openxmlformats.org/markup-compatibility/2006" xmlns:a14="http://schemas.microsoft.com/office/drawing/2007/7/7/main" val="E5AB1B" mc:Ignorable=""/>
               </a:buClr>
               <a:buSzPct val="70000"/>
               <a:buFont typeface="Wingdings" pitchFamily="2" charset="2"/>
@@ -9509,7 +9974,7 @@
                 <a:spcPct val="0"/>
               </a:spcAft>
               <a:buClr>
-                <a:srgbClr val="DA7E18"/>
+                <a:srgbClr xmlns:mc="http://schemas.openxmlformats.org/markup-compatibility/2006" xmlns:a14="http://schemas.microsoft.com/office/drawing/2007/7/7/main" val="DA7E18" mc:Ignorable=""/>
               </a:buClr>
               <a:buSzPct val="70000"/>
               <a:buFont typeface="Wingdings" pitchFamily="2" charset="2"/>
@@ -9531,7 +9996,7 @@
                 <a:spcPct val="0"/>
               </a:spcAft>
               <a:buClr>
-                <a:srgbClr val="E5AB1B"/>
+                <a:srgbClr xmlns:mc="http://schemas.openxmlformats.org/markup-compatibility/2006" xmlns:a14="http://schemas.microsoft.com/office/drawing/2007/7/7/main" val="E5AB1B" mc:Ignorable=""/>
               </a:buClr>
               <a:buSzPct val="70000"/>
               <a:buFont typeface="Wingdings" pitchFamily="2" charset="2"/>
@@ -9798,7 +10263,7 @@
                 </a:solidFill>
                 <a:effectLst>
                   <a:outerShdw blurRad="38100" dist="38100" dir="2700000" algn="tl">
-                    <a:srgbClr val="000000">
+                    <a:srgbClr xmlns:mc="http://schemas.openxmlformats.org/markup-compatibility/2006" xmlns:a14="http://schemas.microsoft.com/office/drawing/2007/7/7/main" val="000000" mc:Ignorable="">
                       <a:alpha val="43137"/>
                     </a:srgbClr>
                   </a:outerShdw>
@@ -9815,7 +10280,7 @@
                 </a:solidFill>
                 <a:effectLst>
                   <a:outerShdw blurRad="38100" dist="38100" dir="2700000" algn="tl">
-                    <a:srgbClr val="000000">
+                    <a:srgbClr xmlns:mc="http://schemas.openxmlformats.org/markup-compatibility/2006" xmlns:a14="http://schemas.microsoft.com/office/drawing/2007/7/7/main" val="000000" mc:Ignorable="">
                       <a:alpha val="43137"/>
                     </a:srgbClr>
                   </a:outerShdw>
@@ -9832,7 +10297,7 @@
                 </a:solidFill>
                 <a:effectLst>
                   <a:outerShdw blurRad="38100" dist="38100" dir="2700000" algn="tl">
-                    <a:srgbClr val="000000">
+                    <a:srgbClr xmlns:mc="http://schemas.openxmlformats.org/markup-compatibility/2006" xmlns:a14="http://schemas.microsoft.com/office/drawing/2007/7/7/main" val="000000" mc:Ignorable="">
                       <a:alpha val="43137"/>
                     </a:srgbClr>
                   </a:outerShdw>
@@ -9849,7 +10314,7 @@
                 </a:solidFill>
                 <a:effectLst>
                   <a:outerShdw blurRad="38100" dist="38100" dir="2700000" algn="tl">
-                    <a:srgbClr val="000000">
+                    <a:srgbClr xmlns:mc="http://schemas.openxmlformats.org/markup-compatibility/2006" xmlns:a14="http://schemas.microsoft.com/office/drawing/2007/7/7/main" val="000000" mc:Ignorable="">
                       <a:alpha val="43137"/>
                     </a:srgbClr>
                   </a:outerShdw>
@@ -10224,7 +10689,7 @@
     </p:spTree>
     <p:extLst>
       <p:ext uri="{BB962C8B-B14F-4D97-AF65-F5344CB8AC3E}">
-        <p14:creationId xmlns:p14="http://schemas.microsoft.com/office/powerpoint/2007/7/12/main" xmlns="" val="4275258493"/>
+        <p14:creationId xmlns:p14="http://schemas.microsoft.com/office/powerpoint/2007/7/12/main" val="4275258493"/>
       </p:ext>
     </p:extLst>
   </p:cSld>
@@ -10234,430 +10699,7 @@
   <p:timing>
     <p:tnLst>
       <p:par>
-        <p:cTn id="1" dur="indefinite" restart="never" nodeType="tmRoot"/>
-      </p:par>
-    </p:tnLst>
-  </p:timing>
-</p:sld>
-</file>
-
-<file path=ppt/slides/slide15.xml><?xml version="1.0" encoding="utf-8"?>
-<p:sld xmlns:a="http://schemas.openxmlformats.org/drawingml/2006/main" xmlns:r="http://schemas.openxmlformats.org/officeDocument/2006/relationships" xmlns:p="http://schemas.openxmlformats.org/presentationml/2006/main">
-  <p:cSld>
-    <p:spTree>
-      <p:nvGrpSpPr>
-        <p:cNvPr id="1" name=""/>
-        <p:cNvGrpSpPr/>
-        <p:nvPr/>
-      </p:nvGrpSpPr>
-      <p:grpSpPr>
-        <a:xfrm>
-          <a:off x="0" y="0"/>
-          <a:ext cx="0" cy="0"/>
-          <a:chOff x="0" y="0"/>
-          <a:chExt cx="0" cy="0"/>
-        </a:xfrm>
-      </p:grpSpPr>
-      <p:sp>
-        <p:nvSpPr>
-          <p:cNvPr id="2" name="Title 1"/>
-          <p:cNvSpPr>
-            <a:spLocks noGrp="1"/>
-          </p:cNvSpPr>
-          <p:nvPr>
-            <p:ph type="ctrTitle"/>
-          </p:nvPr>
-        </p:nvSpPr>
-        <p:spPr/>
-        <p:txBody>
-          <a:bodyPr/>
-          <a:lstStyle/>
-          <a:p>
-            <a:r>
-              <a:rPr lang="fr-FR" sz="2800" dirty="0"/>
-              <a:t>Information </a:t>
-            </a:r>
-            <a:r>
-              <a:rPr lang="fr-FR" sz="2800" dirty="0" err="1" smtClean="0"/>
-              <a:t>retrieval</a:t>
-            </a:r>
-            <a:r>
-              <a:rPr lang="fr-FR" sz="2800" dirty="0" smtClean="0"/>
-              <a:t> (</a:t>
-            </a:r>
-            <a:r>
-              <a:rPr lang="fr-FR" sz="2800" dirty="0" err="1" smtClean="0"/>
-              <a:t>cont</a:t>
-            </a:r>
-            <a:r>
-              <a:rPr lang="fr-FR" sz="2800" dirty="0" smtClean="0"/>
-              <a:t>.)</a:t>
-            </a:r>
-            <a:endParaRPr lang="fr-FR" sz="2800" dirty="0"/>
-          </a:p>
-        </p:txBody>
-      </p:sp>
-      <p:sp>
-        <p:nvSpPr>
-          <p:cNvPr id="3" name="Text Placeholder 2"/>
-          <p:cNvSpPr>
-            <a:spLocks noGrp="1"/>
-          </p:cNvSpPr>
-          <p:nvPr>
-            <p:ph type="body" sz="quarter" idx="10"/>
-          </p:nvPr>
-        </p:nvSpPr>
-        <p:spPr/>
-        <p:txBody>
-          <a:bodyPr/>
-          <a:lstStyle/>
-          <a:p>
-            <a:r>
-              <a:rPr lang="fr-FR" dirty="0" smtClean="0"/>
-              <a:t>FDIR </a:t>
-            </a:r>
-            <a:r>
-              <a:rPr lang="fr-FR" dirty="0" err="1" smtClean="0"/>
-              <a:t>executes</a:t>
-            </a:r>
-            <a:r>
-              <a:rPr lang="fr-FR" dirty="0" smtClean="0"/>
-              <a:t> </a:t>
-            </a:r>
-            <a:r>
-              <a:rPr lang="fr-FR" dirty="0" err="1" smtClean="0"/>
-              <a:t>query</a:t>
-            </a:r>
-            <a:r>
-              <a:rPr lang="fr-FR" dirty="0" smtClean="0"/>
-              <a:t>, and the FDIR </a:t>
-            </a:r>
-            <a:r>
-              <a:rPr lang="fr-FR" dirty="0" err="1" smtClean="0"/>
-              <a:t>Subsystems</a:t>
-            </a:r>
-            <a:r>
-              <a:rPr lang="fr-FR" dirty="0" smtClean="0"/>
-              <a:t> </a:t>
-            </a:r>
-            <a:r>
-              <a:rPr lang="fr-FR" dirty="0" err="1" smtClean="0"/>
-              <a:t>reply</a:t>
-            </a:r>
-            <a:endParaRPr lang="fr-FR" dirty="0" smtClean="0"/>
-          </a:p>
-          <a:p>
-            <a:endParaRPr lang="fr-FR" dirty="0"/>
-          </a:p>
-          <a:p>
-            <a:r>
-              <a:rPr lang="fr-FR" dirty="0" smtClean="0"/>
-              <a:t>The </a:t>
-            </a:r>
-            <a:r>
-              <a:rPr lang="fr-FR" dirty="0" err="1" smtClean="0"/>
-              <a:t>crew</a:t>
-            </a:r>
-            <a:r>
-              <a:rPr lang="fr-FR" dirty="0" smtClean="0"/>
-              <a:t> or </a:t>
-            </a:r>
-            <a:r>
-              <a:rPr lang="fr-FR" dirty="0" err="1" smtClean="0"/>
-              <a:t>ground</a:t>
-            </a:r>
-            <a:r>
-              <a:rPr lang="fr-FR" dirty="0" smtClean="0"/>
-              <a:t> control </a:t>
-            </a:r>
-            <a:r>
-              <a:rPr lang="fr-FR" dirty="0" err="1" smtClean="0"/>
-              <a:t>can</a:t>
-            </a:r>
-            <a:r>
-              <a:rPr lang="fr-FR" dirty="0" smtClean="0"/>
-              <a:t> </a:t>
-            </a:r>
-            <a:r>
-              <a:rPr lang="fr-FR" dirty="0" err="1" smtClean="0"/>
-              <a:t>search</a:t>
-            </a:r>
-            <a:r>
-              <a:rPr lang="fr-FR" dirty="0" smtClean="0"/>
-              <a:t> data, and the FDIR displays </a:t>
-            </a:r>
-            <a:r>
-              <a:rPr lang="fr-FR" dirty="0" err="1" smtClean="0"/>
-              <a:t>its</a:t>
-            </a:r>
-            <a:endParaRPr lang="fr-FR" dirty="0" smtClean="0"/>
-          </a:p>
-          <a:p>
-            <a:endParaRPr lang="fr-FR" dirty="0"/>
-          </a:p>
-          <a:p>
-            <a:endParaRPr lang="fr-FR" dirty="0" smtClean="0"/>
-          </a:p>
-          <a:p>
-            <a:endParaRPr lang="fr-FR" dirty="0"/>
-          </a:p>
-        </p:txBody>
-      </p:sp>
-      <p:sp>
-        <p:nvSpPr>
-          <p:cNvPr id="4" name="ZoneTexte 3"/>
-          <p:cNvSpPr txBox="1"/>
-          <p:nvPr/>
-        </p:nvSpPr>
-        <p:spPr>
-          <a:xfrm>
-            <a:off x="-32" y="0"/>
-            <a:ext cx="1928812" cy="276225"/>
-          </a:xfrm>
-          <a:prstGeom prst="rect">
-            <a:avLst/>
-          </a:prstGeom>
-          <a:noFill/>
-        </p:spPr>
-        <p:txBody>
-          <a:bodyPr>
-            <a:spAutoFit/>
-          </a:bodyPr>
-          <a:lstStyle/>
-          <a:p>
-            <a:pPr algn="ctr" fontAlgn="auto">
-              <a:spcBef>
-                <a:spcPct val="20000"/>
-              </a:spcBef>
-              <a:spcAft>
-                <a:spcPts val="0"/>
-              </a:spcAft>
-              <a:defRPr/>
-            </a:pPr>
-            <a:r>
-              <a:rPr lang="fr-FR" sz="1200" kern="0" dirty="0" smtClean="0">
-                <a:solidFill>
-                  <a:schemeClr val="bg1">
-                    <a:lumMod val="50000"/>
-                  </a:schemeClr>
-                </a:solidFill>
-                <a:latin typeface="+mn-lt"/>
-                <a:cs typeface="+mn-cs"/>
-              </a:rPr>
-              <a:t>Domain identification</a:t>
-            </a:r>
-            <a:endParaRPr lang="fr-FR" sz="1200" kern="0" dirty="0">
-              <a:solidFill>
-                <a:schemeClr val="bg1">
-                  <a:lumMod val="50000"/>
-                </a:schemeClr>
-              </a:solidFill>
-              <a:latin typeface="+mn-lt"/>
-              <a:cs typeface="+mn-cs"/>
-            </a:endParaRPr>
-          </a:p>
-        </p:txBody>
-      </p:sp>
-      <p:sp>
-        <p:nvSpPr>
-          <p:cNvPr id="5" name="ZoneTexte 4"/>
-          <p:cNvSpPr txBox="1"/>
-          <p:nvPr/>
-        </p:nvSpPr>
-        <p:spPr>
-          <a:xfrm>
-            <a:off x="2143122" y="0"/>
-            <a:ext cx="1928812" cy="276225"/>
-          </a:xfrm>
-          <a:prstGeom prst="rect">
-            <a:avLst/>
-          </a:prstGeom>
-          <a:noFill/>
-        </p:spPr>
-        <p:txBody>
-          <a:bodyPr>
-            <a:spAutoFit/>
-          </a:bodyPr>
-          <a:lstStyle/>
-          <a:p>
-            <a:pPr algn="ctr" fontAlgn="auto">
-              <a:spcBef>
-                <a:spcPct val="20000"/>
-              </a:spcBef>
-              <a:spcAft>
-                <a:spcPts val="0"/>
-              </a:spcAft>
-              <a:defRPr/>
-            </a:pPr>
-            <a:r>
-              <a:rPr lang="fr-FR" sz="1200" kern="0" dirty="0" err="1" smtClean="0">
-                <a:solidFill>
-                  <a:schemeClr val="bg1">
-                    <a:lumMod val="50000"/>
-                  </a:schemeClr>
-                </a:solidFill>
-                <a:latin typeface="+mn-lt"/>
-                <a:cs typeface="+mn-cs"/>
-              </a:rPr>
-              <a:t>Requirements</a:t>
-            </a:r>
-            <a:endParaRPr lang="fr-FR" sz="1200" kern="0" dirty="0">
-              <a:solidFill>
-                <a:schemeClr val="bg1">
-                  <a:lumMod val="50000"/>
-                </a:schemeClr>
-              </a:solidFill>
-              <a:latin typeface="+mn-lt"/>
-              <a:cs typeface="+mn-cs"/>
-            </a:endParaRPr>
-          </a:p>
-        </p:txBody>
-      </p:sp>
-      <p:sp>
-        <p:nvSpPr>
-          <p:cNvPr id="6" name="ZoneTexte 5"/>
-          <p:cNvSpPr txBox="1"/>
-          <p:nvPr/>
-        </p:nvSpPr>
-        <p:spPr>
-          <a:xfrm>
-            <a:off x="4214818" y="0"/>
-            <a:ext cx="2571760" cy="276999"/>
-          </a:xfrm>
-          <a:prstGeom prst="rect">
-            <a:avLst/>
-          </a:prstGeom>
-          <a:noFill/>
-        </p:spPr>
-        <p:txBody>
-          <a:bodyPr wrap="square">
-            <a:spAutoFit/>
-          </a:bodyPr>
-          <a:lstStyle/>
-          <a:p>
-            <a:pPr algn="ctr" fontAlgn="auto">
-              <a:spcBef>
-                <a:spcPct val="20000"/>
-              </a:spcBef>
-              <a:spcAft>
-                <a:spcPts val="0"/>
-              </a:spcAft>
-              <a:defRPr/>
-            </a:pPr>
-            <a:r>
-              <a:rPr lang="fr-FR" sz="1200" kern="0" dirty="0" err="1" smtClean="0">
-                <a:solidFill>
-                  <a:schemeClr val="bg1">
-                    <a:lumMod val="50000"/>
-                  </a:schemeClr>
-                </a:solidFill>
-                <a:latin typeface="+mn-lt"/>
-                <a:cs typeface="+mn-cs"/>
-              </a:rPr>
-              <a:t>Context</a:t>
-            </a:r>
-            <a:r>
-              <a:rPr lang="fr-FR" sz="1200" kern="0" dirty="0" smtClean="0">
-                <a:solidFill>
-                  <a:schemeClr val="bg1">
-                    <a:lumMod val="50000"/>
-                  </a:schemeClr>
-                </a:solidFill>
-                <a:latin typeface="+mn-lt"/>
-                <a:cs typeface="+mn-cs"/>
-              </a:rPr>
-              <a:t> </a:t>
-            </a:r>
-            <a:r>
-              <a:rPr lang="fr-FR" sz="1200" kern="0" dirty="0" err="1" smtClean="0">
-                <a:solidFill>
-                  <a:schemeClr val="bg1">
-                    <a:lumMod val="50000"/>
-                  </a:schemeClr>
-                </a:solidFill>
-                <a:latin typeface="+mn-lt"/>
-                <a:cs typeface="+mn-cs"/>
-              </a:rPr>
-              <a:t>diagram</a:t>
-            </a:r>
-            <a:endParaRPr lang="fr-FR" sz="1200" kern="0" dirty="0">
-              <a:solidFill>
-                <a:schemeClr val="bg1">
-                  <a:lumMod val="50000"/>
-                </a:schemeClr>
-              </a:solidFill>
-              <a:latin typeface="+mn-lt"/>
-              <a:cs typeface="+mn-cs"/>
-            </a:endParaRPr>
-          </a:p>
-        </p:txBody>
-      </p:sp>
-      <p:sp>
-        <p:nvSpPr>
-          <p:cNvPr id="7" name="ZoneTexte 6"/>
-          <p:cNvSpPr txBox="1"/>
-          <p:nvPr/>
-        </p:nvSpPr>
-        <p:spPr>
-          <a:xfrm>
-            <a:off x="6572277" y="0"/>
-            <a:ext cx="1928813" cy="276225"/>
-          </a:xfrm>
-          <a:prstGeom prst="rect">
-            <a:avLst/>
-          </a:prstGeom>
-          <a:noFill/>
-        </p:spPr>
-        <p:txBody>
-          <a:bodyPr>
-            <a:spAutoFit/>
-          </a:bodyPr>
-          <a:lstStyle/>
-          <a:p>
-            <a:pPr algn="ctr" fontAlgn="auto">
-              <a:spcBef>
-                <a:spcPct val="20000"/>
-              </a:spcBef>
-              <a:spcAft>
-                <a:spcPts val="0"/>
-              </a:spcAft>
-              <a:defRPr/>
-            </a:pPr>
-            <a:r>
-              <a:rPr lang="fr-FR" sz="1200" b="1" u="sng" kern="0" dirty="0" err="1" smtClean="0">
-                <a:latin typeface="+mn-lt"/>
-                <a:cs typeface="+mn-cs"/>
-              </a:rPr>
-              <a:t>Problem</a:t>
-            </a:r>
-            <a:r>
-              <a:rPr lang="fr-FR" sz="1200" b="1" u="sng" kern="0" dirty="0" smtClean="0">
-                <a:latin typeface="+mn-lt"/>
-                <a:cs typeface="+mn-cs"/>
-              </a:rPr>
-              <a:t> frames</a:t>
-            </a:r>
-            <a:endParaRPr lang="fr-FR" sz="1200" b="1" u="sng" kern="0" dirty="0">
-              <a:latin typeface="+mn-lt"/>
-              <a:cs typeface="+mn-cs"/>
-            </a:endParaRPr>
-          </a:p>
-        </p:txBody>
-      </p:sp>
-    </p:spTree>
-    <p:extLst>
-      <p:ext uri="{BB962C8B-B14F-4D97-AF65-F5344CB8AC3E}">
-        <p14:creationId xmlns:p14="http://schemas.microsoft.com/office/powerpoint/2007/7/12/main" xmlns="" val="2065662239"/>
-      </p:ext>
-    </p:extLst>
-  </p:cSld>
-  <p:clrMapOvr>
-    <a:masterClrMapping/>
-  </p:clrMapOvr>
-  <p:timing>
-    <p:tnLst>
-      <p:par>
-        <p:cTn id="1" dur="indefinite" restart="never" nodeType="tmRoot"/>
+        <p:cTn xmlns:p14="http://schemas.microsoft.com/office/powerpoint/2007/7/12/main" id="1" dur="indefinite" restart="never" nodeType="tmRoot"/>
       </p:par>
     </p:tnLst>
   </p:timing>
@@ -10709,8 +10751,479 @@
               <a:t> </a:t>
             </a:r>
             <a:r>
+              <a:rPr lang="fr-FR" dirty="0" err="1" smtClean="0"/>
+              <a:t>localization</a:t>
+            </a:r>
+            <a:endParaRPr lang="fr-FR" dirty="0"/>
+          </a:p>
+        </p:txBody>
+      </p:sp>
+      <p:sp>
+        <p:nvSpPr>
+          <p:cNvPr id="3" name="Text Placeholder 2"/>
+          <p:cNvSpPr>
+            <a:spLocks noGrp="1"/>
+          </p:cNvSpPr>
+          <p:nvPr>
+            <p:ph type="body" sz="quarter" idx="10"/>
+          </p:nvPr>
+        </p:nvSpPr>
+        <p:spPr/>
+        <p:txBody>
+          <a:bodyPr/>
+          <a:lstStyle/>
+          <a:p>
+            <a:r>
+              <a:rPr lang="fr-FR" dirty="0" smtClean="0"/>
+              <a:t>The FDIR Storage System  </a:t>
+            </a:r>
+            <a:r>
+              <a:rPr lang="fr-FR" dirty="0" err="1" smtClean="0"/>
+              <a:t>contains</a:t>
+            </a:r>
+            <a:r>
+              <a:rPr lang="fr-FR" dirty="0" smtClean="0"/>
+              <a:t> the </a:t>
+            </a:r>
+            <a:r>
+              <a:rPr lang="fr-FR" dirty="0" err="1" smtClean="0"/>
+              <a:t>collected</a:t>
+            </a:r>
+            <a:r>
+              <a:rPr lang="fr-FR" dirty="0" smtClean="0"/>
+              <a:t> values or data </a:t>
+            </a:r>
+            <a:r>
+              <a:rPr lang="fr-FR" dirty="0" err="1" smtClean="0"/>
+              <a:t>from</a:t>
+            </a:r>
+            <a:r>
+              <a:rPr lang="fr-FR" dirty="0" smtClean="0"/>
+              <a:t> </a:t>
+            </a:r>
+            <a:r>
+              <a:rPr lang="fr-FR" dirty="0" err="1" smtClean="0"/>
+              <a:t>devices</a:t>
+            </a:r>
+            <a:endParaRPr lang="fr-FR" dirty="0" smtClean="0"/>
+          </a:p>
+          <a:p>
+            <a:endParaRPr lang="fr-FR" dirty="0"/>
+          </a:p>
+          <a:p>
+            <a:r>
+              <a:rPr lang="fr-FR" dirty="0" smtClean="0"/>
+              <a:t>FDIR </a:t>
+            </a:r>
+            <a:r>
+              <a:rPr lang="fr-FR" dirty="0" err="1" smtClean="0"/>
+              <a:t>checks</a:t>
+            </a:r>
+            <a:r>
+              <a:rPr lang="fr-FR" dirty="0" smtClean="0"/>
+              <a:t> the inputs </a:t>
+            </a:r>
+            <a:r>
+              <a:rPr lang="fr-FR" dirty="0" err="1" smtClean="0"/>
+              <a:t>from</a:t>
+            </a:r>
+            <a:r>
+              <a:rPr lang="fr-FR" dirty="0" smtClean="0"/>
+              <a:t> the </a:t>
+            </a:r>
+            <a:r>
+              <a:rPr lang="fr-FR" dirty="0" err="1" smtClean="0"/>
+              <a:t>storage</a:t>
+            </a:r>
+            <a:r>
+              <a:rPr lang="fr-FR" dirty="0" smtClean="0"/>
+              <a:t> system, and analyses </a:t>
+            </a:r>
+            <a:r>
+              <a:rPr lang="fr-FR" dirty="0" err="1" smtClean="0"/>
+              <a:t>these</a:t>
+            </a:r>
+            <a:r>
+              <a:rPr lang="fr-FR" dirty="0" smtClean="0"/>
+              <a:t> inputs to </a:t>
+            </a:r>
+            <a:r>
+              <a:rPr lang="fr-FR" dirty="0" err="1" smtClean="0"/>
+              <a:t>determine</a:t>
+            </a:r>
+            <a:r>
+              <a:rPr lang="fr-FR" dirty="0" smtClean="0"/>
+              <a:t> </a:t>
+            </a:r>
+            <a:r>
+              <a:rPr lang="fr-FR" dirty="0" err="1" smtClean="0"/>
+              <a:t>failure</a:t>
+            </a:r>
+            <a:r>
+              <a:rPr lang="fr-FR" dirty="0" smtClean="0"/>
+              <a:t> location.</a:t>
+            </a:r>
+          </a:p>
+          <a:p>
+            <a:endParaRPr lang="fr-FR" dirty="0"/>
+          </a:p>
+          <a:p>
+            <a:r>
+              <a:rPr lang="fr-FR" dirty="0" err="1" smtClean="0"/>
+              <a:t>Failure</a:t>
+            </a:r>
+            <a:r>
+              <a:rPr lang="fr-FR" dirty="0" smtClean="0"/>
+              <a:t> location </a:t>
+            </a:r>
+            <a:r>
+              <a:rPr lang="fr-FR" dirty="0" err="1" smtClean="0"/>
+              <a:t>is</a:t>
+            </a:r>
+            <a:r>
+              <a:rPr lang="fr-FR" dirty="0" smtClean="0"/>
+              <a:t> </a:t>
+            </a:r>
+            <a:r>
+              <a:rPr lang="fr-FR" dirty="0" err="1" smtClean="0"/>
+              <a:t>written</a:t>
+            </a:r>
+            <a:r>
+              <a:rPr lang="fr-FR" dirty="0" smtClean="0"/>
+              <a:t> </a:t>
+            </a:r>
+            <a:r>
+              <a:rPr lang="fr-FR" dirty="0" err="1" smtClean="0"/>
+              <a:t>into</a:t>
+            </a:r>
+            <a:r>
+              <a:rPr lang="fr-FR" dirty="0" smtClean="0"/>
+              <a:t> a report.</a:t>
+            </a:r>
+            <a:endParaRPr lang="fr-FR" dirty="0"/>
+          </a:p>
+        </p:txBody>
+      </p:sp>
+      <p:sp>
+        <p:nvSpPr>
+          <p:cNvPr id="4" name="ZoneTexte 3"/>
+          <p:cNvSpPr txBox="1"/>
+          <p:nvPr/>
+        </p:nvSpPr>
+        <p:spPr>
+          <a:xfrm>
+            <a:off x="-32" y="0"/>
+            <a:ext cx="1928812" cy="276225"/>
+          </a:xfrm>
+          <a:prstGeom prst="rect">
+            <a:avLst/>
+          </a:prstGeom>
+          <a:noFill/>
+        </p:spPr>
+        <p:txBody>
+          <a:bodyPr>
+            <a:spAutoFit/>
+          </a:bodyPr>
+          <a:lstStyle/>
+          <a:p>
+            <a:pPr algn="ctr" fontAlgn="auto">
+              <a:spcBef>
+                <a:spcPct val="20000"/>
+              </a:spcBef>
+              <a:spcAft>
+                <a:spcPts val="0"/>
+              </a:spcAft>
+              <a:defRPr/>
+            </a:pPr>
+            <a:r>
+              <a:rPr lang="fr-FR" sz="1200" kern="0" dirty="0" smtClean="0">
+                <a:solidFill>
+                  <a:schemeClr val="bg1">
+                    <a:lumMod val="50000"/>
+                  </a:schemeClr>
+                </a:solidFill>
+                <a:latin typeface="+mn-lt"/>
+                <a:cs typeface="+mn-cs"/>
+              </a:rPr>
+              <a:t>Domain identification</a:t>
+            </a:r>
+            <a:endParaRPr lang="fr-FR" sz="1200" kern="0" dirty="0">
+              <a:solidFill>
+                <a:schemeClr val="bg1">
+                  <a:lumMod val="50000"/>
+                </a:schemeClr>
+              </a:solidFill>
+              <a:latin typeface="+mn-lt"/>
+              <a:cs typeface="+mn-cs"/>
+            </a:endParaRPr>
+          </a:p>
+        </p:txBody>
+      </p:sp>
+      <p:sp>
+        <p:nvSpPr>
+          <p:cNvPr id="5" name="ZoneTexte 4"/>
+          <p:cNvSpPr txBox="1"/>
+          <p:nvPr/>
+        </p:nvSpPr>
+        <p:spPr>
+          <a:xfrm>
+            <a:off x="2143122" y="0"/>
+            <a:ext cx="1928812" cy="276225"/>
+          </a:xfrm>
+          <a:prstGeom prst="rect">
+            <a:avLst/>
+          </a:prstGeom>
+          <a:noFill/>
+        </p:spPr>
+        <p:txBody>
+          <a:bodyPr>
+            <a:spAutoFit/>
+          </a:bodyPr>
+          <a:lstStyle/>
+          <a:p>
+            <a:pPr algn="ctr" fontAlgn="auto">
+              <a:spcBef>
+                <a:spcPct val="20000"/>
+              </a:spcBef>
+              <a:spcAft>
+                <a:spcPts val="0"/>
+              </a:spcAft>
+              <a:defRPr/>
+            </a:pPr>
+            <a:r>
+              <a:rPr lang="fr-FR" sz="1200" kern="0" dirty="0" err="1" smtClean="0">
+                <a:solidFill>
+                  <a:schemeClr val="bg1">
+                    <a:lumMod val="50000"/>
+                  </a:schemeClr>
+                </a:solidFill>
+                <a:latin typeface="+mn-lt"/>
+                <a:cs typeface="+mn-cs"/>
+              </a:rPr>
+              <a:t>Requirements</a:t>
+            </a:r>
+            <a:endParaRPr lang="fr-FR" sz="1200" kern="0" dirty="0">
+              <a:solidFill>
+                <a:schemeClr val="bg1">
+                  <a:lumMod val="50000"/>
+                </a:schemeClr>
+              </a:solidFill>
+              <a:latin typeface="+mn-lt"/>
+              <a:cs typeface="+mn-cs"/>
+            </a:endParaRPr>
+          </a:p>
+        </p:txBody>
+      </p:sp>
+      <p:sp>
+        <p:nvSpPr>
+          <p:cNvPr id="6" name="ZoneTexte 5"/>
+          <p:cNvSpPr txBox="1"/>
+          <p:nvPr/>
+        </p:nvSpPr>
+        <p:spPr>
+          <a:xfrm>
+            <a:off x="4214818" y="0"/>
+            <a:ext cx="2571760" cy="276999"/>
+          </a:xfrm>
+          <a:prstGeom prst="rect">
+            <a:avLst/>
+          </a:prstGeom>
+          <a:noFill/>
+        </p:spPr>
+        <p:txBody>
+          <a:bodyPr wrap="square">
+            <a:spAutoFit/>
+          </a:bodyPr>
+          <a:lstStyle/>
+          <a:p>
+            <a:pPr algn="ctr" fontAlgn="auto">
+              <a:spcBef>
+                <a:spcPct val="20000"/>
+              </a:spcBef>
+              <a:spcAft>
+                <a:spcPts val="0"/>
+              </a:spcAft>
+              <a:defRPr/>
+            </a:pPr>
+            <a:r>
+              <a:rPr lang="fr-FR" sz="1200" kern="0" dirty="0" err="1" smtClean="0">
+                <a:solidFill>
+                  <a:schemeClr val="bg1">
+                    <a:lumMod val="50000"/>
+                  </a:schemeClr>
+                </a:solidFill>
+                <a:latin typeface="+mn-lt"/>
+                <a:cs typeface="+mn-cs"/>
+              </a:rPr>
+              <a:t>Context</a:t>
+            </a:r>
+            <a:r>
+              <a:rPr lang="fr-FR" sz="1200" kern="0" dirty="0" smtClean="0">
+                <a:solidFill>
+                  <a:schemeClr val="bg1">
+                    <a:lumMod val="50000"/>
+                  </a:schemeClr>
+                </a:solidFill>
+                <a:latin typeface="+mn-lt"/>
+                <a:cs typeface="+mn-cs"/>
+              </a:rPr>
+              <a:t> </a:t>
+            </a:r>
+            <a:r>
+              <a:rPr lang="fr-FR" sz="1200" kern="0" dirty="0" err="1" smtClean="0">
+                <a:solidFill>
+                  <a:schemeClr val="bg1">
+                    <a:lumMod val="50000"/>
+                  </a:schemeClr>
+                </a:solidFill>
+                <a:latin typeface="+mn-lt"/>
+                <a:cs typeface="+mn-cs"/>
+              </a:rPr>
+              <a:t>diagram</a:t>
+            </a:r>
+            <a:endParaRPr lang="fr-FR" sz="1200" kern="0" dirty="0">
+              <a:solidFill>
+                <a:schemeClr val="bg1">
+                  <a:lumMod val="50000"/>
+                </a:schemeClr>
+              </a:solidFill>
+              <a:latin typeface="+mn-lt"/>
+              <a:cs typeface="+mn-cs"/>
+            </a:endParaRPr>
+          </a:p>
+        </p:txBody>
+      </p:sp>
+      <p:sp>
+        <p:nvSpPr>
+          <p:cNvPr id="7" name="ZoneTexte 6"/>
+          <p:cNvSpPr txBox="1"/>
+          <p:nvPr/>
+        </p:nvSpPr>
+        <p:spPr>
+          <a:xfrm>
+            <a:off x="6572277" y="0"/>
+            <a:ext cx="1928813" cy="276225"/>
+          </a:xfrm>
+          <a:prstGeom prst="rect">
+            <a:avLst/>
+          </a:prstGeom>
+          <a:noFill/>
+        </p:spPr>
+        <p:txBody>
+          <a:bodyPr>
+            <a:spAutoFit/>
+          </a:bodyPr>
+          <a:lstStyle/>
+          <a:p>
+            <a:pPr algn="ctr" fontAlgn="auto">
+              <a:spcBef>
+                <a:spcPct val="20000"/>
+              </a:spcBef>
+              <a:spcAft>
+                <a:spcPts val="0"/>
+              </a:spcAft>
+              <a:defRPr/>
+            </a:pPr>
+            <a:r>
+              <a:rPr lang="fr-FR" sz="1200" b="1" u="sng" kern="0" dirty="0" err="1" smtClean="0">
+                <a:latin typeface="+mn-lt"/>
+                <a:cs typeface="+mn-cs"/>
+              </a:rPr>
+              <a:t>Problem</a:t>
+            </a:r>
+            <a:r>
+              <a:rPr lang="fr-FR" sz="1200" b="1" u="sng" kern="0" dirty="0" smtClean="0">
+                <a:latin typeface="+mn-lt"/>
+                <a:cs typeface="+mn-cs"/>
+              </a:rPr>
+              <a:t> frames</a:t>
+            </a:r>
+            <a:endParaRPr lang="fr-FR" sz="1200" b="1" u="sng" kern="0" dirty="0">
+              <a:latin typeface="+mn-lt"/>
+              <a:cs typeface="+mn-cs"/>
+            </a:endParaRPr>
+          </a:p>
+        </p:txBody>
+      </p:sp>
+    </p:spTree>
+    <p:extLst>
+      <p:ext uri="{BB962C8B-B14F-4D97-AF65-F5344CB8AC3E}">
+        <p14:creationId xmlns:p14="http://schemas.microsoft.com/office/powerpoint/2007/7/12/main" val="883924539"/>
+      </p:ext>
+    </p:extLst>
+  </p:cSld>
+  <p:clrMapOvr>
+    <a:masterClrMapping/>
+  </p:clrMapOvr>
+  <p:timing>
+    <p:tnLst>
+      <p:par>
+        <p:cTn xmlns:p14="http://schemas.microsoft.com/office/powerpoint/2007/7/12/main" id="1" dur="indefinite" restart="never" nodeType="tmRoot"/>
+      </p:par>
+    </p:tnLst>
+  </p:timing>
+</p:sld>
+</file>
+
+<file path=ppt/slides/slide17.xml><?xml version="1.0" encoding="utf-8"?>
+<p:sld xmlns:a="http://schemas.openxmlformats.org/drawingml/2006/main" xmlns:r="http://schemas.openxmlformats.org/officeDocument/2006/relationships" xmlns:p="http://schemas.openxmlformats.org/presentationml/2006/main">
+  <p:cSld>
+    <p:spTree>
+      <p:nvGrpSpPr>
+        <p:cNvPr id="1" name=""/>
+        <p:cNvGrpSpPr/>
+        <p:nvPr/>
+      </p:nvGrpSpPr>
+      <p:grpSpPr>
+        <a:xfrm>
+          <a:off x="0" y="0"/>
+          <a:ext cx="0" cy="0"/>
+          <a:chOff x="0" y="0"/>
+          <a:chExt cx="0" cy="0"/>
+        </a:xfrm>
+      </p:grpSpPr>
+      <p:sp>
+        <p:nvSpPr>
+          <p:cNvPr id="2" name="Title 1"/>
+          <p:cNvSpPr>
+            <a:spLocks noGrp="1"/>
+          </p:cNvSpPr>
+          <p:nvPr>
+            <p:ph type="ctrTitle"/>
+          </p:nvPr>
+        </p:nvSpPr>
+        <p:spPr/>
+        <p:txBody>
+          <a:bodyPr/>
+          <a:lstStyle/>
+          <a:p>
+            <a:r>
+              <a:rPr lang="fr-FR" dirty="0"/>
+              <a:t>Providing </a:t>
+            </a:r>
+            <a:r>
               <a:rPr lang="fr-FR" dirty="0" err="1"/>
+              <a:t>failure</a:t>
+            </a:r>
+            <a:r>
+              <a:rPr lang="fr-FR" dirty="0"/>
+              <a:t> </a:t>
+            </a:r>
+            <a:r>
+              <a:rPr lang="fr-FR" dirty="0" err="1" smtClean="0"/>
               <a:t>localization</a:t>
+            </a:r>
+            <a:r>
+              <a:rPr lang="fr-FR" dirty="0"/>
+              <a:t> (</a:t>
+            </a:r>
+            <a:r>
+              <a:rPr lang="fr-FR" dirty="0" err="1"/>
+              <a:t>cont</a:t>
+            </a:r>
+            <a:r>
+              <a:rPr lang="fr-FR" dirty="0"/>
+              <a:t>.)</a:t>
             </a:r>
             <a:endParaRPr lang="fr-FR" dirty="0"/>
           </a:p>
@@ -11316,7 +11829,7 @@
                 <a:spcPct val="0"/>
               </a:spcAft>
               <a:buClr>
-                <a:srgbClr val="DA7E18"/>
+                <a:srgbClr xmlns:mc="http://schemas.openxmlformats.org/markup-compatibility/2006" xmlns:a14="http://schemas.microsoft.com/office/drawing/2007/7/7/main" val="DA7E18" mc:Ignorable=""/>
               </a:buClr>
               <a:buSzPct val="70000"/>
               <a:buFont typeface="Wingdings" pitchFamily="2" charset="2"/>
@@ -11338,7 +11851,7 @@
                 <a:spcPct val="0"/>
               </a:spcAft>
               <a:buClr>
-                <a:srgbClr val="E5AB1B"/>
+                <a:srgbClr xmlns:mc="http://schemas.openxmlformats.org/markup-compatibility/2006" xmlns:a14="http://schemas.microsoft.com/office/drawing/2007/7/7/main" val="E5AB1B" mc:Ignorable=""/>
               </a:buClr>
               <a:buSzPct val="70000"/>
               <a:buFont typeface="Wingdings" pitchFamily="2" charset="2"/>
@@ -11832,7 +12345,7 @@
                 <a:spcPct val="0"/>
               </a:spcAft>
               <a:buClr>
-                <a:srgbClr val="DA7E18"/>
+                <a:srgbClr xmlns:mc="http://schemas.openxmlformats.org/markup-compatibility/2006" xmlns:a14="http://schemas.microsoft.com/office/drawing/2007/7/7/main" val="DA7E18" mc:Ignorable=""/>
               </a:buClr>
               <a:buSzPct val="70000"/>
               <a:buFont typeface="Wingdings" pitchFamily="2" charset="2"/>
@@ -11854,7 +12367,7 @@
                 <a:spcPct val="0"/>
               </a:spcAft>
               <a:buClr>
-                <a:srgbClr val="E5AB1B"/>
+                <a:srgbClr xmlns:mc="http://schemas.openxmlformats.org/markup-compatibility/2006" xmlns:a14="http://schemas.microsoft.com/office/drawing/2007/7/7/main" val="E5AB1B" mc:Ignorable=""/>
               </a:buClr>
               <a:buSzPct val="70000"/>
               <a:buFont typeface="Wingdings" pitchFamily="2" charset="2"/>
@@ -12034,7 +12547,7 @@
                 <a:spcPct val="0"/>
               </a:spcAft>
               <a:buClr>
-                <a:srgbClr val="DA7E18"/>
+                <a:srgbClr xmlns:mc="http://schemas.openxmlformats.org/markup-compatibility/2006" xmlns:a14="http://schemas.microsoft.com/office/drawing/2007/7/7/main" val="DA7E18" mc:Ignorable=""/>
               </a:buClr>
               <a:buSzPct val="70000"/>
               <a:buFont typeface="Wingdings" pitchFamily="2" charset="2"/>
@@ -12056,7 +12569,7 @@
                 <a:spcPct val="0"/>
               </a:spcAft>
               <a:buClr>
-                <a:srgbClr val="E5AB1B"/>
+                <a:srgbClr xmlns:mc="http://schemas.openxmlformats.org/markup-compatibility/2006" xmlns:a14="http://schemas.microsoft.com/office/drawing/2007/7/7/main" val="E5AB1B" mc:Ignorable=""/>
               </a:buClr>
               <a:buSzPct val="70000"/>
               <a:buFont typeface="Wingdings" pitchFamily="2" charset="2"/>
@@ -12420,7 +12933,7 @@
                 </a:solidFill>
                 <a:effectLst>
                   <a:outerShdw blurRad="38100" dist="38100" dir="2700000" algn="tl">
-                    <a:srgbClr val="000000">
+                    <a:srgbClr xmlns:mc="http://schemas.openxmlformats.org/markup-compatibility/2006" xmlns:a14="http://schemas.microsoft.com/office/drawing/2007/7/7/main" val="000000" mc:Ignorable="">
                       <a:alpha val="43137"/>
                     </a:srgbClr>
                   </a:outerShdw>
@@ -12701,7 +13214,7 @@
     </p:spTree>
     <p:extLst>
       <p:ext uri="{BB962C8B-B14F-4D97-AF65-F5344CB8AC3E}">
-        <p14:creationId xmlns:p14="http://schemas.microsoft.com/office/powerpoint/2007/7/12/main" xmlns="" val="2448966025"/>
+        <p14:creationId xmlns:p14="http://schemas.microsoft.com/office/powerpoint/2007/7/12/main" val="2448966025"/>
       </p:ext>
     </p:extLst>
   </p:cSld>
@@ -12711,478 +13224,7 @@
   <p:timing>
     <p:tnLst>
       <p:par>
-        <p:cTn id="1" dur="indefinite" restart="never" nodeType="tmRoot"/>
-      </p:par>
-    </p:tnLst>
-  </p:timing>
-</p:sld>
-</file>
-
-<file path=ppt/slides/slide17.xml><?xml version="1.0" encoding="utf-8"?>
-<p:sld xmlns:a="http://schemas.openxmlformats.org/drawingml/2006/main" xmlns:r="http://schemas.openxmlformats.org/officeDocument/2006/relationships" xmlns:p="http://schemas.openxmlformats.org/presentationml/2006/main">
-  <p:cSld>
-    <p:spTree>
-      <p:nvGrpSpPr>
-        <p:cNvPr id="1" name=""/>
-        <p:cNvGrpSpPr/>
-        <p:nvPr/>
-      </p:nvGrpSpPr>
-      <p:grpSpPr>
-        <a:xfrm>
-          <a:off x="0" y="0"/>
-          <a:ext cx="0" cy="0"/>
-          <a:chOff x="0" y="0"/>
-          <a:chExt cx="0" cy="0"/>
-        </a:xfrm>
-      </p:grpSpPr>
-      <p:sp>
-        <p:nvSpPr>
-          <p:cNvPr id="2" name="Title 1"/>
-          <p:cNvSpPr>
-            <a:spLocks noGrp="1"/>
-          </p:cNvSpPr>
-          <p:nvPr>
-            <p:ph type="ctrTitle"/>
-          </p:nvPr>
-        </p:nvSpPr>
-        <p:spPr/>
-        <p:txBody>
-          <a:bodyPr/>
-          <a:lstStyle/>
-          <a:p>
-            <a:r>
-              <a:rPr lang="fr-FR" sz="2800" dirty="0"/>
-              <a:t>Providing </a:t>
-            </a:r>
-            <a:r>
-              <a:rPr lang="fr-FR" sz="2800" dirty="0" err="1"/>
-              <a:t>failure</a:t>
-            </a:r>
-            <a:r>
-              <a:rPr lang="fr-FR" sz="2800" dirty="0"/>
-              <a:t> </a:t>
-            </a:r>
-            <a:r>
-              <a:rPr lang="fr-FR" sz="2800" dirty="0" err="1"/>
-              <a:t>localization</a:t>
-            </a:r>
-            <a:r>
-              <a:rPr lang="fr-FR" sz="2800" dirty="0" smtClean="0"/>
-              <a:t>(</a:t>
-            </a:r>
-            <a:r>
-              <a:rPr lang="fr-FR" sz="2800" dirty="0" err="1" smtClean="0"/>
-              <a:t>cont</a:t>
-            </a:r>
-            <a:r>
-              <a:rPr lang="fr-FR" sz="2800" dirty="0" smtClean="0"/>
-              <a:t>.)</a:t>
-            </a:r>
-            <a:endParaRPr lang="fr-FR" sz="2800" dirty="0"/>
-          </a:p>
-        </p:txBody>
-      </p:sp>
-      <p:sp>
-        <p:nvSpPr>
-          <p:cNvPr id="3" name="Text Placeholder 2"/>
-          <p:cNvSpPr>
-            <a:spLocks noGrp="1"/>
-          </p:cNvSpPr>
-          <p:nvPr>
-            <p:ph type="body" sz="quarter" idx="10"/>
-          </p:nvPr>
-        </p:nvSpPr>
-        <p:spPr/>
-        <p:txBody>
-          <a:bodyPr/>
-          <a:lstStyle/>
-          <a:p>
-            <a:r>
-              <a:rPr lang="fr-FR" dirty="0" smtClean="0"/>
-              <a:t>The FDIR Storage System  </a:t>
-            </a:r>
-            <a:r>
-              <a:rPr lang="fr-FR" dirty="0" err="1" smtClean="0"/>
-              <a:t>contains</a:t>
-            </a:r>
-            <a:r>
-              <a:rPr lang="fr-FR" dirty="0" smtClean="0"/>
-              <a:t> the </a:t>
-            </a:r>
-            <a:r>
-              <a:rPr lang="fr-FR" dirty="0" err="1" smtClean="0"/>
-              <a:t>collected</a:t>
-            </a:r>
-            <a:r>
-              <a:rPr lang="fr-FR" dirty="0" smtClean="0"/>
-              <a:t> values or data </a:t>
-            </a:r>
-            <a:r>
-              <a:rPr lang="fr-FR" dirty="0" err="1" smtClean="0"/>
-              <a:t>from</a:t>
-            </a:r>
-            <a:r>
-              <a:rPr lang="fr-FR" dirty="0" smtClean="0"/>
-              <a:t> </a:t>
-            </a:r>
-            <a:r>
-              <a:rPr lang="fr-FR" dirty="0" err="1" smtClean="0"/>
-              <a:t>devices</a:t>
-            </a:r>
-            <a:endParaRPr lang="fr-FR" dirty="0" smtClean="0"/>
-          </a:p>
-          <a:p>
-            <a:endParaRPr lang="fr-FR" dirty="0"/>
-          </a:p>
-          <a:p>
-            <a:r>
-              <a:rPr lang="fr-FR" dirty="0" smtClean="0"/>
-              <a:t>FDIR </a:t>
-            </a:r>
-            <a:r>
-              <a:rPr lang="fr-FR" dirty="0" err="1" smtClean="0"/>
-              <a:t>checks</a:t>
-            </a:r>
-            <a:r>
-              <a:rPr lang="fr-FR" dirty="0" smtClean="0"/>
-              <a:t> the inputs </a:t>
-            </a:r>
-            <a:r>
-              <a:rPr lang="fr-FR" dirty="0" err="1" smtClean="0"/>
-              <a:t>from</a:t>
-            </a:r>
-            <a:r>
-              <a:rPr lang="fr-FR" dirty="0" smtClean="0"/>
-              <a:t> the </a:t>
-            </a:r>
-            <a:r>
-              <a:rPr lang="fr-FR" dirty="0" err="1" smtClean="0"/>
-              <a:t>storage</a:t>
-            </a:r>
-            <a:r>
-              <a:rPr lang="fr-FR" dirty="0" smtClean="0"/>
-              <a:t> system, and analyses </a:t>
-            </a:r>
-            <a:r>
-              <a:rPr lang="fr-FR" dirty="0" err="1" smtClean="0"/>
-              <a:t>these</a:t>
-            </a:r>
-            <a:r>
-              <a:rPr lang="fr-FR" dirty="0" smtClean="0"/>
-              <a:t> inputs to </a:t>
-            </a:r>
-            <a:r>
-              <a:rPr lang="fr-FR" dirty="0" err="1" smtClean="0"/>
-              <a:t>determine</a:t>
-            </a:r>
-            <a:r>
-              <a:rPr lang="fr-FR" dirty="0" smtClean="0"/>
-              <a:t> </a:t>
-            </a:r>
-            <a:r>
-              <a:rPr lang="fr-FR" dirty="0" err="1" smtClean="0"/>
-              <a:t>failure</a:t>
-            </a:r>
-            <a:r>
-              <a:rPr lang="fr-FR" dirty="0" smtClean="0"/>
-              <a:t> location.</a:t>
-            </a:r>
-          </a:p>
-          <a:p>
-            <a:endParaRPr lang="fr-FR" dirty="0"/>
-          </a:p>
-          <a:p>
-            <a:r>
-              <a:rPr lang="fr-FR" dirty="0" err="1" smtClean="0"/>
-              <a:t>Failure</a:t>
-            </a:r>
-            <a:r>
-              <a:rPr lang="fr-FR" dirty="0" smtClean="0"/>
-              <a:t> location </a:t>
-            </a:r>
-            <a:r>
-              <a:rPr lang="fr-FR" dirty="0" err="1" smtClean="0"/>
-              <a:t>is</a:t>
-            </a:r>
-            <a:r>
-              <a:rPr lang="fr-FR" dirty="0" smtClean="0"/>
-              <a:t> </a:t>
-            </a:r>
-            <a:r>
-              <a:rPr lang="fr-FR" dirty="0" err="1" smtClean="0"/>
-              <a:t>written</a:t>
-            </a:r>
-            <a:r>
-              <a:rPr lang="fr-FR" dirty="0" smtClean="0"/>
-              <a:t> </a:t>
-            </a:r>
-            <a:r>
-              <a:rPr lang="fr-FR" dirty="0" err="1" smtClean="0"/>
-              <a:t>into</a:t>
-            </a:r>
-            <a:r>
-              <a:rPr lang="fr-FR" dirty="0" smtClean="0"/>
-              <a:t> a report.</a:t>
-            </a:r>
-            <a:endParaRPr lang="fr-FR" dirty="0"/>
-          </a:p>
-        </p:txBody>
-      </p:sp>
-      <p:sp>
-        <p:nvSpPr>
-          <p:cNvPr id="4" name="ZoneTexte 3"/>
-          <p:cNvSpPr txBox="1"/>
-          <p:nvPr/>
-        </p:nvSpPr>
-        <p:spPr>
-          <a:xfrm>
-            <a:off x="-32" y="0"/>
-            <a:ext cx="1928812" cy="276225"/>
-          </a:xfrm>
-          <a:prstGeom prst="rect">
-            <a:avLst/>
-          </a:prstGeom>
-          <a:noFill/>
-        </p:spPr>
-        <p:txBody>
-          <a:bodyPr>
-            <a:spAutoFit/>
-          </a:bodyPr>
-          <a:lstStyle/>
-          <a:p>
-            <a:pPr algn="ctr" fontAlgn="auto">
-              <a:spcBef>
-                <a:spcPct val="20000"/>
-              </a:spcBef>
-              <a:spcAft>
-                <a:spcPts val="0"/>
-              </a:spcAft>
-              <a:defRPr/>
-            </a:pPr>
-            <a:r>
-              <a:rPr lang="fr-FR" sz="1200" kern="0" dirty="0" smtClean="0">
-                <a:solidFill>
-                  <a:schemeClr val="bg1">
-                    <a:lumMod val="50000"/>
-                  </a:schemeClr>
-                </a:solidFill>
-                <a:latin typeface="+mn-lt"/>
-                <a:cs typeface="+mn-cs"/>
-              </a:rPr>
-              <a:t>Domain identification</a:t>
-            </a:r>
-            <a:endParaRPr lang="fr-FR" sz="1200" kern="0" dirty="0">
-              <a:solidFill>
-                <a:schemeClr val="bg1">
-                  <a:lumMod val="50000"/>
-                </a:schemeClr>
-              </a:solidFill>
-              <a:latin typeface="+mn-lt"/>
-              <a:cs typeface="+mn-cs"/>
-            </a:endParaRPr>
-          </a:p>
-        </p:txBody>
-      </p:sp>
-      <p:sp>
-        <p:nvSpPr>
-          <p:cNvPr id="5" name="ZoneTexte 4"/>
-          <p:cNvSpPr txBox="1"/>
-          <p:nvPr/>
-        </p:nvSpPr>
-        <p:spPr>
-          <a:xfrm>
-            <a:off x="2143122" y="0"/>
-            <a:ext cx="1928812" cy="276225"/>
-          </a:xfrm>
-          <a:prstGeom prst="rect">
-            <a:avLst/>
-          </a:prstGeom>
-          <a:noFill/>
-        </p:spPr>
-        <p:txBody>
-          <a:bodyPr>
-            <a:spAutoFit/>
-          </a:bodyPr>
-          <a:lstStyle/>
-          <a:p>
-            <a:pPr algn="ctr" fontAlgn="auto">
-              <a:spcBef>
-                <a:spcPct val="20000"/>
-              </a:spcBef>
-              <a:spcAft>
-                <a:spcPts val="0"/>
-              </a:spcAft>
-              <a:defRPr/>
-            </a:pPr>
-            <a:r>
-              <a:rPr lang="fr-FR" sz="1200" kern="0" dirty="0" err="1" smtClean="0">
-                <a:solidFill>
-                  <a:schemeClr val="bg1">
-                    <a:lumMod val="50000"/>
-                  </a:schemeClr>
-                </a:solidFill>
-                <a:latin typeface="+mn-lt"/>
-                <a:cs typeface="+mn-cs"/>
-              </a:rPr>
-              <a:t>Requirements</a:t>
-            </a:r>
-            <a:endParaRPr lang="fr-FR" sz="1200" kern="0" dirty="0">
-              <a:solidFill>
-                <a:schemeClr val="bg1">
-                  <a:lumMod val="50000"/>
-                </a:schemeClr>
-              </a:solidFill>
-              <a:latin typeface="+mn-lt"/>
-              <a:cs typeface="+mn-cs"/>
-            </a:endParaRPr>
-          </a:p>
-        </p:txBody>
-      </p:sp>
-      <p:sp>
-        <p:nvSpPr>
-          <p:cNvPr id="6" name="ZoneTexte 5"/>
-          <p:cNvSpPr txBox="1"/>
-          <p:nvPr/>
-        </p:nvSpPr>
-        <p:spPr>
-          <a:xfrm>
-            <a:off x="4214818" y="0"/>
-            <a:ext cx="2571760" cy="276999"/>
-          </a:xfrm>
-          <a:prstGeom prst="rect">
-            <a:avLst/>
-          </a:prstGeom>
-          <a:noFill/>
-        </p:spPr>
-        <p:txBody>
-          <a:bodyPr wrap="square">
-            <a:spAutoFit/>
-          </a:bodyPr>
-          <a:lstStyle/>
-          <a:p>
-            <a:pPr algn="ctr" fontAlgn="auto">
-              <a:spcBef>
-                <a:spcPct val="20000"/>
-              </a:spcBef>
-              <a:spcAft>
-                <a:spcPts val="0"/>
-              </a:spcAft>
-              <a:defRPr/>
-            </a:pPr>
-            <a:r>
-              <a:rPr lang="fr-FR" sz="1200" kern="0" dirty="0" err="1" smtClean="0">
-                <a:solidFill>
-                  <a:schemeClr val="bg1">
-                    <a:lumMod val="50000"/>
-                  </a:schemeClr>
-                </a:solidFill>
-                <a:latin typeface="+mn-lt"/>
-                <a:cs typeface="+mn-cs"/>
-              </a:rPr>
-              <a:t>Context</a:t>
-            </a:r>
-            <a:r>
-              <a:rPr lang="fr-FR" sz="1200" kern="0" dirty="0" smtClean="0">
-                <a:solidFill>
-                  <a:schemeClr val="bg1">
-                    <a:lumMod val="50000"/>
-                  </a:schemeClr>
-                </a:solidFill>
-                <a:latin typeface="+mn-lt"/>
-                <a:cs typeface="+mn-cs"/>
-              </a:rPr>
-              <a:t> </a:t>
-            </a:r>
-            <a:r>
-              <a:rPr lang="fr-FR" sz="1200" kern="0" dirty="0" err="1" smtClean="0">
-                <a:solidFill>
-                  <a:schemeClr val="bg1">
-                    <a:lumMod val="50000"/>
-                  </a:schemeClr>
-                </a:solidFill>
-                <a:latin typeface="+mn-lt"/>
-                <a:cs typeface="+mn-cs"/>
-              </a:rPr>
-              <a:t>diagram</a:t>
-            </a:r>
-            <a:endParaRPr lang="fr-FR" sz="1200" kern="0" dirty="0">
-              <a:solidFill>
-                <a:schemeClr val="bg1">
-                  <a:lumMod val="50000"/>
-                </a:schemeClr>
-              </a:solidFill>
-              <a:latin typeface="+mn-lt"/>
-              <a:cs typeface="+mn-cs"/>
-            </a:endParaRPr>
-          </a:p>
-        </p:txBody>
-      </p:sp>
-      <p:sp>
-        <p:nvSpPr>
-          <p:cNvPr id="7" name="ZoneTexte 6"/>
-          <p:cNvSpPr txBox="1"/>
-          <p:nvPr/>
-        </p:nvSpPr>
-        <p:spPr>
-          <a:xfrm>
-            <a:off x="6572277" y="0"/>
-            <a:ext cx="1928813" cy="276225"/>
-          </a:xfrm>
-          <a:prstGeom prst="rect">
-            <a:avLst/>
-          </a:prstGeom>
-          <a:noFill/>
-        </p:spPr>
-        <p:txBody>
-          <a:bodyPr>
-            <a:spAutoFit/>
-          </a:bodyPr>
-          <a:lstStyle/>
-          <a:p>
-            <a:pPr algn="ctr" fontAlgn="auto">
-              <a:spcBef>
-                <a:spcPct val="20000"/>
-              </a:spcBef>
-              <a:spcAft>
-                <a:spcPts val="0"/>
-              </a:spcAft>
-              <a:defRPr/>
-            </a:pPr>
-            <a:r>
-              <a:rPr lang="fr-FR" sz="1200" b="1" u="sng" kern="0" dirty="0" err="1" smtClean="0">
-                <a:latin typeface="+mn-lt"/>
-                <a:cs typeface="+mn-cs"/>
-              </a:rPr>
-              <a:t>Problem</a:t>
-            </a:r>
-            <a:r>
-              <a:rPr lang="fr-FR" sz="1200" b="1" u="sng" kern="0" dirty="0" smtClean="0">
-                <a:latin typeface="+mn-lt"/>
-                <a:cs typeface="+mn-cs"/>
-              </a:rPr>
-              <a:t> frames</a:t>
-            </a:r>
-            <a:endParaRPr lang="fr-FR" sz="1200" b="1" u="sng" kern="0" dirty="0">
-              <a:latin typeface="+mn-lt"/>
-              <a:cs typeface="+mn-cs"/>
-            </a:endParaRPr>
-          </a:p>
-        </p:txBody>
-      </p:sp>
-    </p:spTree>
-    <p:extLst>
-      <p:ext uri="{BB962C8B-B14F-4D97-AF65-F5344CB8AC3E}">
-        <p14:creationId xmlns:p14="http://schemas.microsoft.com/office/powerpoint/2007/7/12/main" xmlns="" val="883924539"/>
-      </p:ext>
-    </p:extLst>
-  </p:cSld>
-  <p:clrMapOvr>
-    <a:masterClrMapping/>
-  </p:clrMapOvr>
-  <p:timing>
-    <p:tnLst>
-      <p:par>
-        <p:cTn id="1" dur="indefinite" restart="never" nodeType="tmRoot"/>
+        <p:cTn xmlns:p14="http://schemas.microsoft.com/office/powerpoint/2007/7/12/main" id="1" dur="indefinite" restart="never" nodeType="tmRoot"/>
       </p:par>
     </p:tnLst>
   </p:timing>
@@ -13216,16 +13258,589 @@
             <p:ph type="ctrTitle"/>
           </p:nvPr>
         </p:nvSpPr>
+        <p:spPr>
+          <a:xfrm>
+            <a:off x="300038" y="375320"/>
+            <a:ext cx="8486804" cy="533400"/>
+          </a:xfrm>
+        </p:spPr>
+        <p:txBody>
+          <a:bodyPr/>
+          <a:lstStyle/>
+          <a:p>
+            <a:r>
+              <a:rPr lang="en-US" sz="2400" dirty="0" smtClean="0"/>
+              <a:t>Response in case of unresolvable </a:t>
+            </a:r>
+            <a:r>
+              <a:rPr lang="en-US" sz="2400" dirty="0" smtClean="0"/>
+              <a:t>conditions</a:t>
+            </a:r>
+            <a:endParaRPr lang="fr-FR" sz="2400" dirty="0"/>
+          </a:p>
+        </p:txBody>
+      </p:sp>
+      <p:sp>
+        <p:nvSpPr>
+          <p:cNvPr id="3" name="Text Placeholder 2"/>
+          <p:cNvSpPr>
+            <a:spLocks noGrp="1"/>
+          </p:cNvSpPr>
+          <p:nvPr>
+            <p:ph type="body" sz="quarter" idx="10"/>
+          </p:nvPr>
+        </p:nvSpPr>
         <p:spPr/>
         <p:txBody>
           <a:bodyPr/>
           <a:lstStyle/>
           <a:p>
             <a:r>
-              <a:rPr lang="en-US" sz="2800" dirty="0" smtClean="0"/>
-              <a:t>Response in case of unresolvable conditions</a:t>
-            </a:r>
-            <a:endParaRPr lang="fr-FR" sz="2800" dirty="0"/>
+              <a:rPr lang="fr-FR" dirty="0" smtClean="0"/>
+              <a:t>This  case </a:t>
+            </a:r>
+            <a:r>
+              <a:rPr lang="fr-FR" dirty="0" err="1" smtClean="0"/>
+              <a:t>is</a:t>
+            </a:r>
+            <a:r>
+              <a:rPr lang="fr-FR" dirty="0" smtClean="0"/>
+              <a:t> </a:t>
+            </a:r>
+            <a:r>
+              <a:rPr lang="fr-FR" dirty="0" err="1" smtClean="0"/>
+              <a:t>achieved</a:t>
+            </a:r>
+            <a:r>
+              <a:rPr lang="fr-FR" dirty="0" smtClean="0"/>
+              <a:t> </a:t>
+            </a:r>
+            <a:r>
+              <a:rPr lang="fr-FR" dirty="0" err="1" smtClean="0"/>
+              <a:t>when</a:t>
+            </a:r>
+            <a:r>
+              <a:rPr lang="fr-FR" dirty="0" smtClean="0"/>
+              <a:t> </a:t>
+            </a:r>
+            <a:r>
+              <a:rPr lang="fr-FR" dirty="0" err="1" smtClean="0"/>
+              <a:t>automatical</a:t>
+            </a:r>
+            <a:r>
+              <a:rPr lang="fr-FR" dirty="0" smtClean="0"/>
+              <a:t> </a:t>
+            </a:r>
+            <a:r>
+              <a:rPr lang="fr-FR" dirty="0" err="1" smtClean="0"/>
+              <a:t>recovering</a:t>
+            </a:r>
+            <a:r>
+              <a:rPr lang="fr-FR" dirty="0" smtClean="0"/>
+              <a:t> </a:t>
+            </a:r>
+            <a:r>
+              <a:rPr lang="fr-FR" dirty="0" err="1" smtClean="0"/>
+              <a:t>failed</a:t>
+            </a:r>
+            <a:endParaRPr lang="fr-FR" dirty="0" smtClean="0"/>
+          </a:p>
+          <a:p>
+            <a:endParaRPr lang="fr-FR" dirty="0"/>
+          </a:p>
+          <a:p>
+            <a:r>
+              <a:rPr lang="fr-FR" dirty="0" smtClean="0"/>
+              <a:t>The FDIR Storage System  </a:t>
+            </a:r>
+            <a:r>
+              <a:rPr lang="fr-FR" dirty="0" err="1" smtClean="0"/>
+              <a:t>contains</a:t>
+            </a:r>
+            <a:r>
+              <a:rPr lang="fr-FR" dirty="0" smtClean="0"/>
+              <a:t> the </a:t>
+            </a:r>
+            <a:r>
+              <a:rPr lang="fr-FR" dirty="0" err="1" smtClean="0"/>
+              <a:t>collected</a:t>
+            </a:r>
+            <a:r>
+              <a:rPr lang="fr-FR" dirty="0" smtClean="0"/>
+              <a:t> values or data </a:t>
+            </a:r>
+            <a:r>
+              <a:rPr lang="fr-FR" dirty="0" err="1" smtClean="0"/>
+              <a:t>from</a:t>
+            </a:r>
+            <a:r>
+              <a:rPr lang="fr-FR" dirty="0" smtClean="0"/>
+              <a:t> </a:t>
+            </a:r>
+            <a:r>
+              <a:rPr lang="fr-FR" dirty="0" err="1" smtClean="0"/>
+              <a:t>devices</a:t>
+            </a:r>
+            <a:endParaRPr lang="fr-FR" dirty="0" smtClean="0"/>
+          </a:p>
+          <a:p>
+            <a:endParaRPr lang="fr-FR" dirty="0" smtClean="0"/>
+          </a:p>
+          <a:p>
+            <a:r>
+              <a:rPr lang="fr-FR" dirty="0" smtClean="0"/>
+              <a:t>FDIR </a:t>
+            </a:r>
+            <a:r>
+              <a:rPr lang="fr-FR" dirty="0" err="1" smtClean="0"/>
+              <a:t>checks</a:t>
+            </a:r>
+            <a:r>
+              <a:rPr lang="fr-FR" dirty="0" smtClean="0"/>
+              <a:t> the inputs </a:t>
+            </a:r>
+            <a:r>
+              <a:rPr lang="fr-FR" dirty="0" err="1" smtClean="0"/>
+              <a:t>from</a:t>
+            </a:r>
+            <a:r>
+              <a:rPr lang="fr-FR" dirty="0" smtClean="0"/>
+              <a:t> the </a:t>
+            </a:r>
+            <a:r>
+              <a:rPr lang="fr-FR" dirty="0" err="1" smtClean="0"/>
+              <a:t>storage</a:t>
+            </a:r>
+            <a:r>
+              <a:rPr lang="fr-FR" dirty="0" smtClean="0"/>
+              <a:t> system, and analyses </a:t>
+            </a:r>
+            <a:r>
+              <a:rPr lang="fr-FR" dirty="0" err="1" smtClean="0"/>
+              <a:t>these</a:t>
+            </a:r>
+            <a:r>
+              <a:rPr lang="fr-FR" dirty="0" smtClean="0"/>
+              <a:t> inputs to </a:t>
+            </a:r>
+            <a:r>
+              <a:rPr lang="fr-FR" dirty="0" err="1" smtClean="0"/>
+              <a:t>determine</a:t>
+            </a:r>
+            <a:r>
+              <a:rPr lang="fr-FR" dirty="0" smtClean="0"/>
+              <a:t> if </a:t>
+            </a:r>
+            <a:r>
+              <a:rPr lang="fr-FR" dirty="0" err="1" smtClean="0"/>
+              <a:t>unresolvable</a:t>
+            </a:r>
+            <a:r>
+              <a:rPr lang="fr-FR" dirty="0" smtClean="0"/>
+              <a:t> condition has been </a:t>
+            </a:r>
+            <a:r>
+              <a:rPr lang="fr-FR" dirty="0" err="1" smtClean="0"/>
+              <a:t>reached</a:t>
+            </a:r>
+            <a:r>
+              <a:rPr lang="fr-FR" dirty="0" smtClean="0"/>
+              <a:t>.</a:t>
+            </a:r>
+          </a:p>
+          <a:p>
+            <a:endParaRPr lang="fr-FR" dirty="0" smtClean="0"/>
+          </a:p>
+          <a:p>
+            <a:r>
+              <a:rPr lang="fr-FR" dirty="0" smtClean="0"/>
+              <a:t>Informations about </a:t>
+            </a:r>
+            <a:r>
+              <a:rPr lang="fr-FR" dirty="0" err="1" smtClean="0"/>
+              <a:t>unresolvable</a:t>
+            </a:r>
+            <a:r>
+              <a:rPr lang="fr-FR" dirty="0" smtClean="0"/>
+              <a:t> condition </a:t>
+            </a:r>
+            <a:r>
+              <a:rPr lang="fr-FR" dirty="0" err="1" smtClean="0"/>
+              <a:t>is</a:t>
+            </a:r>
+            <a:r>
+              <a:rPr lang="fr-FR" dirty="0" smtClean="0"/>
+              <a:t> </a:t>
+            </a:r>
+            <a:r>
+              <a:rPr lang="fr-FR" dirty="0" err="1" smtClean="0"/>
+              <a:t>written</a:t>
+            </a:r>
+            <a:r>
+              <a:rPr lang="fr-FR" dirty="0" smtClean="0"/>
+              <a:t> </a:t>
+            </a:r>
+            <a:r>
+              <a:rPr lang="fr-FR" dirty="0" err="1" smtClean="0"/>
+              <a:t>into</a:t>
+            </a:r>
+            <a:r>
+              <a:rPr lang="fr-FR" dirty="0" smtClean="0"/>
+              <a:t> a report sent as a notification to the </a:t>
+            </a:r>
+            <a:r>
+              <a:rPr lang="fr-FR" dirty="0" err="1" smtClean="0"/>
+              <a:t>crew</a:t>
+            </a:r>
+            <a:r>
+              <a:rPr lang="fr-FR" dirty="0" smtClean="0"/>
+              <a:t> </a:t>
+            </a:r>
+            <a:r>
+              <a:rPr lang="fr-FR" dirty="0" err="1" smtClean="0"/>
+              <a:t>members</a:t>
+            </a:r>
+            <a:endParaRPr lang="fr-FR" dirty="0"/>
+          </a:p>
+          <a:p>
+            <a:endParaRPr lang="fr-FR" dirty="0" smtClean="0"/>
+          </a:p>
+          <a:p>
+            <a:endParaRPr lang="fr-FR" dirty="0" smtClean="0"/>
+          </a:p>
+          <a:p>
+            <a:endParaRPr lang="fr-FR" dirty="0" smtClean="0"/>
+          </a:p>
+          <a:p>
+            <a:endParaRPr lang="fr-FR" dirty="0" smtClean="0"/>
+          </a:p>
+          <a:p>
+            <a:endParaRPr lang="fr-FR" dirty="0" smtClean="0"/>
+          </a:p>
+          <a:p>
+            <a:endParaRPr lang="fr-FR" dirty="0"/>
+          </a:p>
+        </p:txBody>
+      </p:sp>
+      <p:sp>
+        <p:nvSpPr>
+          <p:cNvPr id="4" name="ZoneTexte 3"/>
+          <p:cNvSpPr txBox="1"/>
+          <p:nvPr/>
+        </p:nvSpPr>
+        <p:spPr>
+          <a:xfrm>
+            <a:off x="-32" y="0"/>
+            <a:ext cx="1928812" cy="276225"/>
+          </a:xfrm>
+          <a:prstGeom prst="rect">
+            <a:avLst/>
+          </a:prstGeom>
+          <a:noFill/>
+        </p:spPr>
+        <p:txBody>
+          <a:bodyPr>
+            <a:spAutoFit/>
+          </a:bodyPr>
+          <a:lstStyle/>
+          <a:p>
+            <a:pPr algn="ctr" fontAlgn="auto">
+              <a:spcBef>
+                <a:spcPct val="20000"/>
+              </a:spcBef>
+              <a:spcAft>
+                <a:spcPts val="0"/>
+              </a:spcAft>
+              <a:defRPr/>
+            </a:pPr>
+            <a:r>
+              <a:rPr lang="fr-FR" sz="1200" kern="0" dirty="0" smtClean="0">
+                <a:solidFill>
+                  <a:schemeClr val="bg1">
+                    <a:lumMod val="50000"/>
+                  </a:schemeClr>
+                </a:solidFill>
+                <a:latin typeface="+mn-lt"/>
+                <a:cs typeface="+mn-cs"/>
+              </a:rPr>
+              <a:t>Domain identification</a:t>
+            </a:r>
+            <a:endParaRPr lang="fr-FR" sz="1200" kern="0" dirty="0">
+              <a:solidFill>
+                <a:schemeClr val="bg1">
+                  <a:lumMod val="50000"/>
+                </a:schemeClr>
+              </a:solidFill>
+              <a:latin typeface="+mn-lt"/>
+              <a:cs typeface="+mn-cs"/>
+            </a:endParaRPr>
+          </a:p>
+        </p:txBody>
+      </p:sp>
+      <p:sp>
+        <p:nvSpPr>
+          <p:cNvPr id="5" name="ZoneTexte 4"/>
+          <p:cNvSpPr txBox="1"/>
+          <p:nvPr/>
+        </p:nvSpPr>
+        <p:spPr>
+          <a:xfrm>
+            <a:off x="2143122" y="0"/>
+            <a:ext cx="1928812" cy="276225"/>
+          </a:xfrm>
+          <a:prstGeom prst="rect">
+            <a:avLst/>
+          </a:prstGeom>
+          <a:noFill/>
+        </p:spPr>
+        <p:txBody>
+          <a:bodyPr>
+            <a:spAutoFit/>
+          </a:bodyPr>
+          <a:lstStyle/>
+          <a:p>
+            <a:pPr algn="ctr" fontAlgn="auto">
+              <a:spcBef>
+                <a:spcPct val="20000"/>
+              </a:spcBef>
+              <a:spcAft>
+                <a:spcPts val="0"/>
+              </a:spcAft>
+              <a:defRPr/>
+            </a:pPr>
+            <a:r>
+              <a:rPr lang="fr-FR" sz="1200" kern="0" dirty="0" err="1" smtClean="0">
+                <a:solidFill>
+                  <a:schemeClr val="bg1">
+                    <a:lumMod val="50000"/>
+                  </a:schemeClr>
+                </a:solidFill>
+                <a:latin typeface="+mn-lt"/>
+                <a:cs typeface="+mn-cs"/>
+              </a:rPr>
+              <a:t>Requirements</a:t>
+            </a:r>
+            <a:endParaRPr lang="fr-FR" sz="1200" kern="0" dirty="0">
+              <a:solidFill>
+                <a:schemeClr val="bg1">
+                  <a:lumMod val="50000"/>
+                </a:schemeClr>
+              </a:solidFill>
+              <a:latin typeface="+mn-lt"/>
+              <a:cs typeface="+mn-cs"/>
+            </a:endParaRPr>
+          </a:p>
+        </p:txBody>
+      </p:sp>
+      <p:sp>
+        <p:nvSpPr>
+          <p:cNvPr id="6" name="ZoneTexte 5"/>
+          <p:cNvSpPr txBox="1"/>
+          <p:nvPr/>
+        </p:nvSpPr>
+        <p:spPr>
+          <a:xfrm>
+            <a:off x="4214818" y="0"/>
+            <a:ext cx="2571760" cy="276999"/>
+          </a:xfrm>
+          <a:prstGeom prst="rect">
+            <a:avLst/>
+          </a:prstGeom>
+          <a:noFill/>
+        </p:spPr>
+        <p:txBody>
+          <a:bodyPr wrap="square">
+            <a:spAutoFit/>
+          </a:bodyPr>
+          <a:lstStyle/>
+          <a:p>
+            <a:pPr algn="ctr" fontAlgn="auto">
+              <a:spcBef>
+                <a:spcPct val="20000"/>
+              </a:spcBef>
+              <a:spcAft>
+                <a:spcPts val="0"/>
+              </a:spcAft>
+              <a:defRPr/>
+            </a:pPr>
+            <a:r>
+              <a:rPr lang="fr-FR" sz="1200" kern="0" dirty="0" err="1" smtClean="0">
+                <a:solidFill>
+                  <a:schemeClr val="bg1">
+                    <a:lumMod val="50000"/>
+                  </a:schemeClr>
+                </a:solidFill>
+                <a:latin typeface="+mn-lt"/>
+                <a:cs typeface="+mn-cs"/>
+              </a:rPr>
+              <a:t>Context</a:t>
+            </a:r>
+            <a:r>
+              <a:rPr lang="fr-FR" sz="1200" kern="0" dirty="0" smtClean="0">
+                <a:solidFill>
+                  <a:schemeClr val="bg1">
+                    <a:lumMod val="50000"/>
+                  </a:schemeClr>
+                </a:solidFill>
+                <a:latin typeface="+mn-lt"/>
+                <a:cs typeface="+mn-cs"/>
+              </a:rPr>
+              <a:t> </a:t>
+            </a:r>
+            <a:r>
+              <a:rPr lang="fr-FR" sz="1200" kern="0" dirty="0" err="1" smtClean="0">
+                <a:solidFill>
+                  <a:schemeClr val="bg1">
+                    <a:lumMod val="50000"/>
+                  </a:schemeClr>
+                </a:solidFill>
+                <a:latin typeface="+mn-lt"/>
+                <a:cs typeface="+mn-cs"/>
+              </a:rPr>
+              <a:t>diagram</a:t>
+            </a:r>
+            <a:endParaRPr lang="fr-FR" sz="1200" kern="0" dirty="0">
+              <a:solidFill>
+                <a:schemeClr val="bg1">
+                  <a:lumMod val="50000"/>
+                </a:schemeClr>
+              </a:solidFill>
+              <a:latin typeface="+mn-lt"/>
+              <a:cs typeface="+mn-cs"/>
+            </a:endParaRPr>
+          </a:p>
+        </p:txBody>
+      </p:sp>
+      <p:sp>
+        <p:nvSpPr>
+          <p:cNvPr id="7" name="ZoneTexte 6"/>
+          <p:cNvSpPr txBox="1"/>
+          <p:nvPr/>
+        </p:nvSpPr>
+        <p:spPr>
+          <a:xfrm>
+            <a:off x="6572277" y="0"/>
+            <a:ext cx="1928813" cy="276225"/>
+          </a:xfrm>
+          <a:prstGeom prst="rect">
+            <a:avLst/>
+          </a:prstGeom>
+          <a:noFill/>
+        </p:spPr>
+        <p:txBody>
+          <a:bodyPr>
+            <a:spAutoFit/>
+          </a:bodyPr>
+          <a:lstStyle/>
+          <a:p>
+            <a:pPr algn="ctr" fontAlgn="auto">
+              <a:spcBef>
+                <a:spcPct val="20000"/>
+              </a:spcBef>
+              <a:spcAft>
+                <a:spcPts val="0"/>
+              </a:spcAft>
+              <a:defRPr/>
+            </a:pPr>
+            <a:r>
+              <a:rPr lang="fr-FR" sz="1200" b="1" u="sng" kern="0" dirty="0" err="1" smtClean="0">
+                <a:latin typeface="+mn-lt"/>
+                <a:cs typeface="+mn-cs"/>
+              </a:rPr>
+              <a:t>Problem</a:t>
+            </a:r>
+            <a:r>
+              <a:rPr lang="fr-FR" sz="1200" b="1" u="sng" kern="0" dirty="0" smtClean="0">
+                <a:latin typeface="+mn-lt"/>
+                <a:cs typeface="+mn-cs"/>
+              </a:rPr>
+              <a:t> frames</a:t>
+            </a:r>
+            <a:endParaRPr lang="fr-FR" sz="1200" b="1" u="sng" kern="0" dirty="0">
+              <a:latin typeface="+mn-lt"/>
+              <a:cs typeface="+mn-cs"/>
+            </a:endParaRPr>
+          </a:p>
+        </p:txBody>
+      </p:sp>
+    </p:spTree>
+    <p:extLst>
+      <p:ext uri="{BB962C8B-B14F-4D97-AF65-F5344CB8AC3E}">
+        <p14:creationId xmlns:p14="http://schemas.microsoft.com/office/powerpoint/2007/7/12/main" val="1198493022"/>
+      </p:ext>
+    </p:extLst>
+  </p:cSld>
+  <p:clrMapOvr>
+    <a:masterClrMapping/>
+  </p:clrMapOvr>
+  <p:timing>
+    <p:tnLst>
+      <p:par>
+        <p:cTn xmlns:p14="http://schemas.microsoft.com/office/powerpoint/2007/7/12/main" id="1" dur="indefinite" restart="never" nodeType="tmRoot"/>
+      </p:par>
+    </p:tnLst>
+  </p:timing>
+</p:sld>
+</file>
+
+<file path=ppt/slides/slide19.xml><?xml version="1.0" encoding="utf-8"?>
+<p:sld xmlns:a="http://schemas.openxmlformats.org/drawingml/2006/main" xmlns:r="http://schemas.openxmlformats.org/officeDocument/2006/relationships" xmlns:p="http://schemas.openxmlformats.org/presentationml/2006/main">
+  <p:cSld>
+    <p:spTree>
+      <p:nvGrpSpPr>
+        <p:cNvPr id="1" name=""/>
+        <p:cNvGrpSpPr/>
+        <p:nvPr/>
+      </p:nvGrpSpPr>
+      <p:grpSpPr>
+        <a:xfrm>
+          <a:off x="0" y="0"/>
+          <a:ext cx="0" cy="0"/>
+          <a:chOff x="0" y="0"/>
+          <a:chExt cx="0" cy="0"/>
+        </a:xfrm>
+      </p:grpSpPr>
+      <p:sp>
+        <p:nvSpPr>
+          <p:cNvPr id="2" name="Title 1"/>
+          <p:cNvSpPr>
+            <a:spLocks noGrp="1"/>
+          </p:cNvSpPr>
+          <p:nvPr>
+            <p:ph type="ctrTitle"/>
+          </p:nvPr>
+        </p:nvSpPr>
+        <p:spPr>
+          <a:xfrm>
+            <a:off x="300038" y="375320"/>
+            <a:ext cx="8486804" cy="533400"/>
+          </a:xfrm>
+        </p:spPr>
+        <p:txBody>
+          <a:bodyPr/>
+          <a:lstStyle/>
+          <a:p>
+            <a:r>
+              <a:rPr lang="en-US" sz="2400" dirty="0" smtClean="0"/>
+              <a:t>Response in case of unresolvable </a:t>
+            </a:r>
+            <a:r>
+              <a:rPr lang="en-US" sz="2400" dirty="0" smtClean="0"/>
+              <a:t>conditions </a:t>
+            </a:r>
+            <a:r>
+              <a:rPr lang="fr-FR" sz="2400" dirty="0"/>
+              <a:t>(</a:t>
+            </a:r>
+            <a:r>
+              <a:rPr lang="fr-FR" sz="2400" dirty="0" err="1"/>
+              <a:t>cont</a:t>
+            </a:r>
+            <a:r>
+              <a:rPr lang="fr-FR" sz="2400" dirty="0"/>
+              <a:t>.)</a:t>
+            </a:r>
+            <a:endParaRPr lang="fr-FR" sz="2400" dirty="0"/>
           </a:p>
         </p:txBody>
       </p:sp>
@@ -13847,7 +14462,7 @@
                 <a:spcPct val="0"/>
               </a:spcAft>
               <a:buClr>
-                <a:srgbClr val="DA7E18"/>
+                <a:srgbClr xmlns:mc="http://schemas.openxmlformats.org/markup-compatibility/2006" xmlns:a14="http://schemas.microsoft.com/office/drawing/2007/7/7/main" val="DA7E18" mc:Ignorable=""/>
               </a:buClr>
               <a:buSzPct val="70000"/>
               <a:buFont typeface="Wingdings" pitchFamily="2" charset="2"/>
@@ -13869,7 +14484,7 @@
                 <a:spcPct val="0"/>
               </a:spcAft>
               <a:buClr>
-                <a:srgbClr val="E5AB1B"/>
+                <a:srgbClr xmlns:mc="http://schemas.openxmlformats.org/markup-compatibility/2006" xmlns:a14="http://schemas.microsoft.com/office/drawing/2007/7/7/main" val="E5AB1B" mc:Ignorable=""/>
               </a:buClr>
               <a:buSzPct val="70000"/>
               <a:buFont typeface="Wingdings" pitchFamily="2" charset="2"/>
@@ -14349,7 +14964,7 @@
                 <a:spcPct val="0"/>
               </a:spcAft>
               <a:buClr>
-                <a:srgbClr val="DA7E18"/>
+                <a:srgbClr xmlns:mc="http://schemas.openxmlformats.org/markup-compatibility/2006" xmlns:a14="http://schemas.microsoft.com/office/drawing/2007/7/7/main" val="DA7E18" mc:Ignorable=""/>
               </a:buClr>
               <a:buSzPct val="70000"/>
               <a:buFont typeface="Wingdings" pitchFamily="2" charset="2"/>
@@ -14371,7 +14986,7 @@
                 <a:spcPct val="0"/>
               </a:spcAft>
               <a:buClr>
-                <a:srgbClr val="E5AB1B"/>
+                <a:srgbClr xmlns:mc="http://schemas.openxmlformats.org/markup-compatibility/2006" xmlns:a14="http://schemas.microsoft.com/office/drawing/2007/7/7/main" val="E5AB1B" mc:Ignorable=""/>
               </a:buClr>
               <a:buSzPct val="70000"/>
               <a:buFont typeface="Wingdings" pitchFamily="2" charset="2"/>
@@ -14551,7 +15166,7 @@
                 <a:spcPct val="0"/>
               </a:spcAft>
               <a:buClr>
-                <a:srgbClr val="DA7E18"/>
+                <a:srgbClr xmlns:mc="http://schemas.openxmlformats.org/markup-compatibility/2006" xmlns:a14="http://schemas.microsoft.com/office/drawing/2007/7/7/main" val="DA7E18" mc:Ignorable=""/>
               </a:buClr>
               <a:buSzPct val="70000"/>
               <a:buFont typeface="Wingdings" pitchFamily="2" charset="2"/>
@@ -14573,7 +15188,7 @@
                 <a:spcPct val="0"/>
               </a:spcAft>
               <a:buClr>
-                <a:srgbClr val="E5AB1B"/>
+                <a:srgbClr xmlns:mc="http://schemas.openxmlformats.org/markup-compatibility/2006" xmlns:a14="http://schemas.microsoft.com/office/drawing/2007/7/7/main" val="E5AB1B" mc:Ignorable=""/>
               </a:buClr>
               <a:buSzPct val="70000"/>
               <a:buFont typeface="Wingdings" pitchFamily="2" charset="2"/>
@@ -14937,7 +15552,7 @@
                 </a:solidFill>
                 <a:effectLst>
                   <a:outerShdw blurRad="38100" dist="38100" dir="2700000" algn="tl">
-                    <a:srgbClr val="000000">
+                    <a:srgbClr xmlns:mc="http://schemas.openxmlformats.org/markup-compatibility/2006" xmlns:a14="http://schemas.microsoft.com/office/drawing/2007/7/7/main" val="000000" mc:Ignorable="">
                       <a:alpha val="43137"/>
                     </a:srgbClr>
                   </a:outerShdw>
@@ -15218,7 +15833,7 @@
     </p:spTree>
     <p:extLst>
       <p:ext uri="{BB962C8B-B14F-4D97-AF65-F5344CB8AC3E}">
-        <p14:creationId xmlns:p14="http://schemas.microsoft.com/office/powerpoint/2007/7/12/main" xmlns="" val="1842062517"/>
+        <p14:creationId xmlns:p14="http://schemas.microsoft.com/office/powerpoint/2007/7/12/main" val="1842062517"/>
       </p:ext>
     </p:extLst>
   </p:cSld>
@@ -15228,553 +15843,7 @@
   <p:timing>
     <p:tnLst>
       <p:par>
-        <p:cTn id="1" dur="indefinite" restart="never" nodeType="tmRoot"/>
-      </p:par>
-    </p:tnLst>
-  </p:timing>
-</p:sld>
-</file>
-
-<file path=ppt/slides/slide19.xml><?xml version="1.0" encoding="utf-8"?>
-<p:sld xmlns:a="http://schemas.openxmlformats.org/drawingml/2006/main" xmlns:r="http://schemas.openxmlformats.org/officeDocument/2006/relationships" xmlns:p="http://schemas.openxmlformats.org/presentationml/2006/main">
-  <p:cSld>
-    <p:spTree>
-      <p:nvGrpSpPr>
-        <p:cNvPr id="1" name=""/>
-        <p:cNvGrpSpPr/>
-        <p:nvPr/>
-      </p:nvGrpSpPr>
-      <p:grpSpPr>
-        <a:xfrm>
-          <a:off x="0" y="0"/>
-          <a:ext cx="0" cy="0"/>
-          <a:chOff x="0" y="0"/>
-          <a:chExt cx="0" cy="0"/>
-        </a:xfrm>
-      </p:grpSpPr>
-      <p:sp>
-        <p:nvSpPr>
-          <p:cNvPr id="2" name="Title 1"/>
-          <p:cNvSpPr>
-            <a:spLocks noGrp="1"/>
-          </p:cNvSpPr>
-          <p:nvPr>
-            <p:ph type="ctrTitle"/>
-          </p:nvPr>
-        </p:nvSpPr>
-        <p:spPr/>
-        <p:txBody>
-          <a:bodyPr/>
-          <a:lstStyle/>
-          <a:p>
-            <a:r>
-              <a:rPr lang="en-US" sz="2400" dirty="0" smtClean="0"/>
-              <a:t>Response in case of unresolvable conditions (cont.)</a:t>
-            </a:r>
-            <a:br>
-              <a:rPr lang="en-US" sz="2400" dirty="0" smtClean="0"/>
-            </a:br>
-            <a:endParaRPr lang="fr-FR" sz="2400" dirty="0"/>
-          </a:p>
-        </p:txBody>
-      </p:sp>
-      <p:sp>
-        <p:nvSpPr>
-          <p:cNvPr id="3" name="Text Placeholder 2"/>
-          <p:cNvSpPr>
-            <a:spLocks noGrp="1"/>
-          </p:cNvSpPr>
-          <p:nvPr>
-            <p:ph type="body" sz="quarter" idx="10"/>
-          </p:nvPr>
-        </p:nvSpPr>
-        <p:spPr/>
-        <p:txBody>
-          <a:bodyPr/>
-          <a:lstStyle/>
-          <a:p>
-            <a:r>
-              <a:rPr lang="fr-FR" dirty="0" smtClean="0"/>
-              <a:t>This  case </a:t>
-            </a:r>
-            <a:r>
-              <a:rPr lang="fr-FR" dirty="0" err="1" smtClean="0"/>
-              <a:t>is</a:t>
-            </a:r>
-            <a:r>
-              <a:rPr lang="fr-FR" dirty="0" smtClean="0"/>
-              <a:t> </a:t>
-            </a:r>
-            <a:r>
-              <a:rPr lang="fr-FR" dirty="0" err="1" smtClean="0"/>
-              <a:t>achieved</a:t>
-            </a:r>
-            <a:r>
-              <a:rPr lang="fr-FR" dirty="0" smtClean="0"/>
-              <a:t> </a:t>
-            </a:r>
-            <a:r>
-              <a:rPr lang="fr-FR" dirty="0" err="1" smtClean="0"/>
-              <a:t>when</a:t>
-            </a:r>
-            <a:r>
-              <a:rPr lang="fr-FR" dirty="0" smtClean="0"/>
-              <a:t> </a:t>
-            </a:r>
-            <a:r>
-              <a:rPr lang="fr-FR" dirty="0" err="1" smtClean="0"/>
-              <a:t>automatical</a:t>
-            </a:r>
-            <a:r>
-              <a:rPr lang="fr-FR" dirty="0" smtClean="0"/>
-              <a:t> </a:t>
-            </a:r>
-            <a:r>
-              <a:rPr lang="fr-FR" dirty="0" err="1" smtClean="0"/>
-              <a:t>recovering</a:t>
-            </a:r>
-            <a:r>
-              <a:rPr lang="fr-FR" dirty="0" smtClean="0"/>
-              <a:t> </a:t>
-            </a:r>
-            <a:r>
-              <a:rPr lang="fr-FR" dirty="0" err="1" smtClean="0"/>
-              <a:t>failed</a:t>
-            </a:r>
-            <a:endParaRPr lang="fr-FR" dirty="0" smtClean="0"/>
-          </a:p>
-          <a:p>
-            <a:endParaRPr lang="fr-FR" dirty="0"/>
-          </a:p>
-          <a:p>
-            <a:r>
-              <a:rPr lang="fr-FR" dirty="0" smtClean="0"/>
-              <a:t>The FDIR Storage System  </a:t>
-            </a:r>
-            <a:r>
-              <a:rPr lang="fr-FR" dirty="0" err="1" smtClean="0"/>
-              <a:t>contains</a:t>
-            </a:r>
-            <a:r>
-              <a:rPr lang="fr-FR" dirty="0" smtClean="0"/>
-              <a:t> the </a:t>
-            </a:r>
-            <a:r>
-              <a:rPr lang="fr-FR" dirty="0" err="1" smtClean="0"/>
-              <a:t>collected</a:t>
-            </a:r>
-            <a:r>
-              <a:rPr lang="fr-FR" dirty="0" smtClean="0"/>
-              <a:t> values or data </a:t>
-            </a:r>
-            <a:r>
-              <a:rPr lang="fr-FR" dirty="0" err="1" smtClean="0"/>
-              <a:t>from</a:t>
-            </a:r>
-            <a:r>
-              <a:rPr lang="fr-FR" dirty="0" smtClean="0"/>
-              <a:t> </a:t>
-            </a:r>
-            <a:r>
-              <a:rPr lang="fr-FR" dirty="0" err="1" smtClean="0"/>
-              <a:t>devices</a:t>
-            </a:r>
-            <a:endParaRPr lang="fr-FR" dirty="0" smtClean="0"/>
-          </a:p>
-          <a:p>
-            <a:endParaRPr lang="fr-FR" dirty="0" smtClean="0"/>
-          </a:p>
-          <a:p>
-            <a:r>
-              <a:rPr lang="fr-FR" dirty="0" smtClean="0"/>
-              <a:t>FDIR </a:t>
-            </a:r>
-            <a:r>
-              <a:rPr lang="fr-FR" dirty="0" err="1" smtClean="0"/>
-              <a:t>checks</a:t>
-            </a:r>
-            <a:r>
-              <a:rPr lang="fr-FR" dirty="0" smtClean="0"/>
-              <a:t> the inputs </a:t>
-            </a:r>
-            <a:r>
-              <a:rPr lang="fr-FR" dirty="0" err="1" smtClean="0"/>
-              <a:t>from</a:t>
-            </a:r>
-            <a:r>
-              <a:rPr lang="fr-FR" dirty="0" smtClean="0"/>
-              <a:t> the </a:t>
-            </a:r>
-            <a:r>
-              <a:rPr lang="fr-FR" dirty="0" err="1" smtClean="0"/>
-              <a:t>storage</a:t>
-            </a:r>
-            <a:r>
-              <a:rPr lang="fr-FR" dirty="0" smtClean="0"/>
-              <a:t> system, and analyses </a:t>
-            </a:r>
-            <a:r>
-              <a:rPr lang="fr-FR" dirty="0" err="1" smtClean="0"/>
-              <a:t>these</a:t>
-            </a:r>
-            <a:r>
-              <a:rPr lang="fr-FR" dirty="0" smtClean="0"/>
-              <a:t> inputs to </a:t>
-            </a:r>
-            <a:r>
-              <a:rPr lang="fr-FR" dirty="0" err="1" smtClean="0"/>
-              <a:t>determine</a:t>
-            </a:r>
-            <a:r>
-              <a:rPr lang="fr-FR" dirty="0" smtClean="0"/>
-              <a:t> if </a:t>
-            </a:r>
-            <a:r>
-              <a:rPr lang="fr-FR" dirty="0" err="1" smtClean="0"/>
-              <a:t>unresolvable</a:t>
-            </a:r>
-            <a:r>
-              <a:rPr lang="fr-FR" dirty="0" smtClean="0"/>
-              <a:t> condition has been </a:t>
-            </a:r>
-            <a:r>
-              <a:rPr lang="fr-FR" dirty="0" err="1" smtClean="0"/>
-              <a:t>reached</a:t>
-            </a:r>
-            <a:r>
-              <a:rPr lang="fr-FR" dirty="0" smtClean="0"/>
-              <a:t>.</a:t>
-            </a:r>
-          </a:p>
-          <a:p>
-            <a:endParaRPr lang="fr-FR" dirty="0" smtClean="0"/>
-          </a:p>
-          <a:p>
-            <a:r>
-              <a:rPr lang="fr-FR" dirty="0" smtClean="0"/>
-              <a:t>Informations about </a:t>
-            </a:r>
-            <a:r>
-              <a:rPr lang="fr-FR" dirty="0" err="1" smtClean="0"/>
-              <a:t>unresolvable</a:t>
-            </a:r>
-            <a:r>
-              <a:rPr lang="fr-FR" dirty="0" smtClean="0"/>
-              <a:t> condition </a:t>
-            </a:r>
-            <a:r>
-              <a:rPr lang="fr-FR" dirty="0" err="1" smtClean="0"/>
-              <a:t>is</a:t>
-            </a:r>
-            <a:r>
-              <a:rPr lang="fr-FR" dirty="0" smtClean="0"/>
-              <a:t> </a:t>
-            </a:r>
-            <a:r>
-              <a:rPr lang="fr-FR" dirty="0" err="1" smtClean="0"/>
-              <a:t>written</a:t>
-            </a:r>
-            <a:r>
-              <a:rPr lang="fr-FR" dirty="0" smtClean="0"/>
-              <a:t> </a:t>
-            </a:r>
-            <a:r>
-              <a:rPr lang="fr-FR" dirty="0" err="1" smtClean="0"/>
-              <a:t>into</a:t>
-            </a:r>
-            <a:r>
-              <a:rPr lang="fr-FR" dirty="0" smtClean="0"/>
-              <a:t> a report sent as a notification to the </a:t>
-            </a:r>
-            <a:r>
-              <a:rPr lang="fr-FR" dirty="0" err="1" smtClean="0"/>
-              <a:t>crew</a:t>
-            </a:r>
-            <a:r>
-              <a:rPr lang="fr-FR" dirty="0" smtClean="0"/>
-              <a:t> </a:t>
-            </a:r>
-            <a:r>
-              <a:rPr lang="fr-FR" dirty="0" err="1" smtClean="0"/>
-              <a:t>members</a:t>
-            </a:r>
-            <a:endParaRPr lang="fr-FR" dirty="0"/>
-          </a:p>
-          <a:p>
-            <a:endParaRPr lang="fr-FR" dirty="0" smtClean="0"/>
-          </a:p>
-          <a:p>
-            <a:endParaRPr lang="fr-FR" dirty="0" smtClean="0"/>
-          </a:p>
-          <a:p>
-            <a:endParaRPr lang="fr-FR" dirty="0" smtClean="0"/>
-          </a:p>
-          <a:p>
-            <a:endParaRPr lang="fr-FR" dirty="0" smtClean="0"/>
-          </a:p>
-          <a:p>
-            <a:endParaRPr lang="fr-FR" dirty="0" smtClean="0"/>
-          </a:p>
-          <a:p>
-            <a:endParaRPr lang="fr-FR" dirty="0"/>
-          </a:p>
-        </p:txBody>
-      </p:sp>
-      <p:sp>
-        <p:nvSpPr>
-          <p:cNvPr id="4" name="ZoneTexte 3"/>
-          <p:cNvSpPr txBox="1"/>
-          <p:nvPr/>
-        </p:nvSpPr>
-        <p:spPr>
-          <a:xfrm>
-            <a:off x="-32" y="0"/>
-            <a:ext cx="1928812" cy="276225"/>
-          </a:xfrm>
-          <a:prstGeom prst="rect">
-            <a:avLst/>
-          </a:prstGeom>
-          <a:noFill/>
-        </p:spPr>
-        <p:txBody>
-          <a:bodyPr>
-            <a:spAutoFit/>
-          </a:bodyPr>
-          <a:lstStyle/>
-          <a:p>
-            <a:pPr algn="ctr" fontAlgn="auto">
-              <a:spcBef>
-                <a:spcPct val="20000"/>
-              </a:spcBef>
-              <a:spcAft>
-                <a:spcPts val="0"/>
-              </a:spcAft>
-              <a:defRPr/>
-            </a:pPr>
-            <a:r>
-              <a:rPr lang="fr-FR" sz="1200" kern="0" dirty="0" smtClean="0">
-                <a:solidFill>
-                  <a:schemeClr val="bg1">
-                    <a:lumMod val="50000"/>
-                  </a:schemeClr>
-                </a:solidFill>
-                <a:latin typeface="+mn-lt"/>
-                <a:cs typeface="+mn-cs"/>
-              </a:rPr>
-              <a:t>Domain identification</a:t>
-            </a:r>
-            <a:endParaRPr lang="fr-FR" sz="1200" kern="0" dirty="0">
-              <a:solidFill>
-                <a:schemeClr val="bg1">
-                  <a:lumMod val="50000"/>
-                </a:schemeClr>
-              </a:solidFill>
-              <a:latin typeface="+mn-lt"/>
-              <a:cs typeface="+mn-cs"/>
-            </a:endParaRPr>
-          </a:p>
-        </p:txBody>
-      </p:sp>
-      <p:sp>
-        <p:nvSpPr>
-          <p:cNvPr id="5" name="ZoneTexte 4"/>
-          <p:cNvSpPr txBox="1"/>
-          <p:nvPr/>
-        </p:nvSpPr>
-        <p:spPr>
-          <a:xfrm>
-            <a:off x="2143122" y="0"/>
-            <a:ext cx="1928812" cy="276225"/>
-          </a:xfrm>
-          <a:prstGeom prst="rect">
-            <a:avLst/>
-          </a:prstGeom>
-          <a:noFill/>
-        </p:spPr>
-        <p:txBody>
-          <a:bodyPr>
-            <a:spAutoFit/>
-          </a:bodyPr>
-          <a:lstStyle/>
-          <a:p>
-            <a:pPr algn="ctr" fontAlgn="auto">
-              <a:spcBef>
-                <a:spcPct val="20000"/>
-              </a:spcBef>
-              <a:spcAft>
-                <a:spcPts val="0"/>
-              </a:spcAft>
-              <a:defRPr/>
-            </a:pPr>
-            <a:r>
-              <a:rPr lang="fr-FR" sz="1200" kern="0" dirty="0" err="1" smtClean="0">
-                <a:solidFill>
-                  <a:schemeClr val="bg1">
-                    <a:lumMod val="50000"/>
-                  </a:schemeClr>
-                </a:solidFill>
-                <a:latin typeface="+mn-lt"/>
-                <a:cs typeface="+mn-cs"/>
-              </a:rPr>
-              <a:t>Requirements</a:t>
-            </a:r>
-            <a:endParaRPr lang="fr-FR" sz="1200" kern="0" dirty="0">
-              <a:solidFill>
-                <a:schemeClr val="bg1">
-                  <a:lumMod val="50000"/>
-                </a:schemeClr>
-              </a:solidFill>
-              <a:latin typeface="+mn-lt"/>
-              <a:cs typeface="+mn-cs"/>
-            </a:endParaRPr>
-          </a:p>
-        </p:txBody>
-      </p:sp>
-      <p:sp>
-        <p:nvSpPr>
-          <p:cNvPr id="6" name="ZoneTexte 5"/>
-          <p:cNvSpPr txBox="1"/>
-          <p:nvPr/>
-        </p:nvSpPr>
-        <p:spPr>
-          <a:xfrm>
-            <a:off x="4214818" y="0"/>
-            <a:ext cx="2571760" cy="276999"/>
-          </a:xfrm>
-          <a:prstGeom prst="rect">
-            <a:avLst/>
-          </a:prstGeom>
-          <a:noFill/>
-        </p:spPr>
-        <p:txBody>
-          <a:bodyPr wrap="square">
-            <a:spAutoFit/>
-          </a:bodyPr>
-          <a:lstStyle/>
-          <a:p>
-            <a:pPr algn="ctr" fontAlgn="auto">
-              <a:spcBef>
-                <a:spcPct val="20000"/>
-              </a:spcBef>
-              <a:spcAft>
-                <a:spcPts val="0"/>
-              </a:spcAft>
-              <a:defRPr/>
-            </a:pPr>
-            <a:r>
-              <a:rPr lang="fr-FR" sz="1200" kern="0" dirty="0" err="1" smtClean="0">
-                <a:solidFill>
-                  <a:schemeClr val="bg1">
-                    <a:lumMod val="50000"/>
-                  </a:schemeClr>
-                </a:solidFill>
-                <a:latin typeface="+mn-lt"/>
-                <a:cs typeface="+mn-cs"/>
-              </a:rPr>
-              <a:t>Context</a:t>
-            </a:r>
-            <a:r>
-              <a:rPr lang="fr-FR" sz="1200" kern="0" dirty="0" smtClean="0">
-                <a:solidFill>
-                  <a:schemeClr val="bg1">
-                    <a:lumMod val="50000"/>
-                  </a:schemeClr>
-                </a:solidFill>
-                <a:latin typeface="+mn-lt"/>
-                <a:cs typeface="+mn-cs"/>
-              </a:rPr>
-              <a:t> </a:t>
-            </a:r>
-            <a:r>
-              <a:rPr lang="fr-FR" sz="1200" kern="0" dirty="0" err="1" smtClean="0">
-                <a:solidFill>
-                  <a:schemeClr val="bg1">
-                    <a:lumMod val="50000"/>
-                  </a:schemeClr>
-                </a:solidFill>
-                <a:latin typeface="+mn-lt"/>
-                <a:cs typeface="+mn-cs"/>
-              </a:rPr>
-              <a:t>diagram</a:t>
-            </a:r>
-            <a:endParaRPr lang="fr-FR" sz="1200" kern="0" dirty="0">
-              <a:solidFill>
-                <a:schemeClr val="bg1">
-                  <a:lumMod val="50000"/>
-                </a:schemeClr>
-              </a:solidFill>
-              <a:latin typeface="+mn-lt"/>
-              <a:cs typeface="+mn-cs"/>
-            </a:endParaRPr>
-          </a:p>
-        </p:txBody>
-      </p:sp>
-      <p:sp>
-        <p:nvSpPr>
-          <p:cNvPr id="7" name="ZoneTexte 6"/>
-          <p:cNvSpPr txBox="1"/>
-          <p:nvPr/>
-        </p:nvSpPr>
-        <p:spPr>
-          <a:xfrm>
-            <a:off x="6572277" y="0"/>
-            <a:ext cx="1928813" cy="276225"/>
-          </a:xfrm>
-          <a:prstGeom prst="rect">
-            <a:avLst/>
-          </a:prstGeom>
-          <a:noFill/>
-        </p:spPr>
-        <p:txBody>
-          <a:bodyPr>
-            <a:spAutoFit/>
-          </a:bodyPr>
-          <a:lstStyle/>
-          <a:p>
-            <a:pPr algn="ctr" fontAlgn="auto">
-              <a:spcBef>
-                <a:spcPct val="20000"/>
-              </a:spcBef>
-              <a:spcAft>
-                <a:spcPts val="0"/>
-              </a:spcAft>
-              <a:defRPr/>
-            </a:pPr>
-            <a:r>
-              <a:rPr lang="fr-FR" sz="1200" b="1" u="sng" kern="0" dirty="0" err="1" smtClean="0">
-                <a:latin typeface="+mn-lt"/>
-                <a:cs typeface="+mn-cs"/>
-              </a:rPr>
-              <a:t>Problem</a:t>
-            </a:r>
-            <a:r>
-              <a:rPr lang="fr-FR" sz="1200" b="1" u="sng" kern="0" dirty="0" smtClean="0">
-                <a:latin typeface="+mn-lt"/>
-                <a:cs typeface="+mn-cs"/>
-              </a:rPr>
-              <a:t> frames</a:t>
-            </a:r>
-            <a:endParaRPr lang="fr-FR" sz="1200" b="1" u="sng" kern="0" dirty="0">
-              <a:latin typeface="+mn-lt"/>
-              <a:cs typeface="+mn-cs"/>
-            </a:endParaRPr>
-          </a:p>
-        </p:txBody>
-      </p:sp>
-    </p:spTree>
-    <p:extLst>
-      <p:ext uri="{BB962C8B-B14F-4D97-AF65-F5344CB8AC3E}">
-        <p14:creationId xmlns:p14="http://schemas.microsoft.com/office/powerpoint/2007/7/12/main" xmlns="" val="1198493022"/>
-      </p:ext>
-    </p:extLst>
-  </p:cSld>
-  <p:clrMapOvr>
-    <a:masterClrMapping/>
-  </p:clrMapOvr>
-  <p:timing>
-    <p:tnLst>
-      <p:par>
-        <p:cTn id="1" dur="indefinite" restart="never" nodeType="tmRoot"/>
+        <p:cTn xmlns:p14="http://schemas.microsoft.com/office/powerpoint/2007/7/12/main" id="1" dur="indefinite" restart="never" nodeType="tmRoot"/>
       </p:par>
     </p:tnLst>
   </p:timing>
@@ -15880,13 +15949,7 @@
               <a:rPr lang="fr-FR" altLang="ko-KR" dirty="0" smtClean="0">
                 <a:ea typeface="굴림" charset="-127"/>
               </a:rPr>
-              <a:t>  </a:t>
-            </a:r>
-            <a:r>
-              <a:rPr lang="fr-FR" altLang="ko-KR" dirty="0" smtClean="0">
-                <a:ea typeface="굴림" charset="-127"/>
-              </a:rPr>
-              <a:t>identification</a:t>
+              <a:t>  identification</a:t>
             </a:r>
           </a:p>
           <a:p>
@@ -16005,7 +16068,7 @@
   <p:timing>
     <p:tnLst>
       <p:par>
-        <p:cTn id="1" dur="indefinite" restart="never" nodeType="tmRoot"/>
+        <p:cTn xmlns:p14="http://schemas.microsoft.com/office/powerpoint/2007/7/12/main" id="1" dur="indefinite" restart="never" nodeType="tmRoot"/>
       </p:par>
     </p:tnLst>
   </p:timing>
@@ -16013,6 +16076,85 @@
 </file>
 
 <file path=ppt/slides/slide20.xml><?xml version="1.0" encoding="utf-8"?>
+<p:sld xmlns:a="http://schemas.openxmlformats.org/drawingml/2006/main" xmlns:r="http://schemas.openxmlformats.org/officeDocument/2006/relationships" xmlns:p="http://schemas.openxmlformats.org/presentationml/2006/main">
+  <p:cSld>
+    <p:spTree>
+      <p:nvGrpSpPr>
+        <p:cNvPr id="1" name=""/>
+        <p:cNvGrpSpPr/>
+        <p:nvPr/>
+      </p:nvGrpSpPr>
+      <p:grpSpPr>
+        <a:xfrm>
+          <a:off x="0" y="0"/>
+          <a:ext cx="0" cy="0"/>
+          <a:chOff x="0" y="0"/>
+          <a:chExt cx="0" cy="0"/>
+        </a:xfrm>
+      </p:grpSpPr>
+      <p:sp>
+        <p:nvSpPr>
+          <p:cNvPr id="2" name="Title 1"/>
+          <p:cNvSpPr>
+            <a:spLocks noGrp="1"/>
+          </p:cNvSpPr>
+          <p:nvPr>
+            <p:ph type="ctrTitle"/>
+          </p:nvPr>
+        </p:nvSpPr>
+        <p:spPr/>
+        <p:txBody>
+          <a:bodyPr/>
+          <a:lstStyle/>
+          <a:p>
+            <a:r>
+              <a:rPr lang="fr-FR" dirty="0" smtClean="0"/>
+              <a:t>conclusion</a:t>
+            </a:r>
+            <a:endParaRPr lang="fr-FR" dirty="0"/>
+          </a:p>
+        </p:txBody>
+      </p:sp>
+      <p:sp>
+        <p:nvSpPr>
+          <p:cNvPr id="3" name="Text Placeholder 2"/>
+          <p:cNvSpPr>
+            <a:spLocks noGrp="1"/>
+          </p:cNvSpPr>
+          <p:nvPr>
+            <p:ph type="body" sz="quarter" idx="10"/>
+          </p:nvPr>
+        </p:nvSpPr>
+        <p:spPr/>
+        <p:txBody>
+          <a:bodyPr/>
+          <a:lstStyle/>
+          <a:p>
+            <a:endParaRPr lang="fr-FR"/>
+          </a:p>
+        </p:txBody>
+      </p:sp>
+    </p:spTree>
+    <p:extLst>
+      <p:ext uri="{BB962C8B-B14F-4D97-AF65-F5344CB8AC3E}">
+        <p14:creationId xmlns:p14="http://schemas.microsoft.com/office/powerpoint/2007/7/12/main" val="1944623020"/>
+      </p:ext>
+    </p:extLst>
+  </p:cSld>
+  <p:clrMapOvr>
+    <a:masterClrMapping/>
+  </p:clrMapOvr>
+  <p:timing>
+    <p:tnLst>
+      <p:par>
+        <p:cTn xmlns:p14="http://schemas.microsoft.com/office/powerpoint/2007/7/12/main" id="1" dur="indefinite" restart="never" nodeType="tmRoot"/>
+      </p:par>
+    </p:tnLst>
+  </p:timing>
+</p:sld>
+</file>
+
+<file path=ppt/slides/slide21.xml><?xml version="1.0" encoding="utf-8"?>
 <p:sld xmlns:a="http://schemas.openxmlformats.org/drawingml/2006/main" xmlns:r="http://schemas.openxmlformats.org/officeDocument/2006/relationships" xmlns:p="http://schemas.openxmlformats.org/presentationml/2006/main">
   <p:cSld>
     <p:spTree>
@@ -16059,11 +16201,11 @@
             <a:r>
               <a:rPr altLang="ko-KR" smtClean="0">
                 <a:solidFill>
-                  <a:srgbClr val="C44F00"/>
+                  <a:srgbClr xmlns:mc="http://schemas.openxmlformats.org/markup-compatibility/2006" xmlns:a14="http://schemas.microsoft.com/office/drawing/2007/7/7/main" val="C44F00" mc:Ignorable=""/>
                 </a:solidFill>
                 <a:effectLst>
                   <a:outerShdw blurRad="38100" dist="38100" dir="2700000" algn="tl">
-                    <a:srgbClr val="C0C0C0"/>
+                    <a:srgbClr xmlns:mc="http://schemas.openxmlformats.org/markup-compatibility/2006" xmlns:a14="http://schemas.microsoft.com/office/drawing/2007/7/7/main" val="C0C0C0" mc:Ignorable=""/>
                   </a:outerShdw>
                 </a:effectLst>
                 <a:ea typeface="굴림" charset="-127"/>
@@ -16078,11 +16220,11 @@
             <a:r>
               <a:rPr altLang="ko-KR" smtClean="0">
                 <a:solidFill>
-                  <a:srgbClr val="595959"/>
+                  <a:srgbClr xmlns:mc="http://schemas.openxmlformats.org/markup-compatibility/2006" xmlns:a14="http://schemas.microsoft.com/office/drawing/2007/7/7/main" val="595959" mc:Ignorable=""/>
                 </a:solidFill>
                 <a:effectLst>
                   <a:outerShdw blurRad="38100" dist="38100" dir="2700000" algn="tl">
-                    <a:srgbClr val="C0C0C0"/>
+                    <a:srgbClr xmlns:mc="http://schemas.openxmlformats.org/markup-compatibility/2006" xmlns:a14="http://schemas.microsoft.com/office/drawing/2007/7/7/main" val="C0C0C0" mc:Ignorable=""/>
                   </a:outerShdw>
                 </a:effectLst>
                 <a:ea typeface="굴림" charset="-127"/>
@@ -16097,11 +16239,11 @@
             <a:r>
               <a:rPr altLang="ko-KR" smtClean="0">
                 <a:solidFill>
-                  <a:srgbClr val="595959"/>
+                  <a:srgbClr xmlns:mc="http://schemas.openxmlformats.org/markup-compatibility/2006" xmlns:a14="http://schemas.microsoft.com/office/drawing/2007/7/7/main" val="595959" mc:Ignorable=""/>
                 </a:solidFill>
                 <a:effectLst>
                   <a:outerShdw blurRad="38100" dist="38100" dir="2700000" algn="tl">
-                    <a:srgbClr val="C0C0C0"/>
+                    <a:srgbClr xmlns:mc="http://schemas.openxmlformats.org/markup-compatibility/2006" xmlns:a14="http://schemas.microsoft.com/office/drawing/2007/7/7/main" val="C0C0C0" mc:Ignorable=""/>
                   </a:outerShdw>
                 </a:effectLst>
                 <a:ea typeface="굴림" charset="-127"/>
@@ -16115,11 +16257,11 @@
             </a:pPr>
             <a:endParaRPr altLang="ko-KR" smtClean="0">
               <a:solidFill>
-                <a:srgbClr val="8F481E"/>
+                <a:srgbClr xmlns:mc="http://schemas.openxmlformats.org/markup-compatibility/2006" xmlns:a14="http://schemas.microsoft.com/office/drawing/2007/7/7/main" val="8F481E" mc:Ignorable=""/>
               </a:solidFill>
               <a:effectLst>
                 <a:outerShdw blurRad="38100" dist="38100" dir="2700000" algn="tl">
-                  <a:srgbClr val="C0C0C0"/>
+                  <a:srgbClr xmlns:mc="http://schemas.openxmlformats.org/markup-compatibility/2006" xmlns:a14="http://schemas.microsoft.com/office/drawing/2007/7/7/main" val="C0C0C0" mc:Ignorable=""/>
                 </a:outerShdw>
               </a:effectLst>
               <a:ea typeface="굴림" charset="-127"/>
@@ -16164,7 +16306,7 @@
                 </a:ln>
                 <a:effectLst>
                   <a:outerShdw blurRad="38100" dist="38100" dir="2700000" algn="tl">
-                    <a:srgbClr val="000000">
+                    <a:srgbClr xmlns:mc="http://schemas.openxmlformats.org/markup-compatibility/2006" xmlns:a14="http://schemas.microsoft.com/office/drawing/2007/7/7/main" val="000000" mc:Ignorable="">
                       <a:alpha val="43137"/>
                     </a:srgbClr>
                   </a:outerShdw>
@@ -16182,7 +16324,7 @@
                 </a:solidFill>
                 <a:effectLst>
                   <a:outerShdw blurRad="38100" dist="38100" dir="2700000" algn="tl">
-                    <a:srgbClr val="000000">
+                    <a:srgbClr xmlns:mc="http://schemas.openxmlformats.org/markup-compatibility/2006" xmlns:a14="http://schemas.microsoft.com/office/drawing/2007/7/7/main" val="000000" mc:Ignorable="">
                       <a:alpha val="43137"/>
                     </a:srgbClr>
                   </a:outerShdw>
@@ -16200,7 +16342,7 @@
                 </a:solidFill>
                 <a:effectLst>
                   <a:outerShdw blurRad="38100" dist="38100" dir="2700000" algn="tl">
-                    <a:srgbClr val="000000">
+                    <a:srgbClr xmlns:mc="http://schemas.openxmlformats.org/markup-compatibility/2006" xmlns:a14="http://schemas.microsoft.com/office/drawing/2007/7/7/main" val="000000" mc:Ignorable="">
                       <a:alpha val="43137"/>
                     </a:srgbClr>
                   </a:outerShdw>
@@ -16217,7 +16359,7 @@
                 </a:solidFill>
                 <a:effectLst>
                   <a:outerShdw blurRad="38100" dist="38100" dir="2700000" algn="tl">
-                    <a:srgbClr val="000000">
+                    <a:srgbClr xmlns:mc="http://schemas.openxmlformats.org/markup-compatibility/2006" xmlns:a14="http://schemas.microsoft.com/office/drawing/2007/7/7/main" val="000000" mc:Ignorable="">
                       <a:alpha val="43137"/>
                     </a:srgbClr>
                   </a:outerShdw>
@@ -16237,7 +16379,7 @@
                 </a:solidFill>
                 <a:effectLst>
                   <a:outerShdw blurRad="38100" dist="38100" dir="2700000" algn="tl">
-                    <a:srgbClr val="000000">
+                    <a:srgbClr xmlns:mc="http://schemas.openxmlformats.org/markup-compatibility/2006" xmlns:a14="http://schemas.microsoft.com/office/drawing/2007/7/7/main" val="000000" mc:Ignorable="">
                       <a:alpha val="43137"/>
                     </a:srgbClr>
                   </a:outerShdw>
@@ -16256,7 +16398,7 @@
               </a:solidFill>
               <a:effectLst>
                 <a:outerShdw blurRad="38100" dist="38100" dir="2700000" algn="tl">
-                  <a:srgbClr val="000000">
+                  <a:srgbClr xmlns:mc="http://schemas.openxmlformats.org/markup-compatibility/2006" xmlns:a14="http://schemas.microsoft.com/office/drawing/2007/7/7/main" val="000000" mc:Ignorable="">
                     <a:alpha val="43137"/>
                   </a:srgbClr>
                 </a:outerShdw>
@@ -16322,7 +16464,7 @@
             </a:avLst>
           </a:prstGeom>
           <a:solidFill>
-            <a:srgbClr val="FFFFFF">
+            <a:srgbClr xmlns:mc="http://schemas.openxmlformats.org/markup-compatibility/2006" xmlns:a14="http://schemas.microsoft.com/office/drawing/2007/7/7/main" val="FFFFFF" mc:Ignorable="">
               <a:shade val="85000"/>
             </a:srgbClr>
           </a:solidFill>
@@ -16360,7 +16502,7 @@
             </a:avLst>
           </a:prstGeom>
           <a:solidFill>
-            <a:srgbClr val="FFFFFF">
+            <a:srgbClr xmlns:mc="http://schemas.openxmlformats.org/markup-compatibility/2006" xmlns:a14="http://schemas.microsoft.com/office/drawing/2007/7/7/main" val="FFFFFF" mc:Ignorable="">
               <a:shade val="85000"/>
             </a:srgbClr>
           </a:solidFill>
@@ -16415,7 +16557,7 @@
               <a:rPr lang="fr-FR" sz="2400" b="1" dirty="0" smtClean="0">
                 <a:effectLst>
                   <a:outerShdw blurRad="38100" dist="38100" dir="2700000" algn="tl">
-                    <a:srgbClr val="000000">
+                    <a:srgbClr xmlns:mc="http://schemas.openxmlformats.org/markup-compatibility/2006" xmlns:a14="http://schemas.microsoft.com/office/drawing/2007/7/7/main" val="000000" mc:Ignorable="">
                       <a:alpha val="43137"/>
                     </a:srgbClr>
                   </a:outerShdw>
@@ -16442,14 +16584,14 @@
   <p:timing>
     <p:tnLst>
       <p:par>
-        <p:cTn id="1" dur="indefinite" restart="never" nodeType="tmRoot"/>
+        <p:cTn xmlns:p14="http://schemas.microsoft.com/office/powerpoint/2007/7/12/main" id="1" dur="indefinite" restart="never" nodeType="tmRoot"/>
       </p:par>
     </p:tnLst>
   </p:timing>
 </p:sld>
 </file>
 
-<file path=ppt/slides/slide21.xml><?xml version="1.0" encoding="utf-8"?>
+<file path=ppt/slides/slide22.xml><?xml version="1.0" encoding="utf-8"?>
 <p:sld xmlns:a="http://schemas.openxmlformats.org/drawingml/2006/main" xmlns:r="http://schemas.openxmlformats.org/officeDocument/2006/relationships" xmlns:p="http://schemas.openxmlformats.org/presentationml/2006/main">
   <p:cSld>
     <p:spTree>
@@ -16621,7 +16763,7 @@
   <p:timing>
     <p:tnLst>
       <p:par>
-        <p:cTn id="1" dur="indefinite" restart="never" nodeType="tmRoot"/>
+        <p:cTn xmlns:p14="http://schemas.microsoft.com/office/powerpoint/2007/7/12/main" id="1" dur="indefinite" restart="never" nodeType="tmRoot"/>
       </p:par>
     </p:tnLst>
   </p:timing>
@@ -16682,7 +16824,12 @@
             <p:ph type="body" sz="quarter" idx="10"/>
           </p:nvPr>
         </p:nvSpPr>
-        <p:spPr/>
+        <p:spPr>
+          <a:xfrm>
+            <a:off x="285750" y="1484784"/>
+            <a:ext cx="8643968" cy="5087466"/>
+          </a:xfrm>
+        </p:spPr>
         <p:txBody>
           <a:bodyPr/>
           <a:lstStyle/>
@@ -16987,7 +17134,7 @@
     </p:spTree>
     <p:extLst>
       <p:ext uri="{BB962C8B-B14F-4D97-AF65-F5344CB8AC3E}">
-        <p14:creationId xmlns:p14="http://schemas.microsoft.com/office/powerpoint/2007/7/12/main" xmlns="" val="1740115933"/>
+        <p14:creationId xmlns:p14="http://schemas.microsoft.com/office/powerpoint/2007/7/12/main" val="1740115933"/>
       </p:ext>
     </p:extLst>
   </p:cSld>
@@ -16997,7 +17144,7 @@
   <p:timing>
     <p:tnLst>
       <p:par>
-        <p:cTn id="1" dur="indefinite" restart="never" nodeType="tmRoot"/>
+        <p:cTn xmlns:p14="http://schemas.microsoft.com/office/powerpoint/2007/7/12/main" id="1" dur="indefinite" restart="never" nodeType="tmRoot"/>
       </p:par>
     </p:tnLst>
   </p:timing>
@@ -17041,13 +17188,13 @@
         </p:spPr>
         <p:style>
           <a:lnRef idx="2">
-            <a:schemeClr val="accent6"/>
+            <a:schemeClr val="accent4"/>
           </a:lnRef>
           <a:fillRef idx="0">
-            <a:schemeClr val="accent6"/>
+            <a:schemeClr val="accent4"/>
           </a:fillRef>
           <a:effectRef idx="1">
-            <a:schemeClr val="accent6"/>
+            <a:schemeClr val="accent4"/>
           </a:effectRef>
           <a:fontRef idx="minor">
             <a:schemeClr val="tx1"/>
@@ -17074,13 +17221,13 @@
         </p:spPr>
         <p:style>
           <a:lnRef idx="2">
-            <a:schemeClr val="accent6"/>
+            <a:schemeClr val="accent4"/>
           </a:lnRef>
           <a:fillRef idx="0">
-            <a:schemeClr val="accent6"/>
+            <a:schemeClr val="accent4"/>
           </a:fillRef>
           <a:effectRef idx="1">
-            <a:schemeClr val="accent6"/>
+            <a:schemeClr val="accent4"/>
           </a:effectRef>
           <a:fontRef idx="minor">
             <a:schemeClr val="tx1"/>
@@ -17107,13 +17254,13 @@
         </p:spPr>
         <p:style>
           <a:lnRef idx="2">
-            <a:schemeClr val="accent6"/>
+            <a:schemeClr val="accent4"/>
           </a:lnRef>
           <a:fillRef idx="0">
-            <a:schemeClr val="accent6"/>
+            <a:schemeClr val="accent4"/>
           </a:fillRef>
           <a:effectRef idx="1">
-            <a:schemeClr val="accent6"/>
+            <a:schemeClr val="accent4"/>
           </a:effectRef>
           <a:fontRef idx="minor">
             <a:schemeClr val="tx1"/>
@@ -17140,13 +17287,13 @@
         </p:spPr>
         <p:style>
           <a:lnRef idx="2">
-            <a:schemeClr val="accent6"/>
+            <a:schemeClr val="accent4"/>
           </a:lnRef>
           <a:fillRef idx="0">
-            <a:schemeClr val="accent6"/>
+            <a:schemeClr val="accent4"/>
           </a:fillRef>
           <a:effectRef idx="1">
-            <a:schemeClr val="accent6"/>
+            <a:schemeClr val="accent4"/>
           </a:effectRef>
           <a:fontRef idx="minor">
             <a:schemeClr val="tx1"/>
@@ -17173,13 +17320,13 @@
         </p:spPr>
         <p:style>
           <a:lnRef idx="2">
-            <a:schemeClr val="accent6"/>
+            <a:schemeClr val="accent4"/>
           </a:lnRef>
           <a:fillRef idx="0">
-            <a:schemeClr val="accent6"/>
+            <a:schemeClr val="accent4"/>
           </a:fillRef>
           <a:effectRef idx="1">
-            <a:schemeClr val="accent6"/>
+            <a:schemeClr val="accent4"/>
           </a:effectRef>
           <a:fontRef idx="minor">
             <a:schemeClr val="tx1"/>
@@ -17261,7 +17408,7 @@
                 <a:spcPct val="0"/>
               </a:spcAft>
               <a:buClr>
-                <a:srgbClr val="DA7E18"/>
+                <a:srgbClr xmlns:mc="http://schemas.openxmlformats.org/markup-compatibility/2006" xmlns:a14="http://schemas.microsoft.com/office/drawing/2007/7/7/main" val="DA7E18" mc:Ignorable=""/>
               </a:buClr>
               <a:buSzPct val="70000"/>
               <a:buFont typeface="Wingdings" pitchFamily="2" charset="2"/>
@@ -17283,7 +17430,7 @@
                 <a:spcPct val="0"/>
               </a:spcAft>
               <a:buClr>
-                <a:srgbClr val="E5AB1B"/>
+                <a:srgbClr xmlns:mc="http://schemas.openxmlformats.org/markup-compatibility/2006" xmlns:a14="http://schemas.microsoft.com/office/drawing/2007/7/7/main" val="E5AB1B" mc:Ignorable=""/>
               </a:buClr>
               <a:buSzPct val="70000"/>
               <a:buFont typeface="Wingdings" pitchFamily="2" charset="2"/>
@@ -17452,13 +17599,13 @@
         </p:spPr>
         <p:style>
           <a:lnRef idx="2">
-            <a:schemeClr val="accent6"/>
+            <a:schemeClr val="accent4"/>
           </a:lnRef>
           <a:fillRef idx="0">
-            <a:schemeClr val="accent6"/>
+            <a:schemeClr val="accent4"/>
           </a:fillRef>
           <a:effectRef idx="1">
-            <a:schemeClr val="accent6"/>
+            <a:schemeClr val="accent4"/>
           </a:effectRef>
           <a:fontRef idx="minor">
             <a:schemeClr val="tx1"/>
@@ -17665,7 +17812,7 @@
                 <a:spcPct val="0"/>
               </a:spcAft>
               <a:buClr>
-                <a:srgbClr val="DA7E18"/>
+                <a:srgbClr xmlns:mc="http://schemas.openxmlformats.org/markup-compatibility/2006" xmlns:a14="http://schemas.microsoft.com/office/drawing/2007/7/7/main" val="DA7E18" mc:Ignorable=""/>
               </a:buClr>
               <a:buSzPct val="70000"/>
               <a:buFont typeface="Wingdings" pitchFamily="2" charset="2"/>
@@ -17687,7 +17834,7 @@
                 <a:spcPct val="0"/>
               </a:spcAft>
               <a:buClr>
-                <a:srgbClr val="E5AB1B"/>
+                <a:srgbClr xmlns:mc="http://schemas.openxmlformats.org/markup-compatibility/2006" xmlns:a14="http://schemas.microsoft.com/office/drawing/2007/7/7/main" val="E5AB1B" mc:Ignorable=""/>
               </a:buClr>
               <a:buSzPct val="70000"/>
               <a:buFont typeface="Wingdings" pitchFamily="2" charset="2"/>
@@ -17885,7 +18032,7 @@
                 <a:spcPct val="0"/>
               </a:spcAft>
               <a:buClr>
-                <a:srgbClr val="DA7E18"/>
+                <a:srgbClr xmlns:mc="http://schemas.openxmlformats.org/markup-compatibility/2006" xmlns:a14="http://schemas.microsoft.com/office/drawing/2007/7/7/main" val="DA7E18" mc:Ignorable=""/>
               </a:buClr>
               <a:buSzPct val="70000"/>
               <a:buFont typeface="Wingdings" pitchFamily="2" charset="2"/>
@@ -17907,7 +18054,7 @@
                 <a:spcPct val="0"/>
               </a:spcAft>
               <a:buClr>
-                <a:srgbClr val="E5AB1B"/>
+                <a:srgbClr xmlns:mc="http://schemas.openxmlformats.org/markup-compatibility/2006" xmlns:a14="http://schemas.microsoft.com/office/drawing/2007/7/7/main" val="E5AB1B" mc:Ignorable=""/>
               </a:buClr>
               <a:buSzPct val="70000"/>
               <a:buFont typeface="Wingdings" pitchFamily="2" charset="2"/>
@@ -18105,7 +18252,7 @@
                 <a:spcPct val="0"/>
               </a:spcAft>
               <a:buClr>
-                <a:srgbClr val="DA7E18"/>
+                <a:srgbClr xmlns:mc="http://schemas.openxmlformats.org/markup-compatibility/2006" xmlns:a14="http://schemas.microsoft.com/office/drawing/2007/7/7/main" val="DA7E18" mc:Ignorable=""/>
               </a:buClr>
               <a:buSzPct val="70000"/>
               <a:buFont typeface="Wingdings" pitchFamily="2" charset="2"/>
@@ -18127,7 +18274,7 @@
                 <a:spcPct val="0"/>
               </a:spcAft>
               <a:buClr>
-                <a:srgbClr val="E5AB1B"/>
+                <a:srgbClr xmlns:mc="http://schemas.openxmlformats.org/markup-compatibility/2006" xmlns:a14="http://schemas.microsoft.com/office/drawing/2007/7/7/main" val="E5AB1B" mc:Ignorable=""/>
               </a:buClr>
               <a:buSzPct val="70000"/>
               <a:buFont typeface="Wingdings" pitchFamily="2" charset="2"/>
@@ -18320,7 +18467,7 @@
                 <a:spcPct val="0"/>
               </a:spcAft>
               <a:buClr>
-                <a:srgbClr val="DA7E18"/>
+                <a:srgbClr xmlns:mc="http://schemas.openxmlformats.org/markup-compatibility/2006" xmlns:a14="http://schemas.microsoft.com/office/drawing/2007/7/7/main" val="DA7E18" mc:Ignorable=""/>
               </a:buClr>
               <a:buSzPct val="70000"/>
               <a:buFont typeface="Wingdings" pitchFamily="2" charset="2"/>
@@ -18342,7 +18489,7 @@
                 <a:spcPct val="0"/>
               </a:spcAft>
               <a:buClr>
-                <a:srgbClr val="E5AB1B"/>
+                <a:srgbClr xmlns:mc="http://schemas.openxmlformats.org/markup-compatibility/2006" xmlns:a14="http://schemas.microsoft.com/office/drawing/2007/7/7/main" val="E5AB1B" mc:Ignorable=""/>
               </a:buClr>
               <a:buSzPct val="70000"/>
               <a:buFont typeface="Wingdings" pitchFamily="2" charset="2"/>
@@ -18730,7 +18877,7 @@
     </p:spTree>
     <p:extLst>
       <p:ext uri="{BB962C8B-B14F-4D97-AF65-F5344CB8AC3E}">
-        <p14:creationId xmlns:p14="http://schemas.microsoft.com/office/powerpoint/2007/7/12/main" xmlns="" val="1726127084"/>
+        <p14:creationId xmlns:p14="http://schemas.microsoft.com/office/powerpoint/2007/7/12/main" val="1726127084"/>
       </p:ext>
     </p:extLst>
   </p:cSld>
@@ -18740,7 +18887,7 @@
   <p:timing>
     <p:tnLst>
       <p:par>
-        <p:cTn id="1" dur="indefinite" restart="never" nodeType="tmRoot"/>
+        <p:cTn xmlns:p14="http://schemas.microsoft.com/office/powerpoint/2007/7/12/main" id="1" dur="indefinite" restart="never" nodeType="tmRoot"/>
       </p:par>
     </p:tnLst>
   </p:timing>
@@ -18797,25 +18944,70 @@
             <p:ph type="body" sz="quarter" idx="10"/>
           </p:nvPr>
         </p:nvSpPr>
-        <p:spPr/>
+        <p:spPr>
+          <a:xfrm>
+            <a:off x="285750" y="1005830"/>
+            <a:ext cx="8643968" cy="5447506"/>
+          </a:xfrm>
+        </p:spPr>
         <p:txBody>
           <a:bodyPr/>
           <a:lstStyle/>
           <a:p>
             <a:pPr marL="457200" indent="-457200">
+              <a:lnSpc>
+                <a:spcPct val="150000"/>
+              </a:lnSpc>
               <a:buFont typeface="+mj-lt"/>
               <a:buAutoNum type="arabicPeriod"/>
             </a:pPr>
-            <a:endParaRPr lang="fr-FR" dirty="0" smtClean="0"/>
+            <a:r>
+              <a:rPr lang="fr-FR" dirty="0" err="1" smtClean="0"/>
+              <a:t>Automatic</a:t>
+            </a:r>
+            <a:r>
+              <a:rPr lang="fr-FR" dirty="0" smtClean="0"/>
+              <a:t> </a:t>
+            </a:r>
+            <a:r>
+              <a:rPr lang="fr-FR" dirty="0" err="1"/>
+              <a:t>recovery</a:t>
+            </a:r>
+            <a:r>
+              <a:rPr lang="fr-FR" dirty="0"/>
+              <a:t> to </a:t>
+            </a:r>
+            <a:r>
+              <a:rPr lang="fr-FR" dirty="0" err="1"/>
+              <a:t>failure</a:t>
+            </a:r>
+            <a:r>
+              <a:rPr lang="fr-FR" dirty="0"/>
+              <a:t> </a:t>
+            </a:r>
           </a:p>
           <a:p>
             <a:pPr marL="457200" indent="-457200">
+              <a:lnSpc>
+                <a:spcPct val="150000"/>
+              </a:lnSpc>
               <a:buFont typeface="+mj-lt"/>
               <a:buAutoNum type="arabicPeriod"/>
             </a:pPr>
             <a:r>
               <a:rPr lang="fr-FR" dirty="0" err="1"/>
-              <a:t>Automatic</a:t>
+              <a:t>Manual</a:t>
+            </a:r>
+            <a:r>
+              <a:rPr lang="fr-FR" dirty="0"/>
+              <a:t> control of FDIR</a:t>
+            </a:r>
+          </a:p>
+          <a:p>
+            <a:pPr lvl="1"/>
+            <a:r>
+              <a:rPr lang="fr-FR" dirty="0" err="1"/>
+              <a:t>Crew</a:t>
             </a:r>
             <a:r>
               <a:rPr lang="fr-FR" dirty="0"/>
@@ -18823,177 +19015,148 @@
             </a:r>
             <a:r>
               <a:rPr lang="fr-FR" dirty="0" err="1"/>
-              <a:t>recovery</a:t>
+              <a:t>is</a:t>
             </a:r>
             <a:r>
               <a:rPr lang="fr-FR" dirty="0"/>
-              <a:t> to </a:t>
+              <a:t> able to </a:t>
             </a:r>
             <a:r>
               <a:rPr lang="fr-FR" dirty="0" err="1"/>
-              <a:t>failure</a:t>
+              <a:t>shutdown</a:t>
+            </a:r>
+            <a:r>
+              <a:rPr lang="fr-FR" dirty="0"/>
+              <a:t> part of the system</a:t>
+            </a:r>
+          </a:p>
+          <a:p>
+            <a:pPr lvl="1"/>
+            <a:r>
+              <a:rPr lang="fr-FR" dirty="0" err="1"/>
+              <a:t>Crew</a:t>
             </a:r>
             <a:r>
               <a:rPr lang="fr-FR" dirty="0"/>
               <a:t> </a:t>
             </a:r>
+            <a:r>
+              <a:rPr lang="fr-FR" dirty="0" err="1"/>
+              <a:t>is</a:t>
+            </a:r>
+            <a:r>
+              <a:rPr lang="fr-FR" dirty="0"/>
+              <a:t> able to restart part of the system</a:t>
+            </a:r>
+          </a:p>
+          <a:p>
+            <a:pPr lvl="1"/>
+            <a:r>
+              <a:rPr lang="fr-FR" dirty="0" err="1"/>
+              <a:t>Crew</a:t>
+            </a:r>
+            <a:r>
+              <a:rPr lang="fr-FR" dirty="0"/>
+              <a:t> </a:t>
+            </a:r>
+            <a:r>
+              <a:rPr lang="fr-FR" dirty="0" err="1"/>
+              <a:t>is</a:t>
+            </a:r>
+            <a:r>
+              <a:rPr lang="fr-FR" dirty="0"/>
+              <a:t> able to </a:t>
+            </a:r>
+            <a:r>
+              <a:rPr lang="fr-FR" dirty="0" err="1"/>
+              <a:t>switch</a:t>
+            </a:r>
+            <a:r>
+              <a:rPr lang="fr-FR" dirty="0"/>
+              <a:t> to a </a:t>
+            </a:r>
+            <a:r>
+              <a:rPr lang="fr-FR" dirty="0" err="1"/>
+              <a:t>spare</a:t>
+            </a:r>
+            <a:r>
+              <a:rPr lang="fr-FR" dirty="0"/>
+              <a:t> </a:t>
+            </a:r>
+            <a:r>
+              <a:rPr lang="fr-FR" dirty="0" smtClean="0"/>
+              <a:t>system</a:t>
+            </a:r>
+            <a:endParaRPr lang="fr-FR" dirty="0"/>
           </a:p>
           <a:p>
             <a:pPr marL="457200" indent="-457200">
+              <a:lnSpc>
+                <a:spcPct val="150000"/>
+              </a:lnSpc>
               <a:buFont typeface="+mj-lt"/>
               <a:buAutoNum type="arabicPeriod"/>
             </a:pPr>
             <a:r>
-              <a:rPr lang="fr-FR" dirty="0" err="1"/>
-              <a:t>Manual</a:t>
-            </a:r>
-            <a:r>
-              <a:rPr lang="fr-FR" dirty="0"/>
-              <a:t> control of FDIR</a:t>
-            </a:r>
-          </a:p>
-          <a:p>
-            <a:pPr lvl="1"/>
-            <a:r>
-              <a:rPr lang="fr-FR" dirty="0" err="1"/>
-              <a:t>Crew</a:t>
-            </a:r>
-            <a:r>
-              <a:rPr lang="fr-FR" dirty="0"/>
-              <a:t> </a:t>
-            </a:r>
-            <a:r>
-              <a:rPr lang="fr-FR" dirty="0" err="1"/>
-              <a:t>is</a:t>
-            </a:r>
-            <a:r>
-              <a:rPr lang="fr-FR" dirty="0"/>
-              <a:t> able to </a:t>
-            </a:r>
-            <a:r>
-              <a:rPr lang="fr-FR" dirty="0" err="1"/>
-              <a:t>shutdown</a:t>
-            </a:r>
-            <a:r>
-              <a:rPr lang="fr-FR" dirty="0"/>
-              <a:t> part of the system</a:t>
-            </a:r>
-          </a:p>
-          <a:p>
-            <a:pPr lvl="1"/>
-            <a:r>
-              <a:rPr lang="fr-FR" dirty="0" err="1"/>
-              <a:t>Crew</a:t>
-            </a:r>
-            <a:r>
-              <a:rPr lang="fr-FR" dirty="0"/>
-              <a:t> </a:t>
-            </a:r>
-            <a:r>
-              <a:rPr lang="fr-FR" dirty="0" err="1"/>
-              <a:t>is</a:t>
-            </a:r>
-            <a:r>
-              <a:rPr lang="fr-FR" dirty="0"/>
-              <a:t> able to restart part of the system</a:t>
-            </a:r>
-          </a:p>
-          <a:p>
-            <a:pPr lvl="1"/>
-            <a:r>
-              <a:rPr lang="fr-FR" dirty="0" err="1"/>
-              <a:t>Crew</a:t>
-            </a:r>
-            <a:r>
-              <a:rPr lang="fr-FR" dirty="0"/>
-              <a:t> </a:t>
-            </a:r>
-            <a:r>
-              <a:rPr lang="fr-FR" dirty="0" err="1"/>
-              <a:t>is</a:t>
-            </a:r>
-            <a:r>
-              <a:rPr lang="fr-FR" dirty="0"/>
-              <a:t> able to </a:t>
-            </a:r>
-            <a:r>
-              <a:rPr lang="fr-FR" dirty="0" err="1"/>
-              <a:t>switch</a:t>
-            </a:r>
-            <a:r>
-              <a:rPr lang="fr-FR" dirty="0"/>
-              <a:t> to a </a:t>
-            </a:r>
-            <a:r>
-              <a:rPr lang="fr-FR" dirty="0" err="1"/>
-              <a:t>spare</a:t>
-            </a:r>
-            <a:r>
-              <a:rPr lang="fr-FR" dirty="0"/>
-              <a:t> </a:t>
+              <a:rPr lang="fr-FR" dirty="0" err="1" smtClean="0"/>
+              <a:t>Displaying</a:t>
             </a:r>
             <a:r>
               <a:rPr lang="fr-FR" dirty="0" smtClean="0"/>
-              <a:t>system</a:t>
-            </a:r>
-            <a:endParaRPr lang="fr-FR" dirty="0"/>
+              <a:t> information </a:t>
+            </a:r>
+            <a:r>
+              <a:rPr lang="fr-FR" dirty="0" err="1" smtClean="0"/>
+              <a:t>continuously</a:t>
+            </a:r>
+            <a:endParaRPr lang="fr-FR" dirty="0" smtClean="0"/>
           </a:p>
           <a:p>
             <a:pPr marL="457200" indent="-457200">
+              <a:lnSpc>
+                <a:spcPct val="150000"/>
+              </a:lnSpc>
               <a:buFont typeface="+mj-lt"/>
               <a:buAutoNum type="arabicPeriod"/>
             </a:pPr>
             <a:r>
-              <a:rPr lang="fr-FR" dirty="0" err="1" smtClean="0"/>
-              <a:t>Displaying</a:t>
-            </a:r>
-            <a:r>
-              <a:rPr lang="fr-FR" dirty="0" smtClean="0"/>
-              <a:t> information </a:t>
-            </a:r>
-            <a:r>
-              <a:rPr lang="fr-FR" dirty="0" err="1" smtClean="0"/>
-              <a:t>continuously</a:t>
-            </a:r>
-            <a:endParaRPr lang="fr-FR" dirty="0" smtClean="0"/>
+              <a:rPr lang="en-US" dirty="0"/>
+              <a:t>Collect system data to data </a:t>
+            </a:r>
+            <a:r>
+              <a:rPr lang="en-US" dirty="0" smtClean="0"/>
+              <a:t>storage</a:t>
+            </a:r>
+            <a:endParaRPr lang="fr-FR" dirty="0"/>
           </a:p>
           <a:p>
             <a:pPr marL="457200" indent="-457200">
+              <a:lnSpc>
+                <a:spcPct val="150000"/>
+              </a:lnSpc>
               <a:buFont typeface="+mj-lt"/>
               <a:buAutoNum type="arabicPeriod"/>
             </a:pPr>
             <a:r>
-              <a:rPr lang="en-US" dirty="0"/>
-              <a:t>Collect system data to data </a:t>
-            </a:r>
-            <a:r>
-              <a:rPr lang="en-US" dirty="0" smtClean="0"/>
-              <a:t>storage</a:t>
+              <a:rPr lang="fr-FR" dirty="0" smtClean="0"/>
+              <a:t>Information </a:t>
+            </a:r>
+            <a:r>
+              <a:rPr lang="fr-FR" dirty="0" err="1" smtClean="0"/>
+              <a:t>retrieval</a:t>
             </a:r>
             <a:endParaRPr lang="fr-FR" dirty="0"/>
           </a:p>
           <a:p>
             <a:pPr marL="457200" indent="-457200">
+              <a:lnSpc>
+                <a:spcPct val="150000"/>
+              </a:lnSpc>
               <a:buFont typeface="+mj-lt"/>
               <a:buAutoNum type="arabicPeriod"/>
             </a:pPr>
             <a:r>
               <a:rPr lang="fr-FR" dirty="0" smtClean="0"/>
-              <a:t>Information </a:t>
-            </a:r>
-            <a:r>
-              <a:rPr lang="fr-FR" dirty="0" err="1" smtClean="0"/>
-              <a:t>retrieval</a:t>
-            </a:r>
-            <a:endParaRPr lang="fr-FR" dirty="0"/>
-          </a:p>
-          <a:p>
-            <a:pPr marL="457200" indent="-457200">
-              <a:buFont typeface="+mj-lt"/>
-              <a:buAutoNum type="arabicPeriod"/>
-            </a:pPr>
-            <a:r>
-              <a:rPr lang="fr-FR" dirty="0" smtClean="0"/>
               <a:t>Providing </a:t>
             </a:r>
             <a:r>
@@ -19012,6 +19175,9 @@
           </a:p>
           <a:p>
             <a:pPr marL="457200" indent="-457200">
+              <a:lnSpc>
+                <a:spcPct val="150000"/>
+              </a:lnSpc>
               <a:buFont typeface="+mj-lt"/>
               <a:buAutoNum type="arabicPeriod"/>
             </a:pPr>
@@ -19294,7 +19460,7 @@
     </p:spTree>
     <p:extLst>
       <p:ext uri="{BB962C8B-B14F-4D97-AF65-F5344CB8AC3E}">
-        <p14:creationId xmlns:p14="http://schemas.microsoft.com/office/powerpoint/2007/7/12/main" xmlns="" val="3819095931"/>
+        <p14:creationId xmlns:p14="http://schemas.microsoft.com/office/powerpoint/2007/7/12/main" val="3819095931"/>
       </p:ext>
     </p:extLst>
   </p:cSld>
@@ -19304,7 +19470,7 @@
   <p:timing>
     <p:tnLst>
       <p:par>
-        <p:cTn id="1" dur="indefinite" restart="never" nodeType="tmRoot"/>
+        <p:cTn xmlns:p14="http://schemas.microsoft.com/office/powerpoint/2007/7/12/main" id="1" dur="indefinite" restart="never" nodeType="tmRoot"/>
       </p:par>
     </p:tnLst>
   </p:timing>
@@ -19363,9 +19529,462 @@
               <a:rPr lang="fr-FR" dirty="0" err="1" smtClean="0"/>
               <a:t>failure</a:t>
             </a:r>
+            <a:endParaRPr lang="fr-FR" dirty="0"/>
+          </a:p>
+        </p:txBody>
+      </p:sp>
+      <p:sp>
+        <p:nvSpPr>
+          <p:cNvPr id="3" name="Text Placeholder 2"/>
+          <p:cNvSpPr>
+            <a:spLocks noGrp="1"/>
+          </p:cNvSpPr>
+          <p:nvPr>
+            <p:ph type="body" sz="quarter" idx="10"/>
+          </p:nvPr>
+        </p:nvSpPr>
+        <p:spPr/>
+        <p:txBody>
+          <a:bodyPr/>
+          <a:lstStyle/>
+          <a:p>
+            <a:r>
+              <a:rPr lang="fr-FR" dirty="0" smtClean="0"/>
+              <a:t>The FDIR </a:t>
+            </a:r>
+            <a:r>
+              <a:rPr lang="fr-FR" dirty="0" err="1" smtClean="0"/>
+              <a:t>can</a:t>
+            </a:r>
             <a:r>
               <a:rPr lang="fr-FR" dirty="0" smtClean="0"/>
               <a:t> </a:t>
+            </a:r>
+            <a:r>
+              <a:rPr lang="fr-FR" dirty="0" err="1" smtClean="0"/>
+              <a:t>launch</a:t>
+            </a:r>
+            <a:r>
+              <a:rPr lang="fr-FR" dirty="0" smtClean="0"/>
+              <a:t> a restart of the system </a:t>
+            </a:r>
+            <a:r>
+              <a:rPr lang="fr-FR" dirty="0" err="1" smtClean="0"/>
+              <a:t>automatically</a:t>
+            </a:r>
+            <a:r>
+              <a:rPr lang="fr-FR" dirty="0" smtClean="0"/>
+              <a:t>, in the goal to </a:t>
+            </a:r>
+            <a:r>
+              <a:rPr lang="fr-FR" dirty="0" err="1" smtClean="0"/>
+              <a:t>recover</a:t>
+            </a:r>
+            <a:r>
+              <a:rPr lang="fr-FR" dirty="0" smtClean="0"/>
+              <a:t> in case of a </a:t>
+            </a:r>
+            <a:r>
+              <a:rPr lang="fr-FR" dirty="0" err="1" smtClean="0"/>
+              <a:t>failure</a:t>
+            </a:r>
+            <a:r>
+              <a:rPr lang="fr-FR" dirty="0" smtClean="0"/>
+              <a:t>.</a:t>
+            </a:r>
+          </a:p>
+          <a:p>
+            <a:endParaRPr lang="fr-FR" dirty="0" smtClean="0"/>
+          </a:p>
+          <a:p>
+            <a:r>
+              <a:rPr lang="fr-FR" dirty="0" smtClean="0"/>
+              <a:t>The </a:t>
+            </a:r>
+            <a:r>
+              <a:rPr lang="fr-FR" dirty="0" err="1" smtClean="0"/>
+              <a:t>systems</a:t>
+            </a:r>
+            <a:r>
+              <a:rPr lang="fr-FR" dirty="0" smtClean="0"/>
+              <a:t>, </a:t>
+            </a:r>
+            <a:r>
+              <a:rPr lang="fr-FR" dirty="0" err="1" smtClean="0"/>
+              <a:t>during</a:t>
+            </a:r>
+            <a:r>
+              <a:rPr lang="fr-FR" dirty="0" smtClean="0"/>
+              <a:t> </a:t>
+            </a:r>
+            <a:r>
+              <a:rPr lang="fr-FR" dirty="0" err="1" smtClean="0"/>
+              <a:t>these</a:t>
+            </a:r>
+            <a:r>
+              <a:rPr lang="fr-FR" dirty="0" smtClean="0"/>
+              <a:t> </a:t>
+            </a:r>
+            <a:r>
+              <a:rPr lang="fr-FR" dirty="0" err="1" smtClean="0"/>
+              <a:t>operations</a:t>
+            </a:r>
+            <a:r>
+              <a:rPr lang="fr-FR" dirty="0" smtClean="0"/>
+              <a:t>, return </a:t>
+            </a:r>
+            <a:r>
+              <a:rPr lang="fr-FR" dirty="0" err="1" smtClean="0"/>
+              <a:t>their</a:t>
+            </a:r>
+            <a:r>
+              <a:rPr lang="fr-FR" dirty="0" smtClean="0"/>
+              <a:t> </a:t>
+            </a:r>
+            <a:r>
+              <a:rPr lang="fr-FR" dirty="0" err="1" smtClean="0"/>
+              <a:t>status</a:t>
+            </a:r>
+            <a:r>
+              <a:rPr lang="fr-FR" dirty="0"/>
+              <a:t> </a:t>
+            </a:r>
+            <a:r>
+              <a:rPr lang="fr-FR" dirty="0" smtClean="0"/>
+              <a:t>to the FDIR.</a:t>
+            </a:r>
+            <a:endParaRPr lang="fr-FR" dirty="0"/>
+          </a:p>
+        </p:txBody>
+      </p:sp>
+      <p:sp>
+        <p:nvSpPr>
+          <p:cNvPr id="4" name="ZoneTexte 3"/>
+          <p:cNvSpPr txBox="1"/>
+          <p:nvPr/>
+        </p:nvSpPr>
+        <p:spPr>
+          <a:xfrm>
+            <a:off x="-32" y="0"/>
+            <a:ext cx="1928812" cy="276225"/>
+          </a:xfrm>
+          <a:prstGeom prst="rect">
+            <a:avLst/>
+          </a:prstGeom>
+          <a:noFill/>
+        </p:spPr>
+        <p:txBody>
+          <a:bodyPr>
+            <a:spAutoFit/>
+          </a:bodyPr>
+          <a:lstStyle/>
+          <a:p>
+            <a:pPr algn="ctr" fontAlgn="auto">
+              <a:spcBef>
+                <a:spcPct val="20000"/>
+              </a:spcBef>
+              <a:spcAft>
+                <a:spcPts val="0"/>
+              </a:spcAft>
+              <a:defRPr/>
+            </a:pPr>
+            <a:r>
+              <a:rPr lang="fr-FR" sz="1200" kern="0" dirty="0" smtClean="0">
+                <a:solidFill>
+                  <a:schemeClr val="bg1">
+                    <a:lumMod val="50000"/>
+                  </a:schemeClr>
+                </a:solidFill>
+                <a:latin typeface="+mn-lt"/>
+                <a:cs typeface="+mn-cs"/>
+              </a:rPr>
+              <a:t>Domain identification</a:t>
+            </a:r>
+            <a:endParaRPr lang="fr-FR" sz="1200" kern="0" dirty="0">
+              <a:solidFill>
+                <a:schemeClr val="bg1">
+                  <a:lumMod val="50000"/>
+                </a:schemeClr>
+              </a:solidFill>
+              <a:latin typeface="+mn-lt"/>
+              <a:cs typeface="+mn-cs"/>
+            </a:endParaRPr>
+          </a:p>
+        </p:txBody>
+      </p:sp>
+      <p:sp>
+        <p:nvSpPr>
+          <p:cNvPr id="5" name="ZoneTexte 4"/>
+          <p:cNvSpPr txBox="1"/>
+          <p:nvPr/>
+        </p:nvSpPr>
+        <p:spPr>
+          <a:xfrm>
+            <a:off x="2143122" y="0"/>
+            <a:ext cx="1928812" cy="276225"/>
+          </a:xfrm>
+          <a:prstGeom prst="rect">
+            <a:avLst/>
+          </a:prstGeom>
+          <a:noFill/>
+        </p:spPr>
+        <p:txBody>
+          <a:bodyPr>
+            <a:spAutoFit/>
+          </a:bodyPr>
+          <a:lstStyle/>
+          <a:p>
+            <a:pPr algn="ctr" fontAlgn="auto">
+              <a:spcBef>
+                <a:spcPct val="20000"/>
+              </a:spcBef>
+              <a:spcAft>
+                <a:spcPts val="0"/>
+              </a:spcAft>
+              <a:defRPr/>
+            </a:pPr>
+            <a:r>
+              <a:rPr lang="fr-FR" sz="1200" kern="0" dirty="0" err="1" smtClean="0">
+                <a:solidFill>
+                  <a:schemeClr val="bg1">
+                    <a:lumMod val="50000"/>
+                  </a:schemeClr>
+                </a:solidFill>
+                <a:latin typeface="+mn-lt"/>
+                <a:cs typeface="+mn-cs"/>
+              </a:rPr>
+              <a:t>Requirements</a:t>
+            </a:r>
+            <a:endParaRPr lang="fr-FR" sz="1200" kern="0" dirty="0">
+              <a:solidFill>
+                <a:schemeClr val="bg1">
+                  <a:lumMod val="50000"/>
+                </a:schemeClr>
+              </a:solidFill>
+              <a:latin typeface="+mn-lt"/>
+              <a:cs typeface="+mn-cs"/>
+            </a:endParaRPr>
+          </a:p>
+        </p:txBody>
+      </p:sp>
+      <p:sp>
+        <p:nvSpPr>
+          <p:cNvPr id="6" name="ZoneTexte 5"/>
+          <p:cNvSpPr txBox="1"/>
+          <p:nvPr/>
+        </p:nvSpPr>
+        <p:spPr>
+          <a:xfrm>
+            <a:off x="4214818" y="0"/>
+            <a:ext cx="2571760" cy="276999"/>
+          </a:xfrm>
+          <a:prstGeom prst="rect">
+            <a:avLst/>
+          </a:prstGeom>
+          <a:noFill/>
+        </p:spPr>
+        <p:txBody>
+          <a:bodyPr wrap="square">
+            <a:spAutoFit/>
+          </a:bodyPr>
+          <a:lstStyle/>
+          <a:p>
+            <a:pPr algn="ctr" fontAlgn="auto">
+              <a:spcBef>
+                <a:spcPct val="20000"/>
+              </a:spcBef>
+              <a:spcAft>
+                <a:spcPts val="0"/>
+              </a:spcAft>
+              <a:defRPr/>
+            </a:pPr>
+            <a:r>
+              <a:rPr lang="fr-FR" sz="1200" kern="0" dirty="0" err="1" smtClean="0">
+                <a:solidFill>
+                  <a:schemeClr val="bg1">
+                    <a:lumMod val="50000"/>
+                  </a:schemeClr>
+                </a:solidFill>
+                <a:latin typeface="+mn-lt"/>
+                <a:cs typeface="+mn-cs"/>
+              </a:rPr>
+              <a:t>Context</a:t>
+            </a:r>
+            <a:r>
+              <a:rPr lang="fr-FR" sz="1200" kern="0" dirty="0" smtClean="0">
+                <a:solidFill>
+                  <a:schemeClr val="bg1">
+                    <a:lumMod val="50000"/>
+                  </a:schemeClr>
+                </a:solidFill>
+                <a:latin typeface="+mn-lt"/>
+                <a:cs typeface="+mn-cs"/>
+              </a:rPr>
+              <a:t> </a:t>
+            </a:r>
+            <a:r>
+              <a:rPr lang="fr-FR" sz="1200" kern="0" dirty="0" err="1" smtClean="0">
+                <a:solidFill>
+                  <a:schemeClr val="bg1">
+                    <a:lumMod val="50000"/>
+                  </a:schemeClr>
+                </a:solidFill>
+                <a:latin typeface="+mn-lt"/>
+                <a:cs typeface="+mn-cs"/>
+              </a:rPr>
+              <a:t>diagram</a:t>
+            </a:r>
+            <a:endParaRPr lang="fr-FR" sz="1200" kern="0" dirty="0">
+              <a:solidFill>
+                <a:schemeClr val="bg1">
+                  <a:lumMod val="50000"/>
+                </a:schemeClr>
+              </a:solidFill>
+              <a:latin typeface="+mn-lt"/>
+              <a:cs typeface="+mn-cs"/>
+            </a:endParaRPr>
+          </a:p>
+        </p:txBody>
+      </p:sp>
+      <p:sp>
+        <p:nvSpPr>
+          <p:cNvPr id="7" name="ZoneTexte 6"/>
+          <p:cNvSpPr txBox="1"/>
+          <p:nvPr/>
+        </p:nvSpPr>
+        <p:spPr>
+          <a:xfrm>
+            <a:off x="6572277" y="0"/>
+            <a:ext cx="1928813" cy="276225"/>
+          </a:xfrm>
+          <a:prstGeom prst="rect">
+            <a:avLst/>
+          </a:prstGeom>
+          <a:noFill/>
+        </p:spPr>
+        <p:txBody>
+          <a:bodyPr>
+            <a:spAutoFit/>
+          </a:bodyPr>
+          <a:lstStyle/>
+          <a:p>
+            <a:pPr algn="ctr" fontAlgn="auto">
+              <a:spcBef>
+                <a:spcPct val="20000"/>
+              </a:spcBef>
+              <a:spcAft>
+                <a:spcPts val="0"/>
+              </a:spcAft>
+              <a:defRPr/>
+            </a:pPr>
+            <a:r>
+              <a:rPr lang="fr-FR" sz="1200" b="1" u="sng" kern="0" dirty="0" err="1" smtClean="0">
+                <a:latin typeface="+mn-lt"/>
+                <a:cs typeface="+mn-cs"/>
+              </a:rPr>
+              <a:t>Problem</a:t>
+            </a:r>
+            <a:r>
+              <a:rPr lang="fr-FR" sz="1200" b="1" u="sng" kern="0" dirty="0" smtClean="0">
+                <a:latin typeface="+mn-lt"/>
+                <a:cs typeface="+mn-cs"/>
+              </a:rPr>
+              <a:t> frames</a:t>
+            </a:r>
+            <a:endParaRPr lang="fr-FR" sz="1200" b="1" u="sng" kern="0" dirty="0">
+              <a:latin typeface="+mn-lt"/>
+              <a:cs typeface="+mn-cs"/>
+            </a:endParaRPr>
+          </a:p>
+        </p:txBody>
+      </p:sp>
+    </p:spTree>
+    <p:extLst>
+      <p:ext uri="{BB962C8B-B14F-4D97-AF65-F5344CB8AC3E}">
+        <p14:creationId xmlns:p14="http://schemas.microsoft.com/office/powerpoint/2007/7/12/main" val="532621230"/>
+      </p:ext>
+    </p:extLst>
+  </p:cSld>
+  <p:clrMapOvr>
+    <a:masterClrMapping/>
+  </p:clrMapOvr>
+  <p:timing>
+    <p:tnLst>
+      <p:par>
+        <p:cTn xmlns:p14="http://schemas.microsoft.com/office/powerpoint/2007/7/12/main" id="1" dur="indefinite" restart="never" nodeType="tmRoot"/>
+      </p:par>
+    </p:tnLst>
+  </p:timing>
+</p:sld>
+</file>
+
+<file path=ppt/slides/slide7.xml><?xml version="1.0" encoding="utf-8"?>
+<p:sld xmlns:a="http://schemas.openxmlformats.org/drawingml/2006/main" xmlns:r="http://schemas.openxmlformats.org/officeDocument/2006/relationships" xmlns:p="http://schemas.openxmlformats.org/presentationml/2006/main">
+  <p:cSld>
+    <p:spTree>
+      <p:nvGrpSpPr>
+        <p:cNvPr id="1" name=""/>
+        <p:cNvGrpSpPr/>
+        <p:nvPr/>
+      </p:nvGrpSpPr>
+      <p:grpSpPr>
+        <a:xfrm>
+          <a:off x="0" y="0"/>
+          <a:ext cx="0" cy="0"/>
+          <a:chOff x="0" y="0"/>
+          <a:chExt cx="0" cy="0"/>
+        </a:xfrm>
+      </p:grpSpPr>
+      <p:sp>
+        <p:nvSpPr>
+          <p:cNvPr id="2" name="Title 1"/>
+          <p:cNvSpPr>
+            <a:spLocks noGrp="1"/>
+          </p:cNvSpPr>
+          <p:nvPr>
+            <p:ph type="ctrTitle"/>
+          </p:nvPr>
+        </p:nvSpPr>
+        <p:spPr/>
+        <p:txBody>
+          <a:bodyPr/>
+          <a:lstStyle/>
+          <a:p>
+            <a:r>
+              <a:rPr lang="fr-FR" dirty="0" err="1" smtClean="0"/>
+              <a:t>Automatic</a:t>
+            </a:r>
+            <a:r>
+              <a:rPr lang="fr-FR" dirty="0" smtClean="0"/>
+              <a:t> </a:t>
+            </a:r>
+            <a:r>
+              <a:rPr lang="fr-FR" dirty="0" err="1" smtClean="0"/>
+              <a:t>recovery</a:t>
+            </a:r>
+            <a:r>
+              <a:rPr lang="fr-FR" dirty="0" smtClean="0"/>
+              <a:t> to </a:t>
+            </a:r>
+            <a:r>
+              <a:rPr lang="fr-FR" dirty="0" err="1" smtClean="0"/>
+              <a:t>failure</a:t>
+            </a:r>
+            <a:r>
+              <a:rPr lang="fr-FR" dirty="0"/>
+              <a:t> (</a:t>
+            </a:r>
+            <a:r>
+              <a:rPr lang="fr-FR" dirty="0" err="1"/>
+              <a:t>cont</a:t>
+            </a:r>
+            <a:r>
+              <a:rPr lang="fr-FR" dirty="0"/>
+              <a:t>.) </a:t>
+            </a:r>
+            <a:r>
+              <a:rPr lang="fr-FR" dirty="0" smtClean="0"/>
+              <a:t/>
             </a:r>
             <a:br>
               <a:rPr lang="fr-FR" dirty="0" smtClean="0"/>
@@ -19788,7 +20407,7 @@
                 <a:spcPct val="0"/>
               </a:spcAft>
               <a:buClr>
-                <a:srgbClr val="DA7E18"/>
+                <a:srgbClr xmlns:mc="http://schemas.openxmlformats.org/markup-compatibility/2006" xmlns:a14="http://schemas.microsoft.com/office/drawing/2007/7/7/main" val="DA7E18" mc:Ignorable=""/>
               </a:buClr>
               <a:buSzPct val="70000"/>
               <a:buFont typeface="Wingdings" pitchFamily="2" charset="2"/>
@@ -19810,7 +20429,7 @@
                 <a:spcPct val="0"/>
               </a:spcAft>
               <a:buClr>
-                <a:srgbClr val="E5AB1B"/>
+                <a:srgbClr xmlns:mc="http://schemas.openxmlformats.org/markup-compatibility/2006" xmlns:a14="http://schemas.microsoft.com/office/drawing/2007/7/7/main" val="E5AB1B" mc:Ignorable=""/>
               </a:buClr>
               <a:buSzPct val="70000"/>
               <a:buFont typeface="Wingdings" pitchFamily="2" charset="2"/>
@@ -20331,7 +20950,7 @@
                 </a:solidFill>
                 <a:effectLst>
                   <a:outerShdw blurRad="38100" dist="38100" dir="2700000" algn="tl">
-                    <a:srgbClr val="000000">
+                    <a:srgbClr xmlns:mc="http://schemas.openxmlformats.org/markup-compatibility/2006" xmlns:a14="http://schemas.microsoft.com/office/drawing/2007/7/7/main" val="000000" mc:Ignorable="">
                       <a:alpha val="43137"/>
                     </a:srgbClr>
                   </a:outerShdw>
@@ -20348,7 +20967,7 @@
                 </a:solidFill>
                 <a:effectLst>
                   <a:outerShdw blurRad="38100" dist="38100" dir="2700000" algn="tl">
-                    <a:srgbClr val="000000">
+                    <a:srgbClr xmlns:mc="http://schemas.openxmlformats.org/markup-compatibility/2006" xmlns:a14="http://schemas.microsoft.com/office/drawing/2007/7/7/main" val="000000" mc:Ignorable="">
                       <a:alpha val="43137"/>
                     </a:srgbClr>
                   </a:outerShdw>
@@ -20365,7 +20984,7 @@
                 </a:solidFill>
                 <a:effectLst>
                   <a:outerShdw blurRad="38100" dist="38100" dir="2700000" algn="tl">
-                    <a:srgbClr val="000000">
+                    <a:srgbClr xmlns:mc="http://schemas.openxmlformats.org/markup-compatibility/2006" xmlns:a14="http://schemas.microsoft.com/office/drawing/2007/7/7/main" val="000000" mc:Ignorable="">
                       <a:alpha val="43137"/>
                     </a:srgbClr>
                   </a:outerShdw>
@@ -20382,7 +21001,7 @@
                 </a:solidFill>
                 <a:effectLst>
                   <a:outerShdw blurRad="38100" dist="38100" dir="2700000" algn="tl">
-                    <a:srgbClr val="000000">
+                    <a:srgbClr xmlns:mc="http://schemas.openxmlformats.org/markup-compatibility/2006" xmlns:a14="http://schemas.microsoft.com/office/drawing/2007/7/7/main" val="000000" mc:Ignorable="">
                       <a:alpha val="43137"/>
                     </a:srgbClr>
                   </a:outerShdw>
@@ -20663,7 +21282,7 @@
     </p:spTree>
     <p:extLst>
       <p:ext uri="{BB962C8B-B14F-4D97-AF65-F5344CB8AC3E}">
-        <p14:creationId xmlns:p14="http://schemas.microsoft.com/office/powerpoint/2007/7/12/main" xmlns="" val="3222460238"/>
+        <p14:creationId xmlns:p14="http://schemas.microsoft.com/office/powerpoint/2007/7/12/main" val="3222460238"/>
       </p:ext>
     </p:extLst>
   </p:cSld>
@@ -20673,460 +21292,7 @@
   <p:timing>
     <p:tnLst>
       <p:par>
-        <p:cTn id="1" dur="indefinite" restart="never" nodeType="tmRoot"/>
-      </p:par>
-    </p:tnLst>
-  </p:timing>
-</p:sld>
-</file>
-
-<file path=ppt/slides/slide7.xml><?xml version="1.0" encoding="utf-8"?>
-<p:sld xmlns:a="http://schemas.openxmlformats.org/drawingml/2006/main" xmlns:r="http://schemas.openxmlformats.org/officeDocument/2006/relationships" xmlns:p="http://schemas.openxmlformats.org/presentationml/2006/main">
-  <p:cSld>
-    <p:spTree>
-      <p:nvGrpSpPr>
-        <p:cNvPr id="1" name=""/>
-        <p:cNvGrpSpPr/>
-        <p:nvPr/>
-      </p:nvGrpSpPr>
-      <p:grpSpPr>
-        <a:xfrm>
-          <a:off x="0" y="0"/>
-          <a:ext cx="0" cy="0"/>
-          <a:chOff x="0" y="0"/>
-          <a:chExt cx="0" cy="0"/>
-        </a:xfrm>
-      </p:grpSpPr>
-      <p:sp>
-        <p:nvSpPr>
-          <p:cNvPr id="2" name="Title 1"/>
-          <p:cNvSpPr>
-            <a:spLocks noGrp="1"/>
-          </p:cNvSpPr>
-          <p:nvPr>
-            <p:ph type="ctrTitle"/>
-          </p:nvPr>
-        </p:nvSpPr>
-        <p:spPr/>
-        <p:txBody>
-          <a:bodyPr/>
-          <a:lstStyle/>
-          <a:p>
-            <a:r>
-              <a:rPr lang="fr-FR" sz="2800" dirty="0" err="1" smtClean="0"/>
-              <a:t>Automatic</a:t>
-            </a:r>
-            <a:r>
-              <a:rPr lang="fr-FR" sz="2800" dirty="0" smtClean="0"/>
-              <a:t> </a:t>
-            </a:r>
-            <a:r>
-              <a:rPr lang="fr-FR" sz="2800" dirty="0" err="1" smtClean="0"/>
-              <a:t>recovery</a:t>
-            </a:r>
-            <a:r>
-              <a:rPr lang="fr-FR" sz="2800" dirty="0" smtClean="0"/>
-              <a:t> to </a:t>
-            </a:r>
-            <a:r>
-              <a:rPr lang="fr-FR" sz="2800" dirty="0" err="1" smtClean="0"/>
-              <a:t>failure</a:t>
-            </a:r>
-            <a:r>
-              <a:rPr lang="fr-FR" sz="2800" dirty="0" smtClean="0"/>
-              <a:t> (</a:t>
-            </a:r>
-            <a:r>
-              <a:rPr lang="fr-FR" sz="2800" dirty="0" err="1" smtClean="0"/>
-              <a:t>cont</a:t>
-            </a:r>
-            <a:r>
-              <a:rPr lang="fr-FR" sz="2800" dirty="0" smtClean="0"/>
-              <a:t>.)</a:t>
-            </a:r>
-            <a:endParaRPr lang="fr-FR" sz="2800" dirty="0"/>
-          </a:p>
-        </p:txBody>
-      </p:sp>
-      <p:sp>
-        <p:nvSpPr>
-          <p:cNvPr id="3" name="Text Placeholder 2"/>
-          <p:cNvSpPr>
-            <a:spLocks noGrp="1"/>
-          </p:cNvSpPr>
-          <p:nvPr>
-            <p:ph type="body" sz="quarter" idx="10"/>
-          </p:nvPr>
-        </p:nvSpPr>
-        <p:spPr/>
-        <p:txBody>
-          <a:bodyPr/>
-          <a:lstStyle/>
-          <a:p>
-            <a:r>
-              <a:rPr lang="fr-FR" dirty="0" smtClean="0"/>
-              <a:t>The FDIR </a:t>
-            </a:r>
-            <a:r>
-              <a:rPr lang="fr-FR" dirty="0" err="1" smtClean="0"/>
-              <a:t>can</a:t>
-            </a:r>
-            <a:r>
-              <a:rPr lang="fr-FR" dirty="0" smtClean="0"/>
-              <a:t> </a:t>
-            </a:r>
-            <a:r>
-              <a:rPr lang="fr-FR" dirty="0" err="1" smtClean="0"/>
-              <a:t>launch</a:t>
-            </a:r>
-            <a:r>
-              <a:rPr lang="fr-FR" dirty="0" smtClean="0"/>
-              <a:t> a restart of the system </a:t>
-            </a:r>
-            <a:r>
-              <a:rPr lang="fr-FR" dirty="0" err="1" smtClean="0"/>
-              <a:t>automatically</a:t>
-            </a:r>
-            <a:r>
-              <a:rPr lang="fr-FR" dirty="0" smtClean="0"/>
-              <a:t>, in the goal to </a:t>
-            </a:r>
-            <a:r>
-              <a:rPr lang="fr-FR" dirty="0" err="1" smtClean="0"/>
-              <a:t>recover</a:t>
-            </a:r>
-            <a:r>
-              <a:rPr lang="fr-FR" dirty="0" smtClean="0"/>
-              <a:t> in case of a </a:t>
-            </a:r>
-            <a:r>
-              <a:rPr lang="fr-FR" dirty="0" err="1" smtClean="0"/>
-              <a:t>failure</a:t>
-            </a:r>
-            <a:r>
-              <a:rPr lang="fr-FR" dirty="0" smtClean="0"/>
-              <a:t>.</a:t>
-            </a:r>
-          </a:p>
-          <a:p>
-            <a:endParaRPr lang="fr-FR" dirty="0" smtClean="0"/>
-          </a:p>
-          <a:p>
-            <a:r>
-              <a:rPr lang="fr-FR" dirty="0" smtClean="0"/>
-              <a:t>The </a:t>
-            </a:r>
-            <a:r>
-              <a:rPr lang="fr-FR" dirty="0" err="1" smtClean="0"/>
-              <a:t>systems</a:t>
-            </a:r>
-            <a:r>
-              <a:rPr lang="fr-FR" dirty="0" smtClean="0"/>
-              <a:t>, </a:t>
-            </a:r>
-            <a:r>
-              <a:rPr lang="fr-FR" dirty="0" err="1" smtClean="0"/>
-              <a:t>during</a:t>
-            </a:r>
-            <a:r>
-              <a:rPr lang="fr-FR" dirty="0" smtClean="0"/>
-              <a:t> </a:t>
-            </a:r>
-            <a:r>
-              <a:rPr lang="fr-FR" dirty="0" err="1" smtClean="0"/>
-              <a:t>these</a:t>
-            </a:r>
-            <a:r>
-              <a:rPr lang="fr-FR" dirty="0" smtClean="0"/>
-              <a:t> </a:t>
-            </a:r>
-            <a:r>
-              <a:rPr lang="fr-FR" dirty="0" err="1" smtClean="0"/>
-              <a:t>operations</a:t>
-            </a:r>
-            <a:r>
-              <a:rPr lang="fr-FR" dirty="0" smtClean="0"/>
-              <a:t>, return </a:t>
-            </a:r>
-            <a:r>
-              <a:rPr lang="fr-FR" dirty="0" err="1" smtClean="0"/>
-              <a:t>their</a:t>
-            </a:r>
-            <a:r>
-              <a:rPr lang="fr-FR" dirty="0" smtClean="0"/>
-              <a:t> </a:t>
-            </a:r>
-            <a:r>
-              <a:rPr lang="fr-FR" dirty="0" err="1" smtClean="0"/>
-              <a:t>status</a:t>
-            </a:r>
-            <a:r>
-              <a:rPr lang="fr-FR" dirty="0"/>
-              <a:t> </a:t>
-            </a:r>
-            <a:r>
-              <a:rPr lang="fr-FR" dirty="0" smtClean="0"/>
-              <a:t>to the FDIR.</a:t>
-            </a:r>
-            <a:endParaRPr lang="fr-FR" dirty="0"/>
-          </a:p>
-        </p:txBody>
-      </p:sp>
-      <p:sp>
-        <p:nvSpPr>
-          <p:cNvPr id="4" name="ZoneTexte 3"/>
-          <p:cNvSpPr txBox="1"/>
-          <p:nvPr/>
-        </p:nvSpPr>
-        <p:spPr>
-          <a:xfrm>
-            <a:off x="-32" y="0"/>
-            <a:ext cx="1928812" cy="276225"/>
-          </a:xfrm>
-          <a:prstGeom prst="rect">
-            <a:avLst/>
-          </a:prstGeom>
-          <a:noFill/>
-        </p:spPr>
-        <p:txBody>
-          <a:bodyPr>
-            <a:spAutoFit/>
-          </a:bodyPr>
-          <a:lstStyle/>
-          <a:p>
-            <a:pPr algn="ctr" fontAlgn="auto">
-              <a:spcBef>
-                <a:spcPct val="20000"/>
-              </a:spcBef>
-              <a:spcAft>
-                <a:spcPts val="0"/>
-              </a:spcAft>
-              <a:defRPr/>
-            </a:pPr>
-            <a:r>
-              <a:rPr lang="fr-FR" sz="1200" kern="0" dirty="0" smtClean="0">
-                <a:solidFill>
-                  <a:schemeClr val="bg1">
-                    <a:lumMod val="50000"/>
-                  </a:schemeClr>
-                </a:solidFill>
-                <a:latin typeface="+mn-lt"/>
-                <a:cs typeface="+mn-cs"/>
-              </a:rPr>
-              <a:t>Domain identification</a:t>
-            </a:r>
-            <a:endParaRPr lang="fr-FR" sz="1200" kern="0" dirty="0">
-              <a:solidFill>
-                <a:schemeClr val="bg1">
-                  <a:lumMod val="50000"/>
-                </a:schemeClr>
-              </a:solidFill>
-              <a:latin typeface="+mn-lt"/>
-              <a:cs typeface="+mn-cs"/>
-            </a:endParaRPr>
-          </a:p>
-        </p:txBody>
-      </p:sp>
-      <p:sp>
-        <p:nvSpPr>
-          <p:cNvPr id="5" name="ZoneTexte 4"/>
-          <p:cNvSpPr txBox="1"/>
-          <p:nvPr/>
-        </p:nvSpPr>
-        <p:spPr>
-          <a:xfrm>
-            <a:off x="2143122" y="0"/>
-            <a:ext cx="1928812" cy="276225"/>
-          </a:xfrm>
-          <a:prstGeom prst="rect">
-            <a:avLst/>
-          </a:prstGeom>
-          <a:noFill/>
-        </p:spPr>
-        <p:txBody>
-          <a:bodyPr>
-            <a:spAutoFit/>
-          </a:bodyPr>
-          <a:lstStyle/>
-          <a:p>
-            <a:pPr algn="ctr" fontAlgn="auto">
-              <a:spcBef>
-                <a:spcPct val="20000"/>
-              </a:spcBef>
-              <a:spcAft>
-                <a:spcPts val="0"/>
-              </a:spcAft>
-              <a:defRPr/>
-            </a:pPr>
-            <a:r>
-              <a:rPr lang="fr-FR" sz="1200" kern="0" dirty="0" err="1" smtClean="0">
-                <a:solidFill>
-                  <a:schemeClr val="bg1">
-                    <a:lumMod val="50000"/>
-                  </a:schemeClr>
-                </a:solidFill>
-                <a:latin typeface="+mn-lt"/>
-                <a:cs typeface="+mn-cs"/>
-              </a:rPr>
-              <a:t>Requirements</a:t>
-            </a:r>
-            <a:endParaRPr lang="fr-FR" sz="1200" kern="0" dirty="0">
-              <a:solidFill>
-                <a:schemeClr val="bg1">
-                  <a:lumMod val="50000"/>
-                </a:schemeClr>
-              </a:solidFill>
-              <a:latin typeface="+mn-lt"/>
-              <a:cs typeface="+mn-cs"/>
-            </a:endParaRPr>
-          </a:p>
-        </p:txBody>
-      </p:sp>
-      <p:sp>
-        <p:nvSpPr>
-          <p:cNvPr id="6" name="ZoneTexte 5"/>
-          <p:cNvSpPr txBox="1"/>
-          <p:nvPr/>
-        </p:nvSpPr>
-        <p:spPr>
-          <a:xfrm>
-            <a:off x="4214818" y="0"/>
-            <a:ext cx="2571760" cy="276999"/>
-          </a:xfrm>
-          <a:prstGeom prst="rect">
-            <a:avLst/>
-          </a:prstGeom>
-          <a:noFill/>
-        </p:spPr>
-        <p:txBody>
-          <a:bodyPr wrap="square">
-            <a:spAutoFit/>
-          </a:bodyPr>
-          <a:lstStyle/>
-          <a:p>
-            <a:pPr algn="ctr" fontAlgn="auto">
-              <a:spcBef>
-                <a:spcPct val="20000"/>
-              </a:spcBef>
-              <a:spcAft>
-                <a:spcPts val="0"/>
-              </a:spcAft>
-              <a:defRPr/>
-            </a:pPr>
-            <a:r>
-              <a:rPr lang="fr-FR" sz="1200" kern="0" dirty="0" err="1" smtClean="0">
-                <a:solidFill>
-                  <a:schemeClr val="bg1">
-                    <a:lumMod val="50000"/>
-                  </a:schemeClr>
-                </a:solidFill>
-                <a:latin typeface="+mn-lt"/>
-                <a:cs typeface="+mn-cs"/>
-              </a:rPr>
-              <a:t>Context</a:t>
-            </a:r>
-            <a:r>
-              <a:rPr lang="fr-FR" sz="1200" kern="0" dirty="0" smtClean="0">
-                <a:solidFill>
-                  <a:schemeClr val="bg1">
-                    <a:lumMod val="50000"/>
-                  </a:schemeClr>
-                </a:solidFill>
-                <a:latin typeface="+mn-lt"/>
-                <a:cs typeface="+mn-cs"/>
-              </a:rPr>
-              <a:t> </a:t>
-            </a:r>
-            <a:r>
-              <a:rPr lang="fr-FR" sz="1200" kern="0" dirty="0" err="1" smtClean="0">
-                <a:solidFill>
-                  <a:schemeClr val="bg1">
-                    <a:lumMod val="50000"/>
-                  </a:schemeClr>
-                </a:solidFill>
-                <a:latin typeface="+mn-lt"/>
-                <a:cs typeface="+mn-cs"/>
-              </a:rPr>
-              <a:t>diagram</a:t>
-            </a:r>
-            <a:endParaRPr lang="fr-FR" sz="1200" kern="0" dirty="0">
-              <a:solidFill>
-                <a:schemeClr val="bg1">
-                  <a:lumMod val="50000"/>
-                </a:schemeClr>
-              </a:solidFill>
-              <a:latin typeface="+mn-lt"/>
-              <a:cs typeface="+mn-cs"/>
-            </a:endParaRPr>
-          </a:p>
-        </p:txBody>
-      </p:sp>
-      <p:sp>
-        <p:nvSpPr>
-          <p:cNvPr id="7" name="ZoneTexte 6"/>
-          <p:cNvSpPr txBox="1"/>
-          <p:nvPr/>
-        </p:nvSpPr>
-        <p:spPr>
-          <a:xfrm>
-            <a:off x="6572277" y="0"/>
-            <a:ext cx="1928813" cy="276225"/>
-          </a:xfrm>
-          <a:prstGeom prst="rect">
-            <a:avLst/>
-          </a:prstGeom>
-          <a:noFill/>
-        </p:spPr>
-        <p:txBody>
-          <a:bodyPr>
-            <a:spAutoFit/>
-          </a:bodyPr>
-          <a:lstStyle/>
-          <a:p>
-            <a:pPr algn="ctr" fontAlgn="auto">
-              <a:spcBef>
-                <a:spcPct val="20000"/>
-              </a:spcBef>
-              <a:spcAft>
-                <a:spcPts val="0"/>
-              </a:spcAft>
-              <a:defRPr/>
-            </a:pPr>
-            <a:r>
-              <a:rPr lang="fr-FR" sz="1200" b="1" u="sng" kern="0" dirty="0" err="1" smtClean="0">
-                <a:latin typeface="+mn-lt"/>
-                <a:cs typeface="+mn-cs"/>
-              </a:rPr>
-              <a:t>Problem</a:t>
-            </a:r>
-            <a:r>
-              <a:rPr lang="fr-FR" sz="1200" b="1" u="sng" kern="0" dirty="0" smtClean="0">
-                <a:latin typeface="+mn-lt"/>
-                <a:cs typeface="+mn-cs"/>
-              </a:rPr>
-              <a:t> frames</a:t>
-            </a:r>
-            <a:endParaRPr lang="fr-FR" sz="1200" b="1" u="sng" kern="0" dirty="0">
-              <a:latin typeface="+mn-lt"/>
-              <a:cs typeface="+mn-cs"/>
-            </a:endParaRPr>
-          </a:p>
-        </p:txBody>
-      </p:sp>
-    </p:spTree>
-    <p:extLst>
-      <p:ext uri="{BB962C8B-B14F-4D97-AF65-F5344CB8AC3E}">
-        <p14:creationId xmlns:p14="http://schemas.microsoft.com/office/powerpoint/2007/7/12/main" xmlns="" val="532621230"/>
-      </p:ext>
-    </p:extLst>
-  </p:cSld>
-  <p:clrMapOvr>
-    <a:masterClrMapping/>
-  </p:clrMapOvr>
-  <p:timing>
-    <p:tnLst>
-      <p:par>
-        <p:cTn id="1" dur="indefinite" restart="never" nodeType="tmRoot"/>
+        <p:cTn xmlns:p14="http://schemas.microsoft.com/office/powerpoint/2007/7/12/main" id="1" dur="indefinite" restart="never" nodeType="tmRoot"/>
       </p:par>
     </p:tnLst>
   </p:timing>
@@ -21166,12 +21332,391 @@
           <a:lstStyle/>
           <a:p>
             <a:r>
+              <a:rPr lang="fr-FR" dirty="0" err="1"/>
+              <a:t>Manual</a:t>
+            </a:r>
+            <a:r>
+              <a:rPr lang="fr-FR" dirty="0"/>
+              <a:t> control of </a:t>
+            </a:r>
+            <a:r>
+              <a:rPr lang="fr-FR" dirty="0" smtClean="0"/>
+              <a:t>FDIR</a:t>
+            </a:r>
+            <a:endParaRPr lang="fr-FR" dirty="0"/>
+          </a:p>
+        </p:txBody>
+      </p:sp>
+      <p:sp>
+        <p:nvSpPr>
+          <p:cNvPr id="3" name="Text Placeholder 2"/>
+          <p:cNvSpPr>
+            <a:spLocks noGrp="1"/>
+          </p:cNvSpPr>
+          <p:nvPr>
+            <p:ph type="body" sz="quarter" idx="10"/>
+          </p:nvPr>
+        </p:nvSpPr>
+        <p:spPr/>
+        <p:txBody>
+          <a:bodyPr/>
+          <a:lstStyle/>
+          <a:p>
+            <a:r>
+              <a:rPr lang="en-US" dirty="0" smtClean="0"/>
+              <a:t>FDIR has to provide interface for issuing manual commands from the crew or ground control at anytime</a:t>
+            </a:r>
+          </a:p>
+          <a:p>
+            <a:endParaRPr lang="en-US" dirty="0" smtClean="0"/>
+          </a:p>
+          <a:p>
+            <a:r>
+              <a:rPr lang="en-US" dirty="0" smtClean="0"/>
+              <a:t>FDIR is able to send commands (shutdown,restart,switch to a different backup) to </a:t>
+            </a:r>
+            <a:r>
+              <a:rPr lang="en-US" smtClean="0"/>
+              <a:t>the spacecraft’s </a:t>
+            </a:r>
+            <a:r>
+              <a:rPr lang="en-US" dirty="0" smtClean="0"/>
+              <a:t>several systems</a:t>
+            </a:r>
+          </a:p>
+          <a:p>
+            <a:endParaRPr lang="en-US" dirty="0" smtClean="0"/>
+          </a:p>
+          <a:p>
+            <a:r>
+              <a:rPr lang="en-US" dirty="0" smtClean="0"/>
+              <a:t>The systems has to remain available and responding while processing commands</a:t>
+            </a:r>
+          </a:p>
+          <a:p>
+            <a:endParaRPr lang="en-US" dirty="0" smtClean="0"/>
+          </a:p>
+          <a:p>
+            <a:r>
+              <a:rPr lang="en-US" dirty="0" smtClean="0"/>
+              <a:t>FDIR must be able to multitask commands</a:t>
+            </a:r>
+            <a:endParaRPr lang="en-US" dirty="0"/>
+          </a:p>
+        </p:txBody>
+      </p:sp>
+      <p:sp>
+        <p:nvSpPr>
+          <p:cNvPr id="4" name="ZoneTexte 3"/>
+          <p:cNvSpPr txBox="1"/>
+          <p:nvPr/>
+        </p:nvSpPr>
+        <p:spPr>
+          <a:xfrm>
+            <a:off x="-32" y="0"/>
+            <a:ext cx="1928812" cy="276225"/>
+          </a:xfrm>
+          <a:prstGeom prst="rect">
+            <a:avLst/>
+          </a:prstGeom>
+          <a:noFill/>
+        </p:spPr>
+        <p:txBody>
+          <a:bodyPr>
+            <a:spAutoFit/>
+          </a:bodyPr>
+          <a:lstStyle/>
+          <a:p>
+            <a:pPr algn="ctr" fontAlgn="auto">
+              <a:spcBef>
+                <a:spcPct val="20000"/>
+              </a:spcBef>
+              <a:spcAft>
+                <a:spcPts val="0"/>
+              </a:spcAft>
+              <a:defRPr/>
+            </a:pPr>
+            <a:r>
+              <a:rPr lang="fr-FR" sz="1200" kern="0" dirty="0" smtClean="0">
+                <a:solidFill>
+                  <a:schemeClr val="bg1">
+                    <a:lumMod val="50000"/>
+                  </a:schemeClr>
+                </a:solidFill>
+                <a:latin typeface="+mn-lt"/>
+                <a:cs typeface="+mn-cs"/>
+              </a:rPr>
+              <a:t>Domain identification</a:t>
+            </a:r>
+            <a:endParaRPr lang="fr-FR" sz="1200" kern="0" dirty="0">
+              <a:solidFill>
+                <a:schemeClr val="bg1">
+                  <a:lumMod val="50000"/>
+                </a:schemeClr>
+              </a:solidFill>
+              <a:latin typeface="+mn-lt"/>
+              <a:cs typeface="+mn-cs"/>
+            </a:endParaRPr>
+          </a:p>
+        </p:txBody>
+      </p:sp>
+      <p:sp>
+        <p:nvSpPr>
+          <p:cNvPr id="5" name="ZoneTexte 4"/>
+          <p:cNvSpPr txBox="1"/>
+          <p:nvPr/>
+        </p:nvSpPr>
+        <p:spPr>
+          <a:xfrm>
+            <a:off x="2143122" y="0"/>
+            <a:ext cx="1928812" cy="276225"/>
+          </a:xfrm>
+          <a:prstGeom prst="rect">
+            <a:avLst/>
+          </a:prstGeom>
+          <a:noFill/>
+        </p:spPr>
+        <p:txBody>
+          <a:bodyPr>
+            <a:spAutoFit/>
+          </a:bodyPr>
+          <a:lstStyle/>
+          <a:p>
+            <a:pPr algn="ctr" fontAlgn="auto">
+              <a:spcBef>
+                <a:spcPct val="20000"/>
+              </a:spcBef>
+              <a:spcAft>
+                <a:spcPts val="0"/>
+              </a:spcAft>
+              <a:defRPr/>
+            </a:pPr>
+            <a:r>
+              <a:rPr lang="fr-FR" sz="1200" kern="0" dirty="0" err="1" smtClean="0">
+                <a:solidFill>
+                  <a:schemeClr val="bg1">
+                    <a:lumMod val="50000"/>
+                  </a:schemeClr>
+                </a:solidFill>
+                <a:latin typeface="+mn-lt"/>
+                <a:cs typeface="+mn-cs"/>
+              </a:rPr>
+              <a:t>Requirements</a:t>
+            </a:r>
+            <a:endParaRPr lang="fr-FR" sz="1200" kern="0" dirty="0">
+              <a:solidFill>
+                <a:schemeClr val="bg1">
+                  <a:lumMod val="50000"/>
+                </a:schemeClr>
+              </a:solidFill>
+              <a:latin typeface="+mn-lt"/>
+              <a:cs typeface="+mn-cs"/>
+            </a:endParaRPr>
+          </a:p>
+        </p:txBody>
+      </p:sp>
+      <p:sp>
+        <p:nvSpPr>
+          <p:cNvPr id="6" name="ZoneTexte 5"/>
+          <p:cNvSpPr txBox="1"/>
+          <p:nvPr/>
+        </p:nvSpPr>
+        <p:spPr>
+          <a:xfrm>
+            <a:off x="4214818" y="0"/>
+            <a:ext cx="2571760" cy="276999"/>
+          </a:xfrm>
+          <a:prstGeom prst="rect">
+            <a:avLst/>
+          </a:prstGeom>
+          <a:noFill/>
+        </p:spPr>
+        <p:txBody>
+          <a:bodyPr wrap="square">
+            <a:spAutoFit/>
+          </a:bodyPr>
+          <a:lstStyle/>
+          <a:p>
+            <a:pPr algn="ctr" fontAlgn="auto">
+              <a:spcBef>
+                <a:spcPct val="20000"/>
+              </a:spcBef>
+              <a:spcAft>
+                <a:spcPts val="0"/>
+              </a:spcAft>
+              <a:defRPr/>
+            </a:pPr>
+            <a:r>
+              <a:rPr lang="fr-FR" sz="1200" kern="0" dirty="0" err="1" smtClean="0">
+                <a:solidFill>
+                  <a:schemeClr val="bg1">
+                    <a:lumMod val="50000"/>
+                  </a:schemeClr>
+                </a:solidFill>
+                <a:latin typeface="+mn-lt"/>
+                <a:cs typeface="+mn-cs"/>
+              </a:rPr>
+              <a:t>Context</a:t>
+            </a:r>
+            <a:r>
+              <a:rPr lang="fr-FR" sz="1200" kern="0" dirty="0" smtClean="0">
+                <a:solidFill>
+                  <a:schemeClr val="bg1">
+                    <a:lumMod val="50000"/>
+                  </a:schemeClr>
+                </a:solidFill>
+                <a:latin typeface="+mn-lt"/>
+                <a:cs typeface="+mn-cs"/>
+              </a:rPr>
+              <a:t> </a:t>
+            </a:r>
+            <a:r>
+              <a:rPr lang="fr-FR" sz="1200" kern="0" dirty="0" err="1" smtClean="0">
+                <a:solidFill>
+                  <a:schemeClr val="bg1">
+                    <a:lumMod val="50000"/>
+                  </a:schemeClr>
+                </a:solidFill>
+                <a:latin typeface="+mn-lt"/>
+                <a:cs typeface="+mn-cs"/>
+              </a:rPr>
+              <a:t>diagram</a:t>
+            </a:r>
+            <a:endParaRPr lang="fr-FR" sz="1200" kern="0" dirty="0">
+              <a:solidFill>
+                <a:schemeClr val="bg1">
+                  <a:lumMod val="50000"/>
+                </a:schemeClr>
+              </a:solidFill>
+              <a:latin typeface="+mn-lt"/>
+              <a:cs typeface="+mn-cs"/>
+            </a:endParaRPr>
+          </a:p>
+        </p:txBody>
+      </p:sp>
+      <p:sp>
+        <p:nvSpPr>
+          <p:cNvPr id="7" name="ZoneTexte 6"/>
+          <p:cNvSpPr txBox="1"/>
+          <p:nvPr/>
+        </p:nvSpPr>
+        <p:spPr>
+          <a:xfrm>
+            <a:off x="6572277" y="0"/>
+            <a:ext cx="1928813" cy="276225"/>
+          </a:xfrm>
+          <a:prstGeom prst="rect">
+            <a:avLst/>
+          </a:prstGeom>
+          <a:noFill/>
+        </p:spPr>
+        <p:txBody>
+          <a:bodyPr>
+            <a:spAutoFit/>
+          </a:bodyPr>
+          <a:lstStyle/>
+          <a:p>
+            <a:pPr algn="ctr" fontAlgn="auto">
+              <a:spcBef>
+                <a:spcPct val="20000"/>
+              </a:spcBef>
+              <a:spcAft>
+                <a:spcPts val="0"/>
+              </a:spcAft>
+              <a:defRPr/>
+            </a:pPr>
+            <a:r>
+              <a:rPr lang="fr-FR" sz="1200" b="1" u="sng" kern="0" dirty="0" err="1" smtClean="0">
+                <a:latin typeface="+mn-lt"/>
+                <a:cs typeface="+mn-cs"/>
+              </a:rPr>
+              <a:t>Problem</a:t>
+            </a:r>
+            <a:r>
+              <a:rPr lang="fr-FR" sz="1200" b="1" u="sng" kern="0" dirty="0" smtClean="0">
+                <a:latin typeface="+mn-lt"/>
+                <a:cs typeface="+mn-cs"/>
+              </a:rPr>
+              <a:t> frames</a:t>
+            </a:r>
+            <a:endParaRPr lang="fr-FR" sz="1200" b="1" u="sng" kern="0" dirty="0">
+              <a:latin typeface="+mn-lt"/>
+              <a:cs typeface="+mn-cs"/>
+            </a:endParaRPr>
+          </a:p>
+        </p:txBody>
+      </p:sp>
+    </p:spTree>
+    <p:extLst>
+      <p:ext uri="{BB962C8B-B14F-4D97-AF65-F5344CB8AC3E}">
+        <p14:creationId xmlns:p14="http://schemas.microsoft.com/office/powerpoint/2007/7/12/main" val="883924539"/>
+      </p:ext>
+    </p:extLst>
+  </p:cSld>
+  <p:clrMapOvr>
+    <a:masterClrMapping/>
+  </p:clrMapOvr>
+  <p:timing>
+    <p:tnLst>
+      <p:par>
+        <p:cTn xmlns:p14="http://schemas.microsoft.com/office/powerpoint/2007/7/12/main" id="1" dur="indefinite" restart="never" nodeType="tmRoot"/>
+      </p:par>
+    </p:tnLst>
+  </p:timing>
+</p:sld>
+</file>
+
+<file path=ppt/slides/slide9.xml><?xml version="1.0" encoding="utf-8"?>
+<p:sld xmlns:a="http://schemas.openxmlformats.org/drawingml/2006/main" xmlns:r="http://schemas.openxmlformats.org/officeDocument/2006/relationships" xmlns:p="http://schemas.openxmlformats.org/presentationml/2006/main">
+  <p:cSld>
+    <p:spTree>
+      <p:nvGrpSpPr>
+        <p:cNvPr id="1" name=""/>
+        <p:cNvGrpSpPr/>
+        <p:nvPr/>
+      </p:nvGrpSpPr>
+      <p:grpSpPr>
+        <a:xfrm>
+          <a:off x="0" y="0"/>
+          <a:ext cx="0" cy="0"/>
+          <a:chOff x="0" y="0"/>
+          <a:chExt cx="0" cy="0"/>
+        </a:xfrm>
+      </p:grpSpPr>
+      <p:sp>
+        <p:nvSpPr>
+          <p:cNvPr id="2" name="Title 1"/>
+          <p:cNvSpPr>
+            <a:spLocks noGrp="1"/>
+          </p:cNvSpPr>
+          <p:nvPr>
+            <p:ph type="ctrTitle"/>
+          </p:nvPr>
+        </p:nvSpPr>
+        <p:spPr/>
+        <p:txBody>
+          <a:bodyPr/>
+          <a:lstStyle/>
+          <a:p>
+            <a:r>
               <a:rPr lang="fr-FR" dirty="0" err="1" smtClean="0"/>
               <a:t>Manual</a:t>
             </a:r>
             <a:r>
               <a:rPr lang="fr-FR" dirty="0" smtClean="0"/>
-              <a:t> control of FDIR</a:t>
+              <a:t> control of </a:t>
+            </a:r>
+            <a:r>
+              <a:rPr lang="fr-FR" dirty="0"/>
+              <a:t>FDIR (</a:t>
+            </a:r>
+            <a:r>
+              <a:rPr lang="fr-FR" dirty="0" err="1"/>
+              <a:t>cont</a:t>
+            </a:r>
+            <a:r>
+              <a:rPr lang="fr-FR" dirty="0"/>
+              <a:t>.)</a:t>
             </a:r>
             <a:endParaRPr lang="fr-FR" dirty="0"/>
           </a:p>
@@ -21723,7 +22268,7 @@
                 <a:spcPct val="0"/>
               </a:spcAft>
               <a:buClr>
-                <a:srgbClr val="DA7E18"/>
+                <a:srgbClr xmlns:mc="http://schemas.openxmlformats.org/markup-compatibility/2006" xmlns:a14="http://schemas.microsoft.com/office/drawing/2007/7/7/main" val="DA7E18" mc:Ignorable=""/>
               </a:buClr>
               <a:buSzPct val="70000"/>
               <a:buFont typeface="Wingdings" pitchFamily="2" charset="2"/>
@@ -21745,7 +22290,7 @@
                 <a:spcPct val="0"/>
               </a:spcAft>
               <a:buClr>
-                <a:srgbClr val="E5AB1B"/>
+                <a:srgbClr xmlns:mc="http://schemas.openxmlformats.org/markup-compatibility/2006" xmlns:a14="http://schemas.microsoft.com/office/drawing/2007/7/7/main" val="E5AB1B" mc:Ignorable=""/>
               </a:buClr>
               <a:buSzPct val="70000"/>
               <a:buFont typeface="Wingdings" pitchFamily="2" charset="2"/>
@@ -22272,7 +22817,7 @@
                 <a:spcPct val="0"/>
               </a:spcAft>
               <a:buClr>
-                <a:srgbClr val="DA7E18"/>
+                <a:srgbClr xmlns:mc="http://schemas.openxmlformats.org/markup-compatibility/2006" xmlns:a14="http://schemas.microsoft.com/office/drawing/2007/7/7/main" val="DA7E18" mc:Ignorable=""/>
               </a:buClr>
               <a:buSzPct val="70000"/>
               <a:buFont typeface="Wingdings" pitchFamily="2" charset="2"/>
@@ -22294,7 +22839,7 @@
                 <a:spcPct val="0"/>
               </a:spcAft>
               <a:buClr>
-                <a:srgbClr val="E5AB1B"/>
+                <a:srgbClr xmlns:mc="http://schemas.openxmlformats.org/markup-compatibility/2006" xmlns:a14="http://schemas.microsoft.com/office/drawing/2007/7/7/main" val="E5AB1B" mc:Ignorable=""/>
               </a:buClr>
               <a:buSzPct val="70000"/>
               <a:buFont typeface="Wingdings" pitchFamily="2" charset="2"/>
@@ -22474,7 +23019,7 @@
                 <a:spcPct val="0"/>
               </a:spcAft>
               <a:buClr>
-                <a:srgbClr val="DA7E18"/>
+                <a:srgbClr xmlns:mc="http://schemas.openxmlformats.org/markup-compatibility/2006" xmlns:a14="http://schemas.microsoft.com/office/drawing/2007/7/7/main" val="DA7E18" mc:Ignorable=""/>
               </a:buClr>
               <a:buSzPct val="70000"/>
               <a:buFont typeface="Wingdings" pitchFamily="2" charset="2"/>
@@ -22496,7 +23041,7 @@
                 <a:spcPct val="0"/>
               </a:spcAft>
               <a:buClr>
-                <a:srgbClr val="E5AB1B"/>
+                <a:srgbClr xmlns:mc="http://schemas.openxmlformats.org/markup-compatibility/2006" xmlns:a14="http://schemas.microsoft.com/office/drawing/2007/7/7/main" val="E5AB1B" mc:Ignorable=""/>
               </a:buClr>
               <a:buSzPct val="70000"/>
               <a:buFont typeface="Wingdings" pitchFamily="2" charset="2"/>
@@ -22941,7 +23486,7 @@
                 </a:solidFill>
                 <a:effectLst>
                   <a:outerShdw blurRad="38100" dist="38100" dir="2700000" algn="tl">
-                    <a:srgbClr val="000000">
+                    <a:srgbClr xmlns:mc="http://schemas.openxmlformats.org/markup-compatibility/2006" xmlns:a14="http://schemas.microsoft.com/office/drawing/2007/7/7/main" val="000000" mc:Ignorable="">
                       <a:alpha val="43137"/>
                     </a:srgbClr>
                   </a:outerShdw>
@@ -22958,7 +23503,7 @@
                 </a:solidFill>
                 <a:effectLst>
                   <a:outerShdw blurRad="38100" dist="38100" dir="2700000" algn="tl">
-                    <a:srgbClr val="000000">
+                    <a:srgbClr xmlns:mc="http://schemas.openxmlformats.org/markup-compatibility/2006" xmlns:a14="http://schemas.microsoft.com/office/drawing/2007/7/7/main" val="000000" mc:Ignorable="">
                       <a:alpha val="43137"/>
                     </a:srgbClr>
                   </a:outerShdw>
@@ -22975,7 +23520,7 @@
                 </a:solidFill>
                 <a:effectLst>
                   <a:outerShdw blurRad="38100" dist="38100" dir="2700000" algn="tl">
-                    <a:srgbClr val="000000">
+                    <a:srgbClr xmlns:mc="http://schemas.openxmlformats.org/markup-compatibility/2006" xmlns:a14="http://schemas.microsoft.com/office/drawing/2007/7/7/main" val="000000" mc:Ignorable="">
                       <a:alpha val="43137"/>
                     </a:srgbClr>
                   </a:outerShdw>
@@ -22992,7 +23537,7 @@
                 </a:solidFill>
                 <a:effectLst>
                   <a:outerShdw blurRad="38100" dist="38100" dir="2700000" algn="tl">
-                    <a:srgbClr val="000000">
+                    <a:srgbClr xmlns:mc="http://schemas.openxmlformats.org/markup-compatibility/2006" xmlns:a14="http://schemas.microsoft.com/office/drawing/2007/7/7/main" val="000000" mc:Ignorable="">
                       <a:alpha val="43137"/>
                     </a:srgbClr>
                   </a:outerShdw>
@@ -23273,7 +23818,7 @@
     </p:spTree>
     <p:extLst>
       <p:ext uri="{BB962C8B-B14F-4D97-AF65-F5344CB8AC3E}">
-        <p14:creationId xmlns:p14="http://schemas.microsoft.com/office/powerpoint/2007/7/12/main" xmlns="" val="2448966025"/>
+        <p14:creationId xmlns:p14="http://schemas.microsoft.com/office/powerpoint/2007/7/12/main" val="2448966025"/>
       </p:ext>
     </p:extLst>
   </p:cSld>
@@ -23283,382 +23828,7 @@
   <p:timing>
     <p:tnLst>
       <p:par>
-        <p:cTn id="1" dur="indefinite" restart="never" nodeType="tmRoot"/>
-      </p:par>
-    </p:tnLst>
-  </p:timing>
-</p:sld>
-</file>
-
-<file path=ppt/slides/slide9.xml><?xml version="1.0" encoding="utf-8"?>
-<p:sld xmlns:a="http://schemas.openxmlformats.org/drawingml/2006/main" xmlns:r="http://schemas.openxmlformats.org/officeDocument/2006/relationships" xmlns:p="http://schemas.openxmlformats.org/presentationml/2006/main">
-  <p:cSld>
-    <p:spTree>
-      <p:nvGrpSpPr>
-        <p:cNvPr id="1" name=""/>
-        <p:cNvGrpSpPr/>
-        <p:nvPr/>
-      </p:nvGrpSpPr>
-      <p:grpSpPr>
-        <a:xfrm>
-          <a:off x="0" y="0"/>
-          <a:ext cx="0" cy="0"/>
-          <a:chOff x="0" y="0"/>
-          <a:chExt cx="0" cy="0"/>
-        </a:xfrm>
-      </p:grpSpPr>
-      <p:sp>
-        <p:nvSpPr>
-          <p:cNvPr id="2" name="Title 1"/>
-          <p:cNvSpPr>
-            <a:spLocks noGrp="1"/>
-          </p:cNvSpPr>
-          <p:nvPr>
-            <p:ph type="ctrTitle"/>
-          </p:nvPr>
-        </p:nvSpPr>
-        <p:spPr/>
-        <p:txBody>
-          <a:bodyPr/>
-          <a:lstStyle/>
-          <a:p>
-            <a:r>
-              <a:rPr lang="fr-FR" sz="2800" dirty="0" err="1"/>
-              <a:t>Manual</a:t>
-            </a:r>
-            <a:r>
-              <a:rPr lang="fr-FR" sz="2800" dirty="0"/>
-              <a:t> control of </a:t>
-            </a:r>
-            <a:r>
-              <a:rPr lang="fr-FR" sz="2800" dirty="0" smtClean="0"/>
-              <a:t>FDIR (</a:t>
-            </a:r>
-            <a:r>
-              <a:rPr lang="fr-FR" sz="2800" dirty="0" err="1" smtClean="0"/>
-              <a:t>cont</a:t>
-            </a:r>
-            <a:r>
-              <a:rPr lang="fr-FR" sz="2800" dirty="0" smtClean="0"/>
-              <a:t>.)</a:t>
-            </a:r>
-            <a:endParaRPr lang="fr-FR" sz="2800" dirty="0"/>
-          </a:p>
-        </p:txBody>
-      </p:sp>
-      <p:sp>
-        <p:nvSpPr>
-          <p:cNvPr id="3" name="Text Placeholder 2"/>
-          <p:cNvSpPr>
-            <a:spLocks noGrp="1"/>
-          </p:cNvSpPr>
-          <p:nvPr>
-            <p:ph type="body" sz="quarter" idx="10"/>
-          </p:nvPr>
-        </p:nvSpPr>
-        <p:spPr/>
-        <p:txBody>
-          <a:bodyPr/>
-          <a:lstStyle/>
-          <a:p>
-            <a:r>
-              <a:rPr lang="en-US" dirty="0" smtClean="0"/>
-              <a:t>FDIR has to provide interface for issuing manual commands from the crew or ground control at anytime</a:t>
-            </a:r>
-          </a:p>
-          <a:p>
-            <a:endParaRPr lang="en-US" dirty="0" smtClean="0"/>
-          </a:p>
-          <a:p>
-            <a:r>
-              <a:rPr lang="en-US" dirty="0" smtClean="0"/>
-              <a:t>FDIR is able to send commands (shutdown,restart,switch to a different backup) to </a:t>
-            </a:r>
-            <a:r>
-              <a:rPr lang="en-US" smtClean="0"/>
-              <a:t>the spacecraft’s </a:t>
-            </a:r>
-            <a:r>
-              <a:rPr lang="en-US" dirty="0" smtClean="0"/>
-              <a:t>several systems</a:t>
-            </a:r>
-          </a:p>
-          <a:p>
-            <a:endParaRPr lang="en-US" dirty="0" smtClean="0"/>
-          </a:p>
-          <a:p>
-            <a:r>
-              <a:rPr lang="en-US" dirty="0" smtClean="0"/>
-              <a:t>The systems has to remain available and responding while processing commands</a:t>
-            </a:r>
-          </a:p>
-          <a:p>
-            <a:endParaRPr lang="en-US" dirty="0" smtClean="0"/>
-          </a:p>
-          <a:p>
-            <a:r>
-              <a:rPr lang="en-US" dirty="0" smtClean="0"/>
-              <a:t>FDIR must be able to multitask commands</a:t>
-            </a:r>
-            <a:endParaRPr lang="en-US" dirty="0"/>
-          </a:p>
-        </p:txBody>
-      </p:sp>
-      <p:sp>
-        <p:nvSpPr>
-          <p:cNvPr id="4" name="ZoneTexte 3"/>
-          <p:cNvSpPr txBox="1"/>
-          <p:nvPr/>
-        </p:nvSpPr>
-        <p:spPr>
-          <a:xfrm>
-            <a:off x="-32" y="0"/>
-            <a:ext cx="1928812" cy="276225"/>
-          </a:xfrm>
-          <a:prstGeom prst="rect">
-            <a:avLst/>
-          </a:prstGeom>
-          <a:noFill/>
-        </p:spPr>
-        <p:txBody>
-          <a:bodyPr>
-            <a:spAutoFit/>
-          </a:bodyPr>
-          <a:lstStyle/>
-          <a:p>
-            <a:pPr algn="ctr" fontAlgn="auto">
-              <a:spcBef>
-                <a:spcPct val="20000"/>
-              </a:spcBef>
-              <a:spcAft>
-                <a:spcPts val="0"/>
-              </a:spcAft>
-              <a:defRPr/>
-            </a:pPr>
-            <a:r>
-              <a:rPr lang="fr-FR" sz="1200" kern="0" dirty="0" smtClean="0">
-                <a:solidFill>
-                  <a:schemeClr val="bg1">
-                    <a:lumMod val="50000"/>
-                  </a:schemeClr>
-                </a:solidFill>
-                <a:latin typeface="+mn-lt"/>
-                <a:cs typeface="+mn-cs"/>
-              </a:rPr>
-              <a:t>Domain identification</a:t>
-            </a:r>
-            <a:endParaRPr lang="fr-FR" sz="1200" kern="0" dirty="0">
-              <a:solidFill>
-                <a:schemeClr val="bg1">
-                  <a:lumMod val="50000"/>
-                </a:schemeClr>
-              </a:solidFill>
-              <a:latin typeface="+mn-lt"/>
-              <a:cs typeface="+mn-cs"/>
-            </a:endParaRPr>
-          </a:p>
-        </p:txBody>
-      </p:sp>
-      <p:sp>
-        <p:nvSpPr>
-          <p:cNvPr id="5" name="ZoneTexte 4"/>
-          <p:cNvSpPr txBox="1"/>
-          <p:nvPr/>
-        </p:nvSpPr>
-        <p:spPr>
-          <a:xfrm>
-            <a:off x="2143122" y="0"/>
-            <a:ext cx="1928812" cy="276225"/>
-          </a:xfrm>
-          <a:prstGeom prst="rect">
-            <a:avLst/>
-          </a:prstGeom>
-          <a:noFill/>
-        </p:spPr>
-        <p:txBody>
-          <a:bodyPr>
-            <a:spAutoFit/>
-          </a:bodyPr>
-          <a:lstStyle/>
-          <a:p>
-            <a:pPr algn="ctr" fontAlgn="auto">
-              <a:spcBef>
-                <a:spcPct val="20000"/>
-              </a:spcBef>
-              <a:spcAft>
-                <a:spcPts val="0"/>
-              </a:spcAft>
-              <a:defRPr/>
-            </a:pPr>
-            <a:r>
-              <a:rPr lang="fr-FR" sz="1200" kern="0" dirty="0" err="1" smtClean="0">
-                <a:solidFill>
-                  <a:schemeClr val="bg1">
-                    <a:lumMod val="50000"/>
-                  </a:schemeClr>
-                </a:solidFill>
-                <a:latin typeface="+mn-lt"/>
-                <a:cs typeface="+mn-cs"/>
-              </a:rPr>
-              <a:t>Requirements</a:t>
-            </a:r>
-            <a:endParaRPr lang="fr-FR" sz="1200" kern="0" dirty="0">
-              <a:solidFill>
-                <a:schemeClr val="bg1">
-                  <a:lumMod val="50000"/>
-                </a:schemeClr>
-              </a:solidFill>
-              <a:latin typeface="+mn-lt"/>
-              <a:cs typeface="+mn-cs"/>
-            </a:endParaRPr>
-          </a:p>
-        </p:txBody>
-      </p:sp>
-      <p:sp>
-        <p:nvSpPr>
-          <p:cNvPr id="6" name="ZoneTexte 5"/>
-          <p:cNvSpPr txBox="1"/>
-          <p:nvPr/>
-        </p:nvSpPr>
-        <p:spPr>
-          <a:xfrm>
-            <a:off x="4214818" y="0"/>
-            <a:ext cx="2571760" cy="276999"/>
-          </a:xfrm>
-          <a:prstGeom prst="rect">
-            <a:avLst/>
-          </a:prstGeom>
-          <a:noFill/>
-        </p:spPr>
-        <p:txBody>
-          <a:bodyPr wrap="square">
-            <a:spAutoFit/>
-          </a:bodyPr>
-          <a:lstStyle/>
-          <a:p>
-            <a:pPr algn="ctr" fontAlgn="auto">
-              <a:spcBef>
-                <a:spcPct val="20000"/>
-              </a:spcBef>
-              <a:spcAft>
-                <a:spcPts val="0"/>
-              </a:spcAft>
-              <a:defRPr/>
-            </a:pPr>
-            <a:r>
-              <a:rPr lang="fr-FR" sz="1200" kern="0" dirty="0" err="1" smtClean="0">
-                <a:solidFill>
-                  <a:schemeClr val="bg1">
-                    <a:lumMod val="50000"/>
-                  </a:schemeClr>
-                </a:solidFill>
-                <a:latin typeface="+mn-lt"/>
-                <a:cs typeface="+mn-cs"/>
-              </a:rPr>
-              <a:t>Context</a:t>
-            </a:r>
-            <a:r>
-              <a:rPr lang="fr-FR" sz="1200" kern="0" dirty="0" smtClean="0">
-                <a:solidFill>
-                  <a:schemeClr val="bg1">
-                    <a:lumMod val="50000"/>
-                  </a:schemeClr>
-                </a:solidFill>
-                <a:latin typeface="+mn-lt"/>
-                <a:cs typeface="+mn-cs"/>
-              </a:rPr>
-              <a:t> </a:t>
-            </a:r>
-            <a:r>
-              <a:rPr lang="fr-FR" sz="1200" kern="0" dirty="0" err="1" smtClean="0">
-                <a:solidFill>
-                  <a:schemeClr val="bg1">
-                    <a:lumMod val="50000"/>
-                  </a:schemeClr>
-                </a:solidFill>
-                <a:latin typeface="+mn-lt"/>
-                <a:cs typeface="+mn-cs"/>
-              </a:rPr>
-              <a:t>diagram</a:t>
-            </a:r>
-            <a:endParaRPr lang="fr-FR" sz="1200" kern="0" dirty="0">
-              <a:solidFill>
-                <a:schemeClr val="bg1">
-                  <a:lumMod val="50000"/>
-                </a:schemeClr>
-              </a:solidFill>
-              <a:latin typeface="+mn-lt"/>
-              <a:cs typeface="+mn-cs"/>
-            </a:endParaRPr>
-          </a:p>
-        </p:txBody>
-      </p:sp>
-      <p:sp>
-        <p:nvSpPr>
-          <p:cNvPr id="7" name="ZoneTexte 6"/>
-          <p:cNvSpPr txBox="1"/>
-          <p:nvPr/>
-        </p:nvSpPr>
-        <p:spPr>
-          <a:xfrm>
-            <a:off x="6572277" y="0"/>
-            <a:ext cx="1928813" cy="276225"/>
-          </a:xfrm>
-          <a:prstGeom prst="rect">
-            <a:avLst/>
-          </a:prstGeom>
-          <a:noFill/>
-        </p:spPr>
-        <p:txBody>
-          <a:bodyPr>
-            <a:spAutoFit/>
-          </a:bodyPr>
-          <a:lstStyle/>
-          <a:p>
-            <a:pPr algn="ctr" fontAlgn="auto">
-              <a:spcBef>
-                <a:spcPct val="20000"/>
-              </a:spcBef>
-              <a:spcAft>
-                <a:spcPts val="0"/>
-              </a:spcAft>
-              <a:defRPr/>
-            </a:pPr>
-            <a:r>
-              <a:rPr lang="fr-FR" sz="1200" b="1" u="sng" kern="0" dirty="0" err="1" smtClean="0">
-                <a:latin typeface="+mn-lt"/>
-                <a:cs typeface="+mn-cs"/>
-              </a:rPr>
-              <a:t>Problem</a:t>
-            </a:r>
-            <a:r>
-              <a:rPr lang="fr-FR" sz="1200" b="1" u="sng" kern="0" dirty="0" smtClean="0">
-                <a:latin typeface="+mn-lt"/>
-                <a:cs typeface="+mn-cs"/>
-              </a:rPr>
-              <a:t> frames</a:t>
-            </a:r>
-            <a:endParaRPr lang="fr-FR" sz="1200" b="1" u="sng" kern="0" dirty="0">
-              <a:latin typeface="+mn-lt"/>
-              <a:cs typeface="+mn-cs"/>
-            </a:endParaRPr>
-          </a:p>
-        </p:txBody>
-      </p:sp>
-    </p:spTree>
-    <p:extLst>
-      <p:ext uri="{BB962C8B-B14F-4D97-AF65-F5344CB8AC3E}">
-        <p14:creationId xmlns:p14="http://schemas.microsoft.com/office/powerpoint/2007/7/12/main" xmlns="" val="883924539"/>
-      </p:ext>
-    </p:extLst>
-  </p:cSld>
-  <p:clrMapOvr>
-    <a:masterClrMapping/>
-  </p:clrMapOvr>
-  <p:timing>
-    <p:tnLst>
-      <p:par>
-        <p:cTn id="1" dur="indefinite" restart="never" nodeType="tmRoot"/>
+        <p:cTn xmlns:p14="http://schemas.microsoft.com/office/powerpoint/2007/7/12/main" id="1" dur="indefinite" restart="never" nodeType="tmRoot"/>
       </p:par>
     </p:tnLst>
   </p:timing>
@@ -23676,34 +23846,34 @@
         <a:sysClr val="window" lastClr="FFFFFF"/>
       </a:lt1>
       <a:dk2>
-        <a:srgbClr val="424456"/>
+        <a:srgbClr xmlns:mc="http://schemas.openxmlformats.org/markup-compatibility/2006" xmlns:a14="http://schemas.microsoft.com/office/drawing/2007/7/7/main" val="424456" mc:Ignorable=""/>
       </a:dk2>
       <a:lt2>
-        <a:srgbClr val="DEDEDE"/>
+        <a:srgbClr xmlns:mc="http://schemas.openxmlformats.org/markup-compatibility/2006" xmlns:a14="http://schemas.microsoft.com/office/drawing/2007/7/7/main" val="DEDEDE" mc:Ignorable=""/>
       </a:lt2>
       <a:accent1>
-        <a:srgbClr val="53548A"/>
+        <a:srgbClr xmlns:mc="http://schemas.openxmlformats.org/markup-compatibility/2006" xmlns:a14="http://schemas.microsoft.com/office/drawing/2007/7/7/main" val="53548A" mc:Ignorable=""/>
       </a:accent1>
       <a:accent2>
-        <a:srgbClr val="438086"/>
+        <a:srgbClr xmlns:mc="http://schemas.openxmlformats.org/markup-compatibility/2006" xmlns:a14="http://schemas.microsoft.com/office/drawing/2007/7/7/main" val="438086" mc:Ignorable=""/>
       </a:accent2>
       <a:accent3>
-        <a:srgbClr val="A04DA3"/>
+        <a:srgbClr xmlns:mc="http://schemas.openxmlformats.org/markup-compatibility/2006" xmlns:a14="http://schemas.microsoft.com/office/drawing/2007/7/7/main" val="A04DA3" mc:Ignorable=""/>
       </a:accent3>
       <a:accent4>
-        <a:srgbClr val="C4652D"/>
+        <a:srgbClr xmlns:mc="http://schemas.openxmlformats.org/markup-compatibility/2006" xmlns:a14="http://schemas.microsoft.com/office/drawing/2007/7/7/main" val="C4652D" mc:Ignorable=""/>
       </a:accent4>
       <a:accent5>
-        <a:srgbClr val="8B5D3D"/>
+        <a:srgbClr xmlns:mc="http://schemas.openxmlformats.org/markup-compatibility/2006" xmlns:a14="http://schemas.microsoft.com/office/drawing/2007/7/7/main" val="8B5D3D" mc:Ignorable=""/>
       </a:accent5>
       <a:accent6>
-        <a:srgbClr val="5C92B5"/>
+        <a:srgbClr xmlns:mc="http://schemas.openxmlformats.org/markup-compatibility/2006" xmlns:a14="http://schemas.microsoft.com/office/drawing/2007/7/7/main" val="5C92B5" mc:Ignorable=""/>
       </a:accent6>
       <a:hlink>
-        <a:srgbClr val="67AFBD"/>
+        <a:srgbClr xmlns:mc="http://schemas.openxmlformats.org/markup-compatibility/2006" xmlns:a14="http://schemas.microsoft.com/office/drawing/2007/7/7/main" val="67AFBD" mc:Ignorable=""/>
       </a:hlink>
       <a:folHlink>
-        <a:srgbClr val="C2A874"/>
+        <a:srgbClr xmlns:mc="http://schemas.openxmlformats.org/markup-compatibility/2006" xmlns:a14="http://schemas.microsoft.com/office/drawing/2007/7/7/main" val="C2A874" mc:Ignorable=""/>
       </a:folHlink>
     </a:clrScheme>
     <a:fontScheme name="Office">
@@ -23854,7 +24024,7 @@
         <a:effectStyle>
           <a:effectLst>
             <a:outerShdw blurRad="65500" dist="38100" dir="5400000" rotWithShape="0">
-              <a:srgbClr val="000000">
+              <a:srgbClr xmlns:mc="http://schemas.openxmlformats.org/markup-compatibility/2006" xmlns:a14="http://schemas.microsoft.com/office/drawing/2007/7/7/main" val="000000" mc:Ignorable="">
                 <a:alpha val="40000"/>
               </a:srgbClr>
             </a:outerShdw>
@@ -23863,7 +24033,7 @@
         <a:effectStyle>
           <a:effectLst>
             <a:outerShdw blurRad="65500" dist="38100" dir="5400000" rotWithShape="0">
-              <a:srgbClr val="000000">
+              <a:srgbClr xmlns:mc="http://schemas.openxmlformats.org/markup-compatibility/2006" xmlns:a14="http://schemas.microsoft.com/office/drawing/2007/7/7/main" val="000000" mc:Ignorable="">
                 <a:alpha val="40000"/>
               </a:srgbClr>
             </a:outerShdw>
@@ -23872,7 +24042,7 @@
         <a:effectStyle>
           <a:effectLst>
             <a:outerShdw blurRad="65500" dist="38100" dir="5400000" rotWithShape="0">
-              <a:srgbClr val="000000">
+              <a:srgbClr xmlns:mc="http://schemas.openxmlformats.org/markup-compatibility/2006" xmlns:a14="http://schemas.microsoft.com/office/drawing/2007/7/7/main" val="000000" mc:Ignorable="">
                 <a:alpha val="40000"/>
               </a:srgbClr>
             </a:outerShdw>
@@ -24002,34 +24172,34 @@
         <a:sysClr val="window" lastClr="FFFFFF"/>
       </a:lt1>
       <a:dk2>
-        <a:srgbClr val="1F497D"/>
+        <a:srgbClr xmlns:mc="http://schemas.openxmlformats.org/markup-compatibility/2006" xmlns:a14="http://schemas.microsoft.com/office/drawing/2007/7/7/main" val="1F497D" mc:Ignorable=""/>
       </a:dk2>
       <a:lt2>
-        <a:srgbClr val="EEECE1"/>
+        <a:srgbClr xmlns:mc="http://schemas.openxmlformats.org/markup-compatibility/2006" xmlns:a14="http://schemas.microsoft.com/office/drawing/2007/7/7/main" val="EEECE1" mc:Ignorable=""/>
       </a:lt2>
       <a:accent1>
-        <a:srgbClr val="4F81BD"/>
+        <a:srgbClr xmlns:mc="http://schemas.openxmlformats.org/markup-compatibility/2006" xmlns:a14="http://schemas.microsoft.com/office/drawing/2007/7/7/main" val="4F81BD" mc:Ignorable=""/>
       </a:accent1>
       <a:accent2>
-        <a:srgbClr val="C0504D"/>
+        <a:srgbClr xmlns:mc="http://schemas.openxmlformats.org/markup-compatibility/2006" xmlns:a14="http://schemas.microsoft.com/office/drawing/2007/7/7/main" val="C0504D" mc:Ignorable=""/>
       </a:accent2>
       <a:accent3>
-        <a:srgbClr val="9BBB59"/>
+        <a:srgbClr xmlns:mc="http://schemas.openxmlformats.org/markup-compatibility/2006" xmlns:a14="http://schemas.microsoft.com/office/drawing/2007/7/7/main" val="9BBB59" mc:Ignorable=""/>
       </a:accent3>
       <a:accent4>
-        <a:srgbClr val="8064A2"/>
+        <a:srgbClr xmlns:mc="http://schemas.openxmlformats.org/markup-compatibility/2006" xmlns:a14="http://schemas.microsoft.com/office/drawing/2007/7/7/main" val="8064A2" mc:Ignorable=""/>
       </a:accent4>
       <a:accent5>
-        <a:srgbClr val="4BACC6"/>
+        <a:srgbClr xmlns:mc="http://schemas.openxmlformats.org/markup-compatibility/2006" xmlns:a14="http://schemas.microsoft.com/office/drawing/2007/7/7/main" val="4BACC6" mc:Ignorable=""/>
       </a:accent5>
       <a:accent6>
-        <a:srgbClr val="F79646"/>
+        <a:srgbClr xmlns:mc="http://schemas.openxmlformats.org/markup-compatibility/2006" xmlns:a14="http://schemas.microsoft.com/office/drawing/2007/7/7/main" val="F79646" mc:Ignorable=""/>
       </a:accent6>
       <a:hlink>
-        <a:srgbClr val="0000FF"/>
+        <a:srgbClr xmlns:mc="http://schemas.openxmlformats.org/markup-compatibility/2006" xmlns:a14="http://schemas.microsoft.com/office/drawing/2007/7/7/main" val="0000FF" mc:Ignorable=""/>
       </a:hlink>
       <a:folHlink>
-        <a:srgbClr val="800080"/>
+        <a:srgbClr xmlns:mc="http://schemas.openxmlformats.org/markup-compatibility/2006" xmlns:a14="http://schemas.microsoft.com/office/drawing/2007/7/7/main" val="800080" mc:Ignorable=""/>
       </a:folHlink>
     </a:clrScheme>
     <a:fontScheme name="Office">
@@ -24181,7 +24351,7 @@
         <a:effectStyle>
           <a:effectLst>
             <a:outerShdw blurRad="40000" dist="20000" dir="5400000" rotWithShape="0">
-              <a:srgbClr val="000000">
+              <a:srgbClr xmlns:mc="http://schemas.openxmlformats.org/markup-compatibility/2006" xmlns:a14="http://schemas.microsoft.com/office/drawing/2007/7/7/main" val="000000" mc:Ignorable="">
                 <a:alpha val="38000"/>
               </a:srgbClr>
             </a:outerShdw>
@@ -24190,7 +24360,7 @@
         <a:effectStyle>
           <a:effectLst>
             <a:outerShdw blurRad="40000" dist="23000" dir="5400000" rotWithShape="0">
-              <a:srgbClr val="000000">
+              <a:srgbClr xmlns:mc="http://schemas.openxmlformats.org/markup-compatibility/2006" xmlns:a14="http://schemas.microsoft.com/office/drawing/2007/7/7/main" val="000000" mc:Ignorable="">
                 <a:alpha val="35000"/>
               </a:srgbClr>
             </a:outerShdw>
@@ -24199,7 +24369,7 @@
         <a:effectStyle>
           <a:effectLst>
             <a:outerShdw blurRad="40000" dist="23000" dir="5400000" rotWithShape="0">
-              <a:srgbClr val="000000">
+              <a:srgbClr xmlns:mc="http://schemas.openxmlformats.org/markup-compatibility/2006" xmlns:a14="http://schemas.microsoft.com/office/drawing/2007/7/7/main" val="000000" mc:Ignorable="">
                 <a:alpha val="35000"/>
               </a:srgbClr>
             </a:outerShdw>
@@ -24285,34 +24455,34 @@
         <a:sysClr val="window" lastClr="FFFFFF"/>
       </a:lt1>
       <a:dk2>
-        <a:srgbClr val="1F497D"/>
+        <a:srgbClr xmlns:mc="http://schemas.openxmlformats.org/markup-compatibility/2006" xmlns:a14="http://schemas.microsoft.com/office/drawing/2007/7/7/main" val="1F497D" mc:Ignorable=""/>
       </a:dk2>
       <a:lt2>
-        <a:srgbClr val="EEECE1"/>
+        <a:srgbClr xmlns:mc="http://schemas.openxmlformats.org/markup-compatibility/2006" xmlns:a14="http://schemas.microsoft.com/office/drawing/2007/7/7/main" val="EEECE1" mc:Ignorable=""/>
       </a:lt2>
       <a:accent1>
-        <a:srgbClr val="4F81BD"/>
+        <a:srgbClr xmlns:mc="http://schemas.openxmlformats.org/markup-compatibility/2006" xmlns:a14="http://schemas.microsoft.com/office/drawing/2007/7/7/main" val="4F81BD" mc:Ignorable=""/>
       </a:accent1>
       <a:accent2>
-        <a:srgbClr val="C0504D"/>
+        <a:srgbClr xmlns:mc="http://schemas.openxmlformats.org/markup-compatibility/2006" xmlns:a14="http://schemas.microsoft.com/office/drawing/2007/7/7/main" val="C0504D" mc:Ignorable=""/>
       </a:accent2>
       <a:accent3>
-        <a:srgbClr val="9BBB59"/>
+        <a:srgbClr xmlns:mc="http://schemas.openxmlformats.org/markup-compatibility/2006" xmlns:a14="http://schemas.microsoft.com/office/drawing/2007/7/7/main" val="9BBB59" mc:Ignorable=""/>
       </a:accent3>
       <a:accent4>
-        <a:srgbClr val="8064A2"/>
+        <a:srgbClr xmlns:mc="http://schemas.openxmlformats.org/markup-compatibility/2006" xmlns:a14="http://schemas.microsoft.com/office/drawing/2007/7/7/main" val="8064A2" mc:Ignorable=""/>
       </a:accent4>
       <a:accent5>
-        <a:srgbClr val="4BACC6"/>
+        <a:srgbClr xmlns:mc="http://schemas.openxmlformats.org/markup-compatibility/2006" xmlns:a14="http://schemas.microsoft.com/office/drawing/2007/7/7/main" val="4BACC6" mc:Ignorable=""/>
       </a:accent5>
       <a:accent6>
-        <a:srgbClr val="F79646"/>
+        <a:srgbClr xmlns:mc="http://schemas.openxmlformats.org/markup-compatibility/2006" xmlns:a14="http://schemas.microsoft.com/office/drawing/2007/7/7/main" val="F79646" mc:Ignorable=""/>
       </a:accent6>
       <a:hlink>
-        <a:srgbClr val="0000FF"/>
+        <a:srgbClr xmlns:mc="http://schemas.openxmlformats.org/markup-compatibility/2006" xmlns:a14="http://schemas.microsoft.com/office/drawing/2007/7/7/main" val="0000FF" mc:Ignorable=""/>
       </a:hlink>
       <a:folHlink>
-        <a:srgbClr val="800080"/>
+        <a:srgbClr xmlns:mc="http://schemas.openxmlformats.org/markup-compatibility/2006" xmlns:a14="http://schemas.microsoft.com/office/drawing/2007/7/7/main" val="800080" mc:Ignorable=""/>
       </a:folHlink>
     </a:clrScheme>
     <a:fontScheme name="Office">
@@ -24464,7 +24634,7 @@
         <a:effectStyle>
           <a:effectLst>
             <a:outerShdw blurRad="40000" dist="20000" dir="5400000" rotWithShape="0">
-              <a:srgbClr val="000000">
+              <a:srgbClr xmlns:mc="http://schemas.openxmlformats.org/markup-compatibility/2006" xmlns:a14="http://schemas.microsoft.com/office/drawing/2007/7/7/main" val="000000" mc:Ignorable="">
                 <a:alpha val="38000"/>
               </a:srgbClr>
             </a:outerShdw>
@@ -24473,7 +24643,7 @@
         <a:effectStyle>
           <a:effectLst>
             <a:outerShdw blurRad="40000" dist="23000" dir="5400000" rotWithShape="0">
-              <a:srgbClr val="000000">
+              <a:srgbClr xmlns:mc="http://schemas.openxmlformats.org/markup-compatibility/2006" xmlns:a14="http://schemas.microsoft.com/office/drawing/2007/7/7/main" val="000000" mc:Ignorable="">
                 <a:alpha val="35000"/>
               </a:srgbClr>
             </a:outerShdw>
@@ -24482,7 +24652,7 @@
         <a:effectStyle>
           <a:effectLst>
             <a:outerShdw blurRad="40000" dist="23000" dir="5400000" rotWithShape="0">
-              <a:srgbClr val="000000">
+              <a:srgbClr xmlns:mc="http://schemas.openxmlformats.org/markup-compatibility/2006" xmlns:a14="http://schemas.microsoft.com/office/drawing/2007/7/7/main" val="000000" mc:Ignorable="">
                 <a:alpha val="35000"/>
               </a:srgbClr>
             </a:outerShdw>

--- a/trunk/Project 1/Part 2/CS554_EuroTeam_Problem_Frames.pptx
+++ b/trunk/Project 1/Part 2/CS554_EuroTeam_Problem_Frames.pptx
@@ -5,10 +5,10 @@
     <p:sldMasterId id="2147483660" r:id="rId2"/>
   </p:sldMasterIdLst>
   <p:notesMasterIdLst>
-    <p:notesMasterId r:id="rId25"/>
+    <p:notesMasterId r:id="rId26"/>
   </p:notesMasterIdLst>
   <p:handoutMasterIdLst>
-    <p:handoutMasterId r:id="rId26"/>
+    <p:handoutMasterId r:id="rId27"/>
   </p:handoutMasterIdLst>
   <p:sldIdLst>
     <p:sldId id="256" r:id="rId3"/>
@@ -31,8 +31,9 @@
     <p:sldId id="331" r:id="rId20"/>
     <p:sldId id="330" r:id="rId21"/>
     <p:sldId id="332" r:id="rId22"/>
-    <p:sldId id="308" r:id="rId23"/>
-    <p:sldId id="286" r:id="rId24"/>
+    <p:sldId id="333" r:id="rId23"/>
+    <p:sldId id="308" r:id="rId24"/>
+    <p:sldId id="286" r:id="rId25"/>
   </p:sldIdLst>
   <p:sldSz cx="9144000" cy="6858000" type="screen4x3"/>
   <p:notesSz cx="7099300" cy="10234613"/>
@@ -162,6 +163,6112 @@
     </a:lvl9pPr>
   </p:defaultTextStyle>
 </p:presentation>
+</file>
+
+<file path=ppt/diagrams/colors1.xml><?xml version="1.0" encoding="utf-8"?>
+<dgm:colorsDef xmlns:dgm="http://schemas.openxmlformats.org/drawingml/2006/diagram" xmlns:a="http://schemas.openxmlformats.org/drawingml/2006/main" uniqueId="urn:microsoft.com/office/officeart/2005/8/colors/accent6_1">
+  <dgm:title val=""/>
+  <dgm:desc val=""/>
+  <dgm:catLst>
+    <dgm:cat type="accent6" pri="11100"/>
+  </dgm:catLst>
+  <dgm:styleLbl name="node0">
+    <dgm:fillClrLst meth="repeat">
+      <a:schemeClr val="lt1"/>
+    </dgm:fillClrLst>
+    <dgm:linClrLst meth="repeat">
+      <a:schemeClr val="accent6">
+        <a:shade val="80000"/>
+      </a:schemeClr>
+    </dgm:linClrLst>
+    <dgm:effectClrLst/>
+    <dgm:txLinClrLst/>
+    <dgm:txFillClrLst meth="repeat">
+      <a:schemeClr val="dk1"/>
+    </dgm:txFillClrLst>
+    <dgm:txEffectClrLst/>
+  </dgm:styleLbl>
+  <dgm:styleLbl name="node1">
+    <dgm:fillClrLst meth="repeat">
+      <a:schemeClr val="lt1"/>
+    </dgm:fillClrLst>
+    <dgm:linClrLst meth="repeat">
+      <a:schemeClr val="accent6">
+        <a:shade val="80000"/>
+      </a:schemeClr>
+    </dgm:linClrLst>
+    <dgm:effectClrLst/>
+    <dgm:txLinClrLst/>
+    <dgm:txFillClrLst meth="repeat">
+      <a:schemeClr val="dk1"/>
+    </dgm:txFillClrLst>
+    <dgm:txEffectClrLst/>
+  </dgm:styleLbl>
+  <dgm:styleLbl name="alignNode1">
+    <dgm:fillClrLst meth="repeat">
+      <a:schemeClr val="lt1"/>
+    </dgm:fillClrLst>
+    <dgm:linClrLst meth="repeat">
+      <a:schemeClr val="accent6">
+        <a:shade val="80000"/>
+      </a:schemeClr>
+    </dgm:linClrLst>
+    <dgm:effectClrLst/>
+    <dgm:txLinClrLst/>
+    <dgm:txFillClrLst meth="repeat">
+      <a:schemeClr val="dk1"/>
+    </dgm:txFillClrLst>
+    <dgm:txEffectClrLst/>
+  </dgm:styleLbl>
+  <dgm:styleLbl name="lnNode1">
+    <dgm:fillClrLst meth="repeat">
+      <a:schemeClr val="lt1"/>
+    </dgm:fillClrLst>
+    <dgm:linClrLst meth="repeat">
+      <a:schemeClr val="accent6">
+        <a:shade val="80000"/>
+      </a:schemeClr>
+    </dgm:linClrLst>
+    <dgm:effectClrLst/>
+    <dgm:txLinClrLst/>
+    <dgm:txFillClrLst meth="repeat">
+      <a:schemeClr val="dk1"/>
+    </dgm:txFillClrLst>
+    <dgm:txEffectClrLst/>
+  </dgm:styleLbl>
+  <dgm:styleLbl name="vennNode1">
+    <dgm:fillClrLst meth="repeat">
+      <a:schemeClr val="lt1">
+        <a:alpha val="50000"/>
+      </a:schemeClr>
+    </dgm:fillClrLst>
+    <dgm:linClrLst meth="repeat">
+      <a:schemeClr val="accent6">
+        <a:shade val="80000"/>
+      </a:schemeClr>
+    </dgm:linClrLst>
+    <dgm:effectClrLst/>
+    <dgm:txLinClrLst/>
+    <dgm:txFillClrLst/>
+    <dgm:txEffectClrLst/>
+  </dgm:styleLbl>
+  <dgm:styleLbl name="node2">
+    <dgm:fillClrLst meth="repeat">
+      <a:schemeClr val="lt1"/>
+    </dgm:fillClrLst>
+    <dgm:linClrLst meth="repeat">
+      <a:schemeClr val="accent6">
+        <a:shade val="80000"/>
+      </a:schemeClr>
+    </dgm:linClrLst>
+    <dgm:effectClrLst/>
+    <dgm:txLinClrLst/>
+    <dgm:txFillClrLst meth="repeat">
+      <a:schemeClr val="dk1"/>
+    </dgm:txFillClrLst>
+    <dgm:txEffectClrLst/>
+  </dgm:styleLbl>
+  <dgm:styleLbl name="node3">
+    <dgm:fillClrLst meth="repeat">
+      <a:schemeClr val="lt1"/>
+    </dgm:fillClrLst>
+    <dgm:linClrLst meth="repeat">
+      <a:schemeClr val="accent6">
+        <a:shade val="80000"/>
+      </a:schemeClr>
+    </dgm:linClrLst>
+    <dgm:effectClrLst/>
+    <dgm:txLinClrLst/>
+    <dgm:txFillClrLst meth="repeat">
+      <a:schemeClr val="dk1"/>
+    </dgm:txFillClrLst>
+    <dgm:txEffectClrLst/>
+  </dgm:styleLbl>
+  <dgm:styleLbl name="node4">
+    <dgm:fillClrLst meth="repeat">
+      <a:schemeClr val="lt1"/>
+    </dgm:fillClrLst>
+    <dgm:linClrLst meth="repeat">
+      <a:schemeClr val="accent6">
+        <a:shade val="80000"/>
+      </a:schemeClr>
+    </dgm:linClrLst>
+    <dgm:effectClrLst/>
+    <dgm:txLinClrLst/>
+    <dgm:txFillClrLst meth="repeat">
+      <a:schemeClr val="dk1"/>
+    </dgm:txFillClrLst>
+    <dgm:txEffectClrLst/>
+  </dgm:styleLbl>
+  <dgm:styleLbl name="fgImgPlace1">
+    <dgm:fillClrLst meth="repeat">
+      <a:schemeClr val="accent6">
+        <a:tint val="40000"/>
+      </a:schemeClr>
+    </dgm:fillClrLst>
+    <dgm:linClrLst meth="repeat">
+      <a:schemeClr val="accent6">
+        <a:shade val="80000"/>
+      </a:schemeClr>
+    </dgm:linClrLst>
+    <dgm:effectClrLst/>
+    <dgm:txLinClrLst/>
+    <dgm:txFillClrLst meth="repeat">
+      <a:schemeClr val="lt1"/>
+    </dgm:txFillClrLst>
+    <dgm:txEffectClrLst/>
+  </dgm:styleLbl>
+  <dgm:styleLbl name="alignImgPlace1">
+    <dgm:fillClrLst meth="repeat">
+      <a:schemeClr val="accent6">
+        <a:tint val="40000"/>
+      </a:schemeClr>
+    </dgm:fillClrLst>
+    <dgm:linClrLst meth="repeat">
+      <a:schemeClr val="accent6">
+        <a:shade val="80000"/>
+      </a:schemeClr>
+    </dgm:linClrLst>
+    <dgm:effectClrLst/>
+    <dgm:txLinClrLst/>
+    <dgm:txFillClrLst meth="repeat">
+      <a:schemeClr val="lt1"/>
+    </dgm:txFillClrLst>
+    <dgm:txEffectClrLst/>
+  </dgm:styleLbl>
+  <dgm:styleLbl name="bgImgPlace1">
+    <dgm:fillClrLst meth="repeat">
+      <a:schemeClr val="accent6">
+        <a:tint val="40000"/>
+      </a:schemeClr>
+    </dgm:fillClrLst>
+    <dgm:linClrLst meth="repeat">
+      <a:schemeClr val="accent6">
+        <a:shade val="80000"/>
+      </a:schemeClr>
+    </dgm:linClrLst>
+    <dgm:effectClrLst/>
+    <dgm:txLinClrLst/>
+    <dgm:txFillClrLst meth="repeat">
+      <a:schemeClr val="lt1"/>
+    </dgm:txFillClrLst>
+    <dgm:txEffectClrLst/>
+  </dgm:styleLbl>
+  <dgm:styleLbl name="sibTrans2D1">
+    <dgm:fillClrLst meth="repeat">
+      <a:schemeClr val="accent6">
+        <a:tint val="60000"/>
+      </a:schemeClr>
+    </dgm:fillClrLst>
+    <dgm:linClrLst meth="repeat">
+      <a:schemeClr val="accent6">
+        <a:tint val="60000"/>
+      </a:schemeClr>
+    </dgm:linClrLst>
+    <dgm:effectClrLst/>
+    <dgm:txLinClrLst/>
+    <dgm:txFillClrLst meth="repeat">
+      <a:schemeClr val="dk1"/>
+    </dgm:txFillClrLst>
+    <dgm:txEffectClrLst/>
+  </dgm:styleLbl>
+  <dgm:styleLbl name="fgSibTrans2D1">
+    <dgm:fillClrLst meth="repeat">
+      <a:schemeClr val="accent6">
+        <a:tint val="60000"/>
+      </a:schemeClr>
+    </dgm:fillClrLst>
+    <dgm:linClrLst meth="repeat">
+      <a:schemeClr val="accent6">
+        <a:tint val="60000"/>
+      </a:schemeClr>
+    </dgm:linClrLst>
+    <dgm:effectClrLst/>
+    <dgm:txLinClrLst/>
+    <dgm:txFillClrLst meth="repeat">
+      <a:schemeClr val="dk1"/>
+    </dgm:txFillClrLst>
+    <dgm:txEffectClrLst/>
+  </dgm:styleLbl>
+  <dgm:styleLbl name="bgSibTrans2D1">
+    <dgm:fillClrLst meth="repeat">
+      <a:schemeClr val="accent6">
+        <a:tint val="60000"/>
+      </a:schemeClr>
+    </dgm:fillClrLst>
+    <dgm:linClrLst meth="repeat">
+      <a:schemeClr val="accent6">
+        <a:tint val="60000"/>
+      </a:schemeClr>
+    </dgm:linClrLst>
+    <dgm:effectClrLst/>
+    <dgm:txLinClrLst/>
+    <dgm:txFillClrLst meth="repeat">
+      <a:schemeClr val="dk1"/>
+    </dgm:txFillClrLst>
+    <dgm:txEffectClrLst/>
+  </dgm:styleLbl>
+  <dgm:styleLbl name="sibTrans1D1">
+    <dgm:fillClrLst meth="repeat">
+      <a:schemeClr val="accent6"/>
+    </dgm:fillClrLst>
+    <dgm:linClrLst meth="repeat">
+      <a:schemeClr val="accent6"/>
+    </dgm:linClrLst>
+    <dgm:effectClrLst/>
+    <dgm:txLinClrLst/>
+    <dgm:txFillClrLst meth="repeat">
+      <a:schemeClr val="tx1"/>
+    </dgm:txFillClrLst>
+    <dgm:txEffectClrLst/>
+  </dgm:styleLbl>
+  <dgm:styleLbl name="callout">
+    <dgm:fillClrLst meth="repeat">
+      <a:schemeClr val="accent6"/>
+    </dgm:fillClrLst>
+    <dgm:linClrLst meth="repeat">
+      <a:schemeClr val="accent6"/>
+    </dgm:linClrLst>
+    <dgm:effectClrLst/>
+    <dgm:txLinClrLst/>
+    <dgm:txFillClrLst meth="repeat">
+      <a:schemeClr val="tx1"/>
+    </dgm:txFillClrLst>
+    <dgm:txEffectClrLst/>
+  </dgm:styleLbl>
+  <dgm:styleLbl name="asst0">
+    <dgm:fillClrLst meth="repeat">
+      <a:schemeClr val="lt1"/>
+    </dgm:fillClrLst>
+    <dgm:linClrLst meth="repeat">
+      <a:schemeClr val="accent6">
+        <a:shade val="80000"/>
+      </a:schemeClr>
+    </dgm:linClrLst>
+    <dgm:effectClrLst/>
+    <dgm:txLinClrLst/>
+    <dgm:txFillClrLst meth="repeat">
+      <a:schemeClr val="dk1"/>
+    </dgm:txFillClrLst>
+    <dgm:txEffectClrLst/>
+  </dgm:styleLbl>
+  <dgm:styleLbl name="asst1">
+    <dgm:fillClrLst meth="repeat">
+      <a:schemeClr val="lt1"/>
+    </dgm:fillClrLst>
+    <dgm:linClrLst meth="repeat">
+      <a:schemeClr val="accent6">
+        <a:shade val="80000"/>
+      </a:schemeClr>
+    </dgm:linClrLst>
+    <dgm:effectClrLst/>
+    <dgm:txLinClrLst/>
+    <dgm:txFillClrLst meth="repeat">
+      <a:schemeClr val="dk1"/>
+    </dgm:txFillClrLst>
+    <dgm:txEffectClrLst/>
+  </dgm:styleLbl>
+  <dgm:styleLbl name="asst2">
+    <dgm:fillClrLst meth="repeat">
+      <a:schemeClr val="lt1"/>
+    </dgm:fillClrLst>
+    <dgm:linClrLst meth="repeat">
+      <a:schemeClr val="accent6">
+        <a:shade val="80000"/>
+      </a:schemeClr>
+    </dgm:linClrLst>
+    <dgm:effectClrLst/>
+    <dgm:txLinClrLst/>
+    <dgm:txFillClrLst meth="repeat">
+      <a:schemeClr val="dk1"/>
+    </dgm:txFillClrLst>
+    <dgm:txEffectClrLst/>
+  </dgm:styleLbl>
+  <dgm:styleLbl name="asst3">
+    <dgm:fillClrLst meth="repeat">
+      <a:schemeClr val="lt1"/>
+    </dgm:fillClrLst>
+    <dgm:linClrLst meth="repeat">
+      <a:schemeClr val="accent6">
+        <a:shade val="80000"/>
+      </a:schemeClr>
+    </dgm:linClrLst>
+    <dgm:effectClrLst/>
+    <dgm:txLinClrLst/>
+    <dgm:txFillClrLst meth="repeat">
+      <a:schemeClr val="dk1"/>
+    </dgm:txFillClrLst>
+    <dgm:txEffectClrLst/>
+  </dgm:styleLbl>
+  <dgm:styleLbl name="asst4">
+    <dgm:fillClrLst meth="repeat">
+      <a:schemeClr val="lt1"/>
+    </dgm:fillClrLst>
+    <dgm:linClrLst meth="repeat">
+      <a:schemeClr val="accent6">
+        <a:shade val="80000"/>
+      </a:schemeClr>
+    </dgm:linClrLst>
+    <dgm:effectClrLst/>
+    <dgm:txLinClrLst/>
+    <dgm:txFillClrLst meth="repeat">
+      <a:schemeClr val="dk1"/>
+    </dgm:txFillClrLst>
+    <dgm:txEffectClrLst/>
+  </dgm:styleLbl>
+  <dgm:styleLbl name="parChTrans2D1">
+    <dgm:fillClrLst meth="repeat">
+      <a:schemeClr val="accent6">
+        <a:tint val="60000"/>
+      </a:schemeClr>
+    </dgm:fillClrLst>
+    <dgm:linClrLst meth="repeat">
+      <a:schemeClr val="accent6">
+        <a:tint val="60000"/>
+      </a:schemeClr>
+    </dgm:linClrLst>
+    <dgm:effectClrLst/>
+    <dgm:txLinClrLst/>
+    <dgm:txFillClrLst/>
+    <dgm:txEffectClrLst/>
+  </dgm:styleLbl>
+  <dgm:styleLbl name="parChTrans2D2">
+    <dgm:fillClrLst meth="repeat">
+      <a:schemeClr val="accent6"/>
+    </dgm:fillClrLst>
+    <dgm:linClrLst meth="repeat">
+      <a:schemeClr val="accent6"/>
+    </dgm:linClrLst>
+    <dgm:effectClrLst/>
+    <dgm:txLinClrLst/>
+    <dgm:txFillClrLst/>
+    <dgm:txEffectClrLst/>
+  </dgm:styleLbl>
+  <dgm:styleLbl name="parChTrans2D3">
+    <dgm:fillClrLst meth="repeat">
+      <a:schemeClr val="accent6"/>
+    </dgm:fillClrLst>
+    <dgm:linClrLst meth="repeat">
+      <a:schemeClr val="accent6"/>
+    </dgm:linClrLst>
+    <dgm:effectClrLst/>
+    <dgm:txLinClrLst/>
+    <dgm:txFillClrLst/>
+    <dgm:txEffectClrLst/>
+  </dgm:styleLbl>
+  <dgm:styleLbl name="parChTrans2D4">
+    <dgm:fillClrLst meth="repeat">
+      <a:schemeClr val="accent6"/>
+    </dgm:fillClrLst>
+    <dgm:linClrLst meth="repeat">
+      <a:schemeClr val="accent6"/>
+    </dgm:linClrLst>
+    <dgm:effectClrLst/>
+    <dgm:txLinClrLst/>
+    <dgm:txFillClrLst meth="repeat">
+      <a:schemeClr val="lt1"/>
+    </dgm:txFillClrLst>
+    <dgm:txEffectClrLst/>
+  </dgm:styleLbl>
+  <dgm:styleLbl name="parChTrans1D1">
+    <dgm:fillClrLst meth="repeat">
+      <a:schemeClr val="accent6"/>
+    </dgm:fillClrLst>
+    <dgm:linClrLst meth="repeat">
+      <a:schemeClr val="accent6">
+        <a:shade val="60000"/>
+      </a:schemeClr>
+    </dgm:linClrLst>
+    <dgm:effectClrLst/>
+    <dgm:txLinClrLst/>
+    <dgm:txFillClrLst meth="repeat">
+      <a:schemeClr val="tx1"/>
+    </dgm:txFillClrLst>
+    <dgm:txEffectClrLst/>
+  </dgm:styleLbl>
+  <dgm:styleLbl name="parChTrans1D2">
+    <dgm:fillClrLst meth="repeat">
+      <a:schemeClr val="accent6"/>
+    </dgm:fillClrLst>
+    <dgm:linClrLst meth="repeat">
+      <a:schemeClr val="accent6">
+        <a:shade val="60000"/>
+      </a:schemeClr>
+    </dgm:linClrLst>
+    <dgm:effectClrLst/>
+    <dgm:txLinClrLst/>
+    <dgm:txFillClrLst meth="repeat">
+      <a:schemeClr val="tx1"/>
+    </dgm:txFillClrLst>
+    <dgm:txEffectClrLst/>
+  </dgm:styleLbl>
+  <dgm:styleLbl name="parChTrans1D3">
+    <dgm:fillClrLst meth="repeat">
+      <a:schemeClr val="accent6"/>
+    </dgm:fillClrLst>
+    <dgm:linClrLst meth="repeat">
+      <a:schemeClr val="accent6">
+        <a:shade val="80000"/>
+      </a:schemeClr>
+    </dgm:linClrLst>
+    <dgm:effectClrLst/>
+    <dgm:txLinClrLst/>
+    <dgm:txFillClrLst meth="repeat">
+      <a:schemeClr val="tx1"/>
+    </dgm:txFillClrLst>
+    <dgm:txEffectClrLst/>
+  </dgm:styleLbl>
+  <dgm:styleLbl name="parChTrans1D4">
+    <dgm:fillClrLst meth="repeat">
+      <a:schemeClr val="accent6"/>
+    </dgm:fillClrLst>
+    <dgm:linClrLst meth="repeat">
+      <a:schemeClr val="accent6">
+        <a:shade val="80000"/>
+      </a:schemeClr>
+    </dgm:linClrLst>
+    <dgm:effectClrLst/>
+    <dgm:txLinClrLst/>
+    <dgm:txFillClrLst meth="repeat">
+      <a:schemeClr val="tx1"/>
+    </dgm:txFillClrLst>
+    <dgm:txEffectClrLst/>
+  </dgm:styleLbl>
+  <dgm:styleLbl name="fgAcc1">
+    <dgm:fillClrLst meth="repeat">
+      <a:schemeClr val="accent6">
+        <a:alpha val="90000"/>
+        <a:tint val="40000"/>
+      </a:schemeClr>
+    </dgm:fillClrLst>
+    <dgm:linClrLst meth="repeat">
+      <a:schemeClr val="accent6"/>
+    </dgm:linClrLst>
+    <dgm:effectClrLst/>
+    <dgm:txLinClrLst/>
+    <dgm:txFillClrLst meth="repeat">
+      <a:schemeClr val="dk1"/>
+    </dgm:txFillClrLst>
+    <dgm:txEffectClrLst/>
+  </dgm:styleLbl>
+  <dgm:styleLbl name="conFgAcc1">
+    <dgm:fillClrLst meth="repeat">
+      <a:schemeClr val="accent6">
+        <a:alpha val="90000"/>
+        <a:tint val="40000"/>
+      </a:schemeClr>
+    </dgm:fillClrLst>
+    <dgm:linClrLst meth="repeat">
+      <a:schemeClr val="accent6"/>
+    </dgm:linClrLst>
+    <dgm:effectClrLst/>
+    <dgm:txLinClrLst/>
+    <dgm:txFillClrLst meth="repeat">
+      <a:schemeClr val="dk1"/>
+    </dgm:txFillClrLst>
+    <dgm:txEffectClrLst/>
+  </dgm:styleLbl>
+  <dgm:styleLbl name="alignAcc1">
+    <dgm:fillClrLst meth="repeat">
+      <a:schemeClr val="accent6">
+        <a:alpha val="90000"/>
+        <a:tint val="40000"/>
+      </a:schemeClr>
+    </dgm:fillClrLst>
+    <dgm:linClrLst meth="repeat">
+      <a:schemeClr val="accent6"/>
+    </dgm:linClrLst>
+    <dgm:effectClrLst/>
+    <dgm:txLinClrLst/>
+    <dgm:txFillClrLst meth="repeat">
+      <a:schemeClr val="dk1"/>
+    </dgm:txFillClrLst>
+    <dgm:txEffectClrLst/>
+  </dgm:styleLbl>
+  <dgm:styleLbl name="trAlignAcc1">
+    <dgm:fillClrLst meth="repeat">
+      <a:schemeClr val="accent6">
+        <a:alpha val="40000"/>
+        <a:tint val="40000"/>
+      </a:schemeClr>
+    </dgm:fillClrLst>
+    <dgm:linClrLst meth="repeat">
+      <a:schemeClr val="accent6"/>
+    </dgm:linClrLst>
+    <dgm:effectClrLst/>
+    <dgm:txLinClrLst/>
+    <dgm:txFillClrLst meth="repeat">
+      <a:schemeClr val="dk1"/>
+    </dgm:txFillClrLst>
+    <dgm:txEffectClrLst/>
+  </dgm:styleLbl>
+  <dgm:styleLbl name="bgAcc1">
+    <dgm:fillClrLst meth="repeat">
+      <a:schemeClr val="accent6">
+        <a:alpha val="90000"/>
+        <a:tint val="40000"/>
+      </a:schemeClr>
+    </dgm:fillClrLst>
+    <dgm:linClrLst meth="repeat">
+      <a:schemeClr val="accent6"/>
+    </dgm:linClrLst>
+    <dgm:effectClrLst/>
+    <dgm:txLinClrLst/>
+    <dgm:txFillClrLst meth="repeat">
+      <a:schemeClr val="dk1"/>
+    </dgm:txFillClrLst>
+    <dgm:txEffectClrLst/>
+  </dgm:styleLbl>
+  <dgm:styleLbl name="solidFgAcc1">
+    <dgm:fillClrLst meth="repeat">
+      <a:schemeClr val="lt1"/>
+    </dgm:fillClrLst>
+    <dgm:linClrLst meth="repeat">
+      <a:schemeClr val="accent6"/>
+    </dgm:linClrLst>
+    <dgm:effectClrLst/>
+    <dgm:txLinClrLst/>
+    <dgm:txFillClrLst meth="repeat">
+      <a:schemeClr val="dk1"/>
+    </dgm:txFillClrLst>
+    <dgm:txEffectClrLst/>
+  </dgm:styleLbl>
+  <dgm:styleLbl name="solidAlignAcc1">
+    <dgm:fillClrLst meth="repeat">
+      <a:schemeClr val="lt1"/>
+    </dgm:fillClrLst>
+    <dgm:linClrLst meth="repeat">
+      <a:schemeClr val="accent6"/>
+    </dgm:linClrLst>
+    <dgm:effectClrLst/>
+    <dgm:txLinClrLst/>
+    <dgm:txFillClrLst meth="repeat">
+      <a:schemeClr val="dk1"/>
+    </dgm:txFillClrLst>
+    <dgm:txEffectClrLst/>
+  </dgm:styleLbl>
+  <dgm:styleLbl name="solidBgAcc1">
+    <dgm:fillClrLst meth="repeat">
+      <a:schemeClr val="lt1"/>
+    </dgm:fillClrLst>
+    <dgm:linClrLst meth="repeat">
+      <a:schemeClr val="accent6"/>
+    </dgm:linClrLst>
+    <dgm:effectClrLst/>
+    <dgm:txLinClrLst/>
+    <dgm:txFillClrLst meth="repeat">
+      <a:schemeClr val="dk1"/>
+    </dgm:txFillClrLst>
+    <dgm:txEffectClrLst/>
+  </dgm:styleLbl>
+  <dgm:styleLbl name="fgAccFollowNode1">
+    <dgm:fillClrLst meth="repeat">
+      <a:schemeClr val="lt1">
+        <a:alpha val="90000"/>
+        <a:tint val="40000"/>
+      </a:schemeClr>
+    </dgm:fillClrLst>
+    <dgm:linClrLst meth="repeat">
+      <a:schemeClr val="accent6">
+        <a:alpha val="90000"/>
+      </a:schemeClr>
+    </dgm:linClrLst>
+    <dgm:effectClrLst/>
+    <dgm:txLinClrLst/>
+    <dgm:txFillClrLst meth="repeat">
+      <a:schemeClr val="dk1"/>
+    </dgm:txFillClrLst>
+    <dgm:txEffectClrLst/>
+  </dgm:styleLbl>
+  <dgm:styleLbl name="alignAccFollowNode1">
+    <dgm:fillClrLst meth="repeat">
+      <a:schemeClr val="lt1">
+        <a:alpha val="90000"/>
+        <a:tint val="40000"/>
+      </a:schemeClr>
+    </dgm:fillClrLst>
+    <dgm:linClrLst meth="repeat">
+      <a:schemeClr val="accent6">
+        <a:alpha val="90000"/>
+      </a:schemeClr>
+    </dgm:linClrLst>
+    <dgm:effectClrLst/>
+    <dgm:txLinClrLst/>
+    <dgm:txFillClrLst meth="repeat">
+      <a:schemeClr val="dk1"/>
+    </dgm:txFillClrLst>
+    <dgm:txEffectClrLst/>
+  </dgm:styleLbl>
+  <dgm:styleLbl name="bgAccFollowNode1">
+    <dgm:fillClrLst meth="repeat">
+      <a:schemeClr val="lt1">
+        <a:alpha val="90000"/>
+        <a:tint val="40000"/>
+      </a:schemeClr>
+    </dgm:fillClrLst>
+    <dgm:linClrLst meth="repeat">
+      <a:schemeClr val="accent6">
+        <a:alpha val="90000"/>
+      </a:schemeClr>
+    </dgm:linClrLst>
+    <dgm:effectClrLst/>
+    <dgm:txLinClrLst/>
+    <dgm:txFillClrLst meth="repeat">
+      <a:schemeClr val="dk1"/>
+    </dgm:txFillClrLst>
+    <dgm:txEffectClrLst/>
+  </dgm:styleLbl>
+  <dgm:styleLbl name="fgAcc0">
+    <dgm:fillClrLst meth="repeat">
+      <a:schemeClr val="accent6">
+        <a:alpha val="90000"/>
+        <a:tint val="40000"/>
+      </a:schemeClr>
+    </dgm:fillClrLst>
+    <dgm:linClrLst meth="repeat">
+      <a:schemeClr val="accent6"/>
+    </dgm:linClrLst>
+    <dgm:effectClrLst/>
+    <dgm:txLinClrLst/>
+    <dgm:txFillClrLst meth="repeat">
+      <a:schemeClr val="dk1"/>
+    </dgm:txFillClrLst>
+    <dgm:txEffectClrLst/>
+  </dgm:styleLbl>
+  <dgm:styleLbl name="fgAcc2">
+    <dgm:fillClrLst meth="repeat">
+      <a:schemeClr val="accent6">
+        <a:alpha val="90000"/>
+        <a:tint val="40000"/>
+      </a:schemeClr>
+    </dgm:fillClrLst>
+    <dgm:linClrLst meth="repeat">
+      <a:schemeClr val="accent6"/>
+    </dgm:linClrLst>
+    <dgm:effectClrLst/>
+    <dgm:txLinClrLst/>
+    <dgm:txFillClrLst meth="repeat">
+      <a:schemeClr val="dk1"/>
+    </dgm:txFillClrLst>
+    <dgm:txEffectClrLst/>
+  </dgm:styleLbl>
+  <dgm:styleLbl name="fgAcc3">
+    <dgm:fillClrLst meth="repeat">
+      <a:schemeClr val="accent6">
+        <a:alpha val="90000"/>
+        <a:tint val="40000"/>
+      </a:schemeClr>
+    </dgm:fillClrLst>
+    <dgm:linClrLst meth="repeat">
+      <a:schemeClr val="accent6"/>
+    </dgm:linClrLst>
+    <dgm:effectClrLst/>
+    <dgm:txLinClrLst/>
+    <dgm:txFillClrLst meth="repeat">
+      <a:schemeClr val="dk1"/>
+    </dgm:txFillClrLst>
+    <dgm:txEffectClrLst/>
+  </dgm:styleLbl>
+  <dgm:styleLbl name="fgAcc4">
+    <dgm:fillClrLst meth="repeat">
+      <a:schemeClr val="accent6">
+        <a:alpha val="90000"/>
+        <a:tint val="40000"/>
+      </a:schemeClr>
+    </dgm:fillClrLst>
+    <dgm:linClrLst meth="repeat">
+      <a:schemeClr val="accent6"/>
+    </dgm:linClrLst>
+    <dgm:effectClrLst/>
+    <dgm:txLinClrLst/>
+    <dgm:txFillClrLst meth="repeat">
+      <a:schemeClr val="dk1"/>
+    </dgm:txFillClrLst>
+    <dgm:txEffectClrLst/>
+  </dgm:styleLbl>
+  <dgm:styleLbl name="bgShp">
+    <dgm:fillClrLst meth="repeat">
+      <a:schemeClr val="accent6">
+        <a:tint val="40000"/>
+      </a:schemeClr>
+    </dgm:fillClrLst>
+    <dgm:linClrLst meth="repeat">
+      <a:schemeClr val="accent6"/>
+    </dgm:linClrLst>
+    <dgm:effectClrLst/>
+    <dgm:txLinClrLst/>
+    <dgm:txFillClrLst meth="repeat">
+      <a:schemeClr val="dk1"/>
+    </dgm:txFillClrLst>
+    <dgm:txEffectClrLst/>
+  </dgm:styleLbl>
+  <dgm:styleLbl name="dkBgShp">
+    <dgm:fillClrLst meth="repeat">
+      <a:schemeClr val="accent6">
+        <a:shade val="80000"/>
+      </a:schemeClr>
+    </dgm:fillClrLst>
+    <dgm:linClrLst meth="repeat">
+      <a:schemeClr val="accent6"/>
+    </dgm:linClrLst>
+    <dgm:effectClrLst/>
+    <dgm:txLinClrLst/>
+    <dgm:txFillClrLst meth="repeat">
+      <a:schemeClr val="lt1"/>
+    </dgm:txFillClrLst>
+    <dgm:txEffectClrLst/>
+  </dgm:styleLbl>
+  <dgm:styleLbl name="trBgShp">
+    <dgm:fillClrLst meth="repeat">
+      <a:schemeClr val="accent6">
+        <a:tint val="50000"/>
+        <a:alpha val="40000"/>
+      </a:schemeClr>
+    </dgm:fillClrLst>
+    <dgm:linClrLst meth="repeat">
+      <a:schemeClr val="accent6"/>
+    </dgm:linClrLst>
+    <dgm:effectClrLst/>
+    <dgm:txLinClrLst/>
+    <dgm:txFillClrLst meth="repeat">
+      <a:schemeClr val="lt1"/>
+    </dgm:txFillClrLst>
+    <dgm:txEffectClrLst/>
+  </dgm:styleLbl>
+  <dgm:styleLbl name="fgShp">
+    <dgm:fillClrLst meth="repeat">
+      <a:schemeClr val="accent6">
+        <a:tint val="60000"/>
+      </a:schemeClr>
+    </dgm:fillClrLst>
+    <dgm:linClrLst meth="repeat">
+      <a:schemeClr val="lt1"/>
+    </dgm:linClrLst>
+    <dgm:effectClrLst/>
+    <dgm:txLinClrLst/>
+    <dgm:txFillClrLst meth="repeat">
+      <a:schemeClr val="dk1"/>
+    </dgm:txFillClrLst>
+    <dgm:txEffectClrLst/>
+  </dgm:styleLbl>
+  <dgm:styleLbl name="revTx">
+    <dgm:fillClrLst meth="repeat">
+      <a:schemeClr val="lt1">
+        <a:alpha val="0"/>
+      </a:schemeClr>
+    </dgm:fillClrLst>
+    <dgm:linClrLst meth="repeat">
+      <a:schemeClr val="dk1">
+        <a:alpha val="0"/>
+      </a:schemeClr>
+    </dgm:linClrLst>
+    <dgm:effectClrLst/>
+    <dgm:txLinClrLst/>
+    <dgm:txFillClrLst meth="repeat">
+      <a:schemeClr val="tx1"/>
+    </dgm:txFillClrLst>
+    <dgm:txEffectClrLst/>
+  </dgm:styleLbl>
+</dgm:colorsDef>
+</file>
+
+<file path=ppt/diagrams/colors2.xml><?xml version="1.0" encoding="utf-8"?>
+<dgm:colorsDef xmlns:dgm="http://schemas.openxmlformats.org/drawingml/2006/diagram" xmlns:a="http://schemas.openxmlformats.org/drawingml/2006/main" uniqueId="urn:microsoft.com/office/officeart/2005/8/colors/accent6_1">
+  <dgm:title val=""/>
+  <dgm:desc val=""/>
+  <dgm:catLst>
+    <dgm:cat type="accent6" pri="11100"/>
+  </dgm:catLst>
+  <dgm:styleLbl name="node0">
+    <dgm:fillClrLst meth="repeat">
+      <a:schemeClr val="lt1"/>
+    </dgm:fillClrLst>
+    <dgm:linClrLst meth="repeat">
+      <a:schemeClr val="accent6">
+        <a:shade val="80000"/>
+      </a:schemeClr>
+    </dgm:linClrLst>
+    <dgm:effectClrLst/>
+    <dgm:txLinClrLst/>
+    <dgm:txFillClrLst meth="repeat">
+      <a:schemeClr val="dk1"/>
+    </dgm:txFillClrLst>
+    <dgm:txEffectClrLst/>
+  </dgm:styleLbl>
+  <dgm:styleLbl name="node1">
+    <dgm:fillClrLst meth="repeat">
+      <a:schemeClr val="lt1"/>
+    </dgm:fillClrLst>
+    <dgm:linClrLst meth="repeat">
+      <a:schemeClr val="accent6">
+        <a:shade val="80000"/>
+      </a:schemeClr>
+    </dgm:linClrLst>
+    <dgm:effectClrLst/>
+    <dgm:txLinClrLst/>
+    <dgm:txFillClrLst meth="repeat">
+      <a:schemeClr val="dk1"/>
+    </dgm:txFillClrLst>
+    <dgm:txEffectClrLst/>
+  </dgm:styleLbl>
+  <dgm:styleLbl name="alignNode1">
+    <dgm:fillClrLst meth="repeat">
+      <a:schemeClr val="lt1"/>
+    </dgm:fillClrLst>
+    <dgm:linClrLst meth="repeat">
+      <a:schemeClr val="accent6">
+        <a:shade val="80000"/>
+      </a:schemeClr>
+    </dgm:linClrLst>
+    <dgm:effectClrLst/>
+    <dgm:txLinClrLst/>
+    <dgm:txFillClrLst meth="repeat">
+      <a:schemeClr val="dk1"/>
+    </dgm:txFillClrLst>
+    <dgm:txEffectClrLst/>
+  </dgm:styleLbl>
+  <dgm:styleLbl name="lnNode1">
+    <dgm:fillClrLst meth="repeat">
+      <a:schemeClr val="lt1"/>
+    </dgm:fillClrLst>
+    <dgm:linClrLst meth="repeat">
+      <a:schemeClr val="accent6">
+        <a:shade val="80000"/>
+      </a:schemeClr>
+    </dgm:linClrLst>
+    <dgm:effectClrLst/>
+    <dgm:txLinClrLst/>
+    <dgm:txFillClrLst meth="repeat">
+      <a:schemeClr val="dk1"/>
+    </dgm:txFillClrLst>
+    <dgm:txEffectClrLst/>
+  </dgm:styleLbl>
+  <dgm:styleLbl name="vennNode1">
+    <dgm:fillClrLst meth="repeat">
+      <a:schemeClr val="lt1">
+        <a:alpha val="50000"/>
+      </a:schemeClr>
+    </dgm:fillClrLst>
+    <dgm:linClrLst meth="repeat">
+      <a:schemeClr val="accent6">
+        <a:shade val="80000"/>
+      </a:schemeClr>
+    </dgm:linClrLst>
+    <dgm:effectClrLst/>
+    <dgm:txLinClrLst/>
+    <dgm:txFillClrLst/>
+    <dgm:txEffectClrLst/>
+  </dgm:styleLbl>
+  <dgm:styleLbl name="node2">
+    <dgm:fillClrLst meth="repeat">
+      <a:schemeClr val="lt1"/>
+    </dgm:fillClrLst>
+    <dgm:linClrLst meth="repeat">
+      <a:schemeClr val="accent6">
+        <a:shade val="80000"/>
+      </a:schemeClr>
+    </dgm:linClrLst>
+    <dgm:effectClrLst/>
+    <dgm:txLinClrLst/>
+    <dgm:txFillClrLst meth="repeat">
+      <a:schemeClr val="dk1"/>
+    </dgm:txFillClrLst>
+    <dgm:txEffectClrLst/>
+  </dgm:styleLbl>
+  <dgm:styleLbl name="node3">
+    <dgm:fillClrLst meth="repeat">
+      <a:schemeClr val="lt1"/>
+    </dgm:fillClrLst>
+    <dgm:linClrLst meth="repeat">
+      <a:schemeClr val="accent6">
+        <a:shade val="80000"/>
+      </a:schemeClr>
+    </dgm:linClrLst>
+    <dgm:effectClrLst/>
+    <dgm:txLinClrLst/>
+    <dgm:txFillClrLst meth="repeat">
+      <a:schemeClr val="dk1"/>
+    </dgm:txFillClrLst>
+    <dgm:txEffectClrLst/>
+  </dgm:styleLbl>
+  <dgm:styleLbl name="node4">
+    <dgm:fillClrLst meth="repeat">
+      <a:schemeClr val="lt1"/>
+    </dgm:fillClrLst>
+    <dgm:linClrLst meth="repeat">
+      <a:schemeClr val="accent6">
+        <a:shade val="80000"/>
+      </a:schemeClr>
+    </dgm:linClrLst>
+    <dgm:effectClrLst/>
+    <dgm:txLinClrLst/>
+    <dgm:txFillClrLst meth="repeat">
+      <a:schemeClr val="dk1"/>
+    </dgm:txFillClrLst>
+    <dgm:txEffectClrLst/>
+  </dgm:styleLbl>
+  <dgm:styleLbl name="fgImgPlace1">
+    <dgm:fillClrLst meth="repeat">
+      <a:schemeClr val="accent6">
+        <a:tint val="40000"/>
+      </a:schemeClr>
+    </dgm:fillClrLst>
+    <dgm:linClrLst meth="repeat">
+      <a:schemeClr val="accent6">
+        <a:shade val="80000"/>
+      </a:schemeClr>
+    </dgm:linClrLst>
+    <dgm:effectClrLst/>
+    <dgm:txLinClrLst/>
+    <dgm:txFillClrLst meth="repeat">
+      <a:schemeClr val="lt1"/>
+    </dgm:txFillClrLst>
+    <dgm:txEffectClrLst/>
+  </dgm:styleLbl>
+  <dgm:styleLbl name="alignImgPlace1">
+    <dgm:fillClrLst meth="repeat">
+      <a:schemeClr val="accent6">
+        <a:tint val="40000"/>
+      </a:schemeClr>
+    </dgm:fillClrLst>
+    <dgm:linClrLst meth="repeat">
+      <a:schemeClr val="accent6">
+        <a:shade val="80000"/>
+      </a:schemeClr>
+    </dgm:linClrLst>
+    <dgm:effectClrLst/>
+    <dgm:txLinClrLst/>
+    <dgm:txFillClrLst meth="repeat">
+      <a:schemeClr val="lt1"/>
+    </dgm:txFillClrLst>
+    <dgm:txEffectClrLst/>
+  </dgm:styleLbl>
+  <dgm:styleLbl name="bgImgPlace1">
+    <dgm:fillClrLst meth="repeat">
+      <a:schemeClr val="accent6">
+        <a:tint val="40000"/>
+      </a:schemeClr>
+    </dgm:fillClrLst>
+    <dgm:linClrLst meth="repeat">
+      <a:schemeClr val="accent6">
+        <a:shade val="80000"/>
+      </a:schemeClr>
+    </dgm:linClrLst>
+    <dgm:effectClrLst/>
+    <dgm:txLinClrLst/>
+    <dgm:txFillClrLst meth="repeat">
+      <a:schemeClr val="lt1"/>
+    </dgm:txFillClrLst>
+    <dgm:txEffectClrLst/>
+  </dgm:styleLbl>
+  <dgm:styleLbl name="sibTrans2D1">
+    <dgm:fillClrLst meth="repeat">
+      <a:schemeClr val="accent6">
+        <a:tint val="60000"/>
+      </a:schemeClr>
+    </dgm:fillClrLst>
+    <dgm:linClrLst meth="repeat">
+      <a:schemeClr val="accent6">
+        <a:tint val="60000"/>
+      </a:schemeClr>
+    </dgm:linClrLst>
+    <dgm:effectClrLst/>
+    <dgm:txLinClrLst/>
+    <dgm:txFillClrLst meth="repeat">
+      <a:schemeClr val="dk1"/>
+    </dgm:txFillClrLst>
+    <dgm:txEffectClrLst/>
+  </dgm:styleLbl>
+  <dgm:styleLbl name="fgSibTrans2D1">
+    <dgm:fillClrLst meth="repeat">
+      <a:schemeClr val="accent6">
+        <a:tint val="60000"/>
+      </a:schemeClr>
+    </dgm:fillClrLst>
+    <dgm:linClrLst meth="repeat">
+      <a:schemeClr val="accent6">
+        <a:tint val="60000"/>
+      </a:schemeClr>
+    </dgm:linClrLst>
+    <dgm:effectClrLst/>
+    <dgm:txLinClrLst/>
+    <dgm:txFillClrLst meth="repeat">
+      <a:schemeClr val="dk1"/>
+    </dgm:txFillClrLst>
+    <dgm:txEffectClrLst/>
+  </dgm:styleLbl>
+  <dgm:styleLbl name="bgSibTrans2D1">
+    <dgm:fillClrLst meth="repeat">
+      <a:schemeClr val="accent6">
+        <a:tint val="60000"/>
+      </a:schemeClr>
+    </dgm:fillClrLst>
+    <dgm:linClrLst meth="repeat">
+      <a:schemeClr val="accent6">
+        <a:tint val="60000"/>
+      </a:schemeClr>
+    </dgm:linClrLst>
+    <dgm:effectClrLst/>
+    <dgm:txLinClrLst/>
+    <dgm:txFillClrLst meth="repeat">
+      <a:schemeClr val="dk1"/>
+    </dgm:txFillClrLst>
+    <dgm:txEffectClrLst/>
+  </dgm:styleLbl>
+  <dgm:styleLbl name="sibTrans1D1">
+    <dgm:fillClrLst meth="repeat">
+      <a:schemeClr val="accent6"/>
+    </dgm:fillClrLst>
+    <dgm:linClrLst meth="repeat">
+      <a:schemeClr val="accent6"/>
+    </dgm:linClrLst>
+    <dgm:effectClrLst/>
+    <dgm:txLinClrLst/>
+    <dgm:txFillClrLst meth="repeat">
+      <a:schemeClr val="tx1"/>
+    </dgm:txFillClrLst>
+    <dgm:txEffectClrLst/>
+  </dgm:styleLbl>
+  <dgm:styleLbl name="callout">
+    <dgm:fillClrLst meth="repeat">
+      <a:schemeClr val="accent6"/>
+    </dgm:fillClrLst>
+    <dgm:linClrLst meth="repeat">
+      <a:schemeClr val="accent6"/>
+    </dgm:linClrLst>
+    <dgm:effectClrLst/>
+    <dgm:txLinClrLst/>
+    <dgm:txFillClrLst meth="repeat">
+      <a:schemeClr val="tx1"/>
+    </dgm:txFillClrLst>
+    <dgm:txEffectClrLst/>
+  </dgm:styleLbl>
+  <dgm:styleLbl name="asst0">
+    <dgm:fillClrLst meth="repeat">
+      <a:schemeClr val="lt1"/>
+    </dgm:fillClrLst>
+    <dgm:linClrLst meth="repeat">
+      <a:schemeClr val="accent6">
+        <a:shade val="80000"/>
+      </a:schemeClr>
+    </dgm:linClrLst>
+    <dgm:effectClrLst/>
+    <dgm:txLinClrLst/>
+    <dgm:txFillClrLst meth="repeat">
+      <a:schemeClr val="dk1"/>
+    </dgm:txFillClrLst>
+    <dgm:txEffectClrLst/>
+  </dgm:styleLbl>
+  <dgm:styleLbl name="asst1">
+    <dgm:fillClrLst meth="repeat">
+      <a:schemeClr val="lt1"/>
+    </dgm:fillClrLst>
+    <dgm:linClrLst meth="repeat">
+      <a:schemeClr val="accent6">
+        <a:shade val="80000"/>
+      </a:schemeClr>
+    </dgm:linClrLst>
+    <dgm:effectClrLst/>
+    <dgm:txLinClrLst/>
+    <dgm:txFillClrLst meth="repeat">
+      <a:schemeClr val="dk1"/>
+    </dgm:txFillClrLst>
+    <dgm:txEffectClrLst/>
+  </dgm:styleLbl>
+  <dgm:styleLbl name="asst2">
+    <dgm:fillClrLst meth="repeat">
+      <a:schemeClr val="lt1"/>
+    </dgm:fillClrLst>
+    <dgm:linClrLst meth="repeat">
+      <a:schemeClr val="accent6">
+        <a:shade val="80000"/>
+      </a:schemeClr>
+    </dgm:linClrLst>
+    <dgm:effectClrLst/>
+    <dgm:txLinClrLst/>
+    <dgm:txFillClrLst meth="repeat">
+      <a:schemeClr val="dk1"/>
+    </dgm:txFillClrLst>
+    <dgm:txEffectClrLst/>
+  </dgm:styleLbl>
+  <dgm:styleLbl name="asst3">
+    <dgm:fillClrLst meth="repeat">
+      <a:schemeClr val="lt1"/>
+    </dgm:fillClrLst>
+    <dgm:linClrLst meth="repeat">
+      <a:schemeClr val="accent6">
+        <a:shade val="80000"/>
+      </a:schemeClr>
+    </dgm:linClrLst>
+    <dgm:effectClrLst/>
+    <dgm:txLinClrLst/>
+    <dgm:txFillClrLst meth="repeat">
+      <a:schemeClr val="dk1"/>
+    </dgm:txFillClrLst>
+    <dgm:txEffectClrLst/>
+  </dgm:styleLbl>
+  <dgm:styleLbl name="asst4">
+    <dgm:fillClrLst meth="repeat">
+      <a:schemeClr val="lt1"/>
+    </dgm:fillClrLst>
+    <dgm:linClrLst meth="repeat">
+      <a:schemeClr val="accent6">
+        <a:shade val="80000"/>
+      </a:schemeClr>
+    </dgm:linClrLst>
+    <dgm:effectClrLst/>
+    <dgm:txLinClrLst/>
+    <dgm:txFillClrLst meth="repeat">
+      <a:schemeClr val="dk1"/>
+    </dgm:txFillClrLst>
+    <dgm:txEffectClrLst/>
+  </dgm:styleLbl>
+  <dgm:styleLbl name="parChTrans2D1">
+    <dgm:fillClrLst meth="repeat">
+      <a:schemeClr val="accent6">
+        <a:tint val="60000"/>
+      </a:schemeClr>
+    </dgm:fillClrLst>
+    <dgm:linClrLst meth="repeat">
+      <a:schemeClr val="accent6">
+        <a:tint val="60000"/>
+      </a:schemeClr>
+    </dgm:linClrLst>
+    <dgm:effectClrLst/>
+    <dgm:txLinClrLst/>
+    <dgm:txFillClrLst/>
+    <dgm:txEffectClrLst/>
+  </dgm:styleLbl>
+  <dgm:styleLbl name="parChTrans2D2">
+    <dgm:fillClrLst meth="repeat">
+      <a:schemeClr val="accent6"/>
+    </dgm:fillClrLst>
+    <dgm:linClrLst meth="repeat">
+      <a:schemeClr val="accent6"/>
+    </dgm:linClrLst>
+    <dgm:effectClrLst/>
+    <dgm:txLinClrLst/>
+    <dgm:txFillClrLst/>
+    <dgm:txEffectClrLst/>
+  </dgm:styleLbl>
+  <dgm:styleLbl name="parChTrans2D3">
+    <dgm:fillClrLst meth="repeat">
+      <a:schemeClr val="accent6"/>
+    </dgm:fillClrLst>
+    <dgm:linClrLst meth="repeat">
+      <a:schemeClr val="accent6"/>
+    </dgm:linClrLst>
+    <dgm:effectClrLst/>
+    <dgm:txLinClrLst/>
+    <dgm:txFillClrLst/>
+    <dgm:txEffectClrLst/>
+  </dgm:styleLbl>
+  <dgm:styleLbl name="parChTrans2D4">
+    <dgm:fillClrLst meth="repeat">
+      <a:schemeClr val="accent6"/>
+    </dgm:fillClrLst>
+    <dgm:linClrLst meth="repeat">
+      <a:schemeClr val="accent6"/>
+    </dgm:linClrLst>
+    <dgm:effectClrLst/>
+    <dgm:txLinClrLst/>
+    <dgm:txFillClrLst meth="repeat">
+      <a:schemeClr val="lt1"/>
+    </dgm:txFillClrLst>
+    <dgm:txEffectClrLst/>
+  </dgm:styleLbl>
+  <dgm:styleLbl name="parChTrans1D1">
+    <dgm:fillClrLst meth="repeat">
+      <a:schemeClr val="accent6"/>
+    </dgm:fillClrLst>
+    <dgm:linClrLst meth="repeat">
+      <a:schemeClr val="accent6">
+        <a:shade val="60000"/>
+      </a:schemeClr>
+    </dgm:linClrLst>
+    <dgm:effectClrLst/>
+    <dgm:txLinClrLst/>
+    <dgm:txFillClrLst meth="repeat">
+      <a:schemeClr val="tx1"/>
+    </dgm:txFillClrLst>
+    <dgm:txEffectClrLst/>
+  </dgm:styleLbl>
+  <dgm:styleLbl name="parChTrans1D2">
+    <dgm:fillClrLst meth="repeat">
+      <a:schemeClr val="accent6"/>
+    </dgm:fillClrLst>
+    <dgm:linClrLst meth="repeat">
+      <a:schemeClr val="accent6">
+        <a:shade val="60000"/>
+      </a:schemeClr>
+    </dgm:linClrLst>
+    <dgm:effectClrLst/>
+    <dgm:txLinClrLst/>
+    <dgm:txFillClrLst meth="repeat">
+      <a:schemeClr val="tx1"/>
+    </dgm:txFillClrLst>
+    <dgm:txEffectClrLst/>
+  </dgm:styleLbl>
+  <dgm:styleLbl name="parChTrans1D3">
+    <dgm:fillClrLst meth="repeat">
+      <a:schemeClr val="accent6"/>
+    </dgm:fillClrLst>
+    <dgm:linClrLst meth="repeat">
+      <a:schemeClr val="accent6">
+        <a:shade val="80000"/>
+      </a:schemeClr>
+    </dgm:linClrLst>
+    <dgm:effectClrLst/>
+    <dgm:txLinClrLst/>
+    <dgm:txFillClrLst meth="repeat">
+      <a:schemeClr val="tx1"/>
+    </dgm:txFillClrLst>
+    <dgm:txEffectClrLst/>
+  </dgm:styleLbl>
+  <dgm:styleLbl name="parChTrans1D4">
+    <dgm:fillClrLst meth="repeat">
+      <a:schemeClr val="accent6"/>
+    </dgm:fillClrLst>
+    <dgm:linClrLst meth="repeat">
+      <a:schemeClr val="accent6">
+        <a:shade val="80000"/>
+      </a:schemeClr>
+    </dgm:linClrLst>
+    <dgm:effectClrLst/>
+    <dgm:txLinClrLst/>
+    <dgm:txFillClrLst meth="repeat">
+      <a:schemeClr val="tx1"/>
+    </dgm:txFillClrLst>
+    <dgm:txEffectClrLst/>
+  </dgm:styleLbl>
+  <dgm:styleLbl name="fgAcc1">
+    <dgm:fillClrLst meth="repeat">
+      <a:schemeClr val="accent6">
+        <a:alpha val="90000"/>
+        <a:tint val="40000"/>
+      </a:schemeClr>
+    </dgm:fillClrLst>
+    <dgm:linClrLst meth="repeat">
+      <a:schemeClr val="accent6"/>
+    </dgm:linClrLst>
+    <dgm:effectClrLst/>
+    <dgm:txLinClrLst/>
+    <dgm:txFillClrLst meth="repeat">
+      <a:schemeClr val="dk1"/>
+    </dgm:txFillClrLst>
+    <dgm:txEffectClrLst/>
+  </dgm:styleLbl>
+  <dgm:styleLbl name="conFgAcc1">
+    <dgm:fillClrLst meth="repeat">
+      <a:schemeClr val="accent6">
+        <a:alpha val="90000"/>
+        <a:tint val="40000"/>
+      </a:schemeClr>
+    </dgm:fillClrLst>
+    <dgm:linClrLst meth="repeat">
+      <a:schemeClr val="accent6"/>
+    </dgm:linClrLst>
+    <dgm:effectClrLst/>
+    <dgm:txLinClrLst/>
+    <dgm:txFillClrLst meth="repeat">
+      <a:schemeClr val="dk1"/>
+    </dgm:txFillClrLst>
+    <dgm:txEffectClrLst/>
+  </dgm:styleLbl>
+  <dgm:styleLbl name="alignAcc1">
+    <dgm:fillClrLst meth="repeat">
+      <a:schemeClr val="accent6">
+        <a:alpha val="90000"/>
+        <a:tint val="40000"/>
+      </a:schemeClr>
+    </dgm:fillClrLst>
+    <dgm:linClrLst meth="repeat">
+      <a:schemeClr val="accent6"/>
+    </dgm:linClrLst>
+    <dgm:effectClrLst/>
+    <dgm:txLinClrLst/>
+    <dgm:txFillClrLst meth="repeat">
+      <a:schemeClr val="dk1"/>
+    </dgm:txFillClrLst>
+    <dgm:txEffectClrLst/>
+  </dgm:styleLbl>
+  <dgm:styleLbl name="trAlignAcc1">
+    <dgm:fillClrLst meth="repeat">
+      <a:schemeClr val="accent6">
+        <a:alpha val="40000"/>
+        <a:tint val="40000"/>
+      </a:schemeClr>
+    </dgm:fillClrLst>
+    <dgm:linClrLst meth="repeat">
+      <a:schemeClr val="accent6"/>
+    </dgm:linClrLst>
+    <dgm:effectClrLst/>
+    <dgm:txLinClrLst/>
+    <dgm:txFillClrLst meth="repeat">
+      <a:schemeClr val="dk1"/>
+    </dgm:txFillClrLst>
+    <dgm:txEffectClrLst/>
+  </dgm:styleLbl>
+  <dgm:styleLbl name="bgAcc1">
+    <dgm:fillClrLst meth="repeat">
+      <a:schemeClr val="accent6">
+        <a:alpha val="90000"/>
+        <a:tint val="40000"/>
+      </a:schemeClr>
+    </dgm:fillClrLst>
+    <dgm:linClrLst meth="repeat">
+      <a:schemeClr val="accent6"/>
+    </dgm:linClrLst>
+    <dgm:effectClrLst/>
+    <dgm:txLinClrLst/>
+    <dgm:txFillClrLst meth="repeat">
+      <a:schemeClr val="dk1"/>
+    </dgm:txFillClrLst>
+    <dgm:txEffectClrLst/>
+  </dgm:styleLbl>
+  <dgm:styleLbl name="solidFgAcc1">
+    <dgm:fillClrLst meth="repeat">
+      <a:schemeClr val="lt1"/>
+    </dgm:fillClrLst>
+    <dgm:linClrLst meth="repeat">
+      <a:schemeClr val="accent6"/>
+    </dgm:linClrLst>
+    <dgm:effectClrLst/>
+    <dgm:txLinClrLst/>
+    <dgm:txFillClrLst meth="repeat">
+      <a:schemeClr val="dk1"/>
+    </dgm:txFillClrLst>
+    <dgm:txEffectClrLst/>
+  </dgm:styleLbl>
+  <dgm:styleLbl name="solidAlignAcc1">
+    <dgm:fillClrLst meth="repeat">
+      <a:schemeClr val="lt1"/>
+    </dgm:fillClrLst>
+    <dgm:linClrLst meth="repeat">
+      <a:schemeClr val="accent6"/>
+    </dgm:linClrLst>
+    <dgm:effectClrLst/>
+    <dgm:txLinClrLst/>
+    <dgm:txFillClrLst meth="repeat">
+      <a:schemeClr val="dk1"/>
+    </dgm:txFillClrLst>
+    <dgm:txEffectClrLst/>
+  </dgm:styleLbl>
+  <dgm:styleLbl name="solidBgAcc1">
+    <dgm:fillClrLst meth="repeat">
+      <a:schemeClr val="lt1"/>
+    </dgm:fillClrLst>
+    <dgm:linClrLst meth="repeat">
+      <a:schemeClr val="accent6"/>
+    </dgm:linClrLst>
+    <dgm:effectClrLst/>
+    <dgm:txLinClrLst/>
+    <dgm:txFillClrLst meth="repeat">
+      <a:schemeClr val="dk1"/>
+    </dgm:txFillClrLst>
+    <dgm:txEffectClrLst/>
+  </dgm:styleLbl>
+  <dgm:styleLbl name="fgAccFollowNode1">
+    <dgm:fillClrLst meth="repeat">
+      <a:schemeClr val="lt1">
+        <a:alpha val="90000"/>
+        <a:tint val="40000"/>
+      </a:schemeClr>
+    </dgm:fillClrLst>
+    <dgm:linClrLst meth="repeat">
+      <a:schemeClr val="accent6">
+        <a:alpha val="90000"/>
+      </a:schemeClr>
+    </dgm:linClrLst>
+    <dgm:effectClrLst/>
+    <dgm:txLinClrLst/>
+    <dgm:txFillClrLst meth="repeat">
+      <a:schemeClr val="dk1"/>
+    </dgm:txFillClrLst>
+    <dgm:txEffectClrLst/>
+  </dgm:styleLbl>
+  <dgm:styleLbl name="alignAccFollowNode1">
+    <dgm:fillClrLst meth="repeat">
+      <a:schemeClr val="lt1">
+        <a:alpha val="90000"/>
+        <a:tint val="40000"/>
+      </a:schemeClr>
+    </dgm:fillClrLst>
+    <dgm:linClrLst meth="repeat">
+      <a:schemeClr val="accent6">
+        <a:alpha val="90000"/>
+      </a:schemeClr>
+    </dgm:linClrLst>
+    <dgm:effectClrLst/>
+    <dgm:txLinClrLst/>
+    <dgm:txFillClrLst meth="repeat">
+      <a:schemeClr val="dk1"/>
+    </dgm:txFillClrLst>
+    <dgm:txEffectClrLst/>
+  </dgm:styleLbl>
+  <dgm:styleLbl name="bgAccFollowNode1">
+    <dgm:fillClrLst meth="repeat">
+      <a:schemeClr val="lt1">
+        <a:alpha val="90000"/>
+        <a:tint val="40000"/>
+      </a:schemeClr>
+    </dgm:fillClrLst>
+    <dgm:linClrLst meth="repeat">
+      <a:schemeClr val="accent6">
+        <a:alpha val="90000"/>
+      </a:schemeClr>
+    </dgm:linClrLst>
+    <dgm:effectClrLst/>
+    <dgm:txLinClrLst/>
+    <dgm:txFillClrLst meth="repeat">
+      <a:schemeClr val="dk1"/>
+    </dgm:txFillClrLst>
+    <dgm:txEffectClrLst/>
+  </dgm:styleLbl>
+  <dgm:styleLbl name="fgAcc0">
+    <dgm:fillClrLst meth="repeat">
+      <a:schemeClr val="accent6">
+        <a:alpha val="90000"/>
+        <a:tint val="40000"/>
+      </a:schemeClr>
+    </dgm:fillClrLst>
+    <dgm:linClrLst meth="repeat">
+      <a:schemeClr val="accent6"/>
+    </dgm:linClrLst>
+    <dgm:effectClrLst/>
+    <dgm:txLinClrLst/>
+    <dgm:txFillClrLst meth="repeat">
+      <a:schemeClr val="dk1"/>
+    </dgm:txFillClrLst>
+    <dgm:txEffectClrLst/>
+  </dgm:styleLbl>
+  <dgm:styleLbl name="fgAcc2">
+    <dgm:fillClrLst meth="repeat">
+      <a:schemeClr val="accent6">
+        <a:alpha val="90000"/>
+        <a:tint val="40000"/>
+      </a:schemeClr>
+    </dgm:fillClrLst>
+    <dgm:linClrLst meth="repeat">
+      <a:schemeClr val="accent6"/>
+    </dgm:linClrLst>
+    <dgm:effectClrLst/>
+    <dgm:txLinClrLst/>
+    <dgm:txFillClrLst meth="repeat">
+      <a:schemeClr val="dk1"/>
+    </dgm:txFillClrLst>
+    <dgm:txEffectClrLst/>
+  </dgm:styleLbl>
+  <dgm:styleLbl name="fgAcc3">
+    <dgm:fillClrLst meth="repeat">
+      <a:schemeClr val="accent6">
+        <a:alpha val="90000"/>
+        <a:tint val="40000"/>
+      </a:schemeClr>
+    </dgm:fillClrLst>
+    <dgm:linClrLst meth="repeat">
+      <a:schemeClr val="accent6"/>
+    </dgm:linClrLst>
+    <dgm:effectClrLst/>
+    <dgm:txLinClrLst/>
+    <dgm:txFillClrLst meth="repeat">
+      <a:schemeClr val="dk1"/>
+    </dgm:txFillClrLst>
+    <dgm:txEffectClrLst/>
+  </dgm:styleLbl>
+  <dgm:styleLbl name="fgAcc4">
+    <dgm:fillClrLst meth="repeat">
+      <a:schemeClr val="accent6">
+        <a:alpha val="90000"/>
+        <a:tint val="40000"/>
+      </a:schemeClr>
+    </dgm:fillClrLst>
+    <dgm:linClrLst meth="repeat">
+      <a:schemeClr val="accent6"/>
+    </dgm:linClrLst>
+    <dgm:effectClrLst/>
+    <dgm:txLinClrLst/>
+    <dgm:txFillClrLst meth="repeat">
+      <a:schemeClr val="dk1"/>
+    </dgm:txFillClrLst>
+    <dgm:txEffectClrLst/>
+  </dgm:styleLbl>
+  <dgm:styleLbl name="bgShp">
+    <dgm:fillClrLst meth="repeat">
+      <a:schemeClr val="accent6">
+        <a:tint val="40000"/>
+      </a:schemeClr>
+    </dgm:fillClrLst>
+    <dgm:linClrLst meth="repeat">
+      <a:schemeClr val="accent6"/>
+    </dgm:linClrLst>
+    <dgm:effectClrLst/>
+    <dgm:txLinClrLst/>
+    <dgm:txFillClrLst meth="repeat">
+      <a:schemeClr val="dk1"/>
+    </dgm:txFillClrLst>
+    <dgm:txEffectClrLst/>
+  </dgm:styleLbl>
+  <dgm:styleLbl name="dkBgShp">
+    <dgm:fillClrLst meth="repeat">
+      <a:schemeClr val="accent6">
+        <a:shade val="80000"/>
+      </a:schemeClr>
+    </dgm:fillClrLst>
+    <dgm:linClrLst meth="repeat">
+      <a:schemeClr val="accent6"/>
+    </dgm:linClrLst>
+    <dgm:effectClrLst/>
+    <dgm:txLinClrLst/>
+    <dgm:txFillClrLst meth="repeat">
+      <a:schemeClr val="lt1"/>
+    </dgm:txFillClrLst>
+    <dgm:txEffectClrLst/>
+  </dgm:styleLbl>
+  <dgm:styleLbl name="trBgShp">
+    <dgm:fillClrLst meth="repeat">
+      <a:schemeClr val="accent6">
+        <a:tint val="50000"/>
+        <a:alpha val="40000"/>
+      </a:schemeClr>
+    </dgm:fillClrLst>
+    <dgm:linClrLst meth="repeat">
+      <a:schemeClr val="accent6"/>
+    </dgm:linClrLst>
+    <dgm:effectClrLst/>
+    <dgm:txLinClrLst/>
+    <dgm:txFillClrLst meth="repeat">
+      <a:schemeClr val="lt1"/>
+    </dgm:txFillClrLst>
+    <dgm:txEffectClrLst/>
+  </dgm:styleLbl>
+  <dgm:styleLbl name="fgShp">
+    <dgm:fillClrLst meth="repeat">
+      <a:schemeClr val="accent6">
+        <a:tint val="60000"/>
+      </a:schemeClr>
+    </dgm:fillClrLst>
+    <dgm:linClrLst meth="repeat">
+      <a:schemeClr val="lt1"/>
+    </dgm:linClrLst>
+    <dgm:effectClrLst/>
+    <dgm:txLinClrLst/>
+    <dgm:txFillClrLst meth="repeat">
+      <a:schemeClr val="dk1"/>
+    </dgm:txFillClrLst>
+    <dgm:txEffectClrLst/>
+  </dgm:styleLbl>
+  <dgm:styleLbl name="revTx">
+    <dgm:fillClrLst meth="repeat">
+      <a:schemeClr val="lt1">
+        <a:alpha val="0"/>
+      </a:schemeClr>
+    </dgm:fillClrLst>
+    <dgm:linClrLst meth="repeat">
+      <a:schemeClr val="dk1">
+        <a:alpha val="0"/>
+      </a:schemeClr>
+    </dgm:linClrLst>
+    <dgm:effectClrLst/>
+    <dgm:txLinClrLst/>
+    <dgm:txFillClrLst meth="repeat">
+      <a:schemeClr val="tx1"/>
+    </dgm:txFillClrLst>
+    <dgm:txEffectClrLst/>
+  </dgm:styleLbl>
+</dgm:colorsDef>
+</file>
+
+<file path=ppt/diagrams/data1.xml><?xml version="1.0" encoding="utf-8"?>
+<dgm:dataModel xmlns:dgm="http://schemas.openxmlformats.org/drawingml/2006/diagram" xmlns:a="http://schemas.openxmlformats.org/drawingml/2006/main">
+  <dgm:ptLst>
+    <dgm:pt modelId="{A4CD16CE-6FF8-4F5B-AA56-6CB89BBB69F9}" type="doc">
+      <dgm:prSet loTypeId="urn:microsoft.com/office/officeart/2005/8/layout/hList9" loCatId="list" qsTypeId="urn:microsoft.com/office/officeart/2005/8/quickstyle/simple5" qsCatId="simple" csTypeId="urn:microsoft.com/office/officeart/2005/8/colors/accent6_1" csCatId="accent6" phldr="1"/>
+      <dgm:spPr/>
+      <dgm:t>
+        <a:bodyPr/>
+        <a:lstStyle/>
+        <a:p>
+          <a:endParaRPr lang="fr-FR"/>
+        </a:p>
+      </dgm:t>
+    </dgm:pt>
+    <dgm:pt modelId="{8D73F130-D4FE-4A3F-997E-91783F8E3C5A}">
+      <dgm:prSet phldrT="[Text]"/>
+      <dgm:spPr/>
+      <dgm:t>
+        <a:bodyPr/>
+        <a:lstStyle/>
+        <a:p>
+          <a:r>
+            <a:rPr lang="fr-FR" b="1" dirty="0" smtClean="0"/>
+            <a:t>UML design</a:t>
+          </a:r>
+          <a:endParaRPr lang="fr-FR" b="1" dirty="0"/>
+        </a:p>
+      </dgm:t>
+    </dgm:pt>
+    <dgm:pt modelId="{8D55B929-D748-4020-9E50-F71AE1BF2180}" type="parTrans" cxnId="{52F81A1A-1771-4EB0-A5A2-6101A8D1E157}">
+      <dgm:prSet/>
+      <dgm:spPr/>
+      <dgm:t>
+        <a:bodyPr/>
+        <a:lstStyle/>
+        <a:p>
+          <a:endParaRPr lang="fr-FR"/>
+        </a:p>
+      </dgm:t>
+    </dgm:pt>
+    <dgm:pt modelId="{63764104-D552-4B83-B394-ADE3D817BFA6}" type="sibTrans" cxnId="{52F81A1A-1771-4EB0-A5A2-6101A8D1E157}">
+      <dgm:prSet/>
+      <dgm:spPr/>
+      <dgm:t>
+        <a:bodyPr/>
+        <a:lstStyle/>
+        <a:p>
+          <a:endParaRPr lang="fr-FR"/>
+        </a:p>
+      </dgm:t>
+    </dgm:pt>
+    <dgm:pt modelId="{F81607D8-20A8-4A19-9734-B55244566E51}">
+      <dgm:prSet phldrT="[Text]"/>
+      <dgm:spPr/>
+      <dgm:t>
+        <a:bodyPr/>
+        <a:lstStyle/>
+        <a:p>
+          <a:r>
+            <a:rPr lang="fr-FR" b="1" dirty="0" err="1" smtClean="0"/>
+            <a:t>Problem</a:t>
+          </a:r>
+          <a:r>
+            <a:rPr lang="fr-FR" b="1" dirty="0" smtClean="0"/>
+            <a:t> frames</a:t>
+          </a:r>
+          <a:endParaRPr lang="fr-FR" b="1" dirty="0"/>
+        </a:p>
+      </dgm:t>
+    </dgm:pt>
+    <dgm:pt modelId="{7ADCA484-D0D0-4850-AB77-532033927D0F}" type="parTrans" cxnId="{C2AE079F-E677-46EA-B271-267DF46DF7DD}">
+      <dgm:prSet/>
+      <dgm:spPr/>
+      <dgm:t>
+        <a:bodyPr/>
+        <a:lstStyle/>
+        <a:p>
+          <a:endParaRPr lang="fr-FR"/>
+        </a:p>
+      </dgm:t>
+    </dgm:pt>
+    <dgm:pt modelId="{00B5D94F-4CF5-4537-BCFB-3CF754B77F10}" type="sibTrans" cxnId="{C2AE079F-E677-46EA-B271-267DF46DF7DD}">
+      <dgm:prSet/>
+      <dgm:spPr/>
+      <dgm:t>
+        <a:bodyPr/>
+        <a:lstStyle/>
+        <a:p>
+          <a:endParaRPr lang="fr-FR"/>
+        </a:p>
+      </dgm:t>
+    </dgm:pt>
+    <dgm:pt modelId="{605D1FB5-210C-400A-84F5-CC35A8B043CD}">
+      <dgm:prSet custT="1"/>
+      <dgm:spPr/>
+      <dgm:t>
+        <a:bodyPr/>
+        <a:lstStyle/>
+        <a:p>
+          <a:pPr algn="l"/>
+          <a:r>
+            <a:rPr lang="fr-FR" sz="1600" dirty="0" smtClean="0"/>
+            <a:t>Solutions to </a:t>
+          </a:r>
+          <a:r>
+            <a:rPr lang="fr-FR" sz="1600" dirty="0" err="1" smtClean="0"/>
+            <a:t>bring</a:t>
+          </a:r>
+          <a:r>
+            <a:rPr lang="fr-FR" sz="1600" dirty="0" smtClean="0"/>
+            <a:t> to </a:t>
+          </a:r>
+          <a:r>
+            <a:rPr lang="fr-FR" sz="1600" dirty="0" err="1" smtClean="0"/>
+            <a:t>system’s</a:t>
+          </a:r>
+          <a:r>
+            <a:rPr lang="fr-FR" sz="1600" dirty="0" smtClean="0"/>
+            <a:t> </a:t>
+          </a:r>
+          <a:r>
+            <a:rPr lang="fr-FR" sz="1600" dirty="0" err="1" smtClean="0"/>
+            <a:t>requirements</a:t>
+          </a:r>
+          <a:endParaRPr lang="fr-FR" sz="1600" dirty="0"/>
+        </a:p>
+      </dgm:t>
+    </dgm:pt>
+    <dgm:pt modelId="{1B1BDADB-A07A-4BF8-B109-8C6A50FCA85D}" type="parTrans" cxnId="{27A5C3A7-FFEC-43DB-B588-ACAA917EC5C8}">
+      <dgm:prSet/>
+      <dgm:spPr/>
+      <dgm:t>
+        <a:bodyPr/>
+        <a:lstStyle/>
+        <a:p>
+          <a:endParaRPr lang="fr-FR"/>
+        </a:p>
+      </dgm:t>
+    </dgm:pt>
+    <dgm:pt modelId="{2E12EE24-BA26-4312-8130-60E8FCEDC966}" type="sibTrans" cxnId="{27A5C3A7-FFEC-43DB-B588-ACAA917EC5C8}">
+      <dgm:prSet/>
+      <dgm:spPr/>
+      <dgm:t>
+        <a:bodyPr/>
+        <a:lstStyle/>
+        <a:p>
+          <a:endParaRPr lang="fr-FR"/>
+        </a:p>
+      </dgm:t>
+    </dgm:pt>
+    <dgm:pt modelId="{F354600A-FA0F-41C5-BB41-5F47F1DD004C}">
+      <dgm:prSet custT="1"/>
+      <dgm:spPr/>
+      <dgm:t>
+        <a:bodyPr/>
+        <a:lstStyle/>
+        <a:p>
+          <a:pPr algn="l"/>
+          <a:r>
+            <a:rPr lang="fr-FR" sz="1600" dirty="0" err="1" smtClean="0"/>
+            <a:t>Understand</a:t>
+          </a:r>
+          <a:r>
+            <a:rPr lang="fr-FR" sz="1600" dirty="0" smtClean="0"/>
+            <a:t> the </a:t>
+          </a:r>
+          <a:r>
+            <a:rPr lang="fr-FR" sz="1600" dirty="0" err="1" smtClean="0"/>
+            <a:t>underlying</a:t>
+          </a:r>
+          <a:r>
+            <a:rPr lang="fr-FR" sz="1600" dirty="0" smtClean="0"/>
+            <a:t> </a:t>
+          </a:r>
+          <a:r>
+            <a:rPr lang="fr-FR" sz="1600" dirty="0" err="1" smtClean="0"/>
+            <a:t>problems</a:t>
+          </a:r>
+          <a:r>
+            <a:rPr lang="fr-FR" sz="1600" dirty="0" smtClean="0"/>
+            <a:t> </a:t>
+          </a:r>
+          <a:r>
+            <a:rPr lang="fr-FR" sz="1600" dirty="0" err="1" smtClean="0"/>
+            <a:t>before</a:t>
+          </a:r>
+          <a:r>
+            <a:rPr lang="fr-FR" sz="1600" dirty="0" smtClean="0"/>
+            <a:t> </a:t>
+          </a:r>
+          <a:r>
+            <a:rPr lang="fr-FR" sz="1600" dirty="0" err="1" smtClean="0"/>
+            <a:t>considering</a:t>
+          </a:r>
+          <a:r>
+            <a:rPr lang="fr-FR" sz="1600" dirty="0" smtClean="0"/>
+            <a:t> </a:t>
+          </a:r>
+          <a:r>
+            <a:rPr lang="fr-FR" sz="1600" dirty="0" err="1" smtClean="0"/>
+            <a:t>any</a:t>
+          </a:r>
+          <a:r>
+            <a:rPr lang="fr-FR" sz="1600" dirty="0" smtClean="0"/>
+            <a:t> </a:t>
+          </a:r>
+          <a:r>
+            <a:rPr lang="fr-FR" sz="1600" dirty="0" err="1" smtClean="0"/>
+            <a:t>specification</a:t>
+          </a:r>
+          <a:endParaRPr lang="fr-FR" sz="1600" dirty="0"/>
+        </a:p>
+      </dgm:t>
+    </dgm:pt>
+    <dgm:pt modelId="{5CC45C8D-1D11-4FE9-85C2-2E10B61F566B}" type="parTrans" cxnId="{10A24AD0-7A54-4679-9AA7-62D80A440BA7}">
+      <dgm:prSet/>
+      <dgm:spPr/>
+      <dgm:t>
+        <a:bodyPr/>
+        <a:lstStyle/>
+        <a:p>
+          <a:endParaRPr lang="fr-FR"/>
+        </a:p>
+      </dgm:t>
+    </dgm:pt>
+    <dgm:pt modelId="{B16D21DD-C17C-47F9-9D34-274541494D98}" type="sibTrans" cxnId="{10A24AD0-7A54-4679-9AA7-62D80A440BA7}">
+      <dgm:prSet/>
+      <dgm:spPr/>
+      <dgm:t>
+        <a:bodyPr/>
+        <a:lstStyle/>
+        <a:p>
+          <a:endParaRPr lang="fr-FR"/>
+        </a:p>
+      </dgm:t>
+    </dgm:pt>
+    <dgm:pt modelId="{5374C97F-BB9F-435F-A1D9-E5249B9981AF}" type="pres">
+      <dgm:prSet presAssocID="{A4CD16CE-6FF8-4F5B-AA56-6CB89BBB69F9}" presName="list" presStyleCnt="0">
+        <dgm:presLayoutVars>
+          <dgm:dir/>
+          <dgm:animLvl val="lvl"/>
+        </dgm:presLayoutVars>
+      </dgm:prSet>
+      <dgm:spPr/>
+      <dgm:t>
+        <a:bodyPr/>
+        <a:lstStyle/>
+        <a:p>
+          <a:endParaRPr lang="fr-FR"/>
+        </a:p>
+      </dgm:t>
+    </dgm:pt>
+    <dgm:pt modelId="{4306F6C7-F29A-44DE-BDEE-37BD6E8601F2}" type="pres">
+      <dgm:prSet presAssocID="{8D73F130-D4FE-4A3F-997E-91783F8E3C5A}" presName="posSpace" presStyleCnt="0"/>
+      <dgm:spPr/>
+    </dgm:pt>
+    <dgm:pt modelId="{DF24BEE9-57AA-491D-83C3-892959C63237}" type="pres">
+      <dgm:prSet presAssocID="{8D73F130-D4FE-4A3F-997E-91783F8E3C5A}" presName="vertFlow" presStyleCnt="0"/>
+      <dgm:spPr/>
+    </dgm:pt>
+    <dgm:pt modelId="{8D80059E-51C1-4499-89EA-CFB623FEEC83}" type="pres">
+      <dgm:prSet presAssocID="{8D73F130-D4FE-4A3F-997E-91783F8E3C5A}" presName="topSpace" presStyleCnt="0"/>
+      <dgm:spPr/>
+    </dgm:pt>
+    <dgm:pt modelId="{A6C1C392-D42D-4E08-AD5D-12D19F6BE3A5}" type="pres">
+      <dgm:prSet presAssocID="{8D73F130-D4FE-4A3F-997E-91783F8E3C5A}" presName="firstComp" presStyleCnt="0"/>
+      <dgm:spPr/>
+    </dgm:pt>
+    <dgm:pt modelId="{516ADAB7-51A2-475F-9B07-19C15A498B8B}" type="pres">
+      <dgm:prSet presAssocID="{8D73F130-D4FE-4A3F-997E-91783F8E3C5A}" presName="firstChild" presStyleLbl="bgAccFollowNode1" presStyleIdx="0" presStyleCnt="2" custScaleX="122562" custLinFactNeighborX="-21002" custLinFactNeighborY="-5252"/>
+      <dgm:spPr/>
+      <dgm:t>
+        <a:bodyPr/>
+        <a:lstStyle/>
+        <a:p>
+          <a:endParaRPr lang="fr-FR"/>
+        </a:p>
+      </dgm:t>
+    </dgm:pt>
+    <dgm:pt modelId="{BBE1B8DB-BA6E-42AB-84CC-21D3D717CF28}" type="pres">
+      <dgm:prSet presAssocID="{8D73F130-D4FE-4A3F-997E-91783F8E3C5A}" presName="firstChildTx" presStyleLbl="bgAccFollowNode1" presStyleIdx="0" presStyleCnt="2">
+        <dgm:presLayoutVars>
+          <dgm:bulletEnabled val="1"/>
+        </dgm:presLayoutVars>
+      </dgm:prSet>
+      <dgm:spPr/>
+      <dgm:t>
+        <a:bodyPr/>
+        <a:lstStyle/>
+        <a:p>
+          <a:endParaRPr lang="fr-FR"/>
+        </a:p>
+      </dgm:t>
+    </dgm:pt>
+    <dgm:pt modelId="{46B766BB-5F90-4531-BC0B-A8FED5DCA31C}" type="pres">
+      <dgm:prSet presAssocID="{8D73F130-D4FE-4A3F-997E-91783F8E3C5A}" presName="negSpace" presStyleCnt="0"/>
+      <dgm:spPr/>
+    </dgm:pt>
+    <dgm:pt modelId="{A5D57D14-3203-4073-944D-7AAE4755C0D5}" type="pres">
+      <dgm:prSet presAssocID="{8D73F130-D4FE-4A3F-997E-91783F8E3C5A}" presName="circle" presStyleLbl="node1" presStyleIdx="0" presStyleCnt="2" custLinFactNeighborX="91540" custLinFactNeighborY="-49406"/>
+      <dgm:spPr/>
+      <dgm:t>
+        <a:bodyPr/>
+        <a:lstStyle/>
+        <a:p>
+          <a:endParaRPr lang="fr-FR"/>
+        </a:p>
+      </dgm:t>
+    </dgm:pt>
+    <dgm:pt modelId="{33E89262-4EEB-4E17-98A5-CBB66FEFF288}" type="pres">
+      <dgm:prSet presAssocID="{63764104-D552-4B83-B394-ADE3D817BFA6}" presName="transSpace" presStyleCnt="0"/>
+      <dgm:spPr/>
+    </dgm:pt>
+    <dgm:pt modelId="{91F1B087-65DF-4EFE-8A8F-48758756D7D5}" type="pres">
+      <dgm:prSet presAssocID="{F81607D8-20A8-4A19-9734-B55244566E51}" presName="posSpace" presStyleCnt="0"/>
+      <dgm:spPr/>
+    </dgm:pt>
+    <dgm:pt modelId="{46E9CBAD-5591-4720-9DEB-209FE9846FC4}" type="pres">
+      <dgm:prSet presAssocID="{F81607D8-20A8-4A19-9734-B55244566E51}" presName="vertFlow" presStyleCnt="0"/>
+      <dgm:spPr/>
+    </dgm:pt>
+    <dgm:pt modelId="{4CB42BFA-27F7-4804-907B-97A1D7D6B741}" type="pres">
+      <dgm:prSet presAssocID="{F81607D8-20A8-4A19-9734-B55244566E51}" presName="topSpace" presStyleCnt="0"/>
+      <dgm:spPr/>
+    </dgm:pt>
+    <dgm:pt modelId="{7E880ED4-1C84-42A1-B1A3-99E10FDD0FC7}" type="pres">
+      <dgm:prSet presAssocID="{F81607D8-20A8-4A19-9734-B55244566E51}" presName="firstComp" presStyleCnt="0"/>
+      <dgm:spPr/>
+    </dgm:pt>
+    <dgm:pt modelId="{059821B1-0007-4BD2-8DF8-B0CE19FE433D}" type="pres">
+      <dgm:prSet presAssocID="{F81607D8-20A8-4A19-9734-B55244566E51}" presName="firstChild" presStyleLbl="bgAccFollowNode1" presStyleIdx="1" presStyleCnt="2" custScaleX="122688" custLinFactNeighborX="-3025" custLinFactNeighborY="-5252"/>
+      <dgm:spPr/>
+      <dgm:t>
+        <a:bodyPr/>
+        <a:lstStyle/>
+        <a:p>
+          <a:endParaRPr lang="fr-FR"/>
+        </a:p>
+      </dgm:t>
+    </dgm:pt>
+    <dgm:pt modelId="{6F2621B6-EE9B-4C67-B676-9DA2A381AB51}" type="pres">
+      <dgm:prSet presAssocID="{F81607D8-20A8-4A19-9734-B55244566E51}" presName="firstChildTx" presStyleLbl="bgAccFollowNode1" presStyleIdx="1" presStyleCnt="2">
+        <dgm:presLayoutVars>
+          <dgm:bulletEnabled val="1"/>
+        </dgm:presLayoutVars>
+      </dgm:prSet>
+      <dgm:spPr/>
+      <dgm:t>
+        <a:bodyPr/>
+        <a:lstStyle/>
+        <a:p>
+          <a:endParaRPr lang="fr-FR"/>
+        </a:p>
+      </dgm:t>
+    </dgm:pt>
+    <dgm:pt modelId="{2D6E1F3D-EFE1-4A05-A033-AF3525C0CB91}" type="pres">
+      <dgm:prSet presAssocID="{F81607D8-20A8-4A19-9734-B55244566E51}" presName="negSpace" presStyleCnt="0"/>
+      <dgm:spPr/>
+    </dgm:pt>
+    <dgm:pt modelId="{2E8A679C-8039-49E0-892C-C2D30B2F3D40}" type="pres">
+      <dgm:prSet presAssocID="{F81607D8-20A8-4A19-9734-B55244566E51}" presName="circle" presStyleLbl="node1" presStyleIdx="1" presStyleCnt="2" custLinFactNeighborX="-24353" custLinFactNeighborY="-49406"/>
+      <dgm:spPr/>
+      <dgm:t>
+        <a:bodyPr/>
+        <a:lstStyle/>
+        <a:p>
+          <a:endParaRPr lang="fr-FR"/>
+        </a:p>
+      </dgm:t>
+    </dgm:pt>
+  </dgm:ptLst>
+  <dgm:cxnLst>
+    <dgm:cxn modelId="{E18BF595-3687-45BC-A5D6-94634170F3C4}" type="presOf" srcId="{A4CD16CE-6FF8-4F5B-AA56-6CB89BBB69F9}" destId="{5374C97F-BB9F-435F-A1D9-E5249B9981AF}" srcOrd="0" destOrd="0" presId="urn:microsoft.com/office/officeart/2005/8/layout/hList9"/>
+    <dgm:cxn modelId="{52F81A1A-1771-4EB0-A5A2-6101A8D1E157}" srcId="{A4CD16CE-6FF8-4F5B-AA56-6CB89BBB69F9}" destId="{8D73F130-D4FE-4A3F-997E-91783F8E3C5A}" srcOrd="0" destOrd="0" parTransId="{8D55B929-D748-4020-9E50-F71AE1BF2180}" sibTransId="{63764104-D552-4B83-B394-ADE3D817BFA6}"/>
+    <dgm:cxn modelId="{C2AE079F-E677-46EA-B271-267DF46DF7DD}" srcId="{A4CD16CE-6FF8-4F5B-AA56-6CB89BBB69F9}" destId="{F81607D8-20A8-4A19-9734-B55244566E51}" srcOrd="1" destOrd="0" parTransId="{7ADCA484-D0D0-4850-AB77-532033927D0F}" sibTransId="{00B5D94F-4CF5-4537-BCFB-3CF754B77F10}"/>
+    <dgm:cxn modelId="{10A24AD0-7A54-4679-9AA7-62D80A440BA7}" srcId="{F81607D8-20A8-4A19-9734-B55244566E51}" destId="{F354600A-FA0F-41C5-BB41-5F47F1DD004C}" srcOrd="0" destOrd="0" parTransId="{5CC45C8D-1D11-4FE9-85C2-2E10B61F566B}" sibTransId="{B16D21DD-C17C-47F9-9D34-274541494D98}"/>
+    <dgm:cxn modelId="{1CBF82AB-BF7B-4B92-BDC3-30FB2E34505E}" type="presOf" srcId="{605D1FB5-210C-400A-84F5-CC35A8B043CD}" destId="{516ADAB7-51A2-475F-9B07-19C15A498B8B}" srcOrd="0" destOrd="0" presId="urn:microsoft.com/office/officeart/2005/8/layout/hList9"/>
+    <dgm:cxn modelId="{3458A928-9BA9-494A-BE54-33DE67BAA60E}" type="presOf" srcId="{F354600A-FA0F-41C5-BB41-5F47F1DD004C}" destId="{059821B1-0007-4BD2-8DF8-B0CE19FE433D}" srcOrd="0" destOrd="0" presId="urn:microsoft.com/office/officeart/2005/8/layout/hList9"/>
+    <dgm:cxn modelId="{BB2F6249-B04A-475E-8420-C32498D56A1C}" type="presOf" srcId="{8D73F130-D4FE-4A3F-997E-91783F8E3C5A}" destId="{A5D57D14-3203-4073-944D-7AAE4755C0D5}" srcOrd="0" destOrd="0" presId="urn:microsoft.com/office/officeart/2005/8/layout/hList9"/>
+    <dgm:cxn modelId="{18EE1485-D2E5-4AA7-AF35-BC0B2D5505EC}" type="presOf" srcId="{605D1FB5-210C-400A-84F5-CC35A8B043CD}" destId="{BBE1B8DB-BA6E-42AB-84CC-21D3D717CF28}" srcOrd="1" destOrd="0" presId="urn:microsoft.com/office/officeart/2005/8/layout/hList9"/>
+    <dgm:cxn modelId="{5F7A4614-3D5C-49AC-8F54-AE7718054F93}" type="presOf" srcId="{F354600A-FA0F-41C5-BB41-5F47F1DD004C}" destId="{6F2621B6-EE9B-4C67-B676-9DA2A381AB51}" srcOrd="1" destOrd="0" presId="urn:microsoft.com/office/officeart/2005/8/layout/hList9"/>
+    <dgm:cxn modelId="{27A5C3A7-FFEC-43DB-B588-ACAA917EC5C8}" srcId="{8D73F130-D4FE-4A3F-997E-91783F8E3C5A}" destId="{605D1FB5-210C-400A-84F5-CC35A8B043CD}" srcOrd="0" destOrd="0" parTransId="{1B1BDADB-A07A-4BF8-B109-8C6A50FCA85D}" sibTransId="{2E12EE24-BA26-4312-8130-60E8FCEDC966}"/>
+    <dgm:cxn modelId="{F2589879-376E-4214-97C2-32ED1D0B3340}" type="presOf" srcId="{F81607D8-20A8-4A19-9734-B55244566E51}" destId="{2E8A679C-8039-49E0-892C-C2D30B2F3D40}" srcOrd="0" destOrd="0" presId="urn:microsoft.com/office/officeart/2005/8/layout/hList9"/>
+    <dgm:cxn modelId="{7BDB378F-C8B4-44E9-AC0E-C305C211855D}" type="presParOf" srcId="{5374C97F-BB9F-435F-A1D9-E5249B9981AF}" destId="{4306F6C7-F29A-44DE-BDEE-37BD6E8601F2}" srcOrd="0" destOrd="0" presId="urn:microsoft.com/office/officeart/2005/8/layout/hList9"/>
+    <dgm:cxn modelId="{AA9706AF-FEAC-4884-8CFF-1451CC709BBB}" type="presParOf" srcId="{5374C97F-BB9F-435F-A1D9-E5249B9981AF}" destId="{DF24BEE9-57AA-491D-83C3-892959C63237}" srcOrd="1" destOrd="0" presId="urn:microsoft.com/office/officeart/2005/8/layout/hList9"/>
+    <dgm:cxn modelId="{D005810B-D4D1-4BBA-9B80-788F62AC3DDB}" type="presParOf" srcId="{DF24BEE9-57AA-491D-83C3-892959C63237}" destId="{8D80059E-51C1-4499-89EA-CFB623FEEC83}" srcOrd="0" destOrd="0" presId="urn:microsoft.com/office/officeart/2005/8/layout/hList9"/>
+    <dgm:cxn modelId="{F2AF27DC-4A2F-4611-98A0-9C45700D8845}" type="presParOf" srcId="{DF24BEE9-57AA-491D-83C3-892959C63237}" destId="{A6C1C392-D42D-4E08-AD5D-12D19F6BE3A5}" srcOrd="1" destOrd="0" presId="urn:microsoft.com/office/officeart/2005/8/layout/hList9"/>
+    <dgm:cxn modelId="{D9D345F8-FB2E-444D-8026-1F802B87F55C}" type="presParOf" srcId="{A6C1C392-D42D-4E08-AD5D-12D19F6BE3A5}" destId="{516ADAB7-51A2-475F-9B07-19C15A498B8B}" srcOrd="0" destOrd="0" presId="urn:microsoft.com/office/officeart/2005/8/layout/hList9"/>
+    <dgm:cxn modelId="{0FEF28E5-362C-4D89-898F-19E534314154}" type="presParOf" srcId="{A6C1C392-D42D-4E08-AD5D-12D19F6BE3A5}" destId="{BBE1B8DB-BA6E-42AB-84CC-21D3D717CF28}" srcOrd="1" destOrd="0" presId="urn:microsoft.com/office/officeart/2005/8/layout/hList9"/>
+    <dgm:cxn modelId="{B2F4E1A8-C8EE-4E7C-B754-F584042EAED4}" type="presParOf" srcId="{5374C97F-BB9F-435F-A1D9-E5249B9981AF}" destId="{46B766BB-5F90-4531-BC0B-A8FED5DCA31C}" srcOrd="2" destOrd="0" presId="urn:microsoft.com/office/officeart/2005/8/layout/hList9"/>
+    <dgm:cxn modelId="{458AD3E4-2948-48FD-B9C0-0C633053FD1A}" type="presParOf" srcId="{5374C97F-BB9F-435F-A1D9-E5249B9981AF}" destId="{A5D57D14-3203-4073-944D-7AAE4755C0D5}" srcOrd="3" destOrd="0" presId="urn:microsoft.com/office/officeart/2005/8/layout/hList9"/>
+    <dgm:cxn modelId="{809A8DA8-B00D-4F39-9CB2-B6D0118D85D5}" type="presParOf" srcId="{5374C97F-BB9F-435F-A1D9-E5249B9981AF}" destId="{33E89262-4EEB-4E17-98A5-CBB66FEFF288}" srcOrd="4" destOrd="0" presId="urn:microsoft.com/office/officeart/2005/8/layout/hList9"/>
+    <dgm:cxn modelId="{C08F87EB-A5B3-4310-A0B1-7EDC82D1DD0D}" type="presParOf" srcId="{5374C97F-BB9F-435F-A1D9-E5249B9981AF}" destId="{91F1B087-65DF-4EFE-8A8F-48758756D7D5}" srcOrd="5" destOrd="0" presId="urn:microsoft.com/office/officeart/2005/8/layout/hList9"/>
+    <dgm:cxn modelId="{3EA85F53-8AB4-421F-A4AE-A4B4D8AC3F77}" type="presParOf" srcId="{5374C97F-BB9F-435F-A1D9-E5249B9981AF}" destId="{46E9CBAD-5591-4720-9DEB-209FE9846FC4}" srcOrd="6" destOrd="0" presId="urn:microsoft.com/office/officeart/2005/8/layout/hList9"/>
+    <dgm:cxn modelId="{FCAAF66A-A163-4687-921B-7E13AFF701C8}" type="presParOf" srcId="{46E9CBAD-5591-4720-9DEB-209FE9846FC4}" destId="{4CB42BFA-27F7-4804-907B-97A1D7D6B741}" srcOrd="0" destOrd="0" presId="urn:microsoft.com/office/officeart/2005/8/layout/hList9"/>
+    <dgm:cxn modelId="{6D8B236C-0D21-447B-A274-2B45E70D1E37}" type="presParOf" srcId="{46E9CBAD-5591-4720-9DEB-209FE9846FC4}" destId="{7E880ED4-1C84-42A1-B1A3-99E10FDD0FC7}" srcOrd="1" destOrd="0" presId="urn:microsoft.com/office/officeart/2005/8/layout/hList9"/>
+    <dgm:cxn modelId="{115522C3-33CB-4949-A273-78D0DDB0FD60}" type="presParOf" srcId="{7E880ED4-1C84-42A1-B1A3-99E10FDD0FC7}" destId="{059821B1-0007-4BD2-8DF8-B0CE19FE433D}" srcOrd="0" destOrd="0" presId="urn:microsoft.com/office/officeart/2005/8/layout/hList9"/>
+    <dgm:cxn modelId="{FE7DDF0E-4168-448F-B888-47C108881663}" type="presParOf" srcId="{7E880ED4-1C84-42A1-B1A3-99E10FDD0FC7}" destId="{6F2621B6-EE9B-4C67-B676-9DA2A381AB51}" srcOrd="1" destOrd="0" presId="urn:microsoft.com/office/officeart/2005/8/layout/hList9"/>
+    <dgm:cxn modelId="{1900049B-1B48-4C20-B675-C6CF89A3108E}" type="presParOf" srcId="{5374C97F-BB9F-435F-A1D9-E5249B9981AF}" destId="{2D6E1F3D-EFE1-4A05-A033-AF3525C0CB91}" srcOrd="7" destOrd="0" presId="urn:microsoft.com/office/officeart/2005/8/layout/hList9"/>
+    <dgm:cxn modelId="{5655A495-A844-48F4-8F31-C7E92B2797F4}" type="presParOf" srcId="{5374C97F-BB9F-435F-A1D9-E5249B9981AF}" destId="{2E8A679C-8039-49E0-892C-C2D30B2F3D40}" srcOrd="8" destOrd="0" presId="urn:microsoft.com/office/officeart/2005/8/layout/hList9"/>
+  </dgm:cxnLst>
+  <dgm:bg/>
+  <dgm:whole/>
+  <dgm:extLst>
+    <a:ext uri="http://schemas.microsoft.com/office/drawing/2008/diagram">
+      <dsp:dataModelExt xmlns:dsp="http://schemas.microsoft.com/office/drawing/2008/diagram" relId="rId6" minVer="http://schemas.openxmlformats.org/drawingml/2006/diagram"/>
+    </a:ext>
+  </dgm:extLst>
+</dgm:dataModel>
+</file>
+
+<file path=ppt/diagrams/data2.xml><?xml version="1.0" encoding="utf-8"?>
+<dgm:dataModel xmlns:dgm="http://schemas.openxmlformats.org/drawingml/2006/diagram" xmlns:a="http://schemas.openxmlformats.org/drawingml/2006/main">
+  <dgm:ptLst>
+    <dgm:pt modelId="{9D494135-09CA-43EB-BFD9-20DB75AA542C}" type="doc">
+      <dgm:prSet loTypeId="urn:microsoft.com/office/officeart/2005/8/layout/hList3" loCatId="list" qsTypeId="urn:microsoft.com/office/officeart/2005/8/quickstyle/simple4" qsCatId="simple" csTypeId="urn:microsoft.com/office/officeart/2005/8/colors/accent6_1" csCatId="accent6" phldr="1"/>
+      <dgm:spPr/>
+      <dgm:t>
+        <a:bodyPr/>
+        <a:lstStyle/>
+        <a:p>
+          <a:endParaRPr lang="fr-FR"/>
+        </a:p>
+      </dgm:t>
+    </dgm:pt>
+    <dgm:pt modelId="{ACBE8AEB-35DB-410A-ADBF-310666E7673F}">
+      <dgm:prSet phldrT="[Text]"/>
+      <dgm:spPr/>
+      <dgm:t>
+        <a:bodyPr/>
+        <a:lstStyle/>
+        <a:p>
+          <a:r>
+            <a:rPr lang="fr-FR" dirty="0" smtClean="0"/>
+            <a:t>New aspects of </a:t>
+          </a:r>
+          <a:r>
+            <a:rPr lang="fr-FR" dirty="0" err="1" smtClean="0"/>
+            <a:t>requirements</a:t>
+          </a:r>
+          <a:r>
+            <a:rPr lang="fr-FR" dirty="0" smtClean="0"/>
+            <a:t> </a:t>
+          </a:r>
+          <a:r>
+            <a:rPr lang="fr-FR" dirty="0" err="1" smtClean="0"/>
+            <a:t>were</a:t>
+          </a:r>
+          <a:r>
+            <a:rPr lang="fr-FR" dirty="0" smtClean="0"/>
+            <a:t> </a:t>
+          </a:r>
+          <a:r>
+            <a:rPr lang="fr-FR" dirty="0" err="1" smtClean="0"/>
+            <a:t>emphasized</a:t>
+          </a:r>
+          <a:r>
+            <a:rPr lang="fr-FR" dirty="0" smtClean="0"/>
+            <a:t> </a:t>
+          </a:r>
+          <a:r>
+            <a:rPr lang="fr-FR" dirty="0" err="1" smtClean="0"/>
+            <a:t>using</a:t>
+          </a:r>
+          <a:r>
+            <a:rPr lang="fr-FR" dirty="0" smtClean="0"/>
+            <a:t> </a:t>
+          </a:r>
+          <a:r>
+            <a:rPr lang="fr-FR" dirty="0" err="1" smtClean="0"/>
+            <a:t>problem</a:t>
+          </a:r>
+          <a:r>
+            <a:rPr lang="fr-FR" dirty="0" smtClean="0"/>
+            <a:t> frames. </a:t>
+          </a:r>
+        </a:p>
+        <a:p>
+          <a:r>
+            <a:rPr lang="fr-FR" dirty="0" err="1" smtClean="0"/>
+            <a:t>Necessity</a:t>
+          </a:r>
+          <a:r>
+            <a:rPr lang="fr-FR" dirty="0" smtClean="0"/>
+            <a:t> of:</a:t>
+          </a:r>
+          <a:endParaRPr lang="fr-FR" dirty="0"/>
+        </a:p>
+      </dgm:t>
+    </dgm:pt>
+    <dgm:pt modelId="{1E35ABE8-2196-4DA1-8C90-7221860D6B0D}" type="parTrans" cxnId="{5782D883-7ABF-495F-9F16-D8ACB573A0EE}">
+      <dgm:prSet/>
+      <dgm:spPr/>
+      <dgm:t>
+        <a:bodyPr/>
+        <a:lstStyle/>
+        <a:p>
+          <a:endParaRPr lang="fr-FR"/>
+        </a:p>
+      </dgm:t>
+    </dgm:pt>
+    <dgm:pt modelId="{C6F29DB6-9F8E-4A11-8A71-6E071E0ADDEC}" type="sibTrans" cxnId="{5782D883-7ABF-495F-9F16-D8ACB573A0EE}">
+      <dgm:prSet/>
+      <dgm:spPr/>
+      <dgm:t>
+        <a:bodyPr/>
+        <a:lstStyle/>
+        <a:p>
+          <a:endParaRPr lang="fr-FR"/>
+        </a:p>
+      </dgm:t>
+    </dgm:pt>
+    <dgm:pt modelId="{5D0FFDA3-D15D-4CA2-8EFE-9EC8899DE1F5}">
+      <dgm:prSet phldrT="[Text]" custT="1"/>
+      <dgm:spPr/>
+      <dgm:t>
+        <a:bodyPr/>
+        <a:lstStyle/>
+        <a:p>
+          <a:r>
+            <a:rPr lang="fr-FR" sz="2000" dirty="0" err="1" smtClean="0"/>
+            <a:t>clearly</a:t>
+          </a:r>
+          <a:r>
+            <a:rPr lang="fr-FR" sz="2000" dirty="0" smtClean="0"/>
+            <a:t> </a:t>
+          </a:r>
+          <a:r>
+            <a:rPr lang="fr-FR" sz="2000" dirty="0" err="1" smtClean="0"/>
+            <a:t>defining</a:t>
+          </a:r>
+          <a:r>
+            <a:rPr lang="fr-FR" sz="2000" dirty="0" smtClean="0"/>
+            <a:t> </a:t>
+          </a:r>
+          <a:r>
+            <a:rPr lang="fr-FR" sz="2000" dirty="0" err="1" smtClean="0"/>
+            <a:t>which</a:t>
+          </a:r>
+          <a:r>
+            <a:rPr lang="fr-FR" sz="2000" dirty="0" smtClean="0"/>
+            <a:t> </a:t>
+          </a:r>
+          <a:r>
+            <a:rPr lang="fr-FR" sz="2000" dirty="0" err="1" smtClean="0"/>
+            <a:t>domains</a:t>
+          </a:r>
+          <a:r>
+            <a:rPr lang="fr-FR" sz="2000" dirty="0" smtClean="0"/>
+            <a:t> </a:t>
+          </a:r>
+          <a:r>
+            <a:rPr lang="fr-FR" sz="2000" dirty="0" err="1" smtClean="0"/>
+            <a:t>interact</a:t>
+          </a:r>
+          <a:r>
+            <a:rPr lang="fr-FR" sz="2000" dirty="0" smtClean="0"/>
+            <a:t> </a:t>
+          </a:r>
+          <a:r>
+            <a:rPr lang="fr-FR" sz="2000" dirty="0" err="1" smtClean="0"/>
+            <a:t>with</a:t>
+          </a:r>
+          <a:r>
+            <a:rPr lang="fr-FR" sz="2000" dirty="0" smtClean="0"/>
+            <a:t> the machine</a:t>
+          </a:r>
+          <a:endParaRPr lang="fr-FR" sz="2000" dirty="0"/>
+        </a:p>
+      </dgm:t>
+    </dgm:pt>
+    <dgm:pt modelId="{A3C5E0B0-61D6-4B14-923B-AE59DC3B303B}" type="parTrans" cxnId="{9470F95E-218E-46C8-AA4B-C00989CBD572}">
+      <dgm:prSet/>
+      <dgm:spPr/>
+      <dgm:t>
+        <a:bodyPr/>
+        <a:lstStyle/>
+        <a:p>
+          <a:endParaRPr lang="fr-FR"/>
+        </a:p>
+      </dgm:t>
+    </dgm:pt>
+    <dgm:pt modelId="{3B6787F9-15E3-4A84-8556-E58B129391CE}" type="sibTrans" cxnId="{9470F95E-218E-46C8-AA4B-C00989CBD572}">
+      <dgm:prSet/>
+      <dgm:spPr/>
+      <dgm:t>
+        <a:bodyPr/>
+        <a:lstStyle/>
+        <a:p>
+          <a:endParaRPr lang="fr-FR"/>
+        </a:p>
+      </dgm:t>
+    </dgm:pt>
+    <dgm:pt modelId="{E7D032B1-869F-46B7-AAC1-1906493EC5B4}">
+      <dgm:prSet phldrT="[Text]" custT="1"/>
+      <dgm:spPr/>
+      <dgm:t>
+        <a:bodyPr/>
+        <a:lstStyle/>
+        <a:p>
+          <a:r>
+            <a:rPr lang="fr-FR" sz="2000" dirty="0" err="1" smtClean="0"/>
+            <a:t>considering</a:t>
+          </a:r>
+          <a:r>
+            <a:rPr lang="fr-FR" sz="2000" dirty="0" smtClean="0"/>
+            <a:t> </a:t>
+          </a:r>
+          <a:r>
+            <a:rPr lang="fr-FR" sz="2000" dirty="0" err="1" smtClean="0"/>
+            <a:t>both</a:t>
+          </a:r>
+          <a:r>
+            <a:rPr lang="fr-FR" sz="2000" dirty="0" smtClean="0"/>
+            <a:t> data </a:t>
+          </a:r>
+          <a:r>
+            <a:rPr lang="fr-FR" sz="2000" dirty="0" err="1" smtClean="0"/>
+            <a:t>storage</a:t>
+          </a:r>
+          <a:r>
+            <a:rPr lang="fr-FR" sz="2000" dirty="0" smtClean="0"/>
+            <a:t>, </a:t>
+          </a:r>
+          <a:r>
+            <a:rPr lang="fr-FR" sz="2000" dirty="0" err="1" smtClean="0"/>
+            <a:t>processing</a:t>
+          </a:r>
+          <a:r>
+            <a:rPr lang="fr-FR" sz="2000" dirty="0" smtClean="0"/>
+            <a:t> and display</a:t>
+          </a:r>
+          <a:endParaRPr lang="fr-FR" sz="2000" dirty="0"/>
+        </a:p>
+      </dgm:t>
+    </dgm:pt>
+    <dgm:pt modelId="{172A57E4-5BDA-416B-A087-9DCD0CC43916}" type="parTrans" cxnId="{554533F8-4688-45C6-A101-B13B7DA5EE15}">
+      <dgm:prSet/>
+      <dgm:spPr/>
+      <dgm:t>
+        <a:bodyPr/>
+        <a:lstStyle/>
+        <a:p>
+          <a:endParaRPr lang="fr-FR"/>
+        </a:p>
+      </dgm:t>
+    </dgm:pt>
+    <dgm:pt modelId="{70BABF1A-F8CA-4CBF-BBA9-0251CC5284A6}" type="sibTrans" cxnId="{554533F8-4688-45C6-A101-B13B7DA5EE15}">
+      <dgm:prSet/>
+      <dgm:spPr/>
+      <dgm:t>
+        <a:bodyPr/>
+        <a:lstStyle/>
+        <a:p>
+          <a:endParaRPr lang="fr-FR"/>
+        </a:p>
+      </dgm:t>
+    </dgm:pt>
+    <dgm:pt modelId="{4365DE52-E75B-46CF-A8D4-AF910C52CA6B}">
+      <dgm:prSet phldrT="[Text]" custT="1"/>
+      <dgm:spPr/>
+      <dgm:t>
+        <a:bodyPr/>
+        <a:lstStyle/>
+        <a:p>
+          <a:r>
+            <a:rPr lang="fr-FR" sz="2000" dirty="0" err="1" smtClean="0"/>
+            <a:t>considering</a:t>
+          </a:r>
+          <a:r>
+            <a:rPr lang="fr-FR" sz="2000" dirty="0" smtClean="0"/>
+            <a:t> </a:t>
+          </a:r>
+          <a:r>
+            <a:rPr lang="fr-FR" sz="2000" dirty="0" err="1" smtClean="0"/>
+            <a:t>errors</a:t>
+          </a:r>
+          <a:r>
+            <a:rPr lang="fr-FR" sz="2000" dirty="0" smtClean="0"/>
+            <a:t> and exceptions in interactions</a:t>
+          </a:r>
+          <a:endParaRPr lang="fr-FR" sz="2000" dirty="0"/>
+        </a:p>
+      </dgm:t>
+    </dgm:pt>
+    <dgm:pt modelId="{1C7DE86A-33AB-4B0E-A01C-A0274405A7E0}" type="parTrans" cxnId="{1C367138-309B-4DC0-A5E4-ED5BF5BE92A3}">
+      <dgm:prSet/>
+      <dgm:spPr/>
+      <dgm:t>
+        <a:bodyPr/>
+        <a:lstStyle/>
+        <a:p>
+          <a:endParaRPr lang="fr-FR"/>
+        </a:p>
+      </dgm:t>
+    </dgm:pt>
+    <dgm:pt modelId="{1F7876FF-1296-47A3-9D0A-43540679CDE7}" type="sibTrans" cxnId="{1C367138-309B-4DC0-A5E4-ED5BF5BE92A3}">
+      <dgm:prSet/>
+      <dgm:spPr/>
+      <dgm:t>
+        <a:bodyPr/>
+        <a:lstStyle/>
+        <a:p>
+          <a:endParaRPr lang="fr-FR"/>
+        </a:p>
+      </dgm:t>
+    </dgm:pt>
+    <dgm:pt modelId="{E6657A53-48FF-420B-98E9-7F064B529D85}" type="pres">
+      <dgm:prSet presAssocID="{9D494135-09CA-43EB-BFD9-20DB75AA542C}" presName="composite" presStyleCnt="0">
+        <dgm:presLayoutVars>
+          <dgm:chMax val="1"/>
+          <dgm:dir/>
+          <dgm:resizeHandles val="exact"/>
+        </dgm:presLayoutVars>
+      </dgm:prSet>
+      <dgm:spPr/>
+      <dgm:t>
+        <a:bodyPr/>
+        <a:lstStyle/>
+        <a:p>
+          <a:endParaRPr lang="fr-FR"/>
+        </a:p>
+      </dgm:t>
+    </dgm:pt>
+    <dgm:pt modelId="{22A99387-A6D2-43E3-AF24-6FADF6F83837}" type="pres">
+      <dgm:prSet presAssocID="{ACBE8AEB-35DB-410A-ADBF-310666E7673F}" presName="roof" presStyleLbl="dkBgShp" presStyleIdx="0" presStyleCnt="2"/>
+      <dgm:spPr/>
+      <dgm:t>
+        <a:bodyPr/>
+        <a:lstStyle/>
+        <a:p>
+          <a:endParaRPr lang="fr-FR"/>
+        </a:p>
+      </dgm:t>
+    </dgm:pt>
+    <dgm:pt modelId="{7EEC38D5-F24F-4C37-9A58-F8B1A282CD14}" type="pres">
+      <dgm:prSet presAssocID="{ACBE8AEB-35DB-410A-ADBF-310666E7673F}" presName="pillars" presStyleCnt="0"/>
+      <dgm:spPr/>
+    </dgm:pt>
+    <dgm:pt modelId="{8241D08B-CB62-4962-9D9B-1D2183EA71DA}" type="pres">
+      <dgm:prSet presAssocID="{ACBE8AEB-35DB-410A-ADBF-310666E7673F}" presName="pillar1" presStyleLbl="node1" presStyleIdx="0" presStyleCnt="3">
+        <dgm:presLayoutVars>
+          <dgm:bulletEnabled val="1"/>
+        </dgm:presLayoutVars>
+      </dgm:prSet>
+      <dgm:spPr/>
+      <dgm:t>
+        <a:bodyPr/>
+        <a:lstStyle/>
+        <a:p>
+          <a:endParaRPr lang="fr-FR"/>
+        </a:p>
+      </dgm:t>
+    </dgm:pt>
+    <dgm:pt modelId="{36A69038-D135-4966-B855-369C1C83C96F}" type="pres">
+      <dgm:prSet presAssocID="{E7D032B1-869F-46B7-AAC1-1906493EC5B4}" presName="pillarX" presStyleLbl="node1" presStyleIdx="1" presStyleCnt="3">
+        <dgm:presLayoutVars>
+          <dgm:bulletEnabled val="1"/>
+        </dgm:presLayoutVars>
+      </dgm:prSet>
+      <dgm:spPr/>
+      <dgm:t>
+        <a:bodyPr/>
+        <a:lstStyle/>
+        <a:p>
+          <a:endParaRPr lang="fr-FR"/>
+        </a:p>
+      </dgm:t>
+    </dgm:pt>
+    <dgm:pt modelId="{C9068F78-E09E-4543-A698-C5622D67FE22}" type="pres">
+      <dgm:prSet presAssocID="{4365DE52-E75B-46CF-A8D4-AF910C52CA6B}" presName="pillarX" presStyleLbl="node1" presStyleIdx="2" presStyleCnt="3">
+        <dgm:presLayoutVars>
+          <dgm:bulletEnabled val="1"/>
+        </dgm:presLayoutVars>
+      </dgm:prSet>
+      <dgm:spPr/>
+      <dgm:t>
+        <a:bodyPr/>
+        <a:lstStyle/>
+        <a:p>
+          <a:endParaRPr lang="fr-FR"/>
+        </a:p>
+      </dgm:t>
+    </dgm:pt>
+    <dgm:pt modelId="{A1F39E40-4505-49AF-8063-5ABC118C2541}" type="pres">
+      <dgm:prSet presAssocID="{ACBE8AEB-35DB-410A-ADBF-310666E7673F}" presName="base" presStyleLbl="dkBgShp" presStyleIdx="1" presStyleCnt="2"/>
+      <dgm:spPr/>
+    </dgm:pt>
+  </dgm:ptLst>
+  <dgm:cxnLst>
+    <dgm:cxn modelId="{1C367138-309B-4DC0-A5E4-ED5BF5BE92A3}" srcId="{ACBE8AEB-35DB-410A-ADBF-310666E7673F}" destId="{4365DE52-E75B-46CF-A8D4-AF910C52CA6B}" srcOrd="2" destOrd="0" parTransId="{1C7DE86A-33AB-4B0E-A01C-A0274405A7E0}" sibTransId="{1F7876FF-1296-47A3-9D0A-43540679CDE7}"/>
+    <dgm:cxn modelId="{5782D883-7ABF-495F-9F16-D8ACB573A0EE}" srcId="{9D494135-09CA-43EB-BFD9-20DB75AA542C}" destId="{ACBE8AEB-35DB-410A-ADBF-310666E7673F}" srcOrd="0" destOrd="0" parTransId="{1E35ABE8-2196-4DA1-8C90-7221860D6B0D}" sibTransId="{C6F29DB6-9F8E-4A11-8A71-6E071E0ADDEC}"/>
+    <dgm:cxn modelId="{1243EC71-5E7D-4C79-8704-ECBB153E68A6}" type="presOf" srcId="{5D0FFDA3-D15D-4CA2-8EFE-9EC8899DE1F5}" destId="{8241D08B-CB62-4962-9D9B-1D2183EA71DA}" srcOrd="0" destOrd="0" presId="urn:microsoft.com/office/officeart/2005/8/layout/hList3"/>
+    <dgm:cxn modelId="{1ED252CA-507D-404C-82E8-B2351F233BEB}" type="presOf" srcId="{9D494135-09CA-43EB-BFD9-20DB75AA542C}" destId="{E6657A53-48FF-420B-98E9-7F064B529D85}" srcOrd="0" destOrd="0" presId="urn:microsoft.com/office/officeart/2005/8/layout/hList3"/>
+    <dgm:cxn modelId="{3764D938-70C6-4419-906F-AB46C2F234D9}" type="presOf" srcId="{E7D032B1-869F-46B7-AAC1-1906493EC5B4}" destId="{36A69038-D135-4966-B855-369C1C83C96F}" srcOrd="0" destOrd="0" presId="urn:microsoft.com/office/officeart/2005/8/layout/hList3"/>
+    <dgm:cxn modelId="{1DBCA53E-5181-4A8C-8FC4-CAC47AF9E584}" type="presOf" srcId="{4365DE52-E75B-46CF-A8D4-AF910C52CA6B}" destId="{C9068F78-E09E-4543-A698-C5622D67FE22}" srcOrd="0" destOrd="0" presId="urn:microsoft.com/office/officeart/2005/8/layout/hList3"/>
+    <dgm:cxn modelId="{554533F8-4688-45C6-A101-B13B7DA5EE15}" srcId="{ACBE8AEB-35DB-410A-ADBF-310666E7673F}" destId="{E7D032B1-869F-46B7-AAC1-1906493EC5B4}" srcOrd="1" destOrd="0" parTransId="{172A57E4-5BDA-416B-A087-9DCD0CC43916}" sibTransId="{70BABF1A-F8CA-4CBF-BBA9-0251CC5284A6}"/>
+    <dgm:cxn modelId="{D0830010-8404-4079-8A87-B903D6175051}" type="presOf" srcId="{ACBE8AEB-35DB-410A-ADBF-310666E7673F}" destId="{22A99387-A6D2-43E3-AF24-6FADF6F83837}" srcOrd="0" destOrd="0" presId="urn:microsoft.com/office/officeart/2005/8/layout/hList3"/>
+    <dgm:cxn modelId="{9470F95E-218E-46C8-AA4B-C00989CBD572}" srcId="{ACBE8AEB-35DB-410A-ADBF-310666E7673F}" destId="{5D0FFDA3-D15D-4CA2-8EFE-9EC8899DE1F5}" srcOrd="0" destOrd="0" parTransId="{A3C5E0B0-61D6-4B14-923B-AE59DC3B303B}" sibTransId="{3B6787F9-15E3-4A84-8556-E58B129391CE}"/>
+    <dgm:cxn modelId="{EA499AF1-251E-4BB4-A9CD-2C3B2E72C5AD}" type="presParOf" srcId="{E6657A53-48FF-420B-98E9-7F064B529D85}" destId="{22A99387-A6D2-43E3-AF24-6FADF6F83837}" srcOrd="0" destOrd="0" presId="urn:microsoft.com/office/officeart/2005/8/layout/hList3"/>
+    <dgm:cxn modelId="{47B6DF35-E158-4379-8EE6-8F620371B5B2}" type="presParOf" srcId="{E6657A53-48FF-420B-98E9-7F064B529D85}" destId="{7EEC38D5-F24F-4C37-9A58-F8B1A282CD14}" srcOrd="1" destOrd="0" presId="urn:microsoft.com/office/officeart/2005/8/layout/hList3"/>
+    <dgm:cxn modelId="{68629683-FB1C-4502-8D24-1477364C5740}" type="presParOf" srcId="{7EEC38D5-F24F-4C37-9A58-F8B1A282CD14}" destId="{8241D08B-CB62-4962-9D9B-1D2183EA71DA}" srcOrd="0" destOrd="0" presId="urn:microsoft.com/office/officeart/2005/8/layout/hList3"/>
+    <dgm:cxn modelId="{8CE42F5A-141C-498C-B9A2-3F221EA8EF80}" type="presParOf" srcId="{7EEC38D5-F24F-4C37-9A58-F8B1A282CD14}" destId="{36A69038-D135-4966-B855-369C1C83C96F}" srcOrd="1" destOrd="0" presId="urn:microsoft.com/office/officeart/2005/8/layout/hList3"/>
+    <dgm:cxn modelId="{AA5FE778-DD1E-4070-8DB8-BF89AC6049B3}" type="presParOf" srcId="{7EEC38D5-F24F-4C37-9A58-F8B1A282CD14}" destId="{C9068F78-E09E-4543-A698-C5622D67FE22}" srcOrd="2" destOrd="0" presId="urn:microsoft.com/office/officeart/2005/8/layout/hList3"/>
+    <dgm:cxn modelId="{35BACD23-F8E7-47A0-A261-7C8645A6F049}" type="presParOf" srcId="{E6657A53-48FF-420B-98E9-7F064B529D85}" destId="{A1F39E40-4505-49AF-8063-5ABC118C2541}" srcOrd="2" destOrd="0" presId="urn:microsoft.com/office/officeart/2005/8/layout/hList3"/>
+  </dgm:cxnLst>
+  <dgm:bg/>
+  <dgm:whole/>
+  <dgm:extLst>
+    <a:ext uri="http://schemas.microsoft.com/office/drawing/2008/diagram">
+      <dsp:dataModelExt xmlns:dsp="http://schemas.microsoft.com/office/drawing/2008/diagram" relId="rId6" minVer="http://schemas.openxmlformats.org/drawingml/2006/diagram"/>
+    </a:ext>
+  </dgm:extLst>
+</dgm:dataModel>
+</file>
+
+<file path=ppt/diagrams/drawing1.xml><?xml version="1.0" encoding="utf-8"?>
+<dsp:drawing xmlns:dgm="http://schemas.openxmlformats.org/drawingml/2006/diagram" xmlns:dsp="http://schemas.microsoft.com/office/drawing/2008/diagram" xmlns:a="http://schemas.openxmlformats.org/drawingml/2006/main">
+  <dsp:spTree>
+    <dsp:nvGrpSpPr>
+      <dsp:cNvPr id="0" name=""/>
+      <dsp:cNvGrpSpPr/>
+    </dsp:nvGrpSpPr>
+    <dsp:grpSpPr/>
+    <dsp:sp modelId="{516ADAB7-51A2-475F-9B07-19C15A498B8B}">
+      <dsp:nvSpPr>
+        <dsp:cNvPr id="0" name=""/>
+        <dsp:cNvSpPr/>
+      </dsp:nvSpPr>
+      <dsp:spPr>
+        <a:xfrm>
+          <a:off x="0" y="1639780"/>
+          <a:ext cx="2505004" cy="1112301"/>
+        </a:xfrm>
+        <a:prstGeom prst="rect">
+          <a:avLst/>
+        </a:prstGeom>
+        <a:solidFill>
+          <a:schemeClr val="lt1">
+            <a:alpha val="90000"/>
+            <a:tint val="40000"/>
+            <a:hueOff val="0"/>
+            <a:satOff val="0"/>
+            <a:lumOff val="0"/>
+            <a:alphaOff val="0"/>
+          </a:schemeClr>
+        </a:solidFill>
+        <a:ln w="9525" cap="flat" cmpd="sng" algn="ctr">
+          <a:solidFill>
+            <a:schemeClr val="accent6">
+              <a:alpha val="90000"/>
+              <a:hueOff val="0"/>
+              <a:satOff val="0"/>
+              <a:lumOff val="0"/>
+              <a:alphaOff val="0"/>
+            </a:schemeClr>
+          </a:solidFill>
+          <a:prstDash val="solid"/>
+        </a:ln>
+        <a:effectLst>
+          <a:outerShdw blurRad="65500" dist="38100" dir="5400000" rotWithShape="0">
+            <a:srgbClr xmlns:mc="http://schemas.openxmlformats.org/markup-compatibility/2006" xmlns:a14="http://schemas.microsoft.com/office/drawing/2007/7/7/main" val="000000" mc:Ignorable="">
+              <a:alpha val="40000"/>
+            </a:srgbClr>
+          </a:outerShdw>
+        </a:effectLst>
+      </dsp:spPr>
+      <dsp:style>
+        <a:lnRef idx="1">
+          <a:scrgbClr r="0" g="0" b="0"/>
+        </a:lnRef>
+        <a:fillRef idx="1">
+          <a:scrgbClr r="0" g="0" b="0"/>
+        </a:fillRef>
+        <a:effectRef idx="2">
+          <a:scrgbClr r="0" g="0" b="0"/>
+        </a:effectRef>
+        <a:fontRef idx="minor"/>
+      </dsp:style>
+      <dsp:txBody>
+        <a:bodyPr spcFirstLastPara="0" vert="horz" wrap="square" lIns="0" tIns="113792" rIns="113792" bIns="113792" numCol="1" spcCol="1270" anchor="ctr" anchorCtr="0">
+          <a:noAutofit/>
+        </a:bodyPr>
+        <a:lstStyle/>
+        <a:p>
+          <a:pPr lvl="0" algn="l" defTabSz="711200">
+            <a:lnSpc>
+              <a:spcPct val="90000"/>
+            </a:lnSpc>
+            <a:spcBef>
+              <a:spcPct val="0"/>
+            </a:spcBef>
+            <a:spcAft>
+              <a:spcPct val="35000"/>
+            </a:spcAft>
+          </a:pPr>
+          <a:r>
+            <a:rPr lang="fr-FR" sz="1600" kern="1200" dirty="0" smtClean="0"/>
+            <a:t>Solutions to </a:t>
+          </a:r>
+          <a:r>
+            <a:rPr lang="fr-FR" sz="1600" kern="1200" dirty="0" err="1" smtClean="0"/>
+            <a:t>bring</a:t>
+          </a:r>
+          <a:r>
+            <a:rPr lang="fr-FR" sz="1600" kern="1200" dirty="0" smtClean="0"/>
+            <a:t> to </a:t>
+          </a:r>
+          <a:r>
+            <a:rPr lang="fr-FR" sz="1600" kern="1200" dirty="0" err="1" smtClean="0"/>
+            <a:t>system’s</a:t>
+          </a:r>
+          <a:r>
+            <a:rPr lang="fr-FR" sz="1600" kern="1200" dirty="0" smtClean="0"/>
+            <a:t> </a:t>
+          </a:r>
+          <a:r>
+            <a:rPr lang="fr-FR" sz="1600" kern="1200" dirty="0" err="1" smtClean="0"/>
+            <a:t>requirements</a:t>
+          </a:r>
+          <a:endParaRPr lang="fr-FR" sz="1600" kern="1200" dirty="0"/>
+        </a:p>
+      </dsp:txBody>
+      <dsp:txXfrm>
+        <a:off x="400800" y="1639780"/>
+        <a:ext cx="2104203" cy="1112301"/>
+      </dsp:txXfrm>
+    </dsp:sp>
+    <dsp:sp modelId="{A5D57D14-3203-4073-944D-7AAE4755C0D5}">
+      <dsp:nvSpPr>
+        <dsp:cNvPr id="0" name=""/>
+        <dsp:cNvSpPr/>
+      </dsp:nvSpPr>
+      <dsp:spPr>
+        <a:xfrm>
+          <a:off x="1903771" y="704230"/>
+          <a:ext cx="1111746" cy="1111746"/>
+        </a:xfrm>
+        <a:prstGeom prst="ellipse">
+          <a:avLst/>
+        </a:prstGeom>
+        <a:gradFill rotWithShape="0">
+          <a:gsLst>
+            <a:gs pos="0">
+              <a:schemeClr val="lt1">
+                <a:hueOff val="0"/>
+                <a:satOff val="0"/>
+                <a:lumOff val="0"/>
+                <a:alphaOff val="0"/>
+                <a:shade val="45000"/>
+                <a:satMod val="155000"/>
+              </a:schemeClr>
+            </a:gs>
+            <a:gs pos="60000">
+              <a:schemeClr val="lt1">
+                <a:hueOff val="0"/>
+                <a:satOff val="0"/>
+                <a:lumOff val="0"/>
+                <a:alphaOff val="0"/>
+                <a:shade val="95000"/>
+                <a:satMod val="150000"/>
+              </a:schemeClr>
+            </a:gs>
+            <a:gs pos="100000">
+              <a:schemeClr val="lt1">
+                <a:hueOff val="0"/>
+                <a:satOff val="0"/>
+                <a:lumOff val="0"/>
+                <a:alphaOff val="0"/>
+                <a:tint val="87000"/>
+                <a:satMod val="250000"/>
+              </a:schemeClr>
+            </a:gs>
+          </a:gsLst>
+          <a:lin ang="16200000" scaled="0"/>
+        </a:gradFill>
+        <a:ln>
+          <a:noFill/>
+        </a:ln>
+        <a:effectLst>
+          <a:outerShdw blurRad="65500" dist="38100" dir="5400000" rotWithShape="0">
+            <a:srgbClr xmlns:mc="http://schemas.openxmlformats.org/markup-compatibility/2006" xmlns:a14="http://schemas.microsoft.com/office/drawing/2007/7/7/main" val="000000" mc:Ignorable="">
+              <a:alpha val="40000"/>
+            </a:srgbClr>
+          </a:outerShdw>
+        </a:effectLst>
+        <a:scene3d>
+          <a:camera prst="orthographicFront" fov="0">
+            <a:rot lat="0" lon="0" rev="0"/>
+          </a:camera>
+          <a:lightRig rig="contrasting" dir="t">
+            <a:rot lat="0" lon="0" rev="12000000"/>
+          </a:lightRig>
+        </a:scene3d>
+        <a:sp3d prstMaterial="powder">
+          <a:bevelT h="50800"/>
+        </a:sp3d>
+      </dsp:spPr>
+      <dsp:style>
+        <a:lnRef idx="0">
+          <a:scrgbClr r="0" g="0" b="0"/>
+        </a:lnRef>
+        <a:fillRef idx="3">
+          <a:scrgbClr r="0" g="0" b="0"/>
+        </a:fillRef>
+        <a:effectRef idx="3">
+          <a:scrgbClr r="0" g="0" b="0"/>
+        </a:effectRef>
+        <a:fontRef idx="minor">
+          <a:schemeClr val="lt1"/>
+        </a:fontRef>
+      </dsp:style>
+      <dsp:txBody>
+        <a:bodyPr spcFirstLastPara="0" vert="horz" wrap="square" lIns="0" tIns="0" rIns="0" bIns="0" numCol="1" spcCol="1270" anchor="ctr" anchorCtr="0">
+          <a:noAutofit/>
+        </a:bodyPr>
+        <a:lstStyle/>
+        <a:p>
+          <a:pPr lvl="0" algn="ctr" defTabSz="755650">
+            <a:lnSpc>
+              <a:spcPct val="90000"/>
+            </a:lnSpc>
+            <a:spcBef>
+              <a:spcPct val="0"/>
+            </a:spcBef>
+            <a:spcAft>
+              <a:spcPct val="35000"/>
+            </a:spcAft>
+          </a:pPr>
+          <a:r>
+            <a:rPr lang="fr-FR" sz="1700" b="1" kern="1200" dirty="0" smtClean="0"/>
+            <a:t>UML design</a:t>
+          </a:r>
+          <a:endParaRPr lang="fr-FR" sz="1700" b="1" kern="1200" dirty="0"/>
+        </a:p>
+      </dsp:txBody>
+      <dsp:txXfrm>
+        <a:off x="2066582" y="867041"/>
+        <a:ext cx="786124" cy="786124"/>
+      </dsp:txXfrm>
+    </dsp:sp>
+    <dsp:sp modelId="{059821B1-0007-4BD2-8DF8-B0CE19FE433D}">
+      <dsp:nvSpPr>
+        <dsp:cNvPr id="0" name=""/>
+        <dsp:cNvSpPr/>
+      </dsp:nvSpPr>
+      <dsp:spPr>
+        <a:xfrm>
+          <a:off x="3984104" y="1639780"/>
+          <a:ext cx="2510157" cy="1112301"/>
+        </a:xfrm>
+        <a:prstGeom prst="rect">
+          <a:avLst/>
+        </a:prstGeom>
+        <a:solidFill>
+          <a:schemeClr val="lt1">
+            <a:alpha val="90000"/>
+            <a:tint val="40000"/>
+            <a:hueOff val="0"/>
+            <a:satOff val="0"/>
+            <a:lumOff val="0"/>
+            <a:alphaOff val="0"/>
+          </a:schemeClr>
+        </a:solidFill>
+        <a:ln w="9525" cap="flat" cmpd="sng" algn="ctr">
+          <a:solidFill>
+            <a:schemeClr val="accent6">
+              <a:alpha val="90000"/>
+              <a:hueOff val="0"/>
+              <a:satOff val="0"/>
+              <a:lumOff val="0"/>
+              <a:alphaOff val="0"/>
+            </a:schemeClr>
+          </a:solidFill>
+          <a:prstDash val="solid"/>
+        </a:ln>
+        <a:effectLst>
+          <a:outerShdw blurRad="65500" dist="38100" dir="5400000" rotWithShape="0">
+            <a:srgbClr xmlns:mc="http://schemas.openxmlformats.org/markup-compatibility/2006" xmlns:a14="http://schemas.microsoft.com/office/drawing/2007/7/7/main" val="000000" mc:Ignorable="">
+              <a:alpha val="40000"/>
+            </a:srgbClr>
+          </a:outerShdw>
+        </a:effectLst>
+      </dsp:spPr>
+      <dsp:style>
+        <a:lnRef idx="1">
+          <a:scrgbClr r="0" g="0" b="0"/>
+        </a:lnRef>
+        <a:fillRef idx="1">
+          <a:scrgbClr r="0" g="0" b="0"/>
+        </a:fillRef>
+        <a:effectRef idx="2">
+          <a:scrgbClr r="0" g="0" b="0"/>
+        </a:effectRef>
+        <a:fontRef idx="minor"/>
+      </dsp:style>
+      <dsp:txBody>
+        <a:bodyPr spcFirstLastPara="0" vert="horz" wrap="square" lIns="0" tIns="113792" rIns="113792" bIns="113792" numCol="1" spcCol="1270" anchor="ctr" anchorCtr="0">
+          <a:noAutofit/>
+        </a:bodyPr>
+        <a:lstStyle/>
+        <a:p>
+          <a:pPr lvl="0" algn="l" defTabSz="711200">
+            <a:lnSpc>
+              <a:spcPct val="90000"/>
+            </a:lnSpc>
+            <a:spcBef>
+              <a:spcPct val="0"/>
+            </a:spcBef>
+            <a:spcAft>
+              <a:spcPct val="35000"/>
+            </a:spcAft>
+          </a:pPr>
+          <a:r>
+            <a:rPr lang="fr-FR" sz="1600" kern="1200" dirty="0" err="1" smtClean="0"/>
+            <a:t>Understand</a:t>
+          </a:r>
+          <a:r>
+            <a:rPr lang="fr-FR" sz="1600" kern="1200" dirty="0" smtClean="0"/>
+            <a:t> the </a:t>
+          </a:r>
+          <a:r>
+            <a:rPr lang="fr-FR" sz="1600" kern="1200" dirty="0" err="1" smtClean="0"/>
+            <a:t>underlying</a:t>
+          </a:r>
+          <a:r>
+            <a:rPr lang="fr-FR" sz="1600" kern="1200" dirty="0" smtClean="0"/>
+            <a:t> </a:t>
+          </a:r>
+          <a:r>
+            <a:rPr lang="fr-FR" sz="1600" kern="1200" dirty="0" err="1" smtClean="0"/>
+            <a:t>problems</a:t>
+          </a:r>
+          <a:r>
+            <a:rPr lang="fr-FR" sz="1600" kern="1200" dirty="0" smtClean="0"/>
+            <a:t> </a:t>
+          </a:r>
+          <a:r>
+            <a:rPr lang="fr-FR" sz="1600" kern="1200" dirty="0" err="1" smtClean="0"/>
+            <a:t>before</a:t>
+          </a:r>
+          <a:r>
+            <a:rPr lang="fr-FR" sz="1600" kern="1200" dirty="0" smtClean="0"/>
+            <a:t> </a:t>
+          </a:r>
+          <a:r>
+            <a:rPr lang="fr-FR" sz="1600" kern="1200" dirty="0" err="1" smtClean="0"/>
+            <a:t>considering</a:t>
+          </a:r>
+          <a:r>
+            <a:rPr lang="fr-FR" sz="1600" kern="1200" dirty="0" smtClean="0"/>
+            <a:t> </a:t>
+          </a:r>
+          <a:r>
+            <a:rPr lang="fr-FR" sz="1600" kern="1200" dirty="0" err="1" smtClean="0"/>
+            <a:t>any</a:t>
+          </a:r>
+          <a:r>
+            <a:rPr lang="fr-FR" sz="1600" kern="1200" dirty="0" smtClean="0"/>
+            <a:t> </a:t>
+          </a:r>
+          <a:r>
+            <a:rPr lang="fr-FR" sz="1600" kern="1200" dirty="0" err="1" smtClean="0"/>
+            <a:t>specification</a:t>
+          </a:r>
+          <a:endParaRPr lang="fr-FR" sz="1600" kern="1200" dirty="0"/>
+        </a:p>
+      </dsp:txBody>
+      <dsp:txXfrm>
+        <a:off x="4385729" y="1639780"/>
+        <a:ext cx="2108532" cy="1112301"/>
+      </dsp:txXfrm>
+    </dsp:sp>
+    <dsp:sp modelId="{2E8A679C-8039-49E0-892C-C2D30B2F3D40}">
+      <dsp:nvSpPr>
+        <dsp:cNvPr id="0" name=""/>
+        <dsp:cNvSpPr/>
+      </dsp:nvSpPr>
+      <dsp:spPr>
+        <a:xfrm>
+          <a:off x="3376426" y="704230"/>
+          <a:ext cx="1111746" cy="1111746"/>
+        </a:xfrm>
+        <a:prstGeom prst="ellipse">
+          <a:avLst/>
+        </a:prstGeom>
+        <a:gradFill rotWithShape="0">
+          <a:gsLst>
+            <a:gs pos="0">
+              <a:schemeClr val="lt1">
+                <a:hueOff val="0"/>
+                <a:satOff val="0"/>
+                <a:lumOff val="0"/>
+                <a:alphaOff val="0"/>
+                <a:shade val="45000"/>
+                <a:satMod val="155000"/>
+              </a:schemeClr>
+            </a:gs>
+            <a:gs pos="60000">
+              <a:schemeClr val="lt1">
+                <a:hueOff val="0"/>
+                <a:satOff val="0"/>
+                <a:lumOff val="0"/>
+                <a:alphaOff val="0"/>
+                <a:shade val="95000"/>
+                <a:satMod val="150000"/>
+              </a:schemeClr>
+            </a:gs>
+            <a:gs pos="100000">
+              <a:schemeClr val="lt1">
+                <a:hueOff val="0"/>
+                <a:satOff val="0"/>
+                <a:lumOff val="0"/>
+                <a:alphaOff val="0"/>
+                <a:tint val="87000"/>
+                <a:satMod val="250000"/>
+              </a:schemeClr>
+            </a:gs>
+          </a:gsLst>
+          <a:lin ang="16200000" scaled="0"/>
+        </a:gradFill>
+        <a:ln>
+          <a:noFill/>
+        </a:ln>
+        <a:effectLst>
+          <a:outerShdw blurRad="65500" dist="38100" dir="5400000" rotWithShape="0">
+            <a:srgbClr xmlns:mc="http://schemas.openxmlformats.org/markup-compatibility/2006" xmlns:a14="http://schemas.microsoft.com/office/drawing/2007/7/7/main" val="000000" mc:Ignorable="">
+              <a:alpha val="40000"/>
+            </a:srgbClr>
+          </a:outerShdw>
+        </a:effectLst>
+        <a:scene3d>
+          <a:camera prst="orthographicFront" fov="0">
+            <a:rot lat="0" lon="0" rev="0"/>
+          </a:camera>
+          <a:lightRig rig="contrasting" dir="t">
+            <a:rot lat="0" lon="0" rev="12000000"/>
+          </a:lightRig>
+        </a:scene3d>
+        <a:sp3d prstMaterial="powder">
+          <a:bevelT h="50800"/>
+        </a:sp3d>
+      </dsp:spPr>
+      <dsp:style>
+        <a:lnRef idx="0">
+          <a:scrgbClr r="0" g="0" b="0"/>
+        </a:lnRef>
+        <a:fillRef idx="3">
+          <a:scrgbClr r="0" g="0" b="0"/>
+        </a:fillRef>
+        <a:effectRef idx="3">
+          <a:scrgbClr r="0" g="0" b="0"/>
+        </a:effectRef>
+        <a:fontRef idx="minor">
+          <a:schemeClr val="lt1"/>
+        </a:fontRef>
+      </dsp:style>
+      <dsp:txBody>
+        <a:bodyPr spcFirstLastPara="0" vert="horz" wrap="square" lIns="0" tIns="0" rIns="0" bIns="0" numCol="1" spcCol="1270" anchor="ctr" anchorCtr="0">
+          <a:noAutofit/>
+        </a:bodyPr>
+        <a:lstStyle/>
+        <a:p>
+          <a:pPr lvl="0" algn="ctr" defTabSz="755650">
+            <a:lnSpc>
+              <a:spcPct val="90000"/>
+            </a:lnSpc>
+            <a:spcBef>
+              <a:spcPct val="0"/>
+            </a:spcBef>
+            <a:spcAft>
+              <a:spcPct val="35000"/>
+            </a:spcAft>
+          </a:pPr>
+          <a:r>
+            <a:rPr lang="fr-FR" sz="1700" b="1" kern="1200" dirty="0" err="1" smtClean="0"/>
+            <a:t>Problem</a:t>
+          </a:r>
+          <a:r>
+            <a:rPr lang="fr-FR" sz="1700" b="1" kern="1200" dirty="0" smtClean="0"/>
+            <a:t> frames</a:t>
+          </a:r>
+          <a:endParaRPr lang="fr-FR" sz="1700" b="1" kern="1200" dirty="0"/>
+        </a:p>
+      </dsp:txBody>
+      <dsp:txXfrm>
+        <a:off x="3539237" y="867041"/>
+        <a:ext cx="786124" cy="786124"/>
+      </dsp:txXfrm>
+    </dsp:sp>
+  </dsp:spTree>
+</dsp:drawing>
+</file>
+
+<file path=ppt/diagrams/drawing2.xml><?xml version="1.0" encoding="utf-8"?>
+<dsp:drawing xmlns:dgm="http://schemas.openxmlformats.org/drawingml/2006/diagram" xmlns:dsp="http://schemas.microsoft.com/office/drawing/2008/diagram" xmlns:a="http://schemas.openxmlformats.org/drawingml/2006/main">
+  <dsp:spTree>
+    <dsp:nvGrpSpPr>
+      <dsp:cNvPr id="0" name=""/>
+      <dsp:cNvGrpSpPr/>
+    </dsp:nvGrpSpPr>
+    <dsp:grpSpPr/>
+    <dsp:sp modelId="{22A99387-A6D2-43E3-AF24-6FADF6F83837}">
+      <dsp:nvSpPr>
+        <dsp:cNvPr id="0" name=""/>
+        <dsp:cNvSpPr/>
+      </dsp:nvSpPr>
+      <dsp:spPr>
+        <a:xfrm>
+          <a:off x="0" y="0"/>
+          <a:ext cx="7227123" cy="1445424"/>
+        </a:xfrm>
+        <a:prstGeom prst="rect">
+          <a:avLst/>
+        </a:prstGeom>
+        <a:solidFill>
+          <a:schemeClr val="accent6">
+            <a:shade val="80000"/>
+            <a:hueOff val="0"/>
+            <a:satOff val="0"/>
+            <a:lumOff val="0"/>
+            <a:alphaOff val="0"/>
+          </a:schemeClr>
+        </a:solidFill>
+        <a:ln>
+          <a:noFill/>
+        </a:ln>
+        <a:effectLst>
+          <a:outerShdw blurRad="65500" dist="38100" dir="5400000" rotWithShape="0">
+            <a:srgbClr xmlns:mc="http://schemas.openxmlformats.org/markup-compatibility/2006" xmlns:a14="http://schemas.microsoft.com/office/drawing/2007/7/7/main" val="000000" mc:Ignorable="">
+              <a:alpha val="40000"/>
+            </a:srgbClr>
+          </a:outerShdw>
+        </a:effectLst>
+      </dsp:spPr>
+      <dsp:style>
+        <a:lnRef idx="0">
+          <a:scrgbClr r="0" g="0" b="0"/>
+        </a:lnRef>
+        <a:fillRef idx="1">
+          <a:scrgbClr r="0" g="0" b="0"/>
+        </a:fillRef>
+        <a:effectRef idx="2">
+          <a:scrgbClr r="0" g="0" b="0"/>
+        </a:effectRef>
+        <a:fontRef idx="minor"/>
+      </dsp:style>
+      <dsp:txBody>
+        <a:bodyPr spcFirstLastPara="0" vert="horz" wrap="square" lIns="99060" tIns="99060" rIns="99060" bIns="99060" numCol="1" spcCol="1270" anchor="ctr" anchorCtr="0">
+          <a:noAutofit/>
+        </a:bodyPr>
+        <a:lstStyle/>
+        <a:p>
+          <a:pPr lvl="0" algn="ctr" defTabSz="1155700">
+            <a:lnSpc>
+              <a:spcPct val="90000"/>
+            </a:lnSpc>
+            <a:spcBef>
+              <a:spcPct val="0"/>
+            </a:spcBef>
+            <a:spcAft>
+              <a:spcPct val="35000"/>
+            </a:spcAft>
+          </a:pPr>
+          <a:r>
+            <a:rPr lang="fr-FR" sz="2600" kern="1200" dirty="0" smtClean="0"/>
+            <a:t>New aspects of </a:t>
+          </a:r>
+          <a:r>
+            <a:rPr lang="fr-FR" sz="2600" kern="1200" dirty="0" err="1" smtClean="0"/>
+            <a:t>requirements</a:t>
+          </a:r>
+          <a:r>
+            <a:rPr lang="fr-FR" sz="2600" kern="1200" dirty="0" smtClean="0"/>
+            <a:t> </a:t>
+          </a:r>
+          <a:r>
+            <a:rPr lang="fr-FR" sz="2600" kern="1200" dirty="0" err="1" smtClean="0"/>
+            <a:t>were</a:t>
+          </a:r>
+          <a:r>
+            <a:rPr lang="fr-FR" sz="2600" kern="1200" dirty="0" smtClean="0"/>
+            <a:t> </a:t>
+          </a:r>
+          <a:r>
+            <a:rPr lang="fr-FR" sz="2600" kern="1200" dirty="0" err="1" smtClean="0"/>
+            <a:t>emphasized</a:t>
+          </a:r>
+          <a:r>
+            <a:rPr lang="fr-FR" sz="2600" kern="1200" dirty="0" smtClean="0"/>
+            <a:t> </a:t>
+          </a:r>
+          <a:r>
+            <a:rPr lang="fr-FR" sz="2600" kern="1200" dirty="0" err="1" smtClean="0"/>
+            <a:t>using</a:t>
+          </a:r>
+          <a:r>
+            <a:rPr lang="fr-FR" sz="2600" kern="1200" dirty="0" smtClean="0"/>
+            <a:t> </a:t>
+          </a:r>
+          <a:r>
+            <a:rPr lang="fr-FR" sz="2600" kern="1200" dirty="0" err="1" smtClean="0"/>
+            <a:t>problem</a:t>
+          </a:r>
+          <a:r>
+            <a:rPr lang="fr-FR" sz="2600" kern="1200" dirty="0" smtClean="0"/>
+            <a:t> frames. </a:t>
+          </a:r>
+        </a:p>
+        <a:p>
+          <a:pPr lvl="0" algn="ctr" defTabSz="1155700">
+            <a:lnSpc>
+              <a:spcPct val="90000"/>
+            </a:lnSpc>
+            <a:spcBef>
+              <a:spcPct val="0"/>
+            </a:spcBef>
+            <a:spcAft>
+              <a:spcPct val="35000"/>
+            </a:spcAft>
+          </a:pPr>
+          <a:r>
+            <a:rPr lang="fr-FR" sz="2600" kern="1200" dirty="0" err="1" smtClean="0"/>
+            <a:t>Necessity</a:t>
+          </a:r>
+          <a:r>
+            <a:rPr lang="fr-FR" sz="2600" kern="1200" dirty="0" smtClean="0"/>
+            <a:t> of:</a:t>
+          </a:r>
+          <a:endParaRPr lang="fr-FR" sz="2600" kern="1200" dirty="0"/>
+        </a:p>
+      </dsp:txBody>
+      <dsp:txXfrm>
+        <a:off x="0" y="0"/>
+        <a:ext cx="7227123" cy="1445424"/>
+      </dsp:txXfrm>
+    </dsp:sp>
+    <dsp:sp modelId="{8241D08B-CB62-4962-9D9B-1D2183EA71DA}">
+      <dsp:nvSpPr>
+        <dsp:cNvPr id="0" name=""/>
+        <dsp:cNvSpPr/>
+      </dsp:nvSpPr>
+      <dsp:spPr>
+        <a:xfrm>
+          <a:off x="3528" y="1445424"/>
+          <a:ext cx="2406688" cy="3035391"/>
+        </a:xfrm>
+        <a:prstGeom prst="rect">
+          <a:avLst/>
+        </a:prstGeom>
+        <a:gradFill rotWithShape="0">
+          <a:gsLst>
+            <a:gs pos="0">
+              <a:schemeClr val="lt1">
+                <a:hueOff val="0"/>
+                <a:satOff val="0"/>
+                <a:lumOff val="0"/>
+                <a:alphaOff val="0"/>
+                <a:shade val="45000"/>
+                <a:satMod val="155000"/>
+              </a:schemeClr>
+            </a:gs>
+            <a:gs pos="60000">
+              <a:schemeClr val="lt1">
+                <a:hueOff val="0"/>
+                <a:satOff val="0"/>
+                <a:lumOff val="0"/>
+                <a:alphaOff val="0"/>
+                <a:shade val="95000"/>
+                <a:satMod val="150000"/>
+              </a:schemeClr>
+            </a:gs>
+            <a:gs pos="100000">
+              <a:schemeClr val="lt1">
+                <a:hueOff val="0"/>
+                <a:satOff val="0"/>
+                <a:lumOff val="0"/>
+                <a:alphaOff val="0"/>
+                <a:tint val="87000"/>
+                <a:satMod val="250000"/>
+              </a:schemeClr>
+            </a:gs>
+          </a:gsLst>
+          <a:lin ang="16200000" scaled="0"/>
+        </a:gradFill>
+        <a:ln>
+          <a:noFill/>
+        </a:ln>
+        <a:effectLst>
+          <a:outerShdw blurRad="65500" dist="38100" dir="5400000" rotWithShape="0">
+            <a:srgbClr xmlns:mc="http://schemas.openxmlformats.org/markup-compatibility/2006" xmlns:a14="http://schemas.microsoft.com/office/drawing/2007/7/7/main" val="000000" mc:Ignorable="">
+              <a:alpha val="40000"/>
+            </a:srgbClr>
+          </a:outerShdw>
+        </a:effectLst>
+      </dsp:spPr>
+      <dsp:style>
+        <a:lnRef idx="0">
+          <a:scrgbClr r="0" g="0" b="0"/>
+        </a:lnRef>
+        <a:fillRef idx="3">
+          <a:scrgbClr r="0" g="0" b="0"/>
+        </a:fillRef>
+        <a:effectRef idx="2">
+          <a:scrgbClr r="0" g="0" b="0"/>
+        </a:effectRef>
+        <a:fontRef idx="minor">
+          <a:schemeClr val="lt1"/>
+        </a:fontRef>
+      </dsp:style>
+      <dsp:txBody>
+        <a:bodyPr spcFirstLastPara="0" vert="horz" wrap="square" lIns="76200" tIns="76200" rIns="76200" bIns="76200" numCol="1" spcCol="1270" anchor="ctr" anchorCtr="0">
+          <a:noAutofit/>
+        </a:bodyPr>
+        <a:lstStyle/>
+        <a:p>
+          <a:pPr lvl="0" algn="ctr" defTabSz="889000">
+            <a:lnSpc>
+              <a:spcPct val="90000"/>
+            </a:lnSpc>
+            <a:spcBef>
+              <a:spcPct val="0"/>
+            </a:spcBef>
+            <a:spcAft>
+              <a:spcPct val="35000"/>
+            </a:spcAft>
+          </a:pPr>
+          <a:r>
+            <a:rPr lang="fr-FR" sz="2000" kern="1200" dirty="0" err="1" smtClean="0"/>
+            <a:t>clearly</a:t>
+          </a:r>
+          <a:r>
+            <a:rPr lang="fr-FR" sz="2000" kern="1200" dirty="0" smtClean="0"/>
+            <a:t> </a:t>
+          </a:r>
+          <a:r>
+            <a:rPr lang="fr-FR" sz="2000" kern="1200" dirty="0" err="1" smtClean="0"/>
+            <a:t>defining</a:t>
+          </a:r>
+          <a:r>
+            <a:rPr lang="fr-FR" sz="2000" kern="1200" dirty="0" smtClean="0"/>
+            <a:t> </a:t>
+          </a:r>
+          <a:r>
+            <a:rPr lang="fr-FR" sz="2000" kern="1200" dirty="0" err="1" smtClean="0"/>
+            <a:t>which</a:t>
+          </a:r>
+          <a:r>
+            <a:rPr lang="fr-FR" sz="2000" kern="1200" dirty="0" smtClean="0"/>
+            <a:t> </a:t>
+          </a:r>
+          <a:r>
+            <a:rPr lang="fr-FR" sz="2000" kern="1200" dirty="0" err="1" smtClean="0"/>
+            <a:t>domains</a:t>
+          </a:r>
+          <a:r>
+            <a:rPr lang="fr-FR" sz="2000" kern="1200" dirty="0" smtClean="0"/>
+            <a:t> </a:t>
+          </a:r>
+          <a:r>
+            <a:rPr lang="fr-FR" sz="2000" kern="1200" dirty="0" err="1" smtClean="0"/>
+            <a:t>interact</a:t>
+          </a:r>
+          <a:r>
+            <a:rPr lang="fr-FR" sz="2000" kern="1200" dirty="0" smtClean="0"/>
+            <a:t> </a:t>
+          </a:r>
+          <a:r>
+            <a:rPr lang="fr-FR" sz="2000" kern="1200" dirty="0" err="1" smtClean="0"/>
+            <a:t>with</a:t>
+          </a:r>
+          <a:r>
+            <a:rPr lang="fr-FR" sz="2000" kern="1200" dirty="0" smtClean="0"/>
+            <a:t> the machine</a:t>
+          </a:r>
+          <a:endParaRPr lang="fr-FR" sz="2000" kern="1200" dirty="0"/>
+        </a:p>
+      </dsp:txBody>
+      <dsp:txXfrm>
+        <a:off x="3528" y="1445424"/>
+        <a:ext cx="2406688" cy="3035391"/>
+      </dsp:txXfrm>
+    </dsp:sp>
+    <dsp:sp modelId="{36A69038-D135-4966-B855-369C1C83C96F}">
+      <dsp:nvSpPr>
+        <dsp:cNvPr id="0" name=""/>
+        <dsp:cNvSpPr/>
+      </dsp:nvSpPr>
+      <dsp:spPr>
+        <a:xfrm>
+          <a:off x="2410217" y="1445424"/>
+          <a:ext cx="2406688" cy="3035391"/>
+        </a:xfrm>
+        <a:prstGeom prst="rect">
+          <a:avLst/>
+        </a:prstGeom>
+        <a:gradFill rotWithShape="0">
+          <a:gsLst>
+            <a:gs pos="0">
+              <a:schemeClr val="lt1">
+                <a:hueOff val="0"/>
+                <a:satOff val="0"/>
+                <a:lumOff val="0"/>
+                <a:alphaOff val="0"/>
+                <a:shade val="45000"/>
+                <a:satMod val="155000"/>
+              </a:schemeClr>
+            </a:gs>
+            <a:gs pos="60000">
+              <a:schemeClr val="lt1">
+                <a:hueOff val="0"/>
+                <a:satOff val="0"/>
+                <a:lumOff val="0"/>
+                <a:alphaOff val="0"/>
+                <a:shade val="95000"/>
+                <a:satMod val="150000"/>
+              </a:schemeClr>
+            </a:gs>
+            <a:gs pos="100000">
+              <a:schemeClr val="lt1">
+                <a:hueOff val="0"/>
+                <a:satOff val="0"/>
+                <a:lumOff val="0"/>
+                <a:alphaOff val="0"/>
+                <a:tint val="87000"/>
+                <a:satMod val="250000"/>
+              </a:schemeClr>
+            </a:gs>
+          </a:gsLst>
+          <a:lin ang="16200000" scaled="0"/>
+        </a:gradFill>
+        <a:ln>
+          <a:noFill/>
+        </a:ln>
+        <a:effectLst>
+          <a:outerShdw blurRad="65500" dist="38100" dir="5400000" rotWithShape="0">
+            <a:srgbClr xmlns:mc="http://schemas.openxmlformats.org/markup-compatibility/2006" xmlns:a14="http://schemas.microsoft.com/office/drawing/2007/7/7/main" val="000000" mc:Ignorable="">
+              <a:alpha val="40000"/>
+            </a:srgbClr>
+          </a:outerShdw>
+        </a:effectLst>
+      </dsp:spPr>
+      <dsp:style>
+        <a:lnRef idx="0">
+          <a:scrgbClr r="0" g="0" b="0"/>
+        </a:lnRef>
+        <a:fillRef idx="3">
+          <a:scrgbClr r="0" g="0" b="0"/>
+        </a:fillRef>
+        <a:effectRef idx="2">
+          <a:scrgbClr r="0" g="0" b="0"/>
+        </a:effectRef>
+        <a:fontRef idx="minor">
+          <a:schemeClr val="lt1"/>
+        </a:fontRef>
+      </dsp:style>
+      <dsp:txBody>
+        <a:bodyPr spcFirstLastPara="0" vert="horz" wrap="square" lIns="76200" tIns="76200" rIns="76200" bIns="76200" numCol="1" spcCol="1270" anchor="ctr" anchorCtr="0">
+          <a:noAutofit/>
+        </a:bodyPr>
+        <a:lstStyle/>
+        <a:p>
+          <a:pPr lvl="0" algn="ctr" defTabSz="889000">
+            <a:lnSpc>
+              <a:spcPct val="90000"/>
+            </a:lnSpc>
+            <a:spcBef>
+              <a:spcPct val="0"/>
+            </a:spcBef>
+            <a:spcAft>
+              <a:spcPct val="35000"/>
+            </a:spcAft>
+          </a:pPr>
+          <a:r>
+            <a:rPr lang="fr-FR" sz="2000" kern="1200" dirty="0" err="1" smtClean="0"/>
+            <a:t>considering</a:t>
+          </a:r>
+          <a:r>
+            <a:rPr lang="fr-FR" sz="2000" kern="1200" dirty="0" smtClean="0"/>
+            <a:t> </a:t>
+          </a:r>
+          <a:r>
+            <a:rPr lang="fr-FR" sz="2000" kern="1200" dirty="0" err="1" smtClean="0"/>
+            <a:t>both</a:t>
+          </a:r>
+          <a:r>
+            <a:rPr lang="fr-FR" sz="2000" kern="1200" dirty="0" smtClean="0"/>
+            <a:t> data </a:t>
+          </a:r>
+          <a:r>
+            <a:rPr lang="fr-FR" sz="2000" kern="1200" dirty="0" err="1" smtClean="0"/>
+            <a:t>storage</a:t>
+          </a:r>
+          <a:r>
+            <a:rPr lang="fr-FR" sz="2000" kern="1200" dirty="0" smtClean="0"/>
+            <a:t>, </a:t>
+          </a:r>
+          <a:r>
+            <a:rPr lang="fr-FR" sz="2000" kern="1200" dirty="0" err="1" smtClean="0"/>
+            <a:t>processing</a:t>
+          </a:r>
+          <a:r>
+            <a:rPr lang="fr-FR" sz="2000" kern="1200" dirty="0" smtClean="0"/>
+            <a:t> and display</a:t>
+          </a:r>
+          <a:endParaRPr lang="fr-FR" sz="2000" kern="1200" dirty="0"/>
+        </a:p>
+      </dsp:txBody>
+      <dsp:txXfrm>
+        <a:off x="2410217" y="1445424"/>
+        <a:ext cx="2406688" cy="3035391"/>
+      </dsp:txXfrm>
+    </dsp:sp>
+    <dsp:sp modelId="{C9068F78-E09E-4543-A698-C5622D67FE22}">
+      <dsp:nvSpPr>
+        <dsp:cNvPr id="0" name=""/>
+        <dsp:cNvSpPr/>
+      </dsp:nvSpPr>
+      <dsp:spPr>
+        <a:xfrm>
+          <a:off x="4816905" y="1445424"/>
+          <a:ext cx="2406688" cy="3035391"/>
+        </a:xfrm>
+        <a:prstGeom prst="rect">
+          <a:avLst/>
+        </a:prstGeom>
+        <a:gradFill rotWithShape="0">
+          <a:gsLst>
+            <a:gs pos="0">
+              <a:schemeClr val="lt1">
+                <a:hueOff val="0"/>
+                <a:satOff val="0"/>
+                <a:lumOff val="0"/>
+                <a:alphaOff val="0"/>
+                <a:shade val="45000"/>
+                <a:satMod val="155000"/>
+              </a:schemeClr>
+            </a:gs>
+            <a:gs pos="60000">
+              <a:schemeClr val="lt1">
+                <a:hueOff val="0"/>
+                <a:satOff val="0"/>
+                <a:lumOff val="0"/>
+                <a:alphaOff val="0"/>
+                <a:shade val="95000"/>
+                <a:satMod val="150000"/>
+              </a:schemeClr>
+            </a:gs>
+            <a:gs pos="100000">
+              <a:schemeClr val="lt1">
+                <a:hueOff val="0"/>
+                <a:satOff val="0"/>
+                <a:lumOff val="0"/>
+                <a:alphaOff val="0"/>
+                <a:tint val="87000"/>
+                <a:satMod val="250000"/>
+              </a:schemeClr>
+            </a:gs>
+          </a:gsLst>
+          <a:lin ang="16200000" scaled="0"/>
+        </a:gradFill>
+        <a:ln>
+          <a:noFill/>
+        </a:ln>
+        <a:effectLst>
+          <a:outerShdw blurRad="65500" dist="38100" dir="5400000" rotWithShape="0">
+            <a:srgbClr xmlns:mc="http://schemas.openxmlformats.org/markup-compatibility/2006" xmlns:a14="http://schemas.microsoft.com/office/drawing/2007/7/7/main" val="000000" mc:Ignorable="">
+              <a:alpha val="40000"/>
+            </a:srgbClr>
+          </a:outerShdw>
+        </a:effectLst>
+      </dsp:spPr>
+      <dsp:style>
+        <a:lnRef idx="0">
+          <a:scrgbClr r="0" g="0" b="0"/>
+        </a:lnRef>
+        <a:fillRef idx="3">
+          <a:scrgbClr r="0" g="0" b="0"/>
+        </a:fillRef>
+        <a:effectRef idx="2">
+          <a:scrgbClr r="0" g="0" b="0"/>
+        </a:effectRef>
+        <a:fontRef idx="minor">
+          <a:schemeClr val="lt1"/>
+        </a:fontRef>
+      </dsp:style>
+      <dsp:txBody>
+        <a:bodyPr spcFirstLastPara="0" vert="horz" wrap="square" lIns="76200" tIns="76200" rIns="76200" bIns="76200" numCol="1" spcCol="1270" anchor="ctr" anchorCtr="0">
+          <a:noAutofit/>
+        </a:bodyPr>
+        <a:lstStyle/>
+        <a:p>
+          <a:pPr lvl="0" algn="ctr" defTabSz="889000">
+            <a:lnSpc>
+              <a:spcPct val="90000"/>
+            </a:lnSpc>
+            <a:spcBef>
+              <a:spcPct val="0"/>
+            </a:spcBef>
+            <a:spcAft>
+              <a:spcPct val="35000"/>
+            </a:spcAft>
+          </a:pPr>
+          <a:r>
+            <a:rPr lang="fr-FR" sz="2000" kern="1200" dirty="0" err="1" smtClean="0"/>
+            <a:t>considering</a:t>
+          </a:r>
+          <a:r>
+            <a:rPr lang="fr-FR" sz="2000" kern="1200" dirty="0" smtClean="0"/>
+            <a:t> </a:t>
+          </a:r>
+          <a:r>
+            <a:rPr lang="fr-FR" sz="2000" kern="1200" dirty="0" err="1" smtClean="0"/>
+            <a:t>errors</a:t>
+          </a:r>
+          <a:r>
+            <a:rPr lang="fr-FR" sz="2000" kern="1200" dirty="0" smtClean="0"/>
+            <a:t> and exceptions in interactions</a:t>
+          </a:r>
+          <a:endParaRPr lang="fr-FR" sz="2000" kern="1200" dirty="0"/>
+        </a:p>
+      </dsp:txBody>
+      <dsp:txXfrm>
+        <a:off x="4816905" y="1445424"/>
+        <a:ext cx="2406688" cy="3035391"/>
+      </dsp:txXfrm>
+    </dsp:sp>
+    <dsp:sp modelId="{A1F39E40-4505-49AF-8063-5ABC118C2541}">
+      <dsp:nvSpPr>
+        <dsp:cNvPr id="0" name=""/>
+        <dsp:cNvSpPr/>
+      </dsp:nvSpPr>
+      <dsp:spPr>
+        <a:xfrm>
+          <a:off x="0" y="4480816"/>
+          <a:ext cx="7227123" cy="337265"/>
+        </a:xfrm>
+        <a:prstGeom prst="rect">
+          <a:avLst/>
+        </a:prstGeom>
+        <a:solidFill>
+          <a:schemeClr val="accent6">
+            <a:shade val="80000"/>
+            <a:hueOff val="0"/>
+            <a:satOff val="0"/>
+            <a:lumOff val="0"/>
+            <a:alphaOff val="0"/>
+          </a:schemeClr>
+        </a:solidFill>
+        <a:ln>
+          <a:noFill/>
+        </a:ln>
+        <a:effectLst>
+          <a:outerShdw blurRad="65500" dist="38100" dir="5400000" rotWithShape="0">
+            <a:srgbClr xmlns:mc="http://schemas.openxmlformats.org/markup-compatibility/2006" xmlns:a14="http://schemas.microsoft.com/office/drawing/2007/7/7/main" val="000000" mc:Ignorable="">
+              <a:alpha val="40000"/>
+            </a:srgbClr>
+          </a:outerShdw>
+        </a:effectLst>
+      </dsp:spPr>
+      <dsp:style>
+        <a:lnRef idx="0">
+          <a:scrgbClr r="0" g="0" b="0"/>
+        </a:lnRef>
+        <a:fillRef idx="1">
+          <a:scrgbClr r="0" g="0" b="0"/>
+        </a:fillRef>
+        <a:effectRef idx="2">
+          <a:scrgbClr r="0" g="0" b="0"/>
+        </a:effectRef>
+        <a:fontRef idx="minor"/>
+      </dsp:style>
+    </dsp:sp>
+  </dsp:spTree>
+</dsp:drawing>
+</file>
+
+<file path=ppt/diagrams/layout1.xml><?xml version="1.0" encoding="utf-8"?>
+<dgm:layoutDef xmlns:dgm="http://schemas.openxmlformats.org/drawingml/2006/diagram" xmlns:a="http://schemas.openxmlformats.org/drawingml/2006/main" uniqueId="urn:microsoft.com/office/officeart/2005/8/layout/hList9">
+  <dgm:title val=""/>
+  <dgm:desc val=""/>
+  <dgm:catLst>
+    <dgm:cat type="list" pri="8000"/>
+  </dgm:catLst>
+  <dgm:sampData>
+    <dgm:dataModel>
+      <dgm:ptLst>
+        <dgm:pt modelId="0" type="doc"/>
+        <dgm:pt modelId="1">
+          <dgm:prSet phldr="1"/>
+        </dgm:pt>
+        <dgm:pt modelId="11">
+          <dgm:prSet phldr="1"/>
+        </dgm:pt>
+        <dgm:pt modelId="12">
+          <dgm:prSet phldr="1"/>
+        </dgm:pt>
+        <dgm:pt modelId="2">
+          <dgm:prSet phldr="1"/>
+        </dgm:pt>
+        <dgm:pt modelId="21">
+          <dgm:prSet phldr="1"/>
+        </dgm:pt>
+        <dgm:pt modelId="22">
+          <dgm:prSet phldr="1"/>
+        </dgm:pt>
+      </dgm:ptLst>
+      <dgm:cxnLst>
+        <dgm:cxn modelId="3" srcId="0" destId="1" srcOrd="0" destOrd="0"/>
+        <dgm:cxn modelId="4" srcId="0" destId="2" srcOrd="1" destOrd="0"/>
+        <dgm:cxn modelId="13" srcId="1" destId="11" srcOrd="0" destOrd="0"/>
+        <dgm:cxn modelId="14" srcId="1" destId="12" srcOrd="0" destOrd="0"/>
+        <dgm:cxn modelId="23" srcId="2" destId="21" srcOrd="0" destOrd="0"/>
+        <dgm:cxn modelId="24" srcId="2" destId="22" srcOrd="0" destOrd="0"/>
+      </dgm:cxnLst>
+      <dgm:bg/>
+      <dgm:whole/>
+    </dgm:dataModel>
+  </dgm:sampData>
+  <dgm:styleData>
+    <dgm:dataModel>
+      <dgm:ptLst>
+        <dgm:pt modelId="0" type="doc"/>
+        <dgm:pt modelId="1"/>
+        <dgm:pt modelId="2"/>
+      </dgm:ptLst>
+      <dgm:cxnLst>
+        <dgm:cxn modelId="3" srcId="0" destId="1" srcOrd="0" destOrd="0"/>
+        <dgm:cxn modelId="4" srcId="1" destId="2" srcOrd="0" destOrd="0"/>
+      </dgm:cxnLst>
+      <dgm:bg/>
+      <dgm:whole/>
+    </dgm:dataModel>
+  </dgm:styleData>
+  <dgm:clrData>
+    <dgm:dataModel>
+      <dgm:ptLst>
+        <dgm:pt modelId="0" type="doc"/>
+        <dgm:pt modelId="1"/>
+        <dgm:pt modelId="11"/>
+        <dgm:pt modelId="12"/>
+        <dgm:pt modelId="13"/>
+        <dgm:pt modelId="14"/>
+        <dgm:pt modelId="2"/>
+        <dgm:pt modelId="21"/>
+        <dgm:pt modelId="22"/>
+        <dgm:pt modelId="23"/>
+        <dgm:pt modelId="24"/>
+        <dgm:pt modelId="3"/>
+        <dgm:pt modelId="31"/>
+        <dgm:pt modelId="32"/>
+        <dgm:pt modelId="33"/>
+        <dgm:pt modelId="34"/>
+      </dgm:ptLst>
+      <dgm:cxnLst>
+        <dgm:cxn modelId="4" srcId="0" destId="1" srcOrd="0" destOrd="0"/>
+        <dgm:cxn modelId="5" srcId="0" destId="2" srcOrd="1" destOrd="0"/>
+        <dgm:cxn modelId="6" srcId="0" destId="3" srcOrd="1" destOrd="0"/>
+        <dgm:cxn modelId="15" srcId="1" destId="11" srcOrd="0" destOrd="0"/>
+        <dgm:cxn modelId="16" srcId="1" destId="12" srcOrd="0" destOrd="0"/>
+        <dgm:cxn modelId="17" srcId="1" destId="13" srcOrd="0" destOrd="0"/>
+        <dgm:cxn modelId="18" srcId="1" destId="14" srcOrd="0" destOrd="0"/>
+        <dgm:cxn modelId="25" srcId="2" destId="21" srcOrd="0" destOrd="0"/>
+        <dgm:cxn modelId="26" srcId="2" destId="22" srcOrd="0" destOrd="0"/>
+        <dgm:cxn modelId="27" srcId="2" destId="23" srcOrd="0" destOrd="0"/>
+        <dgm:cxn modelId="28" srcId="2" destId="24" srcOrd="0" destOrd="0"/>
+        <dgm:cxn modelId="35" srcId="3" destId="31" srcOrd="0" destOrd="0"/>
+        <dgm:cxn modelId="36" srcId="3" destId="32" srcOrd="0" destOrd="0"/>
+        <dgm:cxn modelId="37" srcId="3" destId="33" srcOrd="0" destOrd="0"/>
+        <dgm:cxn modelId="38" srcId="3" destId="34" srcOrd="0" destOrd="0"/>
+      </dgm:cxnLst>
+      <dgm:bg/>
+      <dgm:whole/>
+    </dgm:dataModel>
+  </dgm:clrData>
+  <dgm:layoutNode name="list">
+    <dgm:varLst>
+      <dgm:dir/>
+      <dgm:animLvl val="lvl"/>
+    </dgm:varLst>
+    <dgm:choose name="Name0">
+      <dgm:if name="Name1" func="var" arg="dir" op="equ" val="norm">
+        <dgm:alg type="lin">
+          <dgm:param type="linDir" val="fromL"/>
+          <dgm:param type="fallback" val="2D"/>
+          <dgm:param type="nodeVertAlign" val="t"/>
+        </dgm:alg>
+      </dgm:if>
+      <dgm:else name="Name2">
+        <dgm:alg type="lin">
+          <dgm:param type="linDir" val="fromR"/>
+          <dgm:param type="fallback" val="2D"/>
+          <dgm:param type="nodeVertAlign" val="t"/>
+        </dgm:alg>
+      </dgm:else>
+    </dgm:choose>
+    <dgm:shape xmlns:r="http://schemas.openxmlformats.org/officeDocument/2006/relationships" r:blip="">
+      <dgm:adjLst/>
+    </dgm:shape>
+    <dgm:presOf/>
+    <dgm:constrLst>
+      <dgm:constr type="w" for="ch" forName="circle" refType="w" fact="0.5"/>
+      <dgm:constr type="w" for="ch" forName="vertFlow" refType="w" fact="0.75"/>
+      <dgm:constr type="h" for="des" forName="firstComp" refType="w" refFor="ch" refForName="vertFlow" fact="0.667"/>
+      <dgm:constr type="h" for="des" forName="comp" refType="h" refFor="des" refForName="firstComp" op="equ"/>
+      <dgm:constr type="h" for="des" forName="topSpace" refType="w" refFor="ch" refForName="circle" op="equ" fact="0.4"/>
+      <dgm:constr type="w" for="ch" forName="posSpace" refType="w" fact="0.4"/>
+      <dgm:constr type="w" for="ch" forName="negSpace" refType="w" fact="-1.15"/>
+      <dgm:constr type="w" for="ch" forName="transSpace" refType="w" fact="0.75"/>
+      <dgm:constr type="primFontSz" for="ch" forName="circle" op="equ" val="65"/>
+      <dgm:constr type="primFontSz" for="des" forName="firstChildTx" val="65"/>
+      <dgm:constr type="primFontSz" for="des" forName="childTx" refType="primFontSz" refFor="des" refForName="firstChildTx" op="equ"/>
+    </dgm:constrLst>
+    <dgm:ruleLst/>
+    <dgm:forEach name="Name3" axis="ch" ptType="node">
+      <dgm:layoutNode name="posSpace">
+        <dgm:alg type="sp"/>
+        <dgm:shape xmlns:r="http://schemas.openxmlformats.org/officeDocument/2006/relationships" r:blip="">
+          <dgm:adjLst/>
+        </dgm:shape>
+        <dgm:presOf/>
+        <dgm:constrLst/>
+        <dgm:ruleLst/>
+      </dgm:layoutNode>
+      <dgm:layoutNode name="vertFlow">
+        <dgm:alg type="lin">
+          <dgm:param type="linDir" val="fromT"/>
+        </dgm:alg>
+        <dgm:shape xmlns:r="http://schemas.openxmlformats.org/officeDocument/2006/relationships" r:blip="">
+          <dgm:adjLst/>
+        </dgm:shape>
+        <dgm:presOf/>
+        <dgm:constrLst>
+          <dgm:constr type="w" for="ch" forName="firstComp" refType="w"/>
+          <dgm:constr type="w" for="ch" forName="comp" refType="w"/>
+        </dgm:constrLst>
+        <dgm:ruleLst/>
+        <dgm:layoutNode name="topSpace">
+          <dgm:alg type="sp"/>
+          <dgm:shape xmlns:r="http://schemas.openxmlformats.org/officeDocument/2006/relationships" r:blip="">
+            <dgm:adjLst/>
+          </dgm:shape>
+          <dgm:presOf/>
+          <dgm:constrLst/>
+          <dgm:ruleLst/>
+        </dgm:layoutNode>
+        <dgm:layoutNode name="firstComp">
+          <dgm:alg type="composite"/>
+          <dgm:shape xmlns:r="http://schemas.openxmlformats.org/officeDocument/2006/relationships" r:blip="">
+            <dgm:adjLst/>
+          </dgm:shape>
+          <dgm:presOf/>
+          <dgm:choose name="Name4">
+            <dgm:if name="Name5" func="var" arg="dir" op="equ" val="norm">
+              <dgm:constrLst>
+                <dgm:constr type="l" for="ch" forName="firstChild"/>
+                <dgm:constr type="t" for="ch" forName="firstChild"/>
+                <dgm:constr type="w" for="ch" forName="firstChild" refType="w"/>
+                <dgm:constr type="h" for="ch" forName="firstChild" refType="h"/>
+                <dgm:constr type="l" for="ch" forName="firstChildTx" refType="w" fact="0.16"/>
+                <dgm:constr type="r" for="ch" forName="firstChildTx" refType="w"/>
+                <dgm:constr type="h" for="ch" forName="firstChildTx" refFor="ch" refForName="firstChild" op="equ"/>
+              </dgm:constrLst>
+            </dgm:if>
+            <dgm:else name="Name6">
+              <dgm:constrLst>
+                <dgm:constr type="l" for="ch" forName="firstChild"/>
+                <dgm:constr type="t" for="ch" forName="firstChild"/>
+                <dgm:constr type="w" for="ch" forName="firstChild" refType="w"/>
+                <dgm:constr type="h" for="ch" forName="firstChild" refType="h"/>
+                <dgm:constr type="l" for="ch" forName="firstChildTx"/>
+                <dgm:constr type="r" for="ch" forName="firstChildTx" refType="w" fact="0.825"/>
+                <dgm:constr type="h" for="ch" forName="firstChildTx" refFor="ch" refForName="firstChild" op="equ"/>
+              </dgm:constrLst>
+            </dgm:else>
+          </dgm:choose>
+          <dgm:ruleLst/>
+          <dgm:layoutNode name="firstChild" styleLbl="bgAccFollowNode1">
+            <dgm:alg type="sp"/>
+            <dgm:shape xmlns:r="http://schemas.openxmlformats.org/officeDocument/2006/relationships" type="rect" r:blip="">
+              <dgm:adjLst/>
+            </dgm:shape>
+            <dgm:presOf axis="ch desOrSelf" ptType="node node" cnt="1 0"/>
+            <dgm:constrLst/>
+            <dgm:ruleLst/>
+          </dgm:layoutNode>
+          <dgm:layoutNode name="firstChildTx" styleLbl="bgAccFollowNode1">
+            <dgm:varLst>
+              <dgm:bulletEnabled val="1"/>
+            </dgm:varLst>
+            <dgm:alg type="tx">
+              <dgm:param type="parTxLTRAlign" val="l"/>
+            </dgm:alg>
+            <dgm:shape xmlns:r="http://schemas.openxmlformats.org/officeDocument/2006/relationships" type="rect" r:blip="" hideGeom="1">
+              <dgm:adjLst/>
+            </dgm:shape>
+            <dgm:presOf axis="ch desOrSelf" ptType="node node" cnt="1 0"/>
+            <dgm:choose name="Name7">
+              <dgm:if name="Name8" func="var" arg="dir" op="equ" val="norm">
+                <dgm:constrLst>
+                  <dgm:constr type="primFontSz" val="65"/>
+                  <dgm:constr type="lMarg"/>
+                </dgm:constrLst>
+              </dgm:if>
+              <dgm:else name="Name9">
+                <dgm:constrLst>
+                  <dgm:constr type="primFontSz" val="65"/>
+                  <dgm:constr type="rMarg"/>
+                </dgm:constrLst>
+              </dgm:else>
+            </dgm:choose>
+            <dgm:ruleLst>
+              <dgm:rule type="primFontSz" val="5" fact="NaN" max="NaN"/>
+            </dgm:ruleLst>
+          </dgm:layoutNode>
+        </dgm:layoutNode>
+        <dgm:forEach name="Name10" axis="ch" ptType="node" st="2">
+          <dgm:layoutNode name="comp">
+            <dgm:alg type="composite"/>
+            <dgm:shape xmlns:r="http://schemas.openxmlformats.org/officeDocument/2006/relationships" r:blip="">
+              <dgm:adjLst/>
+            </dgm:shape>
+            <dgm:presOf/>
+            <dgm:choose name="Name11">
+              <dgm:if name="Name12" func="var" arg="dir" op="equ" val="norm">
+                <dgm:constrLst>
+                  <dgm:constr type="l" for="ch" forName="child"/>
+                  <dgm:constr type="t" for="ch" forName="child"/>
+                  <dgm:constr type="w" for="ch" forName="child" refType="w"/>
+                  <dgm:constr type="h" for="ch" forName="child" refType="h"/>
+                  <dgm:constr type="l" for="ch" forName="childTx" refType="w" fact="0.16"/>
+                  <dgm:constr type="r" for="ch" forName="childTx" refType="w"/>
+                  <dgm:constr type="h" for="ch" forName="childTx" refFor="ch" refForName="child" op="equ"/>
+                </dgm:constrLst>
+              </dgm:if>
+              <dgm:else name="Name13">
+                <dgm:constrLst>
+                  <dgm:constr type="l" for="ch" forName="child"/>
+                  <dgm:constr type="t" for="ch" forName="child"/>
+                  <dgm:constr type="w" for="ch" forName="child" refType="w"/>
+                  <dgm:constr type="h" for="ch" forName="child" refType="h"/>
+                  <dgm:constr type="l" for="ch" forName="childTx"/>
+                  <dgm:constr type="r" for="ch" forName="childTx" refType="w" fact="0.825"/>
+                  <dgm:constr type="h" for="ch" forName="childTx" refFor="ch" refForName="child" op="equ"/>
+                </dgm:constrLst>
+              </dgm:else>
+            </dgm:choose>
+            <dgm:ruleLst/>
+            <dgm:layoutNode name="child" styleLbl="bgAccFollowNode1">
+              <dgm:alg type="sp"/>
+              <dgm:shape xmlns:r="http://schemas.openxmlformats.org/officeDocument/2006/relationships" type="rect" r:blip="">
+                <dgm:adjLst/>
+              </dgm:shape>
+              <dgm:presOf axis="desOrSelf" ptType="node"/>
+              <dgm:constrLst/>
+              <dgm:ruleLst/>
+            </dgm:layoutNode>
+            <dgm:layoutNode name="childTx" styleLbl="bgAccFollowNode1">
+              <dgm:varLst>
+                <dgm:bulletEnabled val="1"/>
+              </dgm:varLst>
+              <dgm:alg type="tx">
+                <dgm:param type="parTxLTRAlign" val="l"/>
+              </dgm:alg>
+              <dgm:shape xmlns:r="http://schemas.openxmlformats.org/officeDocument/2006/relationships" type="rect" r:blip="" hideGeom="1">
+                <dgm:adjLst/>
+              </dgm:shape>
+              <dgm:presOf axis="desOrSelf" ptType="node"/>
+              <dgm:choose name="Name14">
+                <dgm:if name="Name15" func="var" arg="dir" op="equ" val="norm">
+                  <dgm:constrLst>
+                    <dgm:constr type="primFontSz" val="65"/>
+                    <dgm:constr type="lMarg"/>
+                  </dgm:constrLst>
+                </dgm:if>
+                <dgm:else name="Name16">
+                  <dgm:constrLst>
+                    <dgm:constr type="primFontSz" val="65"/>
+                    <dgm:constr type="rMarg"/>
+                  </dgm:constrLst>
+                </dgm:else>
+              </dgm:choose>
+              <dgm:ruleLst>
+                <dgm:rule type="primFontSz" val="5" fact="NaN" max="NaN"/>
+              </dgm:ruleLst>
+            </dgm:layoutNode>
+          </dgm:layoutNode>
+        </dgm:forEach>
+      </dgm:layoutNode>
+      <dgm:layoutNode name="negSpace">
+        <dgm:alg type="sp"/>
+        <dgm:shape xmlns:r="http://schemas.openxmlformats.org/officeDocument/2006/relationships" r:blip="">
+          <dgm:adjLst/>
+        </dgm:shape>
+        <dgm:presOf/>
+        <dgm:constrLst/>
+        <dgm:ruleLst/>
+      </dgm:layoutNode>
+      <dgm:layoutNode name="circle" styleLbl="node1">
+        <dgm:alg type="tx"/>
+        <dgm:shape xmlns:r="http://schemas.openxmlformats.org/officeDocument/2006/relationships" type="ellipse" r:blip="">
+          <dgm:adjLst/>
+        </dgm:shape>
+        <dgm:presOf axis="self"/>
+        <dgm:constrLst>
+          <dgm:constr type="lMarg"/>
+          <dgm:constr type="rMarg"/>
+          <dgm:constr type="tMarg"/>
+          <dgm:constr type="bMarg"/>
+          <dgm:constr type="h" refType="w"/>
+        </dgm:constrLst>
+        <dgm:ruleLst>
+          <dgm:rule type="primFontSz" val="5" fact="NaN" max="NaN"/>
+        </dgm:ruleLst>
+      </dgm:layoutNode>
+      <dgm:forEach name="Name17" axis="followSib" ptType="sibTrans" cnt="1">
+        <dgm:layoutNode name="transSpace">
+          <dgm:alg type="sp"/>
+          <dgm:shape xmlns:r="http://schemas.openxmlformats.org/officeDocument/2006/relationships" r:blip="">
+            <dgm:adjLst/>
+          </dgm:shape>
+          <dgm:presOf/>
+          <dgm:constrLst/>
+          <dgm:ruleLst/>
+        </dgm:layoutNode>
+      </dgm:forEach>
+    </dgm:forEach>
+  </dgm:layoutNode>
+</dgm:layoutDef>
+</file>
+
+<file path=ppt/diagrams/layout2.xml><?xml version="1.0" encoding="utf-8"?>
+<dgm:layoutDef xmlns:dgm="http://schemas.openxmlformats.org/drawingml/2006/diagram" xmlns:a="http://schemas.openxmlformats.org/drawingml/2006/main" uniqueId="urn:microsoft.com/office/officeart/2005/8/layout/hList3">
+  <dgm:title val=""/>
+  <dgm:desc val=""/>
+  <dgm:catLst>
+    <dgm:cat type="list" pri="19000"/>
+  </dgm:catLst>
+  <dgm:sampData>
+    <dgm:dataModel>
+      <dgm:ptLst>
+        <dgm:pt modelId="0" type="doc"/>
+        <dgm:pt modelId="1">
+          <dgm:prSet phldr="1"/>
+        </dgm:pt>
+        <dgm:pt modelId="2">
+          <dgm:prSet phldr="1"/>
+        </dgm:pt>
+        <dgm:pt modelId="3">
+          <dgm:prSet phldr="1"/>
+        </dgm:pt>
+        <dgm:pt modelId="4">
+          <dgm:prSet phldr="1"/>
+        </dgm:pt>
+      </dgm:ptLst>
+      <dgm:cxnLst>
+        <dgm:cxn modelId="5" srcId="0" destId="1" srcOrd="0" destOrd="0"/>
+        <dgm:cxn modelId="6" srcId="1" destId="2" srcOrd="0" destOrd="0"/>
+        <dgm:cxn modelId="7" srcId="1" destId="3" srcOrd="1" destOrd="0"/>
+        <dgm:cxn modelId="8" srcId="1" destId="4" srcOrd="2" destOrd="0"/>
+      </dgm:cxnLst>
+      <dgm:bg/>
+      <dgm:whole/>
+    </dgm:dataModel>
+  </dgm:sampData>
+  <dgm:styleData>
+    <dgm:dataModel>
+      <dgm:ptLst>
+        <dgm:pt modelId="0" type="doc"/>
+        <dgm:pt modelId="1"/>
+        <dgm:pt modelId="2"/>
+        <dgm:pt modelId="3"/>
+      </dgm:ptLst>
+      <dgm:cxnLst>
+        <dgm:cxn modelId="5" srcId="0" destId="1" srcOrd="0" destOrd="0"/>
+        <dgm:cxn modelId="6" srcId="1" destId="2" srcOrd="0" destOrd="0"/>
+        <dgm:cxn modelId="7" srcId="1" destId="3" srcOrd="1" destOrd="0"/>
+      </dgm:cxnLst>
+      <dgm:bg/>
+      <dgm:whole/>
+    </dgm:dataModel>
+  </dgm:styleData>
+  <dgm:clrData>
+    <dgm:dataModel>
+      <dgm:ptLst>
+        <dgm:pt modelId="0" type="doc"/>
+        <dgm:pt modelId="1"/>
+        <dgm:pt modelId="2"/>
+        <dgm:pt modelId="3"/>
+        <dgm:pt modelId="4"/>
+        <dgm:pt modelId="5"/>
+      </dgm:ptLst>
+      <dgm:cxnLst>
+        <dgm:cxn modelId="6" srcId="0" destId="1" srcOrd="0" destOrd="0"/>
+        <dgm:cxn modelId="7" srcId="1" destId="2" srcOrd="0" destOrd="0"/>
+        <dgm:cxn modelId="8" srcId="1" destId="3" srcOrd="1" destOrd="0"/>
+        <dgm:cxn modelId="9" srcId="1" destId="4" srcOrd="2" destOrd="0"/>
+        <dgm:cxn modelId="10" srcId="1" destId="5" srcOrd="3" destOrd="0"/>
+      </dgm:cxnLst>
+      <dgm:bg/>
+      <dgm:whole/>
+    </dgm:dataModel>
+  </dgm:clrData>
+  <dgm:layoutNode name="composite">
+    <dgm:varLst>
+      <dgm:chMax val="1"/>
+      <dgm:dir/>
+      <dgm:resizeHandles val="exact"/>
+    </dgm:varLst>
+    <dgm:alg type="composite"/>
+    <dgm:shape xmlns:r="http://schemas.openxmlformats.org/officeDocument/2006/relationships" r:blip="">
+      <dgm:adjLst/>
+    </dgm:shape>
+    <dgm:presOf/>
+    <dgm:constrLst>
+      <dgm:constr type="w" for="ch" forName="roof" refType="w"/>
+      <dgm:constr type="h" for="ch" forName="roof" refType="h" fact="0.3"/>
+      <dgm:constr type="primFontSz" for="ch" forName="roof" val="65"/>
+      <dgm:constr type="w" for="ch" forName="pillars" refType="w"/>
+      <dgm:constr type="h" for="ch" forName="pillars" refType="h" fact="0.63"/>
+      <dgm:constr type="t" for="ch" forName="pillars" refType="h" fact="0.3"/>
+      <dgm:constr type="primFontSz" for="des" forName="pillar1" val="65"/>
+      <dgm:constr type="primFontSz" for="des" forName="pillarX" refType="primFontSz" refFor="des" refForName="pillar1" op="equ"/>
+      <dgm:constr type="w" for="ch" forName="base" refType="w"/>
+      <dgm:constr type="h" for="ch" forName="base" refType="h" fact="0.07"/>
+      <dgm:constr type="t" for="ch" forName="base" refType="h" fact="0.93"/>
+    </dgm:constrLst>
+    <dgm:ruleLst/>
+    <dgm:forEach name="Name0" axis="ch" ptType="node" cnt="1">
+      <dgm:layoutNode name="roof" styleLbl="dkBgShp">
+        <dgm:alg type="tx"/>
+        <dgm:shape xmlns:r="http://schemas.openxmlformats.org/officeDocument/2006/relationships" type="rect" r:blip="">
+          <dgm:adjLst/>
+        </dgm:shape>
+        <dgm:presOf axis="self"/>
+        <dgm:constrLst>
+          <dgm:constr type="lMarg" refType="primFontSz" fact="0.3"/>
+          <dgm:constr type="rMarg" refType="primFontSz" fact="0.3"/>
+          <dgm:constr type="tMarg" refType="primFontSz" fact="0.3"/>
+          <dgm:constr type="bMarg" refType="primFontSz" fact="0.3"/>
+        </dgm:constrLst>
+        <dgm:ruleLst>
+          <dgm:rule type="primFontSz" val="5" fact="NaN" max="NaN"/>
+        </dgm:ruleLst>
+      </dgm:layoutNode>
+      <dgm:layoutNode name="pillars" styleLbl="node1">
+        <dgm:choose name="Name1">
+          <dgm:if name="Name2" func="var" arg="dir" op="equ" val="norm">
+            <dgm:alg type="lin">
+              <dgm:param type="linDir" val="fromL"/>
+            </dgm:alg>
+          </dgm:if>
+          <dgm:else name="Name3">
+            <dgm:alg type="lin">
+              <dgm:param type="linDir" val="fromR"/>
+            </dgm:alg>
+          </dgm:else>
+        </dgm:choose>
+        <dgm:shape xmlns:r="http://schemas.openxmlformats.org/officeDocument/2006/relationships" r:blip="">
+          <dgm:adjLst/>
+        </dgm:shape>
+        <dgm:presOf/>
+        <dgm:constrLst>
+          <dgm:constr type="w" for="ch" forName="pillar1" refType="w"/>
+          <dgm:constr type="h" for="ch" forName="pillar1" refType="h"/>
+          <dgm:constr type="w" for="ch" forName="pillarX" refType="w"/>
+          <dgm:constr type="h" for="ch" forName="pillarX" refType="h"/>
+        </dgm:constrLst>
+        <dgm:ruleLst/>
+        <dgm:layoutNode name="pillar1" styleLbl="node1">
+          <dgm:varLst>
+            <dgm:bulletEnabled val="1"/>
+          </dgm:varLst>
+          <dgm:alg type="tx"/>
+          <dgm:shape xmlns:r="http://schemas.openxmlformats.org/officeDocument/2006/relationships" type="rect" r:blip="">
+            <dgm:adjLst/>
+          </dgm:shape>
+          <dgm:presOf axis="ch desOrSelf" ptType="node node" st="1 1" cnt="1 0"/>
+          <dgm:constrLst>
+            <dgm:constr type="lMarg" refType="primFontSz" fact="0.3"/>
+            <dgm:constr type="rMarg" refType="primFontSz" fact="0.3"/>
+            <dgm:constr type="tMarg" refType="primFontSz" fact="0.3"/>
+            <dgm:constr type="bMarg" refType="primFontSz" fact="0.3"/>
+          </dgm:constrLst>
+          <dgm:ruleLst>
+            <dgm:rule type="primFontSz" val="5" fact="NaN" max="NaN"/>
+          </dgm:ruleLst>
+        </dgm:layoutNode>
+        <dgm:forEach name="Name4" axis="ch" ptType="node" st="2">
+          <dgm:layoutNode name="pillarX" styleLbl="node1">
+            <dgm:varLst>
+              <dgm:bulletEnabled val="1"/>
+            </dgm:varLst>
+            <dgm:alg type="tx"/>
+            <dgm:shape xmlns:r="http://schemas.openxmlformats.org/officeDocument/2006/relationships" type="rect" r:blip="">
+              <dgm:adjLst/>
+            </dgm:shape>
+            <dgm:presOf axis="desOrSelf" ptType="node"/>
+            <dgm:constrLst>
+              <dgm:constr type="lMarg" refType="primFontSz" fact="0.3"/>
+              <dgm:constr type="rMarg" refType="primFontSz" fact="0.3"/>
+              <dgm:constr type="tMarg" refType="primFontSz" fact="0.3"/>
+              <dgm:constr type="bMarg" refType="primFontSz" fact="0.3"/>
+            </dgm:constrLst>
+            <dgm:ruleLst>
+              <dgm:rule type="primFontSz" val="5" fact="NaN" max="NaN"/>
+            </dgm:ruleLst>
+          </dgm:layoutNode>
+        </dgm:forEach>
+      </dgm:layoutNode>
+      <dgm:layoutNode name="base" styleLbl="dkBgShp">
+        <dgm:alg type="sp"/>
+        <dgm:shape xmlns:r="http://schemas.openxmlformats.org/officeDocument/2006/relationships" type="rect" r:blip="">
+          <dgm:adjLst/>
+        </dgm:shape>
+        <dgm:presOf/>
+        <dgm:constrLst/>
+        <dgm:ruleLst/>
+      </dgm:layoutNode>
+    </dgm:forEach>
+  </dgm:layoutNode>
+</dgm:layoutDef>
+</file>
+
+<file path=ppt/diagrams/quickStyle1.xml><?xml version="1.0" encoding="utf-8"?>
+<dgm:styleDef xmlns:dgm="http://schemas.openxmlformats.org/drawingml/2006/diagram" xmlns:a="http://schemas.openxmlformats.org/drawingml/2006/main" uniqueId="urn:microsoft.com/office/officeart/2005/8/quickstyle/simple5">
+  <dgm:title val=""/>
+  <dgm:desc val=""/>
+  <dgm:catLst>
+    <dgm:cat type="simple" pri="10500"/>
+  </dgm:catLst>
+  <dgm:scene3d>
+    <a:camera prst="orthographicFront"/>
+    <a:lightRig rig="threePt" dir="t"/>
+  </dgm:scene3d>
+  <dgm:styleLbl name="node0">
+    <dgm:scene3d>
+      <a:camera prst="orthographicFront"/>
+      <a:lightRig rig="threePt" dir="t"/>
+    </dgm:scene3d>
+    <dgm:sp3d/>
+    <dgm:txPr/>
+    <dgm:style>
+      <a:lnRef idx="0">
+        <a:scrgbClr r="0" g="0" b="0"/>
+      </a:lnRef>
+      <a:fillRef idx="3">
+        <a:scrgbClr r="0" g="0" b="0"/>
+      </a:fillRef>
+      <a:effectRef idx="3">
+        <a:scrgbClr r="0" g="0" b="0"/>
+      </a:effectRef>
+      <a:fontRef idx="minor">
+        <a:schemeClr val="lt1"/>
+      </a:fontRef>
+    </dgm:style>
+  </dgm:styleLbl>
+  <dgm:styleLbl name="lnNode1">
+    <dgm:scene3d>
+      <a:camera prst="orthographicFront"/>
+      <a:lightRig rig="threePt" dir="t"/>
+    </dgm:scene3d>
+    <dgm:sp3d/>
+    <dgm:txPr/>
+    <dgm:style>
+      <a:lnRef idx="0">
+        <a:scrgbClr r="0" g="0" b="0"/>
+      </a:lnRef>
+      <a:fillRef idx="3">
+        <a:scrgbClr r="0" g="0" b="0"/>
+      </a:fillRef>
+      <a:effectRef idx="3">
+        <a:scrgbClr r="0" g="0" b="0"/>
+      </a:effectRef>
+      <a:fontRef idx="minor">
+        <a:schemeClr val="lt1"/>
+      </a:fontRef>
+    </dgm:style>
+  </dgm:styleLbl>
+  <dgm:styleLbl name="vennNode1">
+    <dgm:scene3d>
+      <a:camera prst="orthographicFront"/>
+      <a:lightRig rig="threePt" dir="t"/>
+    </dgm:scene3d>
+    <dgm:sp3d/>
+    <dgm:txPr/>
+    <dgm:style>
+      <a:lnRef idx="0">
+        <a:scrgbClr r="0" g="0" b="0"/>
+      </a:lnRef>
+      <a:fillRef idx="3">
+        <a:scrgbClr r="0" g="0" b="0"/>
+      </a:fillRef>
+      <a:effectRef idx="3">
+        <a:scrgbClr r="0" g="0" b="0"/>
+      </a:effectRef>
+      <a:fontRef idx="minor">
+        <a:schemeClr val="tx1"/>
+      </a:fontRef>
+    </dgm:style>
+  </dgm:styleLbl>
+  <dgm:styleLbl name="alignNode1">
+    <dgm:scene3d>
+      <a:camera prst="orthographicFront"/>
+      <a:lightRig rig="threePt" dir="t"/>
+    </dgm:scene3d>
+    <dgm:sp3d/>
+    <dgm:txPr/>
+    <dgm:style>
+      <a:lnRef idx="1">
+        <a:scrgbClr r="0" g="0" b="0"/>
+      </a:lnRef>
+      <a:fillRef idx="3">
+        <a:scrgbClr r="0" g="0" b="0"/>
+      </a:fillRef>
+      <a:effectRef idx="3">
+        <a:scrgbClr r="0" g="0" b="0"/>
+      </a:effectRef>
+      <a:fontRef idx="minor">
+        <a:schemeClr val="lt1"/>
+      </a:fontRef>
+    </dgm:style>
+  </dgm:styleLbl>
+  <dgm:styleLbl name="node1">
+    <dgm:scene3d>
+      <a:camera prst="orthographicFront"/>
+      <a:lightRig rig="threePt" dir="t"/>
+    </dgm:scene3d>
+    <dgm:sp3d/>
+    <dgm:txPr/>
+    <dgm:style>
+      <a:lnRef idx="0">
+        <a:scrgbClr r="0" g="0" b="0"/>
+      </a:lnRef>
+      <a:fillRef idx="3">
+        <a:scrgbClr r="0" g="0" b="0"/>
+      </a:fillRef>
+      <a:effectRef idx="3">
+        <a:scrgbClr r="0" g="0" b="0"/>
+      </a:effectRef>
+      <a:fontRef idx="minor">
+        <a:schemeClr val="lt1"/>
+      </a:fontRef>
+    </dgm:style>
+  </dgm:styleLbl>
+  <dgm:styleLbl name="node2">
+    <dgm:scene3d>
+      <a:camera prst="orthographicFront"/>
+      <a:lightRig rig="threePt" dir="t"/>
+    </dgm:scene3d>
+    <dgm:sp3d/>
+    <dgm:txPr/>
+    <dgm:style>
+      <a:lnRef idx="0">
+        <a:scrgbClr r="0" g="0" b="0"/>
+      </a:lnRef>
+      <a:fillRef idx="3">
+        <a:scrgbClr r="0" g="0" b="0"/>
+      </a:fillRef>
+      <a:effectRef idx="3">
+        <a:scrgbClr r="0" g="0" b="0"/>
+      </a:effectRef>
+      <a:fontRef idx="minor">
+        <a:schemeClr val="lt1"/>
+      </a:fontRef>
+    </dgm:style>
+  </dgm:styleLbl>
+  <dgm:styleLbl name="node3">
+    <dgm:scene3d>
+      <a:camera prst="orthographicFront"/>
+      <a:lightRig rig="threePt" dir="t"/>
+    </dgm:scene3d>
+    <dgm:sp3d/>
+    <dgm:txPr/>
+    <dgm:style>
+      <a:lnRef idx="0">
+        <a:scrgbClr r="0" g="0" b="0"/>
+      </a:lnRef>
+      <a:fillRef idx="3">
+        <a:scrgbClr r="0" g="0" b="0"/>
+      </a:fillRef>
+      <a:effectRef idx="3">
+        <a:scrgbClr r="0" g="0" b="0"/>
+      </a:effectRef>
+      <a:fontRef idx="minor">
+        <a:schemeClr val="lt1"/>
+      </a:fontRef>
+    </dgm:style>
+  </dgm:styleLbl>
+  <dgm:styleLbl name="node4">
+    <dgm:scene3d>
+      <a:camera prst="orthographicFront"/>
+      <a:lightRig rig="threePt" dir="t"/>
+    </dgm:scene3d>
+    <dgm:sp3d/>
+    <dgm:txPr/>
+    <dgm:style>
+      <a:lnRef idx="0">
+        <a:scrgbClr r="0" g="0" b="0"/>
+      </a:lnRef>
+      <a:fillRef idx="3">
+        <a:scrgbClr r="0" g="0" b="0"/>
+      </a:fillRef>
+      <a:effectRef idx="3">
+        <a:scrgbClr r="0" g="0" b="0"/>
+      </a:effectRef>
+      <a:fontRef idx="minor">
+        <a:schemeClr val="lt1"/>
+      </a:fontRef>
+    </dgm:style>
+  </dgm:styleLbl>
+  <dgm:styleLbl name="fgImgPlace1">
+    <dgm:scene3d>
+      <a:camera prst="orthographicFront"/>
+      <a:lightRig rig="threePt" dir="t"/>
+    </dgm:scene3d>
+    <dgm:sp3d/>
+    <dgm:txPr/>
+    <dgm:style>
+      <a:lnRef idx="0">
+        <a:scrgbClr r="0" g="0" b="0"/>
+      </a:lnRef>
+      <a:fillRef idx="1">
+        <a:scrgbClr r="0" g="0" b="0"/>
+      </a:fillRef>
+      <a:effectRef idx="3">
+        <a:scrgbClr r="0" g="0" b="0"/>
+      </a:effectRef>
+      <a:fontRef idx="minor"/>
+    </dgm:style>
+  </dgm:styleLbl>
+  <dgm:styleLbl name="alignImgPlace1">
+    <dgm:scene3d>
+      <a:camera prst="orthographicFront"/>
+      <a:lightRig rig="threePt" dir="t"/>
+    </dgm:scene3d>
+    <dgm:sp3d/>
+    <dgm:txPr/>
+    <dgm:style>
+      <a:lnRef idx="0">
+        <a:scrgbClr r="0" g="0" b="0"/>
+      </a:lnRef>
+      <a:fillRef idx="1">
+        <a:scrgbClr r="0" g="0" b="0"/>
+      </a:fillRef>
+      <a:effectRef idx="3">
+        <a:scrgbClr r="0" g="0" b="0"/>
+      </a:effectRef>
+      <a:fontRef idx="minor"/>
+    </dgm:style>
+  </dgm:styleLbl>
+  <dgm:styleLbl name="bgImgPlace1">
+    <dgm:scene3d>
+      <a:camera prst="orthographicFront"/>
+      <a:lightRig rig="threePt" dir="t"/>
+    </dgm:scene3d>
+    <dgm:sp3d/>
+    <dgm:txPr/>
+    <dgm:style>
+      <a:lnRef idx="0">
+        <a:scrgbClr r="0" g="0" b="0"/>
+      </a:lnRef>
+      <a:fillRef idx="1">
+        <a:scrgbClr r="0" g="0" b="0"/>
+      </a:fillRef>
+      <a:effectRef idx="3">
+        <a:scrgbClr r="0" g="0" b="0"/>
+      </a:effectRef>
+      <a:fontRef idx="minor"/>
+    </dgm:style>
+  </dgm:styleLbl>
+  <dgm:styleLbl name="sibTrans2D1">
+    <dgm:scene3d>
+      <a:camera prst="orthographicFront"/>
+      <a:lightRig rig="threePt" dir="t"/>
+    </dgm:scene3d>
+    <dgm:sp3d/>
+    <dgm:txPr/>
+    <dgm:style>
+      <a:lnRef idx="0">
+        <a:scrgbClr r="0" g="0" b="0"/>
+      </a:lnRef>
+      <a:fillRef idx="3">
+        <a:scrgbClr r="0" g="0" b="0"/>
+      </a:fillRef>
+      <a:effectRef idx="3">
+        <a:scrgbClr r="0" g="0" b="0"/>
+      </a:effectRef>
+      <a:fontRef idx="minor">
+        <a:schemeClr val="lt1"/>
+      </a:fontRef>
+    </dgm:style>
+  </dgm:styleLbl>
+  <dgm:styleLbl name="fgSibTrans2D1">
+    <dgm:scene3d>
+      <a:camera prst="orthographicFront"/>
+      <a:lightRig rig="threePt" dir="t"/>
+    </dgm:scene3d>
+    <dgm:sp3d/>
+    <dgm:txPr/>
+    <dgm:style>
+      <a:lnRef idx="0">
+        <a:scrgbClr r="0" g="0" b="0"/>
+      </a:lnRef>
+      <a:fillRef idx="3">
+        <a:scrgbClr r="0" g="0" b="0"/>
+      </a:fillRef>
+      <a:effectRef idx="3">
+        <a:scrgbClr r="0" g="0" b="0"/>
+      </a:effectRef>
+      <a:fontRef idx="minor">
+        <a:schemeClr val="lt1"/>
+      </a:fontRef>
+    </dgm:style>
+  </dgm:styleLbl>
+  <dgm:styleLbl name="bgSibTrans2D1">
+    <dgm:scene3d>
+      <a:camera prst="orthographicFront"/>
+      <a:lightRig rig="threePt" dir="t"/>
+    </dgm:scene3d>
+    <dgm:sp3d/>
+    <dgm:txPr/>
+    <dgm:style>
+      <a:lnRef idx="0">
+        <a:scrgbClr r="0" g="0" b="0"/>
+      </a:lnRef>
+      <a:fillRef idx="3">
+        <a:scrgbClr r="0" g="0" b="0"/>
+      </a:fillRef>
+      <a:effectRef idx="3">
+        <a:scrgbClr r="0" g="0" b="0"/>
+      </a:effectRef>
+      <a:fontRef idx="minor">
+        <a:schemeClr val="lt1"/>
+      </a:fontRef>
+    </dgm:style>
+  </dgm:styleLbl>
+  <dgm:styleLbl name="sibTrans1D1">
+    <dgm:scene3d>
+      <a:camera prst="orthographicFront"/>
+      <a:lightRig rig="threePt" dir="t"/>
+    </dgm:scene3d>
+    <dgm:sp3d/>
+    <dgm:txPr/>
+    <dgm:style>
+      <a:lnRef idx="1">
+        <a:scrgbClr r="0" g="0" b="0"/>
+      </a:lnRef>
+      <a:fillRef idx="0">
+        <a:scrgbClr r="0" g="0" b="0"/>
+      </a:fillRef>
+      <a:effectRef idx="0">
+        <a:scrgbClr r="0" g="0" b="0"/>
+      </a:effectRef>
+      <a:fontRef idx="minor"/>
+    </dgm:style>
+  </dgm:styleLbl>
+  <dgm:styleLbl name="callout">
+    <dgm:scene3d>
+      <a:camera prst="orthographicFront"/>
+      <a:lightRig rig="threePt" dir="t"/>
+    </dgm:scene3d>
+    <dgm:sp3d/>
+    <dgm:txPr/>
+    <dgm:style>
+      <a:lnRef idx="1">
+        <a:scrgbClr r="0" g="0" b="0"/>
+      </a:lnRef>
+      <a:fillRef idx="0">
+        <a:scrgbClr r="0" g="0" b="0"/>
+      </a:fillRef>
+      <a:effectRef idx="1">
+        <a:scrgbClr r="0" g="0" b="0"/>
+      </a:effectRef>
+      <a:fontRef idx="minor"/>
+    </dgm:style>
+  </dgm:styleLbl>
+  <dgm:styleLbl name="asst0">
+    <dgm:scene3d>
+      <a:camera prst="orthographicFront"/>
+      <a:lightRig rig="threePt" dir="t"/>
+    </dgm:scene3d>
+    <dgm:sp3d/>
+    <dgm:txPr/>
+    <dgm:style>
+      <a:lnRef idx="0">
+        <a:scrgbClr r="0" g="0" b="0"/>
+      </a:lnRef>
+      <a:fillRef idx="3">
+        <a:scrgbClr r="0" g="0" b="0"/>
+      </a:fillRef>
+      <a:effectRef idx="3">
+        <a:scrgbClr r="0" g="0" b="0"/>
+      </a:effectRef>
+      <a:fontRef idx="minor">
+        <a:schemeClr val="lt1"/>
+      </a:fontRef>
+    </dgm:style>
+  </dgm:styleLbl>
+  <dgm:styleLbl name="asst1">
+    <dgm:scene3d>
+      <a:camera prst="orthographicFront"/>
+      <a:lightRig rig="threePt" dir="t"/>
+    </dgm:scene3d>
+    <dgm:sp3d/>
+    <dgm:txPr/>
+    <dgm:style>
+      <a:lnRef idx="0">
+        <a:scrgbClr r="0" g="0" b="0"/>
+      </a:lnRef>
+      <a:fillRef idx="3">
+        <a:scrgbClr r="0" g="0" b="0"/>
+      </a:fillRef>
+      <a:effectRef idx="3">
+        <a:scrgbClr r="0" g="0" b="0"/>
+      </a:effectRef>
+      <a:fontRef idx="minor">
+        <a:schemeClr val="lt1"/>
+      </a:fontRef>
+    </dgm:style>
+  </dgm:styleLbl>
+  <dgm:styleLbl name="asst2">
+    <dgm:scene3d>
+      <a:camera prst="orthographicFront"/>
+      <a:lightRig rig="threePt" dir="t"/>
+    </dgm:scene3d>
+    <dgm:sp3d/>
+    <dgm:txPr/>
+    <dgm:style>
+      <a:lnRef idx="0">
+        <a:scrgbClr r="0" g="0" b="0"/>
+      </a:lnRef>
+      <a:fillRef idx="3">
+        <a:scrgbClr r="0" g="0" b="0"/>
+      </a:fillRef>
+      <a:effectRef idx="3">
+        <a:scrgbClr r="0" g="0" b="0"/>
+      </a:effectRef>
+      <a:fontRef idx="minor">
+        <a:schemeClr val="lt1"/>
+      </a:fontRef>
+    </dgm:style>
+  </dgm:styleLbl>
+  <dgm:styleLbl name="asst3">
+    <dgm:scene3d>
+      <a:camera prst="orthographicFront"/>
+      <a:lightRig rig="threePt" dir="t"/>
+    </dgm:scene3d>
+    <dgm:sp3d/>
+    <dgm:txPr/>
+    <dgm:style>
+      <a:lnRef idx="0">
+        <a:scrgbClr r="0" g="0" b="0"/>
+      </a:lnRef>
+      <a:fillRef idx="3">
+        <a:scrgbClr r="0" g="0" b="0"/>
+      </a:fillRef>
+      <a:effectRef idx="3">
+        <a:scrgbClr r="0" g="0" b="0"/>
+      </a:effectRef>
+      <a:fontRef idx="minor">
+        <a:schemeClr val="lt1"/>
+      </a:fontRef>
+    </dgm:style>
+  </dgm:styleLbl>
+  <dgm:styleLbl name="asst4">
+    <dgm:scene3d>
+      <a:camera prst="orthographicFront"/>
+      <a:lightRig rig="threePt" dir="t"/>
+    </dgm:scene3d>
+    <dgm:sp3d/>
+    <dgm:txPr/>
+    <dgm:style>
+      <a:lnRef idx="0">
+        <a:scrgbClr r="0" g="0" b="0"/>
+      </a:lnRef>
+      <a:fillRef idx="3">
+        <a:scrgbClr r="0" g="0" b="0"/>
+      </a:fillRef>
+      <a:effectRef idx="3">
+        <a:scrgbClr r="0" g="0" b="0"/>
+      </a:effectRef>
+      <a:fontRef idx="minor">
+        <a:schemeClr val="lt1"/>
+      </a:fontRef>
+    </dgm:style>
+  </dgm:styleLbl>
+  <dgm:styleLbl name="parChTrans2D1">
+    <dgm:scene3d>
+      <a:camera prst="orthographicFront"/>
+      <a:lightRig rig="threePt" dir="t"/>
+    </dgm:scene3d>
+    <dgm:sp3d/>
+    <dgm:txPr/>
+    <dgm:style>
+      <a:lnRef idx="0">
+        <a:scrgbClr r="0" g="0" b="0"/>
+      </a:lnRef>
+      <a:fillRef idx="3">
+        <a:scrgbClr r="0" g="0" b="0"/>
+      </a:fillRef>
+      <a:effectRef idx="3">
+        <a:scrgbClr r="0" g="0" b="0"/>
+      </a:effectRef>
+      <a:fontRef idx="minor">
+        <a:schemeClr val="lt1"/>
+      </a:fontRef>
+    </dgm:style>
+  </dgm:styleLbl>
+  <dgm:styleLbl name="parChTrans2D2">
+    <dgm:scene3d>
+      <a:camera prst="orthographicFront"/>
+      <a:lightRig rig="threePt" dir="t"/>
+    </dgm:scene3d>
+    <dgm:sp3d/>
+    <dgm:txPr/>
+    <dgm:style>
+      <a:lnRef idx="0">
+        <a:scrgbClr r="0" g="0" b="0"/>
+      </a:lnRef>
+      <a:fillRef idx="3">
+        <a:scrgbClr r="0" g="0" b="0"/>
+      </a:fillRef>
+      <a:effectRef idx="3">
+        <a:scrgbClr r="0" g="0" b="0"/>
+      </a:effectRef>
+      <a:fontRef idx="minor">
+        <a:schemeClr val="lt1"/>
+      </a:fontRef>
+    </dgm:style>
+  </dgm:styleLbl>
+  <dgm:styleLbl name="parChTrans2D3">
+    <dgm:scene3d>
+      <a:camera prst="orthographicFront"/>
+      <a:lightRig rig="threePt" dir="t"/>
+    </dgm:scene3d>
+    <dgm:sp3d/>
+    <dgm:txPr/>
+    <dgm:style>
+      <a:lnRef idx="0">
+        <a:scrgbClr r="0" g="0" b="0"/>
+      </a:lnRef>
+      <a:fillRef idx="3">
+        <a:scrgbClr r="0" g="0" b="0"/>
+      </a:fillRef>
+      <a:effectRef idx="3">
+        <a:scrgbClr r="0" g="0" b="0"/>
+      </a:effectRef>
+      <a:fontRef idx="minor">
+        <a:schemeClr val="lt1"/>
+      </a:fontRef>
+    </dgm:style>
+  </dgm:styleLbl>
+  <dgm:styleLbl name="parChTrans2D4">
+    <dgm:scene3d>
+      <a:camera prst="orthographicFront"/>
+      <a:lightRig rig="threePt" dir="t"/>
+    </dgm:scene3d>
+    <dgm:sp3d/>
+    <dgm:txPr/>
+    <dgm:style>
+      <a:lnRef idx="0">
+        <a:scrgbClr r="0" g="0" b="0"/>
+      </a:lnRef>
+      <a:fillRef idx="3">
+        <a:scrgbClr r="0" g="0" b="0"/>
+      </a:fillRef>
+      <a:effectRef idx="3">
+        <a:scrgbClr r="0" g="0" b="0"/>
+      </a:effectRef>
+      <a:fontRef idx="minor">
+        <a:schemeClr val="lt1"/>
+      </a:fontRef>
+    </dgm:style>
+  </dgm:styleLbl>
+  <dgm:styleLbl name="parChTrans1D1">
+    <dgm:scene3d>
+      <a:camera prst="orthographicFront"/>
+      <a:lightRig rig="threePt" dir="t"/>
+    </dgm:scene3d>
+    <dgm:sp3d/>
+    <dgm:txPr/>
+    <dgm:style>
+      <a:lnRef idx="2">
+        <a:scrgbClr r="0" g="0" b="0"/>
+      </a:lnRef>
+      <a:fillRef idx="0">
+        <a:scrgbClr r="0" g="0" b="0"/>
+      </a:fillRef>
+      <a:effectRef idx="0">
+        <a:scrgbClr r="0" g="0" b="0"/>
+      </a:effectRef>
+      <a:fontRef idx="minor"/>
+    </dgm:style>
+  </dgm:styleLbl>
+  <dgm:styleLbl name="parChTrans1D2">
+    <dgm:scene3d>
+      <a:camera prst="orthographicFront"/>
+      <a:lightRig rig="threePt" dir="t"/>
+    </dgm:scene3d>
+    <dgm:sp3d/>
+    <dgm:txPr/>
+    <dgm:style>
+      <a:lnRef idx="2">
+        <a:scrgbClr r="0" g="0" b="0"/>
+      </a:lnRef>
+      <a:fillRef idx="0">
+        <a:scrgbClr r="0" g="0" b="0"/>
+      </a:fillRef>
+      <a:effectRef idx="0">
+        <a:scrgbClr r="0" g="0" b="0"/>
+      </a:effectRef>
+      <a:fontRef idx="minor"/>
+    </dgm:style>
+  </dgm:styleLbl>
+  <dgm:styleLbl name="parChTrans1D3">
+    <dgm:scene3d>
+      <a:camera prst="orthographicFront"/>
+      <a:lightRig rig="threePt" dir="t"/>
+    </dgm:scene3d>
+    <dgm:sp3d/>
+    <dgm:txPr/>
+    <dgm:style>
+      <a:lnRef idx="2">
+        <a:scrgbClr r="0" g="0" b="0"/>
+      </a:lnRef>
+      <a:fillRef idx="0">
+        <a:scrgbClr r="0" g="0" b="0"/>
+      </a:fillRef>
+      <a:effectRef idx="0">
+        <a:scrgbClr r="0" g="0" b="0"/>
+      </a:effectRef>
+      <a:fontRef idx="minor"/>
+    </dgm:style>
+  </dgm:styleLbl>
+  <dgm:styleLbl name="parChTrans1D4">
+    <dgm:scene3d>
+      <a:camera prst="orthographicFront"/>
+      <a:lightRig rig="threePt" dir="t"/>
+    </dgm:scene3d>
+    <dgm:sp3d/>
+    <dgm:txPr/>
+    <dgm:style>
+      <a:lnRef idx="2">
+        <a:scrgbClr r="0" g="0" b="0"/>
+      </a:lnRef>
+      <a:fillRef idx="0">
+        <a:scrgbClr r="0" g="0" b="0"/>
+      </a:fillRef>
+      <a:effectRef idx="0">
+        <a:scrgbClr r="0" g="0" b="0"/>
+      </a:effectRef>
+      <a:fontRef idx="minor"/>
+    </dgm:style>
+  </dgm:styleLbl>
+  <dgm:styleLbl name="fgAcc1">
+    <dgm:scene3d>
+      <a:camera prst="orthographicFront"/>
+      <a:lightRig rig="threePt" dir="t"/>
+    </dgm:scene3d>
+    <dgm:sp3d/>
+    <dgm:txPr/>
+    <dgm:style>
+      <a:lnRef idx="1">
+        <a:scrgbClr r="0" g="0" b="0"/>
+      </a:lnRef>
+      <a:fillRef idx="1">
+        <a:scrgbClr r="0" g="0" b="0"/>
+      </a:fillRef>
+      <a:effectRef idx="2">
+        <a:scrgbClr r="0" g="0" b="0"/>
+      </a:effectRef>
+      <a:fontRef idx="minor"/>
+    </dgm:style>
+  </dgm:styleLbl>
+  <dgm:styleLbl name="conFgAcc1">
+    <dgm:scene3d>
+      <a:camera prst="orthographicFront"/>
+      <a:lightRig rig="threePt" dir="t"/>
+    </dgm:scene3d>
+    <dgm:sp3d/>
+    <dgm:txPr/>
+    <dgm:style>
+      <a:lnRef idx="1">
+        <a:scrgbClr r="0" g="0" b="0"/>
+      </a:lnRef>
+      <a:fillRef idx="1">
+        <a:scrgbClr r="0" g="0" b="0"/>
+      </a:fillRef>
+      <a:effectRef idx="2">
+        <a:scrgbClr r="0" g="0" b="0"/>
+      </a:effectRef>
+      <a:fontRef idx="minor"/>
+    </dgm:style>
+  </dgm:styleLbl>
+  <dgm:styleLbl name="alignAcc1">
+    <dgm:scene3d>
+      <a:camera prst="orthographicFront"/>
+      <a:lightRig rig="threePt" dir="t"/>
+    </dgm:scene3d>
+    <dgm:sp3d/>
+    <dgm:txPr/>
+    <dgm:style>
+      <a:lnRef idx="1">
+        <a:scrgbClr r="0" g="0" b="0"/>
+      </a:lnRef>
+      <a:fillRef idx="1">
+        <a:scrgbClr r="0" g="0" b="0"/>
+      </a:fillRef>
+      <a:effectRef idx="2">
+        <a:scrgbClr r="0" g="0" b="0"/>
+      </a:effectRef>
+      <a:fontRef idx="minor"/>
+    </dgm:style>
+  </dgm:styleLbl>
+  <dgm:styleLbl name="trAlignAcc1">
+    <dgm:scene3d>
+      <a:camera prst="orthographicFront"/>
+      <a:lightRig rig="threePt" dir="t"/>
+    </dgm:scene3d>
+    <dgm:sp3d/>
+    <dgm:txPr/>
+    <dgm:style>
+      <a:lnRef idx="1">
+        <a:scrgbClr r="0" g="0" b="0"/>
+      </a:lnRef>
+      <a:fillRef idx="1">
+        <a:scrgbClr r="0" g="0" b="0"/>
+      </a:fillRef>
+      <a:effectRef idx="0">
+        <a:scrgbClr r="0" g="0" b="0"/>
+      </a:effectRef>
+      <a:fontRef idx="minor"/>
+    </dgm:style>
+  </dgm:styleLbl>
+  <dgm:styleLbl name="bgAcc1">
+    <dgm:scene3d>
+      <a:camera prst="orthographicFront"/>
+      <a:lightRig rig="threePt" dir="t"/>
+    </dgm:scene3d>
+    <dgm:sp3d/>
+    <dgm:txPr/>
+    <dgm:style>
+      <a:lnRef idx="1">
+        <a:scrgbClr r="0" g="0" b="0"/>
+      </a:lnRef>
+      <a:fillRef idx="1">
+        <a:scrgbClr r="0" g="0" b="0"/>
+      </a:fillRef>
+      <a:effectRef idx="2">
+        <a:scrgbClr r="0" g="0" b="0"/>
+      </a:effectRef>
+      <a:fontRef idx="minor"/>
+    </dgm:style>
+  </dgm:styleLbl>
+  <dgm:styleLbl name="solidFgAcc1">
+    <dgm:scene3d>
+      <a:camera prst="orthographicFront"/>
+      <a:lightRig rig="threePt" dir="t"/>
+    </dgm:scene3d>
+    <dgm:sp3d/>
+    <dgm:txPr/>
+    <dgm:style>
+      <a:lnRef idx="1">
+        <a:scrgbClr r="0" g="0" b="0"/>
+      </a:lnRef>
+      <a:fillRef idx="1">
+        <a:scrgbClr r="0" g="0" b="0"/>
+      </a:fillRef>
+      <a:effectRef idx="2">
+        <a:scrgbClr r="0" g="0" b="0"/>
+      </a:effectRef>
+      <a:fontRef idx="minor"/>
+    </dgm:style>
+  </dgm:styleLbl>
+  <dgm:styleLbl name="solidAlignAcc1">
+    <dgm:scene3d>
+      <a:camera prst="orthographicFront"/>
+      <a:lightRig rig="threePt" dir="t"/>
+    </dgm:scene3d>
+    <dgm:sp3d/>
+    <dgm:txPr/>
+    <dgm:style>
+      <a:lnRef idx="1">
+        <a:scrgbClr r="0" g="0" b="0"/>
+      </a:lnRef>
+      <a:fillRef idx="1">
+        <a:scrgbClr r="0" g="0" b="0"/>
+      </a:fillRef>
+      <a:effectRef idx="3">
+        <a:scrgbClr r="0" g="0" b="0"/>
+      </a:effectRef>
+      <a:fontRef idx="minor"/>
+    </dgm:style>
+  </dgm:styleLbl>
+  <dgm:styleLbl name="solidBgAcc1">
+    <dgm:scene3d>
+      <a:camera prst="orthographicFront"/>
+      <a:lightRig rig="threePt" dir="t"/>
+    </dgm:scene3d>
+    <dgm:sp3d/>
+    <dgm:txPr/>
+    <dgm:style>
+      <a:lnRef idx="1">
+        <a:scrgbClr r="0" g="0" b="0"/>
+      </a:lnRef>
+      <a:fillRef idx="1">
+        <a:scrgbClr r="0" g="0" b="0"/>
+      </a:fillRef>
+      <a:effectRef idx="3">
+        <a:scrgbClr r="0" g="0" b="0"/>
+      </a:effectRef>
+      <a:fontRef idx="minor"/>
+    </dgm:style>
+  </dgm:styleLbl>
+  <dgm:styleLbl name="fgAccFollowNode1">
+    <dgm:scene3d>
+      <a:camera prst="orthographicFront"/>
+      <a:lightRig rig="threePt" dir="t"/>
+    </dgm:scene3d>
+    <dgm:sp3d/>
+    <dgm:txPr/>
+    <dgm:style>
+      <a:lnRef idx="1">
+        <a:scrgbClr r="0" g="0" b="0"/>
+      </a:lnRef>
+      <a:fillRef idx="1">
+        <a:scrgbClr r="0" g="0" b="0"/>
+      </a:fillRef>
+      <a:effectRef idx="2">
+        <a:scrgbClr r="0" g="0" b="0"/>
+      </a:effectRef>
+      <a:fontRef idx="minor"/>
+    </dgm:style>
+  </dgm:styleLbl>
+  <dgm:styleLbl name="alignAccFollowNode1">
+    <dgm:scene3d>
+      <a:camera prst="orthographicFront"/>
+      <a:lightRig rig="threePt" dir="t"/>
+    </dgm:scene3d>
+    <dgm:sp3d/>
+    <dgm:txPr/>
+    <dgm:style>
+      <a:lnRef idx="1">
+        <a:scrgbClr r="0" g="0" b="0"/>
+      </a:lnRef>
+      <a:fillRef idx="1">
+        <a:scrgbClr r="0" g="0" b="0"/>
+      </a:fillRef>
+      <a:effectRef idx="2">
+        <a:scrgbClr r="0" g="0" b="0"/>
+      </a:effectRef>
+      <a:fontRef idx="minor"/>
+    </dgm:style>
+  </dgm:styleLbl>
+  <dgm:styleLbl name="bgAccFollowNode1">
+    <dgm:scene3d>
+      <a:camera prst="orthographicFront"/>
+      <a:lightRig rig="threePt" dir="t"/>
+    </dgm:scene3d>
+    <dgm:sp3d/>
+    <dgm:txPr/>
+    <dgm:style>
+      <a:lnRef idx="1">
+        <a:scrgbClr r="0" g="0" b="0"/>
+      </a:lnRef>
+      <a:fillRef idx="1">
+        <a:scrgbClr r="0" g="0" b="0"/>
+      </a:fillRef>
+      <a:effectRef idx="2">
+        <a:scrgbClr r="0" g="0" b="0"/>
+      </a:effectRef>
+      <a:fontRef idx="minor"/>
+    </dgm:style>
+  </dgm:styleLbl>
+  <dgm:styleLbl name="fgAcc0">
+    <dgm:scene3d>
+      <a:camera prst="orthographicFront"/>
+      <a:lightRig rig="threePt" dir="t"/>
+    </dgm:scene3d>
+    <dgm:sp3d/>
+    <dgm:txPr/>
+    <dgm:style>
+      <a:lnRef idx="1">
+        <a:scrgbClr r="0" g="0" b="0"/>
+      </a:lnRef>
+      <a:fillRef idx="1">
+        <a:scrgbClr r="0" g="0" b="0"/>
+      </a:fillRef>
+      <a:effectRef idx="2">
+        <a:scrgbClr r="0" g="0" b="0"/>
+      </a:effectRef>
+      <a:fontRef idx="minor"/>
+    </dgm:style>
+  </dgm:styleLbl>
+  <dgm:styleLbl name="fgAcc2">
+    <dgm:scene3d>
+      <a:camera prst="orthographicFront"/>
+      <a:lightRig rig="threePt" dir="t"/>
+    </dgm:scene3d>
+    <dgm:sp3d/>
+    <dgm:txPr/>
+    <dgm:style>
+      <a:lnRef idx="1">
+        <a:scrgbClr r="0" g="0" b="0"/>
+      </a:lnRef>
+      <a:fillRef idx="1">
+        <a:scrgbClr r="0" g="0" b="0"/>
+      </a:fillRef>
+      <a:effectRef idx="2">
+        <a:scrgbClr r="0" g="0" b="0"/>
+      </a:effectRef>
+      <a:fontRef idx="minor"/>
+    </dgm:style>
+  </dgm:styleLbl>
+  <dgm:styleLbl name="fgAcc3">
+    <dgm:scene3d>
+      <a:camera prst="orthographicFront"/>
+      <a:lightRig rig="threePt" dir="t"/>
+    </dgm:scene3d>
+    <dgm:sp3d/>
+    <dgm:txPr/>
+    <dgm:style>
+      <a:lnRef idx="1">
+        <a:scrgbClr r="0" g="0" b="0"/>
+      </a:lnRef>
+      <a:fillRef idx="1">
+        <a:scrgbClr r="0" g="0" b="0"/>
+      </a:fillRef>
+      <a:effectRef idx="2">
+        <a:scrgbClr r="0" g="0" b="0"/>
+      </a:effectRef>
+      <a:fontRef idx="minor"/>
+    </dgm:style>
+  </dgm:styleLbl>
+  <dgm:styleLbl name="fgAcc4">
+    <dgm:scene3d>
+      <a:camera prst="orthographicFront"/>
+      <a:lightRig rig="threePt" dir="t"/>
+    </dgm:scene3d>
+    <dgm:sp3d/>
+    <dgm:txPr/>
+    <dgm:style>
+      <a:lnRef idx="1">
+        <a:scrgbClr r="0" g="0" b="0"/>
+      </a:lnRef>
+      <a:fillRef idx="1">
+        <a:scrgbClr r="0" g="0" b="0"/>
+      </a:fillRef>
+      <a:effectRef idx="2">
+        <a:scrgbClr r="0" g="0" b="0"/>
+      </a:effectRef>
+      <a:fontRef idx="minor"/>
+    </dgm:style>
+  </dgm:styleLbl>
+  <dgm:styleLbl name="bgShp">
+    <dgm:scene3d>
+      <a:camera prst="orthographicFront"/>
+      <a:lightRig rig="threePt" dir="t"/>
+    </dgm:scene3d>
+    <dgm:sp3d/>
+    <dgm:txPr/>
+    <dgm:style>
+      <a:lnRef idx="0">
+        <a:scrgbClr r="0" g="0" b="0"/>
+      </a:lnRef>
+      <a:fillRef idx="1">
+        <a:scrgbClr r="0" g="0" b="0"/>
+      </a:fillRef>
+      <a:effectRef idx="2">
+        <a:scrgbClr r="0" g="0" b="0"/>
+      </a:effectRef>
+      <a:fontRef idx="minor"/>
+    </dgm:style>
+  </dgm:styleLbl>
+  <dgm:styleLbl name="dkBgShp">
+    <dgm:scene3d>
+      <a:camera prst="orthographicFront"/>
+      <a:lightRig rig="threePt" dir="t"/>
+    </dgm:scene3d>
+    <dgm:sp3d/>
+    <dgm:txPr/>
+    <dgm:style>
+      <a:lnRef idx="0">
+        <a:scrgbClr r="0" g="0" b="0"/>
+      </a:lnRef>
+      <a:fillRef idx="1">
+        <a:scrgbClr r="0" g="0" b="0"/>
+      </a:fillRef>
+      <a:effectRef idx="3">
+        <a:scrgbClr r="0" g="0" b="0"/>
+      </a:effectRef>
+      <a:fontRef idx="minor"/>
+    </dgm:style>
+  </dgm:styleLbl>
+  <dgm:styleLbl name="trBgShp">
+    <dgm:scene3d>
+      <a:camera prst="orthographicFront"/>
+      <a:lightRig rig="threePt" dir="t"/>
+    </dgm:scene3d>
+    <dgm:sp3d/>
+    <dgm:txPr/>
+    <dgm:style>
+      <a:lnRef idx="0">
+        <a:scrgbClr r="0" g="0" b="0"/>
+      </a:lnRef>
+      <a:fillRef idx="1">
+        <a:scrgbClr r="0" g="0" b="0"/>
+      </a:fillRef>
+      <a:effectRef idx="0">
+        <a:scrgbClr r="0" g="0" b="0"/>
+      </a:effectRef>
+      <a:fontRef idx="minor"/>
+    </dgm:style>
+  </dgm:styleLbl>
+  <dgm:styleLbl name="fgShp">
+    <dgm:scene3d>
+      <a:camera prst="orthographicFront"/>
+      <a:lightRig rig="threePt" dir="t"/>
+    </dgm:scene3d>
+    <dgm:sp3d/>
+    <dgm:txPr/>
+    <dgm:style>
+      <a:lnRef idx="0">
+        <a:scrgbClr r="0" g="0" b="0"/>
+      </a:lnRef>
+      <a:fillRef idx="3">
+        <a:scrgbClr r="0" g="0" b="0"/>
+      </a:fillRef>
+      <a:effectRef idx="3">
+        <a:scrgbClr r="0" g="0" b="0"/>
+      </a:effectRef>
+      <a:fontRef idx="minor"/>
+    </dgm:style>
+  </dgm:styleLbl>
+  <dgm:styleLbl name="revTx">
+    <dgm:scene3d>
+      <a:camera prst="orthographicFront"/>
+      <a:lightRig rig="threePt" dir="t"/>
+    </dgm:scene3d>
+    <dgm:sp3d/>
+    <dgm:txPr/>
+    <dgm:style>
+      <a:lnRef idx="0">
+        <a:scrgbClr r="0" g="0" b="0"/>
+      </a:lnRef>
+      <a:fillRef idx="0">
+        <a:scrgbClr r="0" g="0" b="0"/>
+      </a:fillRef>
+      <a:effectRef idx="0">
+        <a:scrgbClr r="0" g="0" b="0"/>
+      </a:effectRef>
+      <a:fontRef idx="minor"/>
+    </dgm:style>
+  </dgm:styleLbl>
+</dgm:styleDef>
+</file>
+
+<file path=ppt/diagrams/quickStyle2.xml><?xml version="1.0" encoding="utf-8"?>
+<dgm:styleDef xmlns:dgm="http://schemas.openxmlformats.org/drawingml/2006/diagram" xmlns:a="http://schemas.openxmlformats.org/drawingml/2006/main" uniqueId="urn:microsoft.com/office/officeart/2005/8/quickstyle/simple4">
+  <dgm:title val=""/>
+  <dgm:desc val=""/>
+  <dgm:catLst>
+    <dgm:cat type="simple" pri="10400"/>
+  </dgm:catLst>
+  <dgm:scene3d>
+    <a:camera prst="orthographicFront"/>
+    <a:lightRig rig="threePt" dir="t"/>
+  </dgm:scene3d>
+  <dgm:styleLbl name="node0">
+    <dgm:scene3d>
+      <a:camera prst="orthographicFront"/>
+      <a:lightRig rig="threePt" dir="t"/>
+    </dgm:scene3d>
+    <dgm:sp3d/>
+    <dgm:txPr/>
+    <dgm:style>
+      <a:lnRef idx="0">
+        <a:scrgbClr r="0" g="0" b="0"/>
+      </a:lnRef>
+      <a:fillRef idx="3">
+        <a:scrgbClr r="0" g="0" b="0"/>
+      </a:fillRef>
+      <a:effectRef idx="2">
+        <a:scrgbClr r="0" g="0" b="0"/>
+      </a:effectRef>
+      <a:fontRef idx="minor">
+        <a:schemeClr val="lt1"/>
+      </a:fontRef>
+    </dgm:style>
+  </dgm:styleLbl>
+  <dgm:styleLbl name="lnNode1">
+    <dgm:scene3d>
+      <a:camera prst="orthographicFront"/>
+      <a:lightRig rig="threePt" dir="t"/>
+    </dgm:scene3d>
+    <dgm:sp3d/>
+    <dgm:txPr/>
+    <dgm:style>
+      <a:lnRef idx="1">
+        <a:scrgbClr r="0" g="0" b="0"/>
+      </a:lnRef>
+      <a:fillRef idx="3">
+        <a:scrgbClr r="0" g="0" b="0"/>
+      </a:fillRef>
+      <a:effectRef idx="2">
+        <a:scrgbClr r="0" g="0" b="0"/>
+      </a:effectRef>
+      <a:fontRef idx="minor">
+        <a:schemeClr val="lt1"/>
+      </a:fontRef>
+    </dgm:style>
+  </dgm:styleLbl>
+  <dgm:styleLbl name="vennNode1">
+    <dgm:scene3d>
+      <a:camera prst="orthographicFront"/>
+      <a:lightRig rig="threePt" dir="t"/>
+    </dgm:scene3d>
+    <dgm:sp3d/>
+    <dgm:txPr/>
+    <dgm:style>
+      <a:lnRef idx="0">
+        <a:scrgbClr r="0" g="0" b="0"/>
+      </a:lnRef>
+      <a:fillRef idx="3">
+        <a:scrgbClr r="0" g="0" b="0"/>
+      </a:fillRef>
+      <a:effectRef idx="0">
+        <a:scrgbClr r="0" g="0" b="0"/>
+      </a:effectRef>
+      <a:fontRef idx="minor">
+        <a:schemeClr val="tx1"/>
+      </a:fontRef>
+    </dgm:style>
+  </dgm:styleLbl>
+  <dgm:styleLbl name="alignNode1">
+    <dgm:scene3d>
+      <a:camera prst="orthographicFront"/>
+      <a:lightRig rig="threePt" dir="t"/>
+    </dgm:scene3d>
+    <dgm:sp3d/>
+    <dgm:txPr/>
+    <dgm:style>
+      <a:lnRef idx="1">
+        <a:scrgbClr r="0" g="0" b="0"/>
+      </a:lnRef>
+      <a:fillRef idx="3">
+        <a:scrgbClr r="0" g="0" b="0"/>
+      </a:fillRef>
+      <a:effectRef idx="2">
+        <a:scrgbClr r="0" g="0" b="0"/>
+      </a:effectRef>
+      <a:fontRef idx="minor">
+        <a:schemeClr val="lt1"/>
+      </a:fontRef>
+    </dgm:style>
+  </dgm:styleLbl>
+  <dgm:styleLbl name="node1">
+    <dgm:scene3d>
+      <a:camera prst="orthographicFront"/>
+      <a:lightRig rig="threePt" dir="t"/>
+    </dgm:scene3d>
+    <dgm:sp3d/>
+    <dgm:txPr/>
+    <dgm:style>
+      <a:lnRef idx="0">
+        <a:scrgbClr r="0" g="0" b="0"/>
+      </a:lnRef>
+      <a:fillRef idx="3">
+        <a:scrgbClr r="0" g="0" b="0"/>
+      </a:fillRef>
+      <a:effectRef idx="2">
+        <a:scrgbClr r="0" g="0" b="0"/>
+      </a:effectRef>
+      <a:fontRef idx="minor">
+        <a:schemeClr val="lt1"/>
+      </a:fontRef>
+    </dgm:style>
+  </dgm:styleLbl>
+  <dgm:styleLbl name="node2">
+    <dgm:scene3d>
+      <a:camera prst="orthographicFront"/>
+      <a:lightRig rig="threePt" dir="t"/>
+    </dgm:scene3d>
+    <dgm:sp3d/>
+    <dgm:txPr/>
+    <dgm:style>
+      <a:lnRef idx="0">
+        <a:scrgbClr r="0" g="0" b="0"/>
+      </a:lnRef>
+      <a:fillRef idx="3">
+        <a:scrgbClr r="0" g="0" b="0"/>
+      </a:fillRef>
+      <a:effectRef idx="2">
+        <a:scrgbClr r="0" g="0" b="0"/>
+      </a:effectRef>
+      <a:fontRef idx="minor">
+        <a:schemeClr val="lt1"/>
+      </a:fontRef>
+    </dgm:style>
+  </dgm:styleLbl>
+  <dgm:styleLbl name="node3">
+    <dgm:scene3d>
+      <a:camera prst="orthographicFront"/>
+      <a:lightRig rig="threePt" dir="t"/>
+    </dgm:scene3d>
+    <dgm:sp3d/>
+    <dgm:txPr/>
+    <dgm:style>
+      <a:lnRef idx="0">
+        <a:scrgbClr r="0" g="0" b="0"/>
+      </a:lnRef>
+      <a:fillRef idx="3">
+        <a:scrgbClr r="0" g="0" b="0"/>
+      </a:fillRef>
+      <a:effectRef idx="2">
+        <a:scrgbClr r="0" g="0" b="0"/>
+      </a:effectRef>
+      <a:fontRef idx="minor">
+        <a:schemeClr val="lt1"/>
+      </a:fontRef>
+    </dgm:style>
+  </dgm:styleLbl>
+  <dgm:styleLbl name="node4">
+    <dgm:scene3d>
+      <a:camera prst="orthographicFront"/>
+      <a:lightRig rig="threePt" dir="t"/>
+    </dgm:scene3d>
+    <dgm:sp3d/>
+    <dgm:txPr/>
+    <dgm:style>
+      <a:lnRef idx="0">
+        <a:scrgbClr r="0" g="0" b="0"/>
+      </a:lnRef>
+      <a:fillRef idx="3">
+        <a:scrgbClr r="0" g="0" b="0"/>
+      </a:fillRef>
+      <a:effectRef idx="2">
+        <a:scrgbClr r="0" g="0" b="0"/>
+      </a:effectRef>
+      <a:fontRef idx="minor">
+        <a:schemeClr val="lt1"/>
+      </a:fontRef>
+    </dgm:style>
+  </dgm:styleLbl>
+  <dgm:styleLbl name="fgImgPlace1">
+    <dgm:scene3d>
+      <a:camera prst="orthographicFront"/>
+      <a:lightRig rig="threePt" dir="t"/>
+    </dgm:scene3d>
+    <dgm:sp3d/>
+    <dgm:txPr/>
+    <dgm:style>
+      <a:lnRef idx="0">
+        <a:scrgbClr r="0" g="0" b="0"/>
+      </a:lnRef>
+      <a:fillRef idx="1">
+        <a:scrgbClr r="0" g="0" b="0"/>
+      </a:fillRef>
+      <a:effectRef idx="2">
+        <a:scrgbClr r="0" g="0" b="0"/>
+      </a:effectRef>
+      <a:fontRef idx="minor"/>
+    </dgm:style>
+  </dgm:styleLbl>
+  <dgm:styleLbl name="alignImgPlace1">
+    <dgm:scene3d>
+      <a:camera prst="orthographicFront"/>
+      <a:lightRig rig="threePt" dir="t"/>
+    </dgm:scene3d>
+    <dgm:sp3d/>
+    <dgm:txPr/>
+    <dgm:style>
+      <a:lnRef idx="0">
+        <a:scrgbClr r="0" g="0" b="0"/>
+      </a:lnRef>
+      <a:fillRef idx="1">
+        <a:scrgbClr r="0" g="0" b="0"/>
+      </a:fillRef>
+      <a:effectRef idx="2">
+        <a:scrgbClr r="0" g="0" b="0"/>
+      </a:effectRef>
+      <a:fontRef idx="minor"/>
+    </dgm:style>
+  </dgm:styleLbl>
+  <dgm:styleLbl name="bgImgPlace1">
+    <dgm:scene3d>
+      <a:camera prst="orthographicFront"/>
+      <a:lightRig rig="threePt" dir="t"/>
+    </dgm:scene3d>
+    <dgm:sp3d/>
+    <dgm:txPr/>
+    <dgm:style>
+      <a:lnRef idx="0">
+        <a:scrgbClr r="0" g="0" b="0"/>
+      </a:lnRef>
+      <a:fillRef idx="1">
+        <a:scrgbClr r="0" g="0" b="0"/>
+      </a:fillRef>
+      <a:effectRef idx="2">
+        <a:scrgbClr r="0" g="0" b="0"/>
+      </a:effectRef>
+      <a:fontRef idx="minor"/>
+    </dgm:style>
+  </dgm:styleLbl>
+  <dgm:styleLbl name="sibTrans2D1">
+    <dgm:scene3d>
+      <a:camera prst="orthographicFront"/>
+      <a:lightRig rig="threePt" dir="t"/>
+    </dgm:scene3d>
+    <dgm:sp3d/>
+    <dgm:txPr/>
+    <dgm:style>
+      <a:lnRef idx="0">
+        <a:scrgbClr r="0" g="0" b="0"/>
+      </a:lnRef>
+      <a:fillRef idx="3">
+        <a:scrgbClr r="0" g="0" b="0"/>
+      </a:fillRef>
+      <a:effectRef idx="2">
+        <a:scrgbClr r="0" g="0" b="0"/>
+      </a:effectRef>
+      <a:fontRef idx="minor">
+        <a:schemeClr val="lt1"/>
+      </a:fontRef>
+    </dgm:style>
+  </dgm:styleLbl>
+  <dgm:styleLbl name="fgSibTrans2D1">
+    <dgm:scene3d>
+      <a:camera prst="orthographicFront"/>
+      <a:lightRig rig="threePt" dir="t"/>
+    </dgm:scene3d>
+    <dgm:sp3d/>
+    <dgm:txPr/>
+    <dgm:style>
+      <a:lnRef idx="0">
+        <a:scrgbClr r="0" g="0" b="0"/>
+      </a:lnRef>
+      <a:fillRef idx="3">
+        <a:scrgbClr r="0" g="0" b="0"/>
+      </a:fillRef>
+      <a:effectRef idx="2">
+        <a:scrgbClr r="0" g="0" b="0"/>
+      </a:effectRef>
+      <a:fontRef idx="minor">
+        <a:schemeClr val="lt1"/>
+      </a:fontRef>
+    </dgm:style>
+  </dgm:styleLbl>
+  <dgm:styleLbl name="bgSibTrans2D1">
+    <dgm:scene3d>
+      <a:camera prst="orthographicFront"/>
+      <a:lightRig rig="threePt" dir="t"/>
+    </dgm:scene3d>
+    <dgm:sp3d/>
+    <dgm:txPr/>
+    <dgm:style>
+      <a:lnRef idx="0">
+        <a:scrgbClr r="0" g="0" b="0"/>
+      </a:lnRef>
+      <a:fillRef idx="3">
+        <a:scrgbClr r="0" g="0" b="0"/>
+      </a:fillRef>
+      <a:effectRef idx="2">
+        <a:scrgbClr r="0" g="0" b="0"/>
+      </a:effectRef>
+      <a:fontRef idx="minor">
+        <a:schemeClr val="lt1"/>
+      </a:fontRef>
+    </dgm:style>
+  </dgm:styleLbl>
+  <dgm:styleLbl name="sibTrans1D1">
+    <dgm:scene3d>
+      <a:camera prst="orthographicFront"/>
+      <a:lightRig rig="threePt" dir="t"/>
+    </dgm:scene3d>
+    <dgm:sp3d/>
+    <dgm:txPr/>
+    <dgm:style>
+      <a:lnRef idx="1">
+        <a:scrgbClr r="0" g="0" b="0"/>
+      </a:lnRef>
+      <a:fillRef idx="0">
+        <a:scrgbClr r="0" g="0" b="0"/>
+      </a:fillRef>
+      <a:effectRef idx="0">
+        <a:scrgbClr r="0" g="0" b="0"/>
+      </a:effectRef>
+      <a:fontRef idx="minor"/>
+    </dgm:style>
+  </dgm:styleLbl>
+  <dgm:styleLbl name="callout">
+    <dgm:scene3d>
+      <a:camera prst="orthographicFront"/>
+      <a:lightRig rig="threePt" dir="t"/>
+    </dgm:scene3d>
+    <dgm:sp3d/>
+    <dgm:txPr/>
+    <dgm:style>
+      <a:lnRef idx="2">
+        <a:scrgbClr r="0" g="0" b="0"/>
+      </a:lnRef>
+      <a:fillRef idx="1">
+        <a:scrgbClr r="0" g="0" b="0"/>
+      </a:fillRef>
+      <a:effectRef idx="1">
+        <a:scrgbClr r="0" g="0" b="0"/>
+      </a:effectRef>
+      <a:fontRef idx="minor"/>
+    </dgm:style>
+  </dgm:styleLbl>
+  <dgm:styleLbl name="asst0">
+    <dgm:scene3d>
+      <a:camera prst="orthographicFront"/>
+      <a:lightRig rig="threePt" dir="t"/>
+    </dgm:scene3d>
+    <dgm:sp3d/>
+    <dgm:txPr/>
+    <dgm:style>
+      <a:lnRef idx="0">
+        <a:scrgbClr r="0" g="0" b="0"/>
+      </a:lnRef>
+      <a:fillRef idx="3">
+        <a:scrgbClr r="0" g="0" b="0"/>
+      </a:fillRef>
+      <a:effectRef idx="2">
+        <a:scrgbClr r="0" g="0" b="0"/>
+      </a:effectRef>
+      <a:fontRef idx="minor">
+        <a:schemeClr val="lt1"/>
+      </a:fontRef>
+    </dgm:style>
+  </dgm:styleLbl>
+  <dgm:styleLbl name="asst1">
+    <dgm:scene3d>
+      <a:camera prst="orthographicFront"/>
+      <a:lightRig rig="threePt" dir="t"/>
+    </dgm:scene3d>
+    <dgm:sp3d/>
+    <dgm:txPr/>
+    <dgm:style>
+      <a:lnRef idx="0">
+        <a:scrgbClr r="0" g="0" b="0"/>
+      </a:lnRef>
+      <a:fillRef idx="3">
+        <a:scrgbClr r="0" g="0" b="0"/>
+      </a:fillRef>
+      <a:effectRef idx="2">
+        <a:scrgbClr r="0" g="0" b="0"/>
+      </a:effectRef>
+      <a:fontRef idx="minor">
+        <a:schemeClr val="lt1"/>
+      </a:fontRef>
+    </dgm:style>
+  </dgm:styleLbl>
+  <dgm:styleLbl name="asst2">
+    <dgm:scene3d>
+      <a:camera prst="orthographicFront"/>
+      <a:lightRig rig="threePt" dir="t"/>
+    </dgm:scene3d>
+    <dgm:sp3d/>
+    <dgm:txPr/>
+    <dgm:style>
+      <a:lnRef idx="0">
+        <a:scrgbClr r="0" g="0" b="0"/>
+      </a:lnRef>
+      <a:fillRef idx="3">
+        <a:scrgbClr r="0" g="0" b="0"/>
+      </a:fillRef>
+      <a:effectRef idx="2">
+        <a:scrgbClr r="0" g="0" b="0"/>
+      </a:effectRef>
+      <a:fontRef idx="minor">
+        <a:schemeClr val="lt1"/>
+      </a:fontRef>
+    </dgm:style>
+  </dgm:styleLbl>
+  <dgm:styleLbl name="asst3">
+    <dgm:scene3d>
+      <a:camera prst="orthographicFront"/>
+      <a:lightRig rig="threePt" dir="t"/>
+    </dgm:scene3d>
+    <dgm:sp3d/>
+    <dgm:txPr/>
+    <dgm:style>
+      <a:lnRef idx="0">
+        <a:scrgbClr r="0" g="0" b="0"/>
+      </a:lnRef>
+      <a:fillRef idx="3">
+        <a:scrgbClr r="0" g="0" b="0"/>
+      </a:fillRef>
+      <a:effectRef idx="2">
+        <a:scrgbClr r="0" g="0" b="0"/>
+      </a:effectRef>
+      <a:fontRef idx="minor">
+        <a:schemeClr val="lt1"/>
+      </a:fontRef>
+    </dgm:style>
+  </dgm:styleLbl>
+  <dgm:styleLbl name="asst4">
+    <dgm:scene3d>
+      <a:camera prst="orthographicFront"/>
+      <a:lightRig rig="threePt" dir="t"/>
+    </dgm:scene3d>
+    <dgm:sp3d/>
+    <dgm:txPr/>
+    <dgm:style>
+      <a:lnRef idx="0">
+        <a:scrgbClr r="0" g="0" b="0"/>
+      </a:lnRef>
+      <a:fillRef idx="3">
+        <a:scrgbClr r="0" g="0" b="0"/>
+      </a:fillRef>
+      <a:effectRef idx="2">
+        <a:scrgbClr r="0" g="0" b="0"/>
+      </a:effectRef>
+      <a:fontRef idx="minor">
+        <a:schemeClr val="lt1"/>
+      </a:fontRef>
+    </dgm:style>
+  </dgm:styleLbl>
+  <dgm:styleLbl name="parChTrans2D1">
+    <dgm:scene3d>
+      <a:camera prst="orthographicFront"/>
+      <a:lightRig rig="threePt" dir="t"/>
+    </dgm:scene3d>
+    <dgm:sp3d/>
+    <dgm:txPr/>
+    <dgm:style>
+      <a:lnRef idx="0">
+        <a:scrgbClr r="0" g="0" b="0"/>
+      </a:lnRef>
+      <a:fillRef idx="3">
+        <a:scrgbClr r="0" g="0" b="0"/>
+      </a:fillRef>
+      <a:effectRef idx="2">
+        <a:scrgbClr r="0" g="0" b="0"/>
+      </a:effectRef>
+      <a:fontRef idx="minor">
+        <a:schemeClr val="lt1"/>
+      </a:fontRef>
+    </dgm:style>
+  </dgm:styleLbl>
+  <dgm:styleLbl name="parChTrans2D2">
+    <dgm:scene3d>
+      <a:camera prst="orthographicFront"/>
+      <a:lightRig rig="threePt" dir="t"/>
+    </dgm:scene3d>
+    <dgm:sp3d/>
+    <dgm:txPr/>
+    <dgm:style>
+      <a:lnRef idx="0">
+        <a:scrgbClr r="0" g="0" b="0"/>
+      </a:lnRef>
+      <a:fillRef idx="3">
+        <a:scrgbClr r="0" g="0" b="0"/>
+      </a:fillRef>
+      <a:effectRef idx="2">
+        <a:scrgbClr r="0" g="0" b="0"/>
+      </a:effectRef>
+      <a:fontRef idx="minor">
+        <a:schemeClr val="lt1"/>
+      </a:fontRef>
+    </dgm:style>
+  </dgm:styleLbl>
+  <dgm:styleLbl name="parChTrans2D3">
+    <dgm:scene3d>
+      <a:camera prst="orthographicFront"/>
+      <a:lightRig rig="threePt" dir="t"/>
+    </dgm:scene3d>
+    <dgm:sp3d/>
+    <dgm:txPr/>
+    <dgm:style>
+      <a:lnRef idx="1">
+        <a:scrgbClr r="0" g="0" b="0"/>
+      </a:lnRef>
+      <a:fillRef idx="3">
+        <a:scrgbClr r="0" g="0" b="0"/>
+      </a:fillRef>
+      <a:effectRef idx="2">
+        <a:scrgbClr r="0" g="0" b="0"/>
+      </a:effectRef>
+      <a:fontRef idx="minor">
+        <a:schemeClr val="lt1"/>
+      </a:fontRef>
+    </dgm:style>
+  </dgm:styleLbl>
+  <dgm:styleLbl name="parChTrans2D4">
+    <dgm:scene3d>
+      <a:camera prst="orthographicFront"/>
+      <a:lightRig rig="threePt" dir="t"/>
+    </dgm:scene3d>
+    <dgm:sp3d/>
+    <dgm:txPr/>
+    <dgm:style>
+      <a:lnRef idx="1">
+        <a:scrgbClr r="0" g="0" b="0"/>
+      </a:lnRef>
+      <a:fillRef idx="3">
+        <a:scrgbClr r="0" g="0" b="0"/>
+      </a:fillRef>
+      <a:effectRef idx="2">
+        <a:scrgbClr r="0" g="0" b="0"/>
+      </a:effectRef>
+      <a:fontRef idx="minor">
+        <a:schemeClr val="lt1"/>
+      </a:fontRef>
+    </dgm:style>
+  </dgm:styleLbl>
+  <dgm:styleLbl name="parChTrans1D1">
+    <dgm:scene3d>
+      <a:camera prst="orthographicFront"/>
+      <a:lightRig rig="threePt" dir="t"/>
+    </dgm:scene3d>
+    <dgm:sp3d/>
+    <dgm:txPr/>
+    <dgm:style>
+      <a:lnRef idx="1">
+        <a:scrgbClr r="0" g="0" b="0"/>
+      </a:lnRef>
+      <a:fillRef idx="0">
+        <a:scrgbClr r="0" g="0" b="0"/>
+      </a:fillRef>
+      <a:effectRef idx="0">
+        <a:scrgbClr r="0" g="0" b="0"/>
+      </a:effectRef>
+      <a:fontRef idx="minor"/>
+    </dgm:style>
+  </dgm:styleLbl>
+  <dgm:styleLbl name="parChTrans1D2">
+    <dgm:scene3d>
+      <a:camera prst="orthographicFront"/>
+      <a:lightRig rig="threePt" dir="t"/>
+    </dgm:scene3d>
+    <dgm:sp3d/>
+    <dgm:txPr/>
+    <dgm:style>
+      <a:lnRef idx="1">
+        <a:scrgbClr r="0" g="0" b="0"/>
+      </a:lnRef>
+      <a:fillRef idx="0">
+        <a:scrgbClr r="0" g="0" b="0"/>
+      </a:fillRef>
+      <a:effectRef idx="0">
+        <a:scrgbClr r="0" g="0" b="0"/>
+      </a:effectRef>
+      <a:fontRef idx="minor"/>
+    </dgm:style>
+  </dgm:styleLbl>
+  <dgm:styleLbl name="parChTrans1D3">
+    <dgm:scene3d>
+      <a:camera prst="orthographicFront"/>
+      <a:lightRig rig="threePt" dir="t"/>
+    </dgm:scene3d>
+    <dgm:sp3d/>
+    <dgm:txPr/>
+    <dgm:style>
+      <a:lnRef idx="1">
+        <a:scrgbClr r="0" g="0" b="0"/>
+      </a:lnRef>
+      <a:fillRef idx="0">
+        <a:scrgbClr r="0" g="0" b="0"/>
+      </a:fillRef>
+      <a:effectRef idx="0">
+        <a:scrgbClr r="0" g="0" b="0"/>
+      </a:effectRef>
+      <a:fontRef idx="minor"/>
+    </dgm:style>
+  </dgm:styleLbl>
+  <dgm:styleLbl name="parChTrans1D4">
+    <dgm:scene3d>
+      <a:camera prst="orthographicFront"/>
+      <a:lightRig rig="threePt" dir="t"/>
+    </dgm:scene3d>
+    <dgm:sp3d/>
+    <dgm:txPr/>
+    <dgm:style>
+      <a:lnRef idx="1">
+        <a:scrgbClr r="0" g="0" b="0"/>
+      </a:lnRef>
+      <a:fillRef idx="0">
+        <a:scrgbClr r="0" g="0" b="0"/>
+      </a:fillRef>
+      <a:effectRef idx="0">
+        <a:scrgbClr r="0" g="0" b="0"/>
+      </a:effectRef>
+      <a:fontRef idx="minor"/>
+    </dgm:style>
+  </dgm:styleLbl>
+  <dgm:styleLbl name="fgAcc1">
+    <dgm:scene3d>
+      <a:camera prst="orthographicFront"/>
+      <a:lightRig rig="threePt" dir="t"/>
+    </dgm:scene3d>
+    <dgm:sp3d/>
+    <dgm:txPr/>
+    <dgm:style>
+      <a:lnRef idx="1">
+        <a:scrgbClr r="0" g="0" b="0"/>
+      </a:lnRef>
+      <a:fillRef idx="1">
+        <a:scrgbClr r="0" g="0" b="0"/>
+      </a:fillRef>
+      <a:effectRef idx="0">
+        <a:scrgbClr r="0" g="0" b="0"/>
+      </a:effectRef>
+      <a:fontRef idx="minor"/>
+    </dgm:style>
+  </dgm:styleLbl>
+  <dgm:styleLbl name="conFgAcc1">
+    <dgm:scene3d>
+      <a:camera prst="orthographicFront"/>
+      <a:lightRig rig="threePt" dir="t"/>
+    </dgm:scene3d>
+    <dgm:sp3d/>
+    <dgm:txPr/>
+    <dgm:style>
+      <a:lnRef idx="1">
+        <a:scrgbClr r="0" g="0" b="0"/>
+      </a:lnRef>
+      <a:fillRef idx="1">
+        <a:scrgbClr r="0" g="0" b="0"/>
+      </a:fillRef>
+      <a:effectRef idx="0">
+        <a:scrgbClr r="0" g="0" b="0"/>
+      </a:effectRef>
+      <a:fontRef idx="minor"/>
+    </dgm:style>
+  </dgm:styleLbl>
+  <dgm:styleLbl name="alignAcc1">
+    <dgm:scene3d>
+      <a:camera prst="orthographicFront"/>
+      <a:lightRig rig="threePt" dir="t"/>
+    </dgm:scene3d>
+    <dgm:sp3d/>
+    <dgm:txPr/>
+    <dgm:style>
+      <a:lnRef idx="1">
+        <a:scrgbClr r="0" g="0" b="0"/>
+      </a:lnRef>
+      <a:fillRef idx="1">
+        <a:scrgbClr r="0" g="0" b="0"/>
+      </a:fillRef>
+      <a:effectRef idx="0">
+        <a:scrgbClr r="0" g="0" b="0"/>
+      </a:effectRef>
+      <a:fontRef idx="minor"/>
+    </dgm:style>
+  </dgm:styleLbl>
+  <dgm:styleLbl name="trAlignAcc1">
+    <dgm:scene3d>
+      <a:camera prst="orthographicFront"/>
+      <a:lightRig rig="threePt" dir="t"/>
+    </dgm:scene3d>
+    <dgm:sp3d/>
+    <dgm:txPr/>
+    <dgm:style>
+      <a:lnRef idx="1">
+        <a:scrgbClr r="0" g="0" b="0"/>
+      </a:lnRef>
+      <a:fillRef idx="1">
+        <a:scrgbClr r="0" g="0" b="0"/>
+      </a:fillRef>
+      <a:effectRef idx="0">
+        <a:scrgbClr r="0" g="0" b="0"/>
+      </a:effectRef>
+      <a:fontRef idx="minor"/>
+    </dgm:style>
+  </dgm:styleLbl>
+  <dgm:styleLbl name="bgAcc1">
+    <dgm:scene3d>
+      <a:camera prst="orthographicFront"/>
+      <a:lightRig rig="threePt" dir="t"/>
+    </dgm:scene3d>
+    <dgm:sp3d/>
+    <dgm:txPr/>
+    <dgm:style>
+      <a:lnRef idx="1">
+        <a:scrgbClr r="0" g="0" b="0"/>
+      </a:lnRef>
+      <a:fillRef idx="1">
+        <a:scrgbClr r="0" g="0" b="0"/>
+      </a:fillRef>
+      <a:effectRef idx="0">
+        <a:scrgbClr r="0" g="0" b="0"/>
+      </a:effectRef>
+      <a:fontRef idx="minor"/>
+    </dgm:style>
+  </dgm:styleLbl>
+  <dgm:styleLbl name="solidFgAcc1">
+    <dgm:scene3d>
+      <a:camera prst="orthographicFront"/>
+      <a:lightRig rig="threePt" dir="t"/>
+    </dgm:scene3d>
+    <dgm:sp3d/>
+    <dgm:txPr/>
+    <dgm:style>
+      <a:lnRef idx="1">
+        <a:scrgbClr r="0" g="0" b="0"/>
+      </a:lnRef>
+      <a:fillRef idx="1">
+        <a:scrgbClr r="0" g="0" b="0"/>
+      </a:fillRef>
+      <a:effectRef idx="0">
+        <a:scrgbClr r="0" g="0" b="0"/>
+      </a:effectRef>
+      <a:fontRef idx="minor"/>
+    </dgm:style>
+  </dgm:styleLbl>
+  <dgm:styleLbl name="solidAlignAcc1">
+    <dgm:scene3d>
+      <a:camera prst="orthographicFront"/>
+      <a:lightRig rig="threePt" dir="t"/>
+    </dgm:scene3d>
+    <dgm:sp3d/>
+    <dgm:txPr/>
+    <dgm:style>
+      <a:lnRef idx="1">
+        <a:scrgbClr r="0" g="0" b="0"/>
+      </a:lnRef>
+      <a:fillRef idx="1">
+        <a:scrgbClr r="0" g="0" b="0"/>
+      </a:fillRef>
+      <a:effectRef idx="0">
+        <a:scrgbClr r="0" g="0" b="0"/>
+      </a:effectRef>
+      <a:fontRef idx="minor"/>
+    </dgm:style>
+  </dgm:styleLbl>
+  <dgm:styleLbl name="solidBgAcc1">
+    <dgm:scene3d>
+      <a:camera prst="orthographicFront"/>
+      <a:lightRig rig="threePt" dir="t"/>
+    </dgm:scene3d>
+    <dgm:sp3d/>
+    <dgm:txPr/>
+    <dgm:style>
+      <a:lnRef idx="1">
+        <a:scrgbClr r="0" g="0" b="0"/>
+      </a:lnRef>
+      <a:fillRef idx="1">
+        <a:scrgbClr r="0" g="0" b="0"/>
+      </a:fillRef>
+      <a:effectRef idx="0">
+        <a:scrgbClr r="0" g="0" b="0"/>
+      </a:effectRef>
+      <a:fontRef idx="minor"/>
+    </dgm:style>
+  </dgm:styleLbl>
+  <dgm:styleLbl name="fgAccFollowNode1">
+    <dgm:scene3d>
+      <a:camera prst="orthographicFront"/>
+      <a:lightRig rig="threePt" dir="t"/>
+    </dgm:scene3d>
+    <dgm:sp3d/>
+    <dgm:txPr/>
+    <dgm:style>
+      <a:lnRef idx="1">
+        <a:scrgbClr r="0" g="0" b="0"/>
+      </a:lnRef>
+      <a:fillRef idx="1">
+        <a:scrgbClr r="0" g="0" b="0"/>
+      </a:fillRef>
+      <a:effectRef idx="0">
+        <a:scrgbClr r="0" g="0" b="0"/>
+      </a:effectRef>
+      <a:fontRef idx="minor"/>
+    </dgm:style>
+  </dgm:styleLbl>
+  <dgm:styleLbl name="alignAccFollowNode1">
+    <dgm:scene3d>
+      <a:camera prst="orthographicFront"/>
+      <a:lightRig rig="threePt" dir="t"/>
+    </dgm:scene3d>
+    <dgm:sp3d/>
+    <dgm:txPr/>
+    <dgm:style>
+      <a:lnRef idx="1">
+        <a:scrgbClr r="0" g="0" b="0"/>
+      </a:lnRef>
+      <a:fillRef idx="1">
+        <a:scrgbClr r="0" g="0" b="0"/>
+      </a:fillRef>
+      <a:effectRef idx="0">
+        <a:scrgbClr r="0" g="0" b="0"/>
+      </a:effectRef>
+      <a:fontRef idx="minor"/>
+    </dgm:style>
+  </dgm:styleLbl>
+  <dgm:styleLbl name="bgAccFollowNode1">
+    <dgm:scene3d>
+      <a:camera prst="orthographicFront"/>
+      <a:lightRig rig="threePt" dir="t"/>
+    </dgm:scene3d>
+    <dgm:sp3d/>
+    <dgm:txPr/>
+    <dgm:style>
+      <a:lnRef idx="1">
+        <a:scrgbClr r="0" g="0" b="0"/>
+      </a:lnRef>
+      <a:fillRef idx="1">
+        <a:scrgbClr r="0" g="0" b="0"/>
+      </a:fillRef>
+      <a:effectRef idx="0">
+        <a:scrgbClr r="0" g="0" b="0"/>
+      </a:effectRef>
+      <a:fontRef idx="minor"/>
+    </dgm:style>
+  </dgm:styleLbl>
+  <dgm:styleLbl name="fgAcc0">
+    <dgm:scene3d>
+      <a:camera prst="orthographicFront"/>
+      <a:lightRig rig="threePt" dir="t"/>
+    </dgm:scene3d>
+    <dgm:sp3d/>
+    <dgm:txPr/>
+    <dgm:style>
+      <a:lnRef idx="1">
+        <a:scrgbClr r="0" g="0" b="0"/>
+      </a:lnRef>
+      <a:fillRef idx="1">
+        <a:scrgbClr r="0" g="0" b="0"/>
+      </a:fillRef>
+      <a:effectRef idx="0">
+        <a:scrgbClr r="0" g="0" b="0"/>
+      </a:effectRef>
+      <a:fontRef idx="minor"/>
+    </dgm:style>
+  </dgm:styleLbl>
+  <dgm:styleLbl name="fgAcc2">
+    <dgm:scene3d>
+      <a:camera prst="orthographicFront"/>
+      <a:lightRig rig="threePt" dir="t"/>
+    </dgm:scene3d>
+    <dgm:sp3d/>
+    <dgm:txPr/>
+    <dgm:style>
+      <a:lnRef idx="1">
+        <a:scrgbClr r="0" g="0" b="0"/>
+      </a:lnRef>
+      <a:fillRef idx="1">
+        <a:scrgbClr r="0" g="0" b="0"/>
+      </a:fillRef>
+      <a:effectRef idx="0">
+        <a:scrgbClr r="0" g="0" b="0"/>
+      </a:effectRef>
+      <a:fontRef idx="minor"/>
+    </dgm:style>
+  </dgm:styleLbl>
+  <dgm:styleLbl name="fgAcc3">
+    <dgm:scene3d>
+      <a:camera prst="orthographicFront"/>
+      <a:lightRig rig="threePt" dir="t"/>
+    </dgm:scene3d>
+    <dgm:sp3d/>
+    <dgm:txPr/>
+    <dgm:style>
+      <a:lnRef idx="1">
+        <a:scrgbClr r="0" g="0" b="0"/>
+      </a:lnRef>
+      <a:fillRef idx="1">
+        <a:scrgbClr r="0" g="0" b="0"/>
+      </a:fillRef>
+      <a:effectRef idx="0">
+        <a:scrgbClr r="0" g="0" b="0"/>
+      </a:effectRef>
+      <a:fontRef idx="minor"/>
+    </dgm:style>
+  </dgm:styleLbl>
+  <dgm:styleLbl name="fgAcc4">
+    <dgm:scene3d>
+      <a:camera prst="orthographicFront"/>
+      <a:lightRig rig="threePt" dir="t"/>
+    </dgm:scene3d>
+    <dgm:sp3d/>
+    <dgm:txPr/>
+    <dgm:style>
+      <a:lnRef idx="1">
+        <a:scrgbClr r="0" g="0" b="0"/>
+      </a:lnRef>
+      <a:fillRef idx="1">
+        <a:scrgbClr r="0" g="0" b="0"/>
+      </a:fillRef>
+      <a:effectRef idx="0">
+        <a:scrgbClr r="0" g="0" b="0"/>
+      </a:effectRef>
+      <a:fontRef idx="minor"/>
+    </dgm:style>
+  </dgm:styleLbl>
+  <dgm:styleLbl name="bgShp">
+    <dgm:scene3d>
+      <a:camera prst="orthographicFront"/>
+      <a:lightRig rig="threePt" dir="t"/>
+    </dgm:scene3d>
+    <dgm:sp3d/>
+    <dgm:txPr/>
+    <dgm:style>
+      <a:lnRef idx="0">
+        <a:scrgbClr r="0" g="0" b="0"/>
+      </a:lnRef>
+      <a:fillRef idx="1">
+        <a:scrgbClr r="0" g="0" b="0"/>
+      </a:fillRef>
+      <a:effectRef idx="2">
+        <a:scrgbClr r="0" g="0" b="0"/>
+      </a:effectRef>
+      <a:fontRef idx="minor"/>
+    </dgm:style>
+  </dgm:styleLbl>
+  <dgm:styleLbl name="dkBgShp">
+    <dgm:scene3d>
+      <a:camera prst="orthographicFront"/>
+      <a:lightRig rig="threePt" dir="t"/>
+    </dgm:scene3d>
+    <dgm:sp3d/>
+    <dgm:txPr/>
+    <dgm:style>
+      <a:lnRef idx="0">
+        <a:scrgbClr r="0" g="0" b="0"/>
+      </a:lnRef>
+      <a:fillRef idx="1">
+        <a:scrgbClr r="0" g="0" b="0"/>
+      </a:fillRef>
+      <a:effectRef idx="2">
+        <a:scrgbClr r="0" g="0" b="0"/>
+      </a:effectRef>
+      <a:fontRef idx="minor"/>
+    </dgm:style>
+  </dgm:styleLbl>
+  <dgm:styleLbl name="trBgShp">
+    <dgm:scene3d>
+      <a:camera prst="orthographicFront"/>
+      <a:lightRig rig="threePt" dir="t"/>
+    </dgm:scene3d>
+    <dgm:sp3d/>
+    <dgm:txPr/>
+    <dgm:style>
+      <a:lnRef idx="0">
+        <a:scrgbClr r="0" g="0" b="0"/>
+      </a:lnRef>
+      <a:fillRef idx="1">
+        <a:scrgbClr r="0" g="0" b="0"/>
+      </a:fillRef>
+      <a:effectRef idx="0">
+        <a:scrgbClr r="0" g="0" b="0"/>
+      </a:effectRef>
+      <a:fontRef idx="minor"/>
+    </dgm:style>
+  </dgm:styleLbl>
+  <dgm:styleLbl name="fgShp">
+    <dgm:scene3d>
+      <a:camera prst="orthographicFront"/>
+      <a:lightRig rig="threePt" dir="t"/>
+    </dgm:scene3d>
+    <dgm:sp3d/>
+    <dgm:txPr/>
+    <dgm:style>
+      <a:lnRef idx="0">
+        <a:scrgbClr r="0" g="0" b="0"/>
+      </a:lnRef>
+      <a:fillRef idx="3">
+        <a:scrgbClr r="0" g="0" b="0"/>
+      </a:fillRef>
+      <a:effectRef idx="2">
+        <a:scrgbClr r="0" g="0" b="0"/>
+      </a:effectRef>
+      <a:fontRef idx="minor"/>
+    </dgm:style>
+  </dgm:styleLbl>
+  <dgm:styleLbl name="revTx">
+    <dgm:scene3d>
+      <a:camera prst="orthographicFront"/>
+      <a:lightRig rig="threePt" dir="t"/>
+    </dgm:scene3d>
+    <dgm:sp3d/>
+    <dgm:txPr/>
+    <dgm:style>
+      <a:lnRef idx="0">
+        <a:scrgbClr r="0" g="0" b="0"/>
+      </a:lnRef>
+      <a:fillRef idx="0">
+        <a:scrgbClr r="0" g="0" b="0"/>
+      </a:fillRef>
+      <a:effectRef idx="0">
+        <a:scrgbClr r="0" g="0" b="0"/>
+      </a:effectRef>
+      <a:fontRef idx="minor"/>
+    </dgm:style>
+  </dgm:styleLbl>
+</dgm:styleDef>
 </file>
 
 <file path=ppt/handoutMasters/handoutMaster1.xml><?xml version="1.0" encoding="utf-8"?>
@@ -1318,6 +7425,13 @@
   <p:clrMapOvr>
     <a:masterClrMapping/>
   </p:clrMapOvr>
+  <p:timing>
+    <p:tnLst>
+      <p:par>
+        <p:cTn xmlns:p14="http://schemas.microsoft.com/office/powerpoint/2007/7/12/main" id="1" dur="indefinite" restart="never" nodeType="tmRoot"/>
+      </p:par>
+    </p:tnLst>
+  </p:timing>
 </p:sldLayout>
 </file>
 
@@ -1625,6 +7739,13 @@
   <p:clrMapOvr>
     <a:masterClrMapping/>
   </p:clrMapOvr>
+  <p:timing>
+    <p:tnLst>
+      <p:par>
+        <p:cTn xmlns:p14="http://schemas.microsoft.com/office/powerpoint/2007/7/12/main" id="1" dur="indefinite" restart="never" nodeType="tmRoot"/>
+      </p:par>
+    </p:tnLst>
+  </p:timing>
 </p:sldLayout>
 </file>
 
@@ -1895,6 +8016,13 @@
   <p:clrMapOvr>
     <a:masterClrMapping/>
   </p:clrMapOvr>
+  <p:timing>
+    <p:tnLst>
+      <p:par>
+        <p:cTn xmlns:p14="http://schemas.microsoft.com/office/powerpoint/2007/7/12/main" id="1" dur="indefinite" restart="never" nodeType="tmRoot"/>
+      </p:par>
+    </p:tnLst>
+  </p:timing>
 </p:sldLayout>
 </file>
 
@@ -2395,12 +8523,12 @@
         <p:nvSpPr>
           <p:cNvPr id="12" name="ZoneTexte 11"/>
           <p:cNvSpPr txBox="1"/>
-          <p:nvPr userDrawn="1"/>
+          <p:nvPr/>
         </p:nvSpPr>
         <p:spPr>
           <a:xfrm>
-            <a:off x="7962843" y="6643688"/>
-            <a:ext cx="1122422" cy="246221"/>
+            <a:off x="7994902" y="6643688"/>
+            <a:ext cx="1090363" cy="246221"/>
           </a:xfrm>
           <a:prstGeom prst="rect">
             <a:avLst/>
@@ -2427,7 +8555,7 @@
                 <a:latin typeface="Calibri" pitchFamily="34" charset="0"/>
                 <a:ea typeface="굴림" charset="-127"/>
               </a:rPr>
-              <a:t>Ocotber</a:t>
+              <a:t>October</a:t>
             </a:r>
             <a:r>
               <a:rPr lang="fr-FR" altLang="ko-KR" sz="1000" baseline="0" dirty="0" smtClean="0">
@@ -2437,7 +8565,17 @@
                 <a:latin typeface="Calibri" pitchFamily="34" charset="0"/>
                 <a:ea typeface="굴림" charset="-127"/>
               </a:rPr>
-              <a:t> 1st</a:t>
+              <a:t> </a:t>
+            </a:r>
+            <a:r>
+              <a:rPr lang="fr-FR" altLang="ko-KR" sz="1000" baseline="0" dirty="0" smtClean="0">
+                <a:solidFill>
+                  <a:srgbClr xmlns:mc="http://schemas.openxmlformats.org/markup-compatibility/2006" xmlns:a14="http://schemas.microsoft.com/office/drawing/2007/7/7/main" val="7F7F7F" mc:Ignorable=""/>
+                </a:solidFill>
+                <a:latin typeface="Calibri" pitchFamily="34" charset="0"/>
+                <a:ea typeface="굴림" charset="-127"/>
+              </a:rPr>
+              <a:t>1st</a:t>
             </a:r>
             <a:r>
               <a:rPr lang="fr-FR" altLang="ko-KR" sz="1000" dirty="0" smtClean="0">
@@ -2477,6 +8615,13 @@
     <p:sldLayoutId id="2147483783" r:id="rId2"/>
     <p:sldLayoutId id="2147483784" r:id="rId3"/>
   </p:sldLayoutIdLst>
+  <p:timing>
+    <p:tnLst>
+      <p:par>
+        <p:cTn xmlns:p14="http://schemas.microsoft.com/office/powerpoint/2007/7/12/main" id="1" dur="indefinite" restart="never" nodeType="tmRoot"/>
+      </p:par>
+    </p:tnLst>
+  </p:timing>
   <p:hf sldNum="0" hdr="0" ftr="0" dt="0"/>
   <p:txStyles>
     <p:titleStyle>
@@ -3709,140 +9854,6 @@
       </p:sp>
       <p:sp>
         <p:nvSpPr>
-          <p:cNvPr id="5" name="ZoneTexte 4"/>
-          <p:cNvSpPr txBox="1"/>
-          <p:nvPr/>
-        </p:nvSpPr>
-        <p:spPr>
-          <a:xfrm>
-            <a:off x="2143122" y="0"/>
-            <a:ext cx="1928812" cy="276225"/>
-          </a:xfrm>
-          <a:prstGeom prst="rect">
-            <a:avLst/>
-          </a:prstGeom>
-          <a:noFill/>
-        </p:spPr>
-        <p:txBody>
-          <a:bodyPr>
-            <a:spAutoFit/>
-          </a:bodyPr>
-          <a:lstStyle/>
-          <a:p>
-            <a:pPr algn="ctr" fontAlgn="auto">
-              <a:spcBef>
-                <a:spcPct val="20000"/>
-              </a:spcBef>
-              <a:spcAft>
-                <a:spcPts val="0"/>
-              </a:spcAft>
-              <a:defRPr/>
-            </a:pPr>
-            <a:r>
-              <a:rPr lang="fr-FR" sz="1200" kern="0" dirty="0" err="1" smtClean="0">
-                <a:solidFill>
-                  <a:schemeClr val="bg1">
-                    <a:lumMod val="50000"/>
-                  </a:schemeClr>
-                </a:solidFill>
-                <a:latin typeface="+mn-lt"/>
-                <a:cs typeface="+mn-cs"/>
-              </a:rPr>
-              <a:t>Requirements</a:t>
-            </a:r>
-            <a:endParaRPr lang="fr-FR" sz="1200" kern="0" dirty="0">
-              <a:solidFill>
-                <a:schemeClr val="bg1">
-                  <a:lumMod val="50000"/>
-                </a:schemeClr>
-              </a:solidFill>
-              <a:latin typeface="+mn-lt"/>
-              <a:cs typeface="+mn-cs"/>
-            </a:endParaRPr>
-          </a:p>
-        </p:txBody>
-      </p:sp>
-      <p:sp>
-        <p:nvSpPr>
-          <p:cNvPr id="6" name="ZoneTexte 5"/>
-          <p:cNvSpPr txBox="1"/>
-          <p:nvPr/>
-        </p:nvSpPr>
-        <p:spPr>
-          <a:xfrm>
-            <a:off x="4214818" y="0"/>
-            <a:ext cx="2571760" cy="276999"/>
-          </a:xfrm>
-          <a:prstGeom prst="rect">
-            <a:avLst/>
-          </a:prstGeom>
-          <a:noFill/>
-        </p:spPr>
-        <p:txBody>
-          <a:bodyPr wrap="square">
-            <a:spAutoFit/>
-          </a:bodyPr>
-          <a:lstStyle/>
-          <a:p>
-            <a:pPr algn="ctr" fontAlgn="auto">
-              <a:spcBef>
-                <a:spcPct val="20000"/>
-              </a:spcBef>
-              <a:spcAft>
-                <a:spcPts val="0"/>
-              </a:spcAft>
-              <a:defRPr/>
-            </a:pPr>
-            <a:r>
-              <a:rPr lang="fr-FR" sz="1200" kern="0" dirty="0" err="1" smtClean="0">
-                <a:solidFill>
-                  <a:schemeClr val="bg1">
-                    <a:lumMod val="50000"/>
-                  </a:schemeClr>
-                </a:solidFill>
-                <a:latin typeface="+mn-lt"/>
-                <a:cs typeface="+mn-cs"/>
-              </a:rPr>
-              <a:t>Context</a:t>
-            </a:r>
-            <a:r>
-              <a:rPr lang="fr-FR" sz="1200" kern="0" dirty="0" smtClean="0">
-                <a:solidFill>
-                  <a:schemeClr val="bg1">
-                    <a:lumMod val="50000"/>
-                  </a:schemeClr>
-                </a:solidFill>
-                <a:latin typeface="+mn-lt"/>
-                <a:cs typeface="+mn-cs"/>
-              </a:rPr>
-              <a:t> </a:t>
-            </a:r>
-            <a:r>
-              <a:rPr lang="fr-FR" sz="1200" kern="0" dirty="0" err="1" smtClean="0">
-                <a:solidFill>
-                  <a:schemeClr val="bg1">
-                    <a:lumMod val="50000"/>
-                  </a:schemeClr>
-                </a:solidFill>
-                <a:latin typeface="+mn-lt"/>
-                <a:cs typeface="+mn-cs"/>
-              </a:rPr>
-              <a:t>diagram</a:t>
-            </a:r>
-            <a:endParaRPr lang="fr-FR" sz="1200" kern="0" dirty="0">
-              <a:solidFill>
-                <a:schemeClr val="bg1">
-                  <a:lumMod val="50000"/>
-                </a:schemeClr>
-              </a:solidFill>
-              <a:latin typeface="+mn-lt"/>
-              <a:cs typeface="+mn-cs"/>
-            </a:endParaRPr>
-          </a:p>
-        </p:txBody>
-      </p:sp>
-      <p:sp>
-        <p:nvSpPr>
           <p:cNvPr id="7" name="ZoneTexte 6"/>
           <p:cNvSpPr txBox="1"/>
           <p:nvPr/>
@@ -3887,6 +9898,140 @@
               <a:t> frames</a:t>
             </a:r>
             <a:endParaRPr lang="fr-FR" sz="1200" b="1" u="sng" kern="0" dirty="0">
+              <a:latin typeface="+mn-lt"/>
+              <a:cs typeface="+mn-cs"/>
+            </a:endParaRPr>
+          </a:p>
+        </p:txBody>
+      </p:sp>
+      <p:sp>
+        <p:nvSpPr>
+          <p:cNvPr id="8" name="ZoneTexte 20"/>
+          <p:cNvSpPr txBox="1"/>
+          <p:nvPr/>
+        </p:nvSpPr>
+        <p:spPr>
+          <a:xfrm>
+            <a:off x="4731420" y="0"/>
+            <a:ext cx="1928812" cy="276225"/>
+          </a:xfrm>
+          <a:prstGeom prst="rect">
+            <a:avLst/>
+          </a:prstGeom>
+          <a:noFill/>
+        </p:spPr>
+        <p:txBody>
+          <a:bodyPr>
+            <a:spAutoFit/>
+          </a:bodyPr>
+          <a:lstStyle/>
+          <a:p>
+            <a:pPr algn="ctr" fontAlgn="auto">
+              <a:spcBef>
+                <a:spcPct val="20000"/>
+              </a:spcBef>
+              <a:spcAft>
+                <a:spcPts val="0"/>
+              </a:spcAft>
+              <a:defRPr/>
+            </a:pPr>
+            <a:r>
+              <a:rPr lang="fr-FR" sz="1200" kern="0" dirty="0" err="1" smtClean="0">
+                <a:solidFill>
+                  <a:schemeClr val="bg1">
+                    <a:lumMod val="50000"/>
+                  </a:schemeClr>
+                </a:solidFill>
+                <a:latin typeface="+mn-lt"/>
+                <a:cs typeface="+mn-cs"/>
+              </a:rPr>
+              <a:t>Requirements</a:t>
+            </a:r>
+            <a:endParaRPr lang="fr-FR" sz="1200" kern="0" dirty="0">
+              <a:solidFill>
+                <a:schemeClr val="bg1">
+                  <a:lumMod val="50000"/>
+                </a:schemeClr>
+              </a:solidFill>
+              <a:latin typeface="+mn-lt"/>
+              <a:cs typeface="+mn-cs"/>
+            </a:endParaRPr>
+          </a:p>
+        </p:txBody>
+      </p:sp>
+      <p:sp>
+        <p:nvSpPr>
+          <p:cNvPr id="9" name="ZoneTexte 21"/>
+          <p:cNvSpPr txBox="1"/>
+          <p:nvPr/>
+        </p:nvSpPr>
+        <p:spPr>
+          <a:xfrm>
+            <a:off x="2216264" y="0"/>
+            <a:ext cx="2571760" cy="276999"/>
+          </a:xfrm>
+          <a:prstGeom prst="rect">
+            <a:avLst/>
+          </a:prstGeom>
+          <a:noFill/>
+        </p:spPr>
+        <p:txBody>
+          <a:bodyPr wrap="square">
+            <a:spAutoFit/>
+          </a:bodyPr>
+          <a:lstStyle/>
+          <a:p>
+            <a:pPr algn="ctr" fontAlgn="auto">
+              <a:spcBef>
+                <a:spcPct val="20000"/>
+              </a:spcBef>
+              <a:spcAft>
+                <a:spcPts val="0"/>
+              </a:spcAft>
+              <a:defRPr/>
+            </a:pPr>
+            <a:r>
+              <a:rPr lang="fr-FR" sz="1200" kern="0" dirty="0" err="1" smtClean="0">
+                <a:solidFill>
+                  <a:schemeClr val="bg1">
+                    <a:lumMod val="50000"/>
+                  </a:schemeClr>
+                </a:solidFill>
+                <a:latin typeface="+mn-lt"/>
+                <a:cs typeface="+mn-cs"/>
+              </a:rPr>
+              <a:t>Context</a:t>
+            </a:r>
+            <a:r>
+              <a:rPr lang="fr-FR" sz="1200" kern="0" dirty="0" smtClean="0">
+                <a:solidFill>
+                  <a:schemeClr val="bg1">
+                    <a:lumMod val="50000"/>
+                  </a:schemeClr>
+                </a:solidFill>
+                <a:latin typeface="+mn-lt"/>
+                <a:cs typeface="+mn-cs"/>
+              </a:rPr>
+              <a:t> </a:t>
+            </a:r>
+            <a:r>
+              <a:rPr lang="fr-FR" sz="1200" kern="0" dirty="0" err="1" smtClean="0">
+                <a:solidFill>
+                  <a:schemeClr val="bg1">
+                    <a:lumMod val="50000"/>
+                  </a:schemeClr>
+                </a:solidFill>
+                <a:latin typeface="+mn-lt"/>
+                <a:cs typeface="+mn-cs"/>
+              </a:rPr>
+              <a:t>diagram</a:t>
+            </a:r>
+            <a:endParaRPr lang="fr-FR" sz="1200" kern="0" dirty="0">
+              <a:solidFill>
+                <a:schemeClr val="bg1">
+                  <a:lumMod val="50000"/>
+                </a:schemeClr>
+              </a:solidFill>
               <a:latin typeface="+mn-lt"/>
               <a:cs typeface="+mn-cs"/>
             </a:endParaRPr>
@@ -3969,7 +10114,6 @@
               <a:rPr lang="fr-FR" sz="2800" dirty="0"/>
               <a:t>.)</a:t>
             </a:r>
-            <a:endParaRPr lang="fr-FR" sz="2800" dirty="0"/>
           </a:p>
         </p:txBody>
       </p:sp>
@@ -5759,140 +11903,6 @@
       </p:sp>
       <p:sp>
         <p:nvSpPr>
-          <p:cNvPr id="30" name="ZoneTexte 29"/>
-          <p:cNvSpPr txBox="1"/>
-          <p:nvPr/>
-        </p:nvSpPr>
-        <p:spPr>
-          <a:xfrm>
-            <a:off x="2143122" y="0"/>
-            <a:ext cx="1928812" cy="276225"/>
-          </a:xfrm>
-          <a:prstGeom prst="rect">
-            <a:avLst/>
-          </a:prstGeom>
-          <a:noFill/>
-        </p:spPr>
-        <p:txBody>
-          <a:bodyPr>
-            <a:spAutoFit/>
-          </a:bodyPr>
-          <a:lstStyle/>
-          <a:p>
-            <a:pPr algn="ctr" fontAlgn="auto">
-              <a:spcBef>
-                <a:spcPct val="20000"/>
-              </a:spcBef>
-              <a:spcAft>
-                <a:spcPts val="0"/>
-              </a:spcAft>
-              <a:defRPr/>
-            </a:pPr>
-            <a:r>
-              <a:rPr lang="fr-FR" sz="1200" kern="0" dirty="0" err="1" smtClean="0">
-                <a:solidFill>
-                  <a:schemeClr val="bg1">
-                    <a:lumMod val="50000"/>
-                  </a:schemeClr>
-                </a:solidFill>
-                <a:latin typeface="+mn-lt"/>
-                <a:cs typeface="+mn-cs"/>
-              </a:rPr>
-              <a:t>Requirements</a:t>
-            </a:r>
-            <a:endParaRPr lang="fr-FR" sz="1200" kern="0" dirty="0">
-              <a:solidFill>
-                <a:schemeClr val="bg1">
-                  <a:lumMod val="50000"/>
-                </a:schemeClr>
-              </a:solidFill>
-              <a:latin typeface="+mn-lt"/>
-              <a:cs typeface="+mn-cs"/>
-            </a:endParaRPr>
-          </a:p>
-        </p:txBody>
-      </p:sp>
-      <p:sp>
-        <p:nvSpPr>
-          <p:cNvPr id="31" name="ZoneTexte 30"/>
-          <p:cNvSpPr txBox="1"/>
-          <p:nvPr/>
-        </p:nvSpPr>
-        <p:spPr>
-          <a:xfrm>
-            <a:off x="4214818" y="0"/>
-            <a:ext cx="2571760" cy="276999"/>
-          </a:xfrm>
-          <a:prstGeom prst="rect">
-            <a:avLst/>
-          </a:prstGeom>
-          <a:noFill/>
-        </p:spPr>
-        <p:txBody>
-          <a:bodyPr wrap="square">
-            <a:spAutoFit/>
-          </a:bodyPr>
-          <a:lstStyle/>
-          <a:p>
-            <a:pPr algn="ctr" fontAlgn="auto">
-              <a:spcBef>
-                <a:spcPct val="20000"/>
-              </a:spcBef>
-              <a:spcAft>
-                <a:spcPts val="0"/>
-              </a:spcAft>
-              <a:defRPr/>
-            </a:pPr>
-            <a:r>
-              <a:rPr lang="fr-FR" sz="1200" kern="0" dirty="0" err="1" smtClean="0">
-                <a:solidFill>
-                  <a:schemeClr val="bg1">
-                    <a:lumMod val="50000"/>
-                  </a:schemeClr>
-                </a:solidFill>
-                <a:latin typeface="+mn-lt"/>
-                <a:cs typeface="+mn-cs"/>
-              </a:rPr>
-              <a:t>Context</a:t>
-            </a:r>
-            <a:r>
-              <a:rPr lang="fr-FR" sz="1200" kern="0" dirty="0" smtClean="0">
-                <a:solidFill>
-                  <a:schemeClr val="bg1">
-                    <a:lumMod val="50000"/>
-                  </a:schemeClr>
-                </a:solidFill>
-                <a:latin typeface="+mn-lt"/>
-                <a:cs typeface="+mn-cs"/>
-              </a:rPr>
-              <a:t> </a:t>
-            </a:r>
-            <a:r>
-              <a:rPr lang="fr-FR" sz="1200" kern="0" dirty="0" err="1" smtClean="0">
-                <a:solidFill>
-                  <a:schemeClr val="bg1">
-                    <a:lumMod val="50000"/>
-                  </a:schemeClr>
-                </a:solidFill>
-                <a:latin typeface="+mn-lt"/>
-                <a:cs typeface="+mn-cs"/>
-              </a:rPr>
-              <a:t>diagram</a:t>
-            </a:r>
-            <a:endParaRPr lang="fr-FR" sz="1200" kern="0" dirty="0">
-              <a:solidFill>
-                <a:schemeClr val="bg1">
-                  <a:lumMod val="50000"/>
-                </a:schemeClr>
-              </a:solidFill>
-              <a:latin typeface="+mn-lt"/>
-              <a:cs typeface="+mn-cs"/>
-            </a:endParaRPr>
-          </a:p>
-        </p:txBody>
-      </p:sp>
-      <p:sp>
-        <p:nvSpPr>
           <p:cNvPr id="32" name="ZoneTexte 31"/>
           <p:cNvSpPr txBox="1"/>
           <p:nvPr/>
@@ -5937,6 +11947,140 @@
               <a:t> frames</a:t>
             </a:r>
             <a:endParaRPr lang="fr-FR" sz="1200" b="1" u="sng" kern="0" dirty="0">
+              <a:latin typeface="+mn-lt"/>
+              <a:cs typeface="+mn-cs"/>
+            </a:endParaRPr>
+          </a:p>
+        </p:txBody>
+      </p:sp>
+      <p:sp>
+        <p:nvSpPr>
+          <p:cNvPr id="33" name="ZoneTexte 20"/>
+          <p:cNvSpPr txBox="1"/>
+          <p:nvPr/>
+        </p:nvSpPr>
+        <p:spPr>
+          <a:xfrm>
+            <a:off x="4731420" y="0"/>
+            <a:ext cx="1928812" cy="276225"/>
+          </a:xfrm>
+          <a:prstGeom prst="rect">
+            <a:avLst/>
+          </a:prstGeom>
+          <a:noFill/>
+        </p:spPr>
+        <p:txBody>
+          <a:bodyPr>
+            <a:spAutoFit/>
+          </a:bodyPr>
+          <a:lstStyle/>
+          <a:p>
+            <a:pPr algn="ctr" fontAlgn="auto">
+              <a:spcBef>
+                <a:spcPct val="20000"/>
+              </a:spcBef>
+              <a:spcAft>
+                <a:spcPts val="0"/>
+              </a:spcAft>
+              <a:defRPr/>
+            </a:pPr>
+            <a:r>
+              <a:rPr lang="fr-FR" sz="1200" kern="0" dirty="0" err="1" smtClean="0">
+                <a:solidFill>
+                  <a:schemeClr val="bg1">
+                    <a:lumMod val="50000"/>
+                  </a:schemeClr>
+                </a:solidFill>
+                <a:latin typeface="+mn-lt"/>
+                <a:cs typeface="+mn-cs"/>
+              </a:rPr>
+              <a:t>Requirements</a:t>
+            </a:r>
+            <a:endParaRPr lang="fr-FR" sz="1200" kern="0" dirty="0">
+              <a:solidFill>
+                <a:schemeClr val="bg1">
+                  <a:lumMod val="50000"/>
+                </a:schemeClr>
+              </a:solidFill>
+              <a:latin typeface="+mn-lt"/>
+              <a:cs typeface="+mn-cs"/>
+            </a:endParaRPr>
+          </a:p>
+        </p:txBody>
+      </p:sp>
+      <p:sp>
+        <p:nvSpPr>
+          <p:cNvPr id="35" name="ZoneTexte 21"/>
+          <p:cNvSpPr txBox="1"/>
+          <p:nvPr/>
+        </p:nvSpPr>
+        <p:spPr>
+          <a:xfrm>
+            <a:off x="2216264" y="0"/>
+            <a:ext cx="2571760" cy="276999"/>
+          </a:xfrm>
+          <a:prstGeom prst="rect">
+            <a:avLst/>
+          </a:prstGeom>
+          <a:noFill/>
+        </p:spPr>
+        <p:txBody>
+          <a:bodyPr wrap="square">
+            <a:spAutoFit/>
+          </a:bodyPr>
+          <a:lstStyle/>
+          <a:p>
+            <a:pPr algn="ctr" fontAlgn="auto">
+              <a:spcBef>
+                <a:spcPct val="20000"/>
+              </a:spcBef>
+              <a:spcAft>
+                <a:spcPts val="0"/>
+              </a:spcAft>
+              <a:defRPr/>
+            </a:pPr>
+            <a:r>
+              <a:rPr lang="fr-FR" sz="1200" kern="0" dirty="0" err="1" smtClean="0">
+                <a:solidFill>
+                  <a:schemeClr val="bg1">
+                    <a:lumMod val="50000"/>
+                  </a:schemeClr>
+                </a:solidFill>
+                <a:latin typeface="+mn-lt"/>
+                <a:cs typeface="+mn-cs"/>
+              </a:rPr>
+              <a:t>Context</a:t>
+            </a:r>
+            <a:r>
+              <a:rPr lang="fr-FR" sz="1200" kern="0" dirty="0" smtClean="0">
+                <a:solidFill>
+                  <a:schemeClr val="bg1">
+                    <a:lumMod val="50000"/>
+                  </a:schemeClr>
+                </a:solidFill>
+                <a:latin typeface="+mn-lt"/>
+                <a:cs typeface="+mn-cs"/>
+              </a:rPr>
+              <a:t> </a:t>
+            </a:r>
+            <a:r>
+              <a:rPr lang="fr-FR" sz="1200" kern="0" dirty="0" err="1" smtClean="0">
+                <a:solidFill>
+                  <a:schemeClr val="bg1">
+                    <a:lumMod val="50000"/>
+                  </a:schemeClr>
+                </a:solidFill>
+                <a:latin typeface="+mn-lt"/>
+                <a:cs typeface="+mn-cs"/>
+              </a:rPr>
+              <a:t>diagram</a:t>
+            </a:r>
+            <a:endParaRPr lang="fr-FR" sz="1200" kern="0" dirty="0">
+              <a:solidFill>
+                <a:schemeClr val="bg1">
+                  <a:lumMod val="50000"/>
+                </a:schemeClr>
+              </a:solidFill>
               <a:latin typeface="+mn-lt"/>
               <a:cs typeface="+mn-cs"/>
             </a:endParaRPr>
@@ -5997,11 +12141,7 @@
           <a:p>
             <a:r>
               <a:rPr lang="en-US" sz="2800" dirty="0" smtClean="0"/>
-              <a:t>Collect systems data to data </a:t>
-            </a:r>
-            <a:r>
-              <a:rPr lang="en-US" sz="2800" dirty="0" smtClean="0"/>
-              <a:t>storage</a:t>
+              <a:t>Collect systems data to data storage</a:t>
             </a:r>
             <a:endParaRPr lang="fr-FR" sz="2800" dirty="0"/>
           </a:p>
@@ -6036,18 +12176,38 @@
           <a:p>
             <a:r>
               <a:rPr dirty="0" smtClean="0"/>
-              <a:t>The FDRI receives the data and stores it with a timestamp to the FDRI Storage System for </a:t>
-            </a:r>
-            <a:r>
-              <a:rPr smtClean="0"/>
-              <a:t>further use</a:t>
+              <a:t>The </a:t>
+            </a:r>
+            <a:r>
+              <a:rPr dirty="0" smtClean="0"/>
+              <a:t>FDIR </a:t>
+            </a:r>
+            <a:r>
+              <a:rPr dirty="0" smtClean="0"/>
+              <a:t>receives the data and stores it with a timestamp to the </a:t>
+            </a:r>
+            <a:r>
+              <a:rPr dirty="0" smtClean="0"/>
+              <a:t>FDIR </a:t>
+            </a:r>
+            <a:r>
+              <a:rPr dirty="0" smtClean="0"/>
+              <a:t>Storage System for </a:t>
+            </a:r>
+            <a:r>
+              <a:rPr dirty="0" err="1" smtClean="0"/>
+              <a:t>further</a:t>
+            </a:r>
+            <a:r>
+              <a:rPr dirty="0" smtClean="0"/>
+              <a:t> use</a:t>
             </a:r>
           </a:p>
           <a:p>
             <a:pPr>
               <a:buNone/>
             </a:pPr>
-            <a:endParaRPr smtClean="0"/>
+            <a:endParaRPr dirty="0" smtClean="0"/>
           </a:p>
           <a:p>
             <a:r>
@@ -6115,140 +12275,6 @@
       </p:sp>
       <p:sp>
         <p:nvSpPr>
-          <p:cNvPr id="5" name="ZoneTexte 4"/>
-          <p:cNvSpPr txBox="1"/>
-          <p:nvPr/>
-        </p:nvSpPr>
-        <p:spPr>
-          <a:xfrm>
-            <a:off x="2143122" y="0"/>
-            <a:ext cx="1928812" cy="276225"/>
-          </a:xfrm>
-          <a:prstGeom prst="rect">
-            <a:avLst/>
-          </a:prstGeom>
-          <a:noFill/>
-        </p:spPr>
-        <p:txBody>
-          <a:bodyPr>
-            <a:spAutoFit/>
-          </a:bodyPr>
-          <a:lstStyle/>
-          <a:p>
-            <a:pPr algn="ctr" fontAlgn="auto">
-              <a:spcBef>
-                <a:spcPct val="20000"/>
-              </a:spcBef>
-              <a:spcAft>
-                <a:spcPts val="0"/>
-              </a:spcAft>
-              <a:defRPr/>
-            </a:pPr>
-            <a:r>
-              <a:rPr lang="fr-FR" sz="1200" kern="0" dirty="0" err="1" smtClean="0">
-                <a:solidFill>
-                  <a:schemeClr val="bg1">
-                    <a:lumMod val="50000"/>
-                  </a:schemeClr>
-                </a:solidFill>
-                <a:latin typeface="+mn-lt"/>
-                <a:cs typeface="+mn-cs"/>
-              </a:rPr>
-              <a:t>Requirements</a:t>
-            </a:r>
-            <a:endParaRPr lang="fr-FR" sz="1200" kern="0" dirty="0">
-              <a:solidFill>
-                <a:schemeClr val="bg1">
-                  <a:lumMod val="50000"/>
-                </a:schemeClr>
-              </a:solidFill>
-              <a:latin typeface="+mn-lt"/>
-              <a:cs typeface="+mn-cs"/>
-            </a:endParaRPr>
-          </a:p>
-        </p:txBody>
-      </p:sp>
-      <p:sp>
-        <p:nvSpPr>
-          <p:cNvPr id="6" name="ZoneTexte 5"/>
-          <p:cNvSpPr txBox="1"/>
-          <p:nvPr/>
-        </p:nvSpPr>
-        <p:spPr>
-          <a:xfrm>
-            <a:off x="4214818" y="0"/>
-            <a:ext cx="2571760" cy="276999"/>
-          </a:xfrm>
-          <a:prstGeom prst="rect">
-            <a:avLst/>
-          </a:prstGeom>
-          <a:noFill/>
-        </p:spPr>
-        <p:txBody>
-          <a:bodyPr wrap="square">
-            <a:spAutoFit/>
-          </a:bodyPr>
-          <a:lstStyle/>
-          <a:p>
-            <a:pPr algn="ctr" fontAlgn="auto">
-              <a:spcBef>
-                <a:spcPct val="20000"/>
-              </a:spcBef>
-              <a:spcAft>
-                <a:spcPts val="0"/>
-              </a:spcAft>
-              <a:defRPr/>
-            </a:pPr>
-            <a:r>
-              <a:rPr lang="fr-FR" sz="1200" kern="0" dirty="0" err="1" smtClean="0">
-                <a:solidFill>
-                  <a:schemeClr val="bg1">
-                    <a:lumMod val="50000"/>
-                  </a:schemeClr>
-                </a:solidFill>
-                <a:latin typeface="+mn-lt"/>
-                <a:cs typeface="+mn-cs"/>
-              </a:rPr>
-              <a:t>Context</a:t>
-            </a:r>
-            <a:r>
-              <a:rPr lang="fr-FR" sz="1200" kern="0" dirty="0" smtClean="0">
-                <a:solidFill>
-                  <a:schemeClr val="bg1">
-                    <a:lumMod val="50000"/>
-                  </a:schemeClr>
-                </a:solidFill>
-                <a:latin typeface="+mn-lt"/>
-                <a:cs typeface="+mn-cs"/>
-              </a:rPr>
-              <a:t> </a:t>
-            </a:r>
-            <a:r>
-              <a:rPr lang="fr-FR" sz="1200" kern="0" dirty="0" err="1" smtClean="0">
-                <a:solidFill>
-                  <a:schemeClr val="bg1">
-                    <a:lumMod val="50000"/>
-                  </a:schemeClr>
-                </a:solidFill>
-                <a:latin typeface="+mn-lt"/>
-                <a:cs typeface="+mn-cs"/>
-              </a:rPr>
-              <a:t>diagram</a:t>
-            </a:r>
-            <a:endParaRPr lang="fr-FR" sz="1200" kern="0" dirty="0">
-              <a:solidFill>
-                <a:schemeClr val="bg1">
-                  <a:lumMod val="50000"/>
-                </a:schemeClr>
-              </a:solidFill>
-              <a:latin typeface="+mn-lt"/>
-              <a:cs typeface="+mn-cs"/>
-            </a:endParaRPr>
-          </a:p>
-        </p:txBody>
-      </p:sp>
-      <p:sp>
-        <p:nvSpPr>
           <p:cNvPr id="7" name="ZoneTexte 6"/>
           <p:cNvSpPr txBox="1"/>
           <p:nvPr/>
@@ -6293,6 +12319,140 @@
               <a:t> frames</a:t>
             </a:r>
             <a:endParaRPr lang="fr-FR" sz="1200" b="1" u="sng" kern="0" dirty="0">
+              <a:latin typeface="+mn-lt"/>
+              <a:cs typeface="+mn-cs"/>
+            </a:endParaRPr>
+          </a:p>
+        </p:txBody>
+      </p:sp>
+      <p:sp>
+        <p:nvSpPr>
+          <p:cNvPr id="10" name="ZoneTexte 20"/>
+          <p:cNvSpPr txBox="1"/>
+          <p:nvPr/>
+        </p:nvSpPr>
+        <p:spPr>
+          <a:xfrm>
+            <a:off x="4731420" y="0"/>
+            <a:ext cx="1928812" cy="276225"/>
+          </a:xfrm>
+          <a:prstGeom prst="rect">
+            <a:avLst/>
+          </a:prstGeom>
+          <a:noFill/>
+        </p:spPr>
+        <p:txBody>
+          <a:bodyPr>
+            <a:spAutoFit/>
+          </a:bodyPr>
+          <a:lstStyle/>
+          <a:p>
+            <a:pPr algn="ctr" fontAlgn="auto">
+              <a:spcBef>
+                <a:spcPct val="20000"/>
+              </a:spcBef>
+              <a:spcAft>
+                <a:spcPts val="0"/>
+              </a:spcAft>
+              <a:defRPr/>
+            </a:pPr>
+            <a:r>
+              <a:rPr lang="fr-FR" sz="1200" kern="0" dirty="0" err="1" smtClean="0">
+                <a:solidFill>
+                  <a:schemeClr val="bg1">
+                    <a:lumMod val="50000"/>
+                  </a:schemeClr>
+                </a:solidFill>
+                <a:latin typeface="+mn-lt"/>
+                <a:cs typeface="+mn-cs"/>
+              </a:rPr>
+              <a:t>Requirements</a:t>
+            </a:r>
+            <a:endParaRPr lang="fr-FR" sz="1200" kern="0" dirty="0">
+              <a:solidFill>
+                <a:schemeClr val="bg1">
+                  <a:lumMod val="50000"/>
+                </a:schemeClr>
+              </a:solidFill>
+              <a:latin typeface="+mn-lt"/>
+              <a:cs typeface="+mn-cs"/>
+            </a:endParaRPr>
+          </a:p>
+        </p:txBody>
+      </p:sp>
+      <p:sp>
+        <p:nvSpPr>
+          <p:cNvPr id="11" name="ZoneTexte 21"/>
+          <p:cNvSpPr txBox="1"/>
+          <p:nvPr/>
+        </p:nvSpPr>
+        <p:spPr>
+          <a:xfrm>
+            <a:off x="2216264" y="0"/>
+            <a:ext cx="2571760" cy="276999"/>
+          </a:xfrm>
+          <a:prstGeom prst="rect">
+            <a:avLst/>
+          </a:prstGeom>
+          <a:noFill/>
+        </p:spPr>
+        <p:txBody>
+          <a:bodyPr wrap="square">
+            <a:spAutoFit/>
+          </a:bodyPr>
+          <a:lstStyle/>
+          <a:p>
+            <a:pPr algn="ctr" fontAlgn="auto">
+              <a:spcBef>
+                <a:spcPct val="20000"/>
+              </a:spcBef>
+              <a:spcAft>
+                <a:spcPts val="0"/>
+              </a:spcAft>
+              <a:defRPr/>
+            </a:pPr>
+            <a:r>
+              <a:rPr lang="fr-FR" sz="1200" kern="0" dirty="0" err="1" smtClean="0">
+                <a:solidFill>
+                  <a:schemeClr val="bg1">
+                    <a:lumMod val="50000"/>
+                  </a:schemeClr>
+                </a:solidFill>
+                <a:latin typeface="+mn-lt"/>
+                <a:cs typeface="+mn-cs"/>
+              </a:rPr>
+              <a:t>Context</a:t>
+            </a:r>
+            <a:r>
+              <a:rPr lang="fr-FR" sz="1200" kern="0" dirty="0" smtClean="0">
+                <a:solidFill>
+                  <a:schemeClr val="bg1">
+                    <a:lumMod val="50000"/>
+                  </a:schemeClr>
+                </a:solidFill>
+                <a:latin typeface="+mn-lt"/>
+                <a:cs typeface="+mn-cs"/>
+              </a:rPr>
+              <a:t> </a:t>
+            </a:r>
+            <a:r>
+              <a:rPr lang="fr-FR" sz="1200" kern="0" dirty="0" err="1" smtClean="0">
+                <a:solidFill>
+                  <a:schemeClr val="bg1">
+                    <a:lumMod val="50000"/>
+                  </a:schemeClr>
+                </a:solidFill>
+                <a:latin typeface="+mn-lt"/>
+                <a:cs typeface="+mn-cs"/>
+              </a:rPr>
+              <a:t>diagram</a:t>
+            </a:r>
+            <a:endParaRPr lang="fr-FR" sz="1200" kern="0" dirty="0">
+              <a:solidFill>
+                <a:schemeClr val="bg1">
+                  <a:lumMod val="50000"/>
+                </a:schemeClr>
+              </a:solidFill>
               <a:latin typeface="+mn-lt"/>
               <a:cs typeface="+mn-cs"/>
             </a:endParaRPr>
@@ -6380,7 +12540,6 @@
               <a:rPr lang="fr-FR" sz="2800" dirty="0"/>
               <a:t>.)</a:t>
             </a:r>
-            <a:endParaRPr lang="fr-FR" sz="2800" dirty="0"/>
           </a:p>
         </p:txBody>
       </p:sp>
@@ -8024,140 +14183,6 @@
       </p:sp>
       <p:sp>
         <p:nvSpPr>
-          <p:cNvPr id="30" name="ZoneTexte 29"/>
-          <p:cNvSpPr txBox="1"/>
-          <p:nvPr/>
-        </p:nvSpPr>
-        <p:spPr>
-          <a:xfrm>
-            <a:off x="2143122" y="0"/>
-            <a:ext cx="1928812" cy="276225"/>
-          </a:xfrm>
-          <a:prstGeom prst="rect">
-            <a:avLst/>
-          </a:prstGeom>
-          <a:noFill/>
-        </p:spPr>
-        <p:txBody>
-          <a:bodyPr>
-            <a:spAutoFit/>
-          </a:bodyPr>
-          <a:lstStyle/>
-          <a:p>
-            <a:pPr algn="ctr" fontAlgn="auto">
-              <a:spcBef>
-                <a:spcPct val="20000"/>
-              </a:spcBef>
-              <a:spcAft>
-                <a:spcPts val="0"/>
-              </a:spcAft>
-              <a:defRPr/>
-            </a:pPr>
-            <a:r>
-              <a:rPr lang="fr-FR" sz="1200" kern="0" dirty="0" err="1" smtClean="0">
-                <a:solidFill>
-                  <a:schemeClr val="bg1">
-                    <a:lumMod val="50000"/>
-                  </a:schemeClr>
-                </a:solidFill>
-                <a:latin typeface="+mn-lt"/>
-                <a:cs typeface="+mn-cs"/>
-              </a:rPr>
-              <a:t>Requirements</a:t>
-            </a:r>
-            <a:endParaRPr lang="fr-FR" sz="1200" kern="0" dirty="0">
-              <a:solidFill>
-                <a:schemeClr val="bg1">
-                  <a:lumMod val="50000"/>
-                </a:schemeClr>
-              </a:solidFill>
-              <a:latin typeface="+mn-lt"/>
-              <a:cs typeface="+mn-cs"/>
-            </a:endParaRPr>
-          </a:p>
-        </p:txBody>
-      </p:sp>
-      <p:sp>
-        <p:nvSpPr>
-          <p:cNvPr id="31" name="ZoneTexte 30"/>
-          <p:cNvSpPr txBox="1"/>
-          <p:nvPr/>
-        </p:nvSpPr>
-        <p:spPr>
-          <a:xfrm>
-            <a:off x="4214818" y="0"/>
-            <a:ext cx="2571760" cy="276999"/>
-          </a:xfrm>
-          <a:prstGeom prst="rect">
-            <a:avLst/>
-          </a:prstGeom>
-          <a:noFill/>
-        </p:spPr>
-        <p:txBody>
-          <a:bodyPr wrap="square">
-            <a:spAutoFit/>
-          </a:bodyPr>
-          <a:lstStyle/>
-          <a:p>
-            <a:pPr algn="ctr" fontAlgn="auto">
-              <a:spcBef>
-                <a:spcPct val="20000"/>
-              </a:spcBef>
-              <a:spcAft>
-                <a:spcPts val="0"/>
-              </a:spcAft>
-              <a:defRPr/>
-            </a:pPr>
-            <a:r>
-              <a:rPr lang="fr-FR" sz="1200" kern="0" dirty="0" err="1" smtClean="0">
-                <a:solidFill>
-                  <a:schemeClr val="bg1">
-                    <a:lumMod val="50000"/>
-                  </a:schemeClr>
-                </a:solidFill>
-                <a:latin typeface="+mn-lt"/>
-                <a:cs typeface="+mn-cs"/>
-              </a:rPr>
-              <a:t>Context</a:t>
-            </a:r>
-            <a:r>
-              <a:rPr lang="fr-FR" sz="1200" kern="0" dirty="0" smtClean="0">
-                <a:solidFill>
-                  <a:schemeClr val="bg1">
-                    <a:lumMod val="50000"/>
-                  </a:schemeClr>
-                </a:solidFill>
-                <a:latin typeface="+mn-lt"/>
-                <a:cs typeface="+mn-cs"/>
-              </a:rPr>
-              <a:t> </a:t>
-            </a:r>
-            <a:r>
-              <a:rPr lang="fr-FR" sz="1200" kern="0" dirty="0" err="1" smtClean="0">
-                <a:solidFill>
-                  <a:schemeClr val="bg1">
-                    <a:lumMod val="50000"/>
-                  </a:schemeClr>
-                </a:solidFill>
-                <a:latin typeface="+mn-lt"/>
-                <a:cs typeface="+mn-cs"/>
-              </a:rPr>
-              <a:t>diagram</a:t>
-            </a:r>
-            <a:endParaRPr lang="fr-FR" sz="1200" kern="0" dirty="0">
-              <a:solidFill>
-                <a:schemeClr val="bg1">
-                  <a:lumMod val="50000"/>
-                </a:schemeClr>
-              </a:solidFill>
-              <a:latin typeface="+mn-lt"/>
-              <a:cs typeface="+mn-cs"/>
-            </a:endParaRPr>
-          </a:p>
-        </p:txBody>
-      </p:sp>
-      <p:sp>
-        <p:nvSpPr>
           <p:cNvPr id="32" name="ZoneTexte 31"/>
           <p:cNvSpPr txBox="1"/>
           <p:nvPr/>
@@ -8202,6 +14227,140 @@
               <a:t> frames</a:t>
             </a:r>
             <a:endParaRPr lang="fr-FR" sz="1200" b="1" u="sng" kern="0" dirty="0">
+              <a:latin typeface="+mn-lt"/>
+              <a:cs typeface="+mn-cs"/>
+            </a:endParaRPr>
+          </a:p>
+        </p:txBody>
+      </p:sp>
+      <p:sp>
+        <p:nvSpPr>
+          <p:cNvPr id="33" name="ZoneTexte 20"/>
+          <p:cNvSpPr txBox="1"/>
+          <p:nvPr/>
+        </p:nvSpPr>
+        <p:spPr>
+          <a:xfrm>
+            <a:off x="4731420" y="0"/>
+            <a:ext cx="1928812" cy="276225"/>
+          </a:xfrm>
+          <a:prstGeom prst="rect">
+            <a:avLst/>
+          </a:prstGeom>
+          <a:noFill/>
+        </p:spPr>
+        <p:txBody>
+          <a:bodyPr>
+            <a:spAutoFit/>
+          </a:bodyPr>
+          <a:lstStyle/>
+          <a:p>
+            <a:pPr algn="ctr" fontAlgn="auto">
+              <a:spcBef>
+                <a:spcPct val="20000"/>
+              </a:spcBef>
+              <a:spcAft>
+                <a:spcPts val="0"/>
+              </a:spcAft>
+              <a:defRPr/>
+            </a:pPr>
+            <a:r>
+              <a:rPr lang="fr-FR" sz="1200" kern="0" dirty="0" err="1" smtClean="0">
+                <a:solidFill>
+                  <a:schemeClr val="bg1">
+                    <a:lumMod val="50000"/>
+                  </a:schemeClr>
+                </a:solidFill>
+                <a:latin typeface="+mn-lt"/>
+                <a:cs typeface="+mn-cs"/>
+              </a:rPr>
+              <a:t>Requirements</a:t>
+            </a:r>
+            <a:endParaRPr lang="fr-FR" sz="1200" kern="0" dirty="0">
+              <a:solidFill>
+                <a:schemeClr val="bg1">
+                  <a:lumMod val="50000"/>
+                </a:schemeClr>
+              </a:solidFill>
+              <a:latin typeface="+mn-lt"/>
+              <a:cs typeface="+mn-cs"/>
+            </a:endParaRPr>
+          </a:p>
+        </p:txBody>
+      </p:sp>
+      <p:sp>
+        <p:nvSpPr>
+          <p:cNvPr id="35" name="ZoneTexte 21"/>
+          <p:cNvSpPr txBox="1"/>
+          <p:nvPr/>
+        </p:nvSpPr>
+        <p:spPr>
+          <a:xfrm>
+            <a:off x="2216264" y="0"/>
+            <a:ext cx="2571760" cy="276999"/>
+          </a:xfrm>
+          <a:prstGeom prst="rect">
+            <a:avLst/>
+          </a:prstGeom>
+          <a:noFill/>
+        </p:spPr>
+        <p:txBody>
+          <a:bodyPr wrap="square">
+            <a:spAutoFit/>
+          </a:bodyPr>
+          <a:lstStyle/>
+          <a:p>
+            <a:pPr algn="ctr" fontAlgn="auto">
+              <a:spcBef>
+                <a:spcPct val="20000"/>
+              </a:spcBef>
+              <a:spcAft>
+                <a:spcPts val="0"/>
+              </a:spcAft>
+              <a:defRPr/>
+            </a:pPr>
+            <a:r>
+              <a:rPr lang="fr-FR" sz="1200" kern="0" dirty="0" err="1" smtClean="0">
+                <a:solidFill>
+                  <a:schemeClr val="bg1">
+                    <a:lumMod val="50000"/>
+                  </a:schemeClr>
+                </a:solidFill>
+                <a:latin typeface="+mn-lt"/>
+                <a:cs typeface="+mn-cs"/>
+              </a:rPr>
+              <a:t>Context</a:t>
+            </a:r>
+            <a:r>
+              <a:rPr lang="fr-FR" sz="1200" kern="0" dirty="0" smtClean="0">
+                <a:solidFill>
+                  <a:schemeClr val="bg1">
+                    <a:lumMod val="50000"/>
+                  </a:schemeClr>
+                </a:solidFill>
+                <a:latin typeface="+mn-lt"/>
+                <a:cs typeface="+mn-cs"/>
+              </a:rPr>
+              <a:t> </a:t>
+            </a:r>
+            <a:r>
+              <a:rPr lang="fr-FR" sz="1200" kern="0" dirty="0" err="1" smtClean="0">
+                <a:solidFill>
+                  <a:schemeClr val="bg1">
+                    <a:lumMod val="50000"/>
+                  </a:schemeClr>
+                </a:solidFill>
+                <a:latin typeface="+mn-lt"/>
+                <a:cs typeface="+mn-cs"/>
+              </a:rPr>
+              <a:t>diagram</a:t>
+            </a:r>
+            <a:endParaRPr lang="fr-FR" sz="1200" kern="0" dirty="0">
+              <a:solidFill>
+                <a:schemeClr val="bg1">
+                  <a:lumMod val="50000"/>
+                </a:schemeClr>
+              </a:solidFill>
               <a:latin typeface="+mn-lt"/>
               <a:cs typeface="+mn-cs"/>
             </a:endParaRPr>
@@ -8435,140 +14594,6 @@
       </p:sp>
       <p:sp>
         <p:nvSpPr>
-          <p:cNvPr id="5" name="ZoneTexte 4"/>
-          <p:cNvSpPr txBox="1"/>
-          <p:nvPr/>
-        </p:nvSpPr>
-        <p:spPr>
-          <a:xfrm>
-            <a:off x="2143122" y="0"/>
-            <a:ext cx="1928812" cy="276225"/>
-          </a:xfrm>
-          <a:prstGeom prst="rect">
-            <a:avLst/>
-          </a:prstGeom>
-          <a:noFill/>
-        </p:spPr>
-        <p:txBody>
-          <a:bodyPr>
-            <a:spAutoFit/>
-          </a:bodyPr>
-          <a:lstStyle/>
-          <a:p>
-            <a:pPr algn="ctr" fontAlgn="auto">
-              <a:spcBef>
-                <a:spcPct val="20000"/>
-              </a:spcBef>
-              <a:spcAft>
-                <a:spcPts val="0"/>
-              </a:spcAft>
-              <a:defRPr/>
-            </a:pPr>
-            <a:r>
-              <a:rPr lang="fr-FR" sz="1200" kern="0" dirty="0" err="1" smtClean="0">
-                <a:solidFill>
-                  <a:schemeClr val="bg1">
-                    <a:lumMod val="50000"/>
-                  </a:schemeClr>
-                </a:solidFill>
-                <a:latin typeface="+mn-lt"/>
-                <a:cs typeface="+mn-cs"/>
-              </a:rPr>
-              <a:t>Requirements</a:t>
-            </a:r>
-            <a:endParaRPr lang="fr-FR" sz="1200" kern="0" dirty="0">
-              <a:solidFill>
-                <a:schemeClr val="bg1">
-                  <a:lumMod val="50000"/>
-                </a:schemeClr>
-              </a:solidFill>
-              <a:latin typeface="+mn-lt"/>
-              <a:cs typeface="+mn-cs"/>
-            </a:endParaRPr>
-          </a:p>
-        </p:txBody>
-      </p:sp>
-      <p:sp>
-        <p:nvSpPr>
-          <p:cNvPr id="6" name="ZoneTexte 5"/>
-          <p:cNvSpPr txBox="1"/>
-          <p:nvPr/>
-        </p:nvSpPr>
-        <p:spPr>
-          <a:xfrm>
-            <a:off x="4214818" y="0"/>
-            <a:ext cx="2571760" cy="276999"/>
-          </a:xfrm>
-          <a:prstGeom prst="rect">
-            <a:avLst/>
-          </a:prstGeom>
-          <a:noFill/>
-        </p:spPr>
-        <p:txBody>
-          <a:bodyPr wrap="square">
-            <a:spAutoFit/>
-          </a:bodyPr>
-          <a:lstStyle/>
-          <a:p>
-            <a:pPr algn="ctr" fontAlgn="auto">
-              <a:spcBef>
-                <a:spcPct val="20000"/>
-              </a:spcBef>
-              <a:spcAft>
-                <a:spcPts val="0"/>
-              </a:spcAft>
-              <a:defRPr/>
-            </a:pPr>
-            <a:r>
-              <a:rPr lang="fr-FR" sz="1200" kern="0" dirty="0" err="1" smtClean="0">
-                <a:solidFill>
-                  <a:schemeClr val="bg1">
-                    <a:lumMod val="50000"/>
-                  </a:schemeClr>
-                </a:solidFill>
-                <a:latin typeface="+mn-lt"/>
-                <a:cs typeface="+mn-cs"/>
-              </a:rPr>
-              <a:t>Context</a:t>
-            </a:r>
-            <a:r>
-              <a:rPr lang="fr-FR" sz="1200" kern="0" dirty="0" smtClean="0">
-                <a:solidFill>
-                  <a:schemeClr val="bg1">
-                    <a:lumMod val="50000"/>
-                  </a:schemeClr>
-                </a:solidFill>
-                <a:latin typeface="+mn-lt"/>
-                <a:cs typeface="+mn-cs"/>
-              </a:rPr>
-              <a:t> </a:t>
-            </a:r>
-            <a:r>
-              <a:rPr lang="fr-FR" sz="1200" kern="0" dirty="0" err="1" smtClean="0">
-                <a:solidFill>
-                  <a:schemeClr val="bg1">
-                    <a:lumMod val="50000"/>
-                  </a:schemeClr>
-                </a:solidFill>
-                <a:latin typeface="+mn-lt"/>
-                <a:cs typeface="+mn-cs"/>
-              </a:rPr>
-              <a:t>diagram</a:t>
-            </a:r>
-            <a:endParaRPr lang="fr-FR" sz="1200" kern="0" dirty="0">
-              <a:solidFill>
-                <a:schemeClr val="bg1">
-                  <a:lumMod val="50000"/>
-                </a:schemeClr>
-              </a:solidFill>
-              <a:latin typeface="+mn-lt"/>
-              <a:cs typeface="+mn-cs"/>
-            </a:endParaRPr>
-          </a:p>
-        </p:txBody>
-      </p:sp>
-      <p:sp>
-        <p:nvSpPr>
           <p:cNvPr id="7" name="ZoneTexte 6"/>
           <p:cNvSpPr txBox="1"/>
           <p:nvPr/>
@@ -8613,6 +14638,140 @@
               <a:t> frames</a:t>
             </a:r>
             <a:endParaRPr lang="fr-FR" sz="1200" b="1" u="sng" kern="0" dirty="0">
+              <a:latin typeface="+mn-lt"/>
+              <a:cs typeface="+mn-cs"/>
+            </a:endParaRPr>
+          </a:p>
+        </p:txBody>
+      </p:sp>
+      <p:sp>
+        <p:nvSpPr>
+          <p:cNvPr id="8" name="ZoneTexte 20"/>
+          <p:cNvSpPr txBox="1"/>
+          <p:nvPr/>
+        </p:nvSpPr>
+        <p:spPr>
+          <a:xfrm>
+            <a:off x="4731420" y="0"/>
+            <a:ext cx="1928812" cy="276225"/>
+          </a:xfrm>
+          <a:prstGeom prst="rect">
+            <a:avLst/>
+          </a:prstGeom>
+          <a:noFill/>
+        </p:spPr>
+        <p:txBody>
+          <a:bodyPr>
+            <a:spAutoFit/>
+          </a:bodyPr>
+          <a:lstStyle/>
+          <a:p>
+            <a:pPr algn="ctr" fontAlgn="auto">
+              <a:spcBef>
+                <a:spcPct val="20000"/>
+              </a:spcBef>
+              <a:spcAft>
+                <a:spcPts val="0"/>
+              </a:spcAft>
+              <a:defRPr/>
+            </a:pPr>
+            <a:r>
+              <a:rPr lang="fr-FR" sz="1200" kern="0" dirty="0" err="1" smtClean="0">
+                <a:solidFill>
+                  <a:schemeClr val="bg1">
+                    <a:lumMod val="50000"/>
+                  </a:schemeClr>
+                </a:solidFill>
+                <a:latin typeface="+mn-lt"/>
+                <a:cs typeface="+mn-cs"/>
+              </a:rPr>
+              <a:t>Requirements</a:t>
+            </a:r>
+            <a:endParaRPr lang="fr-FR" sz="1200" kern="0" dirty="0">
+              <a:solidFill>
+                <a:schemeClr val="bg1">
+                  <a:lumMod val="50000"/>
+                </a:schemeClr>
+              </a:solidFill>
+              <a:latin typeface="+mn-lt"/>
+              <a:cs typeface="+mn-cs"/>
+            </a:endParaRPr>
+          </a:p>
+        </p:txBody>
+      </p:sp>
+      <p:sp>
+        <p:nvSpPr>
+          <p:cNvPr id="9" name="ZoneTexte 21"/>
+          <p:cNvSpPr txBox="1"/>
+          <p:nvPr/>
+        </p:nvSpPr>
+        <p:spPr>
+          <a:xfrm>
+            <a:off x="2216264" y="0"/>
+            <a:ext cx="2571760" cy="276999"/>
+          </a:xfrm>
+          <a:prstGeom prst="rect">
+            <a:avLst/>
+          </a:prstGeom>
+          <a:noFill/>
+        </p:spPr>
+        <p:txBody>
+          <a:bodyPr wrap="square">
+            <a:spAutoFit/>
+          </a:bodyPr>
+          <a:lstStyle/>
+          <a:p>
+            <a:pPr algn="ctr" fontAlgn="auto">
+              <a:spcBef>
+                <a:spcPct val="20000"/>
+              </a:spcBef>
+              <a:spcAft>
+                <a:spcPts val="0"/>
+              </a:spcAft>
+              <a:defRPr/>
+            </a:pPr>
+            <a:r>
+              <a:rPr lang="fr-FR" sz="1200" kern="0" dirty="0" err="1" smtClean="0">
+                <a:solidFill>
+                  <a:schemeClr val="bg1">
+                    <a:lumMod val="50000"/>
+                  </a:schemeClr>
+                </a:solidFill>
+                <a:latin typeface="+mn-lt"/>
+                <a:cs typeface="+mn-cs"/>
+              </a:rPr>
+              <a:t>Context</a:t>
+            </a:r>
+            <a:r>
+              <a:rPr lang="fr-FR" sz="1200" kern="0" dirty="0" smtClean="0">
+                <a:solidFill>
+                  <a:schemeClr val="bg1">
+                    <a:lumMod val="50000"/>
+                  </a:schemeClr>
+                </a:solidFill>
+                <a:latin typeface="+mn-lt"/>
+                <a:cs typeface="+mn-cs"/>
+              </a:rPr>
+              <a:t> </a:t>
+            </a:r>
+            <a:r>
+              <a:rPr lang="fr-FR" sz="1200" kern="0" dirty="0" err="1" smtClean="0">
+                <a:solidFill>
+                  <a:schemeClr val="bg1">
+                    <a:lumMod val="50000"/>
+                  </a:schemeClr>
+                </a:solidFill>
+                <a:latin typeface="+mn-lt"/>
+                <a:cs typeface="+mn-cs"/>
+              </a:rPr>
+              <a:t>diagram</a:t>
+            </a:r>
+            <a:endParaRPr lang="fr-FR" sz="1200" kern="0" dirty="0">
+              <a:solidFill>
+                <a:schemeClr val="bg1">
+                  <a:lumMod val="50000"/>
+                </a:schemeClr>
+              </a:solidFill>
               <a:latin typeface="+mn-lt"/>
               <a:cs typeface="+mn-cs"/>
             </a:endParaRPr>
@@ -8691,7 +14850,6 @@
               <a:rPr lang="fr-FR" dirty="0"/>
               <a:t>.)</a:t>
             </a:r>
-            <a:endParaRPr lang="fr-FR" dirty="0"/>
           </a:p>
         </p:txBody>
       </p:sp>
@@ -10502,140 +16660,6 @@
       </p:sp>
       <p:sp>
         <p:nvSpPr>
-          <p:cNvPr id="30" name="ZoneTexte 29"/>
-          <p:cNvSpPr txBox="1"/>
-          <p:nvPr/>
-        </p:nvSpPr>
-        <p:spPr>
-          <a:xfrm>
-            <a:off x="2143122" y="0"/>
-            <a:ext cx="1928812" cy="276225"/>
-          </a:xfrm>
-          <a:prstGeom prst="rect">
-            <a:avLst/>
-          </a:prstGeom>
-          <a:noFill/>
-        </p:spPr>
-        <p:txBody>
-          <a:bodyPr>
-            <a:spAutoFit/>
-          </a:bodyPr>
-          <a:lstStyle/>
-          <a:p>
-            <a:pPr algn="ctr" fontAlgn="auto">
-              <a:spcBef>
-                <a:spcPct val="20000"/>
-              </a:spcBef>
-              <a:spcAft>
-                <a:spcPts val="0"/>
-              </a:spcAft>
-              <a:defRPr/>
-            </a:pPr>
-            <a:r>
-              <a:rPr lang="fr-FR" sz="1200" kern="0" dirty="0" err="1" smtClean="0">
-                <a:solidFill>
-                  <a:schemeClr val="bg1">
-                    <a:lumMod val="50000"/>
-                  </a:schemeClr>
-                </a:solidFill>
-                <a:latin typeface="+mn-lt"/>
-                <a:cs typeface="+mn-cs"/>
-              </a:rPr>
-              <a:t>Requirements</a:t>
-            </a:r>
-            <a:endParaRPr lang="fr-FR" sz="1200" kern="0" dirty="0">
-              <a:solidFill>
-                <a:schemeClr val="bg1">
-                  <a:lumMod val="50000"/>
-                </a:schemeClr>
-              </a:solidFill>
-              <a:latin typeface="+mn-lt"/>
-              <a:cs typeface="+mn-cs"/>
-            </a:endParaRPr>
-          </a:p>
-        </p:txBody>
-      </p:sp>
-      <p:sp>
-        <p:nvSpPr>
-          <p:cNvPr id="31" name="ZoneTexte 30"/>
-          <p:cNvSpPr txBox="1"/>
-          <p:nvPr/>
-        </p:nvSpPr>
-        <p:spPr>
-          <a:xfrm>
-            <a:off x="4214818" y="0"/>
-            <a:ext cx="2571760" cy="276999"/>
-          </a:xfrm>
-          <a:prstGeom prst="rect">
-            <a:avLst/>
-          </a:prstGeom>
-          <a:noFill/>
-        </p:spPr>
-        <p:txBody>
-          <a:bodyPr wrap="square">
-            <a:spAutoFit/>
-          </a:bodyPr>
-          <a:lstStyle/>
-          <a:p>
-            <a:pPr algn="ctr" fontAlgn="auto">
-              <a:spcBef>
-                <a:spcPct val="20000"/>
-              </a:spcBef>
-              <a:spcAft>
-                <a:spcPts val="0"/>
-              </a:spcAft>
-              <a:defRPr/>
-            </a:pPr>
-            <a:r>
-              <a:rPr lang="fr-FR" sz="1200" kern="0" dirty="0" err="1" smtClean="0">
-                <a:solidFill>
-                  <a:schemeClr val="bg1">
-                    <a:lumMod val="50000"/>
-                  </a:schemeClr>
-                </a:solidFill>
-                <a:latin typeface="+mn-lt"/>
-                <a:cs typeface="+mn-cs"/>
-              </a:rPr>
-              <a:t>Context</a:t>
-            </a:r>
-            <a:r>
-              <a:rPr lang="fr-FR" sz="1200" kern="0" dirty="0" smtClean="0">
-                <a:solidFill>
-                  <a:schemeClr val="bg1">
-                    <a:lumMod val="50000"/>
-                  </a:schemeClr>
-                </a:solidFill>
-                <a:latin typeface="+mn-lt"/>
-                <a:cs typeface="+mn-cs"/>
-              </a:rPr>
-              <a:t> </a:t>
-            </a:r>
-            <a:r>
-              <a:rPr lang="fr-FR" sz="1200" kern="0" dirty="0" err="1" smtClean="0">
-                <a:solidFill>
-                  <a:schemeClr val="bg1">
-                    <a:lumMod val="50000"/>
-                  </a:schemeClr>
-                </a:solidFill>
-                <a:latin typeface="+mn-lt"/>
-                <a:cs typeface="+mn-cs"/>
-              </a:rPr>
-              <a:t>diagram</a:t>
-            </a:r>
-            <a:endParaRPr lang="fr-FR" sz="1200" kern="0" dirty="0">
-              <a:solidFill>
-                <a:schemeClr val="bg1">
-                  <a:lumMod val="50000"/>
-                </a:schemeClr>
-              </a:solidFill>
-              <a:latin typeface="+mn-lt"/>
-              <a:cs typeface="+mn-cs"/>
-            </a:endParaRPr>
-          </a:p>
-        </p:txBody>
-      </p:sp>
-      <p:sp>
-        <p:nvSpPr>
           <p:cNvPr id="32" name="ZoneTexte 31"/>
           <p:cNvSpPr txBox="1"/>
           <p:nvPr/>
@@ -10680,6 +16704,140 @@
               <a:t> frames</a:t>
             </a:r>
             <a:endParaRPr lang="fr-FR" sz="1200" b="1" u="sng" kern="0" dirty="0">
+              <a:latin typeface="+mn-lt"/>
+              <a:cs typeface="+mn-cs"/>
+            </a:endParaRPr>
+          </a:p>
+        </p:txBody>
+      </p:sp>
+      <p:sp>
+        <p:nvSpPr>
+          <p:cNvPr id="33" name="ZoneTexte 20"/>
+          <p:cNvSpPr txBox="1"/>
+          <p:nvPr/>
+        </p:nvSpPr>
+        <p:spPr>
+          <a:xfrm>
+            <a:off x="4731420" y="0"/>
+            <a:ext cx="1928812" cy="276225"/>
+          </a:xfrm>
+          <a:prstGeom prst="rect">
+            <a:avLst/>
+          </a:prstGeom>
+          <a:noFill/>
+        </p:spPr>
+        <p:txBody>
+          <a:bodyPr>
+            <a:spAutoFit/>
+          </a:bodyPr>
+          <a:lstStyle/>
+          <a:p>
+            <a:pPr algn="ctr" fontAlgn="auto">
+              <a:spcBef>
+                <a:spcPct val="20000"/>
+              </a:spcBef>
+              <a:spcAft>
+                <a:spcPts val="0"/>
+              </a:spcAft>
+              <a:defRPr/>
+            </a:pPr>
+            <a:r>
+              <a:rPr lang="fr-FR" sz="1200" kern="0" dirty="0" err="1" smtClean="0">
+                <a:solidFill>
+                  <a:schemeClr val="bg1">
+                    <a:lumMod val="50000"/>
+                  </a:schemeClr>
+                </a:solidFill>
+                <a:latin typeface="+mn-lt"/>
+                <a:cs typeface="+mn-cs"/>
+              </a:rPr>
+              <a:t>Requirements</a:t>
+            </a:r>
+            <a:endParaRPr lang="fr-FR" sz="1200" kern="0" dirty="0">
+              <a:solidFill>
+                <a:schemeClr val="bg1">
+                  <a:lumMod val="50000"/>
+                </a:schemeClr>
+              </a:solidFill>
+              <a:latin typeface="+mn-lt"/>
+              <a:cs typeface="+mn-cs"/>
+            </a:endParaRPr>
+          </a:p>
+        </p:txBody>
+      </p:sp>
+      <p:sp>
+        <p:nvSpPr>
+          <p:cNvPr id="35" name="ZoneTexte 21"/>
+          <p:cNvSpPr txBox="1"/>
+          <p:nvPr/>
+        </p:nvSpPr>
+        <p:spPr>
+          <a:xfrm>
+            <a:off x="2216264" y="0"/>
+            <a:ext cx="2571760" cy="276999"/>
+          </a:xfrm>
+          <a:prstGeom prst="rect">
+            <a:avLst/>
+          </a:prstGeom>
+          <a:noFill/>
+        </p:spPr>
+        <p:txBody>
+          <a:bodyPr wrap="square">
+            <a:spAutoFit/>
+          </a:bodyPr>
+          <a:lstStyle/>
+          <a:p>
+            <a:pPr algn="ctr" fontAlgn="auto">
+              <a:spcBef>
+                <a:spcPct val="20000"/>
+              </a:spcBef>
+              <a:spcAft>
+                <a:spcPts val="0"/>
+              </a:spcAft>
+              <a:defRPr/>
+            </a:pPr>
+            <a:r>
+              <a:rPr lang="fr-FR" sz="1200" kern="0" dirty="0" err="1" smtClean="0">
+                <a:solidFill>
+                  <a:schemeClr val="bg1">
+                    <a:lumMod val="50000"/>
+                  </a:schemeClr>
+                </a:solidFill>
+                <a:latin typeface="+mn-lt"/>
+                <a:cs typeface="+mn-cs"/>
+              </a:rPr>
+              <a:t>Context</a:t>
+            </a:r>
+            <a:r>
+              <a:rPr lang="fr-FR" sz="1200" kern="0" dirty="0" smtClean="0">
+                <a:solidFill>
+                  <a:schemeClr val="bg1">
+                    <a:lumMod val="50000"/>
+                  </a:schemeClr>
+                </a:solidFill>
+                <a:latin typeface="+mn-lt"/>
+                <a:cs typeface="+mn-cs"/>
+              </a:rPr>
+              <a:t> </a:t>
+            </a:r>
+            <a:r>
+              <a:rPr lang="fr-FR" sz="1200" kern="0" dirty="0" err="1" smtClean="0">
+                <a:solidFill>
+                  <a:schemeClr val="bg1">
+                    <a:lumMod val="50000"/>
+                  </a:schemeClr>
+                </a:solidFill>
+                <a:latin typeface="+mn-lt"/>
+                <a:cs typeface="+mn-cs"/>
+              </a:rPr>
+              <a:t>diagram</a:t>
+            </a:r>
+            <a:endParaRPr lang="fr-FR" sz="1200" kern="0" dirty="0">
+              <a:solidFill>
+                <a:schemeClr val="bg1">
+                  <a:lumMod val="50000"/>
+                </a:schemeClr>
+              </a:solidFill>
               <a:latin typeface="+mn-lt"/>
               <a:cs typeface="+mn-cs"/>
             </a:endParaRPr>
@@ -10961,140 +17119,6 @@
       </p:sp>
       <p:sp>
         <p:nvSpPr>
-          <p:cNvPr id="5" name="ZoneTexte 4"/>
-          <p:cNvSpPr txBox="1"/>
-          <p:nvPr/>
-        </p:nvSpPr>
-        <p:spPr>
-          <a:xfrm>
-            <a:off x="2143122" y="0"/>
-            <a:ext cx="1928812" cy="276225"/>
-          </a:xfrm>
-          <a:prstGeom prst="rect">
-            <a:avLst/>
-          </a:prstGeom>
-          <a:noFill/>
-        </p:spPr>
-        <p:txBody>
-          <a:bodyPr>
-            <a:spAutoFit/>
-          </a:bodyPr>
-          <a:lstStyle/>
-          <a:p>
-            <a:pPr algn="ctr" fontAlgn="auto">
-              <a:spcBef>
-                <a:spcPct val="20000"/>
-              </a:spcBef>
-              <a:spcAft>
-                <a:spcPts val="0"/>
-              </a:spcAft>
-              <a:defRPr/>
-            </a:pPr>
-            <a:r>
-              <a:rPr lang="fr-FR" sz="1200" kern="0" dirty="0" err="1" smtClean="0">
-                <a:solidFill>
-                  <a:schemeClr val="bg1">
-                    <a:lumMod val="50000"/>
-                  </a:schemeClr>
-                </a:solidFill>
-                <a:latin typeface="+mn-lt"/>
-                <a:cs typeface="+mn-cs"/>
-              </a:rPr>
-              <a:t>Requirements</a:t>
-            </a:r>
-            <a:endParaRPr lang="fr-FR" sz="1200" kern="0" dirty="0">
-              <a:solidFill>
-                <a:schemeClr val="bg1">
-                  <a:lumMod val="50000"/>
-                </a:schemeClr>
-              </a:solidFill>
-              <a:latin typeface="+mn-lt"/>
-              <a:cs typeface="+mn-cs"/>
-            </a:endParaRPr>
-          </a:p>
-        </p:txBody>
-      </p:sp>
-      <p:sp>
-        <p:nvSpPr>
-          <p:cNvPr id="6" name="ZoneTexte 5"/>
-          <p:cNvSpPr txBox="1"/>
-          <p:nvPr/>
-        </p:nvSpPr>
-        <p:spPr>
-          <a:xfrm>
-            <a:off x="4214818" y="0"/>
-            <a:ext cx="2571760" cy="276999"/>
-          </a:xfrm>
-          <a:prstGeom prst="rect">
-            <a:avLst/>
-          </a:prstGeom>
-          <a:noFill/>
-        </p:spPr>
-        <p:txBody>
-          <a:bodyPr wrap="square">
-            <a:spAutoFit/>
-          </a:bodyPr>
-          <a:lstStyle/>
-          <a:p>
-            <a:pPr algn="ctr" fontAlgn="auto">
-              <a:spcBef>
-                <a:spcPct val="20000"/>
-              </a:spcBef>
-              <a:spcAft>
-                <a:spcPts val="0"/>
-              </a:spcAft>
-              <a:defRPr/>
-            </a:pPr>
-            <a:r>
-              <a:rPr lang="fr-FR" sz="1200" kern="0" dirty="0" err="1" smtClean="0">
-                <a:solidFill>
-                  <a:schemeClr val="bg1">
-                    <a:lumMod val="50000"/>
-                  </a:schemeClr>
-                </a:solidFill>
-                <a:latin typeface="+mn-lt"/>
-                <a:cs typeface="+mn-cs"/>
-              </a:rPr>
-              <a:t>Context</a:t>
-            </a:r>
-            <a:r>
-              <a:rPr lang="fr-FR" sz="1200" kern="0" dirty="0" smtClean="0">
-                <a:solidFill>
-                  <a:schemeClr val="bg1">
-                    <a:lumMod val="50000"/>
-                  </a:schemeClr>
-                </a:solidFill>
-                <a:latin typeface="+mn-lt"/>
-                <a:cs typeface="+mn-cs"/>
-              </a:rPr>
-              <a:t> </a:t>
-            </a:r>
-            <a:r>
-              <a:rPr lang="fr-FR" sz="1200" kern="0" dirty="0" err="1" smtClean="0">
-                <a:solidFill>
-                  <a:schemeClr val="bg1">
-                    <a:lumMod val="50000"/>
-                  </a:schemeClr>
-                </a:solidFill>
-                <a:latin typeface="+mn-lt"/>
-                <a:cs typeface="+mn-cs"/>
-              </a:rPr>
-              <a:t>diagram</a:t>
-            </a:r>
-            <a:endParaRPr lang="fr-FR" sz="1200" kern="0" dirty="0">
-              <a:solidFill>
-                <a:schemeClr val="bg1">
-                  <a:lumMod val="50000"/>
-                </a:schemeClr>
-              </a:solidFill>
-              <a:latin typeface="+mn-lt"/>
-              <a:cs typeface="+mn-cs"/>
-            </a:endParaRPr>
-          </a:p>
-        </p:txBody>
-      </p:sp>
-      <p:sp>
-        <p:nvSpPr>
           <p:cNvPr id="7" name="ZoneTexte 6"/>
           <p:cNvSpPr txBox="1"/>
           <p:nvPr/>
@@ -11139,6 +17163,140 @@
               <a:t> frames</a:t>
             </a:r>
             <a:endParaRPr lang="fr-FR" sz="1200" b="1" u="sng" kern="0" dirty="0">
+              <a:latin typeface="+mn-lt"/>
+              <a:cs typeface="+mn-cs"/>
+            </a:endParaRPr>
+          </a:p>
+        </p:txBody>
+      </p:sp>
+      <p:sp>
+        <p:nvSpPr>
+          <p:cNvPr id="8" name="ZoneTexte 20"/>
+          <p:cNvSpPr txBox="1"/>
+          <p:nvPr/>
+        </p:nvSpPr>
+        <p:spPr>
+          <a:xfrm>
+            <a:off x="4731420" y="0"/>
+            <a:ext cx="1928812" cy="276225"/>
+          </a:xfrm>
+          <a:prstGeom prst="rect">
+            <a:avLst/>
+          </a:prstGeom>
+          <a:noFill/>
+        </p:spPr>
+        <p:txBody>
+          <a:bodyPr>
+            <a:spAutoFit/>
+          </a:bodyPr>
+          <a:lstStyle/>
+          <a:p>
+            <a:pPr algn="ctr" fontAlgn="auto">
+              <a:spcBef>
+                <a:spcPct val="20000"/>
+              </a:spcBef>
+              <a:spcAft>
+                <a:spcPts val="0"/>
+              </a:spcAft>
+              <a:defRPr/>
+            </a:pPr>
+            <a:r>
+              <a:rPr lang="fr-FR" sz="1200" kern="0" dirty="0" err="1" smtClean="0">
+                <a:solidFill>
+                  <a:schemeClr val="bg1">
+                    <a:lumMod val="50000"/>
+                  </a:schemeClr>
+                </a:solidFill>
+                <a:latin typeface="+mn-lt"/>
+                <a:cs typeface="+mn-cs"/>
+              </a:rPr>
+              <a:t>Requirements</a:t>
+            </a:r>
+            <a:endParaRPr lang="fr-FR" sz="1200" kern="0" dirty="0">
+              <a:solidFill>
+                <a:schemeClr val="bg1">
+                  <a:lumMod val="50000"/>
+                </a:schemeClr>
+              </a:solidFill>
+              <a:latin typeface="+mn-lt"/>
+              <a:cs typeface="+mn-cs"/>
+            </a:endParaRPr>
+          </a:p>
+        </p:txBody>
+      </p:sp>
+      <p:sp>
+        <p:nvSpPr>
+          <p:cNvPr id="9" name="ZoneTexte 21"/>
+          <p:cNvSpPr txBox="1"/>
+          <p:nvPr/>
+        </p:nvSpPr>
+        <p:spPr>
+          <a:xfrm>
+            <a:off x="2216264" y="0"/>
+            <a:ext cx="2571760" cy="276999"/>
+          </a:xfrm>
+          <a:prstGeom prst="rect">
+            <a:avLst/>
+          </a:prstGeom>
+          <a:noFill/>
+        </p:spPr>
+        <p:txBody>
+          <a:bodyPr wrap="square">
+            <a:spAutoFit/>
+          </a:bodyPr>
+          <a:lstStyle/>
+          <a:p>
+            <a:pPr algn="ctr" fontAlgn="auto">
+              <a:spcBef>
+                <a:spcPct val="20000"/>
+              </a:spcBef>
+              <a:spcAft>
+                <a:spcPts val="0"/>
+              </a:spcAft>
+              <a:defRPr/>
+            </a:pPr>
+            <a:r>
+              <a:rPr lang="fr-FR" sz="1200" kern="0" dirty="0" err="1" smtClean="0">
+                <a:solidFill>
+                  <a:schemeClr val="bg1">
+                    <a:lumMod val="50000"/>
+                  </a:schemeClr>
+                </a:solidFill>
+                <a:latin typeface="+mn-lt"/>
+                <a:cs typeface="+mn-cs"/>
+              </a:rPr>
+              <a:t>Context</a:t>
+            </a:r>
+            <a:r>
+              <a:rPr lang="fr-FR" sz="1200" kern="0" dirty="0" smtClean="0">
+                <a:solidFill>
+                  <a:schemeClr val="bg1">
+                    <a:lumMod val="50000"/>
+                  </a:schemeClr>
+                </a:solidFill>
+                <a:latin typeface="+mn-lt"/>
+                <a:cs typeface="+mn-cs"/>
+              </a:rPr>
+              <a:t> </a:t>
+            </a:r>
+            <a:r>
+              <a:rPr lang="fr-FR" sz="1200" kern="0" dirty="0" err="1" smtClean="0">
+                <a:solidFill>
+                  <a:schemeClr val="bg1">
+                    <a:lumMod val="50000"/>
+                  </a:schemeClr>
+                </a:solidFill>
+                <a:latin typeface="+mn-lt"/>
+                <a:cs typeface="+mn-cs"/>
+              </a:rPr>
+              <a:t>diagram</a:t>
+            </a:r>
+            <a:endParaRPr lang="fr-FR" sz="1200" kern="0" dirty="0">
+              <a:solidFill>
+                <a:schemeClr val="bg1">
+                  <a:lumMod val="50000"/>
+                </a:schemeClr>
+              </a:solidFill>
               <a:latin typeface="+mn-lt"/>
               <a:cs typeface="+mn-cs"/>
             </a:endParaRPr>
@@ -11225,7 +17383,6 @@
               <a:rPr lang="fr-FR" dirty="0"/>
               <a:t>.)</a:t>
             </a:r>
-            <a:endParaRPr lang="fr-FR" dirty="0"/>
           </a:p>
         </p:txBody>
       </p:sp>
@@ -13027,140 +19184,6 @@
       </p:sp>
       <p:sp>
         <p:nvSpPr>
-          <p:cNvPr id="30" name="ZoneTexte 29"/>
-          <p:cNvSpPr txBox="1"/>
-          <p:nvPr/>
-        </p:nvSpPr>
-        <p:spPr>
-          <a:xfrm>
-            <a:off x="2143122" y="0"/>
-            <a:ext cx="1928812" cy="276225"/>
-          </a:xfrm>
-          <a:prstGeom prst="rect">
-            <a:avLst/>
-          </a:prstGeom>
-          <a:noFill/>
-        </p:spPr>
-        <p:txBody>
-          <a:bodyPr>
-            <a:spAutoFit/>
-          </a:bodyPr>
-          <a:lstStyle/>
-          <a:p>
-            <a:pPr algn="ctr" fontAlgn="auto">
-              <a:spcBef>
-                <a:spcPct val="20000"/>
-              </a:spcBef>
-              <a:spcAft>
-                <a:spcPts val="0"/>
-              </a:spcAft>
-              <a:defRPr/>
-            </a:pPr>
-            <a:r>
-              <a:rPr lang="fr-FR" sz="1200" kern="0" dirty="0" err="1" smtClean="0">
-                <a:solidFill>
-                  <a:schemeClr val="bg1">
-                    <a:lumMod val="50000"/>
-                  </a:schemeClr>
-                </a:solidFill>
-                <a:latin typeface="+mn-lt"/>
-                <a:cs typeface="+mn-cs"/>
-              </a:rPr>
-              <a:t>Requirements</a:t>
-            </a:r>
-            <a:endParaRPr lang="fr-FR" sz="1200" kern="0" dirty="0">
-              <a:solidFill>
-                <a:schemeClr val="bg1">
-                  <a:lumMod val="50000"/>
-                </a:schemeClr>
-              </a:solidFill>
-              <a:latin typeface="+mn-lt"/>
-              <a:cs typeface="+mn-cs"/>
-            </a:endParaRPr>
-          </a:p>
-        </p:txBody>
-      </p:sp>
-      <p:sp>
-        <p:nvSpPr>
-          <p:cNvPr id="31" name="ZoneTexte 30"/>
-          <p:cNvSpPr txBox="1"/>
-          <p:nvPr/>
-        </p:nvSpPr>
-        <p:spPr>
-          <a:xfrm>
-            <a:off x="4214818" y="0"/>
-            <a:ext cx="2571760" cy="276999"/>
-          </a:xfrm>
-          <a:prstGeom prst="rect">
-            <a:avLst/>
-          </a:prstGeom>
-          <a:noFill/>
-        </p:spPr>
-        <p:txBody>
-          <a:bodyPr wrap="square">
-            <a:spAutoFit/>
-          </a:bodyPr>
-          <a:lstStyle/>
-          <a:p>
-            <a:pPr algn="ctr" fontAlgn="auto">
-              <a:spcBef>
-                <a:spcPct val="20000"/>
-              </a:spcBef>
-              <a:spcAft>
-                <a:spcPts val="0"/>
-              </a:spcAft>
-              <a:defRPr/>
-            </a:pPr>
-            <a:r>
-              <a:rPr lang="fr-FR" sz="1200" kern="0" dirty="0" err="1" smtClean="0">
-                <a:solidFill>
-                  <a:schemeClr val="bg1">
-                    <a:lumMod val="50000"/>
-                  </a:schemeClr>
-                </a:solidFill>
-                <a:latin typeface="+mn-lt"/>
-                <a:cs typeface="+mn-cs"/>
-              </a:rPr>
-              <a:t>Context</a:t>
-            </a:r>
-            <a:r>
-              <a:rPr lang="fr-FR" sz="1200" kern="0" dirty="0" smtClean="0">
-                <a:solidFill>
-                  <a:schemeClr val="bg1">
-                    <a:lumMod val="50000"/>
-                  </a:schemeClr>
-                </a:solidFill>
-                <a:latin typeface="+mn-lt"/>
-                <a:cs typeface="+mn-cs"/>
-              </a:rPr>
-              <a:t> </a:t>
-            </a:r>
-            <a:r>
-              <a:rPr lang="fr-FR" sz="1200" kern="0" dirty="0" err="1" smtClean="0">
-                <a:solidFill>
-                  <a:schemeClr val="bg1">
-                    <a:lumMod val="50000"/>
-                  </a:schemeClr>
-                </a:solidFill>
-                <a:latin typeface="+mn-lt"/>
-                <a:cs typeface="+mn-cs"/>
-              </a:rPr>
-              <a:t>diagram</a:t>
-            </a:r>
-            <a:endParaRPr lang="fr-FR" sz="1200" kern="0" dirty="0">
-              <a:solidFill>
-                <a:schemeClr val="bg1">
-                  <a:lumMod val="50000"/>
-                </a:schemeClr>
-              </a:solidFill>
-              <a:latin typeface="+mn-lt"/>
-              <a:cs typeface="+mn-cs"/>
-            </a:endParaRPr>
-          </a:p>
-        </p:txBody>
-      </p:sp>
-      <p:sp>
-        <p:nvSpPr>
           <p:cNvPr id="32" name="ZoneTexte 31"/>
           <p:cNvSpPr txBox="1"/>
           <p:nvPr/>
@@ -13205,6 +19228,140 @@
               <a:t> frames</a:t>
             </a:r>
             <a:endParaRPr lang="fr-FR" sz="1200" b="1" u="sng" kern="0" dirty="0">
+              <a:latin typeface="+mn-lt"/>
+              <a:cs typeface="+mn-cs"/>
+            </a:endParaRPr>
+          </a:p>
+        </p:txBody>
+      </p:sp>
+      <p:sp>
+        <p:nvSpPr>
+          <p:cNvPr id="33" name="ZoneTexte 20"/>
+          <p:cNvSpPr txBox="1"/>
+          <p:nvPr/>
+        </p:nvSpPr>
+        <p:spPr>
+          <a:xfrm>
+            <a:off x="4731420" y="0"/>
+            <a:ext cx="1928812" cy="276225"/>
+          </a:xfrm>
+          <a:prstGeom prst="rect">
+            <a:avLst/>
+          </a:prstGeom>
+          <a:noFill/>
+        </p:spPr>
+        <p:txBody>
+          <a:bodyPr>
+            <a:spAutoFit/>
+          </a:bodyPr>
+          <a:lstStyle/>
+          <a:p>
+            <a:pPr algn="ctr" fontAlgn="auto">
+              <a:spcBef>
+                <a:spcPct val="20000"/>
+              </a:spcBef>
+              <a:spcAft>
+                <a:spcPts val="0"/>
+              </a:spcAft>
+              <a:defRPr/>
+            </a:pPr>
+            <a:r>
+              <a:rPr lang="fr-FR" sz="1200" kern="0" dirty="0" err="1" smtClean="0">
+                <a:solidFill>
+                  <a:schemeClr val="bg1">
+                    <a:lumMod val="50000"/>
+                  </a:schemeClr>
+                </a:solidFill>
+                <a:latin typeface="+mn-lt"/>
+                <a:cs typeface="+mn-cs"/>
+              </a:rPr>
+              <a:t>Requirements</a:t>
+            </a:r>
+            <a:endParaRPr lang="fr-FR" sz="1200" kern="0" dirty="0">
+              <a:solidFill>
+                <a:schemeClr val="bg1">
+                  <a:lumMod val="50000"/>
+                </a:schemeClr>
+              </a:solidFill>
+              <a:latin typeface="+mn-lt"/>
+              <a:cs typeface="+mn-cs"/>
+            </a:endParaRPr>
+          </a:p>
+        </p:txBody>
+      </p:sp>
+      <p:sp>
+        <p:nvSpPr>
+          <p:cNvPr id="35" name="ZoneTexte 21"/>
+          <p:cNvSpPr txBox="1"/>
+          <p:nvPr/>
+        </p:nvSpPr>
+        <p:spPr>
+          <a:xfrm>
+            <a:off x="2216264" y="0"/>
+            <a:ext cx="2571760" cy="276999"/>
+          </a:xfrm>
+          <a:prstGeom prst="rect">
+            <a:avLst/>
+          </a:prstGeom>
+          <a:noFill/>
+        </p:spPr>
+        <p:txBody>
+          <a:bodyPr wrap="square">
+            <a:spAutoFit/>
+          </a:bodyPr>
+          <a:lstStyle/>
+          <a:p>
+            <a:pPr algn="ctr" fontAlgn="auto">
+              <a:spcBef>
+                <a:spcPct val="20000"/>
+              </a:spcBef>
+              <a:spcAft>
+                <a:spcPts val="0"/>
+              </a:spcAft>
+              <a:defRPr/>
+            </a:pPr>
+            <a:r>
+              <a:rPr lang="fr-FR" sz="1200" kern="0" dirty="0" err="1" smtClean="0">
+                <a:solidFill>
+                  <a:schemeClr val="bg1">
+                    <a:lumMod val="50000"/>
+                  </a:schemeClr>
+                </a:solidFill>
+                <a:latin typeface="+mn-lt"/>
+                <a:cs typeface="+mn-cs"/>
+              </a:rPr>
+              <a:t>Context</a:t>
+            </a:r>
+            <a:r>
+              <a:rPr lang="fr-FR" sz="1200" kern="0" dirty="0" smtClean="0">
+                <a:solidFill>
+                  <a:schemeClr val="bg1">
+                    <a:lumMod val="50000"/>
+                  </a:schemeClr>
+                </a:solidFill>
+                <a:latin typeface="+mn-lt"/>
+                <a:cs typeface="+mn-cs"/>
+              </a:rPr>
+              <a:t> </a:t>
+            </a:r>
+            <a:r>
+              <a:rPr lang="fr-FR" sz="1200" kern="0" dirty="0" err="1" smtClean="0">
+                <a:solidFill>
+                  <a:schemeClr val="bg1">
+                    <a:lumMod val="50000"/>
+                  </a:schemeClr>
+                </a:solidFill>
+                <a:latin typeface="+mn-lt"/>
+                <a:cs typeface="+mn-cs"/>
+              </a:rPr>
+              <a:t>diagram</a:t>
+            </a:r>
+            <a:endParaRPr lang="fr-FR" sz="1200" kern="0" dirty="0">
+              <a:solidFill>
+                <a:schemeClr val="bg1">
+                  <a:lumMod val="50000"/>
+                </a:schemeClr>
+              </a:solidFill>
               <a:latin typeface="+mn-lt"/>
               <a:cs typeface="+mn-cs"/>
             </a:endParaRPr>
@@ -13270,11 +19427,7 @@
           <a:p>
             <a:r>
               <a:rPr lang="en-US" sz="2400" dirty="0" smtClean="0"/>
-              <a:t>Response in case of unresolvable </a:t>
-            </a:r>
-            <a:r>
-              <a:rPr lang="en-US" sz="2400" dirty="0" smtClean="0"/>
-              <a:t>conditions</a:t>
+              <a:t>Response in case of unresolvable conditions</a:t>
             </a:r>
             <a:endParaRPr lang="fr-FR" sz="2400" dirty="0"/>
           </a:p>
@@ -13579,140 +19732,6 @@
       </p:sp>
       <p:sp>
         <p:nvSpPr>
-          <p:cNvPr id="5" name="ZoneTexte 4"/>
-          <p:cNvSpPr txBox="1"/>
-          <p:nvPr/>
-        </p:nvSpPr>
-        <p:spPr>
-          <a:xfrm>
-            <a:off x="2143122" y="0"/>
-            <a:ext cx="1928812" cy="276225"/>
-          </a:xfrm>
-          <a:prstGeom prst="rect">
-            <a:avLst/>
-          </a:prstGeom>
-          <a:noFill/>
-        </p:spPr>
-        <p:txBody>
-          <a:bodyPr>
-            <a:spAutoFit/>
-          </a:bodyPr>
-          <a:lstStyle/>
-          <a:p>
-            <a:pPr algn="ctr" fontAlgn="auto">
-              <a:spcBef>
-                <a:spcPct val="20000"/>
-              </a:spcBef>
-              <a:spcAft>
-                <a:spcPts val="0"/>
-              </a:spcAft>
-              <a:defRPr/>
-            </a:pPr>
-            <a:r>
-              <a:rPr lang="fr-FR" sz="1200" kern="0" dirty="0" err="1" smtClean="0">
-                <a:solidFill>
-                  <a:schemeClr val="bg1">
-                    <a:lumMod val="50000"/>
-                  </a:schemeClr>
-                </a:solidFill>
-                <a:latin typeface="+mn-lt"/>
-                <a:cs typeface="+mn-cs"/>
-              </a:rPr>
-              <a:t>Requirements</a:t>
-            </a:r>
-            <a:endParaRPr lang="fr-FR" sz="1200" kern="0" dirty="0">
-              <a:solidFill>
-                <a:schemeClr val="bg1">
-                  <a:lumMod val="50000"/>
-                </a:schemeClr>
-              </a:solidFill>
-              <a:latin typeface="+mn-lt"/>
-              <a:cs typeface="+mn-cs"/>
-            </a:endParaRPr>
-          </a:p>
-        </p:txBody>
-      </p:sp>
-      <p:sp>
-        <p:nvSpPr>
-          <p:cNvPr id="6" name="ZoneTexte 5"/>
-          <p:cNvSpPr txBox="1"/>
-          <p:nvPr/>
-        </p:nvSpPr>
-        <p:spPr>
-          <a:xfrm>
-            <a:off x="4214818" y="0"/>
-            <a:ext cx="2571760" cy="276999"/>
-          </a:xfrm>
-          <a:prstGeom prst="rect">
-            <a:avLst/>
-          </a:prstGeom>
-          <a:noFill/>
-        </p:spPr>
-        <p:txBody>
-          <a:bodyPr wrap="square">
-            <a:spAutoFit/>
-          </a:bodyPr>
-          <a:lstStyle/>
-          <a:p>
-            <a:pPr algn="ctr" fontAlgn="auto">
-              <a:spcBef>
-                <a:spcPct val="20000"/>
-              </a:spcBef>
-              <a:spcAft>
-                <a:spcPts val="0"/>
-              </a:spcAft>
-              <a:defRPr/>
-            </a:pPr>
-            <a:r>
-              <a:rPr lang="fr-FR" sz="1200" kern="0" dirty="0" err="1" smtClean="0">
-                <a:solidFill>
-                  <a:schemeClr val="bg1">
-                    <a:lumMod val="50000"/>
-                  </a:schemeClr>
-                </a:solidFill>
-                <a:latin typeface="+mn-lt"/>
-                <a:cs typeface="+mn-cs"/>
-              </a:rPr>
-              <a:t>Context</a:t>
-            </a:r>
-            <a:r>
-              <a:rPr lang="fr-FR" sz="1200" kern="0" dirty="0" smtClean="0">
-                <a:solidFill>
-                  <a:schemeClr val="bg1">
-                    <a:lumMod val="50000"/>
-                  </a:schemeClr>
-                </a:solidFill>
-                <a:latin typeface="+mn-lt"/>
-                <a:cs typeface="+mn-cs"/>
-              </a:rPr>
-              <a:t> </a:t>
-            </a:r>
-            <a:r>
-              <a:rPr lang="fr-FR" sz="1200" kern="0" dirty="0" err="1" smtClean="0">
-                <a:solidFill>
-                  <a:schemeClr val="bg1">
-                    <a:lumMod val="50000"/>
-                  </a:schemeClr>
-                </a:solidFill>
-                <a:latin typeface="+mn-lt"/>
-                <a:cs typeface="+mn-cs"/>
-              </a:rPr>
-              <a:t>diagram</a:t>
-            </a:r>
-            <a:endParaRPr lang="fr-FR" sz="1200" kern="0" dirty="0">
-              <a:solidFill>
-                <a:schemeClr val="bg1">
-                  <a:lumMod val="50000"/>
-                </a:schemeClr>
-              </a:solidFill>
-              <a:latin typeface="+mn-lt"/>
-              <a:cs typeface="+mn-cs"/>
-            </a:endParaRPr>
-          </a:p>
-        </p:txBody>
-      </p:sp>
-      <p:sp>
-        <p:nvSpPr>
           <p:cNvPr id="7" name="ZoneTexte 6"/>
           <p:cNvSpPr txBox="1"/>
           <p:nvPr/>
@@ -13757,6 +19776,140 @@
               <a:t> frames</a:t>
             </a:r>
             <a:endParaRPr lang="fr-FR" sz="1200" b="1" u="sng" kern="0" dirty="0">
+              <a:latin typeface="+mn-lt"/>
+              <a:cs typeface="+mn-cs"/>
+            </a:endParaRPr>
+          </a:p>
+        </p:txBody>
+      </p:sp>
+      <p:sp>
+        <p:nvSpPr>
+          <p:cNvPr id="8" name="ZoneTexte 20"/>
+          <p:cNvSpPr txBox="1"/>
+          <p:nvPr/>
+        </p:nvSpPr>
+        <p:spPr>
+          <a:xfrm>
+            <a:off x="4731420" y="0"/>
+            <a:ext cx="1928812" cy="276225"/>
+          </a:xfrm>
+          <a:prstGeom prst="rect">
+            <a:avLst/>
+          </a:prstGeom>
+          <a:noFill/>
+        </p:spPr>
+        <p:txBody>
+          <a:bodyPr>
+            <a:spAutoFit/>
+          </a:bodyPr>
+          <a:lstStyle/>
+          <a:p>
+            <a:pPr algn="ctr" fontAlgn="auto">
+              <a:spcBef>
+                <a:spcPct val="20000"/>
+              </a:spcBef>
+              <a:spcAft>
+                <a:spcPts val="0"/>
+              </a:spcAft>
+              <a:defRPr/>
+            </a:pPr>
+            <a:r>
+              <a:rPr lang="fr-FR" sz="1200" kern="0" dirty="0" err="1" smtClean="0">
+                <a:solidFill>
+                  <a:schemeClr val="bg1">
+                    <a:lumMod val="50000"/>
+                  </a:schemeClr>
+                </a:solidFill>
+                <a:latin typeface="+mn-lt"/>
+                <a:cs typeface="+mn-cs"/>
+              </a:rPr>
+              <a:t>Requirements</a:t>
+            </a:r>
+            <a:endParaRPr lang="fr-FR" sz="1200" kern="0" dirty="0">
+              <a:solidFill>
+                <a:schemeClr val="bg1">
+                  <a:lumMod val="50000"/>
+                </a:schemeClr>
+              </a:solidFill>
+              <a:latin typeface="+mn-lt"/>
+              <a:cs typeface="+mn-cs"/>
+            </a:endParaRPr>
+          </a:p>
+        </p:txBody>
+      </p:sp>
+      <p:sp>
+        <p:nvSpPr>
+          <p:cNvPr id="9" name="ZoneTexte 21"/>
+          <p:cNvSpPr txBox="1"/>
+          <p:nvPr/>
+        </p:nvSpPr>
+        <p:spPr>
+          <a:xfrm>
+            <a:off x="2216264" y="0"/>
+            <a:ext cx="2571760" cy="276999"/>
+          </a:xfrm>
+          <a:prstGeom prst="rect">
+            <a:avLst/>
+          </a:prstGeom>
+          <a:noFill/>
+        </p:spPr>
+        <p:txBody>
+          <a:bodyPr wrap="square">
+            <a:spAutoFit/>
+          </a:bodyPr>
+          <a:lstStyle/>
+          <a:p>
+            <a:pPr algn="ctr" fontAlgn="auto">
+              <a:spcBef>
+                <a:spcPct val="20000"/>
+              </a:spcBef>
+              <a:spcAft>
+                <a:spcPts val="0"/>
+              </a:spcAft>
+              <a:defRPr/>
+            </a:pPr>
+            <a:r>
+              <a:rPr lang="fr-FR" sz="1200" kern="0" dirty="0" err="1" smtClean="0">
+                <a:solidFill>
+                  <a:schemeClr val="bg1">
+                    <a:lumMod val="50000"/>
+                  </a:schemeClr>
+                </a:solidFill>
+                <a:latin typeface="+mn-lt"/>
+                <a:cs typeface="+mn-cs"/>
+              </a:rPr>
+              <a:t>Context</a:t>
+            </a:r>
+            <a:r>
+              <a:rPr lang="fr-FR" sz="1200" kern="0" dirty="0" smtClean="0">
+                <a:solidFill>
+                  <a:schemeClr val="bg1">
+                    <a:lumMod val="50000"/>
+                  </a:schemeClr>
+                </a:solidFill>
+                <a:latin typeface="+mn-lt"/>
+                <a:cs typeface="+mn-cs"/>
+              </a:rPr>
+              <a:t> </a:t>
+            </a:r>
+            <a:r>
+              <a:rPr lang="fr-FR" sz="1200" kern="0" dirty="0" err="1" smtClean="0">
+                <a:solidFill>
+                  <a:schemeClr val="bg1">
+                    <a:lumMod val="50000"/>
+                  </a:schemeClr>
+                </a:solidFill>
+                <a:latin typeface="+mn-lt"/>
+                <a:cs typeface="+mn-cs"/>
+              </a:rPr>
+              <a:t>diagram</a:t>
+            </a:r>
+            <a:endParaRPr lang="fr-FR" sz="1200" kern="0" dirty="0">
+              <a:solidFill>
+                <a:schemeClr val="bg1">
+                  <a:lumMod val="50000"/>
+                </a:schemeClr>
+              </a:solidFill>
               <a:latin typeface="+mn-lt"/>
               <a:cs typeface="+mn-cs"/>
             </a:endParaRPr>
@@ -13822,11 +19975,7 @@
           <a:p>
             <a:r>
               <a:rPr lang="en-US" sz="2400" dirty="0" smtClean="0"/>
-              <a:t>Response in case of unresolvable </a:t>
-            </a:r>
-            <a:r>
-              <a:rPr lang="en-US" sz="2400" dirty="0" smtClean="0"/>
-              <a:t>conditions </a:t>
+              <a:t>Response in case of unresolvable conditions </a:t>
             </a:r>
             <a:r>
               <a:rPr lang="fr-FR" sz="2400" dirty="0"/>
@@ -13840,7 +19989,6 @@
               <a:rPr lang="fr-FR" sz="2400" dirty="0"/>
               <a:t>.)</a:t>
             </a:r>
-            <a:endParaRPr lang="fr-FR" sz="2400" dirty="0"/>
           </a:p>
         </p:txBody>
       </p:sp>
@@ -15646,140 +21794,6 @@
       </p:sp>
       <p:sp>
         <p:nvSpPr>
-          <p:cNvPr id="30" name="ZoneTexte 29"/>
-          <p:cNvSpPr txBox="1"/>
-          <p:nvPr/>
-        </p:nvSpPr>
-        <p:spPr>
-          <a:xfrm>
-            <a:off x="2143122" y="0"/>
-            <a:ext cx="1928812" cy="276225"/>
-          </a:xfrm>
-          <a:prstGeom prst="rect">
-            <a:avLst/>
-          </a:prstGeom>
-          <a:noFill/>
-        </p:spPr>
-        <p:txBody>
-          <a:bodyPr>
-            <a:spAutoFit/>
-          </a:bodyPr>
-          <a:lstStyle/>
-          <a:p>
-            <a:pPr algn="ctr" fontAlgn="auto">
-              <a:spcBef>
-                <a:spcPct val="20000"/>
-              </a:spcBef>
-              <a:spcAft>
-                <a:spcPts val="0"/>
-              </a:spcAft>
-              <a:defRPr/>
-            </a:pPr>
-            <a:r>
-              <a:rPr lang="fr-FR" sz="1200" kern="0" dirty="0" err="1" smtClean="0">
-                <a:solidFill>
-                  <a:schemeClr val="bg1">
-                    <a:lumMod val="50000"/>
-                  </a:schemeClr>
-                </a:solidFill>
-                <a:latin typeface="+mn-lt"/>
-                <a:cs typeface="+mn-cs"/>
-              </a:rPr>
-              <a:t>Requirements</a:t>
-            </a:r>
-            <a:endParaRPr lang="fr-FR" sz="1200" kern="0" dirty="0">
-              <a:solidFill>
-                <a:schemeClr val="bg1">
-                  <a:lumMod val="50000"/>
-                </a:schemeClr>
-              </a:solidFill>
-              <a:latin typeface="+mn-lt"/>
-              <a:cs typeface="+mn-cs"/>
-            </a:endParaRPr>
-          </a:p>
-        </p:txBody>
-      </p:sp>
-      <p:sp>
-        <p:nvSpPr>
-          <p:cNvPr id="31" name="ZoneTexte 30"/>
-          <p:cNvSpPr txBox="1"/>
-          <p:nvPr/>
-        </p:nvSpPr>
-        <p:spPr>
-          <a:xfrm>
-            <a:off x="4214818" y="0"/>
-            <a:ext cx="2571760" cy="276999"/>
-          </a:xfrm>
-          <a:prstGeom prst="rect">
-            <a:avLst/>
-          </a:prstGeom>
-          <a:noFill/>
-        </p:spPr>
-        <p:txBody>
-          <a:bodyPr wrap="square">
-            <a:spAutoFit/>
-          </a:bodyPr>
-          <a:lstStyle/>
-          <a:p>
-            <a:pPr algn="ctr" fontAlgn="auto">
-              <a:spcBef>
-                <a:spcPct val="20000"/>
-              </a:spcBef>
-              <a:spcAft>
-                <a:spcPts val="0"/>
-              </a:spcAft>
-              <a:defRPr/>
-            </a:pPr>
-            <a:r>
-              <a:rPr lang="fr-FR" sz="1200" kern="0" dirty="0" err="1" smtClean="0">
-                <a:solidFill>
-                  <a:schemeClr val="bg1">
-                    <a:lumMod val="50000"/>
-                  </a:schemeClr>
-                </a:solidFill>
-                <a:latin typeface="+mn-lt"/>
-                <a:cs typeface="+mn-cs"/>
-              </a:rPr>
-              <a:t>Context</a:t>
-            </a:r>
-            <a:r>
-              <a:rPr lang="fr-FR" sz="1200" kern="0" dirty="0" smtClean="0">
-                <a:solidFill>
-                  <a:schemeClr val="bg1">
-                    <a:lumMod val="50000"/>
-                  </a:schemeClr>
-                </a:solidFill>
-                <a:latin typeface="+mn-lt"/>
-                <a:cs typeface="+mn-cs"/>
-              </a:rPr>
-              <a:t> </a:t>
-            </a:r>
-            <a:r>
-              <a:rPr lang="fr-FR" sz="1200" kern="0" dirty="0" err="1" smtClean="0">
-                <a:solidFill>
-                  <a:schemeClr val="bg1">
-                    <a:lumMod val="50000"/>
-                  </a:schemeClr>
-                </a:solidFill>
-                <a:latin typeface="+mn-lt"/>
-                <a:cs typeface="+mn-cs"/>
-              </a:rPr>
-              <a:t>diagram</a:t>
-            </a:r>
-            <a:endParaRPr lang="fr-FR" sz="1200" kern="0" dirty="0">
-              <a:solidFill>
-                <a:schemeClr val="bg1">
-                  <a:lumMod val="50000"/>
-                </a:schemeClr>
-              </a:solidFill>
-              <a:latin typeface="+mn-lt"/>
-              <a:cs typeface="+mn-cs"/>
-            </a:endParaRPr>
-          </a:p>
-        </p:txBody>
-      </p:sp>
-      <p:sp>
-        <p:nvSpPr>
           <p:cNvPr id="32" name="ZoneTexte 31"/>
           <p:cNvSpPr txBox="1"/>
           <p:nvPr/>
@@ -15824,6 +21838,140 @@
               <a:t> frames</a:t>
             </a:r>
             <a:endParaRPr lang="fr-FR" sz="1200" b="1" u="sng" kern="0" dirty="0">
+              <a:latin typeface="+mn-lt"/>
+              <a:cs typeface="+mn-cs"/>
+            </a:endParaRPr>
+          </a:p>
+        </p:txBody>
+      </p:sp>
+      <p:sp>
+        <p:nvSpPr>
+          <p:cNvPr id="33" name="ZoneTexte 20"/>
+          <p:cNvSpPr txBox="1"/>
+          <p:nvPr/>
+        </p:nvSpPr>
+        <p:spPr>
+          <a:xfrm>
+            <a:off x="4731420" y="0"/>
+            <a:ext cx="1928812" cy="276225"/>
+          </a:xfrm>
+          <a:prstGeom prst="rect">
+            <a:avLst/>
+          </a:prstGeom>
+          <a:noFill/>
+        </p:spPr>
+        <p:txBody>
+          <a:bodyPr>
+            <a:spAutoFit/>
+          </a:bodyPr>
+          <a:lstStyle/>
+          <a:p>
+            <a:pPr algn="ctr" fontAlgn="auto">
+              <a:spcBef>
+                <a:spcPct val="20000"/>
+              </a:spcBef>
+              <a:spcAft>
+                <a:spcPts val="0"/>
+              </a:spcAft>
+              <a:defRPr/>
+            </a:pPr>
+            <a:r>
+              <a:rPr lang="fr-FR" sz="1200" kern="0" dirty="0" err="1" smtClean="0">
+                <a:solidFill>
+                  <a:schemeClr val="bg1">
+                    <a:lumMod val="50000"/>
+                  </a:schemeClr>
+                </a:solidFill>
+                <a:latin typeface="+mn-lt"/>
+                <a:cs typeface="+mn-cs"/>
+              </a:rPr>
+              <a:t>Requirements</a:t>
+            </a:r>
+            <a:endParaRPr lang="fr-FR" sz="1200" kern="0" dirty="0">
+              <a:solidFill>
+                <a:schemeClr val="bg1">
+                  <a:lumMod val="50000"/>
+                </a:schemeClr>
+              </a:solidFill>
+              <a:latin typeface="+mn-lt"/>
+              <a:cs typeface="+mn-cs"/>
+            </a:endParaRPr>
+          </a:p>
+        </p:txBody>
+      </p:sp>
+      <p:sp>
+        <p:nvSpPr>
+          <p:cNvPr id="35" name="ZoneTexte 21"/>
+          <p:cNvSpPr txBox="1"/>
+          <p:nvPr/>
+        </p:nvSpPr>
+        <p:spPr>
+          <a:xfrm>
+            <a:off x="2216264" y="0"/>
+            <a:ext cx="2571760" cy="276999"/>
+          </a:xfrm>
+          <a:prstGeom prst="rect">
+            <a:avLst/>
+          </a:prstGeom>
+          <a:noFill/>
+        </p:spPr>
+        <p:txBody>
+          <a:bodyPr wrap="square">
+            <a:spAutoFit/>
+          </a:bodyPr>
+          <a:lstStyle/>
+          <a:p>
+            <a:pPr algn="ctr" fontAlgn="auto">
+              <a:spcBef>
+                <a:spcPct val="20000"/>
+              </a:spcBef>
+              <a:spcAft>
+                <a:spcPts val="0"/>
+              </a:spcAft>
+              <a:defRPr/>
+            </a:pPr>
+            <a:r>
+              <a:rPr lang="fr-FR" sz="1200" kern="0" dirty="0" err="1" smtClean="0">
+                <a:solidFill>
+                  <a:schemeClr val="bg1">
+                    <a:lumMod val="50000"/>
+                  </a:schemeClr>
+                </a:solidFill>
+                <a:latin typeface="+mn-lt"/>
+                <a:cs typeface="+mn-cs"/>
+              </a:rPr>
+              <a:t>Context</a:t>
+            </a:r>
+            <a:r>
+              <a:rPr lang="fr-FR" sz="1200" kern="0" dirty="0" smtClean="0">
+                <a:solidFill>
+                  <a:schemeClr val="bg1">
+                    <a:lumMod val="50000"/>
+                  </a:schemeClr>
+                </a:solidFill>
+                <a:latin typeface="+mn-lt"/>
+                <a:cs typeface="+mn-cs"/>
+              </a:rPr>
+              <a:t> </a:t>
+            </a:r>
+            <a:r>
+              <a:rPr lang="fr-FR" sz="1200" kern="0" dirty="0" err="1" smtClean="0">
+                <a:solidFill>
+                  <a:schemeClr val="bg1">
+                    <a:lumMod val="50000"/>
+                  </a:schemeClr>
+                </a:solidFill>
+                <a:latin typeface="+mn-lt"/>
+                <a:cs typeface="+mn-cs"/>
+              </a:rPr>
+              <a:t>diagram</a:t>
+            </a:r>
+            <a:endParaRPr lang="fr-FR" sz="1200" kern="0" dirty="0">
+              <a:solidFill>
+                <a:schemeClr val="bg1">
+                  <a:lumMod val="50000"/>
+                </a:schemeClr>
+              </a:solidFill>
               <a:latin typeface="+mn-lt"/>
               <a:cs typeface="+mn-cs"/>
             </a:endParaRPr>
@@ -16125,19 +22273,206 @@
             <p:ph type="body" sz="quarter" idx="10"/>
           </p:nvPr>
         </p:nvSpPr>
-        <p:spPr/>
+        <p:spPr>
+          <a:xfrm>
+            <a:off x="323528" y="1268760"/>
+            <a:ext cx="8643968" cy="5141804"/>
+          </a:xfrm>
+        </p:spPr>
         <p:txBody>
           <a:bodyPr/>
           <a:lstStyle/>
           <a:p>
-            <a:endParaRPr lang="fr-FR"/>
+            <a:r>
+              <a:rPr lang="fr-FR" dirty="0" err="1" smtClean="0"/>
+              <a:t>Problem</a:t>
+            </a:r>
+            <a:r>
+              <a:rPr lang="fr-FR" dirty="0" smtClean="0"/>
+              <a:t> frames </a:t>
+            </a:r>
+            <a:r>
+              <a:rPr lang="fr-FR" dirty="0" err="1" smtClean="0"/>
+              <a:t>provides</a:t>
+            </a:r>
+            <a:r>
+              <a:rPr lang="fr-FR" dirty="0" smtClean="0"/>
+              <a:t> us a new perspective </a:t>
+            </a:r>
+            <a:r>
+              <a:rPr lang="fr-FR" dirty="0" err="1" smtClean="0"/>
+              <a:t>around</a:t>
+            </a:r>
+            <a:r>
+              <a:rPr lang="fr-FR" dirty="0" smtClean="0"/>
+              <a:t> </a:t>
+            </a:r>
+            <a:r>
+              <a:rPr lang="fr-FR" dirty="0" err="1" smtClean="0"/>
+              <a:t>analysis</a:t>
+            </a:r>
+            <a:r>
+              <a:rPr lang="fr-FR" dirty="0" smtClean="0"/>
+              <a:t> </a:t>
+            </a:r>
+          </a:p>
+          <a:p>
+            <a:endParaRPr lang="fr-FR" dirty="0" smtClean="0"/>
+          </a:p>
+          <a:p>
+            <a:endParaRPr lang="fr-FR" dirty="0" smtClean="0"/>
+          </a:p>
+          <a:p>
+            <a:endParaRPr lang="fr-FR" dirty="0"/>
+          </a:p>
+          <a:p>
+            <a:endParaRPr lang="fr-FR" dirty="0" smtClean="0"/>
+          </a:p>
+          <a:p>
+            <a:endParaRPr lang="fr-FR" dirty="0"/>
+          </a:p>
+          <a:p>
+            <a:endParaRPr lang="fr-FR" dirty="0" smtClean="0"/>
+          </a:p>
+          <a:p>
+            <a:endParaRPr lang="fr-FR" dirty="0" smtClean="0"/>
+          </a:p>
+          <a:p>
+            <a:r>
+              <a:rPr lang="fr-FR" dirty="0" err="1" smtClean="0"/>
+              <a:t>Problem</a:t>
+            </a:r>
+            <a:r>
+              <a:rPr lang="fr-FR" dirty="0" smtClean="0"/>
+              <a:t> frames technique </a:t>
+            </a:r>
+            <a:r>
+              <a:rPr lang="fr-FR" dirty="0" err="1" smtClean="0"/>
+              <a:t>provides</a:t>
+            </a:r>
+            <a:r>
+              <a:rPr lang="fr-FR" dirty="0" smtClean="0"/>
+              <a:t> patterns </a:t>
+            </a:r>
+            <a:r>
+              <a:rPr lang="fr-FR" dirty="0" err="1" smtClean="0"/>
+              <a:t>that</a:t>
+            </a:r>
+            <a:r>
+              <a:rPr lang="fr-FR" dirty="0" smtClean="0"/>
+              <a:t> </a:t>
+            </a:r>
+            <a:r>
+              <a:rPr lang="fr-FR" dirty="0" err="1" smtClean="0"/>
+              <a:t>allows</a:t>
+            </a:r>
+            <a:r>
+              <a:rPr lang="fr-FR" dirty="0" smtClean="0"/>
+              <a:t> us to </a:t>
+            </a:r>
+            <a:r>
+              <a:rPr lang="fr-FR" dirty="0" err="1" smtClean="0"/>
+              <a:t>identify</a:t>
+            </a:r>
+            <a:r>
+              <a:rPr lang="fr-FR" dirty="0" smtClean="0"/>
+              <a:t> </a:t>
+            </a:r>
+            <a:r>
+              <a:rPr lang="fr-FR" dirty="0" err="1" smtClean="0"/>
+              <a:t>each</a:t>
+            </a:r>
+            <a:r>
+              <a:rPr lang="fr-FR" dirty="0" smtClean="0"/>
+              <a:t> </a:t>
+            </a:r>
+            <a:r>
+              <a:rPr lang="fr-FR" dirty="0" err="1" smtClean="0"/>
+              <a:t>decomposed</a:t>
+            </a:r>
+            <a:r>
+              <a:rPr lang="fr-FR" dirty="0" smtClean="0"/>
+              <a:t> </a:t>
+            </a:r>
+            <a:r>
+              <a:rPr lang="fr-FR" dirty="0" err="1" smtClean="0"/>
+              <a:t>problem</a:t>
+            </a:r>
+            <a:r>
+              <a:rPr lang="fr-FR" dirty="0" smtClean="0"/>
+              <a:t> as a </a:t>
+            </a:r>
+            <a:r>
+              <a:rPr lang="fr-FR" dirty="0" err="1" smtClean="0"/>
+              <a:t>singular</a:t>
+            </a:r>
+            <a:r>
+              <a:rPr lang="fr-FR" dirty="0" smtClean="0"/>
+              <a:t> </a:t>
+            </a:r>
+            <a:r>
+              <a:rPr lang="fr-FR" dirty="0" err="1" smtClean="0"/>
+              <a:t>problem</a:t>
+            </a:r>
+            <a:r>
+              <a:rPr lang="fr-FR" dirty="0" smtClean="0"/>
+              <a:t> </a:t>
+            </a:r>
+            <a:r>
+              <a:rPr lang="fr-FR" dirty="0" err="1" smtClean="0"/>
+              <a:t>belonging</a:t>
+            </a:r>
+            <a:r>
+              <a:rPr lang="fr-FR" dirty="0" smtClean="0"/>
+              <a:t> to a </a:t>
+            </a:r>
+            <a:r>
+              <a:rPr lang="fr-FR" dirty="0" err="1" smtClean="0"/>
+              <a:t>standardized</a:t>
+            </a:r>
+            <a:r>
+              <a:rPr lang="fr-FR" dirty="0" smtClean="0"/>
+              <a:t> type</a:t>
+            </a:r>
+          </a:p>
+          <a:p>
+            <a:endParaRPr lang="fr-FR" dirty="0" smtClean="0"/>
+          </a:p>
+          <a:p>
+            <a:endParaRPr lang="fr-FR" dirty="0" smtClean="0"/>
+          </a:p>
+          <a:p>
+            <a:pPr lvl="1"/>
+            <a:endParaRPr lang="fr-FR" dirty="0" smtClean="0"/>
           </a:p>
         </p:txBody>
       </p:sp>
+      <p:graphicFrame>
+        <p:nvGraphicFramePr>
+          <p:cNvPr id="4" name="Diagram 3"/>
+          <p:cNvGraphicFramePr/>
+          <p:nvPr>
+            <p:extLst>
+              <p:ext uri="{D42A27DB-BD31-4B8C-83A1-F6EECF244321}">
+                <p14:modId xmlns:p14="http://schemas.microsoft.com/office/powerpoint/2007/7/12/main" val="1184675271"/>
+              </p:ext>
+            </p:extLst>
+          </p:nvPr>
+        </p:nvGraphicFramePr>
+        <p:xfrm>
+          <a:off x="1285852" y="1397000"/>
+          <a:ext cx="6096000" cy="4064000"/>
+        </p:xfrm>
+        <a:graphic>
+          <a:graphicData uri="http://schemas.openxmlformats.org/drawingml/2006/diagram">
+            <dgm:relIds xmlns:dgm="http://schemas.openxmlformats.org/drawingml/2006/diagram" xmlns:r="http://schemas.openxmlformats.org/officeDocument/2006/relationships" r:dm="rId2" r:lo="rId3" r:qs="rId4" r:cs="rId5"/>
+          </a:graphicData>
+        </a:graphic>
+      </p:graphicFrame>
     </p:spTree>
     <p:extLst>
       <p:ext uri="{BB962C8B-B14F-4D97-AF65-F5344CB8AC3E}">
-        <p14:creationId xmlns:p14="http://schemas.microsoft.com/office/powerpoint/2007/7/12/main" val="1944623020"/>
+        <p14:creationId xmlns:p14="http://schemas.microsoft.com/office/powerpoint/2007/7/12/main" val="454031538"/>
       </p:ext>
     </p:extLst>
   </p:cSld>
@@ -16155,6 +22490,96 @@
 </file>
 
 <file path=ppt/slides/slide21.xml><?xml version="1.0" encoding="utf-8"?>
+<p:sld xmlns:a="http://schemas.openxmlformats.org/drawingml/2006/main" xmlns:r="http://schemas.openxmlformats.org/officeDocument/2006/relationships" xmlns:p="http://schemas.openxmlformats.org/presentationml/2006/main">
+  <p:cSld>
+    <p:spTree>
+      <p:nvGrpSpPr>
+        <p:cNvPr id="1" name=""/>
+        <p:cNvGrpSpPr/>
+        <p:nvPr/>
+      </p:nvGrpSpPr>
+      <p:grpSpPr>
+        <a:xfrm>
+          <a:off x="0" y="0"/>
+          <a:ext cx="0" cy="0"/>
+          <a:chOff x="0" y="0"/>
+          <a:chExt cx="0" cy="0"/>
+        </a:xfrm>
+      </p:grpSpPr>
+      <p:sp>
+        <p:nvSpPr>
+          <p:cNvPr id="2" name="Title 1"/>
+          <p:cNvSpPr>
+            <a:spLocks noGrp="1"/>
+          </p:cNvSpPr>
+          <p:nvPr>
+            <p:ph type="ctrTitle"/>
+          </p:nvPr>
+        </p:nvSpPr>
+        <p:spPr/>
+        <p:txBody>
+          <a:bodyPr/>
+          <a:lstStyle/>
+          <a:p>
+            <a:r>
+              <a:rPr lang="fr-FR" dirty="0" smtClean="0"/>
+              <a:t>Conclusion (</a:t>
+            </a:r>
+            <a:r>
+              <a:rPr lang="fr-FR" dirty="0" err="1" smtClean="0"/>
+              <a:t>cont</a:t>
+            </a:r>
+            <a:r>
+              <a:rPr lang="fr-FR" dirty="0" smtClean="0"/>
+              <a:t>.)</a:t>
+            </a:r>
+            <a:endParaRPr lang="fr-FR" dirty="0"/>
+          </a:p>
+        </p:txBody>
+      </p:sp>
+      <p:graphicFrame>
+        <p:nvGraphicFramePr>
+          <p:cNvPr id="4" name="Diagram 3"/>
+          <p:cNvGraphicFramePr/>
+          <p:nvPr>
+            <p:extLst>
+              <p:ext uri="{D42A27DB-BD31-4B8C-83A1-F6EECF244321}">
+                <p14:modId xmlns:p14="http://schemas.microsoft.com/office/powerpoint/2007/7/12/main" val="4107173624"/>
+              </p:ext>
+            </p:extLst>
+          </p:nvPr>
+        </p:nvGraphicFramePr>
+        <p:xfrm>
+          <a:off x="1059653" y="1397000"/>
+          <a:ext cx="7227123" cy="4818082"/>
+        </p:xfrm>
+        <a:graphic>
+          <a:graphicData uri="http://schemas.openxmlformats.org/drawingml/2006/diagram">
+            <dgm:relIds xmlns:dgm="http://schemas.openxmlformats.org/drawingml/2006/diagram" xmlns:r="http://schemas.openxmlformats.org/officeDocument/2006/relationships" r:dm="rId2" r:lo="rId3" r:qs="rId4" r:cs="rId5"/>
+          </a:graphicData>
+        </a:graphic>
+      </p:graphicFrame>
+    </p:spTree>
+    <p:extLst>
+      <p:ext uri="{BB962C8B-B14F-4D97-AF65-F5344CB8AC3E}">
+        <p14:creationId xmlns:p14="http://schemas.microsoft.com/office/powerpoint/2007/7/12/main" val="4039325657"/>
+      </p:ext>
+    </p:extLst>
+  </p:cSld>
+  <p:clrMapOvr>
+    <a:masterClrMapping/>
+  </p:clrMapOvr>
+  <p:timing>
+    <p:tnLst>
+      <p:par>
+        <p:cTn xmlns:p14="http://schemas.microsoft.com/office/powerpoint/2007/7/12/main" id="1" dur="indefinite" restart="never" nodeType="tmRoot"/>
+      </p:par>
+    </p:tnLst>
+  </p:timing>
+</p:sld>
+</file>
+
+<file path=ppt/slides/slide22.xml><?xml version="1.0" encoding="utf-8"?>
 <p:sld xmlns:a="http://schemas.openxmlformats.org/drawingml/2006/main" xmlns:r="http://schemas.openxmlformats.org/officeDocument/2006/relationships" xmlns:p="http://schemas.openxmlformats.org/presentationml/2006/main">
   <p:cSld>
     <p:spTree>
@@ -16591,7 +23016,7 @@
 </p:sld>
 </file>
 
-<file path=ppt/slides/slide22.xml><?xml version="1.0" encoding="utf-8"?>
+<file path=ppt/slides/slide23.xml><?xml version="1.0" encoding="utf-8"?>
 <p:sld xmlns:a="http://schemas.openxmlformats.org/drawingml/2006/main" xmlns:r="http://schemas.openxmlformats.org/officeDocument/2006/relationships" xmlns:p="http://schemas.openxmlformats.org/presentationml/2006/main">
   <p:cSld>
     <p:spTree>
@@ -19274,7 +25699,7 @@
         </p:nvSpPr>
         <p:spPr>
           <a:xfrm>
-            <a:off x="4714876" y="0"/>
+            <a:off x="4731420" y="0"/>
             <a:ext cx="1928812" cy="276225"/>
           </a:xfrm>
           <a:prstGeom prst="rect">
@@ -19319,7 +25744,7 @@
         </p:nvSpPr>
         <p:spPr>
           <a:xfrm>
-            <a:off x="2143108" y="0"/>
+            <a:off x="2216264" y="0"/>
             <a:ext cx="2571760" cy="276999"/>
           </a:xfrm>
           <a:prstGeom prst="rect">
@@ -19720,7 +26145,7 @@
         </p:nvSpPr>
         <p:spPr>
           <a:xfrm>
-            <a:off x="2143122" y="0"/>
+            <a:off x="4731420" y="774"/>
             <a:ext cx="1928812" cy="276225"/>
           </a:xfrm>
           <a:prstGeom prst="rect">
@@ -19775,7 +26200,7 @@
         </p:nvSpPr>
         <p:spPr>
           <a:xfrm>
-            <a:off x="4214818" y="0"/>
+            <a:off x="2216264" y="-774"/>
             <a:ext cx="2571760" cy="276999"/>
           </a:xfrm>
           <a:prstGeom prst="rect">
@@ -21101,7 +27526,7 @@
         </p:nvSpPr>
         <p:spPr>
           <a:xfrm>
-            <a:off x="4643438" y="0"/>
+            <a:off x="4731420" y="0"/>
             <a:ext cx="1928812" cy="276225"/>
           </a:xfrm>
           <a:prstGeom prst="rect">
@@ -21156,7 +27581,7 @@
         </p:nvSpPr>
         <p:spPr>
           <a:xfrm>
-            <a:off x="2143108" y="0"/>
+            <a:off x="2216264" y="0"/>
             <a:ext cx="2571760" cy="276999"/>
           </a:xfrm>
           <a:prstGeom prst="rect">
@@ -21407,7 +27832,7 @@
       </p:sp>
       <p:sp>
         <p:nvSpPr>
-          <p:cNvPr id="4" name="ZoneTexte 3"/>
+          <p:cNvPr id="8" name="ZoneTexte 19"/>
           <p:cNvSpPr txBox="1"/>
           <p:nvPr/>
         </p:nvSpPr>
@@ -21462,13 +27887,13 @@
       </p:sp>
       <p:sp>
         <p:nvSpPr>
-          <p:cNvPr id="5" name="ZoneTexte 4"/>
+          <p:cNvPr id="9" name="ZoneTexte 20"/>
           <p:cNvSpPr txBox="1"/>
           <p:nvPr/>
         </p:nvSpPr>
         <p:spPr>
           <a:xfrm>
-            <a:off x="2143122" y="0"/>
+            <a:off x="4731420" y="0"/>
             <a:ext cx="1928812" cy="276225"/>
           </a:xfrm>
           <a:prstGeom prst="rect">
@@ -21517,13 +27942,13 @@
       </p:sp>
       <p:sp>
         <p:nvSpPr>
-          <p:cNvPr id="6" name="ZoneTexte 5"/>
+          <p:cNvPr id="10" name="ZoneTexte 21"/>
           <p:cNvSpPr txBox="1"/>
           <p:nvPr/>
         </p:nvSpPr>
         <p:spPr>
           <a:xfrm>
-            <a:off x="4214818" y="0"/>
+            <a:off x="2216264" y="0"/>
             <a:ext cx="2571760" cy="276999"/>
           </a:xfrm>
           <a:prstGeom prst="rect">
@@ -21596,7 +28021,7 @@
       </p:sp>
       <p:sp>
         <p:nvSpPr>
-          <p:cNvPr id="7" name="ZoneTexte 6"/>
+          <p:cNvPr id="11" name="ZoneTexte 22"/>
           <p:cNvSpPr txBox="1"/>
           <p:nvPr/>
         </p:nvSpPr>
@@ -21718,7 +28143,6 @@
               <a:rPr lang="fr-FR" dirty="0"/>
               <a:t>.)</a:t>
             </a:r>
-            <a:endParaRPr lang="fr-FR" dirty="0"/>
           </a:p>
         </p:txBody>
       </p:sp>
@@ -23576,7 +30000,7 @@
       </p:sp>
       <p:sp>
         <p:nvSpPr>
-          <p:cNvPr id="29" name="ZoneTexte 28"/>
+          <p:cNvPr id="33" name="ZoneTexte 19"/>
           <p:cNvSpPr txBox="1"/>
           <p:nvPr/>
         </p:nvSpPr>
@@ -23631,13 +30055,13 @@
       </p:sp>
       <p:sp>
         <p:nvSpPr>
-          <p:cNvPr id="30" name="ZoneTexte 29"/>
+          <p:cNvPr id="35" name="ZoneTexte 20"/>
           <p:cNvSpPr txBox="1"/>
           <p:nvPr/>
         </p:nvSpPr>
         <p:spPr>
           <a:xfrm>
-            <a:off x="2143122" y="0"/>
+            <a:off x="4731420" y="0"/>
             <a:ext cx="1928812" cy="276225"/>
           </a:xfrm>
           <a:prstGeom prst="rect">
@@ -23686,13 +30110,13 @@
       </p:sp>
       <p:sp>
         <p:nvSpPr>
-          <p:cNvPr id="31" name="ZoneTexte 30"/>
+          <p:cNvPr id="36" name="ZoneTexte 21"/>
           <p:cNvSpPr txBox="1"/>
           <p:nvPr/>
         </p:nvSpPr>
         <p:spPr>
           <a:xfrm>
-            <a:off x="4214818" y="0"/>
+            <a:off x="2216264" y="0"/>
             <a:ext cx="2571760" cy="276999"/>
           </a:xfrm>
           <a:prstGeom prst="rect">
@@ -23765,7 +30189,7 @@
       </p:sp>
       <p:sp>
         <p:nvSpPr>
-          <p:cNvPr id="32" name="ZoneTexte 31"/>
+          <p:cNvPr id="37" name="ZoneTexte 22"/>
           <p:cNvSpPr txBox="1"/>
           <p:nvPr/>
         </p:nvSpPr>
